--- a/assets/lectures/cbw-cshl/2019/mini/RNASeq_MiniLecture_08_01_Alignment.pptx
+++ b/assets/lectures/cbw-cshl/2019/mini/RNASeq_MiniLecture_08_01_Alignment.pptx
@@ -6,22 +6,26 @@
     <p:sldMasterId id="2147483674" r:id="rId2"/>
   </p:sldMasterIdLst>
   <p:notesMasterIdLst>
-    <p:notesMasterId r:id="rId16"/>
+    <p:notesMasterId r:id="rId20"/>
   </p:notesMasterIdLst>
   <p:sldIdLst>
     <p:sldId id="259" r:id="rId3"/>
-    <p:sldId id="516" r:id="rId4"/>
-    <p:sldId id="517" r:id="rId5"/>
-    <p:sldId id="518" r:id="rId6"/>
-    <p:sldId id="519" r:id="rId7"/>
-    <p:sldId id="520" r:id="rId8"/>
-    <p:sldId id="521" r:id="rId9"/>
-    <p:sldId id="522" r:id="rId10"/>
-    <p:sldId id="523" r:id="rId11"/>
-    <p:sldId id="524" r:id="rId12"/>
-    <p:sldId id="525" r:id="rId13"/>
-    <p:sldId id="526" r:id="rId14"/>
-    <p:sldId id="527" r:id="rId15"/>
+    <p:sldId id="404" r:id="rId4"/>
+    <p:sldId id="269" r:id="rId5"/>
+    <p:sldId id="310" r:id="rId6"/>
+    <p:sldId id="309" r:id="rId7"/>
+    <p:sldId id="516" r:id="rId8"/>
+    <p:sldId id="517" r:id="rId9"/>
+    <p:sldId id="518" r:id="rId10"/>
+    <p:sldId id="519" r:id="rId11"/>
+    <p:sldId id="520" r:id="rId12"/>
+    <p:sldId id="521" r:id="rId13"/>
+    <p:sldId id="522" r:id="rId14"/>
+    <p:sldId id="523" r:id="rId15"/>
+    <p:sldId id="524" r:id="rId16"/>
+    <p:sldId id="525" r:id="rId17"/>
+    <p:sldId id="526" r:id="rId18"/>
+    <p:sldId id="527" r:id="rId19"/>
   </p:sldIdLst>
   <p:sldSz cx="12192000" cy="6858000"/>
   <p:notesSz cx="6858000" cy="9144000"/>
@@ -521,41 +525,94 @@
           <a:bodyPr/>
           <a:lstStyle/>
           <a:p>
-            <a:pPr marL="0" marR="0" lvl="1" indent="0" algn="l" defTabSz="914400" rtl="0" eaLnBrk="0" fontAlgn="base" latinLnBrk="0" hangingPunct="0">
-              <a:lnSpc>
-                <a:spcPct val="100000"/>
-              </a:lnSpc>
-              <a:spcBef>
-                <a:spcPct val="30000"/>
-              </a:spcBef>
-              <a:spcAft>
-                <a:spcPct val="0"/>
-              </a:spcAft>
-              <a:buClrTx/>
-              <a:buSzTx/>
-              <a:buFontTx/>
-              <a:buNone/>
-              <a:tabLst/>
-              <a:defRPr/>
-            </a:pPr>
-            <a:r>
-              <a:rPr lang="en-US" dirty="0">
-                <a:latin typeface="Calibri" charset="0"/>
-                <a:ea typeface="ＭＳ Ｐゴシック" charset="0"/>
-              </a:rPr>
-              <a:t>HISAT's hierarchical index for the human genome contains 48,000 local FM indexes, each representing a genomic region of ~64,000 </a:t>
-            </a:r>
-            <a:r>
-              <a:rPr lang="en-US" dirty="0" err="1">
-                <a:latin typeface="Calibri" charset="0"/>
-                <a:ea typeface="ＭＳ Ｐゴシック" charset="0"/>
-              </a:rPr>
-              <a:t>bp.</a:t>
-            </a:r>
-            <a:endParaRPr lang="en-US" dirty="0">
-              <a:latin typeface="Calibri" charset="0"/>
-              <a:ea typeface="ＭＳ Ｐゴシック" charset="0"/>
-            </a:endParaRPr>
+            <a:r>
+              <a:rPr lang="en-US" dirty="0"/>
+              <a:t>https://</a:t>
+            </a:r>
+            <a:r>
+              <a:rPr lang="en-US" dirty="0" err="1"/>
+              <a:t>genome.sph.umich.edu</a:t>
+            </a:r>
+            <a:r>
+              <a:rPr lang="en-US" dirty="0"/>
+              <a:t>/wiki/</a:t>
+            </a:r>
+            <a:r>
+              <a:rPr lang="en-US" dirty="0" err="1"/>
+              <a:t>Variant_Normalization</a:t>
+            </a:r>
+            <a:r>
+              <a:rPr lang="en-US" dirty="0"/>
+              <a:t> </a:t>
+            </a:r>
+          </a:p>
+          <a:p>
+            <a:endParaRPr lang="en-US" dirty="0"/>
+          </a:p>
+          <a:p>
+            <a:r>
+              <a:rPr lang="en-US" dirty="0"/>
+              <a:t>Parsimony means representing a variant in as few nucleotides as possible without reducing the length of any allele to 0.</a:t>
+            </a:r>
+          </a:p>
+          <a:p>
+            <a:endParaRPr lang="en-US" dirty="0"/>
+          </a:p>
+          <a:p>
+            <a:r>
+              <a:rPr lang="en-US" dirty="0"/>
+              <a:t>Left aligning a variant means shifting the start position of that variant to the left till it is no longer possible to do so.</a:t>
+            </a:r>
+          </a:p>
+          <a:p>
+            <a:endParaRPr lang="en-US" dirty="0"/>
+          </a:p>
+          <a:p>
+            <a:endParaRPr lang="en-US" dirty="0"/>
+          </a:p>
+          <a:p>
+            <a:endParaRPr lang="en-US" dirty="0"/>
+          </a:p>
+          <a:p>
+            <a:r>
+              <a:rPr lang="en-US" dirty="0"/>
+              <a:t>The representation of variants in a VCF file requires that no alleles in the REF and ALT field are represented with an empty string (empty allele). The red </a:t>
+            </a:r>
+            <a:r>
+              <a:rPr lang="en-US" dirty="0" err="1"/>
+              <a:t>indel</a:t>
+            </a:r>
+            <a:r>
+              <a:rPr lang="en-US" dirty="0"/>
+              <a:t> has an illegal VCF representation.</a:t>
+            </a:r>
+          </a:p>
+          <a:p>
+            <a:r>
+              <a:rPr lang="en-US" dirty="0"/>
+              <a:t>The green variant is not left aligned as you can prefix an A nucleotide on the left side of the variant's alleles and truncate the C on the right side of the variant's alleles. It is however parsimonious.</a:t>
+            </a:r>
+          </a:p>
+          <a:p>
+            <a:r>
+              <a:rPr lang="en-US" dirty="0"/>
+              <a:t>The orange variant is left aligned but is not right parsimonious.</a:t>
+            </a:r>
+          </a:p>
+          <a:p>
+            <a:r>
+              <a:rPr lang="en-US" dirty="0"/>
+              <a:t>The blue variant is left aligned but not left parsimonious.</a:t>
+            </a:r>
+          </a:p>
+          <a:p>
+            <a:r>
+              <a:rPr lang="en-US" dirty="0"/>
+              <a:t>The maroon variant is left aligned and parsimonious.</a:t>
+            </a:r>
+          </a:p>
+          <a:p>
+            <a:endParaRPr lang="en-US" dirty="0"/>
           </a:p>
         </p:txBody>
       </p:sp>
@@ -574,78 +631,18 @@
           <a:bodyPr/>
           <a:lstStyle/>
           <a:p>
-            <a:pPr marL="0" marR="0" lvl="0" indent="0" algn="r" defTabSz="914400" rtl="0" eaLnBrk="1" fontAlgn="auto" latinLnBrk="0" hangingPunct="1">
-              <a:lnSpc>
-                <a:spcPct val="100000"/>
-              </a:lnSpc>
-              <a:spcBef>
-                <a:spcPts val="0"/>
-              </a:spcBef>
-              <a:spcAft>
-                <a:spcPts val="0"/>
-              </a:spcAft>
-              <a:buClrTx/>
-              <a:buSzTx/>
-              <a:buFontTx/>
-              <a:buNone/>
-              <a:tabLst/>
-              <a:defRPr/>
-            </a:pPr>
-            <a:fld id="{58FBEE90-0CDA-3447-B595-4F8759630F3A}" type="slidenum">
-              <a:rPr kumimoji="0" lang="en-US" sz="1200" b="0" i="0" u="none" strike="noStrike" kern="1200" cap="none" spc="0" normalizeH="0" baseline="0" noProof="0" smtClean="0">
-                <a:ln>
-                  <a:noFill/>
-                </a:ln>
-                <a:solidFill>
-                  <a:prstClr val="black"/>
-                </a:solidFill>
-                <a:effectLst/>
-                <a:uLnTx/>
-                <a:uFillTx/>
-                <a:latin typeface="Calibri" panose="020F0502020204030204"/>
-                <a:ea typeface="+mn-ea"/>
-                <a:cs typeface="+mn-cs"/>
-              </a:rPr>
-              <a:pPr marL="0" marR="0" lvl="0" indent="0" algn="r" defTabSz="914400" rtl="0" eaLnBrk="1" fontAlgn="auto" latinLnBrk="0" hangingPunct="1">
-                <a:lnSpc>
-                  <a:spcPct val="100000"/>
-                </a:lnSpc>
-                <a:spcBef>
-                  <a:spcPts val="0"/>
-                </a:spcBef>
-                <a:spcAft>
-                  <a:spcPts val="0"/>
-                </a:spcAft>
-                <a:buClrTx/>
-                <a:buSzTx/>
-                <a:buFontTx/>
-                <a:buNone/>
-                <a:tabLst/>
-                <a:defRPr/>
-              </a:pPr>
-              <a:t>7</a:t>
+            <a:fld id="{099D50AF-F628-504F-B99D-05BB4C0BF79D}" type="slidenum">
+              <a:rPr lang="en-US" smtClean="0"/>
+              <a:t>5</a:t>
             </a:fld>
-            <a:endParaRPr kumimoji="0" lang="en-US" sz="1200" b="0" i="0" u="none" strike="noStrike" kern="1200" cap="none" spc="0" normalizeH="0" baseline="0" noProof="0">
-              <a:ln>
-                <a:noFill/>
-              </a:ln>
-              <a:solidFill>
-                <a:prstClr val="black"/>
-              </a:solidFill>
-              <a:effectLst/>
-              <a:uLnTx/>
-              <a:uFillTx/>
-              <a:latin typeface="Calibri" panose="020F0502020204030204"/>
-              <a:ea typeface="+mn-ea"/>
-              <a:cs typeface="+mn-cs"/>
-            </a:endParaRPr>
+            <a:endParaRPr lang="en-US"/>
           </a:p>
         </p:txBody>
       </p:sp>
     </p:spTree>
     <p:extLst>
       <p:ext uri="{BB962C8B-B14F-4D97-AF65-F5344CB8AC3E}">
-        <p14:creationId xmlns:p14="http://schemas.microsoft.com/office/powerpoint/2010/main" val="2627428116"/>
+        <p14:creationId xmlns:p14="http://schemas.microsoft.com/office/powerpoint/2010/main" val="675130494"/>
       </p:ext>
     </p:extLst>
   </p:cSld>
@@ -801,7 +798,7 @@
                 <a:tabLst/>
                 <a:defRPr/>
               </a:pPr>
-              <a:t>8</a:t>
+              <a:t>11</a:t>
             </a:fld>
             <a:endParaRPr kumimoji="0" lang="en-US" sz="1200" b="0" i="0" u="none" strike="noStrike" kern="1200" cap="none" spc="0" normalizeH="0" baseline="0" noProof="0">
               <a:ln>
@@ -823,7 +820,7 @@
     </p:spTree>
     <p:extLst>
       <p:ext uri="{BB962C8B-B14F-4D97-AF65-F5344CB8AC3E}">
-        <p14:creationId xmlns:p14="http://schemas.microsoft.com/office/powerpoint/2010/main" val="3916014413"/>
+        <p14:creationId xmlns:p14="http://schemas.microsoft.com/office/powerpoint/2010/main" val="2627428116"/>
       </p:ext>
     </p:extLst>
   </p:cSld>
@@ -874,217 +871,44 @@
         </p:nvSpPr>
         <p:spPr/>
         <p:txBody>
-          <a:bodyPr>
-            <a:normAutofit fontScale="55000" lnSpcReduction="20000"/>
-          </a:bodyPr>
+          <a:bodyPr/>
           <a:lstStyle/>
           <a:p>
-            <a:r>
-              <a:rPr lang="en-US" dirty="0"/>
-              <a:t>Alignment of </a:t>
-            </a:r>
-            <a:r>
-              <a:rPr lang="en-US" dirty="0" err="1"/>
-              <a:t>exonic</a:t>
-            </a:r>
-            <a:r>
-              <a:rPr lang="en-US" dirty="0"/>
-              <a:t> reads and long- and intermediate-anchored reads.</a:t>
-            </a:r>
-          </a:p>
-          <a:p>
-            <a:r>
-              <a:rPr lang="en-US" dirty="0"/>
-              <a:t>Given two exons from a gene on human chromosome 22, separated by a 3,899-bp intron, suppose the genomic region is transcribed and spliced and we have three reads sequenced from the resulting transcript: (</a:t>
-            </a:r>
-            <a:r>
-              <a:rPr lang="en-US" dirty="0" err="1"/>
-              <a:t>i</a:t>
-            </a:r>
-            <a:r>
-              <a:rPr lang="en-US" dirty="0"/>
-              <a:t>) an </a:t>
-            </a:r>
-            <a:r>
-              <a:rPr lang="en-US" dirty="0" err="1"/>
-              <a:t>exonic</a:t>
-            </a:r>
-            <a:r>
-              <a:rPr lang="en-US" dirty="0"/>
-              <a:t> read, (ii) a read spanning two exons with an 8-bp anchor in one exon and (iii) a read spanning two exons with 50 </a:t>
-            </a:r>
-            <a:r>
-              <a:rPr lang="en-US" dirty="0" err="1"/>
-              <a:t>bp</a:t>
-            </a:r>
-            <a:r>
-              <a:rPr lang="en-US" dirty="0"/>
-              <a:t> in each exon (Supplementary Fig. 8). All the reads are assumed to be error free and 100 </a:t>
-            </a:r>
-            <a:r>
-              <a:rPr lang="en-US" dirty="0" err="1"/>
-              <a:t>bp</a:t>
-            </a:r>
-            <a:r>
-              <a:rPr lang="en-US" dirty="0"/>
-              <a:t> long. We can apply hierarchical indexing to align each of these reads rapidly and correctly. We align the first read using the global FM-index (Supplementary Fig. 8a). Because global search is relatively time consuming, we change strategies when the partial alignment meets two conditions: (</a:t>
-            </a:r>
-            <a:r>
-              <a:rPr lang="en-US" dirty="0" err="1"/>
-              <a:t>i</a:t>
-            </a:r>
-            <a:r>
-              <a:rPr lang="en-US" dirty="0"/>
-              <a:t>) it is at least 28 </a:t>
-            </a:r>
-            <a:r>
-              <a:rPr lang="en-US" dirty="0" err="1"/>
-              <a:t>bp</a:t>
-            </a:r>
-            <a:r>
-              <a:rPr lang="en-US" dirty="0"/>
-              <a:t> long and (ii) it maps onto exactly one location. For the read shown in the figure, the 28-bp sequence on its right end maps uniquely, allowing us to stop the global search operation at that point. From there, we extend the partial alignment by directly comparing the remaining sequence and the corresponding genomic sequence, which we can extract directly from the genome using the mapped location as an index. Because the read is error free and contained within one exon, the extension operation sweeps across the remaining 72 </a:t>
-            </a:r>
-            <a:r>
-              <a:rPr lang="en-US" dirty="0" err="1"/>
-              <a:t>bp</a:t>
-            </a:r>
-            <a:r>
-              <a:rPr lang="en-US" dirty="0"/>
-              <a:t>, completing the alignment for the read. Note that we could perform this alignment using the global FM index, as TopHat2 does, but the combination of global search and local extension is faster.</a:t>
-            </a:r>
-          </a:p>
-          <a:p>
-            <a:endParaRPr lang="en-US" dirty="0"/>
-          </a:p>
-          <a:p>
-            <a:r>
-              <a:rPr lang="en-US" dirty="0"/>
-              <a:t>For the second read, which has a very short 8-bp anchor on the left side, we first try to map the read using global search, moving right to left (Supplementary Fig. 8b). The first 28 </a:t>
-            </a:r>
-            <a:r>
-              <a:rPr lang="en-US" dirty="0" err="1"/>
-              <a:t>bp</a:t>
-            </a:r>
-            <a:r>
-              <a:rPr lang="en-US" dirty="0"/>
-              <a:t> on the right end of the read maps uniquely, allowing us to anchor the alignment and halt the global search. We then extend the alignment until we encounter a mismatch at the 93rd base. This mismatch occurs when the alignment extension reaches the intron. At this point we pause the search, retrieve the local FM index that contains this location and align the remaining 8 </a:t>
-            </a:r>
-            <a:r>
-              <a:rPr lang="en-US" dirty="0" err="1"/>
-              <a:t>bp</a:t>
-            </a:r>
-            <a:r>
-              <a:rPr lang="en-US" dirty="0"/>
-              <a:t> using this index. Because the index covers only a small region, in this case we find just one match for the 8-bp segment. Finally, we check whether the two partial alignments (8 </a:t>
-            </a:r>
-            <a:r>
-              <a:rPr lang="en-US" dirty="0" err="1"/>
-              <a:t>bp</a:t>
-            </a:r>
-            <a:r>
-              <a:rPr lang="en-US" dirty="0"/>
-              <a:t> and 92 </a:t>
-            </a:r>
-            <a:r>
-              <a:rPr lang="en-US" dirty="0" err="1"/>
-              <a:t>bp</a:t>
-            </a:r>
-            <a:r>
-              <a:rPr lang="en-US" dirty="0"/>
-              <a:t>) are compatible with each other (for example, in the correct orientation) and then combine them to produce a spliced alignment of the original read.</a:t>
-            </a:r>
-          </a:p>
-          <a:p>
-            <a:endParaRPr lang="en-US" dirty="0"/>
-          </a:p>
-          <a:p>
-            <a:r>
-              <a:rPr lang="en-US" dirty="0"/>
-              <a:t>Note that if we searched for an 8-bp sequence in the global index, we would expect to find an average of ~48,000 matching locations in the human genome (and sometimes many more). Instead of examining 48,000 possible locations, we use one of the local FM indexes, which is expected to contain just one copy of a given 8-bp sequence, on average. This two-stage hierarchical indexing allows us to avoid examining tens of thousands of candidate locations for short anchors, which in turn dramatically speeds up the overall alignment algorithm.</a:t>
-            </a:r>
-          </a:p>
-          <a:p>
-            <a:endParaRPr lang="en-US" dirty="0"/>
-          </a:p>
-          <a:p>
-            <a:r>
-              <a:rPr lang="en-US" dirty="0"/>
-              <a:t>The third read has long anchors (50 </a:t>
-            </a:r>
-            <a:r>
-              <a:rPr lang="en-US" dirty="0" err="1"/>
-              <a:t>bp</a:t>
-            </a:r>
-            <a:r>
-              <a:rPr lang="en-US" dirty="0"/>
-              <a:t> each) in each exon. We first align the read beginning on the right, using global search as we did before. After the first 28 </a:t>
-            </a:r>
-            <a:r>
-              <a:rPr lang="en-US" dirty="0" err="1"/>
-              <a:t>bp</a:t>
-            </a:r>
-            <a:r>
-              <a:rPr lang="en-US" dirty="0"/>
-              <a:t> is uniquely mapped, we switch to the extension operation, which further aligns 22 </a:t>
-            </a:r>
-            <a:r>
-              <a:rPr lang="en-US" dirty="0" err="1"/>
-              <a:t>bp</a:t>
-            </a:r>
-            <a:r>
-              <a:rPr lang="en-US" dirty="0"/>
-              <a:t> and stops after a mismatch at the 51st base. We then choose a local FM index and perform a local search using the first 8 </a:t>
-            </a:r>
-            <a:r>
-              <a:rPr lang="en-US" dirty="0" err="1"/>
-              <a:t>bp</a:t>
-            </a:r>
-            <a:r>
-              <a:rPr lang="en-US" dirty="0"/>
-              <a:t> of the remaining part of the read. Once this 8 </a:t>
-            </a:r>
-            <a:r>
-              <a:rPr lang="en-US" dirty="0" err="1"/>
-              <a:t>bp</a:t>
-            </a:r>
-            <a:r>
-              <a:rPr lang="en-US" dirty="0"/>
-              <a:t> is found, HISAT again uses the extension operation to align the rest of the read (Supplementary Fig. 8c). Note that if the 8-bp prefix mapped to too many locations, HISAT would use a longer prefix to reduce the number of potential locations to 5 or fewer.</a:t>
-            </a:r>
-          </a:p>
-          <a:p>
-            <a:endParaRPr lang="en-US" dirty="0"/>
-          </a:p>
-          <a:p>
-            <a:r>
-              <a:rPr lang="en-US" dirty="0"/>
-              <a:t>As we can see from these examples, we can combine global search, local search and directed read extension to achieve rapid yet sensitive alignment. Note that when a read has multiple spliced alignments, HISAT prefers to report alignments that use the canonical GT and AG </a:t>
-            </a:r>
-            <a:r>
-              <a:rPr lang="en-US" dirty="0" err="1"/>
-              <a:t>dinucleotides</a:t>
-            </a:r>
-            <a:r>
-              <a:rPr lang="en-US" dirty="0"/>
-              <a:t> on the ends of the intron. From any remaining alignments after this filter, it reports the one with the shortest intron length. HISAT provides several parameters with which users can customize its alignment strategy, including adjustable penalties for mismatches, </a:t>
-            </a:r>
-            <a:r>
-              <a:rPr lang="en-US" dirty="0" err="1"/>
-              <a:t>indels</a:t>
-            </a:r>
-            <a:r>
-              <a:rPr lang="en-US" dirty="0"/>
-              <a:t> and </a:t>
-            </a:r>
-            <a:r>
-              <a:rPr lang="en-US" dirty="0" err="1"/>
-              <a:t>noncanonical</a:t>
-            </a:r>
-            <a:r>
-              <a:rPr lang="en-US" dirty="0"/>
-              <a:t> splice sites (Supplementary Note).</a:t>
-            </a:r>
+            <a:pPr marL="0" marR="0" lvl="1" indent="0" algn="l" defTabSz="914400" rtl="0" eaLnBrk="0" fontAlgn="base" latinLnBrk="0" hangingPunct="0">
+              <a:lnSpc>
+                <a:spcPct val="100000"/>
+              </a:lnSpc>
+              <a:spcBef>
+                <a:spcPct val="30000"/>
+              </a:spcBef>
+              <a:spcAft>
+                <a:spcPct val="0"/>
+              </a:spcAft>
+              <a:buClrTx/>
+              <a:buSzTx/>
+              <a:buFontTx/>
+              <a:buNone/>
+              <a:tabLst/>
+              <a:defRPr/>
+            </a:pPr>
+            <a:r>
+              <a:rPr lang="en-US" dirty="0">
+                <a:latin typeface="Calibri" charset="0"/>
+                <a:ea typeface="ＭＳ Ｐゴシック" charset="0"/>
+              </a:rPr>
+              <a:t>HISAT's hierarchical index for the human genome contains 48,000 local FM indexes, each representing a genomic region of ~64,000 </a:t>
+            </a:r>
+            <a:r>
+              <a:rPr lang="en-US" dirty="0" err="1">
+                <a:latin typeface="Calibri" charset="0"/>
+                <a:ea typeface="ＭＳ Ｐゴシック" charset="0"/>
+              </a:rPr>
+              <a:t>bp.</a:t>
+            </a:r>
+            <a:endParaRPr lang="en-US" dirty="0">
+              <a:latin typeface="Calibri" charset="0"/>
+              <a:ea typeface="ＭＳ Ｐゴシック" charset="0"/>
+            </a:endParaRPr>
           </a:p>
         </p:txBody>
       </p:sp>
@@ -1152,7 +976,7 @@
                 <a:tabLst/>
                 <a:defRPr/>
               </a:pPr>
-              <a:t>9</a:t>
+              <a:t>12</a:t>
             </a:fld>
             <a:endParaRPr kumimoji="0" lang="en-US" sz="1200" b="0" i="0" u="none" strike="noStrike" kern="1200" cap="none" spc="0" normalizeH="0" baseline="0" noProof="0">
               <a:ln>
@@ -1174,7 +998,7 @@
     </p:spTree>
     <p:extLst>
       <p:ext uri="{BB962C8B-B14F-4D97-AF65-F5344CB8AC3E}">
-        <p14:creationId xmlns:p14="http://schemas.microsoft.com/office/powerpoint/2010/main" val="1561575689"/>
+        <p14:creationId xmlns:p14="http://schemas.microsoft.com/office/powerpoint/2010/main" val="3916014413"/>
       </p:ext>
     </p:extLst>
   </p:cSld>
@@ -1503,7 +1327,7 @@
                 <a:tabLst/>
                 <a:defRPr/>
               </a:pPr>
-              <a:t>10</a:t>
+              <a:t>13</a:t>
             </a:fld>
             <a:endParaRPr kumimoji="0" lang="en-US" sz="1200" b="0" i="0" u="none" strike="noStrike" kern="1200" cap="none" spc="0" normalizeH="0" baseline="0" noProof="0">
               <a:ln>
@@ -1525,7 +1349,7 @@
     </p:spTree>
     <p:extLst>
       <p:ext uri="{BB962C8B-B14F-4D97-AF65-F5344CB8AC3E}">
-        <p14:creationId xmlns:p14="http://schemas.microsoft.com/office/powerpoint/2010/main" val="266898588"/>
+        <p14:creationId xmlns:p14="http://schemas.microsoft.com/office/powerpoint/2010/main" val="1561575689"/>
       </p:ext>
     </p:extLst>
   </p:cSld>
@@ -1854,7 +1678,358 @@
                 <a:tabLst/>
                 <a:defRPr/>
               </a:pPr>
-              <a:t>11</a:t>
+              <a:t>14</a:t>
+            </a:fld>
+            <a:endParaRPr kumimoji="0" lang="en-US" sz="1200" b="0" i="0" u="none" strike="noStrike" kern="1200" cap="none" spc="0" normalizeH="0" baseline="0" noProof="0">
+              <a:ln>
+                <a:noFill/>
+              </a:ln>
+              <a:solidFill>
+                <a:prstClr val="black"/>
+              </a:solidFill>
+              <a:effectLst/>
+              <a:uLnTx/>
+              <a:uFillTx/>
+              <a:latin typeface="Calibri" panose="020F0502020204030204"/>
+              <a:ea typeface="+mn-ea"/>
+              <a:cs typeface="+mn-cs"/>
+            </a:endParaRPr>
+          </a:p>
+        </p:txBody>
+      </p:sp>
+    </p:spTree>
+    <p:extLst>
+      <p:ext uri="{BB962C8B-B14F-4D97-AF65-F5344CB8AC3E}">
+        <p14:creationId xmlns:p14="http://schemas.microsoft.com/office/powerpoint/2010/main" val="266898588"/>
+      </p:ext>
+    </p:extLst>
+  </p:cSld>
+  <p:clrMapOvr>
+    <a:masterClrMapping/>
+  </p:clrMapOvr>
+</p:notes>
+</file>
+
+<file path=ppt/notesSlides/notesSlide6.xml><?xml version="1.0" encoding="utf-8"?>
+<p:notes xmlns:a="http://schemas.openxmlformats.org/drawingml/2006/main" xmlns:r="http://schemas.openxmlformats.org/officeDocument/2006/relationships" xmlns:p="http://schemas.openxmlformats.org/presentationml/2006/main">
+  <p:cSld>
+    <p:spTree>
+      <p:nvGrpSpPr>
+        <p:cNvPr id="1" name=""/>
+        <p:cNvGrpSpPr/>
+        <p:nvPr/>
+      </p:nvGrpSpPr>
+      <p:grpSpPr>
+        <a:xfrm>
+          <a:off x="0" y="0"/>
+          <a:ext cx="0" cy="0"/>
+          <a:chOff x="0" y="0"/>
+          <a:chExt cx="0" cy="0"/>
+        </a:xfrm>
+      </p:grpSpPr>
+      <p:sp>
+        <p:nvSpPr>
+          <p:cNvPr id="2" name="Slide Image Placeholder 1"/>
+          <p:cNvSpPr>
+            <a:spLocks noGrp="1" noRot="1" noChangeAspect="1"/>
+          </p:cNvSpPr>
+          <p:nvPr>
+            <p:ph type="sldImg"/>
+          </p:nvPr>
+        </p:nvSpPr>
+        <p:spPr/>
+      </p:sp>
+      <p:sp>
+        <p:nvSpPr>
+          <p:cNvPr id="3" name="Notes Placeholder 2"/>
+          <p:cNvSpPr>
+            <a:spLocks noGrp="1"/>
+          </p:cNvSpPr>
+          <p:nvPr>
+            <p:ph type="body" idx="1"/>
+          </p:nvPr>
+        </p:nvSpPr>
+        <p:spPr/>
+        <p:txBody>
+          <a:bodyPr>
+            <a:normAutofit fontScale="55000" lnSpcReduction="20000"/>
+          </a:bodyPr>
+          <a:lstStyle/>
+          <a:p>
+            <a:r>
+              <a:rPr lang="en-US" dirty="0"/>
+              <a:t>Alignment of </a:t>
+            </a:r>
+            <a:r>
+              <a:rPr lang="en-US" dirty="0" err="1"/>
+              <a:t>exonic</a:t>
+            </a:r>
+            <a:r>
+              <a:rPr lang="en-US" dirty="0"/>
+              <a:t> reads and long- and intermediate-anchored reads.</a:t>
+            </a:r>
+          </a:p>
+          <a:p>
+            <a:r>
+              <a:rPr lang="en-US" dirty="0"/>
+              <a:t>Given two exons from a gene on human chromosome 22, separated by a 3,899-bp intron, suppose the genomic region is transcribed and spliced and we have three reads sequenced from the resulting transcript: (</a:t>
+            </a:r>
+            <a:r>
+              <a:rPr lang="en-US" dirty="0" err="1"/>
+              <a:t>i</a:t>
+            </a:r>
+            <a:r>
+              <a:rPr lang="en-US" dirty="0"/>
+              <a:t>) an </a:t>
+            </a:r>
+            <a:r>
+              <a:rPr lang="en-US" dirty="0" err="1"/>
+              <a:t>exonic</a:t>
+            </a:r>
+            <a:r>
+              <a:rPr lang="en-US" dirty="0"/>
+              <a:t> read, (ii) a read spanning two exons with an 8-bp anchor in one exon and (iii) a read spanning two exons with 50 </a:t>
+            </a:r>
+            <a:r>
+              <a:rPr lang="en-US" dirty="0" err="1"/>
+              <a:t>bp</a:t>
+            </a:r>
+            <a:r>
+              <a:rPr lang="en-US" dirty="0"/>
+              <a:t> in each exon (Supplementary Fig. 8). All the reads are assumed to be error free and 100 </a:t>
+            </a:r>
+            <a:r>
+              <a:rPr lang="en-US" dirty="0" err="1"/>
+              <a:t>bp</a:t>
+            </a:r>
+            <a:r>
+              <a:rPr lang="en-US" dirty="0"/>
+              <a:t> long. We can apply hierarchical indexing to align each of these reads rapidly and correctly. We align the first read using the global FM-index (Supplementary Fig. 8a). Because global search is relatively time consuming, we change strategies when the partial alignment meets two conditions: (</a:t>
+            </a:r>
+            <a:r>
+              <a:rPr lang="en-US" dirty="0" err="1"/>
+              <a:t>i</a:t>
+            </a:r>
+            <a:r>
+              <a:rPr lang="en-US" dirty="0"/>
+              <a:t>) it is at least 28 </a:t>
+            </a:r>
+            <a:r>
+              <a:rPr lang="en-US" dirty="0" err="1"/>
+              <a:t>bp</a:t>
+            </a:r>
+            <a:r>
+              <a:rPr lang="en-US" dirty="0"/>
+              <a:t> long and (ii) it maps onto exactly one location. For the read shown in the figure, the 28-bp sequence on its right end maps uniquely, allowing us to stop the global search operation at that point. From there, we extend the partial alignment by directly comparing the remaining sequence and the corresponding genomic sequence, which we can extract directly from the genome using the mapped location as an index. Because the read is error free and contained within one exon, the extension operation sweeps across the remaining 72 </a:t>
+            </a:r>
+            <a:r>
+              <a:rPr lang="en-US" dirty="0" err="1"/>
+              <a:t>bp</a:t>
+            </a:r>
+            <a:r>
+              <a:rPr lang="en-US" dirty="0"/>
+              <a:t>, completing the alignment for the read. Note that we could perform this alignment using the global FM index, as TopHat2 does, but the combination of global search and local extension is faster.</a:t>
+            </a:r>
+          </a:p>
+          <a:p>
+            <a:endParaRPr lang="en-US" dirty="0"/>
+          </a:p>
+          <a:p>
+            <a:r>
+              <a:rPr lang="en-US" dirty="0"/>
+              <a:t>For the second read, which has a very short 8-bp anchor on the left side, we first try to map the read using global search, moving right to left (Supplementary Fig. 8b). The first 28 </a:t>
+            </a:r>
+            <a:r>
+              <a:rPr lang="en-US" dirty="0" err="1"/>
+              <a:t>bp</a:t>
+            </a:r>
+            <a:r>
+              <a:rPr lang="en-US" dirty="0"/>
+              <a:t> on the right end of the read maps uniquely, allowing us to anchor the alignment and halt the global search. We then extend the alignment until we encounter a mismatch at the 93rd base. This mismatch occurs when the alignment extension reaches the intron. At this point we pause the search, retrieve the local FM index that contains this location and align the remaining 8 </a:t>
+            </a:r>
+            <a:r>
+              <a:rPr lang="en-US" dirty="0" err="1"/>
+              <a:t>bp</a:t>
+            </a:r>
+            <a:r>
+              <a:rPr lang="en-US" dirty="0"/>
+              <a:t> using this index. Because the index covers only a small region, in this case we find just one match for the 8-bp segment. Finally, we check whether the two partial alignments (8 </a:t>
+            </a:r>
+            <a:r>
+              <a:rPr lang="en-US" dirty="0" err="1"/>
+              <a:t>bp</a:t>
+            </a:r>
+            <a:r>
+              <a:rPr lang="en-US" dirty="0"/>
+              <a:t> and 92 </a:t>
+            </a:r>
+            <a:r>
+              <a:rPr lang="en-US" dirty="0" err="1"/>
+              <a:t>bp</a:t>
+            </a:r>
+            <a:r>
+              <a:rPr lang="en-US" dirty="0"/>
+              <a:t>) are compatible with each other (for example, in the correct orientation) and then combine them to produce a spliced alignment of the original read.</a:t>
+            </a:r>
+          </a:p>
+          <a:p>
+            <a:endParaRPr lang="en-US" dirty="0"/>
+          </a:p>
+          <a:p>
+            <a:r>
+              <a:rPr lang="en-US" dirty="0"/>
+              <a:t>Note that if we searched for an 8-bp sequence in the global index, we would expect to find an average of ~48,000 matching locations in the human genome (and sometimes many more). Instead of examining 48,000 possible locations, we use one of the local FM indexes, which is expected to contain just one copy of a given 8-bp sequence, on average. This two-stage hierarchical indexing allows us to avoid examining tens of thousands of candidate locations for short anchors, which in turn dramatically speeds up the overall alignment algorithm.</a:t>
+            </a:r>
+          </a:p>
+          <a:p>
+            <a:endParaRPr lang="en-US" dirty="0"/>
+          </a:p>
+          <a:p>
+            <a:r>
+              <a:rPr lang="en-US" dirty="0"/>
+              <a:t>The third read has long anchors (50 </a:t>
+            </a:r>
+            <a:r>
+              <a:rPr lang="en-US" dirty="0" err="1"/>
+              <a:t>bp</a:t>
+            </a:r>
+            <a:r>
+              <a:rPr lang="en-US" dirty="0"/>
+              <a:t> each) in each exon. We first align the read beginning on the right, using global search as we did before. After the first 28 </a:t>
+            </a:r>
+            <a:r>
+              <a:rPr lang="en-US" dirty="0" err="1"/>
+              <a:t>bp</a:t>
+            </a:r>
+            <a:r>
+              <a:rPr lang="en-US" dirty="0"/>
+              <a:t> is uniquely mapped, we switch to the extension operation, which further aligns 22 </a:t>
+            </a:r>
+            <a:r>
+              <a:rPr lang="en-US" dirty="0" err="1"/>
+              <a:t>bp</a:t>
+            </a:r>
+            <a:r>
+              <a:rPr lang="en-US" dirty="0"/>
+              <a:t> and stops after a mismatch at the 51st base. We then choose a local FM index and perform a local search using the first 8 </a:t>
+            </a:r>
+            <a:r>
+              <a:rPr lang="en-US" dirty="0" err="1"/>
+              <a:t>bp</a:t>
+            </a:r>
+            <a:r>
+              <a:rPr lang="en-US" dirty="0"/>
+              <a:t> of the remaining part of the read. Once this 8 </a:t>
+            </a:r>
+            <a:r>
+              <a:rPr lang="en-US" dirty="0" err="1"/>
+              <a:t>bp</a:t>
+            </a:r>
+            <a:r>
+              <a:rPr lang="en-US" dirty="0"/>
+              <a:t> is found, HISAT again uses the extension operation to align the rest of the read (Supplementary Fig. 8c). Note that if the 8-bp prefix mapped to too many locations, HISAT would use a longer prefix to reduce the number of potential locations to 5 or fewer.</a:t>
+            </a:r>
+          </a:p>
+          <a:p>
+            <a:endParaRPr lang="en-US" dirty="0"/>
+          </a:p>
+          <a:p>
+            <a:r>
+              <a:rPr lang="en-US" dirty="0"/>
+              <a:t>As we can see from these examples, we can combine global search, local search and directed read extension to achieve rapid yet sensitive alignment. Note that when a read has multiple spliced alignments, HISAT prefers to report alignments that use the canonical GT and AG </a:t>
+            </a:r>
+            <a:r>
+              <a:rPr lang="en-US" dirty="0" err="1"/>
+              <a:t>dinucleotides</a:t>
+            </a:r>
+            <a:r>
+              <a:rPr lang="en-US" dirty="0"/>
+              <a:t> on the ends of the intron. From any remaining alignments after this filter, it reports the one with the shortest intron length. HISAT provides several parameters with which users can customize its alignment strategy, including adjustable penalties for mismatches, </a:t>
+            </a:r>
+            <a:r>
+              <a:rPr lang="en-US" dirty="0" err="1"/>
+              <a:t>indels</a:t>
+            </a:r>
+            <a:r>
+              <a:rPr lang="en-US" dirty="0"/>
+              <a:t> and </a:t>
+            </a:r>
+            <a:r>
+              <a:rPr lang="en-US" dirty="0" err="1"/>
+              <a:t>noncanonical</a:t>
+            </a:r>
+            <a:r>
+              <a:rPr lang="en-US" dirty="0"/>
+              <a:t> splice sites (Supplementary Note).</a:t>
+            </a:r>
+          </a:p>
+        </p:txBody>
+      </p:sp>
+      <p:sp>
+        <p:nvSpPr>
+          <p:cNvPr id="4" name="Slide Number Placeholder 3"/>
+          <p:cNvSpPr>
+            <a:spLocks noGrp="1"/>
+          </p:cNvSpPr>
+          <p:nvPr>
+            <p:ph type="sldNum" sz="quarter" idx="10"/>
+          </p:nvPr>
+        </p:nvSpPr>
+        <p:spPr/>
+        <p:txBody>
+          <a:bodyPr/>
+          <a:lstStyle/>
+          <a:p>
+            <a:pPr marL="0" marR="0" lvl="0" indent="0" algn="r" defTabSz="914400" rtl="0" eaLnBrk="1" fontAlgn="auto" latinLnBrk="0" hangingPunct="1">
+              <a:lnSpc>
+                <a:spcPct val="100000"/>
+              </a:lnSpc>
+              <a:spcBef>
+                <a:spcPts val="0"/>
+              </a:spcBef>
+              <a:spcAft>
+                <a:spcPts val="0"/>
+              </a:spcAft>
+              <a:buClrTx/>
+              <a:buSzTx/>
+              <a:buFontTx/>
+              <a:buNone/>
+              <a:tabLst/>
+              <a:defRPr/>
+            </a:pPr>
+            <a:fld id="{58FBEE90-0CDA-3447-B595-4F8759630F3A}" type="slidenum">
+              <a:rPr kumimoji="0" lang="en-US" sz="1200" b="0" i="0" u="none" strike="noStrike" kern="1200" cap="none" spc="0" normalizeH="0" baseline="0" noProof="0" smtClean="0">
+                <a:ln>
+                  <a:noFill/>
+                </a:ln>
+                <a:solidFill>
+                  <a:prstClr val="black"/>
+                </a:solidFill>
+                <a:effectLst/>
+                <a:uLnTx/>
+                <a:uFillTx/>
+                <a:latin typeface="Calibri" panose="020F0502020204030204"/>
+                <a:ea typeface="+mn-ea"/>
+                <a:cs typeface="+mn-cs"/>
+              </a:rPr>
+              <a:pPr marL="0" marR="0" lvl="0" indent="0" algn="r" defTabSz="914400" rtl="0" eaLnBrk="1" fontAlgn="auto" latinLnBrk="0" hangingPunct="1">
+                <a:lnSpc>
+                  <a:spcPct val="100000"/>
+                </a:lnSpc>
+                <a:spcBef>
+                  <a:spcPts val="0"/>
+                </a:spcBef>
+                <a:spcAft>
+                  <a:spcPts val="0"/>
+                </a:spcAft>
+                <a:buClrTx/>
+                <a:buSzTx/>
+                <a:buFontTx/>
+                <a:buNone/>
+                <a:tabLst/>
+                <a:defRPr/>
+              </a:pPr>
+              <a:t>15</a:t>
             </a:fld>
             <a:endParaRPr kumimoji="0" lang="en-US" sz="1200" b="0" i="0" u="none" strike="noStrike" kern="1200" cap="none" spc="0" normalizeH="0" baseline="0" noProof="0">
               <a:ln>
@@ -2140,14 +2315,14 @@
           </a:ln>
           <a:extLst>
             <a:ext uri="{909E8E84-426E-40dd-AFC4-6F175D3DCCD1}">
-              <a14:hiddenFill xmlns="" xmlns:a14="http://schemas.microsoft.com/office/drawing/2010/main">
+              <a14:hiddenFill xmlns:a14="http://schemas.microsoft.com/office/drawing/2010/main" xmlns="">
                 <a:solidFill>
                   <a:srgbClr val="FFFFFF"/>
                 </a:solidFill>
               </a14:hiddenFill>
             </a:ext>
             <a:ext uri="{91240B29-F687-4f45-9708-019B960494DF}">
-              <a14:hiddenLine xmlns="" xmlns:a14="http://schemas.microsoft.com/office/drawing/2010/main" w="9525">
+              <a14:hiddenLine xmlns:a14="http://schemas.microsoft.com/office/drawing/2010/main" xmlns="" w="9525">
                 <a:solidFill>
                   <a:srgbClr val="000000"/>
                 </a:solidFill>
@@ -8041,14 +8216,14 @@
           </a:ln>
           <a:extLst>
             <a:ext uri="{909E8E84-426E-40dd-AFC4-6F175D3DCCD1}">
-              <a14:hiddenFill xmlns="" xmlns:a14="http://schemas.microsoft.com/office/drawing/2010/main">
+              <a14:hiddenFill xmlns:a14="http://schemas.microsoft.com/office/drawing/2010/main" xmlns="">
                 <a:solidFill>
                   <a:srgbClr val="FFFFFF"/>
                 </a:solidFill>
               </a14:hiddenFill>
             </a:ext>
             <a:ext uri="{91240B29-F687-4f45-9708-019B960494DF}">
-              <a14:hiddenLine xmlns="" xmlns:a14="http://schemas.microsoft.com/office/drawing/2010/main" w="9525">
+              <a14:hiddenLine xmlns:a14="http://schemas.microsoft.com/office/drawing/2010/main" xmlns="" w="9525">
                 <a:solidFill>
                   <a:srgbClr val="000000"/>
                 </a:solidFill>
@@ -9045,14 +9220,14 @@
           </a:ln>
           <a:extLst>
             <a:ext uri="{909E8E84-426E-40dd-AFC4-6F175D3DCCD1}">
-              <a14:hiddenFill xmlns:a14="http://schemas.microsoft.com/office/drawing/2010/main" xmlns="">
+              <a14:hiddenFill xmlns="" xmlns:a14="http://schemas.microsoft.com/office/drawing/2010/main">
                 <a:solidFill>
                   <a:srgbClr val="FFFFFF"/>
                 </a:solidFill>
               </a14:hiddenFill>
             </a:ext>
             <a:ext uri="{91240B29-F687-4f45-9708-019B960494DF}">
-              <a14:hiddenLine xmlns:a14="http://schemas.microsoft.com/office/drawing/2010/main" xmlns="" w="9525">
+              <a14:hiddenLine xmlns="" xmlns:a14="http://schemas.microsoft.com/office/drawing/2010/main" w="9525">
                 <a:solidFill>
                   <a:srgbClr val="000000"/>
                 </a:solidFill>
@@ -9939,14 +10114,14 @@
           </a:ln>
           <a:extLst>
             <a:ext uri="{909E8E84-426E-40dd-AFC4-6F175D3DCCD1}">
-              <a14:hiddenFill xmlns:a14="http://schemas.microsoft.com/office/drawing/2010/main" xmlns="">
+              <a14:hiddenFill xmlns="" xmlns:a14="http://schemas.microsoft.com/office/drawing/2010/main">
                 <a:solidFill>
                   <a:srgbClr val="FFFFFF"/>
                 </a:solidFill>
               </a14:hiddenFill>
             </a:ext>
             <a:ext uri="{91240B29-F687-4f45-9708-019B960494DF}">
-              <a14:hiddenLine xmlns:a14="http://schemas.microsoft.com/office/drawing/2010/main" xmlns="" w="9525">
+              <a14:hiddenLine xmlns="" xmlns:a14="http://schemas.microsoft.com/office/drawing/2010/main" w="9525">
                 <a:solidFill>
                   <a:srgbClr val="000000"/>
                 </a:solidFill>
@@ -9972,6 +10147,964 @@
 </file>
 
 <file path=ppt/slides/slide10.xml><?xml version="1.0" encoding="utf-8"?>
+<p:sld xmlns:a="http://schemas.openxmlformats.org/drawingml/2006/main" xmlns:r="http://schemas.openxmlformats.org/officeDocument/2006/relationships" xmlns:p="http://schemas.openxmlformats.org/presentationml/2006/main">
+  <p:cSld>
+    <p:spTree>
+      <p:nvGrpSpPr>
+        <p:cNvPr id="1" name=""/>
+        <p:cNvGrpSpPr/>
+        <p:nvPr/>
+      </p:nvGrpSpPr>
+      <p:grpSpPr>
+        <a:xfrm>
+          <a:off x="0" y="0"/>
+          <a:ext cx="0" cy="0"/>
+          <a:chOff x="0" y="0"/>
+          <a:chExt cx="0" cy="0"/>
+        </a:xfrm>
+      </p:grpSpPr>
+      <p:sp>
+        <p:nvSpPr>
+          <p:cNvPr id="19457" name="Title 1"/>
+          <p:cNvSpPr>
+            <a:spLocks noGrp="1"/>
+          </p:cNvSpPr>
+          <p:nvPr>
+            <p:ph type="title"/>
+          </p:nvPr>
+        </p:nvSpPr>
+        <p:spPr>
+          <a:xfrm>
+            <a:off x="1676400" y="-26988"/>
+            <a:ext cx="8839200" cy="1143001"/>
+          </a:xfrm>
+        </p:spPr>
+        <p:txBody>
+          <a:bodyPr>
+            <a:normAutofit fontScale="90000"/>
+          </a:bodyPr>
+          <a:lstStyle/>
+          <a:p>
+            <a:pPr algn="ctr"/>
+            <a:r>
+              <a:rPr lang="en-US" dirty="0">
+                <a:latin typeface="Calibri" charset="0"/>
+                <a:ea typeface="ＭＳ Ｐゴシック" charset="0"/>
+              </a:rPr>
+              <a:t>Should I use a splice-aware or </a:t>
+            </a:r>
+            <a:r>
+              <a:rPr lang="en-US" dirty="0" err="1">
+                <a:latin typeface="Calibri" charset="0"/>
+                <a:ea typeface="ＭＳ Ｐゴシック" charset="0"/>
+              </a:rPr>
+              <a:t>unspliced</a:t>
+            </a:r>
+            <a:r>
+              <a:rPr lang="en-US" dirty="0">
+                <a:latin typeface="Calibri" charset="0"/>
+                <a:ea typeface="ＭＳ Ｐゴシック" charset="0"/>
+              </a:rPr>
+              <a:t> mapper?</a:t>
+            </a:r>
+          </a:p>
+        </p:txBody>
+      </p:sp>
+      <p:sp>
+        <p:nvSpPr>
+          <p:cNvPr id="3" name="Content Placeholder 2"/>
+          <p:cNvSpPr>
+            <a:spLocks noGrp="1"/>
+          </p:cNvSpPr>
+          <p:nvPr>
+            <p:ph idx="1"/>
+          </p:nvPr>
+        </p:nvSpPr>
+        <p:spPr/>
+        <p:txBody>
+          <a:bodyPr>
+            <a:normAutofit/>
+          </a:bodyPr>
+          <a:lstStyle/>
+          <a:p>
+            <a:pPr>
+              <a:defRPr/>
+            </a:pPr>
+            <a:r>
+              <a:rPr lang="en-US" dirty="0"/>
+              <a:t>RNA-seq reads may span large introns</a:t>
+            </a:r>
+          </a:p>
+          <a:p>
+            <a:pPr>
+              <a:defRPr/>
+            </a:pPr>
+            <a:r>
+              <a:rPr lang="en-US" dirty="0"/>
+              <a:t>The fragments being sequenced in RNA-seq represent mRNA and therefore the introns are removed</a:t>
+            </a:r>
+          </a:p>
+          <a:p>
+            <a:pPr>
+              <a:defRPr/>
+            </a:pPr>
+            <a:r>
+              <a:rPr lang="en-US" dirty="0"/>
+              <a:t>But we are usually aligning these reads back to the reference genome</a:t>
+            </a:r>
+          </a:p>
+          <a:p>
+            <a:pPr>
+              <a:defRPr/>
+            </a:pPr>
+            <a:r>
+              <a:rPr lang="en-US" dirty="0"/>
+              <a:t>Unless your reads are short (&lt;50bp) you should use a splice-aware aligner</a:t>
+            </a:r>
+          </a:p>
+          <a:p>
+            <a:pPr lvl="1">
+              <a:defRPr/>
+            </a:pPr>
+            <a:r>
+              <a:rPr lang="en-US" dirty="0"/>
+              <a:t>HISAT2, STAR, MapSplice, etc. </a:t>
+            </a:r>
+          </a:p>
+        </p:txBody>
+      </p:sp>
+      <p:pic>
+        <p:nvPicPr>
+          <p:cNvPr id="19459" name="Picture 5" descr="Figure1"/>
+          <p:cNvPicPr>
+            <a:picLocks noChangeAspect="1" noChangeArrowheads="1"/>
+          </p:cNvPicPr>
+          <p:nvPr/>
+        </p:nvPicPr>
+        <p:blipFill>
+          <a:blip r:embed="rId2">
+            <a:extLst>
+              <a:ext uri="{28A0092B-C50C-407E-A947-70E740481C1C}">
+                <a14:useLocalDpi xmlns:a14="http://schemas.microsoft.com/office/drawing/2010/main" val="0"/>
+              </a:ext>
+            </a:extLst>
+          </a:blip>
+          <a:srcRect b="38274"/>
+          <a:stretch>
+            <a:fillRect/>
+          </a:stretch>
+        </p:blipFill>
+        <p:spPr bwMode="auto">
+          <a:xfrm>
+            <a:off x="6167439" y="1844676"/>
+            <a:ext cx="4014787" cy="3097213"/>
+          </a:xfrm>
+          <a:prstGeom prst="rect">
+            <a:avLst/>
+          </a:prstGeom>
+          <a:noFill/>
+          <a:ln>
+            <a:noFill/>
+          </a:ln>
+          <a:extLst>
+            <a:ext uri="{909E8E84-426E-40dd-AFC4-6F175D3DCCD1}">
+              <a14:hiddenFill xmlns:a14="http://schemas.microsoft.com/office/drawing/2010/main" xmlns="">
+                <a:solidFill>
+                  <a:srgbClr val="FFFFFF"/>
+                </a:solidFill>
+              </a14:hiddenFill>
+            </a:ext>
+            <a:ext uri="{91240B29-F687-4f45-9708-019B960494DF}">
+              <a14:hiddenLine xmlns:a14="http://schemas.microsoft.com/office/drawing/2010/main" xmlns="" w="9525">
+                <a:solidFill>
+                  <a:srgbClr val="000000"/>
+                </a:solidFill>
+                <a:miter lim="800000"/>
+                <a:headEnd/>
+                <a:tailEnd/>
+              </a14:hiddenLine>
+            </a:ext>
+          </a:extLst>
+        </p:spPr>
+      </p:pic>
+    </p:spTree>
+    <p:extLst>
+      <p:ext uri="{BB962C8B-B14F-4D97-AF65-F5344CB8AC3E}">
+        <p14:creationId xmlns:p14="http://schemas.microsoft.com/office/powerpoint/2010/main" val="3914650629"/>
+      </p:ext>
+    </p:extLst>
+  </p:cSld>
+  <p:clrMapOvr>
+    <a:masterClrMapping/>
+  </p:clrMapOvr>
+</p:sld>
+</file>
+
+<file path=ppt/slides/slide11.xml><?xml version="1.0" encoding="utf-8"?>
+<p:sld xmlns:a="http://schemas.openxmlformats.org/drawingml/2006/main" xmlns:r="http://schemas.openxmlformats.org/officeDocument/2006/relationships" xmlns:p="http://schemas.openxmlformats.org/presentationml/2006/main">
+  <p:cSld>
+    <p:spTree>
+      <p:nvGrpSpPr>
+        <p:cNvPr id="1" name=""/>
+        <p:cNvGrpSpPr/>
+        <p:nvPr/>
+      </p:nvGrpSpPr>
+      <p:grpSpPr>
+        <a:xfrm>
+          <a:off x="0" y="0"/>
+          <a:ext cx="0" cy="0"/>
+          <a:chOff x="0" y="0"/>
+          <a:chExt cx="0" cy="0"/>
+        </a:xfrm>
+      </p:grpSpPr>
+      <p:sp>
+        <p:nvSpPr>
+          <p:cNvPr id="20481" name="Title 1"/>
+          <p:cNvSpPr>
+            <a:spLocks noGrp="1"/>
+          </p:cNvSpPr>
+          <p:nvPr>
+            <p:ph type="title"/>
+          </p:nvPr>
+        </p:nvSpPr>
+        <p:spPr>
+          <a:xfrm>
+            <a:off x="1676400" y="-26987"/>
+            <a:ext cx="8839200" cy="935708"/>
+          </a:xfrm>
+        </p:spPr>
+        <p:txBody>
+          <a:bodyPr/>
+          <a:lstStyle/>
+          <a:p>
+            <a:pPr algn="ctr"/>
+            <a:r>
+              <a:rPr lang="en-US" b="1" dirty="0">
+                <a:latin typeface="Calibri" charset="0"/>
+                <a:ea typeface="ＭＳ Ｐゴシック" charset="0"/>
+              </a:rPr>
+              <a:t>HISAT/HISAT2</a:t>
+            </a:r>
+          </a:p>
+        </p:txBody>
+      </p:sp>
+      <p:sp>
+        <p:nvSpPr>
+          <p:cNvPr id="26626" name="Content Placeholder 2"/>
+          <p:cNvSpPr>
+            <a:spLocks noGrp="1"/>
+          </p:cNvSpPr>
+          <p:nvPr>
+            <p:ph idx="1"/>
+          </p:nvPr>
+        </p:nvSpPr>
+        <p:spPr>
+          <a:xfrm>
+            <a:off x="554636" y="1341438"/>
+            <a:ext cx="5181002" cy="4724400"/>
+          </a:xfrm>
+        </p:spPr>
+        <p:txBody>
+          <a:bodyPr>
+            <a:normAutofit fontScale="85000" lnSpcReduction="20000"/>
+          </a:bodyPr>
+          <a:lstStyle/>
+          <a:p>
+            <a:pPr>
+              <a:defRPr/>
+            </a:pPr>
+            <a:r>
+              <a:rPr lang="en-US" dirty="0">
+                <a:latin typeface="Calibri" charset="0"/>
+                <a:ea typeface="ＭＳ Ｐゴシック" charset="0"/>
+              </a:rPr>
+              <a:t>HISAT is a ‘splice-aware’ RNA-seq read aligner</a:t>
+            </a:r>
+          </a:p>
+          <a:p>
+            <a:pPr>
+              <a:defRPr/>
+            </a:pPr>
+            <a:r>
+              <a:rPr lang="en-US" dirty="0">
+                <a:latin typeface="Calibri" charset="0"/>
+                <a:ea typeface="ＭＳ Ｐゴシック" charset="0"/>
+              </a:rPr>
+              <a:t>Requires a reference genome</a:t>
+            </a:r>
+          </a:p>
+          <a:p>
+            <a:pPr>
+              <a:defRPr/>
+            </a:pPr>
+            <a:r>
+              <a:rPr lang="en-US" dirty="0">
+                <a:latin typeface="Calibri" charset="0"/>
+                <a:ea typeface="ＭＳ Ｐゴシック" charset="0"/>
+              </a:rPr>
+              <a:t>Very fast</a:t>
+            </a:r>
+          </a:p>
+          <a:p>
+            <a:pPr>
+              <a:defRPr/>
+            </a:pPr>
+            <a:r>
+              <a:rPr lang="en-US" dirty="0">
+                <a:latin typeface="Calibri" charset="0"/>
+                <a:ea typeface="ＭＳ Ｐゴシック" charset="0"/>
+              </a:rPr>
+              <a:t>Uses an indexing scheme based on the Burrows-Wheeler transform and the </a:t>
+            </a:r>
+            <a:r>
+              <a:rPr lang="en-US" dirty="0" err="1">
+                <a:latin typeface="Calibri" charset="0"/>
+                <a:ea typeface="ＭＳ Ｐゴシック" charset="0"/>
+              </a:rPr>
+              <a:t>Ferragina-Manzini</a:t>
+            </a:r>
+            <a:r>
+              <a:rPr lang="en-US" dirty="0">
+                <a:latin typeface="Calibri" charset="0"/>
+                <a:ea typeface="ＭＳ Ｐゴシック" charset="0"/>
+              </a:rPr>
+              <a:t> (FM) index</a:t>
+            </a:r>
+          </a:p>
+          <a:p>
+            <a:pPr>
+              <a:defRPr/>
+            </a:pPr>
+            <a:r>
+              <a:rPr lang="en-US" dirty="0">
+                <a:latin typeface="Calibri" charset="0"/>
+                <a:ea typeface="ＭＳ Ｐゴシック" charset="0"/>
+              </a:rPr>
+              <a:t>Multiple types of indexes for alignment</a:t>
+            </a:r>
+          </a:p>
+          <a:p>
+            <a:pPr lvl="1">
+              <a:defRPr/>
+            </a:pPr>
+            <a:r>
+              <a:rPr lang="en-US" dirty="0">
+                <a:latin typeface="Calibri" charset="0"/>
+                <a:ea typeface="ＭＳ Ｐゴシック" charset="0"/>
+              </a:rPr>
+              <a:t>a whole-genome FM index to anchor each alignment </a:t>
+            </a:r>
+          </a:p>
+          <a:p>
+            <a:pPr lvl="1">
+              <a:defRPr/>
+            </a:pPr>
+            <a:r>
+              <a:rPr lang="en-US" dirty="0">
+                <a:latin typeface="Calibri" charset="0"/>
+                <a:ea typeface="ＭＳ Ｐゴシック" charset="0"/>
+              </a:rPr>
+              <a:t>numerous local FM indexes for very rapid extensions of these alignments. </a:t>
+            </a:r>
+          </a:p>
+          <a:p>
+            <a:pPr lvl="1">
+              <a:defRPr/>
+            </a:pPr>
+            <a:r>
+              <a:rPr lang="en-US" dirty="0">
+                <a:latin typeface="Calibri" charset="0"/>
+                <a:ea typeface="ＭＳ Ｐゴシック" charset="0"/>
+              </a:rPr>
+              <a:t>Whole-genome indices with SNPs and known transcript structures accounted for</a:t>
+            </a:r>
+          </a:p>
+        </p:txBody>
+      </p:sp>
+      <p:sp>
+        <p:nvSpPr>
+          <p:cNvPr id="20484" name="TextBox 4"/>
+          <p:cNvSpPr txBox="1">
+            <a:spLocks noChangeArrowheads="1"/>
+          </p:cNvSpPr>
+          <p:nvPr/>
+        </p:nvSpPr>
+        <p:spPr bwMode="auto">
+          <a:xfrm>
+            <a:off x="1703512" y="5970766"/>
+            <a:ext cx="4176464" cy="338554"/>
+          </a:xfrm>
+          <a:prstGeom prst="rect">
+            <a:avLst/>
+          </a:prstGeom>
+          <a:noFill/>
+          <a:ln>
+            <a:noFill/>
+          </a:ln>
+          <a:extLst>
+            <a:ext uri="{909E8E84-426E-40dd-AFC4-6F175D3DCCD1}">
+              <a14:hiddenFill xmlns:a14="http://schemas.microsoft.com/office/drawing/2010/main" xmlns="">
+                <a:solidFill>
+                  <a:srgbClr val="FFFFFF"/>
+                </a:solidFill>
+              </a14:hiddenFill>
+            </a:ext>
+            <a:ext uri="{91240B29-F687-4f45-9708-019B960494DF}">
+              <a14:hiddenLine xmlns:a14="http://schemas.microsoft.com/office/drawing/2010/main" xmlns="" w="9525">
+                <a:solidFill>
+                  <a:srgbClr val="000000"/>
+                </a:solidFill>
+                <a:miter lim="800000"/>
+                <a:headEnd/>
+                <a:tailEnd/>
+              </a14:hiddenLine>
+            </a:ext>
+          </a:extLst>
+        </p:spPr>
+        <p:txBody>
+          <a:bodyPr wrap="square">
+            <a:spAutoFit/>
+          </a:bodyPr>
+          <a:lstStyle>
+            <a:lvl1pPr eaLnBrk="0" hangingPunct="0">
+              <a:defRPr sz="2400">
+                <a:solidFill>
+                  <a:schemeClr val="tx1"/>
+                </a:solidFill>
+                <a:latin typeface="Arial" charset="0"/>
+                <a:ea typeface="ＭＳ Ｐゴシック" charset="0"/>
+                <a:cs typeface="ＭＳ Ｐゴシック" charset="0"/>
+              </a:defRPr>
+            </a:lvl1pPr>
+            <a:lvl2pPr marL="742950" indent="-285750" eaLnBrk="0" hangingPunct="0">
+              <a:defRPr sz="2400">
+                <a:solidFill>
+                  <a:schemeClr val="tx1"/>
+                </a:solidFill>
+                <a:latin typeface="Arial" charset="0"/>
+                <a:ea typeface="ＭＳ Ｐゴシック" charset="0"/>
+              </a:defRPr>
+            </a:lvl2pPr>
+            <a:lvl3pPr marL="1143000" indent="-228600" eaLnBrk="0" hangingPunct="0">
+              <a:defRPr sz="2400">
+                <a:solidFill>
+                  <a:schemeClr val="tx1"/>
+                </a:solidFill>
+                <a:latin typeface="Arial" charset="0"/>
+                <a:ea typeface="ＭＳ Ｐゴシック" charset="0"/>
+              </a:defRPr>
+            </a:lvl3pPr>
+            <a:lvl4pPr marL="1600200" indent="-228600" eaLnBrk="0" hangingPunct="0">
+              <a:defRPr sz="2400">
+                <a:solidFill>
+                  <a:schemeClr val="tx1"/>
+                </a:solidFill>
+                <a:latin typeface="Arial" charset="0"/>
+                <a:ea typeface="ＭＳ Ｐゴシック" charset="0"/>
+              </a:defRPr>
+            </a:lvl4pPr>
+            <a:lvl5pPr marL="2057400" indent="-228600" eaLnBrk="0" hangingPunct="0">
+              <a:defRPr sz="2400">
+                <a:solidFill>
+                  <a:schemeClr val="tx1"/>
+                </a:solidFill>
+                <a:latin typeface="Arial" charset="0"/>
+                <a:ea typeface="ＭＳ Ｐゴシック" charset="0"/>
+              </a:defRPr>
+            </a:lvl5pPr>
+            <a:lvl6pPr marL="2514600" indent="-228600" eaLnBrk="0" fontAlgn="base" hangingPunct="0">
+              <a:spcBef>
+                <a:spcPct val="0"/>
+              </a:spcBef>
+              <a:spcAft>
+                <a:spcPct val="0"/>
+              </a:spcAft>
+              <a:defRPr sz="2400">
+                <a:solidFill>
+                  <a:schemeClr val="tx1"/>
+                </a:solidFill>
+                <a:latin typeface="Arial" charset="0"/>
+                <a:ea typeface="ＭＳ Ｐゴシック" charset="0"/>
+              </a:defRPr>
+            </a:lvl6pPr>
+            <a:lvl7pPr marL="2971800" indent="-228600" eaLnBrk="0" fontAlgn="base" hangingPunct="0">
+              <a:spcBef>
+                <a:spcPct val="0"/>
+              </a:spcBef>
+              <a:spcAft>
+                <a:spcPct val="0"/>
+              </a:spcAft>
+              <a:defRPr sz="2400">
+                <a:solidFill>
+                  <a:schemeClr val="tx1"/>
+                </a:solidFill>
+                <a:latin typeface="Arial" charset="0"/>
+                <a:ea typeface="ＭＳ Ｐゴシック" charset="0"/>
+              </a:defRPr>
+            </a:lvl7pPr>
+            <a:lvl8pPr marL="3429000" indent="-228600" eaLnBrk="0" fontAlgn="base" hangingPunct="0">
+              <a:spcBef>
+                <a:spcPct val="0"/>
+              </a:spcBef>
+              <a:spcAft>
+                <a:spcPct val="0"/>
+              </a:spcAft>
+              <a:defRPr sz="2400">
+                <a:solidFill>
+                  <a:schemeClr val="tx1"/>
+                </a:solidFill>
+                <a:latin typeface="Arial" charset="0"/>
+                <a:ea typeface="ＭＳ Ｐゴシック" charset="0"/>
+              </a:defRPr>
+            </a:lvl8pPr>
+            <a:lvl9pPr marL="3886200" indent="-228600" eaLnBrk="0" fontAlgn="base" hangingPunct="0">
+              <a:spcBef>
+                <a:spcPct val="0"/>
+              </a:spcBef>
+              <a:spcAft>
+                <a:spcPct val="0"/>
+              </a:spcAft>
+              <a:defRPr sz="2400">
+                <a:solidFill>
+                  <a:schemeClr val="tx1"/>
+                </a:solidFill>
+                <a:latin typeface="Arial" charset="0"/>
+                <a:ea typeface="ＭＳ Ｐゴシック" charset="0"/>
+              </a:defRPr>
+            </a:lvl9pPr>
+          </a:lstStyle>
+          <a:p>
+            <a:pPr marL="0" marR="0" lvl="0" indent="0" algn="l" defTabSz="914400" rtl="0" eaLnBrk="1" fontAlgn="auto" latinLnBrk="0" hangingPunct="1">
+              <a:lnSpc>
+                <a:spcPct val="100000"/>
+              </a:lnSpc>
+              <a:spcBef>
+                <a:spcPts val="0"/>
+              </a:spcBef>
+              <a:spcAft>
+                <a:spcPts val="0"/>
+              </a:spcAft>
+              <a:buClrTx/>
+              <a:buSzTx/>
+              <a:buFontTx/>
+              <a:buNone/>
+              <a:tabLst/>
+              <a:defRPr/>
+            </a:pPr>
+            <a:r>
+              <a:rPr kumimoji="0" lang="en-US" sz="1600" b="0" i="0" u="none" strike="noStrike" kern="1200" cap="none" spc="0" normalizeH="0" baseline="0" noProof="0" dirty="0">
+                <a:ln>
+                  <a:noFill/>
+                </a:ln>
+                <a:solidFill>
+                  <a:prstClr val="black"/>
+                </a:solidFill>
+                <a:effectLst/>
+                <a:uLnTx/>
+                <a:uFillTx/>
+                <a:latin typeface="Arial" charset="0"/>
+                <a:ea typeface="ＭＳ Ｐゴシック" charset="0"/>
+              </a:rPr>
+              <a:t>Kim et al. 2015. Nat Methods 12:357–360 </a:t>
+            </a:r>
+          </a:p>
+        </p:txBody>
+      </p:sp>
+      <p:pic>
+        <p:nvPicPr>
+          <p:cNvPr id="2" name="Picture 1"/>
+          <p:cNvPicPr>
+            <a:picLocks noChangeAspect="1"/>
+          </p:cNvPicPr>
+          <p:nvPr/>
+        </p:nvPicPr>
+        <p:blipFill>
+          <a:blip r:embed="rId3"/>
+          <a:stretch>
+            <a:fillRect/>
+          </a:stretch>
+        </p:blipFill>
+        <p:spPr>
+          <a:xfrm>
+            <a:off x="6096000" y="980728"/>
+            <a:ext cx="4257158" cy="5157192"/>
+          </a:xfrm>
+          <a:prstGeom prst="rect">
+            <a:avLst/>
+          </a:prstGeom>
+        </p:spPr>
+      </p:pic>
+    </p:spTree>
+    <p:extLst>
+      <p:ext uri="{BB962C8B-B14F-4D97-AF65-F5344CB8AC3E}">
+        <p14:creationId xmlns:p14="http://schemas.microsoft.com/office/powerpoint/2010/main" val="667370520"/>
+      </p:ext>
+    </p:extLst>
+  </p:cSld>
+  <p:clrMapOvr>
+    <a:masterClrMapping/>
+  </p:clrMapOvr>
+</p:sld>
+</file>
+
+<file path=ppt/slides/slide12.xml><?xml version="1.0" encoding="utf-8"?>
+<p:sld xmlns:a="http://schemas.openxmlformats.org/drawingml/2006/main" xmlns:r="http://schemas.openxmlformats.org/officeDocument/2006/relationships" xmlns:p="http://schemas.openxmlformats.org/presentationml/2006/main">
+  <p:cSld>
+    <p:spTree>
+      <p:nvGrpSpPr>
+        <p:cNvPr id="1" name=""/>
+        <p:cNvGrpSpPr/>
+        <p:nvPr/>
+      </p:nvGrpSpPr>
+      <p:grpSpPr>
+        <a:xfrm>
+          <a:off x="0" y="0"/>
+          <a:ext cx="0" cy="0"/>
+          <a:chOff x="0" y="0"/>
+          <a:chExt cx="0" cy="0"/>
+        </a:xfrm>
+      </p:grpSpPr>
+      <p:sp>
+        <p:nvSpPr>
+          <p:cNvPr id="20481" name="Title 1"/>
+          <p:cNvSpPr>
+            <a:spLocks noGrp="1"/>
+          </p:cNvSpPr>
+          <p:nvPr>
+            <p:ph type="title"/>
+          </p:nvPr>
+        </p:nvSpPr>
+        <p:spPr>
+          <a:xfrm>
+            <a:off x="1676400" y="-26987"/>
+            <a:ext cx="8839200" cy="935708"/>
+          </a:xfrm>
+        </p:spPr>
+        <p:txBody>
+          <a:bodyPr/>
+          <a:lstStyle/>
+          <a:p>
+            <a:pPr algn="ctr"/>
+            <a:r>
+              <a:rPr lang="en-US" b="1" dirty="0">
+                <a:latin typeface="Calibri" charset="0"/>
+                <a:ea typeface="ＭＳ Ｐゴシック" charset="0"/>
+              </a:rPr>
+              <a:t>HISAT/HISAT2</a:t>
+            </a:r>
+          </a:p>
+        </p:txBody>
+      </p:sp>
+      <p:sp>
+        <p:nvSpPr>
+          <p:cNvPr id="26626" name="Content Placeholder 2"/>
+          <p:cNvSpPr>
+            <a:spLocks noGrp="1"/>
+          </p:cNvSpPr>
+          <p:nvPr>
+            <p:ph idx="1"/>
+          </p:nvPr>
+        </p:nvSpPr>
+        <p:spPr>
+          <a:xfrm>
+            <a:off x="524656" y="1341438"/>
+            <a:ext cx="5210982" cy="4724400"/>
+          </a:xfrm>
+        </p:spPr>
+        <p:txBody>
+          <a:bodyPr>
+            <a:normAutofit fontScale="70000" lnSpcReduction="20000"/>
+          </a:bodyPr>
+          <a:lstStyle/>
+          <a:p>
+            <a:pPr>
+              <a:defRPr/>
+            </a:pPr>
+            <a:r>
+              <a:rPr lang="en-US" dirty="0">
+                <a:latin typeface="Calibri" charset="0"/>
+                <a:ea typeface="ＭＳ Ｐゴシック" charset="0"/>
+              </a:rPr>
+              <a:t>Uses hierarchical indexing algorithm and several adaptive strategies, based on the position of a read with respect to splice sites</a:t>
+            </a:r>
+          </a:p>
+          <a:p>
+            <a:pPr>
+              <a:defRPr/>
+            </a:pPr>
+            <a:r>
+              <a:rPr lang="en-US" dirty="0">
+                <a:latin typeface="Calibri" charset="0"/>
+                <a:ea typeface="ＭＳ Ｐゴシック" charset="0"/>
+              </a:rPr>
+              <a:t>First tries to find candidate locations across the target genome from which the read may have originated by mapping part of each read using the global FM index, which in most cases identifies one or a small number of candidates. </a:t>
+            </a:r>
+          </a:p>
+          <a:p>
+            <a:pPr>
+              <a:defRPr/>
+            </a:pPr>
+            <a:r>
+              <a:rPr lang="en-US" dirty="0">
+                <a:latin typeface="Calibri" charset="0"/>
+                <a:ea typeface="ＭＳ Ｐゴシック" charset="0"/>
+              </a:rPr>
+              <a:t>Then selects one of ~48,000 local indexes for each candidate and uses it to align the remainder of the read.</a:t>
+            </a:r>
+          </a:p>
+          <a:p>
+            <a:pPr>
+              <a:defRPr/>
+            </a:pPr>
+            <a:r>
+              <a:rPr lang="en-US" dirty="0">
+                <a:latin typeface="Calibri" charset="0"/>
+                <a:ea typeface="ＭＳ Ｐゴシック" charset="0"/>
+              </a:rPr>
+              <a:t>For paired reads, each mate is separately aligned and the alignments of both mates are combined. </a:t>
+            </a:r>
+          </a:p>
+          <a:p>
+            <a:pPr lvl="1">
+              <a:defRPr/>
+            </a:pPr>
+            <a:r>
+              <a:rPr lang="en-US" dirty="0">
+                <a:latin typeface="Calibri" charset="0"/>
+                <a:ea typeface="ＭＳ Ｐゴシック" charset="0"/>
+              </a:rPr>
+              <a:t>If a read fails to align, then the alignments of its mate are used as anchors to map the unaligned mate</a:t>
+            </a:r>
+          </a:p>
+        </p:txBody>
+      </p:sp>
+      <p:sp>
+        <p:nvSpPr>
+          <p:cNvPr id="20484" name="TextBox 4"/>
+          <p:cNvSpPr txBox="1">
+            <a:spLocks noChangeArrowheads="1"/>
+          </p:cNvSpPr>
+          <p:nvPr/>
+        </p:nvSpPr>
+        <p:spPr bwMode="auto">
+          <a:xfrm>
+            <a:off x="1703512" y="5970766"/>
+            <a:ext cx="4176464" cy="338554"/>
+          </a:xfrm>
+          <a:prstGeom prst="rect">
+            <a:avLst/>
+          </a:prstGeom>
+          <a:noFill/>
+          <a:ln>
+            <a:noFill/>
+          </a:ln>
+          <a:extLst>
+            <a:ext uri="{909E8E84-426E-40dd-AFC4-6F175D3DCCD1}">
+              <a14:hiddenFill xmlns:a14="http://schemas.microsoft.com/office/drawing/2010/main" xmlns="">
+                <a:solidFill>
+                  <a:srgbClr val="FFFFFF"/>
+                </a:solidFill>
+              </a14:hiddenFill>
+            </a:ext>
+            <a:ext uri="{91240B29-F687-4f45-9708-019B960494DF}">
+              <a14:hiddenLine xmlns:a14="http://schemas.microsoft.com/office/drawing/2010/main" xmlns="" w="9525">
+                <a:solidFill>
+                  <a:srgbClr val="000000"/>
+                </a:solidFill>
+                <a:miter lim="800000"/>
+                <a:headEnd/>
+                <a:tailEnd/>
+              </a14:hiddenLine>
+            </a:ext>
+          </a:extLst>
+        </p:spPr>
+        <p:txBody>
+          <a:bodyPr wrap="square">
+            <a:spAutoFit/>
+          </a:bodyPr>
+          <a:lstStyle>
+            <a:lvl1pPr eaLnBrk="0" hangingPunct="0">
+              <a:defRPr sz="2400">
+                <a:solidFill>
+                  <a:schemeClr val="tx1"/>
+                </a:solidFill>
+                <a:latin typeface="Arial" charset="0"/>
+                <a:ea typeface="ＭＳ Ｐゴシック" charset="0"/>
+                <a:cs typeface="ＭＳ Ｐゴシック" charset="0"/>
+              </a:defRPr>
+            </a:lvl1pPr>
+            <a:lvl2pPr marL="742950" indent="-285750" eaLnBrk="0" hangingPunct="0">
+              <a:defRPr sz="2400">
+                <a:solidFill>
+                  <a:schemeClr val="tx1"/>
+                </a:solidFill>
+                <a:latin typeface="Arial" charset="0"/>
+                <a:ea typeface="ＭＳ Ｐゴシック" charset="0"/>
+              </a:defRPr>
+            </a:lvl2pPr>
+            <a:lvl3pPr marL="1143000" indent="-228600" eaLnBrk="0" hangingPunct="0">
+              <a:defRPr sz="2400">
+                <a:solidFill>
+                  <a:schemeClr val="tx1"/>
+                </a:solidFill>
+                <a:latin typeface="Arial" charset="0"/>
+                <a:ea typeface="ＭＳ Ｐゴシック" charset="0"/>
+              </a:defRPr>
+            </a:lvl3pPr>
+            <a:lvl4pPr marL="1600200" indent="-228600" eaLnBrk="0" hangingPunct="0">
+              <a:defRPr sz="2400">
+                <a:solidFill>
+                  <a:schemeClr val="tx1"/>
+                </a:solidFill>
+                <a:latin typeface="Arial" charset="0"/>
+                <a:ea typeface="ＭＳ Ｐゴシック" charset="0"/>
+              </a:defRPr>
+            </a:lvl4pPr>
+            <a:lvl5pPr marL="2057400" indent="-228600" eaLnBrk="0" hangingPunct="0">
+              <a:defRPr sz="2400">
+                <a:solidFill>
+                  <a:schemeClr val="tx1"/>
+                </a:solidFill>
+                <a:latin typeface="Arial" charset="0"/>
+                <a:ea typeface="ＭＳ Ｐゴシック" charset="0"/>
+              </a:defRPr>
+            </a:lvl5pPr>
+            <a:lvl6pPr marL="2514600" indent="-228600" eaLnBrk="0" fontAlgn="base" hangingPunct="0">
+              <a:spcBef>
+                <a:spcPct val="0"/>
+              </a:spcBef>
+              <a:spcAft>
+                <a:spcPct val="0"/>
+              </a:spcAft>
+              <a:defRPr sz="2400">
+                <a:solidFill>
+                  <a:schemeClr val="tx1"/>
+                </a:solidFill>
+                <a:latin typeface="Arial" charset="0"/>
+                <a:ea typeface="ＭＳ Ｐゴシック" charset="0"/>
+              </a:defRPr>
+            </a:lvl6pPr>
+            <a:lvl7pPr marL="2971800" indent="-228600" eaLnBrk="0" fontAlgn="base" hangingPunct="0">
+              <a:spcBef>
+                <a:spcPct val="0"/>
+              </a:spcBef>
+              <a:spcAft>
+                <a:spcPct val="0"/>
+              </a:spcAft>
+              <a:defRPr sz="2400">
+                <a:solidFill>
+                  <a:schemeClr val="tx1"/>
+                </a:solidFill>
+                <a:latin typeface="Arial" charset="0"/>
+                <a:ea typeface="ＭＳ Ｐゴシック" charset="0"/>
+              </a:defRPr>
+            </a:lvl7pPr>
+            <a:lvl8pPr marL="3429000" indent="-228600" eaLnBrk="0" fontAlgn="base" hangingPunct="0">
+              <a:spcBef>
+                <a:spcPct val="0"/>
+              </a:spcBef>
+              <a:spcAft>
+                <a:spcPct val="0"/>
+              </a:spcAft>
+              <a:defRPr sz="2400">
+                <a:solidFill>
+                  <a:schemeClr val="tx1"/>
+                </a:solidFill>
+                <a:latin typeface="Arial" charset="0"/>
+                <a:ea typeface="ＭＳ Ｐゴシック" charset="0"/>
+              </a:defRPr>
+            </a:lvl8pPr>
+            <a:lvl9pPr marL="3886200" indent="-228600" eaLnBrk="0" fontAlgn="base" hangingPunct="0">
+              <a:spcBef>
+                <a:spcPct val="0"/>
+              </a:spcBef>
+              <a:spcAft>
+                <a:spcPct val="0"/>
+              </a:spcAft>
+              <a:defRPr sz="2400">
+                <a:solidFill>
+                  <a:schemeClr val="tx1"/>
+                </a:solidFill>
+                <a:latin typeface="Arial" charset="0"/>
+                <a:ea typeface="ＭＳ Ｐゴシック" charset="0"/>
+              </a:defRPr>
+            </a:lvl9pPr>
+          </a:lstStyle>
+          <a:p>
+            <a:pPr marL="0" marR="0" lvl="0" indent="0" algn="l" defTabSz="914400" rtl="0" eaLnBrk="1" fontAlgn="auto" latinLnBrk="0" hangingPunct="1">
+              <a:lnSpc>
+                <a:spcPct val="100000"/>
+              </a:lnSpc>
+              <a:spcBef>
+                <a:spcPts val="0"/>
+              </a:spcBef>
+              <a:spcAft>
+                <a:spcPts val="0"/>
+              </a:spcAft>
+              <a:buClrTx/>
+              <a:buSzTx/>
+              <a:buFontTx/>
+              <a:buNone/>
+              <a:tabLst/>
+              <a:defRPr/>
+            </a:pPr>
+            <a:r>
+              <a:rPr kumimoji="0" lang="en-US" sz="1600" b="0" i="0" u="none" strike="noStrike" kern="1200" cap="none" spc="0" normalizeH="0" baseline="0" noProof="0" dirty="0">
+                <a:ln>
+                  <a:noFill/>
+                </a:ln>
+                <a:solidFill>
+                  <a:prstClr val="black"/>
+                </a:solidFill>
+                <a:effectLst/>
+                <a:uLnTx/>
+                <a:uFillTx/>
+                <a:latin typeface="Arial" charset="0"/>
+                <a:ea typeface="ＭＳ Ｐゴシック" charset="0"/>
+              </a:rPr>
+              <a:t>Kim et al. 2015. Nat Methods 12:357–360 </a:t>
+            </a:r>
+          </a:p>
+        </p:txBody>
+      </p:sp>
+      <p:pic>
+        <p:nvPicPr>
+          <p:cNvPr id="2" name="Picture 1"/>
+          <p:cNvPicPr>
+            <a:picLocks noChangeAspect="1"/>
+          </p:cNvPicPr>
+          <p:nvPr/>
+        </p:nvPicPr>
+        <p:blipFill>
+          <a:blip r:embed="rId3"/>
+          <a:stretch>
+            <a:fillRect/>
+          </a:stretch>
+        </p:blipFill>
+        <p:spPr>
+          <a:xfrm>
+            <a:off x="6096000" y="980728"/>
+            <a:ext cx="4257158" cy="5157192"/>
+          </a:xfrm>
+          <a:prstGeom prst="rect">
+            <a:avLst/>
+          </a:prstGeom>
+        </p:spPr>
+      </p:pic>
+    </p:spTree>
+    <p:extLst>
+      <p:ext uri="{BB962C8B-B14F-4D97-AF65-F5344CB8AC3E}">
+        <p14:creationId xmlns:p14="http://schemas.microsoft.com/office/powerpoint/2010/main" val="4031888032"/>
+      </p:ext>
+    </p:extLst>
+  </p:cSld>
+  <p:clrMapOvr>
+    <a:masterClrMapping/>
+  </p:clrMapOvr>
+</p:sld>
+</file>
+
+<file path=ppt/slides/slide13.xml><?xml version="1.0" encoding="utf-8"?>
 <p:sld xmlns:a="http://schemas.openxmlformats.org/drawingml/2006/main" xmlns:r="http://schemas.openxmlformats.org/officeDocument/2006/relationships" xmlns:p="http://schemas.openxmlformats.org/presentationml/2006/main">
   <p:cSld>
     <p:spTree>
@@ -10051,7 +11184,7 @@
         </p:nvCxnSpPr>
         <p:spPr>
           <a:xfrm>
-            <a:off x="1703512" y="4293096"/>
+            <a:off x="1710062" y="2813654"/>
             <a:ext cx="648072" cy="0"/>
           </a:xfrm>
           <a:prstGeom prst="straightConnector1">
@@ -10084,8 +11217,8 @@
         </p:nvSpPr>
         <p:spPr>
           <a:xfrm>
-            <a:off x="6851575" y="2082003"/>
-            <a:ext cx="4780791" cy="3416320"/>
+            <a:off x="6672064" y="2564905"/>
+            <a:ext cx="5245101" cy="1477328"/>
           </a:xfrm>
           <a:prstGeom prst="rect">
             <a:avLst/>
@@ -10130,7 +11263,7 @@
                 <a:ea typeface="+mn-ea"/>
                 <a:cs typeface="+mn-cs"/>
               </a:rPr>
-              <a:t>Again use global search until exactly one match of at least 28bp (slower)</a:t>
+              <a:t>First align read with global index (slower)</a:t>
             </a:r>
           </a:p>
           <a:p>
@@ -10166,129 +11299,21 @@
                 <a:ea typeface="+mn-ea"/>
                 <a:cs typeface="+mn-cs"/>
               </a:rPr>
-              <a:t>Extend as before until mismatch at 93bp (faster)</a:t>
-            </a:r>
-          </a:p>
-          <a:p>
-            <a:pPr marL="342900" marR="0" lvl="0" indent="-342900" algn="l" defTabSz="914400" rtl="0" eaLnBrk="1" fontAlgn="auto" latinLnBrk="0" hangingPunct="1">
-              <a:lnSpc>
-                <a:spcPct val="100000"/>
-              </a:lnSpc>
-              <a:spcBef>
-                <a:spcPts val="0"/>
-              </a:spcBef>
-              <a:spcAft>
-                <a:spcPts val="0"/>
-              </a:spcAft>
-              <a:buClrTx/>
-              <a:buSzTx/>
-              <a:buFont typeface="Arial"/>
-              <a:buChar char="•"/>
-              <a:tabLst/>
-              <a:defRPr/>
-            </a:pPr>
-            <a:r>
-              <a:rPr kumimoji="0" lang="en-US" sz="1800" b="0" i="0" u="none" strike="noStrike" kern="1200" cap="none" spc="0" normalizeH="0" baseline="0" noProof="0" dirty="0">
-                <a:ln>
-                  <a:noFill/>
-                </a:ln>
-                <a:solidFill>
-                  <a:prstClr val="black"/>
-                </a:solidFill>
-                <a:effectLst/>
-                <a:uLnTx/>
-                <a:uFillTx/>
-                <a:latin typeface="Verdana" panose="020B0604030504040204"/>
-                <a:ea typeface="+mn-ea"/>
-                <a:cs typeface="+mn-cs"/>
-              </a:rPr>
-              <a:t>Switch to local FM index to align remaining 8bp</a:t>
-            </a:r>
-          </a:p>
-          <a:p>
-            <a:pPr marL="800100" marR="0" lvl="1" indent="-342900" algn="l" defTabSz="914400" rtl="0" eaLnBrk="1" fontAlgn="auto" latinLnBrk="0" hangingPunct="1">
-              <a:lnSpc>
-                <a:spcPct val="100000"/>
-              </a:lnSpc>
-              <a:spcBef>
-                <a:spcPts val="0"/>
-              </a:spcBef>
-              <a:spcAft>
-                <a:spcPts val="0"/>
-              </a:spcAft>
-              <a:buClrTx/>
-              <a:buSzTx/>
-              <a:buFont typeface="Arial"/>
-              <a:buChar char="•"/>
-              <a:tabLst/>
-              <a:defRPr/>
-            </a:pPr>
-            <a:r>
-              <a:rPr kumimoji="0" lang="en-US" sz="1800" b="0" i="0" u="none" strike="noStrike" kern="1200" cap="none" spc="0" normalizeH="0" baseline="0" noProof="0" dirty="0">
-                <a:ln>
-                  <a:noFill/>
-                </a:ln>
-                <a:solidFill>
-                  <a:prstClr val="black"/>
-                </a:solidFill>
-                <a:effectLst/>
-                <a:uLnTx/>
-                <a:uFillTx/>
-                <a:latin typeface="Verdana" panose="020B0604030504040204"/>
-                <a:ea typeface="+mn-ea"/>
-                <a:cs typeface="+mn-cs"/>
-              </a:rPr>
-              <a:t>Because the index covers only a small region, in this case we find just one match for the 8-bp segment.</a:t>
-            </a:r>
-          </a:p>
-          <a:p>
-            <a:pPr marL="342900" marR="0" lvl="0" indent="-342900" algn="l" defTabSz="914400" rtl="0" eaLnBrk="1" fontAlgn="auto" latinLnBrk="0" hangingPunct="1">
-              <a:lnSpc>
-                <a:spcPct val="100000"/>
-              </a:lnSpc>
-              <a:spcBef>
-                <a:spcPts val="0"/>
-              </a:spcBef>
-              <a:spcAft>
-                <a:spcPts val="0"/>
-              </a:spcAft>
-              <a:buClrTx/>
-              <a:buSzTx/>
-              <a:buFont typeface="Arial"/>
-              <a:buChar char="•"/>
-              <a:tabLst/>
-              <a:defRPr/>
-            </a:pPr>
-            <a:r>
-              <a:rPr kumimoji="0" lang="en-US" sz="1800" b="0" i="0" u="none" strike="noStrike" kern="1200" cap="none" spc="0" normalizeH="0" baseline="0" noProof="0" dirty="0">
-                <a:ln>
-                  <a:noFill/>
-                </a:ln>
-                <a:solidFill>
-                  <a:prstClr val="black"/>
-                </a:solidFill>
-                <a:effectLst/>
-                <a:uLnTx/>
-                <a:uFillTx/>
-                <a:latin typeface="Verdana" panose="020B0604030504040204"/>
-                <a:ea typeface="+mn-ea"/>
-                <a:cs typeface="+mn-cs"/>
-              </a:rPr>
-              <a:t>Check for compatibility and combine into single spliced alignment</a:t>
+              <a:t>Once at least 28bp and exactly one location switch to extension mode against reference genome (faster)</a:t>
             </a:r>
           </a:p>
         </p:txBody>
       </p:sp>
       <p:cxnSp>
         <p:nvCxnSpPr>
-          <p:cNvPr id="3" name="Straight Connector 2"/>
+          <p:cNvPr id="10" name="Straight Connector 9"/>
           <p:cNvCxnSpPr/>
           <p:nvPr/>
         </p:nvCxnSpPr>
         <p:spPr>
           <a:xfrm>
-            <a:off x="2567608" y="3717032"/>
-            <a:ext cx="0" cy="1224136"/>
+            <a:off x="2567608" y="2492896"/>
+            <a:ext cx="0" cy="720080"/>
           </a:xfrm>
           <a:prstGeom prst="line">
             <a:avLst/>
@@ -10313,7 +11338,7 @@
     </p:spTree>
     <p:extLst>
       <p:ext uri="{BB962C8B-B14F-4D97-AF65-F5344CB8AC3E}">
-        <p14:creationId xmlns:p14="http://schemas.microsoft.com/office/powerpoint/2010/main" val="3029362584"/>
+        <p14:creationId xmlns:p14="http://schemas.microsoft.com/office/powerpoint/2010/main" val="1676867805"/>
       </p:ext>
     </p:extLst>
   </p:cSld>
@@ -10323,7 +11348,7 @@
 </p:sld>
 </file>
 
-<file path=ppt/slides/slide11.xml><?xml version="1.0" encoding="utf-8"?>
+<file path=ppt/slides/slide14.xml><?xml version="1.0" encoding="utf-8"?>
 <p:sld xmlns:a="http://schemas.openxmlformats.org/drawingml/2006/main" xmlns:r="http://schemas.openxmlformats.org/officeDocument/2006/relationships" xmlns:p="http://schemas.openxmlformats.org/presentationml/2006/main">
   <p:cSld>
     <p:spTree>
@@ -10403,6 +11428,358 @@
         </p:nvCxnSpPr>
         <p:spPr>
           <a:xfrm>
+            <a:off x="1703512" y="4293096"/>
+            <a:ext cx="648072" cy="0"/>
+          </a:xfrm>
+          <a:prstGeom prst="straightConnector1">
+            <a:avLst/>
+          </a:prstGeom>
+          <a:ln w="38100" cmpd="sng">
+            <a:tailEnd type="arrow"/>
+          </a:ln>
+        </p:spPr>
+        <p:style>
+          <a:lnRef idx="2">
+            <a:schemeClr val="accent1"/>
+          </a:lnRef>
+          <a:fillRef idx="0">
+            <a:schemeClr val="accent1"/>
+          </a:fillRef>
+          <a:effectRef idx="1">
+            <a:schemeClr val="accent1"/>
+          </a:effectRef>
+          <a:fontRef idx="minor">
+            <a:schemeClr val="tx1"/>
+          </a:fontRef>
+        </p:style>
+      </p:cxnSp>
+      <p:sp>
+        <p:nvSpPr>
+          <p:cNvPr id="8" name="TextBox 7"/>
+          <p:cNvSpPr txBox="1"/>
+          <p:nvPr/>
+        </p:nvSpPr>
+        <p:spPr>
+          <a:xfrm>
+            <a:off x="6851575" y="2082003"/>
+            <a:ext cx="4780791" cy="3416320"/>
+          </a:xfrm>
+          <a:prstGeom prst="rect">
+            <a:avLst/>
+          </a:prstGeom>
+          <a:noFill/>
+        </p:spPr>
+        <p:txBody>
+          <a:bodyPr wrap="square" rtlCol="0">
+            <a:spAutoFit/>
+          </a:bodyPr>
+          <a:lstStyle/>
+          <a:p>
+            <a:pPr marL="342900" marR="0" lvl="0" indent="-342900" algn="l" defTabSz="914400" rtl="0" eaLnBrk="1" fontAlgn="auto" latinLnBrk="0" hangingPunct="1">
+              <a:lnSpc>
+                <a:spcPct val="100000"/>
+              </a:lnSpc>
+              <a:spcBef>
+                <a:spcPts val="0"/>
+              </a:spcBef>
+              <a:spcAft>
+                <a:spcPts val="0"/>
+              </a:spcAft>
+              <a:buClrTx/>
+              <a:buSzTx/>
+              <a:buFont typeface="Arial"/>
+              <a:buChar char="•"/>
+              <a:tabLst/>
+              <a:defRPr/>
+            </a:pPr>
+            <a:r>
+              <a:rPr kumimoji="0" lang="en-US" sz="1800" b="0" i="0" u="none" strike="noStrike" kern="1200" cap="none" spc="0" normalizeH="0" baseline="0" noProof="0" dirty="0">
+                <a:ln>
+                  <a:noFill/>
+                </a:ln>
+                <a:solidFill>
+                  <a:prstClr val="black"/>
+                </a:solidFill>
+                <a:effectLst/>
+                <a:uLnTx/>
+                <a:uFillTx/>
+                <a:latin typeface="Verdana" panose="020B0604030504040204"/>
+                <a:ea typeface="+mn-ea"/>
+                <a:cs typeface="+mn-cs"/>
+              </a:rPr>
+              <a:t>Again use global search until exactly one match of at least 28bp (slower)</a:t>
+            </a:r>
+          </a:p>
+          <a:p>
+            <a:pPr marL="342900" marR="0" lvl="0" indent="-342900" algn="l" defTabSz="914400" rtl="0" eaLnBrk="1" fontAlgn="auto" latinLnBrk="0" hangingPunct="1">
+              <a:lnSpc>
+                <a:spcPct val="100000"/>
+              </a:lnSpc>
+              <a:spcBef>
+                <a:spcPts val="0"/>
+              </a:spcBef>
+              <a:spcAft>
+                <a:spcPts val="0"/>
+              </a:spcAft>
+              <a:buClrTx/>
+              <a:buSzTx/>
+              <a:buFont typeface="Arial"/>
+              <a:buChar char="•"/>
+              <a:tabLst/>
+              <a:defRPr/>
+            </a:pPr>
+            <a:r>
+              <a:rPr kumimoji="0" lang="en-US" sz="1800" b="0" i="0" u="none" strike="noStrike" kern="1200" cap="none" spc="0" normalizeH="0" baseline="0" noProof="0" dirty="0">
+                <a:ln>
+                  <a:noFill/>
+                </a:ln>
+                <a:solidFill>
+                  <a:prstClr val="black"/>
+                </a:solidFill>
+                <a:effectLst/>
+                <a:uLnTx/>
+                <a:uFillTx/>
+                <a:latin typeface="Verdana" panose="020B0604030504040204"/>
+                <a:ea typeface="+mn-ea"/>
+                <a:cs typeface="+mn-cs"/>
+              </a:rPr>
+              <a:t>Extend as before until mismatch at 93bp (faster)</a:t>
+            </a:r>
+          </a:p>
+          <a:p>
+            <a:pPr marL="342900" marR="0" lvl="0" indent="-342900" algn="l" defTabSz="914400" rtl="0" eaLnBrk="1" fontAlgn="auto" latinLnBrk="0" hangingPunct="1">
+              <a:lnSpc>
+                <a:spcPct val="100000"/>
+              </a:lnSpc>
+              <a:spcBef>
+                <a:spcPts val="0"/>
+              </a:spcBef>
+              <a:spcAft>
+                <a:spcPts val="0"/>
+              </a:spcAft>
+              <a:buClrTx/>
+              <a:buSzTx/>
+              <a:buFont typeface="Arial"/>
+              <a:buChar char="•"/>
+              <a:tabLst/>
+              <a:defRPr/>
+            </a:pPr>
+            <a:r>
+              <a:rPr kumimoji="0" lang="en-US" sz="1800" b="0" i="0" u="none" strike="noStrike" kern="1200" cap="none" spc="0" normalizeH="0" baseline="0" noProof="0" dirty="0">
+                <a:ln>
+                  <a:noFill/>
+                </a:ln>
+                <a:solidFill>
+                  <a:prstClr val="black"/>
+                </a:solidFill>
+                <a:effectLst/>
+                <a:uLnTx/>
+                <a:uFillTx/>
+                <a:latin typeface="Verdana" panose="020B0604030504040204"/>
+                <a:ea typeface="+mn-ea"/>
+                <a:cs typeface="+mn-cs"/>
+              </a:rPr>
+              <a:t>Switch to local FM index to align remaining 8bp</a:t>
+            </a:r>
+          </a:p>
+          <a:p>
+            <a:pPr marL="800100" marR="0" lvl="1" indent="-342900" algn="l" defTabSz="914400" rtl="0" eaLnBrk="1" fontAlgn="auto" latinLnBrk="0" hangingPunct="1">
+              <a:lnSpc>
+                <a:spcPct val="100000"/>
+              </a:lnSpc>
+              <a:spcBef>
+                <a:spcPts val="0"/>
+              </a:spcBef>
+              <a:spcAft>
+                <a:spcPts val="0"/>
+              </a:spcAft>
+              <a:buClrTx/>
+              <a:buSzTx/>
+              <a:buFont typeface="Arial"/>
+              <a:buChar char="•"/>
+              <a:tabLst/>
+              <a:defRPr/>
+            </a:pPr>
+            <a:r>
+              <a:rPr kumimoji="0" lang="en-US" sz="1800" b="0" i="0" u="none" strike="noStrike" kern="1200" cap="none" spc="0" normalizeH="0" baseline="0" noProof="0" dirty="0">
+                <a:ln>
+                  <a:noFill/>
+                </a:ln>
+                <a:solidFill>
+                  <a:prstClr val="black"/>
+                </a:solidFill>
+                <a:effectLst/>
+                <a:uLnTx/>
+                <a:uFillTx/>
+                <a:latin typeface="Verdana" panose="020B0604030504040204"/>
+                <a:ea typeface="+mn-ea"/>
+                <a:cs typeface="+mn-cs"/>
+              </a:rPr>
+              <a:t>Because the index covers only a small region, in this case we find just one match for the 8-bp segment.</a:t>
+            </a:r>
+          </a:p>
+          <a:p>
+            <a:pPr marL="342900" marR="0" lvl="0" indent="-342900" algn="l" defTabSz="914400" rtl="0" eaLnBrk="1" fontAlgn="auto" latinLnBrk="0" hangingPunct="1">
+              <a:lnSpc>
+                <a:spcPct val="100000"/>
+              </a:lnSpc>
+              <a:spcBef>
+                <a:spcPts val="0"/>
+              </a:spcBef>
+              <a:spcAft>
+                <a:spcPts val="0"/>
+              </a:spcAft>
+              <a:buClrTx/>
+              <a:buSzTx/>
+              <a:buFont typeface="Arial"/>
+              <a:buChar char="•"/>
+              <a:tabLst/>
+              <a:defRPr/>
+            </a:pPr>
+            <a:r>
+              <a:rPr kumimoji="0" lang="en-US" sz="1800" b="0" i="0" u="none" strike="noStrike" kern="1200" cap="none" spc="0" normalizeH="0" baseline="0" noProof="0" dirty="0">
+                <a:ln>
+                  <a:noFill/>
+                </a:ln>
+                <a:solidFill>
+                  <a:prstClr val="black"/>
+                </a:solidFill>
+                <a:effectLst/>
+                <a:uLnTx/>
+                <a:uFillTx/>
+                <a:latin typeface="Verdana" panose="020B0604030504040204"/>
+                <a:ea typeface="+mn-ea"/>
+                <a:cs typeface="+mn-cs"/>
+              </a:rPr>
+              <a:t>Check for compatibility and combine into single spliced alignment</a:t>
+            </a:r>
+          </a:p>
+        </p:txBody>
+      </p:sp>
+      <p:cxnSp>
+        <p:nvCxnSpPr>
+          <p:cNvPr id="3" name="Straight Connector 2"/>
+          <p:cNvCxnSpPr/>
+          <p:nvPr/>
+        </p:nvCxnSpPr>
+        <p:spPr>
+          <a:xfrm>
+            <a:off x="2567608" y="3717032"/>
+            <a:ext cx="0" cy="1224136"/>
+          </a:xfrm>
+          <a:prstGeom prst="line">
+            <a:avLst/>
+          </a:prstGeom>
+          <a:ln w="38100" cmpd="sng"/>
+        </p:spPr>
+        <p:style>
+          <a:lnRef idx="2">
+            <a:schemeClr val="accent1"/>
+          </a:lnRef>
+          <a:fillRef idx="0">
+            <a:schemeClr val="accent1"/>
+          </a:fillRef>
+          <a:effectRef idx="1">
+            <a:schemeClr val="accent1"/>
+          </a:effectRef>
+          <a:fontRef idx="minor">
+            <a:schemeClr val="tx1"/>
+          </a:fontRef>
+        </p:style>
+      </p:cxnSp>
+    </p:spTree>
+    <p:extLst>
+      <p:ext uri="{BB962C8B-B14F-4D97-AF65-F5344CB8AC3E}">
+        <p14:creationId xmlns:p14="http://schemas.microsoft.com/office/powerpoint/2010/main" val="3029362584"/>
+      </p:ext>
+    </p:extLst>
+  </p:cSld>
+  <p:clrMapOvr>
+    <a:masterClrMapping/>
+  </p:clrMapOvr>
+</p:sld>
+</file>
+
+<file path=ppt/slides/slide15.xml><?xml version="1.0" encoding="utf-8"?>
+<p:sld xmlns:a="http://schemas.openxmlformats.org/drawingml/2006/main" xmlns:r="http://schemas.openxmlformats.org/officeDocument/2006/relationships" xmlns:p="http://schemas.openxmlformats.org/presentationml/2006/main">
+  <p:cSld>
+    <p:spTree>
+      <p:nvGrpSpPr>
+        <p:cNvPr id="1" name=""/>
+        <p:cNvGrpSpPr/>
+        <p:nvPr/>
+      </p:nvGrpSpPr>
+      <p:grpSpPr>
+        <a:xfrm>
+          <a:off x="0" y="0"/>
+          <a:ext cx="0" cy="0"/>
+          <a:chOff x="0" y="0"/>
+          <a:chExt cx="0" cy="0"/>
+        </a:xfrm>
+      </p:grpSpPr>
+      <p:pic>
+        <p:nvPicPr>
+          <p:cNvPr id="4" name="Picture 3"/>
+          <p:cNvPicPr>
+            <a:picLocks noChangeAspect="1"/>
+          </p:cNvPicPr>
+          <p:nvPr/>
+        </p:nvPicPr>
+        <p:blipFill>
+          <a:blip r:embed="rId3"/>
+          <a:stretch>
+            <a:fillRect/>
+          </a:stretch>
+        </p:blipFill>
+        <p:spPr>
+          <a:xfrm>
+            <a:off x="2423593" y="1063848"/>
+            <a:ext cx="4270591" cy="5173464"/>
+          </a:xfrm>
+          <a:prstGeom prst="rect">
+            <a:avLst/>
+          </a:prstGeom>
+        </p:spPr>
+      </p:pic>
+      <p:sp>
+        <p:nvSpPr>
+          <p:cNvPr id="5" name="Title 1"/>
+          <p:cNvSpPr>
+            <a:spLocks noGrp="1"/>
+          </p:cNvSpPr>
+          <p:nvPr>
+            <p:ph type="title"/>
+          </p:nvPr>
+        </p:nvSpPr>
+        <p:spPr>
+          <a:xfrm>
+            <a:off x="1676400" y="-26987"/>
+            <a:ext cx="8839200" cy="935708"/>
+          </a:xfrm>
+        </p:spPr>
+        <p:txBody>
+          <a:bodyPr/>
+          <a:lstStyle/>
+          <a:p>
+            <a:pPr algn="ctr"/>
+            <a:r>
+              <a:rPr lang="en-US" b="1" dirty="0">
+                <a:latin typeface="Calibri" charset="0"/>
+                <a:ea typeface="ＭＳ Ｐゴシック" charset="0"/>
+              </a:rPr>
+              <a:t>HISAT/HISAT2</a:t>
+            </a:r>
+          </a:p>
+        </p:txBody>
+      </p:sp>
+      <p:cxnSp>
+        <p:nvCxnSpPr>
+          <p:cNvPr id="7" name="Straight Arrow Connector 6"/>
+          <p:cNvCxnSpPr/>
+          <p:nvPr/>
+        </p:nvCxnSpPr>
+        <p:spPr>
+          <a:xfrm>
             <a:off x="1703512" y="5805264"/>
             <a:ext cx="648072" cy="0"/>
           </a:xfrm>
@@ -10711,7 +12088,7 @@
 </p:sld>
 </file>
 
-<file path=ppt/slides/slide12.xml><?xml version="1.0" encoding="utf-8"?>
+<file path=ppt/slides/slide16.xml><?xml version="1.0" encoding="utf-8"?>
 <p:sld xmlns:a="http://schemas.openxmlformats.org/drawingml/2006/main" xmlns:r="http://schemas.openxmlformats.org/officeDocument/2006/relationships" xmlns:p="http://schemas.openxmlformats.org/presentationml/2006/main">
   <p:cSld>
     <p:spTree>
@@ -10863,7 +12240,7 @@
 </p:sld>
 </file>
 
-<file path=ppt/slides/slide13.xml><?xml version="1.0" encoding="utf-8"?>
+<file path=ppt/slides/slide17.xml><?xml version="1.0" encoding="utf-8"?>
 <p:sld xmlns:a="http://schemas.openxmlformats.org/drawingml/2006/main" xmlns:r="http://schemas.openxmlformats.org/officeDocument/2006/relationships" xmlns:p="http://schemas.openxmlformats.org/presentationml/2006/main">
   <p:cSld>
     <p:spTree>
@@ -11070,6 +12447,4390 @@
       </p:grpSpPr>
       <p:sp>
         <p:nvSpPr>
+          <p:cNvPr id="2" name="Title 1"/>
+          <p:cNvSpPr>
+            <a:spLocks noGrp="1"/>
+          </p:cNvSpPr>
+          <p:nvPr>
+            <p:ph type="title"/>
+          </p:nvPr>
+        </p:nvSpPr>
+        <p:spPr>
+          <a:xfrm>
+            <a:off x="838200" y="18289"/>
+            <a:ext cx="10515600" cy="1008205"/>
+          </a:xfrm>
+        </p:spPr>
+        <p:txBody>
+          <a:bodyPr>
+            <a:noAutofit/>
+          </a:bodyPr>
+          <a:lstStyle/>
+          <a:p>
+            <a:r>
+              <a:rPr lang="en-US" sz="3600" dirty="0">
+                <a:latin typeface="Calibri" panose="020F0502020204030204" pitchFamily="34" charset="0"/>
+                <a:cs typeface="Calibri" panose="020F0502020204030204" pitchFamily="34" charset="0"/>
+              </a:rPr>
+              <a:t>Alignment - How does it work?</a:t>
+            </a:r>
+          </a:p>
+        </p:txBody>
+      </p:sp>
+      <p:sp>
+        <p:nvSpPr>
+          <p:cNvPr id="12" name="Content Placeholder 2"/>
+          <p:cNvSpPr>
+            <a:spLocks noGrp="1"/>
+          </p:cNvSpPr>
+          <p:nvPr>
+            <p:ph idx="1"/>
+          </p:nvPr>
+        </p:nvSpPr>
+        <p:spPr>
+          <a:xfrm>
+            <a:off x="5744322" y="1017759"/>
+            <a:ext cx="4642465" cy="2911511"/>
+          </a:xfrm>
+        </p:spPr>
+        <p:txBody>
+          <a:bodyPr>
+            <a:noAutofit/>
+          </a:bodyPr>
+          <a:lstStyle/>
+          <a:p>
+            <a:pPr marL="285750" indent="-285750"/>
+            <a:r>
+              <a:rPr lang="en-US" sz="1800" dirty="0">
+                <a:latin typeface="Calibri" panose="020F0502020204030204" pitchFamily="34" charset="0"/>
+                <a:cs typeface="Calibri" panose="020F0502020204030204" pitchFamily="34" charset="0"/>
+              </a:rPr>
+              <a:t>Alignment is about fitting individual pieces (reads) into the correct part of the puzzle</a:t>
+            </a:r>
+          </a:p>
+          <a:p>
+            <a:pPr marL="285750" indent="-285750"/>
+            <a:endParaRPr lang="en-US" sz="1800" dirty="0">
+              <a:latin typeface="Calibri" panose="020F0502020204030204" pitchFamily="34" charset="0"/>
+              <a:cs typeface="Calibri" panose="020F0502020204030204" pitchFamily="34" charset="0"/>
+            </a:endParaRPr>
+          </a:p>
+          <a:p>
+            <a:pPr marL="285750" indent="-285750"/>
+            <a:r>
+              <a:rPr lang="en-US" sz="1800" dirty="0">
+                <a:latin typeface="Calibri" panose="020F0502020204030204" pitchFamily="34" charset="0"/>
+                <a:cs typeface="Calibri" panose="020F0502020204030204" pitchFamily="34" charset="0"/>
+              </a:rPr>
+              <a:t>The human genome project gave us the picture on the box cover (the reference genome)</a:t>
+            </a:r>
+          </a:p>
+          <a:p>
+            <a:pPr marL="285750" indent="-285750"/>
+            <a:endParaRPr lang="en-US" sz="1800" dirty="0">
+              <a:latin typeface="Calibri" panose="020F0502020204030204" pitchFamily="34" charset="0"/>
+              <a:cs typeface="Calibri" panose="020F0502020204030204" pitchFamily="34" charset="0"/>
+            </a:endParaRPr>
+          </a:p>
+          <a:p>
+            <a:pPr marL="285750" indent="-285750"/>
+            <a:r>
+              <a:rPr lang="en-US" sz="1800" dirty="0">
+                <a:latin typeface="Calibri" panose="020F0502020204030204" pitchFamily="34" charset="0"/>
+                <a:cs typeface="Calibri" panose="020F0502020204030204" pitchFamily="34" charset="0"/>
+              </a:rPr>
+              <a:t>Imperfections in how the pieces fit can indicate damage to a copy of the picture</a:t>
+            </a:r>
+          </a:p>
+        </p:txBody>
+      </p:sp>
+      <p:sp>
+        <p:nvSpPr>
+          <p:cNvPr id="5" name="TextBox 4"/>
+          <p:cNvSpPr txBox="1"/>
+          <p:nvPr/>
+        </p:nvSpPr>
+        <p:spPr>
+          <a:xfrm>
+            <a:off x="2750629" y="4012250"/>
+            <a:ext cx="7437357" cy="1938992"/>
+          </a:xfrm>
+          <a:prstGeom prst="rect">
+            <a:avLst/>
+          </a:prstGeom>
+          <a:noFill/>
+        </p:spPr>
+        <p:txBody>
+          <a:bodyPr wrap="none" rtlCol="0">
+            <a:spAutoFit/>
+          </a:bodyPr>
+          <a:lstStyle/>
+          <a:p>
+            <a:r>
+              <a:rPr lang="en-US" sz="4000" dirty="0">
+                <a:latin typeface="Calibri" panose="020F0502020204030204" pitchFamily="34" charset="0"/>
+                <a:cs typeface="Calibri" panose="020F0502020204030204" pitchFamily="34" charset="0"/>
+              </a:rPr>
+              <a:t>AGCCTGAGACCGTAAAAA</a:t>
+            </a:r>
+            <a:r>
+              <a:rPr lang="en-US" sz="4000" b="1" dirty="0">
+                <a:solidFill>
+                  <a:srgbClr val="FF0000"/>
+                </a:solidFill>
+                <a:latin typeface="Calibri" panose="020F0502020204030204" pitchFamily="34" charset="0"/>
+                <a:cs typeface="Calibri" panose="020F0502020204030204" pitchFamily="34" charset="0"/>
+              </a:rPr>
+              <a:t>A</a:t>
+            </a:r>
+            <a:r>
+              <a:rPr lang="en-US" sz="4000" dirty="0">
+                <a:latin typeface="Calibri" panose="020F0502020204030204" pitchFamily="34" charset="0"/>
+                <a:cs typeface="Calibri" panose="020F0502020204030204" pitchFamily="34" charset="0"/>
+              </a:rPr>
+              <a:t>G</a:t>
+            </a:r>
+            <a:r>
+              <a:rPr lang="en-US" sz="4000" dirty="0">
+                <a:solidFill>
+                  <a:srgbClr val="26261E"/>
+                </a:solidFill>
+                <a:latin typeface="Calibri" panose="020F0502020204030204" pitchFamily="34" charset="0"/>
+                <a:cs typeface="Calibri" panose="020F0502020204030204" pitchFamily="34" charset="0"/>
+              </a:rPr>
+              <a:t>TC</a:t>
+            </a:r>
+            <a:r>
+              <a:rPr lang="en-US" sz="4000" dirty="0">
+                <a:latin typeface="Calibri" panose="020F0502020204030204" pitchFamily="34" charset="0"/>
+                <a:cs typeface="Calibri" panose="020F0502020204030204" pitchFamily="34" charset="0"/>
+              </a:rPr>
+              <a:t>AAG</a:t>
+            </a:r>
+          </a:p>
+          <a:p>
+            <a:r>
+              <a:rPr lang="en-US" sz="4000" dirty="0">
+                <a:latin typeface="Calibri" panose="020F0502020204030204" pitchFamily="34" charset="0"/>
+                <a:cs typeface="Calibri" panose="020F0502020204030204" pitchFamily="34" charset="0"/>
+              </a:rPr>
+              <a:t>            |||||||||||||||||</a:t>
+            </a:r>
+          </a:p>
+          <a:p>
+            <a:r>
+              <a:rPr lang="en-US" sz="4000" dirty="0">
+                <a:latin typeface="Calibri" panose="020F0502020204030204" pitchFamily="34" charset="0"/>
+                <a:cs typeface="Calibri" panose="020F0502020204030204" pitchFamily="34" charset="0"/>
+              </a:rPr>
+              <a:t>            GAGACCGTAAAAA</a:t>
+            </a:r>
+            <a:r>
+              <a:rPr lang="en-US" sz="4000" b="1" dirty="0">
+                <a:solidFill>
+                  <a:srgbClr val="FF0000"/>
+                </a:solidFill>
+                <a:latin typeface="Calibri" panose="020F0502020204030204" pitchFamily="34" charset="0"/>
+                <a:cs typeface="Calibri" panose="020F0502020204030204" pitchFamily="34" charset="0"/>
+              </a:rPr>
+              <a:t>C</a:t>
+            </a:r>
+            <a:r>
+              <a:rPr lang="en-US" sz="4000" dirty="0">
+                <a:latin typeface="Calibri" panose="020F0502020204030204" pitchFamily="34" charset="0"/>
+                <a:cs typeface="Calibri" panose="020F0502020204030204" pitchFamily="34" charset="0"/>
+              </a:rPr>
+              <a:t>G</a:t>
+            </a:r>
+            <a:r>
+              <a:rPr lang="en-US" sz="4000" dirty="0">
+                <a:solidFill>
+                  <a:srgbClr val="26261E"/>
+                </a:solidFill>
+                <a:latin typeface="Calibri" panose="020F0502020204030204" pitchFamily="34" charset="0"/>
+                <a:cs typeface="Calibri" panose="020F0502020204030204" pitchFamily="34" charset="0"/>
+              </a:rPr>
+              <a:t>TC</a:t>
+            </a:r>
+          </a:p>
+        </p:txBody>
+      </p:sp>
+      <p:pic>
+        <p:nvPicPr>
+          <p:cNvPr id="6" name="Picture 5" descr="Josh Jigsaw.jpg"/>
+          <p:cNvPicPr>
+            <a:picLocks noChangeAspect="1"/>
+          </p:cNvPicPr>
+          <p:nvPr/>
+        </p:nvPicPr>
+        <p:blipFill>
+          <a:blip r:embed="rId2" cstate="print"/>
+          <a:stretch>
+            <a:fillRect/>
+          </a:stretch>
+        </p:blipFill>
+        <p:spPr>
+          <a:xfrm>
+            <a:off x="3516897" y="985281"/>
+            <a:ext cx="2085537" cy="2918196"/>
+          </a:xfrm>
+          <a:prstGeom prst="rect">
+            <a:avLst/>
+          </a:prstGeom>
+        </p:spPr>
+      </p:pic>
+      <p:pic>
+        <p:nvPicPr>
+          <p:cNvPr id="7" name="Picture 6" descr="Josh Jigsaw 3D.png"/>
+          <p:cNvPicPr>
+            <a:picLocks noChangeAspect="1"/>
+          </p:cNvPicPr>
+          <p:nvPr/>
+        </p:nvPicPr>
+        <p:blipFill>
+          <a:blip r:embed="rId3" cstate="print"/>
+          <a:stretch>
+            <a:fillRect/>
+          </a:stretch>
+        </p:blipFill>
+        <p:spPr>
+          <a:xfrm>
+            <a:off x="1836245" y="1098411"/>
+            <a:ext cx="2075252" cy="1989695"/>
+          </a:xfrm>
+          <a:prstGeom prst="rect">
+            <a:avLst/>
+          </a:prstGeom>
+        </p:spPr>
+      </p:pic>
+      <p:cxnSp>
+        <p:nvCxnSpPr>
+          <p:cNvPr id="10" name="Straight Arrow Connector 9"/>
+          <p:cNvCxnSpPr/>
+          <p:nvPr/>
+        </p:nvCxnSpPr>
+        <p:spPr>
+          <a:xfrm flipV="1">
+            <a:off x="8126027" y="5762926"/>
+            <a:ext cx="0" cy="252141"/>
+          </a:xfrm>
+          <a:prstGeom prst="straightConnector1">
+            <a:avLst/>
+          </a:prstGeom>
+          <a:ln>
+            <a:tailEnd type="arrow"/>
+          </a:ln>
+        </p:spPr>
+        <p:style>
+          <a:lnRef idx="2">
+            <a:schemeClr val="accent1"/>
+          </a:lnRef>
+          <a:fillRef idx="0">
+            <a:schemeClr val="accent1"/>
+          </a:fillRef>
+          <a:effectRef idx="1">
+            <a:schemeClr val="accent1"/>
+          </a:effectRef>
+          <a:fontRef idx="minor">
+            <a:schemeClr val="tx1"/>
+          </a:fontRef>
+        </p:style>
+      </p:cxnSp>
+      <p:sp>
+        <p:nvSpPr>
+          <p:cNvPr id="11" name="TextBox 10"/>
+          <p:cNvSpPr txBox="1"/>
+          <p:nvPr/>
+        </p:nvSpPr>
+        <p:spPr>
+          <a:xfrm>
+            <a:off x="7614070" y="5952006"/>
+            <a:ext cx="1097673" cy="369332"/>
+          </a:xfrm>
+          <a:prstGeom prst="rect">
+            <a:avLst/>
+          </a:prstGeom>
+          <a:noFill/>
+        </p:spPr>
+        <p:txBody>
+          <a:bodyPr wrap="none" rtlCol="0">
+            <a:spAutoFit/>
+          </a:bodyPr>
+          <a:lstStyle/>
+          <a:p>
+            <a:r>
+              <a:rPr lang="en-US" dirty="0">
+                <a:latin typeface="Calibri" panose="020F0502020204030204" pitchFamily="34" charset="0"/>
+                <a:cs typeface="Calibri" panose="020F0502020204030204" pitchFamily="34" charset="0"/>
+              </a:rPr>
+              <a:t>A variant!</a:t>
+            </a:r>
+          </a:p>
+        </p:txBody>
+      </p:sp>
+      <p:sp>
+        <p:nvSpPr>
+          <p:cNvPr id="3" name="TextBox 2"/>
+          <p:cNvSpPr txBox="1"/>
+          <p:nvPr/>
+        </p:nvSpPr>
+        <p:spPr>
+          <a:xfrm>
+            <a:off x="1552542" y="4234554"/>
+            <a:ext cx="1077154" cy="338554"/>
+          </a:xfrm>
+          <a:prstGeom prst="rect">
+            <a:avLst/>
+          </a:prstGeom>
+          <a:noFill/>
+        </p:spPr>
+        <p:txBody>
+          <a:bodyPr wrap="none" rtlCol="0">
+            <a:spAutoFit/>
+          </a:bodyPr>
+          <a:lstStyle/>
+          <a:p>
+            <a:r>
+              <a:rPr lang="en-US" sz="1600" dirty="0">
+                <a:latin typeface="Calibri" panose="020F0502020204030204" pitchFamily="34" charset="0"/>
+                <a:cs typeface="Calibri" panose="020F0502020204030204" pitchFamily="34" charset="0"/>
+              </a:rPr>
+              <a:t>Reference:</a:t>
+            </a:r>
+          </a:p>
+        </p:txBody>
+      </p:sp>
+      <p:sp>
+        <p:nvSpPr>
+          <p:cNvPr id="14" name="TextBox 13"/>
+          <p:cNvSpPr txBox="1"/>
+          <p:nvPr/>
+        </p:nvSpPr>
+        <p:spPr>
+          <a:xfrm>
+            <a:off x="1646040" y="5588807"/>
+            <a:ext cx="1624676" cy="338554"/>
+          </a:xfrm>
+          <a:prstGeom prst="rect">
+            <a:avLst/>
+          </a:prstGeom>
+          <a:noFill/>
+        </p:spPr>
+        <p:txBody>
+          <a:bodyPr wrap="none" rtlCol="0">
+            <a:spAutoFit/>
+          </a:bodyPr>
+          <a:lstStyle/>
+          <a:p>
+            <a:r>
+              <a:rPr lang="en-US" sz="1600" dirty="0">
+                <a:latin typeface="Calibri" panose="020F0502020204030204" pitchFamily="34" charset="0"/>
+                <a:cs typeface="Calibri" panose="020F0502020204030204" pitchFamily="34" charset="0"/>
+              </a:rPr>
+              <a:t>A read sequence:</a:t>
+            </a:r>
+          </a:p>
+        </p:txBody>
+      </p:sp>
+    </p:spTree>
+    <p:extLst>
+      <p:ext uri="{BB962C8B-B14F-4D97-AF65-F5344CB8AC3E}">
+        <p14:creationId xmlns:p14="http://schemas.microsoft.com/office/powerpoint/2010/main" val="3157377260"/>
+      </p:ext>
+    </p:extLst>
+  </p:cSld>
+  <p:clrMapOvr>
+    <a:masterClrMapping/>
+  </p:clrMapOvr>
+</p:sld>
+</file>
+
+<file path=ppt/slides/slide3.xml><?xml version="1.0" encoding="utf-8"?>
+<p:sld xmlns:a="http://schemas.openxmlformats.org/drawingml/2006/main" xmlns:r="http://schemas.openxmlformats.org/officeDocument/2006/relationships" xmlns:p="http://schemas.openxmlformats.org/presentationml/2006/main">
+  <p:cSld>
+    <p:spTree>
+      <p:nvGrpSpPr>
+        <p:cNvPr id="1" name=""/>
+        <p:cNvGrpSpPr/>
+        <p:nvPr/>
+      </p:nvGrpSpPr>
+      <p:grpSpPr>
+        <a:xfrm>
+          <a:off x="0" y="0"/>
+          <a:ext cx="0" cy="0"/>
+          <a:chOff x="0" y="0"/>
+          <a:chExt cx="0" cy="0"/>
+        </a:xfrm>
+      </p:grpSpPr>
+      <p:sp>
+        <p:nvSpPr>
+          <p:cNvPr id="2" name="Title 1"/>
+          <p:cNvSpPr>
+            <a:spLocks noGrp="1"/>
+          </p:cNvSpPr>
+          <p:nvPr>
+            <p:ph type="title"/>
+          </p:nvPr>
+        </p:nvSpPr>
+        <p:spPr>
+          <a:xfrm>
+            <a:off x="838200" y="689"/>
+            <a:ext cx="10515600" cy="769719"/>
+          </a:xfrm>
+        </p:spPr>
+        <p:txBody>
+          <a:bodyPr>
+            <a:normAutofit/>
+          </a:bodyPr>
+          <a:lstStyle/>
+          <a:p>
+            <a:r>
+              <a:rPr lang="en-US" dirty="0">
+                <a:latin typeface="Calibri" panose="020F0502020204030204" pitchFamily="34" charset="0"/>
+                <a:cs typeface="Calibri" panose="020F0502020204030204" pitchFamily="34" charset="0"/>
+              </a:rPr>
+              <a:t>Common sources of confusion</a:t>
+            </a:r>
+          </a:p>
+        </p:txBody>
+      </p:sp>
+      <p:sp>
+        <p:nvSpPr>
+          <p:cNvPr id="3" name="Content Placeholder 2"/>
+          <p:cNvSpPr>
+            <a:spLocks noGrp="1"/>
+          </p:cNvSpPr>
+          <p:nvPr>
+            <p:ph idx="1"/>
+          </p:nvPr>
+        </p:nvSpPr>
+        <p:spPr>
+          <a:xfrm>
+            <a:off x="203200" y="1016000"/>
+            <a:ext cx="4830693" cy="5562600"/>
+          </a:xfrm>
+        </p:spPr>
+        <p:txBody>
+          <a:bodyPr>
+            <a:normAutofit/>
+          </a:bodyPr>
+          <a:lstStyle/>
+          <a:p>
+            <a:r>
+              <a:rPr lang="en-US" dirty="0">
+                <a:latin typeface="Calibri" panose="020F0502020204030204" pitchFamily="34" charset="0"/>
+                <a:cs typeface="Calibri" panose="020F0502020204030204" pitchFamily="34" charset="0"/>
+              </a:rPr>
+              <a:t>Genomic coordinate systems</a:t>
+            </a:r>
+          </a:p>
+          <a:p>
+            <a:pPr lvl="1"/>
+            <a:r>
+              <a:rPr lang="en-US" dirty="0">
+                <a:latin typeface="Calibri" panose="020F0502020204030204" pitchFamily="34" charset="0"/>
+                <a:cs typeface="Calibri" panose="020F0502020204030204" pitchFamily="34" charset="0"/>
+              </a:rPr>
+              <a:t>1-based vs. 0-based</a:t>
+            </a:r>
+          </a:p>
+          <a:p>
+            <a:endParaRPr lang="en-US" dirty="0">
+              <a:latin typeface="Calibri" panose="020F0502020204030204" pitchFamily="34" charset="0"/>
+              <a:cs typeface="Calibri" panose="020F0502020204030204" pitchFamily="34" charset="0"/>
+            </a:endParaRPr>
+          </a:p>
+          <a:p>
+            <a:endParaRPr lang="en-US" dirty="0">
+              <a:latin typeface="Calibri" panose="020F0502020204030204" pitchFamily="34" charset="0"/>
+              <a:cs typeface="Calibri" panose="020F0502020204030204" pitchFamily="34" charset="0"/>
+            </a:endParaRPr>
+          </a:p>
+          <a:p>
+            <a:r>
+              <a:rPr lang="en-US" dirty="0">
+                <a:latin typeface="Calibri" panose="020F0502020204030204" pitchFamily="34" charset="0"/>
+                <a:cs typeface="Calibri" panose="020F0502020204030204" pitchFamily="34" charset="0"/>
+              </a:rPr>
+              <a:t>Genome builds</a:t>
+            </a:r>
+          </a:p>
+          <a:p>
+            <a:pPr lvl="1"/>
+            <a:r>
+              <a:rPr lang="en-US" dirty="0">
+                <a:latin typeface="Calibri" panose="020F0502020204030204" pitchFamily="34" charset="0"/>
+                <a:cs typeface="Calibri" panose="020F0502020204030204" pitchFamily="34" charset="0"/>
+              </a:rPr>
+              <a:t>And annotation builds</a:t>
+            </a:r>
+          </a:p>
+          <a:p>
+            <a:pPr lvl="1"/>
+            <a:r>
+              <a:rPr lang="en-US" dirty="0">
+                <a:latin typeface="Calibri" panose="020F0502020204030204" pitchFamily="34" charset="0"/>
+                <a:cs typeface="Calibri" panose="020F0502020204030204" pitchFamily="34" charset="0"/>
+              </a:rPr>
+              <a:t>“</a:t>
+            </a:r>
+            <a:r>
+              <a:rPr lang="en-US" dirty="0" err="1">
+                <a:latin typeface="Calibri" panose="020F0502020204030204" pitchFamily="34" charset="0"/>
+                <a:cs typeface="Calibri" panose="020F0502020204030204" pitchFamily="34" charset="0"/>
+              </a:rPr>
+              <a:t>Liftover</a:t>
+            </a:r>
+            <a:r>
+              <a:rPr lang="en-US" dirty="0">
+                <a:latin typeface="Calibri" panose="020F0502020204030204" pitchFamily="34" charset="0"/>
+                <a:cs typeface="Calibri" panose="020F0502020204030204" pitchFamily="34" charset="0"/>
+              </a:rPr>
+              <a:t>” tools</a:t>
+            </a:r>
+          </a:p>
+          <a:p>
+            <a:pPr lvl="1"/>
+            <a:endParaRPr lang="en-US" dirty="0">
+              <a:latin typeface="Calibri" panose="020F0502020204030204" pitchFamily="34" charset="0"/>
+              <a:cs typeface="Calibri" panose="020F0502020204030204" pitchFamily="34" charset="0"/>
+            </a:endParaRPr>
+          </a:p>
+          <a:p>
+            <a:pPr lvl="1"/>
+            <a:endParaRPr lang="en-US" dirty="0">
+              <a:latin typeface="Calibri" panose="020F0502020204030204" pitchFamily="34" charset="0"/>
+              <a:cs typeface="Calibri" panose="020F0502020204030204" pitchFamily="34" charset="0"/>
+            </a:endParaRPr>
+          </a:p>
+          <a:p>
+            <a:r>
+              <a:rPr lang="en-US" dirty="0">
+                <a:latin typeface="Calibri" panose="020F0502020204030204" pitchFamily="34" charset="0"/>
+                <a:cs typeface="Calibri" panose="020F0502020204030204" pitchFamily="34" charset="0"/>
+              </a:rPr>
+              <a:t>Left-shifted </a:t>
+            </a:r>
+            <a:r>
+              <a:rPr lang="en-US" dirty="0" err="1">
+                <a:latin typeface="Calibri" panose="020F0502020204030204" pitchFamily="34" charset="0"/>
+                <a:cs typeface="Calibri" panose="020F0502020204030204" pitchFamily="34" charset="0"/>
+              </a:rPr>
+              <a:t>vs</a:t>
+            </a:r>
+            <a:r>
+              <a:rPr lang="en-US" dirty="0">
+                <a:latin typeface="Calibri" panose="020F0502020204030204" pitchFamily="34" charset="0"/>
+                <a:cs typeface="Calibri" panose="020F0502020204030204" pitchFamily="34" charset="0"/>
+              </a:rPr>
+              <a:t> right-shifted</a:t>
+            </a:r>
+          </a:p>
+        </p:txBody>
+      </p:sp>
+      <p:pic>
+        <p:nvPicPr>
+          <p:cNvPr id="4" name="Picture 3" descr="0-vs-1-based.png"/>
+          <p:cNvPicPr>
+            <a:picLocks noChangeAspect="1"/>
+          </p:cNvPicPr>
+          <p:nvPr/>
+        </p:nvPicPr>
+        <p:blipFill>
+          <a:blip r:embed="rId2">
+            <a:extLst>
+              <a:ext uri="{28A0092B-C50C-407E-A947-70E740481C1C}">
+                <a14:useLocalDpi xmlns:a14="http://schemas.microsoft.com/office/drawing/2010/main" val="0"/>
+              </a:ext>
+            </a:extLst>
+          </a:blip>
+          <a:stretch>
+            <a:fillRect/>
+          </a:stretch>
+        </p:blipFill>
+        <p:spPr>
+          <a:xfrm>
+            <a:off x="5181600" y="860592"/>
+            <a:ext cx="6680123" cy="1177539"/>
+          </a:xfrm>
+          <a:prstGeom prst="rect">
+            <a:avLst/>
+          </a:prstGeom>
+        </p:spPr>
+      </p:pic>
+      <p:pic>
+        <p:nvPicPr>
+          <p:cNvPr id="5" name="Picture 4" descr="liftover.png"/>
+          <p:cNvPicPr>
+            <a:picLocks noChangeAspect="1"/>
+          </p:cNvPicPr>
+          <p:nvPr/>
+        </p:nvPicPr>
+        <p:blipFill>
+          <a:blip r:embed="rId3">
+            <a:extLst>
+              <a:ext uri="{28A0092B-C50C-407E-A947-70E740481C1C}">
+                <a14:useLocalDpi xmlns:a14="http://schemas.microsoft.com/office/drawing/2010/main" val="0"/>
+              </a:ext>
+            </a:extLst>
+          </a:blip>
+          <a:stretch>
+            <a:fillRect/>
+          </a:stretch>
+        </p:blipFill>
+        <p:spPr>
+          <a:xfrm>
+            <a:off x="6458227" y="2424441"/>
+            <a:ext cx="4432300" cy="1765300"/>
+          </a:xfrm>
+          <a:prstGeom prst="rect">
+            <a:avLst/>
+          </a:prstGeom>
+        </p:spPr>
+      </p:pic>
+      <p:sp>
+        <p:nvSpPr>
+          <p:cNvPr id="6" name="TextBox 5"/>
+          <p:cNvSpPr txBox="1"/>
+          <p:nvPr/>
+        </p:nvSpPr>
+        <p:spPr>
+          <a:xfrm>
+            <a:off x="7297823" y="4011857"/>
+            <a:ext cx="1338828" cy="307777"/>
+          </a:xfrm>
+          <a:prstGeom prst="rect">
+            <a:avLst/>
+          </a:prstGeom>
+          <a:noFill/>
+        </p:spPr>
+        <p:txBody>
+          <a:bodyPr wrap="none" rtlCol="0">
+            <a:spAutoFit/>
+          </a:bodyPr>
+          <a:lstStyle/>
+          <a:p>
+            <a:r>
+              <a:rPr lang="en-US" sz="1400" dirty="0">
+                <a:latin typeface="Calibri" panose="020F0502020204030204" pitchFamily="34" charset="0"/>
+                <a:cs typeface="Calibri" panose="020F0502020204030204" pitchFamily="34" charset="0"/>
+              </a:rPr>
+              <a:t>Human GRCh37</a:t>
+            </a:r>
+          </a:p>
+        </p:txBody>
+      </p:sp>
+      <p:sp>
+        <p:nvSpPr>
+          <p:cNvPr id="7" name="TextBox 6"/>
+          <p:cNvSpPr txBox="1"/>
+          <p:nvPr/>
+        </p:nvSpPr>
+        <p:spPr>
+          <a:xfrm>
+            <a:off x="7105992" y="3416448"/>
+            <a:ext cx="1117614" cy="307777"/>
+          </a:xfrm>
+          <a:prstGeom prst="rect">
+            <a:avLst/>
+          </a:prstGeom>
+          <a:noFill/>
+        </p:spPr>
+        <p:txBody>
+          <a:bodyPr wrap="none" rtlCol="0">
+            <a:spAutoFit/>
+          </a:bodyPr>
+          <a:lstStyle/>
+          <a:p>
+            <a:r>
+              <a:rPr lang="en-US" sz="1400" dirty="0">
+                <a:latin typeface="Calibri" panose="020F0502020204030204" pitchFamily="34" charset="0"/>
+                <a:cs typeface="Calibri" panose="020F0502020204030204" pitchFamily="34" charset="0"/>
+              </a:rPr>
+              <a:t>Human hg19</a:t>
+            </a:r>
+          </a:p>
+        </p:txBody>
+      </p:sp>
+      <p:sp>
+        <p:nvSpPr>
+          <p:cNvPr id="9" name="TextBox 8"/>
+          <p:cNvSpPr txBox="1"/>
+          <p:nvPr/>
+        </p:nvSpPr>
+        <p:spPr>
+          <a:xfrm>
+            <a:off x="8552165" y="2432517"/>
+            <a:ext cx="1196161" cy="307777"/>
+          </a:xfrm>
+          <a:prstGeom prst="rect">
+            <a:avLst/>
+          </a:prstGeom>
+          <a:noFill/>
+        </p:spPr>
+        <p:txBody>
+          <a:bodyPr wrap="none" rtlCol="0">
+            <a:spAutoFit/>
+          </a:bodyPr>
+          <a:lstStyle/>
+          <a:p>
+            <a:r>
+              <a:rPr lang="en-US" sz="1400" dirty="0">
+                <a:latin typeface="Calibri" panose="020F0502020204030204" pitchFamily="34" charset="0"/>
+                <a:cs typeface="Calibri" panose="020F0502020204030204" pitchFamily="34" charset="0"/>
+              </a:rPr>
+              <a:t>Mouse mm10</a:t>
+            </a:r>
+          </a:p>
+        </p:txBody>
+      </p:sp>
+      <p:pic>
+        <p:nvPicPr>
+          <p:cNvPr id="10" name="Content Placeholder 4" descr="Screenshot 2018-08-04 16.17.11.png"/>
+          <p:cNvPicPr>
+            <a:picLocks noChangeAspect="1"/>
+          </p:cNvPicPr>
+          <p:nvPr/>
+        </p:nvPicPr>
+        <p:blipFill rotWithShape="1">
+          <a:blip r:embed="rId4">
+            <a:extLst>
+              <a:ext uri="{28A0092B-C50C-407E-A947-70E740481C1C}">
+                <a14:useLocalDpi xmlns:a14="http://schemas.microsoft.com/office/drawing/2010/main" val="0"/>
+              </a:ext>
+            </a:extLst>
+          </a:blip>
+          <a:srcRect l="396" t="41175" r="2507" b="25720"/>
+          <a:stretch/>
+        </p:blipFill>
+        <p:spPr>
+          <a:xfrm>
+            <a:off x="5486401" y="4593823"/>
+            <a:ext cx="6561663" cy="1599392"/>
+          </a:xfrm>
+          <a:prstGeom prst="rect">
+            <a:avLst/>
+          </a:prstGeom>
+        </p:spPr>
+      </p:pic>
+    </p:spTree>
+    <p:extLst>
+      <p:ext uri="{BB962C8B-B14F-4D97-AF65-F5344CB8AC3E}">
+        <p14:creationId xmlns:p14="http://schemas.microsoft.com/office/powerpoint/2010/main" val="1563571866"/>
+      </p:ext>
+    </p:extLst>
+  </p:cSld>
+  <p:clrMapOvr>
+    <a:masterClrMapping/>
+  </p:clrMapOvr>
+</p:sld>
+</file>
+
+<file path=ppt/slides/slide4.xml><?xml version="1.0" encoding="utf-8"?>
+<p:sld xmlns:a="http://schemas.openxmlformats.org/drawingml/2006/main" xmlns:r="http://schemas.openxmlformats.org/officeDocument/2006/relationships" xmlns:p="http://schemas.openxmlformats.org/presentationml/2006/main">
+  <p:cSld>
+    <p:spTree>
+      <p:nvGrpSpPr>
+        <p:cNvPr id="1" name=""/>
+        <p:cNvGrpSpPr/>
+        <p:nvPr/>
+      </p:nvGrpSpPr>
+      <p:grpSpPr>
+        <a:xfrm>
+          <a:off x="0" y="0"/>
+          <a:ext cx="0" cy="0"/>
+          <a:chOff x="0" y="0"/>
+          <a:chExt cx="0" cy="0"/>
+        </a:xfrm>
+      </p:grpSpPr>
+      <p:sp>
+        <p:nvSpPr>
+          <p:cNvPr id="2" name="Title 1"/>
+          <p:cNvSpPr>
+            <a:spLocks noGrp="1"/>
+          </p:cNvSpPr>
+          <p:nvPr>
+            <p:ph type="title"/>
+          </p:nvPr>
+        </p:nvSpPr>
+        <p:spPr>
+          <a:xfrm>
+            <a:off x="203200" y="111850"/>
+            <a:ext cx="11684000" cy="609601"/>
+          </a:xfrm>
+        </p:spPr>
+        <p:txBody>
+          <a:bodyPr>
+            <a:noAutofit/>
+          </a:bodyPr>
+          <a:lstStyle/>
+          <a:p>
+            <a:r>
+              <a:rPr lang="en-US" sz="2667" dirty="0">
+                <a:latin typeface="Calibri" panose="020F0502020204030204" pitchFamily="34" charset="0"/>
+                <a:cs typeface="Calibri" panose="020F0502020204030204" pitchFamily="34" charset="0"/>
+              </a:rPr>
+              <a:t>0-based vs 1-based methods to indicate a nucleotide positions</a:t>
+            </a:r>
+          </a:p>
+        </p:txBody>
+      </p:sp>
+      <p:graphicFrame>
+        <p:nvGraphicFramePr>
+          <p:cNvPr id="5" name="Table 4"/>
+          <p:cNvGraphicFramePr>
+            <a:graphicFrameLocks noGrp="1"/>
+          </p:cNvGraphicFramePr>
+          <p:nvPr>
+            <p:extLst>
+              <p:ext uri="{D42A27DB-BD31-4B8C-83A1-F6EECF244321}">
+                <p14:modId xmlns:p14="http://schemas.microsoft.com/office/powerpoint/2010/main" val="3577025685"/>
+              </p:ext>
+            </p:extLst>
+          </p:nvPr>
+        </p:nvGraphicFramePr>
+        <p:xfrm>
+          <a:off x="463432" y="794410"/>
+          <a:ext cx="11297213" cy="1813560"/>
+        </p:xfrm>
+        <a:graphic>
+          <a:graphicData uri="http://schemas.openxmlformats.org/drawingml/2006/table">
+            <a:tbl>
+              <a:tblPr firstRow="1" bandRow="1">
+                <a:tableStyleId>{2D5ABB26-0587-4C30-8999-92F81FD0307C}</a:tableStyleId>
+              </a:tblPr>
+              <a:tblGrid>
+                <a:gridCol w="1255245">
+                  <a:extLst>
+                    <a:ext uri="{9D8B030D-6E8A-4147-A177-3AD203B41FA5}">
+                      <a16:colId xmlns:a16="http://schemas.microsoft.com/office/drawing/2014/main" val="20000"/>
+                    </a:ext>
+                  </a:extLst>
+                </a:gridCol>
+                <a:gridCol w="627623">
+                  <a:extLst>
+                    <a:ext uri="{9D8B030D-6E8A-4147-A177-3AD203B41FA5}">
+                      <a16:colId xmlns:a16="http://schemas.microsoft.com/office/drawing/2014/main" val="20001"/>
+                    </a:ext>
+                  </a:extLst>
+                </a:gridCol>
+                <a:gridCol w="627623">
+                  <a:extLst>
+                    <a:ext uri="{9D8B030D-6E8A-4147-A177-3AD203B41FA5}">
+                      <a16:colId xmlns:a16="http://schemas.microsoft.com/office/drawing/2014/main" val="20002"/>
+                    </a:ext>
+                  </a:extLst>
+                </a:gridCol>
+                <a:gridCol w="627623">
+                  <a:extLst>
+                    <a:ext uri="{9D8B030D-6E8A-4147-A177-3AD203B41FA5}">
+                      <a16:colId xmlns:a16="http://schemas.microsoft.com/office/drawing/2014/main" val="20003"/>
+                    </a:ext>
+                  </a:extLst>
+                </a:gridCol>
+                <a:gridCol w="627623">
+                  <a:extLst>
+                    <a:ext uri="{9D8B030D-6E8A-4147-A177-3AD203B41FA5}">
+                      <a16:colId xmlns:a16="http://schemas.microsoft.com/office/drawing/2014/main" val="20004"/>
+                    </a:ext>
+                  </a:extLst>
+                </a:gridCol>
+                <a:gridCol w="627623">
+                  <a:extLst>
+                    <a:ext uri="{9D8B030D-6E8A-4147-A177-3AD203B41FA5}">
+                      <a16:colId xmlns:a16="http://schemas.microsoft.com/office/drawing/2014/main" val="20005"/>
+                    </a:ext>
+                  </a:extLst>
+                </a:gridCol>
+                <a:gridCol w="627623">
+                  <a:extLst>
+                    <a:ext uri="{9D8B030D-6E8A-4147-A177-3AD203B41FA5}">
+                      <a16:colId xmlns:a16="http://schemas.microsoft.com/office/drawing/2014/main" val="20006"/>
+                    </a:ext>
+                  </a:extLst>
+                </a:gridCol>
+                <a:gridCol w="627623">
+                  <a:extLst>
+                    <a:ext uri="{9D8B030D-6E8A-4147-A177-3AD203B41FA5}">
+                      <a16:colId xmlns:a16="http://schemas.microsoft.com/office/drawing/2014/main" val="20007"/>
+                    </a:ext>
+                  </a:extLst>
+                </a:gridCol>
+                <a:gridCol w="627623">
+                  <a:extLst>
+                    <a:ext uri="{9D8B030D-6E8A-4147-A177-3AD203B41FA5}">
+                      <a16:colId xmlns:a16="http://schemas.microsoft.com/office/drawing/2014/main" val="20008"/>
+                    </a:ext>
+                  </a:extLst>
+                </a:gridCol>
+                <a:gridCol w="627623">
+                  <a:extLst>
+                    <a:ext uri="{9D8B030D-6E8A-4147-A177-3AD203B41FA5}">
+                      <a16:colId xmlns:a16="http://schemas.microsoft.com/office/drawing/2014/main" val="20009"/>
+                    </a:ext>
+                  </a:extLst>
+                </a:gridCol>
+                <a:gridCol w="627623">
+                  <a:extLst>
+                    <a:ext uri="{9D8B030D-6E8A-4147-A177-3AD203B41FA5}">
+                      <a16:colId xmlns:a16="http://schemas.microsoft.com/office/drawing/2014/main" val="20010"/>
+                    </a:ext>
+                  </a:extLst>
+                </a:gridCol>
+                <a:gridCol w="627623">
+                  <a:extLst>
+                    <a:ext uri="{9D8B030D-6E8A-4147-A177-3AD203B41FA5}">
+                      <a16:colId xmlns:a16="http://schemas.microsoft.com/office/drawing/2014/main" val="20011"/>
+                    </a:ext>
+                  </a:extLst>
+                </a:gridCol>
+                <a:gridCol w="627623">
+                  <a:extLst>
+                    <a:ext uri="{9D8B030D-6E8A-4147-A177-3AD203B41FA5}">
+                      <a16:colId xmlns:a16="http://schemas.microsoft.com/office/drawing/2014/main" val="20012"/>
+                    </a:ext>
+                  </a:extLst>
+                </a:gridCol>
+                <a:gridCol w="627623">
+                  <a:extLst>
+                    <a:ext uri="{9D8B030D-6E8A-4147-A177-3AD203B41FA5}">
+                      <a16:colId xmlns:a16="http://schemas.microsoft.com/office/drawing/2014/main" val="20013"/>
+                    </a:ext>
+                  </a:extLst>
+                </a:gridCol>
+                <a:gridCol w="627623">
+                  <a:extLst>
+                    <a:ext uri="{9D8B030D-6E8A-4147-A177-3AD203B41FA5}">
+                      <a16:colId xmlns:a16="http://schemas.microsoft.com/office/drawing/2014/main" val="20014"/>
+                    </a:ext>
+                  </a:extLst>
+                </a:gridCol>
+                <a:gridCol w="627623">
+                  <a:extLst>
+                    <a:ext uri="{9D8B030D-6E8A-4147-A177-3AD203B41FA5}">
+                      <a16:colId xmlns:a16="http://schemas.microsoft.com/office/drawing/2014/main" val="20015"/>
+                    </a:ext>
+                  </a:extLst>
+                </a:gridCol>
+                <a:gridCol w="627623">
+                  <a:extLst>
+                    <a:ext uri="{9D8B030D-6E8A-4147-A177-3AD203B41FA5}">
+                      <a16:colId xmlns:a16="http://schemas.microsoft.com/office/drawing/2014/main" val="20016"/>
+                    </a:ext>
+                  </a:extLst>
+                </a:gridCol>
+              </a:tblGrid>
+              <a:tr h="375920">
+                <a:tc gridSpan="2">
+                  <a:txBody>
+                    <a:bodyPr/>
+                    <a:lstStyle/>
+                    <a:p>
+                      <a:pPr marL="0" marR="0" indent="0" algn="ctr" defTabSz="457200" rtl="0" eaLnBrk="1" fontAlgn="auto" latinLnBrk="0" hangingPunct="1">
+                        <a:lnSpc>
+                          <a:spcPct val="100000"/>
+                        </a:lnSpc>
+                        <a:spcBef>
+                          <a:spcPts val="0"/>
+                        </a:spcBef>
+                        <a:spcAft>
+                          <a:spcPts val="0"/>
+                        </a:spcAft>
+                        <a:buClrTx/>
+                        <a:buSzTx/>
+                        <a:buFontTx/>
+                        <a:buNone/>
+                        <a:tabLst/>
+                        <a:defRPr/>
+                      </a:pPr>
+                      <a:r>
+                        <a:rPr lang="en-US" sz="1900" dirty="0"/>
+                        <a:t>chr1</a:t>
+                      </a:r>
+                    </a:p>
+                  </a:txBody>
+                  <a:tcPr marL="121920" marR="121920">
+                    <a:lnL w="12700" cap="flat" cmpd="sng" algn="ctr">
+                      <a:noFill/>
+                      <a:prstDash val="solid"/>
+                      <a:round/>
+                      <a:headEnd type="none" w="med" len="med"/>
+                      <a:tailEnd type="none" w="med" len="med"/>
+                    </a:lnL>
+                    <a:lnR w="12700" cap="flat" cmpd="sng" algn="ctr">
+                      <a:noFill/>
+                      <a:prstDash val="solid"/>
+                      <a:round/>
+                      <a:headEnd type="none" w="med" len="med"/>
+                      <a:tailEnd type="none" w="med" len="med"/>
+                    </a:lnR>
+                    <a:lnT w="12700" cap="flat" cmpd="sng" algn="ctr">
+                      <a:noFill/>
+                      <a:prstDash val="solid"/>
+                      <a:round/>
+                      <a:headEnd type="none" w="med" len="med"/>
+                      <a:tailEnd type="none" w="med" len="med"/>
+                    </a:lnT>
+                    <a:lnB w="12700" cap="flat" cmpd="sng" algn="ctr">
+                      <a:noFill/>
+                      <a:prstDash val="solid"/>
+                      <a:round/>
+                      <a:headEnd type="none" w="med" len="med"/>
+                      <a:tailEnd type="none" w="med" len="med"/>
+                    </a:lnB>
+                    <a:lnTlToBr w="12700" cmpd="sng">
+                      <a:noFill/>
+                      <a:prstDash val="solid"/>
+                    </a:lnTlToBr>
+                    <a:lnBlToTr w="12700" cmpd="sng">
+                      <a:noFill/>
+                      <a:prstDash val="solid"/>
+                    </a:lnBlToTr>
+                  </a:tcPr>
+                </a:tc>
+                <a:tc hMerge="1">
+                  <a:txBody>
+                    <a:bodyPr/>
+                    <a:lstStyle/>
+                    <a:p>
+                      <a:pPr marL="0" marR="0" indent="0" algn="ctr" defTabSz="457200" rtl="0" eaLnBrk="1" fontAlgn="auto" latinLnBrk="0" hangingPunct="1">
+                        <a:lnSpc>
+                          <a:spcPct val="100000"/>
+                        </a:lnSpc>
+                        <a:spcBef>
+                          <a:spcPts val="0"/>
+                        </a:spcBef>
+                        <a:spcAft>
+                          <a:spcPts val="0"/>
+                        </a:spcAft>
+                        <a:buClrTx/>
+                        <a:buSzTx/>
+                        <a:buFontTx/>
+                        <a:buNone/>
+                        <a:tabLst/>
+                        <a:defRPr/>
+                      </a:pPr>
+                      <a:endParaRPr lang="en-US" sz="1200" dirty="0"/>
+                    </a:p>
+                  </a:txBody>
+                  <a:tcPr>
+                    <a:lnL w="12700" cap="flat" cmpd="sng" algn="ctr">
+                      <a:noFill/>
+                      <a:prstDash val="solid"/>
+                      <a:round/>
+                      <a:headEnd type="none" w="med" len="med"/>
+                      <a:tailEnd type="none" w="med" len="med"/>
+                    </a:lnL>
+                    <a:lnR w="12700" cap="flat" cmpd="sng" algn="ctr">
+                      <a:noFill/>
+                      <a:prstDash val="solid"/>
+                      <a:round/>
+                      <a:headEnd type="none" w="med" len="med"/>
+                      <a:tailEnd type="none" w="med" len="med"/>
+                    </a:lnR>
+                    <a:lnT w="12700" cap="flat" cmpd="sng" algn="ctr">
+                      <a:noFill/>
+                      <a:prstDash val="solid"/>
+                      <a:round/>
+                      <a:headEnd type="none" w="med" len="med"/>
+                      <a:tailEnd type="none" w="med" len="med"/>
+                    </a:lnT>
+                    <a:lnB w="12700" cap="flat" cmpd="sng" algn="ctr">
+                      <a:noFill/>
+                      <a:prstDash val="solid"/>
+                      <a:round/>
+                      <a:headEnd type="none" w="med" len="med"/>
+                      <a:tailEnd type="none" w="med" len="med"/>
+                    </a:lnB>
+                    <a:lnTlToBr w="12700" cmpd="sng">
+                      <a:noFill/>
+                      <a:prstDash val="solid"/>
+                    </a:lnTlToBr>
+                    <a:lnBlToTr w="12700" cmpd="sng">
+                      <a:noFill/>
+                      <a:prstDash val="solid"/>
+                    </a:lnBlToTr>
+                  </a:tcPr>
+                </a:tc>
+                <a:tc gridSpan="2">
+                  <a:txBody>
+                    <a:bodyPr/>
+                    <a:lstStyle/>
+                    <a:p>
+                      <a:pPr algn="ctr"/>
+                      <a:r>
+                        <a:rPr lang="en-US" sz="1900" dirty="0"/>
+                        <a:t>T</a:t>
+                      </a:r>
+                    </a:p>
+                  </a:txBody>
+                  <a:tcPr marL="121920" marR="121920">
+                    <a:lnL w="12700" cap="flat" cmpd="sng" algn="ctr">
+                      <a:noFill/>
+                      <a:prstDash val="solid"/>
+                      <a:round/>
+                      <a:headEnd type="none" w="med" len="med"/>
+                      <a:tailEnd type="none" w="med" len="med"/>
+                    </a:lnL>
+                    <a:lnR w="12700" cap="flat" cmpd="sng" algn="ctr">
+                      <a:noFill/>
+                      <a:prstDash val="solid"/>
+                      <a:round/>
+                      <a:headEnd type="none" w="med" len="med"/>
+                      <a:tailEnd type="none" w="med" len="med"/>
+                    </a:lnR>
+                    <a:lnT w="12700" cap="flat" cmpd="sng" algn="ctr">
+                      <a:noFill/>
+                      <a:prstDash val="solid"/>
+                      <a:round/>
+                      <a:headEnd type="none" w="med" len="med"/>
+                      <a:tailEnd type="none" w="med" len="med"/>
+                    </a:lnT>
+                    <a:lnB w="12700" cap="flat" cmpd="sng" algn="ctr">
+                      <a:noFill/>
+                      <a:prstDash val="solid"/>
+                      <a:round/>
+                      <a:headEnd type="none" w="med" len="med"/>
+                      <a:tailEnd type="none" w="med" len="med"/>
+                    </a:lnB>
+                    <a:lnTlToBr w="12700" cmpd="sng">
+                      <a:noFill/>
+                      <a:prstDash val="solid"/>
+                    </a:lnTlToBr>
+                    <a:lnBlToTr w="12700" cmpd="sng">
+                      <a:noFill/>
+                      <a:prstDash val="solid"/>
+                    </a:lnBlToTr>
+                  </a:tcPr>
+                </a:tc>
+                <a:tc hMerge="1">
+                  <a:txBody>
+                    <a:bodyPr/>
+                    <a:lstStyle/>
+                    <a:p>
+                      <a:endParaRPr lang="en-US"/>
+                    </a:p>
+                  </a:txBody>
+                  <a:tcPr/>
+                </a:tc>
+                <a:tc gridSpan="2">
+                  <a:txBody>
+                    <a:bodyPr/>
+                    <a:lstStyle/>
+                    <a:p>
+                      <a:pPr algn="ctr"/>
+                      <a:r>
+                        <a:rPr lang="en-US" sz="1900" dirty="0"/>
+                        <a:t>A</a:t>
+                      </a:r>
+                    </a:p>
+                  </a:txBody>
+                  <a:tcPr marL="121920" marR="121920">
+                    <a:lnL w="12700" cap="flat" cmpd="sng" algn="ctr">
+                      <a:noFill/>
+                      <a:prstDash val="solid"/>
+                      <a:round/>
+                      <a:headEnd type="none" w="med" len="med"/>
+                      <a:tailEnd type="none" w="med" len="med"/>
+                    </a:lnL>
+                    <a:lnR w="12700" cap="flat" cmpd="sng" algn="ctr">
+                      <a:noFill/>
+                      <a:prstDash val="solid"/>
+                      <a:round/>
+                      <a:headEnd type="none" w="med" len="med"/>
+                      <a:tailEnd type="none" w="med" len="med"/>
+                    </a:lnR>
+                    <a:lnT w="12700" cap="flat" cmpd="sng" algn="ctr">
+                      <a:noFill/>
+                      <a:prstDash val="solid"/>
+                      <a:round/>
+                      <a:headEnd type="none" w="med" len="med"/>
+                      <a:tailEnd type="none" w="med" len="med"/>
+                    </a:lnT>
+                    <a:lnB w="12700" cap="flat" cmpd="sng" algn="ctr">
+                      <a:noFill/>
+                      <a:prstDash val="solid"/>
+                      <a:round/>
+                      <a:headEnd type="none" w="med" len="med"/>
+                      <a:tailEnd type="none" w="med" len="med"/>
+                    </a:lnB>
+                    <a:lnTlToBr w="12700" cmpd="sng">
+                      <a:noFill/>
+                      <a:prstDash val="solid"/>
+                    </a:lnTlToBr>
+                    <a:lnBlToTr w="12700" cmpd="sng">
+                      <a:noFill/>
+                      <a:prstDash val="solid"/>
+                    </a:lnBlToTr>
+                  </a:tcPr>
+                </a:tc>
+                <a:tc hMerge="1">
+                  <a:txBody>
+                    <a:bodyPr/>
+                    <a:lstStyle/>
+                    <a:p>
+                      <a:endParaRPr lang="en-US"/>
+                    </a:p>
+                  </a:txBody>
+                  <a:tcPr/>
+                </a:tc>
+                <a:tc gridSpan="2">
+                  <a:txBody>
+                    <a:bodyPr/>
+                    <a:lstStyle/>
+                    <a:p>
+                      <a:pPr algn="ctr"/>
+                      <a:r>
+                        <a:rPr lang="en-US" sz="1900" dirty="0"/>
+                        <a:t>C</a:t>
+                      </a:r>
+                    </a:p>
+                  </a:txBody>
+                  <a:tcPr marL="121920" marR="121920">
+                    <a:lnL w="12700" cap="flat" cmpd="sng" algn="ctr">
+                      <a:noFill/>
+                      <a:prstDash val="solid"/>
+                      <a:round/>
+                      <a:headEnd type="none" w="med" len="med"/>
+                      <a:tailEnd type="none" w="med" len="med"/>
+                    </a:lnL>
+                    <a:lnR w="12700" cap="flat" cmpd="sng" algn="ctr">
+                      <a:noFill/>
+                      <a:prstDash val="solid"/>
+                      <a:round/>
+                      <a:headEnd type="none" w="med" len="med"/>
+                      <a:tailEnd type="none" w="med" len="med"/>
+                    </a:lnR>
+                    <a:lnT w="12700" cap="flat" cmpd="sng" algn="ctr">
+                      <a:noFill/>
+                      <a:prstDash val="solid"/>
+                      <a:round/>
+                      <a:headEnd type="none" w="med" len="med"/>
+                      <a:tailEnd type="none" w="med" len="med"/>
+                    </a:lnT>
+                    <a:lnB w="12700" cap="flat" cmpd="sng" algn="ctr">
+                      <a:noFill/>
+                      <a:prstDash val="solid"/>
+                      <a:round/>
+                      <a:headEnd type="none" w="med" len="med"/>
+                      <a:tailEnd type="none" w="med" len="med"/>
+                    </a:lnB>
+                    <a:lnTlToBr w="12700" cmpd="sng">
+                      <a:noFill/>
+                      <a:prstDash val="solid"/>
+                    </a:lnTlToBr>
+                    <a:lnBlToTr w="12700" cmpd="sng">
+                      <a:noFill/>
+                      <a:prstDash val="solid"/>
+                    </a:lnBlToTr>
+                  </a:tcPr>
+                </a:tc>
+                <a:tc hMerge="1">
+                  <a:txBody>
+                    <a:bodyPr/>
+                    <a:lstStyle/>
+                    <a:p>
+                      <a:endParaRPr lang="en-US"/>
+                    </a:p>
+                  </a:txBody>
+                  <a:tcPr/>
+                </a:tc>
+                <a:tc gridSpan="2">
+                  <a:txBody>
+                    <a:bodyPr/>
+                    <a:lstStyle/>
+                    <a:p>
+                      <a:pPr algn="ctr"/>
+                      <a:r>
+                        <a:rPr lang="en-US" sz="1900" dirty="0"/>
+                        <a:t>G</a:t>
+                      </a:r>
+                    </a:p>
+                  </a:txBody>
+                  <a:tcPr marL="121920" marR="121920">
+                    <a:lnL w="12700" cap="flat" cmpd="sng" algn="ctr">
+                      <a:noFill/>
+                      <a:prstDash val="solid"/>
+                      <a:round/>
+                      <a:headEnd type="none" w="med" len="med"/>
+                      <a:tailEnd type="none" w="med" len="med"/>
+                    </a:lnL>
+                    <a:lnR w="12700" cap="flat" cmpd="sng" algn="ctr">
+                      <a:noFill/>
+                      <a:prstDash val="solid"/>
+                      <a:round/>
+                      <a:headEnd type="none" w="med" len="med"/>
+                      <a:tailEnd type="none" w="med" len="med"/>
+                    </a:lnR>
+                    <a:lnT w="12700" cap="flat" cmpd="sng" algn="ctr">
+                      <a:noFill/>
+                      <a:prstDash val="solid"/>
+                      <a:round/>
+                      <a:headEnd type="none" w="med" len="med"/>
+                      <a:tailEnd type="none" w="med" len="med"/>
+                    </a:lnT>
+                    <a:lnB w="12700" cap="flat" cmpd="sng" algn="ctr">
+                      <a:noFill/>
+                      <a:prstDash val="solid"/>
+                      <a:round/>
+                      <a:headEnd type="none" w="med" len="med"/>
+                      <a:tailEnd type="none" w="med" len="med"/>
+                    </a:lnB>
+                    <a:lnTlToBr w="12700" cmpd="sng">
+                      <a:noFill/>
+                      <a:prstDash val="solid"/>
+                    </a:lnTlToBr>
+                    <a:lnBlToTr w="12700" cmpd="sng">
+                      <a:noFill/>
+                      <a:prstDash val="solid"/>
+                    </a:lnBlToTr>
+                  </a:tcPr>
+                </a:tc>
+                <a:tc hMerge="1">
+                  <a:txBody>
+                    <a:bodyPr/>
+                    <a:lstStyle/>
+                    <a:p>
+                      <a:endParaRPr lang="en-US"/>
+                    </a:p>
+                  </a:txBody>
+                  <a:tcPr/>
+                </a:tc>
+                <a:tc gridSpan="2">
+                  <a:txBody>
+                    <a:bodyPr/>
+                    <a:lstStyle/>
+                    <a:p>
+                      <a:pPr algn="ctr"/>
+                      <a:r>
+                        <a:rPr lang="en-US" sz="1900" dirty="0"/>
+                        <a:t>T</a:t>
+                      </a:r>
+                    </a:p>
+                  </a:txBody>
+                  <a:tcPr marL="121920" marR="121920">
+                    <a:lnL w="12700" cap="flat" cmpd="sng" algn="ctr">
+                      <a:noFill/>
+                      <a:prstDash val="solid"/>
+                      <a:round/>
+                      <a:headEnd type="none" w="med" len="med"/>
+                      <a:tailEnd type="none" w="med" len="med"/>
+                    </a:lnL>
+                    <a:lnR w="12700" cap="flat" cmpd="sng" algn="ctr">
+                      <a:noFill/>
+                      <a:prstDash val="solid"/>
+                      <a:round/>
+                      <a:headEnd type="none" w="med" len="med"/>
+                      <a:tailEnd type="none" w="med" len="med"/>
+                    </a:lnR>
+                    <a:lnT w="12700" cap="flat" cmpd="sng" algn="ctr">
+                      <a:noFill/>
+                      <a:prstDash val="solid"/>
+                      <a:round/>
+                      <a:headEnd type="none" w="med" len="med"/>
+                      <a:tailEnd type="none" w="med" len="med"/>
+                    </a:lnT>
+                    <a:lnB w="12700" cap="flat" cmpd="sng" algn="ctr">
+                      <a:noFill/>
+                      <a:prstDash val="solid"/>
+                      <a:round/>
+                      <a:headEnd type="none" w="med" len="med"/>
+                      <a:tailEnd type="none" w="med" len="med"/>
+                    </a:lnB>
+                    <a:lnTlToBr w="12700" cmpd="sng">
+                      <a:noFill/>
+                      <a:prstDash val="solid"/>
+                    </a:lnTlToBr>
+                    <a:lnBlToTr w="12700" cmpd="sng">
+                      <a:noFill/>
+                      <a:prstDash val="solid"/>
+                    </a:lnBlToTr>
+                  </a:tcPr>
+                </a:tc>
+                <a:tc hMerge="1">
+                  <a:txBody>
+                    <a:bodyPr/>
+                    <a:lstStyle/>
+                    <a:p>
+                      <a:endParaRPr lang="en-US"/>
+                    </a:p>
+                  </a:txBody>
+                  <a:tcPr/>
+                </a:tc>
+                <a:tc gridSpan="2">
+                  <a:txBody>
+                    <a:bodyPr/>
+                    <a:lstStyle/>
+                    <a:p>
+                      <a:pPr algn="ctr"/>
+                      <a:r>
+                        <a:rPr lang="en-US" sz="1900" dirty="0"/>
+                        <a:t>C</a:t>
+                      </a:r>
+                    </a:p>
+                  </a:txBody>
+                  <a:tcPr marL="121920" marR="121920">
+                    <a:lnL w="12700" cap="flat" cmpd="sng" algn="ctr">
+                      <a:noFill/>
+                      <a:prstDash val="solid"/>
+                      <a:round/>
+                      <a:headEnd type="none" w="med" len="med"/>
+                      <a:tailEnd type="none" w="med" len="med"/>
+                    </a:lnL>
+                    <a:lnR w="12700" cap="flat" cmpd="sng" algn="ctr">
+                      <a:noFill/>
+                      <a:prstDash val="solid"/>
+                      <a:round/>
+                      <a:headEnd type="none" w="med" len="med"/>
+                      <a:tailEnd type="none" w="med" len="med"/>
+                    </a:lnR>
+                    <a:lnT w="12700" cap="flat" cmpd="sng" algn="ctr">
+                      <a:noFill/>
+                      <a:prstDash val="solid"/>
+                      <a:round/>
+                      <a:headEnd type="none" w="med" len="med"/>
+                      <a:tailEnd type="none" w="med" len="med"/>
+                    </a:lnT>
+                    <a:lnB w="12700" cap="flat" cmpd="sng" algn="ctr">
+                      <a:noFill/>
+                      <a:prstDash val="solid"/>
+                      <a:round/>
+                      <a:headEnd type="none" w="med" len="med"/>
+                      <a:tailEnd type="none" w="med" len="med"/>
+                    </a:lnB>
+                    <a:lnTlToBr w="12700" cmpd="sng">
+                      <a:noFill/>
+                      <a:prstDash val="solid"/>
+                    </a:lnTlToBr>
+                    <a:lnBlToTr w="12700" cmpd="sng">
+                      <a:noFill/>
+                      <a:prstDash val="solid"/>
+                    </a:lnBlToTr>
+                  </a:tcPr>
+                </a:tc>
+                <a:tc hMerge="1">
+                  <a:txBody>
+                    <a:bodyPr/>
+                    <a:lstStyle/>
+                    <a:p>
+                      <a:endParaRPr lang="en-US"/>
+                    </a:p>
+                  </a:txBody>
+                  <a:tcPr/>
+                </a:tc>
+                <a:tc gridSpan="2">
+                  <a:txBody>
+                    <a:bodyPr/>
+                    <a:lstStyle/>
+                    <a:p>
+                      <a:pPr algn="ctr"/>
+                      <a:r>
+                        <a:rPr lang="en-US" sz="1900" dirty="0"/>
+                        <a:t>A</a:t>
+                      </a:r>
+                    </a:p>
+                  </a:txBody>
+                  <a:tcPr marL="121920" marR="121920">
+                    <a:lnL w="12700" cap="flat" cmpd="sng" algn="ctr">
+                      <a:noFill/>
+                      <a:prstDash val="solid"/>
+                      <a:round/>
+                      <a:headEnd type="none" w="med" len="med"/>
+                      <a:tailEnd type="none" w="med" len="med"/>
+                    </a:lnL>
+                    <a:lnR w="12700" cap="flat" cmpd="sng" algn="ctr">
+                      <a:noFill/>
+                      <a:prstDash val="solid"/>
+                      <a:round/>
+                      <a:headEnd type="none" w="med" len="med"/>
+                      <a:tailEnd type="none" w="med" len="med"/>
+                    </a:lnR>
+                    <a:lnT w="12700" cap="flat" cmpd="sng" algn="ctr">
+                      <a:noFill/>
+                      <a:prstDash val="solid"/>
+                      <a:round/>
+                      <a:headEnd type="none" w="med" len="med"/>
+                      <a:tailEnd type="none" w="med" len="med"/>
+                    </a:lnT>
+                    <a:lnB w="12700" cap="flat" cmpd="sng" algn="ctr">
+                      <a:noFill/>
+                      <a:prstDash val="solid"/>
+                      <a:round/>
+                      <a:headEnd type="none" w="med" len="med"/>
+                      <a:tailEnd type="none" w="med" len="med"/>
+                    </a:lnB>
+                    <a:lnTlToBr w="12700" cmpd="sng">
+                      <a:noFill/>
+                      <a:prstDash val="solid"/>
+                    </a:lnTlToBr>
+                    <a:lnBlToTr w="12700" cmpd="sng">
+                      <a:noFill/>
+                      <a:prstDash val="solid"/>
+                    </a:lnBlToTr>
+                  </a:tcPr>
+                </a:tc>
+                <a:tc hMerge="1">
+                  <a:txBody>
+                    <a:bodyPr/>
+                    <a:lstStyle/>
+                    <a:p>
+                      <a:endParaRPr lang="en-US"/>
+                    </a:p>
+                  </a:txBody>
+                  <a:tcPr/>
+                </a:tc>
+                <a:tc>
+                  <a:txBody>
+                    <a:bodyPr/>
+                    <a:lstStyle/>
+                    <a:p>
+                      <a:pPr algn="ctr"/>
+                      <a:endParaRPr lang="en-US" sz="1900" dirty="0"/>
+                    </a:p>
+                  </a:txBody>
+                  <a:tcPr marL="121920" marR="121920">
+                    <a:lnL w="12700" cap="flat" cmpd="sng" algn="ctr">
+                      <a:noFill/>
+                      <a:prstDash val="solid"/>
+                      <a:round/>
+                      <a:headEnd type="none" w="med" len="med"/>
+                      <a:tailEnd type="none" w="med" len="med"/>
+                    </a:lnL>
+                    <a:lnR w="12700" cap="flat" cmpd="sng" algn="ctr">
+                      <a:noFill/>
+                      <a:prstDash val="solid"/>
+                      <a:round/>
+                      <a:headEnd type="none" w="med" len="med"/>
+                      <a:tailEnd type="none" w="med" len="med"/>
+                    </a:lnR>
+                    <a:lnT w="12700" cap="flat" cmpd="sng" algn="ctr">
+                      <a:noFill/>
+                      <a:prstDash val="solid"/>
+                      <a:round/>
+                      <a:headEnd type="none" w="med" len="med"/>
+                      <a:tailEnd type="none" w="med" len="med"/>
+                    </a:lnT>
+                    <a:lnB w="12700" cap="flat" cmpd="sng" algn="ctr">
+                      <a:noFill/>
+                      <a:prstDash val="solid"/>
+                      <a:round/>
+                      <a:headEnd type="none" w="med" len="med"/>
+                      <a:tailEnd type="none" w="med" len="med"/>
+                    </a:lnB>
+                    <a:lnTlToBr w="12700" cmpd="sng">
+                      <a:noFill/>
+                      <a:prstDash val="solid"/>
+                    </a:lnTlToBr>
+                    <a:lnBlToTr w="12700" cmpd="sng">
+                      <a:noFill/>
+                      <a:prstDash val="solid"/>
+                    </a:lnBlToTr>
+                  </a:tcPr>
+                </a:tc>
+                <a:extLst>
+                  <a:ext uri="{0D108BD9-81ED-4DB2-BD59-A6C34878D82A}">
+                    <a16:rowId xmlns:a16="http://schemas.microsoft.com/office/drawing/2014/main" val="10000"/>
+                  </a:ext>
+                </a:extLst>
+              </a:tr>
+              <a:tr h="152400">
+                <a:tc>
+                  <a:txBody>
+                    <a:bodyPr/>
+                    <a:lstStyle/>
+                    <a:p>
+                      <a:pPr algn="ctr"/>
+                      <a:endParaRPr lang="en-US" sz="400" dirty="0"/>
+                    </a:p>
+                  </a:txBody>
+                  <a:tcPr marL="121920" marR="121920">
+                    <a:lnL w="12700" cap="flat" cmpd="sng" algn="ctr">
+                      <a:noFill/>
+                      <a:prstDash val="solid"/>
+                      <a:round/>
+                      <a:headEnd type="none" w="med" len="med"/>
+                      <a:tailEnd type="none" w="med" len="med"/>
+                    </a:lnL>
+                    <a:lnR w="12700" cap="flat" cmpd="sng" algn="ctr">
+                      <a:noFill/>
+                      <a:prstDash val="solid"/>
+                      <a:round/>
+                      <a:headEnd type="none" w="med" len="med"/>
+                      <a:tailEnd type="none" w="med" len="med"/>
+                    </a:lnR>
+                    <a:lnT w="12700" cap="flat" cmpd="sng" algn="ctr">
+                      <a:noFill/>
+                      <a:prstDash val="solid"/>
+                      <a:round/>
+                      <a:headEnd type="none" w="med" len="med"/>
+                      <a:tailEnd type="none" w="med" len="med"/>
+                    </a:lnT>
+                    <a:lnB w="12700" cap="flat" cmpd="sng" algn="ctr">
+                      <a:noFill/>
+                      <a:prstDash val="solid"/>
+                      <a:round/>
+                      <a:headEnd type="none" w="med" len="med"/>
+                      <a:tailEnd type="none" w="med" len="med"/>
+                    </a:lnB>
+                  </a:tcPr>
+                </a:tc>
+                <a:tc>
+                  <a:txBody>
+                    <a:bodyPr/>
+                    <a:lstStyle/>
+                    <a:p>
+                      <a:pPr algn="ctr"/>
+                      <a:endParaRPr lang="en-US" sz="400" dirty="0"/>
+                    </a:p>
+                  </a:txBody>
+                  <a:tcPr marL="121920" marR="121920">
+                    <a:lnL w="12700" cap="flat" cmpd="sng" algn="ctr">
+                      <a:noFill/>
+                      <a:prstDash val="solid"/>
+                      <a:round/>
+                      <a:headEnd type="none" w="med" len="med"/>
+                      <a:tailEnd type="none" w="med" len="med"/>
+                    </a:lnL>
+                    <a:lnR w="12700" cap="flat" cmpd="sng" algn="ctr">
+                      <a:solidFill>
+                        <a:scrgbClr r="0" g="0" b="0"/>
+                      </a:solidFill>
+                      <a:prstDash val="solid"/>
+                      <a:round/>
+                      <a:headEnd type="none" w="med" len="med"/>
+                      <a:tailEnd type="none" w="med" len="med"/>
+                    </a:lnR>
+                    <a:lnT w="12700" cap="flat" cmpd="sng" algn="ctr">
+                      <a:noFill/>
+                      <a:prstDash val="solid"/>
+                      <a:round/>
+                      <a:headEnd type="none" w="med" len="med"/>
+                      <a:tailEnd type="none" w="med" len="med"/>
+                    </a:lnT>
+                    <a:lnB w="12700" cap="flat" cmpd="sng" algn="ctr">
+                      <a:noFill/>
+                      <a:prstDash val="solid"/>
+                      <a:round/>
+                      <a:headEnd type="none" w="med" len="med"/>
+                      <a:tailEnd type="none" w="med" len="med"/>
+                    </a:lnB>
+                  </a:tcPr>
+                </a:tc>
+                <a:tc>
+                  <a:txBody>
+                    <a:bodyPr/>
+                    <a:lstStyle/>
+                    <a:p>
+                      <a:pPr algn="ctr"/>
+                      <a:endParaRPr lang="en-US" sz="400" dirty="0"/>
+                    </a:p>
+                  </a:txBody>
+                  <a:tcPr marL="121920" marR="121920">
+                    <a:lnL w="12700" cap="flat" cmpd="sng" algn="ctr">
+                      <a:solidFill>
+                        <a:scrgbClr r="0" g="0" b="0"/>
+                      </a:solidFill>
+                      <a:prstDash val="solid"/>
+                      <a:round/>
+                      <a:headEnd type="none" w="med" len="med"/>
+                      <a:tailEnd type="none" w="med" len="med"/>
+                    </a:lnL>
+                    <a:lnR w="12700" cap="flat" cmpd="sng" algn="ctr">
+                      <a:solidFill>
+                        <a:scrgbClr r="0" g="0" b="0"/>
+                      </a:solidFill>
+                      <a:prstDash val="solid"/>
+                      <a:round/>
+                      <a:headEnd type="none" w="med" len="med"/>
+                      <a:tailEnd type="none" w="med" len="med"/>
+                    </a:lnR>
+                    <a:lnT w="12700" cap="flat" cmpd="sng" algn="ctr">
+                      <a:noFill/>
+                      <a:prstDash val="solid"/>
+                      <a:round/>
+                      <a:headEnd type="none" w="med" len="med"/>
+                      <a:tailEnd type="none" w="med" len="med"/>
+                    </a:lnT>
+                    <a:lnB w="12700" cap="flat" cmpd="sng" algn="ctr">
+                      <a:noFill/>
+                      <a:prstDash val="solid"/>
+                      <a:round/>
+                      <a:headEnd type="none" w="med" len="med"/>
+                      <a:tailEnd type="none" w="med" len="med"/>
+                    </a:lnB>
+                  </a:tcPr>
+                </a:tc>
+                <a:tc>
+                  <a:txBody>
+                    <a:bodyPr/>
+                    <a:lstStyle/>
+                    <a:p>
+                      <a:pPr algn="ctr"/>
+                      <a:endParaRPr lang="en-US" sz="400" dirty="0"/>
+                    </a:p>
+                  </a:txBody>
+                  <a:tcPr marL="121920" marR="121920">
+                    <a:lnL w="12700" cap="flat" cmpd="sng" algn="ctr">
+                      <a:solidFill>
+                        <a:scrgbClr r="0" g="0" b="0"/>
+                      </a:solidFill>
+                      <a:prstDash val="solid"/>
+                      <a:round/>
+                      <a:headEnd type="none" w="med" len="med"/>
+                      <a:tailEnd type="none" w="med" len="med"/>
+                    </a:lnL>
+                    <a:lnR w="12700" cap="flat" cmpd="sng" algn="ctr">
+                      <a:solidFill>
+                        <a:scrgbClr r="0" g="0" b="0"/>
+                      </a:solidFill>
+                      <a:prstDash val="solid"/>
+                      <a:round/>
+                      <a:headEnd type="none" w="med" len="med"/>
+                      <a:tailEnd type="none" w="med" len="med"/>
+                    </a:lnR>
+                    <a:lnT w="12700" cap="flat" cmpd="sng" algn="ctr">
+                      <a:noFill/>
+                      <a:prstDash val="solid"/>
+                      <a:round/>
+                      <a:headEnd type="none" w="med" len="med"/>
+                      <a:tailEnd type="none" w="med" len="med"/>
+                    </a:lnT>
+                    <a:lnB w="12700" cap="flat" cmpd="sng" algn="ctr">
+                      <a:noFill/>
+                      <a:prstDash val="solid"/>
+                      <a:round/>
+                      <a:headEnd type="none" w="med" len="med"/>
+                      <a:tailEnd type="none" w="med" len="med"/>
+                    </a:lnB>
+                  </a:tcPr>
+                </a:tc>
+                <a:tc>
+                  <a:txBody>
+                    <a:bodyPr/>
+                    <a:lstStyle/>
+                    <a:p>
+                      <a:pPr algn="ctr"/>
+                      <a:endParaRPr lang="en-US" sz="400" dirty="0"/>
+                    </a:p>
+                  </a:txBody>
+                  <a:tcPr marL="121920" marR="121920">
+                    <a:lnL w="12700" cap="flat" cmpd="sng" algn="ctr">
+                      <a:solidFill>
+                        <a:scrgbClr r="0" g="0" b="0"/>
+                      </a:solidFill>
+                      <a:prstDash val="solid"/>
+                      <a:round/>
+                      <a:headEnd type="none" w="med" len="med"/>
+                      <a:tailEnd type="none" w="med" len="med"/>
+                    </a:lnL>
+                    <a:lnR w="12700" cap="flat" cmpd="sng" algn="ctr">
+                      <a:solidFill>
+                        <a:scrgbClr r="0" g="0" b="0"/>
+                      </a:solidFill>
+                      <a:prstDash val="solid"/>
+                      <a:round/>
+                      <a:headEnd type="none" w="med" len="med"/>
+                      <a:tailEnd type="none" w="med" len="med"/>
+                    </a:lnR>
+                    <a:lnT w="12700" cap="flat" cmpd="sng" algn="ctr">
+                      <a:noFill/>
+                      <a:prstDash val="solid"/>
+                      <a:round/>
+                      <a:headEnd type="none" w="med" len="med"/>
+                      <a:tailEnd type="none" w="med" len="med"/>
+                    </a:lnT>
+                    <a:lnB w="12700" cap="flat" cmpd="sng" algn="ctr">
+                      <a:noFill/>
+                      <a:prstDash val="solid"/>
+                      <a:round/>
+                      <a:headEnd type="none" w="med" len="med"/>
+                      <a:tailEnd type="none" w="med" len="med"/>
+                    </a:lnB>
+                  </a:tcPr>
+                </a:tc>
+                <a:tc>
+                  <a:txBody>
+                    <a:bodyPr/>
+                    <a:lstStyle/>
+                    <a:p>
+                      <a:pPr algn="ctr"/>
+                      <a:endParaRPr lang="en-US" sz="400" dirty="0"/>
+                    </a:p>
+                  </a:txBody>
+                  <a:tcPr marL="121920" marR="121920">
+                    <a:lnL w="12700" cap="flat" cmpd="sng" algn="ctr">
+                      <a:solidFill>
+                        <a:scrgbClr r="0" g="0" b="0"/>
+                      </a:solidFill>
+                      <a:prstDash val="solid"/>
+                      <a:round/>
+                      <a:headEnd type="none" w="med" len="med"/>
+                      <a:tailEnd type="none" w="med" len="med"/>
+                    </a:lnL>
+                    <a:lnR w="12700" cap="flat" cmpd="sng" algn="ctr">
+                      <a:solidFill>
+                        <a:scrgbClr r="0" g="0" b="0"/>
+                      </a:solidFill>
+                      <a:prstDash val="solid"/>
+                      <a:round/>
+                      <a:headEnd type="none" w="med" len="med"/>
+                      <a:tailEnd type="none" w="med" len="med"/>
+                    </a:lnR>
+                    <a:lnT w="12700" cap="flat" cmpd="sng" algn="ctr">
+                      <a:noFill/>
+                      <a:prstDash val="solid"/>
+                      <a:round/>
+                      <a:headEnd type="none" w="med" len="med"/>
+                      <a:tailEnd type="none" w="med" len="med"/>
+                    </a:lnT>
+                    <a:lnB w="12700" cap="flat" cmpd="sng" algn="ctr">
+                      <a:noFill/>
+                      <a:prstDash val="solid"/>
+                      <a:round/>
+                      <a:headEnd type="none" w="med" len="med"/>
+                      <a:tailEnd type="none" w="med" len="med"/>
+                    </a:lnB>
+                  </a:tcPr>
+                </a:tc>
+                <a:tc>
+                  <a:txBody>
+                    <a:bodyPr/>
+                    <a:lstStyle/>
+                    <a:p>
+                      <a:pPr algn="ctr"/>
+                      <a:endParaRPr lang="en-US" sz="400" dirty="0"/>
+                    </a:p>
+                  </a:txBody>
+                  <a:tcPr marL="121920" marR="121920">
+                    <a:lnL w="12700" cap="flat" cmpd="sng" algn="ctr">
+                      <a:solidFill>
+                        <a:scrgbClr r="0" g="0" b="0"/>
+                      </a:solidFill>
+                      <a:prstDash val="solid"/>
+                      <a:round/>
+                      <a:headEnd type="none" w="med" len="med"/>
+                      <a:tailEnd type="none" w="med" len="med"/>
+                    </a:lnL>
+                    <a:lnR w="12700" cap="flat" cmpd="sng" algn="ctr">
+                      <a:solidFill>
+                        <a:scrgbClr r="0" g="0" b="0"/>
+                      </a:solidFill>
+                      <a:prstDash val="solid"/>
+                      <a:round/>
+                      <a:headEnd type="none" w="med" len="med"/>
+                      <a:tailEnd type="none" w="med" len="med"/>
+                    </a:lnR>
+                    <a:lnT w="12700" cap="flat" cmpd="sng" algn="ctr">
+                      <a:noFill/>
+                      <a:prstDash val="solid"/>
+                      <a:round/>
+                      <a:headEnd type="none" w="med" len="med"/>
+                      <a:tailEnd type="none" w="med" len="med"/>
+                    </a:lnT>
+                    <a:lnB w="12700" cap="flat" cmpd="sng" algn="ctr">
+                      <a:noFill/>
+                      <a:prstDash val="solid"/>
+                      <a:round/>
+                      <a:headEnd type="none" w="med" len="med"/>
+                      <a:tailEnd type="none" w="med" len="med"/>
+                    </a:lnB>
+                  </a:tcPr>
+                </a:tc>
+                <a:tc>
+                  <a:txBody>
+                    <a:bodyPr/>
+                    <a:lstStyle/>
+                    <a:p>
+                      <a:pPr algn="ctr"/>
+                      <a:endParaRPr lang="en-US" sz="400" dirty="0"/>
+                    </a:p>
+                  </a:txBody>
+                  <a:tcPr marL="121920" marR="121920">
+                    <a:lnL w="12700" cap="flat" cmpd="sng" algn="ctr">
+                      <a:solidFill>
+                        <a:scrgbClr r="0" g="0" b="0"/>
+                      </a:solidFill>
+                      <a:prstDash val="solid"/>
+                      <a:round/>
+                      <a:headEnd type="none" w="med" len="med"/>
+                      <a:tailEnd type="none" w="med" len="med"/>
+                    </a:lnL>
+                    <a:lnR w="12700" cap="flat" cmpd="sng" algn="ctr">
+                      <a:solidFill>
+                        <a:scrgbClr r="0" g="0" b="0"/>
+                      </a:solidFill>
+                      <a:prstDash val="solid"/>
+                      <a:round/>
+                      <a:headEnd type="none" w="med" len="med"/>
+                      <a:tailEnd type="none" w="med" len="med"/>
+                    </a:lnR>
+                    <a:lnT w="12700" cap="flat" cmpd="sng" algn="ctr">
+                      <a:noFill/>
+                      <a:prstDash val="solid"/>
+                      <a:round/>
+                      <a:headEnd type="none" w="med" len="med"/>
+                      <a:tailEnd type="none" w="med" len="med"/>
+                    </a:lnT>
+                    <a:lnB w="12700" cap="flat" cmpd="sng" algn="ctr">
+                      <a:noFill/>
+                      <a:prstDash val="solid"/>
+                      <a:round/>
+                      <a:headEnd type="none" w="med" len="med"/>
+                      <a:tailEnd type="none" w="med" len="med"/>
+                    </a:lnB>
+                  </a:tcPr>
+                </a:tc>
+                <a:tc>
+                  <a:txBody>
+                    <a:bodyPr/>
+                    <a:lstStyle/>
+                    <a:p>
+                      <a:pPr algn="ctr"/>
+                      <a:endParaRPr lang="en-US" sz="400" dirty="0"/>
+                    </a:p>
+                  </a:txBody>
+                  <a:tcPr marL="121920" marR="121920">
+                    <a:lnL w="12700" cap="flat" cmpd="sng" algn="ctr">
+                      <a:solidFill>
+                        <a:scrgbClr r="0" g="0" b="0"/>
+                      </a:solidFill>
+                      <a:prstDash val="solid"/>
+                      <a:round/>
+                      <a:headEnd type="none" w="med" len="med"/>
+                      <a:tailEnd type="none" w="med" len="med"/>
+                    </a:lnL>
+                    <a:lnR w="12700" cap="flat" cmpd="sng" algn="ctr">
+                      <a:solidFill>
+                        <a:scrgbClr r="0" g="0" b="0"/>
+                      </a:solidFill>
+                      <a:prstDash val="solid"/>
+                      <a:round/>
+                      <a:headEnd type="none" w="med" len="med"/>
+                      <a:tailEnd type="none" w="med" len="med"/>
+                    </a:lnR>
+                    <a:lnT w="12700" cap="flat" cmpd="sng" algn="ctr">
+                      <a:noFill/>
+                      <a:prstDash val="solid"/>
+                      <a:round/>
+                      <a:headEnd type="none" w="med" len="med"/>
+                      <a:tailEnd type="none" w="med" len="med"/>
+                    </a:lnT>
+                    <a:lnB w="12700" cap="flat" cmpd="sng" algn="ctr">
+                      <a:noFill/>
+                      <a:prstDash val="solid"/>
+                      <a:round/>
+                      <a:headEnd type="none" w="med" len="med"/>
+                      <a:tailEnd type="none" w="med" len="med"/>
+                    </a:lnB>
+                  </a:tcPr>
+                </a:tc>
+                <a:tc>
+                  <a:txBody>
+                    <a:bodyPr/>
+                    <a:lstStyle/>
+                    <a:p>
+                      <a:pPr algn="ctr"/>
+                      <a:endParaRPr lang="en-US" sz="400" dirty="0"/>
+                    </a:p>
+                  </a:txBody>
+                  <a:tcPr marL="121920" marR="121920">
+                    <a:lnL w="12700" cap="flat" cmpd="sng" algn="ctr">
+                      <a:solidFill>
+                        <a:scrgbClr r="0" g="0" b="0"/>
+                      </a:solidFill>
+                      <a:prstDash val="solid"/>
+                      <a:round/>
+                      <a:headEnd type="none" w="med" len="med"/>
+                      <a:tailEnd type="none" w="med" len="med"/>
+                    </a:lnL>
+                    <a:lnR w="12700" cap="flat" cmpd="sng" algn="ctr">
+                      <a:solidFill>
+                        <a:scrgbClr r="0" g="0" b="0"/>
+                      </a:solidFill>
+                      <a:prstDash val="solid"/>
+                      <a:round/>
+                      <a:headEnd type="none" w="med" len="med"/>
+                      <a:tailEnd type="none" w="med" len="med"/>
+                    </a:lnR>
+                    <a:lnT w="12700" cap="flat" cmpd="sng" algn="ctr">
+                      <a:noFill/>
+                      <a:prstDash val="solid"/>
+                      <a:round/>
+                      <a:headEnd type="none" w="med" len="med"/>
+                      <a:tailEnd type="none" w="med" len="med"/>
+                    </a:lnT>
+                    <a:lnB w="12700" cap="flat" cmpd="sng" algn="ctr">
+                      <a:noFill/>
+                      <a:prstDash val="solid"/>
+                      <a:round/>
+                      <a:headEnd type="none" w="med" len="med"/>
+                      <a:tailEnd type="none" w="med" len="med"/>
+                    </a:lnB>
+                  </a:tcPr>
+                </a:tc>
+                <a:tc>
+                  <a:txBody>
+                    <a:bodyPr/>
+                    <a:lstStyle/>
+                    <a:p>
+                      <a:pPr algn="ctr"/>
+                      <a:endParaRPr lang="en-US" sz="400" dirty="0"/>
+                    </a:p>
+                  </a:txBody>
+                  <a:tcPr marL="121920" marR="121920">
+                    <a:lnL w="12700" cap="flat" cmpd="sng" algn="ctr">
+                      <a:solidFill>
+                        <a:scrgbClr r="0" g="0" b="0"/>
+                      </a:solidFill>
+                      <a:prstDash val="solid"/>
+                      <a:round/>
+                      <a:headEnd type="none" w="med" len="med"/>
+                      <a:tailEnd type="none" w="med" len="med"/>
+                    </a:lnL>
+                    <a:lnR w="12700" cap="flat" cmpd="sng" algn="ctr">
+                      <a:solidFill>
+                        <a:scrgbClr r="0" g="0" b="0"/>
+                      </a:solidFill>
+                      <a:prstDash val="solid"/>
+                      <a:round/>
+                      <a:headEnd type="none" w="med" len="med"/>
+                      <a:tailEnd type="none" w="med" len="med"/>
+                    </a:lnR>
+                    <a:lnT w="12700" cap="flat" cmpd="sng" algn="ctr">
+                      <a:noFill/>
+                      <a:prstDash val="solid"/>
+                      <a:round/>
+                      <a:headEnd type="none" w="med" len="med"/>
+                      <a:tailEnd type="none" w="med" len="med"/>
+                    </a:lnT>
+                    <a:lnB w="12700" cap="flat" cmpd="sng" algn="ctr">
+                      <a:noFill/>
+                      <a:prstDash val="solid"/>
+                      <a:round/>
+                      <a:headEnd type="none" w="med" len="med"/>
+                      <a:tailEnd type="none" w="med" len="med"/>
+                    </a:lnB>
+                  </a:tcPr>
+                </a:tc>
+                <a:tc>
+                  <a:txBody>
+                    <a:bodyPr/>
+                    <a:lstStyle/>
+                    <a:p>
+                      <a:pPr algn="ctr"/>
+                      <a:endParaRPr lang="en-US" sz="400" dirty="0"/>
+                    </a:p>
+                  </a:txBody>
+                  <a:tcPr marL="121920" marR="121920">
+                    <a:lnL w="12700" cap="flat" cmpd="sng" algn="ctr">
+                      <a:solidFill>
+                        <a:scrgbClr r="0" g="0" b="0"/>
+                      </a:solidFill>
+                      <a:prstDash val="solid"/>
+                      <a:round/>
+                      <a:headEnd type="none" w="med" len="med"/>
+                      <a:tailEnd type="none" w="med" len="med"/>
+                    </a:lnL>
+                    <a:lnR w="12700" cap="flat" cmpd="sng" algn="ctr">
+                      <a:solidFill>
+                        <a:scrgbClr r="0" g="0" b="0"/>
+                      </a:solidFill>
+                      <a:prstDash val="solid"/>
+                      <a:round/>
+                      <a:headEnd type="none" w="med" len="med"/>
+                      <a:tailEnd type="none" w="med" len="med"/>
+                    </a:lnR>
+                    <a:lnT w="12700" cap="flat" cmpd="sng" algn="ctr">
+                      <a:noFill/>
+                      <a:prstDash val="solid"/>
+                      <a:round/>
+                      <a:headEnd type="none" w="med" len="med"/>
+                      <a:tailEnd type="none" w="med" len="med"/>
+                    </a:lnT>
+                    <a:lnB w="12700" cap="flat" cmpd="sng" algn="ctr">
+                      <a:noFill/>
+                      <a:prstDash val="solid"/>
+                      <a:round/>
+                      <a:headEnd type="none" w="med" len="med"/>
+                      <a:tailEnd type="none" w="med" len="med"/>
+                    </a:lnB>
+                  </a:tcPr>
+                </a:tc>
+                <a:tc>
+                  <a:txBody>
+                    <a:bodyPr/>
+                    <a:lstStyle/>
+                    <a:p>
+                      <a:pPr algn="ctr"/>
+                      <a:endParaRPr lang="en-US" sz="400" dirty="0"/>
+                    </a:p>
+                  </a:txBody>
+                  <a:tcPr marL="121920" marR="121920">
+                    <a:lnL w="12700" cap="flat" cmpd="sng" algn="ctr">
+                      <a:solidFill>
+                        <a:scrgbClr r="0" g="0" b="0"/>
+                      </a:solidFill>
+                      <a:prstDash val="solid"/>
+                      <a:round/>
+                      <a:headEnd type="none" w="med" len="med"/>
+                      <a:tailEnd type="none" w="med" len="med"/>
+                    </a:lnL>
+                    <a:lnR w="12700" cap="flat" cmpd="sng" algn="ctr">
+                      <a:solidFill>
+                        <a:scrgbClr r="0" g="0" b="0"/>
+                      </a:solidFill>
+                      <a:prstDash val="solid"/>
+                      <a:round/>
+                      <a:headEnd type="none" w="med" len="med"/>
+                      <a:tailEnd type="none" w="med" len="med"/>
+                    </a:lnR>
+                    <a:lnT w="12700" cap="flat" cmpd="sng" algn="ctr">
+                      <a:noFill/>
+                      <a:prstDash val="solid"/>
+                      <a:round/>
+                      <a:headEnd type="none" w="med" len="med"/>
+                      <a:tailEnd type="none" w="med" len="med"/>
+                    </a:lnT>
+                    <a:lnB w="12700" cap="flat" cmpd="sng" algn="ctr">
+                      <a:noFill/>
+                      <a:prstDash val="solid"/>
+                      <a:round/>
+                      <a:headEnd type="none" w="med" len="med"/>
+                      <a:tailEnd type="none" w="med" len="med"/>
+                    </a:lnB>
+                  </a:tcPr>
+                </a:tc>
+                <a:tc>
+                  <a:txBody>
+                    <a:bodyPr/>
+                    <a:lstStyle/>
+                    <a:p>
+                      <a:pPr algn="ctr"/>
+                      <a:endParaRPr lang="en-US" sz="400" dirty="0"/>
+                    </a:p>
+                  </a:txBody>
+                  <a:tcPr marL="121920" marR="121920">
+                    <a:lnL w="12700" cap="flat" cmpd="sng" algn="ctr">
+                      <a:solidFill>
+                        <a:scrgbClr r="0" g="0" b="0"/>
+                      </a:solidFill>
+                      <a:prstDash val="solid"/>
+                      <a:round/>
+                      <a:headEnd type="none" w="med" len="med"/>
+                      <a:tailEnd type="none" w="med" len="med"/>
+                    </a:lnL>
+                    <a:lnR w="12700" cap="flat" cmpd="sng" algn="ctr">
+                      <a:solidFill>
+                        <a:scrgbClr r="0" g="0" b="0"/>
+                      </a:solidFill>
+                      <a:prstDash val="solid"/>
+                      <a:round/>
+                      <a:headEnd type="none" w="med" len="med"/>
+                      <a:tailEnd type="none" w="med" len="med"/>
+                    </a:lnR>
+                    <a:lnT w="12700" cap="flat" cmpd="sng" algn="ctr">
+                      <a:noFill/>
+                      <a:prstDash val="solid"/>
+                      <a:round/>
+                      <a:headEnd type="none" w="med" len="med"/>
+                      <a:tailEnd type="none" w="med" len="med"/>
+                    </a:lnT>
+                    <a:lnB w="12700" cap="flat" cmpd="sng" algn="ctr">
+                      <a:noFill/>
+                      <a:prstDash val="solid"/>
+                      <a:round/>
+                      <a:headEnd type="none" w="med" len="med"/>
+                      <a:tailEnd type="none" w="med" len="med"/>
+                    </a:lnB>
+                  </a:tcPr>
+                </a:tc>
+                <a:tc>
+                  <a:txBody>
+                    <a:bodyPr/>
+                    <a:lstStyle/>
+                    <a:p>
+                      <a:pPr algn="ctr"/>
+                      <a:endParaRPr lang="en-US" sz="400" dirty="0"/>
+                    </a:p>
+                  </a:txBody>
+                  <a:tcPr marL="121920" marR="121920">
+                    <a:lnL w="12700" cap="flat" cmpd="sng" algn="ctr">
+                      <a:solidFill>
+                        <a:scrgbClr r="0" g="0" b="0"/>
+                      </a:solidFill>
+                      <a:prstDash val="solid"/>
+                      <a:round/>
+                      <a:headEnd type="none" w="med" len="med"/>
+                      <a:tailEnd type="none" w="med" len="med"/>
+                    </a:lnL>
+                    <a:lnR w="12700" cap="flat" cmpd="sng" algn="ctr">
+                      <a:solidFill>
+                        <a:scrgbClr r="0" g="0" b="0"/>
+                      </a:solidFill>
+                      <a:prstDash val="solid"/>
+                      <a:round/>
+                      <a:headEnd type="none" w="med" len="med"/>
+                      <a:tailEnd type="none" w="med" len="med"/>
+                    </a:lnR>
+                    <a:lnT w="12700" cap="flat" cmpd="sng" algn="ctr">
+                      <a:noFill/>
+                      <a:prstDash val="solid"/>
+                      <a:round/>
+                      <a:headEnd type="none" w="med" len="med"/>
+                      <a:tailEnd type="none" w="med" len="med"/>
+                    </a:lnT>
+                    <a:lnB w="12700" cap="flat" cmpd="sng" algn="ctr">
+                      <a:noFill/>
+                      <a:prstDash val="solid"/>
+                      <a:round/>
+                      <a:headEnd type="none" w="med" len="med"/>
+                      <a:tailEnd type="none" w="med" len="med"/>
+                    </a:lnB>
+                  </a:tcPr>
+                </a:tc>
+                <a:tc>
+                  <a:txBody>
+                    <a:bodyPr/>
+                    <a:lstStyle/>
+                    <a:p>
+                      <a:pPr algn="ctr"/>
+                      <a:endParaRPr lang="en-US" sz="400" dirty="0"/>
+                    </a:p>
+                  </a:txBody>
+                  <a:tcPr marL="121920" marR="121920">
+                    <a:lnL w="12700" cap="flat" cmpd="sng" algn="ctr">
+                      <a:solidFill>
+                        <a:scrgbClr r="0" g="0" b="0"/>
+                      </a:solidFill>
+                      <a:prstDash val="solid"/>
+                      <a:round/>
+                      <a:headEnd type="none" w="med" len="med"/>
+                      <a:tailEnd type="none" w="med" len="med"/>
+                    </a:lnL>
+                    <a:lnR w="12700" cap="flat" cmpd="sng" algn="ctr">
+                      <a:solidFill>
+                        <a:scrgbClr r="0" g="0" b="0"/>
+                      </a:solidFill>
+                      <a:prstDash val="solid"/>
+                      <a:round/>
+                      <a:headEnd type="none" w="med" len="med"/>
+                      <a:tailEnd type="none" w="med" len="med"/>
+                    </a:lnR>
+                    <a:lnT w="12700" cap="flat" cmpd="sng" algn="ctr">
+                      <a:noFill/>
+                      <a:prstDash val="solid"/>
+                      <a:round/>
+                      <a:headEnd type="none" w="med" len="med"/>
+                      <a:tailEnd type="none" w="med" len="med"/>
+                    </a:lnT>
+                    <a:lnB w="12700" cap="flat" cmpd="sng" algn="ctr">
+                      <a:noFill/>
+                      <a:prstDash val="solid"/>
+                      <a:round/>
+                      <a:headEnd type="none" w="med" len="med"/>
+                      <a:tailEnd type="none" w="med" len="med"/>
+                    </a:lnB>
+                  </a:tcPr>
+                </a:tc>
+                <a:tc>
+                  <a:txBody>
+                    <a:bodyPr/>
+                    <a:lstStyle/>
+                    <a:p>
+                      <a:pPr algn="ctr"/>
+                      <a:endParaRPr lang="en-US" sz="400" dirty="0"/>
+                    </a:p>
+                  </a:txBody>
+                  <a:tcPr marL="121920" marR="121920">
+                    <a:lnL w="12700" cap="flat" cmpd="sng" algn="ctr">
+                      <a:solidFill>
+                        <a:scrgbClr r="0" g="0" b="0"/>
+                      </a:solidFill>
+                      <a:prstDash val="solid"/>
+                      <a:round/>
+                      <a:headEnd type="none" w="med" len="med"/>
+                      <a:tailEnd type="none" w="med" len="med"/>
+                    </a:lnL>
+                    <a:lnR w="12700" cap="flat" cmpd="sng" algn="ctr">
+                      <a:noFill/>
+                      <a:prstDash val="solid"/>
+                      <a:round/>
+                      <a:headEnd type="none" w="med" len="med"/>
+                      <a:tailEnd type="none" w="med" len="med"/>
+                    </a:lnR>
+                    <a:lnT w="12700" cap="flat" cmpd="sng" algn="ctr">
+                      <a:noFill/>
+                      <a:prstDash val="solid"/>
+                      <a:round/>
+                      <a:headEnd type="none" w="med" len="med"/>
+                      <a:tailEnd type="none" w="med" len="med"/>
+                    </a:lnT>
+                    <a:lnB w="12700" cap="flat" cmpd="sng" algn="ctr">
+                      <a:noFill/>
+                      <a:prstDash val="solid"/>
+                      <a:round/>
+                      <a:headEnd type="none" w="med" len="med"/>
+                      <a:tailEnd type="none" w="med" len="med"/>
+                    </a:lnB>
+                  </a:tcPr>
+                </a:tc>
+                <a:extLst>
+                  <a:ext uri="{0D108BD9-81ED-4DB2-BD59-A6C34878D82A}">
+                    <a16:rowId xmlns:a16="http://schemas.microsoft.com/office/drawing/2014/main" val="10001"/>
+                  </a:ext>
+                </a:extLst>
+              </a:tr>
+              <a:tr h="640080">
+                <a:tc>
+                  <a:txBody>
+                    <a:bodyPr/>
+                    <a:lstStyle/>
+                    <a:p>
+                      <a:pPr algn="ctr"/>
+                      <a:r>
+                        <a:rPr lang="en-US" sz="1900" dirty="0"/>
+                        <a:t>1-based</a:t>
+                      </a:r>
+                    </a:p>
+                  </a:txBody>
+                  <a:tcPr marL="121920" marR="121920">
+                    <a:lnL w="12700" cap="flat" cmpd="sng" algn="ctr">
+                      <a:noFill/>
+                      <a:prstDash val="solid"/>
+                      <a:round/>
+                      <a:headEnd type="none" w="med" len="med"/>
+                      <a:tailEnd type="none" w="med" len="med"/>
+                    </a:lnL>
+                    <a:lnR w="12700" cap="flat" cmpd="sng" algn="ctr">
+                      <a:noFill/>
+                      <a:prstDash val="solid"/>
+                      <a:round/>
+                      <a:headEnd type="none" w="med" len="med"/>
+                      <a:tailEnd type="none" w="med" len="med"/>
+                    </a:lnR>
+                    <a:lnT w="12700" cap="flat" cmpd="sng" algn="ctr">
+                      <a:noFill/>
+                      <a:prstDash val="solid"/>
+                      <a:round/>
+                      <a:headEnd type="none" w="med" len="med"/>
+                      <a:tailEnd type="none" w="med" len="med"/>
+                    </a:lnT>
+                    <a:lnB w="12700" cap="flat" cmpd="sng" algn="ctr">
+                      <a:noFill/>
+                      <a:prstDash val="solid"/>
+                      <a:round/>
+                      <a:headEnd type="none" w="med" len="med"/>
+                      <a:tailEnd type="none" w="med" len="med"/>
+                    </a:lnB>
+                  </a:tcPr>
+                </a:tc>
+                <a:tc>
+                  <a:txBody>
+                    <a:bodyPr/>
+                    <a:lstStyle/>
+                    <a:p>
+                      <a:pPr algn="ctr"/>
+                      <a:endParaRPr lang="en-US" sz="1900" dirty="0"/>
+                    </a:p>
+                  </a:txBody>
+                  <a:tcPr marL="121920" marR="121920">
+                    <a:lnL w="12700" cap="flat" cmpd="sng" algn="ctr">
+                      <a:noFill/>
+                      <a:prstDash val="solid"/>
+                      <a:round/>
+                      <a:headEnd type="none" w="med" len="med"/>
+                      <a:tailEnd type="none" w="med" len="med"/>
+                    </a:lnL>
+                    <a:lnR w="12700" cap="flat" cmpd="sng" algn="ctr">
+                      <a:solidFill>
+                        <a:scrgbClr r="0" g="0" b="0"/>
+                      </a:solidFill>
+                      <a:prstDash val="solid"/>
+                      <a:round/>
+                      <a:headEnd type="none" w="med" len="med"/>
+                      <a:tailEnd type="none" w="med" len="med"/>
+                    </a:lnR>
+                    <a:lnT w="12700" cap="flat" cmpd="sng" algn="ctr">
+                      <a:noFill/>
+                      <a:prstDash val="solid"/>
+                      <a:round/>
+                      <a:headEnd type="none" w="med" len="med"/>
+                      <a:tailEnd type="none" w="med" len="med"/>
+                    </a:lnT>
+                    <a:lnB w="12700" cap="flat" cmpd="sng" algn="ctr">
+                      <a:noFill/>
+                      <a:prstDash val="solid"/>
+                      <a:round/>
+                      <a:headEnd type="none" w="med" len="med"/>
+                      <a:tailEnd type="none" w="med" len="med"/>
+                    </a:lnB>
+                  </a:tcPr>
+                </a:tc>
+                <a:tc gridSpan="2">
+                  <a:txBody>
+                    <a:bodyPr/>
+                    <a:lstStyle/>
+                    <a:p>
+                      <a:pPr algn="ctr"/>
+                      <a:r>
+                        <a:rPr lang="en-US" sz="1900" dirty="0"/>
+                        <a:t>1</a:t>
+                      </a:r>
+                    </a:p>
+                  </a:txBody>
+                  <a:tcPr marL="121920" marR="121920">
+                    <a:lnL w="12700" cap="flat" cmpd="sng" algn="ctr">
+                      <a:solidFill>
+                        <a:scrgbClr r="0" g="0" b="0"/>
+                      </a:solidFill>
+                      <a:prstDash val="solid"/>
+                      <a:round/>
+                      <a:headEnd type="none" w="med" len="med"/>
+                      <a:tailEnd type="none" w="med" len="med"/>
+                    </a:lnL>
+                    <a:lnR w="12700" cap="flat" cmpd="sng" algn="ctr">
+                      <a:solidFill>
+                        <a:scrgbClr r="0" g="0" b="0"/>
+                      </a:solidFill>
+                      <a:prstDash val="solid"/>
+                      <a:round/>
+                      <a:headEnd type="none" w="med" len="med"/>
+                      <a:tailEnd type="none" w="med" len="med"/>
+                    </a:lnR>
+                    <a:lnT w="12700" cap="flat" cmpd="sng" algn="ctr">
+                      <a:noFill/>
+                      <a:prstDash val="solid"/>
+                      <a:round/>
+                      <a:headEnd type="none" w="med" len="med"/>
+                      <a:tailEnd type="none" w="med" len="med"/>
+                    </a:lnT>
+                    <a:lnB w="12700" cap="flat" cmpd="sng" algn="ctr">
+                      <a:noFill/>
+                      <a:prstDash val="solid"/>
+                      <a:round/>
+                      <a:headEnd type="none" w="med" len="med"/>
+                      <a:tailEnd type="none" w="med" len="med"/>
+                    </a:lnB>
+                  </a:tcPr>
+                </a:tc>
+                <a:tc hMerge="1">
+                  <a:txBody>
+                    <a:bodyPr/>
+                    <a:lstStyle/>
+                    <a:p>
+                      <a:endParaRPr lang="en-US"/>
+                    </a:p>
+                  </a:txBody>
+                  <a:tcPr/>
+                </a:tc>
+                <a:tc gridSpan="2">
+                  <a:txBody>
+                    <a:bodyPr/>
+                    <a:lstStyle/>
+                    <a:p>
+                      <a:pPr algn="ctr"/>
+                      <a:r>
+                        <a:rPr lang="en-US" sz="1900" dirty="0"/>
+                        <a:t>2</a:t>
+                      </a:r>
+                    </a:p>
+                  </a:txBody>
+                  <a:tcPr marL="121920" marR="121920">
+                    <a:lnL w="12700" cap="flat" cmpd="sng" algn="ctr">
+                      <a:solidFill>
+                        <a:scrgbClr r="0" g="0" b="0"/>
+                      </a:solidFill>
+                      <a:prstDash val="solid"/>
+                      <a:round/>
+                      <a:headEnd type="none" w="med" len="med"/>
+                      <a:tailEnd type="none" w="med" len="med"/>
+                    </a:lnL>
+                    <a:lnR w="12700" cap="flat" cmpd="sng" algn="ctr">
+                      <a:solidFill>
+                        <a:scrgbClr r="0" g="0" b="0"/>
+                      </a:solidFill>
+                      <a:prstDash val="solid"/>
+                      <a:round/>
+                      <a:headEnd type="none" w="med" len="med"/>
+                      <a:tailEnd type="none" w="med" len="med"/>
+                    </a:lnR>
+                    <a:lnT w="12700" cap="flat" cmpd="sng" algn="ctr">
+                      <a:noFill/>
+                      <a:prstDash val="solid"/>
+                      <a:round/>
+                      <a:headEnd type="none" w="med" len="med"/>
+                      <a:tailEnd type="none" w="med" len="med"/>
+                    </a:lnT>
+                  </a:tcPr>
+                </a:tc>
+                <a:tc hMerge="1">
+                  <a:txBody>
+                    <a:bodyPr/>
+                    <a:lstStyle/>
+                    <a:p>
+                      <a:endParaRPr lang="en-US"/>
+                    </a:p>
+                  </a:txBody>
+                  <a:tcPr/>
+                </a:tc>
+                <a:tc gridSpan="2">
+                  <a:txBody>
+                    <a:bodyPr/>
+                    <a:lstStyle/>
+                    <a:p>
+                      <a:pPr algn="ctr"/>
+                      <a:r>
+                        <a:rPr lang="en-US" sz="1900" dirty="0"/>
+                        <a:t>3</a:t>
+                      </a:r>
+                    </a:p>
+                  </a:txBody>
+                  <a:tcPr marL="121920" marR="121920">
+                    <a:lnL w="12700" cap="flat" cmpd="sng" algn="ctr">
+                      <a:solidFill>
+                        <a:scrgbClr r="0" g="0" b="0"/>
+                      </a:solidFill>
+                      <a:prstDash val="solid"/>
+                      <a:round/>
+                      <a:headEnd type="none" w="med" len="med"/>
+                      <a:tailEnd type="none" w="med" len="med"/>
+                    </a:lnL>
+                    <a:lnR w="12700" cap="flat" cmpd="sng" algn="ctr">
+                      <a:solidFill>
+                        <a:scrgbClr r="0" g="0" b="0"/>
+                      </a:solidFill>
+                      <a:prstDash val="solid"/>
+                      <a:round/>
+                      <a:headEnd type="none" w="med" len="med"/>
+                      <a:tailEnd type="none" w="med" len="med"/>
+                    </a:lnR>
+                    <a:lnT w="12700" cap="flat" cmpd="sng" algn="ctr">
+                      <a:noFill/>
+                      <a:prstDash val="solid"/>
+                      <a:round/>
+                      <a:headEnd type="none" w="med" len="med"/>
+                      <a:tailEnd type="none" w="med" len="med"/>
+                    </a:lnT>
+                  </a:tcPr>
+                </a:tc>
+                <a:tc hMerge="1">
+                  <a:txBody>
+                    <a:bodyPr/>
+                    <a:lstStyle/>
+                    <a:p>
+                      <a:endParaRPr lang="en-US"/>
+                    </a:p>
+                  </a:txBody>
+                  <a:tcPr/>
+                </a:tc>
+                <a:tc gridSpan="2">
+                  <a:txBody>
+                    <a:bodyPr/>
+                    <a:lstStyle/>
+                    <a:p>
+                      <a:pPr algn="ctr"/>
+                      <a:r>
+                        <a:rPr lang="en-US" sz="1900" dirty="0"/>
+                        <a:t>4</a:t>
+                      </a:r>
+                    </a:p>
+                  </a:txBody>
+                  <a:tcPr marL="121920" marR="121920">
+                    <a:lnL w="12700" cap="flat" cmpd="sng" algn="ctr">
+                      <a:solidFill>
+                        <a:scrgbClr r="0" g="0" b="0"/>
+                      </a:solidFill>
+                      <a:prstDash val="solid"/>
+                      <a:round/>
+                      <a:headEnd type="none" w="med" len="med"/>
+                      <a:tailEnd type="none" w="med" len="med"/>
+                    </a:lnL>
+                    <a:lnR w="12700" cap="flat" cmpd="sng" algn="ctr">
+                      <a:solidFill>
+                        <a:scrgbClr r="0" g="0" b="0"/>
+                      </a:solidFill>
+                      <a:prstDash val="solid"/>
+                      <a:round/>
+                      <a:headEnd type="none" w="med" len="med"/>
+                      <a:tailEnd type="none" w="med" len="med"/>
+                    </a:lnR>
+                    <a:lnT w="12700" cap="flat" cmpd="sng" algn="ctr">
+                      <a:noFill/>
+                      <a:prstDash val="solid"/>
+                      <a:round/>
+                      <a:headEnd type="none" w="med" len="med"/>
+                      <a:tailEnd type="none" w="med" len="med"/>
+                    </a:lnT>
+                  </a:tcPr>
+                </a:tc>
+                <a:tc hMerge="1">
+                  <a:txBody>
+                    <a:bodyPr/>
+                    <a:lstStyle/>
+                    <a:p>
+                      <a:endParaRPr lang="en-US"/>
+                    </a:p>
+                  </a:txBody>
+                  <a:tcPr/>
+                </a:tc>
+                <a:tc gridSpan="2">
+                  <a:txBody>
+                    <a:bodyPr/>
+                    <a:lstStyle/>
+                    <a:p>
+                      <a:pPr algn="ctr"/>
+                      <a:r>
+                        <a:rPr lang="en-US" sz="1900" dirty="0"/>
+                        <a:t>5</a:t>
+                      </a:r>
+                    </a:p>
+                  </a:txBody>
+                  <a:tcPr marL="121920" marR="121920">
+                    <a:lnL w="12700" cap="flat" cmpd="sng" algn="ctr">
+                      <a:solidFill>
+                        <a:scrgbClr r="0" g="0" b="0"/>
+                      </a:solidFill>
+                      <a:prstDash val="solid"/>
+                      <a:round/>
+                      <a:headEnd type="none" w="med" len="med"/>
+                      <a:tailEnd type="none" w="med" len="med"/>
+                    </a:lnL>
+                    <a:lnR w="12700" cap="flat" cmpd="sng" algn="ctr">
+                      <a:solidFill>
+                        <a:scrgbClr r="0" g="0" b="0"/>
+                      </a:solidFill>
+                      <a:prstDash val="solid"/>
+                      <a:round/>
+                      <a:headEnd type="none" w="med" len="med"/>
+                      <a:tailEnd type="none" w="med" len="med"/>
+                    </a:lnR>
+                    <a:lnT w="12700" cap="flat" cmpd="sng" algn="ctr">
+                      <a:noFill/>
+                      <a:prstDash val="solid"/>
+                      <a:round/>
+                      <a:headEnd type="none" w="med" len="med"/>
+                      <a:tailEnd type="none" w="med" len="med"/>
+                    </a:lnT>
+                  </a:tcPr>
+                </a:tc>
+                <a:tc hMerge="1">
+                  <a:txBody>
+                    <a:bodyPr/>
+                    <a:lstStyle/>
+                    <a:p>
+                      <a:endParaRPr lang="en-US"/>
+                    </a:p>
+                  </a:txBody>
+                  <a:tcPr/>
+                </a:tc>
+                <a:tc gridSpan="2">
+                  <a:txBody>
+                    <a:bodyPr/>
+                    <a:lstStyle/>
+                    <a:p>
+                      <a:pPr algn="ctr"/>
+                      <a:r>
+                        <a:rPr lang="en-US" sz="1900" dirty="0"/>
+                        <a:t>6</a:t>
+                      </a:r>
+                    </a:p>
+                  </a:txBody>
+                  <a:tcPr marL="121920" marR="121920">
+                    <a:lnL w="12700" cap="flat" cmpd="sng" algn="ctr">
+                      <a:solidFill>
+                        <a:scrgbClr r="0" g="0" b="0"/>
+                      </a:solidFill>
+                      <a:prstDash val="solid"/>
+                      <a:round/>
+                      <a:headEnd type="none" w="med" len="med"/>
+                      <a:tailEnd type="none" w="med" len="med"/>
+                    </a:lnL>
+                    <a:lnR w="12700" cap="flat" cmpd="sng" algn="ctr">
+                      <a:solidFill>
+                        <a:scrgbClr r="0" g="0" b="0"/>
+                      </a:solidFill>
+                      <a:prstDash val="solid"/>
+                      <a:round/>
+                      <a:headEnd type="none" w="med" len="med"/>
+                      <a:tailEnd type="none" w="med" len="med"/>
+                    </a:lnR>
+                    <a:lnT w="12700" cap="flat" cmpd="sng" algn="ctr">
+                      <a:noFill/>
+                      <a:prstDash val="solid"/>
+                      <a:round/>
+                      <a:headEnd type="none" w="med" len="med"/>
+                      <a:tailEnd type="none" w="med" len="med"/>
+                    </a:lnT>
+                  </a:tcPr>
+                </a:tc>
+                <a:tc hMerge="1">
+                  <a:txBody>
+                    <a:bodyPr/>
+                    <a:lstStyle/>
+                    <a:p>
+                      <a:endParaRPr lang="en-US"/>
+                    </a:p>
+                  </a:txBody>
+                  <a:tcPr/>
+                </a:tc>
+                <a:tc gridSpan="2">
+                  <a:txBody>
+                    <a:bodyPr/>
+                    <a:lstStyle/>
+                    <a:p>
+                      <a:pPr algn="ctr"/>
+                      <a:r>
+                        <a:rPr lang="en-US" sz="1900" dirty="0"/>
+                        <a:t>7</a:t>
+                      </a:r>
+                    </a:p>
+                  </a:txBody>
+                  <a:tcPr marL="121920" marR="121920">
+                    <a:lnL w="12700" cap="flat" cmpd="sng" algn="ctr">
+                      <a:solidFill>
+                        <a:scrgbClr r="0" g="0" b="0"/>
+                      </a:solidFill>
+                      <a:prstDash val="solid"/>
+                      <a:round/>
+                      <a:headEnd type="none" w="med" len="med"/>
+                      <a:tailEnd type="none" w="med" len="med"/>
+                    </a:lnL>
+                    <a:lnR w="12700" cap="flat" cmpd="sng" algn="ctr">
+                      <a:solidFill>
+                        <a:scrgbClr r="0" g="0" b="0"/>
+                      </a:solidFill>
+                      <a:prstDash val="solid"/>
+                      <a:round/>
+                      <a:headEnd type="none" w="med" len="med"/>
+                      <a:tailEnd type="none" w="med" len="med"/>
+                    </a:lnR>
+                    <a:lnT w="12700" cap="flat" cmpd="sng" algn="ctr">
+                      <a:noFill/>
+                      <a:prstDash val="solid"/>
+                      <a:round/>
+                      <a:headEnd type="none" w="med" len="med"/>
+                      <a:tailEnd type="none" w="med" len="med"/>
+                    </a:lnT>
+                  </a:tcPr>
+                </a:tc>
+                <a:tc hMerge="1">
+                  <a:txBody>
+                    <a:bodyPr/>
+                    <a:lstStyle/>
+                    <a:p>
+                      <a:endParaRPr lang="en-US"/>
+                    </a:p>
+                  </a:txBody>
+                  <a:tcPr/>
+                </a:tc>
+                <a:tc>
+                  <a:txBody>
+                    <a:bodyPr/>
+                    <a:lstStyle/>
+                    <a:p>
+                      <a:pPr algn="ctr"/>
+                      <a:endParaRPr lang="en-US" sz="1900" dirty="0"/>
+                    </a:p>
+                  </a:txBody>
+                  <a:tcPr marL="121920" marR="121920">
+                    <a:lnL w="12700" cap="flat" cmpd="sng" algn="ctr">
+                      <a:solidFill>
+                        <a:scrgbClr r="0" g="0" b="0"/>
+                      </a:solidFill>
+                      <a:prstDash val="solid"/>
+                      <a:round/>
+                      <a:headEnd type="none" w="med" len="med"/>
+                      <a:tailEnd type="none" w="med" len="med"/>
+                    </a:lnL>
+                    <a:lnR w="12700" cap="flat" cmpd="sng" algn="ctr">
+                      <a:noFill/>
+                      <a:prstDash val="solid"/>
+                      <a:round/>
+                      <a:headEnd type="none" w="med" len="med"/>
+                      <a:tailEnd type="none" w="med" len="med"/>
+                    </a:lnR>
+                    <a:lnT w="12700" cap="flat" cmpd="sng" algn="ctr">
+                      <a:noFill/>
+                      <a:prstDash val="solid"/>
+                      <a:round/>
+                      <a:headEnd type="none" w="med" len="med"/>
+                      <a:tailEnd type="none" w="med" len="med"/>
+                    </a:lnT>
+                    <a:lnB>
+                      <a:noFill/>
+                    </a:lnB>
+                  </a:tcPr>
+                </a:tc>
+                <a:extLst>
+                  <a:ext uri="{0D108BD9-81ED-4DB2-BD59-A6C34878D82A}">
+                    <a16:rowId xmlns:a16="http://schemas.microsoft.com/office/drawing/2014/main" val="10002"/>
+                  </a:ext>
+                </a:extLst>
+              </a:tr>
+              <a:tr h="640080">
+                <a:tc>
+                  <a:txBody>
+                    <a:bodyPr/>
+                    <a:lstStyle/>
+                    <a:p>
+                      <a:pPr algn="ctr"/>
+                      <a:r>
+                        <a:rPr lang="en-US" sz="1900" dirty="0"/>
+                        <a:t>0-based</a:t>
+                      </a:r>
+                    </a:p>
+                  </a:txBody>
+                  <a:tcPr marL="121920" marR="121920">
+                    <a:lnL w="12700" cap="flat" cmpd="sng" algn="ctr">
+                      <a:noFill/>
+                      <a:prstDash val="solid"/>
+                      <a:round/>
+                      <a:headEnd type="none" w="med" len="med"/>
+                      <a:tailEnd type="none" w="med" len="med"/>
+                    </a:lnL>
+                    <a:lnR w="12700" cap="flat" cmpd="sng" algn="ctr">
+                      <a:noFill/>
+                      <a:prstDash val="solid"/>
+                      <a:round/>
+                      <a:headEnd type="none" w="med" len="med"/>
+                      <a:tailEnd type="none" w="med" len="med"/>
+                    </a:lnR>
+                    <a:lnT w="12700" cap="flat" cmpd="sng" algn="ctr">
+                      <a:noFill/>
+                      <a:prstDash val="solid"/>
+                      <a:round/>
+                      <a:headEnd type="none" w="med" len="med"/>
+                      <a:tailEnd type="none" w="med" len="med"/>
+                    </a:lnT>
+                    <a:lnB w="12700" cap="flat" cmpd="sng" algn="ctr">
+                      <a:noFill/>
+                      <a:prstDash val="solid"/>
+                      <a:round/>
+                      <a:headEnd type="none" w="med" len="med"/>
+                      <a:tailEnd type="none" w="med" len="med"/>
+                    </a:lnB>
+                    <a:lnTlToBr w="12700" cmpd="sng">
+                      <a:noFill/>
+                      <a:prstDash val="solid"/>
+                    </a:lnTlToBr>
+                    <a:lnBlToTr w="12700" cmpd="sng">
+                      <a:noFill/>
+                      <a:prstDash val="solid"/>
+                    </a:lnBlToTr>
+                  </a:tcPr>
+                </a:tc>
+                <a:tc gridSpan="2">
+                  <a:txBody>
+                    <a:bodyPr/>
+                    <a:lstStyle/>
+                    <a:p>
+                      <a:pPr algn="ctr"/>
+                      <a:r>
+                        <a:rPr lang="en-US" sz="1900" dirty="0"/>
+                        <a:t>0</a:t>
+                      </a:r>
+                    </a:p>
+                  </a:txBody>
+                  <a:tcPr marL="121920" marR="121920">
+                    <a:lnL w="12700" cap="flat" cmpd="sng" algn="ctr">
+                      <a:noFill/>
+                      <a:prstDash val="solid"/>
+                      <a:round/>
+                      <a:headEnd type="none" w="med" len="med"/>
+                      <a:tailEnd type="none" w="med" len="med"/>
+                    </a:lnL>
+                    <a:lnR w="12700" cap="flat" cmpd="sng" algn="ctr">
+                      <a:noFill/>
+                      <a:prstDash val="solid"/>
+                      <a:round/>
+                      <a:headEnd type="none" w="med" len="med"/>
+                      <a:tailEnd type="none" w="med" len="med"/>
+                    </a:lnR>
+                    <a:lnT w="12700" cap="flat" cmpd="sng" algn="ctr">
+                      <a:noFill/>
+                      <a:prstDash val="solid"/>
+                      <a:round/>
+                      <a:headEnd type="none" w="med" len="med"/>
+                      <a:tailEnd type="none" w="med" len="med"/>
+                    </a:lnT>
+                    <a:lnB w="12700" cap="flat" cmpd="sng" algn="ctr">
+                      <a:noFill/>
+                      <a:prstDash val="solid"/>
+                      <a:round/>
+                      <a:headEnd type="none" w="med" len="med"/>
+                      <a:tailEnd type="none" w="med" len="med"/>
+                    </a:lnB>
+                    <a:lnTlToBr w="12700" cmpd="sng">
+                      <a:noFill/>
+                      <a:prstDash val="solid"/>
+                    </a:lnTlToBr>
+                    <a:lnBlToTr w="12700" cmpd="sng">
+                      <a:noFill/>
+                      <a:prstDash val="solid"/>
+                    </a:lnBlToTr>
+                  </a:tcPr>
+                </a:tc>
+                <a:tc hMerge="1">
+                  <a:txBody>
+                    <a:bodyPr/>
+                    <a:lstStyle/>
+                    <a:p>
+                      <a:pPr algn="ctr"/>
+                      <a:endParaRPr lang="en-US" dirty="0"/>
+                    </a:p>
+                  </a:txBody>
+                  <a:tcPr>
+                    <a:lnL w="12700" cap="flat" cmpd="sng" algn="ctr">
+                      <a:noFill/>
+                      <a:prstDash val="solid"/>
+                      <a:round/>
+                      <a:headEnd type="none" w="med" len="med"/>
+                      <a:tailEnd type="none" w="med" len="med"/>
+                    </a:lnL>
+                    <a:lnR w="12700" cap="flat" cmpd="sng" algn="ctr">
+                      <a:noFill/>
+                      <a:prstDash val="solid"/>
+                      <a:round/>
+                      <a:headEnd type="none" w="med" len="med"/>
+                      <a:tailEnd type="none" w="med" len="med"/>
+                    </a:lnR>
+                    <a:lnT w="12700" cap="flat" cmpd="sng" algn="ctr">
+                      <a:noFill/>
+                      <a:prstDash val="solid"/>
+                      <a:round/>
+                      <a:headEnd type="none" w="med" len="med"/>
+                      <a:tailEnd type="none" w="med" len="med"/>
+                    </a:lnT>
+                    <a:lnB w="12700" cap="flat" cmpd="sng" algn="ctr">
+                      <a:noFill/>
+                      <a:prstDash val="solid"/>
+                      <a:round/>
+                      <a:headEnd type="none" w="med" len="med"/>
+                      <a:tailEnd type="none" w="med" len="med"/>
+                    </a:lnB>
+                    <a:lnTlToBr w="12700" cmpd="sng">
+                      <a:noFill/>
+                      <a:prstDash val="solid"/>
+                    </a:lnTlToBr>
+                    <a:lnBlToTr w="12700" cmpd="sng">
+                      <a:noFill/>
+                      <a:prstDash val="solid"/>
+                    </a:lnBlToTr>
+                  </a:tcPr>
+                </a:tc>
+                <a:tc gridSpan="2">
+                  <a:txBody>
+                    <a:bodyPr/>
+                    <a:lstStyle/>
+                    <a:p>
+                      <a:pPr algn="ctr"/>
+                      <a:r>
+                        <a:rPr lang="en-US" sz="1900" dirty="0"/>
+                        <a:t>1</a:t>
+                      </a:r>
+                    </a:p>
+                  </a:txBody>
+                  <a:tcPr marL="121920" marR="121920">
+                    <a:lnL w="12700" cap="flat" cmpd="sng" algn="ctr">
+                      <a:noFill/>
+                      <a:prstDash val="solid"/>
+                      <a:round/>
+                      <a:headEnd type="none" w="med" len="med"/>
+                      <a:tailEnd type="none" w="med" len="med"/>
+                    </a:lnL>
+                    <a:lnT w="12700" cap="flat" cmpd="sng" algn="ctr">
+                      <a:noFill/>
+                      <a:prstDash val="solid"/>
+                      <a:round/>
+                      <a:headEnd type="none" w="med" len="med"/>
+                      <a:tailEnd type="none" w="med" len="med"/>
+                    </a:lnT>
+                    <a:lnB w="12700" cap="flat" cmpd="sng" algn="ctr">
+                      <a:noFill/>
+                      <a:prstDash val="solid"/>
+                      <a:round/>
+                      <a:headEnd type="none" w="med" len="med"/>
+                      <a:tailEnd type="none" w="med" len="med"/>
+                    </a:lnB>
+                    <a:lnTlToBr w="12700" cmpd="sng">
+                      <a:noFill/>
+                      <a:prstDash val="solid"/>
+                    </a:lnTlToBr>
+                    <a:lnBlToTr w="12700" cmpd="sng">
+                      <a:noFill/>
+                      <a:prstDash val="solid"/>
+                    </a:lnBlToTr>
+                  </a:tcPr>
+                </a:tc>
+                <a:tc hMerge="1">
+                  <a:txBody>
+                    <a:bodyPr/>
+                    <a:lstStyle/>
+                    <a:p>
+                      <a:pPr algn="ctr"/>
+                      <a:endParaRPr lang="en-US" dirty="0"/>
+                    </a:p>
+                  </a:txBody>
+                  <a:tcPr/>
+                </a:tc>
+                <a:tc gridSpan="2">
+                  <a:txBody>
+                    <a:bodyPr/>
+                    <a:lstStyle/>
+                    <a:p>
+                      <a:pPr algn="ctr"/>
+                      <a:r>
+                        <a:rPr lang="en-US" sz="1900" dirty="0"/>
+                        <a:t>2</a:t>
+                      </a:r>
+                    </a:p>
+                  </a:txBody>
+                  <a:tcPr marL="121920" marR="121920"/>
+                </a:tc>
+                <a:tc hMerge="1">
+                  <a:txBody>
+                    <a:bodyPr/>
+                    <a:lstStyle/>
+                    <a:p>
+                      <a:pPr algn="ctr"/>
+                      <a:endParaRPr lang="en-US" dirty="0"/>
+                    </a:p>
+                  </a:txBody>
+                  <a:tcPr/>
+                </a:tc>
+                <a:tc gridSpan="2">
+                  <a:txBody>
+                    <a:bodyPr/>
+                    <a:lstStyle/>
+                    <a:p>
+                      <a:pPr algn="ctr"/>
+                      <a:r>
+                        <a:rPr lang="en-US" sz="1900" dirty="0"/>
+                        <a:t>3</a:t>
+                      </a:r>
+                    </a:p>
+                  </a:txBody>
+                  <a:tcPr marL="121920" marR="121920"/>
+                </a:tc>
+                <a:tc hMerge="1">
+                  <a:txBody>
+                    <a:bodyPr/>
+                    <a:lstStyle/>
+                    <a:p>
+                      <a:pPr algn="ctr"/>
+                      <a:endParaRPr lang="en-US" dirty="0"/>
+                    </a:p>
+                  </a:txBody>
+                  <a:tcPr/>
+                </a:tc>
+                <a:tc gridSpan="2">
+                  <a:txBody>
+                    <a:bodyPr/>
+                    <a:lstStyle/>
+                    <a:p>
+                      <a:pPr algn="ctr"/>
+                      <a:r>
+                        <a:rPr lang="en-US" sz="1900" dirty="0"/>
+                        <a:t>4</a:t>
+                      </a:r>
+                    </a:p>
+                  </a:txBody>
+                  <a:tcPr marL="121920" marR="121920"/>
+                </a:tc>
+                <a:tc hMerge="1">
+                  <a:txBody>
+                    <a:bodyPr/>
+                    <a:lstStyle/>
+                    <a:p>
+                      <a:pPr algn="ctr"/>
+                      <a:endParaRPr lang="en-US" dirty="0"/>
+                    </a:p>
+                  </a:txBody>
+                  <a:tcPr/>
+                </a:tc>
+                <a:tc gridSpan="2">
+                  <a:txBody>
+                    <a:bodyPr/>
+                    <a:lstStyle/>
+                    <a:p>
+                      <a:pPr algn="ctr"/>
+                      <a:r>
+                        <a:rPr lang="en-US" sz="1900" dirty="0"/>
+                        <a:t>5</a:t>
+                      </a:r>
+                    </a:p>
+                  </a:txBody>
+                  <a:tcPr marL="121920" marR="121920"/>
+                </a:tc>
+                <a:tc hMerge="1">
+                  <a:txBody>
+                    <a:bodyPr/>
+                    <a:lstStyle/>
+                    <a:p>
+                      <a:pPr algn="ctr"/>
+                      <a:endParaRPr lang="en-US" dirty="0"/>
+                    </a:p>
+                  </a:txBody>
+                  <a:tcPr/>
+                </a:tc>
+                <a:tc gridSpan="2">
+                  <a:txBody>
+                    <a:bodyPr/>
+                    <a:lstStyle/>
+                    <a:p>
+                      <a:pPr algn="ctr"/>
+                      <a:r>
+                        <a:rPr lang="en-US" sz="1900" dirty="0"/>
+                        <a:t>6</a:t>
+                      </a:r>
+                    </a:p>
+                  </a:txBody>
+                  <a:tcPr marL="121920" marR="121920"/>
+                </a:tc>
+                <a:tc hMerge="1">
+                  <a:txBody>
+                    <a:bodyPr/>
+                    <a:lstStyle/>
+                    <a:p>
+                      <a:pPr algn="ctr"/>
+                      <a:endParaRPr lang="en-US" dirty="0"/>
+                    </a:p>
+                  </a:txBody>
+                  <a:tcPr/>
+                </a:tc>
+                <a:tc gridSpan="2">
+                  <a:txBody>
+                    <a:bodyPr/>
+                    <a:lstStyle/>
+                    <a:p>
+                      <a:pPr algn="ctr"/>
+                      <a:r>
+                        <a:rPr lang="en-US" sz="1900" dirty="0"/>
+                        <a:t>7</a:t>
+                      </a:r>
+                    </a:p>
+                  </a:txBody>
+                  <a:tcPr marL="121920" marR="121920">
+                    <a:lnR>
+                      <a:noFill/>
+                    </a:lnR>
+                    <a:lnT w="12700" cap="flat" cmpd="sng" algn="ctr">
+                      <a:noFill/>
+                      <a:prstDash val="solid"/>
+                      <a:round/>
+                      <a:headEnd type="none" w="med" len="med"/>
+                      <a:tailEnd type="none" w="med" len="med"/>
+                    </a:lnT>
+                    <a:lnB w="12700" cap="flat" cmpd="sng" algn="ctr">
+                      <a:noFill/>
+                      <a:prstDash val="solid"/>
+                      <a:round/>
+                      <a:headEnd type="none" w="med" len="med"/>
+                      <a:tailEnd type="none" w="med" len="med"/>
+                    </a:lnB>
+                    <a:lnTlToBr w="12700" cmpd="sng">
+                      <a:noFill/>
+                      <a:prstDash val="solid"/>
+                    </a:lnTlToBr>
+                    <a:lnBlToTr w="12700" cmpd="sng">
+                      <a:noFill/>
+                      <a:prstDash val="solid"/>
+                    </a:lnBlToTr>
+                  </a:tcPr>
+                </a:tc>
+                <a:tc hMerge="1">
+                  <a:txBody>
+                    <a:bodyPr/>
+                    <a:lstStyle/>
+                    <a:p>
+                      <a:endParaRPr lang="en-US" dirty="0"/>
+                    </a:p>
+                  </a:txBody>
+                  <a:tcPr>
+                    <a:lnR w="12700" cap="flat" cmpd="sng" algn="ctr">
+                      <a:noFill/>
+                      <a:prstDash val="solid"/>
+                      <a:round/>
+                      <a:headEnd type="none" w="med" len="med"/>
+                      <a:tailEnd type="none" w="med" len="med"/>
+                    </a:lnR>
+                    <a:lnT w="12700" cap="flat" cmpd="sng" algn="ctr">
+                      <a:noFill/>
+                      <a:prstDash val="solid"/>
+                      <a:round/>
+                      <a:headEnd type="none" w="med" len="med"/>
+                      <a:tailEnd type="none" w="med" len="med"/>
+                    </a:lnT>
+                    <a:lnB w="12700" cap="flat" cmpd="sng" algn="ctr">
+                      <a:noFill/>
+                      <a:prstDash val="solid"/>
+                      <a:round/>
+                      <a:headEnd type="none" w="med" len="med"/>
+                      <a:tailEnd type="none" w="med" len="med"/>
+                    </a:lnB>
+                    <a:lnTlToBr w="12700" cmpd="sng">
+                      <a:noFill/>
+                      <a:prstDash val="solid"/>
+                    </a:lnTlToBr>
+                    <a:lnBlToTr w="12700" cmpd="sng">
+                      <a:noFill/>
+                      <a:prstDash val="solid"/>
+                    </a:lnBlToTr>
+                  </a:tcPr>
+                </a:tc>
+                <a:extLst>
+                  <a:ext uri="{0D108BD9-81ED-4DB2-BD59-A6C34878D82A}">
+                    <a16:rowId xmlns:a16="http://schemas.microsoft.com/office/drawing/2014/main" val="10003"/>
+                  </a:ext>
+                </a:extLst>
+              </a:tr>
+            </a:tbl>
+          </a:graphicData>
+        </a:graphic>
+      </p:graphicFrame>
+      <p:graphicFrame>
+        <p:nvGraphicFramePr>
+          <p:cNvPr id="3" name="Content Placeholder 2"/>
+          <p:cNvGraphicFramePr>
+            <a:graphicFrameLocks noGrp="1"/>
+          </p:cNvGraphicFramePr>
+          <p:nvPr>
+            <p:ph idx="1"/>
+            <p:extLst>
+              <p:ext uri="{D42A27DB-BD31-4B8C-83A1-F6EECF244321}">
+                <p14:modId xmlns:p14="http://schemas.microsoft.com/office/powerpoint/2010/main" val="1378629164"/>
+              </p:ext>
+            </p:extLst>
+          </p:nvPr>
+        </p:nvGraphicFramePr>
+        <p:xfrm>
+          <a:off x="609602" y="2506154"/>
+          <a:ext cx="10972798" cy="1524000"/>
+        </p:xfrm>
+        <a:graphic>
+          <a:graphicData uri="http://schemas.openxmlformats.org/drawingml/2006/table">
+            <a:tbl>
+              <a:tblPr firstRow="1" bandRow="1">
+                <a:tableStyleId>{2D5ABB26-0587-4C30-8999-92F81FD0307C}</a:tableStyleId>
+              </a:tblPr>
+              <a:tblGrid>
+                <a:gridCol w="5825548">
+                  <a:extLst>
+                    <a:ext uri="{9D8B030D-6E8A-4147-A177-3AD203B41FA5}">
+                      <a16:colId xmlns:a16="http://schemas.microsoft.com/office/drawing/2014/main" val="20000"/>
+                    </a:ext>
+                  </a:extLst>
+                </a:gridCol>
+                <a:gridCol w="2573625">
+                  <a:extLst>
+                    <a:ext uri="{9D8B030D-6E8A-4147-A177-3AD203B41FA5}">
+                      <a16:colId xmlns:a16="http://schemas.microsoft.com/office/drawing/2014/main" val="20001"/>
+                    </a:ext>
+                  </a:extLst>
+                </a:gridCol>
+                <a:gridCol w="2573625">
+                  <a:extLst>
+                    <a:ext uri="{9D8B030D-6E8A-4147-A177-3AD203B41FA5}">
+                      <a16:colId xmlns:a16="http://schemas.microsoft.com/office/drawing/2014/main" val="20002"/>
+                    </a:ext>
+                  </a:extLst>
+                </a:gridCol>
+              </a:tblGrid>
+              <a:tr h="375920">
+                <a:tc>
+                  <a:txBody>
+                    <a:bodyPr/>
+                    <a:lstStyle/>
+                    <a:p>
+                      <a:endParaRPr lang="en-US" sz="1900" dirty="0"/>
+                    </a:p>
+                  </a:txBody>
+                  <a:tcPr marL="121920" marR="121920">
+                    <a:lnL w="12700" cap="flat" cmpd="sng" algn="ctr">
+                      <a:solidFill>
+                        <a:scrgbClr r="0" g="0" b="0"/>
+                      </a:solidFill>
+                      <a:prstDash val="solid"/>
+                      <a:round/>
+                      <a:headEnd type="none" w="med" len="med"/>
+                      <a:tailEnd type="none" w="med" len="med"/>
+                    </a:lnL>
+                    <a:lnR w="12700" cap="flat" cmpd="sng" algn="ctr">
+                      <a:solidFill>
+                        <a:scrgbClr r="0" g="0" b="0"/>
+                      </a:solidFill>
+                      <a:prstDash val="solid"/>
+                      <a:round/>
+                      <a:headEnd type="none" w="med" len="med"/>
+                      <a:tailEnd type="none" w="med" len="med"/>
+                    </a:lnR>
+                    <a:lnT w="12700" cap="flat" cmpd="sng" algn="ctr">
+                      <a:solidFill>
+                        <a:scrgbClr r="0" g="0" b="0"/>
+                      </a:solidFill>
+                      <a:prstDash val="solid"/>
+                      <a:round/>
+                      <a:headEnd type="none" w="med" len="med"/>
+                      <a:tailEnd type="none" w="med" len="med"/>
+                    </a:lnT>
+                    <a:lnB w="12700" cap="flat" cmpd="sng" algn="ctr">
+                      <a:solidFill>
+                        <a:scrgbClr r="0" g="0" b="0"/>
+                      </a:solidFill>
+                      <a:prstDash val="solid"/>
+                      <a:round/>
+                      <a:headEnd type="none" w="med" len="med"/>
+                      <a:tailEnd type="none" w="med" len="med"/>
+                    </a:lnB>
+                  </a:tcPr>
+                </a:tc>
+                <a:tc>
+                  <a:txBody>
+                    <a:bodyPr/>
+                    <a:lstStyle/>
+                    <a:p>
+                      <a:r>
+                        <a:rPr lang="en-US" sz="1900" dirty="0"/>
+                        <a:t>1-based</a:t>
+                      </a:r>
+                    </a:p>
+                  </a:txBody>
+                  <a:tcPr marL="121920" marR="121920">
+                    <a:lnL w="12700" cap="flat" cmpd="sng" algn="ctr">
+                      <a:solidFill>
+                        <a:scrgbClr r="0" g="0" b="0"/>
+                      </a:solidFill>
+                      <a:prstDash val="solid"/>
+                      <a:round/>
+                      <a:headEnd type="none" w="med" len="med"/>
+                      <a:tailEnd type="none" w="med" len="med"/>
+                    </a:lnL>
+                    <a:lnR w="12700" cap="flat" cmpd="sng" algn="ctr">
+                      <a:solidFill>
+                        <a:scrgbClr r="0" g="0" b="0"/>
+                      </a:solidFill>
+                      <a:prstDash val="solid"/>
+                      <a:round/>
+                      <a:headEnd type="none" w="med" len="med"/>
+                      <a:tailEnd type="none" w="med" len="med"/>
+                    </a:lnR>
+                    <a:lnT w="12700" cap="flat" cmpd="sng" algn="ctr">
+                      <a:solidFill>
+                        <a:scrgbClr r="0" g="0" b="0"/>
+                      </a:solidFill>
+                      <a:prstDash val="solid"/>
+                      <a:round/>
+                      <a:headEnd type="none" w="med" len="med"/>
+                      <a:tailEnd type="none" w="med" len="med"/>
+                    </a:lnT>
+                    <a:lnB w="12700" cap="flat" cmpd="sng" algn="ctr">
+                      <a:solidFill>
+                        <a:scrgbClr r="0" g="0" b="0"/>
+                      </a:solidFill>
+                      <a:prstDash val="solid"/>
+                      <a:round/>
+                      <a:headEnd type="none" w="med" len="med"/>
+                      <a:tailEnd type="none" w="med" len="med"/>
+                    </a:lnB>
+                  </a:tcPr>
+                </a:tc>
+                <a:tc>
+                  <a:txBody>
+                    <a:bodyPr/>
+                    <a:lstStyle/>
+                    <a:p>
+                      <a:r>
+                        <a:rPr lang="en-US" sz="1900" dirty="0"/>
+                        <a:t>0-based</a:t>
+                      </a:r>
+                    </a:p>
+                  </a:txBody>
+                  <a:tcPr marL="121920" marR="121920">
+                    <a:lnL w="12700" cap="flat" cmpd="sng" algn="ctr">
+                      <a:solidFill>
+                        <a:scrgbClr r="0" g="0" b="0"/>
+                      </a:solidFill>
+                      <a:prstDash val="solid"/>
+                      <a:round/>
+                      <a:headEnd type="none" w="med" len="med"/>
+                      <a:tailEnd type="none" w="med" len="med"/>
+                    </a:lnL>
+                    <a:lnR w="12700" cap="flat" cmpd="sng" algn="ctr">
+                      <a:solidFill>
+                        <a:scrgbClr r="0" g="0" b="0"/>
+                      </a:solidFill>
+                      <a:prstDash val="solid"/>
+                      <a:round/>
+                      <a:headEnd type="none" w="med" len="med"/>
+                      <a:tailEnd type="none" w="med" len="med"/>
+                    </a:lnR>
+                    <a:lnT w="12700" cap="flat" cmpd="sng" algn="ctr">
+                      <a:solidFill>
+                        <a:scrgbClr r="0" g="0" b="0"/>
+                      </a:solidFill>
+                      <a:prstDash val="solid"/>
+                      <a:round/>
+                      <a:headEnd type="none" w="med" len="med"/>
+                      <a:tailEnd type="none" w="med" len="med"/>
+                    </a:lnT>
+                    <a:lnB w="12700" cap="flat" cmpd="sng" algn="ctr">
+                      <a:solidFill>
+                        <a:scrgbClr r="0" g="0" b="0"/>
+                      </a:solidFill>
+                      <a:prstDash val="solid"/>
+                      <a:round/>
+                      <a:headEnd type="none" w="med" len="med"/>
+                      <a:tailEnd type="none" w="med" len="med"/>
+                    </a:lnB>
+                  </a:tcPr>
+                </a:tc>
+                <a:extLst>
+                  <a:ext uri="{0D108BD9-81ED-4DB2-BD59-A6C34878D82A}">
+                    <a16:rowId xmlns:a16="http://schemas.microsoft.com/office/drawing/2014/main" val="10000"/>
+                  </a:ext>
+                </a:extLst>
+              </a:tr>
+              <a:tr h="375920">
+                <a:tc>
+                  <a:txBody>
+                    <a:bodyPr/>
+                    <a:lstStyle/>
+                    <a:p>
+                      <a:r>
+                        <a:rPr lang="en-US" sz="1900" dirty="0"/>
+                        <a:t>Indicate a single</a:t>
+                      </a:r>
+                      <a:r>
+                        <a:rPr lang="en-US" sz="1900" baseline="0" dirty="0"/>
+                        <a:t> nucleotide</a:t>
+                      </a:r>
+                      <a:endParaRPr lang="en-US" sz="1900" dirty="0"/>
+                    </a:p>
+                  </a:txBody>
+                  <a:tcPr marL="121920" marR="121920">
+                    <a:lnL w="12700" cap="flat" cmpd="sng" algn="ctr">
+                      <a:solidFill>
+                        <a:scrgbClr r="0" g="0" b="0"/>
+                      </a:solidFill>
+                      <a:prstDash val="solid"/>
+                      <a:round/>
+                      <a:headEnd type="none" w="med" len="med"/>
+                      <a:tailEnd type="none" w="med" len="med"/>
+                    </a:lnL>
+                    <a:lnR w="12700" cap="flat" cmpd="sng" algn="ctr">
+                      <a:solidFill>
+                        <a:scrgbClr r="0" g="0" b="0"/>
+                      </a:solidFill>
+                      <a:prstDash val="solid"/>
+                      <a:round/>
+                      <a:headEnd type="none" w="med" len="med"/>
+                      <a:tailEnd type="none" w="med" len="med"/>
+                    </a:lnR>
+                    <a:lnT w="12700" cap="flat" cmpd="sng" algn="ctr">
+                      <a:solidFill>
+                        <a:scrgbClr r="0" g="0" b="0"/>
+                      </a:solidFill>
+                      <a:prstDash val="solid"/>
+                      <a:round/>
+                      <a:headEnd type="none" w="med" len="med"/>
+                      <a:tailEnd type="none" w="med" len="med"/>
+                    </a:lnT>
+                    <a:lnB w="12700" cap="flat" cmpd="sng" algn="ctr">
+                      <a:solidFill>
+                        <a:scrgbClr r="0" g="0" b="0"/>
+                      </a:solidFill>
+                      <a:prstDash val="solid"/>
+                      <a:round/>
+                      <a:headEnd type="none" w="med" len="med"/>
+                      <a:tailEnd type="none" w="med" len="med"/>
+                    </a:lnB>
+                  </a:tcPr>
+                </a:tc>
+                <a:tc>
+                  <a:txBody>
+                    <a:bodyPr/>
+                    <a:lstStyle/>
+                    <a:p>
+                      <a:r>
+                        <a:rPr lang="en-US" sz="1900" dirty="0"/>
+                        <a:t>chr1:4-4</a:t>
+                      </a:r>
+                      <a:r>
+                        <a:rPr lang="en-US" sz="1900" baseline="0" dirty="0"/>
+                        <a:t>   </a:t>
+                      </a:r>
+                      <a:r>
+                        <a:rPr lang="en-US" sz="1900" dirty="0"/>
+                        <a:t>G</a:t>
+                      </a:r>
+                    </a:p>
+                  </a:txBody>
+                  <a:tcPr marL="121920" marR="121920">
+                    <a:lnL w="12700" cap="flat" cmpd="sng" algn="ctr">
+                      <a:solidFill>
+                        <a:scrgbClr r="0" g="0" b="0"/>
+                      </a:solidFill>
+                      <a:prstDash val="solid"/>
+                      <a:round/>
+                      <a:headEnd type="none" w="med" len="med"/>
+                      <a:tailEnd type="none" w="med" len="med"/>
+                    </a:lnL>
+                    <a:lnR w="12700" cap="flat" cmpd="sng" algn="ctr">
+                      <a:solidFill>
+                        <a:scrgbClr r="0" g="0" b="0"/>
+                      </a:solidFill>
+                      <a:prstDash val="solid"/>
+                      <a:round/>
+                      <a:headEnd type="none" w="med" len="med"/>
+                      <a:tailEnd type="none" w="med" len="med"/>
+                    </a:lnR>
+                    <a:lnT w="12700" cap="flat" cmpd="sng" algn="ctr">
+                      <a:solidFill>
+                        <a:scrgbClr r="0" g="0" b="0"/>
+                      </a:solidFill>
+                      <a:prstDash val="solid"/>
+                      <a:round/>
+                      <a:headEnd type="none" w="med" len="med"/>
+                      <a:tailEnd type="none" w="med" len="med"/>
+                    </a:lnT>
+                    <a:lnB w="12700" cap="flat" cmpd="sng" algn="ctr">
+                      <a:solidFill>
+                        <a:scrgbClr r="0" g="0" b="0"/>
+                      </a:solidFill>
+                      <a:prstDash val="solid"/>
+                      <a:round/>
+                      <a:headEnd type="none" w="med" len="med"/>
+                      <a:tailEnd type="none" w="med" len="med"/>
+                    </a:lnB>
+                  </a:tcPr>
+                </a:tc>
+                <a:tc>
+                  <a:txBody>
+                    <a:bodyPr/>
+                    <a:lstStyle/>
+                    <a:p>
+                      <a:r>
+                        <a:rPr lang="en-US" sz="1900" dirty="0"/>
+                        <a:t>chr1</a:t>
+                      </a:r>
+                      <a:r>
+                        <a:rPr lang="en-US" sz="1900" baseline="0" dirty="0"/>
+                        <a:t>:3-4   G</a:t>
+                      </a:r>
+                      <a:endParaRPr lang="en-US" sz="1900" dirty="0"/>
+                    </a:p>
+                  </a:txBody>
+                  <a:tcPr marL="121920" marR="121920">
+                    <a:lnL w="12700" cap="flat" cmpd="sng" algn="ctr">
+                      <a:solidFill>
+                        <a:scrgbClr r="0" g="0" b="0"/>
+                      </a:solidFill>
+                      <a:prstDash val="solid"/>
+                      <a:round/>
+                      <a:headEnd type="none" w="med" len="med"/>
+                      <a:tailEnd type="none" w="med" len="med"/>
+                    </a:lnL>
+                    <a:lnR w="12700" cap="flat" cmpd="sng" algn="ctr">
+                      <a:solidFill>
+                        <a:scrgbClr r="0" g="0" b="0"/>
+                      </a:solidFill>
+                      <a:prstDash val="solid"/>
+                      <a:round/>
+                      <a:headEnd type="none" w="med" len="med"/>
+                      <a:tailEnd type="none" w="med" len="med"/>
+                    </a:lnR>
+                    <a:lnT w="12700" cap="flat" cmpd="sng" algn="ctr">
+                      <a:solidFill>
+                        <a:scrgbClr r="0" g="0" b="0"/>
+                      </a:solidFill>
+                      <a:prstDash val="solid"/>
+                      <a:round/>
+                      <a:headEnd type="none" w="med" len="med"/>
+                      <a:tailEnd type="none" w="med" len="med"/>
+                    </a:lnT>
+                    <a:lnB w="12700" cap="flat" cmpd="sng" algn="ctr">
+                      <a:solidFill>
+                        <a:scrgbClr r="0" g="0" b="0"/>
+                      </a:solidFill>
+                      <a:prstDash val="solid"/>
+                      <a:round/>
+                      <a:headEnd type="none" w="med" len="med"/>
+                      <a:tailEnd type="none" w="med" len="med"/>
+                    </a:lnB>
+                  </a:tcPr>
+                </a:tc>
+                <a:extLst>
+                  <a:ext uri="{0D108BD9-81ED-4DB2-BD59-A6C34878D82A}">
+                    <a16:rowId xmlns:a16="http://schemas.microsoft.com/office/drawing/2014/main" val="10001"/>
+                  </a:ext>
+                </a:extLst>
+              </a:tr>
+              <a:tr h="375920">
+                <a:tc>
+                  <a:txBody>
+                    <a:bodyPr/>
+                    <a:lstStyle/>
+                    <a:p>
+                      <a:r>
+                        <a:rPr lang="en-US" sz="1900" dirty="0"/>
+                        <a:t>Indicate a range</a:t>
+                      </a:r>
+                      <a:r>
+                        <a:rPr lang="en-US" sz="1900" baseline="0" dirty="0"/>
+                        <a:t> of nucleotides</a:t>
+                      </a:r>
+                      <a:endParaRPr lang="en-US" sz="1900" dirty="0"/>
+                    </a:p>
+                  </a:txBody>
+                  <a:tcPr marL="121920" marR="121920">
+                    <a:lnL w="12700" cap="flat" cmpd="sng" algn="ctr">
+                      <a:solidFill>
+                        <a:scrgbClr r="0" g="0" b="0"/>
+                      </a:solidFill>
+                      <a:prstDash val="solid"/>
+                      <a:round/>
+                      <a:headEnd type="none" w="med" len="med"/>
+                      <a:tailEnd type="none" w="med" len="med"/>
+                    </a:lnL>
+                    <a:lnR w="12700" cap="flat" cmpd="sng" algn="ctr">
+                      <a:solidFill>
+                        <a:scrgbClr r="0" g="0" b="0"/>
+                      </a:solidFill>
+                      <a:prstDash val="solid"/>
+                      <a:round/>
+                      <a:headEnd type="none" w="med" len="med"/>
+                      <a:tailEnd type="none" w="med" len="med"/>
+                    </a:lnR>
+                    <a:lnT w="12700" cap="flat" cmpd="sng" algn="ctr">
+                      <a:solidFill>
+                        <a:scrgbClr r="0" g="0" b="0"/>
+                      </a:solidFill>
+                      <a:prstDash val="solid"/>
+                      <a:round/>
+                      <a:headEnd type="none" w="med" len="med"/>
+                      <a:tailEnd type="none" w="med" len="med"/>
+                    </a:lnT>
+                    <a:lnB w="12700" cap="flat" cmpd="sng" algn="ctr">
+                      <a:solidFill>
+                        <a:scrgbClr r="0" g="0" b="0"/>
+                      </a:solidFill>
+                      <a:prstDash val="solid"/>
+                      <a:round/>
+                      <a:headEnd type="none" w="med" len="med"/>
+                      <a:tailEnd type="none" w="med" len="med"/>
+                    </a:lnB>
+                  </a:tcPr>
+                </a:tc>
+                <a:tc>
+                  <a:txBody>
+                    <a:bodyPr/>
+                    <a:lstStyle/>
+                    <a:p>
+                      <a:r>
+                        <a:rPr lang="en-US" sz="1900" dirty="0"/>
+                        <a:t>chr1:2-4   ACG</a:t>
+                      </a:r>
+                    </a:p>
+                  </a:txBody>
+                  <a:tcPr marL="121920" marR="121920">
+                    <a:lnL w="12700" cap="flat" cmpd="sng" algn="ctr">
+                      <a:solidFill>
+                        <a:scrgbClr r="0" g="0" b="0"/>
+                      </a:solidFill>
+                      <a:prstDash val="solid"/>
+                      <a:round/>
+                      <a:headEnd type="none" w="med" len="med"/>
+                      <a:tailEnd type="none" w="med" len="med"/>
+                    </a:lnL>
+                    <a:lnR w="12700" cap="flat" cmpd="sng" algn="ctr">
+                      <a:solidFill>
+                        <a:scrgbClr r="0" g="0" b="0"/>
+                      </a:solidFill>
+                      <a:prstDash val="solid"/>
+                      <a:round/>
+                      <a:headEnd type="none" w="med" len="med"/>
+                      <a:tailEnd type="none" w="med" len="med"/>
+                    </a:lnR>
+                    <a:lnT w="12700" cap="flat" cmpd="sng" algn="ctr">
+                      <a:solidFill>
+                        <a:scrgbClr r="0" g="0" b="0"/>
+                      </a:solidFill>
+                      <a:prstDash val="solid"/>
+                      <a:round/>
+                      <a:headEnd type="none" w="med" len="med"/>
+                      <a:tailEnd type="none" w="med" len="med"/>
+                    </a:lnT>
+                    <a:lnB w="12700" cap="flat" cmpd="sng" algn="ctr">
+                      <a:solidFill>
+                        <a:scrgbClr r="0" g="0" b="0"/>
+                      </a:solidFill>
+                      <a:prstDash val="solid"/>
+                      <a:round/>
+                      <a:headEnd type="none" w="med" len="med"/>
+                      <a:tailEnd type="none" w="med" len="med"/>
+                    </a:lnB>
+                  </a:tcPr>
+                </a:tc>
+                <a:tc>
+                  <a:txBody>
+                    <a:bodyPr/>
+                    <a:lstStyle/>
+                    <a:p>
+                      <a:r>
+                        <a:rPr lang="en-US" sz="1900" dirty="0"/>
+                        <a:t>chr1:1-4   ACG</a:t>
+                      </a:r>
+                    </a:p>
+                  </a:txBody>
+                  <a:tcPr marL="121920" marR="121920">
+                    <a:lnL w="12700" cap="flat" cmpd="sng" algn="ctr">
+                      <a:solidFill>
+                        <a:scrgbClr r="0" g="0" b="0"/>
+                      </a:solidFill>
+                      <a:prstDash val="solid"/>
+                      <a:round/>
+                      <a:headEnd type="none" w="med" len="med"/>
+                      <a:tailEnd type="none" w="med" len="med"/>
+                    </a:lnL>
+                    <a:lnR w="12700" cap="flat" cmpd="sng" algn="ctr">
+                      <a:solidFill>
+                        <a:scrgbClr r="0" g="0" b="0"/>
+                      </a:solidFill>
+                      <a:prstDash val="solid"/>
+                      <a:round/>
+                      <a:headEnd type="none" w="med" len="med"/>
+                      <a:tailEnd type="none" w="med" len="med"/>
+                    </a:lnR>
+                    <a:lnT w="12700" cap="flat" cmpd="sng" algn="ctr">
+                      <a:solidFill>
+                        <a:scrgbClr r="0" g="0" b="0"/>
+                      </a:solidFill>
+                      <a:prstDash val="solid"/>
+                      <a:round/>
+                      <a:headEnd type="none" w="med" len="med"/>
+                      <a:tailEnd type="none" w="med" len="med"/>
+                    </a:lnT>
+                    <a:lnB w="12700" cap="flat" cmpd="sng" algn="ctr">
+                      <a:solidFill>
+                        <a:scrgbClr r="0" g="0" b="0"/>
+                      </a:solidFill>
+                      <a:prstDash val="solid"/>
+                      <a:round/>
+                      <a:headEnd type="none" w="med" len="med"/>
+                      <a:tailEnd type="none" w="med" len="med"/>
+                    </a:lnB>
+                  </a:tcPr>
+                </a:tc>
+                <a:extLst>
+                  <a:ext uri="{0D108BD9-81ED-4DB2-BD59-A6C34878D82A}">
+                    <a16:rowId xmlns:a16="http://schemas.microsoft.com/office/drawing/2014/main" val="10002"/>
+                  </a:ext>
+                </a:extLst>
+              </a:tr>
+              <a:tr h="375920">
+                <a:tc>
+                  <a:txBody>
+                    <a:bodyPr/>
+                    <a:lstStyle/>
+                    <a:p>
+                      <a:r>
+                        <a:rPr lang="en-US" sz="1900" dirty="0"/>
+                        <a:t>Indicate a single nucleotide</a:t>
+                      </a:r>
+                      <a:r>
+                        <a:rPr lang="en-US" sz="1900" baseline="0" dirty="0"/>
+                        <a:t> variant</a:t>
+                      </a:r>
+                      <a:endParaRPr lang="en-US" sz="1900" dirty="0"/>
+                    </a:p>
+                  </a:txBody>
+                  <a:tcPr marL="121920" marR="121920">
+                    <a:lnL w="12700" cap="flat" cmpd="sng" algn="ctr">
+                      <a:solidFill>
+                        <a:scrgbClr r="0" g="0" b="0"/>
+                      </a:solidFill>
+                      <a:prstDash val="solid"/>
+                      <a:round/>
+                      <a:headEnd type="none" w="med" len="med"/>
+                      <a:tailEnd type="none" w="med" len="med"/>
+                    </a:lnL>
+                    <a:lnR w="12700" cap="flat" cmpd="sng" algn="ctr">
+                      <a:solidFill>
+                        <a:scrgbClr r="0" g="0" b="0"/>
+                      </a:solidFill>
+                      <a:prstDash val="solid"/>
+                      <a:round/>
+                      <a:headEnd type="none" w="med" len="med"/>
+                      <a:tailEnd type="none" w="med" len="med"/>
+                    </a:lnR>
+                    <a:lnT w="12700" cap="flat" cmpd="sng" algn="ctr">
+                      <a:solidFill>
+                        <a:scrgbClr r="0" g="0" b="0"/>
+                      </a:solidFill>
+                      <a:prstDash val="solid"/>
+                      <a:round/>
+                      <a:headEnd type="none" w="med" len="med"/>
+                      <a:tailEnd type="none" w="med" len="med"/>
+                    </a:lnT>
+                    <a:lnB w="12700" cap="flat" cmpd="sng" algn="ctr">
+                      <a:solidFill>
+                        <a:scrgbClr r="0" g="0" b="0"/>
+                      </a:solidFill>
+                      <a:prstDash val="solid"/>
+                      <a:round/>
+                      <a:headEnd type="none" w="med" len="med"/>
+                      <a:tailEnd type="none" w="med" len="med"/>
+                    </a:lnB>
+                  </a:tcPr>
+                </a:tc>
+                <a:tc>
+                  <a:txBody>
+                    <a:bodyPr/>
+                    <a:lstStyle/>
+                    <a:p>
+                      <a:r>
+                        <a:rPr lang="en-US" sz="1900" dirty="0"/>
+                        <a:t>chr1:5-5   T/A</a:t>
+                      </a:r>
+                    </a:p>
+                  </a:txBody>
+                  <a:tcPr marL="121920" marR="121920">
+                    <a:lnL w="12700" cap="flat" cmpd="sng" algn="ctr">
+                      <a:solidFill>
+                        <a:scrgbClr r="0" g="0" b="0"/>
+                      </a:solidFill>
+                      <a:prstDash val="solid"/>
+                      <a:round/>
+                      <a:headEnd type="none" w="med" len="med"/>
+                      <a:tailEnd type="none" w="med" len="med"/>
+                    </a:lnL>
+                    <a:lnR w="12700" cap="flat" cmpd="sng" algn="ctr">
+                      <a:solidFill>
+                        <a:scrgbClr r="0" g="0" b="0"/>
+                      </a:solidFill>
+                      <a:prstDash val="solid"/>
+                      <a:round/>
+                      <a:headEnd type="none" w="med" len="med"/>
+                      <a:tailEnd type="none" w="med" len="med"/>
+                    </a:lnR>
+                    <a:lnT w="12700" cap="flat" cmpd="sng" algn="ctr">
+                      <a:solidFill>
+                        <a:scrgbClr r="0" g="0" b="0"/>
+                      </a:solidFill>
+                      <a:prstDash val="solid"/>
+                      <a:round/>
+                      <a:headEnd type="none" w="med" len="med"/>
+                      <a:tailEnd type="none" w="med" len="med"/>
+                    </a:lnT>
+                    <a:lnB w="12700" cap="flat" cmpd="sng" algn="ctr">
+                      <a:solidFill>
+                        <a:scrgbClr r="0" g="0" b="0"/>
+                      </a:solidFill>
+                      <a:prstDash val="solid"/>
+                      <a:round/>
+                      <a:headEnd type="none" w="med" len="med"/>
+                      <a:tailEnd type="none" w="med" len="med"/>
+                    </a:lnB>
+                  </a:tcPr>
+                </a:tc>
+                <a:tc>
+                  <a:txBody>
+                    <a:bodyPr/>
+                    <a:lstStyle/>
+                    <a:p>
+                      <a:r>
+                        <a:rPr lang="en-US" sz="1900" dirty="0"/>
+                        <a:t>chr1:4-5   T/A</a:t>
+                      </a:r>
+                    </a:p>
+                  </a:txBody>
+                  <a:tcPr marL="121920" marR="121920">
+                    <a:lnL w="12700" cap="flat" cmpd="sng" algn="ctr">
+                      <a:solidFill>
+                        <a:scrgbClr r="0" g="0" b="0"/>
+                      </a:solidFill>
+                      <a:prstDash val="solid"/>
+                      <a:round/>
+                      <a:headEnd type="none" w="med" len="med"/>
+                      <a:tailEnd type="none" w="med" len="med"/>
+                    </a:lnL>
+                    <a:lnR w="12700" cap="flat" cmpd="sng" algn="ctr">
+                      <a:solidFill>
+                        <a:scrgbClr r="0" g="0" b="0"/>
+                      </a:solidFill>
+                      <a:prstDash val="solid"/>
+                      <a:round/>
+                      <a:headEnd type="none" w="med" len="med"/>
+                      <a:tailEnd type="none" w="med" len="med"/>
+                    </a:lnR>
+                    <a:lnT w="12700" cap="flat" cmpd="sng" algn="ctr">
+                      <a:solidFill>
+                        <a:scrgbClr r="0" g="0" b="0"/>
+                      </a:solidFill>
+                      <a:prstDash val="solid"/>
+                      <a:round/>
+                      <a:headEnd type="none" w="med" len="med"/>
+                      <a:tailEnd type="none" w="med" len="med"/>
+                    </a:lnT>
+                    <a:lnB w="12700" cap="flat" cmpd="sng" algn="ctr">
+                      <a:solidFill>
+                        <a:scrgbClr r="0" g="0" b="0"/>
+                      </a:solidFill>
+                      <a:prstDash val="solid"/>
+                      <a:round/>
+                      <a:headEnd type="none" w="med" len="med"/>
+                      <a:tailEnd type="none" w="med" len="med"/>
+                    </a:lnB>
+                  </a:tcPr>
+                </a:tc>
+                <a:extLst>
+                  <a:ext uri="{0D108BD9-81ED-4DB2-BD59-A6C34878D82A}">
+                    <a16:rowId xmlns:a16="http://schemas.microsoft.com/office/drawing/2014/main" val="10003"/>
+                  </a:ext>
+                </a:extLst>
+              </a:tr>
+            </a:tbl>
+          </a:graphicData>
+        </a:graphic>
+      </p:graphicFrame>
+      <p:sp>
+        <p:nvSpPr>
+          <p:cNvPr id="6" name="Content Placeholder 2"/>
+          <p:cNvSpPr txBox="1">
+            <a:spLocks/>
+          </p:cNvSpPr>
+          <p:nvPr/>
+        </p:nvSpPr>
+        <p:spPr>
+          <a:xfrm>
+            <a:off x="609600" y="4270613"/>
+            <a:ext cx="10972800" cy="2187997"/>
+          </a:xfrm>
+          <a:prstGeom prst="rect">
+            <a:avLst/>
+          </a:prstGeom>
+        </p:spPr>
+        <p:txBody>
+          <a:bodyPr vert="horz" lIns="121920" tIns="60960" rIns="121920" bIns="60960" rtlCol="0">
+            <a:normAutofit fontScale="47500" lnSpcReduction="20000"/>
+          </a:bodyPr>
+          <a:lstStyle>
+            <a:lvl1pPr marL="342900" indent="-342900" algn="l" defTabSz="457200" rtl="0" eaLnBrk="1" latinLnBrk="0" hangingPunct="1">
+              <a:spcBef>
+                <a:spcPct val="20000"/>
+              </a:spcBef>
+              <a:buFont typeface="Arial"/>
+              <a:buChar char="•"/>
+              <a:defRPr sz="3200" kern="1200">
+                <a:solidFill>
+                  <a:schemeClr val="tx1"/>
+                </a:solidFill>
+                <a:latin typeface="+mn-lt"/>
+                <a:ea typeface="+mn-ea"/>
+                <a:cs typeface="+mn-cs"/>
+              </a:defRPr>
+            </a:lvl1pPr>
+            <a:lvl2pPr marL="742950" indent="-285750" algn="l" defTabSz="457200" rtl="0" eaLnBrk="1" latinLnBrk="0" hangingPunct="1">
+              <a:spcBef>
+                <a:spcPct val="20000"/>
+              </a:spcBef>
+              <a:buFont typeface="Arial"/>
+              <a:buChar char="–"/>
+              <a:defRPr sz="2800" kern="1200">
+                <a:solidFill>
+                  <a:schemeClr val="tx1"/>
+                </a:solidFill>
+                <a:latin typeface="+mn-lt"/>
+                <a:ea typeface="+mn-ea"/>
+                <a:cs typeface="+mn-cs"/>
+              </a:defRPr>
+            </a:lvl2pPr>
+            <a:lvl3pPr marL="1143000" indent="-228600" algn="l" defTabSz="457200" rtl="0" eaLnBrk="1" latinLnBrk="0" hangingPunct="1">
+              <a:spcBef>
+                <a:spcPct val="20000"/>
+              </a:spcBef>
+              <a:buFont typeface="Arial"/>
+              <a:buChar char="•"/>
+              <a:defRPr sz="2400" kern="1200">
+                <a:solidFill>
+                  <a:schemeClr val="tx1"/>
+                </a:solidFill>
+                <a:latin typeface="+mn-lt"/>
+                <a:ea typeface="+mn-ea"/>
+                <a:cs typeface="+mn-cs"/>
+              </a:defRPr>
+            </a:lvl3pPr>
+            <a:lvl4pPr marL="1600200" indent="-228600" algn="l" defTabSz="457200" rtl="0" eaLnBrk="1" latinLnBrk="0" hangingPunct="1">
+              <a:spcBef>
+                <a:spcPct val="20000"/>
+              </a:spcBef>
+              <a:buFont typeface="Arial"/>
+              <a:buChar char="–"/>
+              <a:defRPr sz="2000" kern="1200">
+                <a:solidFill>
+                  <a:schemeClr val="tx1"/>
+                </a:solidFill>
+                <a:latin typeface="+mn-lt"/>
+                <a:ea typeface="+mn-ea"/>
+                <a:cs typeface="+mn-cs"/>
+              </a:defRPr>
+            </a:lvl4pPr>
+            <a:lvl5pPr marL="2057400" indent="-228600" algn="l" defTabSz="457200" rtl="0" eaLnBrk="1" latinLnBrk="0" hangingPunct="1">
+              <a:spcBef>
+                <a:spcPct val="20000"/>
+              </a:spcBef>
+              <a:buFont typeface="Arial"/>
+              <a:buChar char="»"/>
+              <a:defRPr sz="2000" kern="1200">
+                <a:solidFill>
+                  <a:schemeClr val="tx1"/>
+                </a:solidFill>
+                <a:latin typeface="+mn-lt"/>
+                <a:ea typeface="+mn-ea"/>
+                <a:cs typeface="+mn-cs"/>
+              </a:defRPr>
+            </a:lvl5pPr>
+            <a:lvl6pPr marL="2514600" indent="-228600" algn="l" defTabSz="457200" rtl="0" eaLnBrk="1" latinLnBrk="0" hangingPunct="1">
+              <a:spcBef>
+                <a:spcPct val="20000"/>
+              </a:spcBef>
+              <a:buFont typeface="Arial"/>
+              <a:buChar char="•"/>
+              <a:defRPr sz="2000" kern="1200">
+                <a:solidFill>
+                  <a:schemeClr val="tx1"/>
+                </a:solidFill>
+                <a:latin typeface="+mn-lt"/>
+                <a:ea typeface="+mn-ea"/>
+                <a:cs typeface="+mn-cs"/>
+              </a:defRPr>
+            </a:lvl6pPr>
+            <a:lvl7pPr marL="2971800" indent="-228600" algn="l" defTabSz="457200" rtl="0" eaLnBrk="1" latinLnBrk="0" hangingPunct="1">
+              <a:spcBef>
+                <a:spcPct val="20000"/>
+              </a:spcBef>
+              <a:buFont typeface="Arial"/>
+              <a:buChar char="•"/>
+              <a:defRPr sz="2000" kern="1200">
+                <a:solidFill>
+                  <a:schemeClr val="tx1"/>
+                </a:solidFill>
+                <a:latin typeface="+mn-lt"/>
+                <a:ea typeface="+mn-ea"/>
+                <a:cs typeface="+mn-cs"/>
+              </a:defRPr>
+            </a:lvl7pPr>
+            <a:lvl8pPr marL="3429000" indent="-228600" algn="l" defTabSz="457200" rtl="0" eaLnBrk="1" latinLnBrk="0" hangingPunct="1">
+              <a:spcBef>
+                <a:spcPct val="20000"/>
+              </a:spcBef>
+              <a:buFont typeface="Arial"/>
+              <a:buChar char="•"/>
+              <a:defRPr sz="2000" kern="1200">
+                <a:solidFill>
+                  <a:schemeClr val="tx1"/>
+                </a:solidFill>
+                <a:latin typeface="+mn-lt"/>
+                <a:ea typeface="+mn-ea"/>
+                <a:cs typeface="+mn-cs"/>
+              </a:defRPr>
+            </a:lvl8pPr>
+            <a:lvl9pPr marL="3886200" indent="-228600" algn="l" defTabSz="457200" rtl="0" eaLnBrk="1" latinLnBrk="0" hangingPunct="1">
+              <a:spcBef>
+                <a:spcPct val="20000"/>
+              </a:spcBef>
+              <a:buFont typeface="Arial"/>
+              <a:buChar char="•"/>
+              <a:defRPr sz="2000" kern="1200">
+                <a:solidFill>
+                  <a:schemeClr val="tx1"/>
+                </a:solidFill>
+                <a:latin typeface="+mn-lt"/>
+                <a:ea typeface="+mn-ea"/>
+                <a:cs typeface="+mn-cs"/>
+              </a:defRPr>
+            </a:lvl9pPr>
+          </a:lstStyle>
+          <a:p>
+            <a:r>
+              <a:rPr lang="en-US" sz="4267" dirty="0">
+                <a:latin typeface="Calibri" panose="020F0502020204030204" pitchFamily="34" charset="0"/>
+                <a:cs typeface="Calibri" panose="020F0502020204030204" pitchFamily="34" charset="0"/>
+              </a:rPr>
+              <a:t>1-based coordinate system</a:t>
+            </a:r>
+          </a:p>
+          <a:p>
+            <a:pPr lvl="1"/>
+            <a:r>
+              <a:rPr lang="en-US" sz="3733" dirty="0">
+                <a:latin typeface="Calibri" panose="020F0502020204030204" pitchFamily="34" charset="0"/>
+                <a:cs typeface="Calibri" panose="020F0502020204030204" pitchFamily="34" charset="0"/>
+              </a:rPr>
+              <a:t>Single nucleotides, variant positions, or ranges are specified directly by their corresponding nucleotide numbers</a:t>
+            </a:r>
+          </a:p>
+          <a:p>
+            <a:pPr lvl="1"/>
+            <a:r>
+              <a:rPr lang="en-US" sz="3733" dirty="0">
+                <a:latin typeface="Calibri" panose="020F0502020204030204" pitchFamily="34" charset="0"/>
+                <a:cs typeface="Calibri" panose="020F0502020204030204" pitchFamily="34" charset="0"/>
+              </a:rPr>
+              <a:t>GFF, SAM, VCF, </a:t>
+            </a:r>
+            <a:r>
+              <a:rPr lang="en-US" sz="3733" dirty="0" err="1">
+                <a:latin typeface="Calibri" panose="020F0502020204030204" pitchFamily="34" charset="0"/>
+                <a:cs typeface="Calibri" panose="020F0502020204030204" pitchFamily="34" charset="0"/>
+              </a:rPr>
+              <a:t>Ensembl</a:t>
+            </a:r>
+            <a:r>
+              <a:rPr lang="en-US" sz="3733" dirty="0">
+                <a:latin typeface="Calibri" panose="020F0502020204030204" pitchFamily="34" charset="0"/>
+                <a:cs typeface="Calibri" panose="020F0502020204030204" pitchFamily="34" charset="0"/>
+              </a:rPr>
+              <a:t> browser, </a:t>
+            </a:r>
+            <a:r>
+              <a:rPr lang="is-IS" sz="3733" dirty="0">
+                <a:latin typeface="Calibri" panose="020F0502020204030204" pitchFamily="34" charset="0"/>
+                <a:cs typeface="Calibri" panose="020F0502020204030204" pitchFamily="34" charset="0"/>
+              </a:rPr>
+              <a:t>…</a:t>
+            </a:r>
+            <a:endParaRPr lang="en-US" sz="3733" dirty="0">
+              <a:latin typeface="Calibri" panose="020F0502020204030204" pitchFamily="34" charset="0"/>
+              <a:cs typeface="Calibri" panose="020F0502020204030204" pitchFamily="34" charset="0"/>
+            </a:endParaRPr>
+          </a:p>
+          <a:p>
+            <a:r>
+              <a:rPr lang="en-US" sz="4267" dirty="0">
+                <a:latin typeface="Calibri" panose="020F0502020204030204" pitchFamily="34" charset="0"/>
+                <a:cs typeface="Calibri" panose="020F0502020204030204" pitchFamily="34" charset="0"/>
+              </a:rPr>
+              <a:t>0-based coordinate system</a:t>
+            </a:r>
+          </a:p>
+          <a:p>
+            <a:pPr lvl="1"/>
+            <a:r>
+              <a:rPr lang="en-US" sz="3733" dirty="0">
+                <a:latin typeface="Calibri" panose="020F0502020204030204" pitchFamily="34" charset="0"/>
+                <a:cs typeface="Calibri" panose="020F0502020204030204" pitchFamily="34" charset="0"/>
+              </a:rPr>
+              <a:t>Single nucleotides, variant positions, or ranges are specified by the coordinates that flank them</a:t>
+            </a:r>
+          </a:p>
+          <a:p>
+            <a:pPr lvl="1"/>
+            <a:r>
+              <a:rPr lang="en-US" sz="3733" dirty="0">
+                <a:latin typeface="Calibri" panose="020F0502020204030204" pitchFamily="34" charset="0"/>
+                <a:cs typeface="Calibri" panose="020F0502020204030204" pitchFamily="34" charset="0"/>
+              </a:rPr>
+              <a:t>BED, BAM, UCSC browser, </a:t>
+            </a:r>
+            <a:r>
+              <a:rPr lang="is-IS" sz="3733" dirty="0">
+                <a:latin typeface="Calibri" panose="020F0502020204030204" pitchFamily="34" charset="0"/>
+                <a:cs typeface="Calibri" panose="020F0502020204030204" pitchFamily="34" charset="0"/>
+              </a:rPr>
+              <a:t>…</a:t>
+            </a:r>
+            <a:endParaRPr lang="en-US" sz="3733" dirty="0">
+              <a:latin typeface="Calibri" panose="020F0502020204030204" pitchFamily="34" charset="0"/>
+              <a:cs typeface="Calibri" panose="020F0502020204030204" pitchFamily="34" charset="0"/>
+            </a:endParaRPr>
+          </a:p>
+        </p:txBody>
+      </p:sp>
+    </p:spTree>
+    <p:extLst>
+      <p:ext uri="{BB962C8B-B14F-4D97-AF65-F5344CB8AC3E}">
+        <p14:creationId xmlns:p14="http://schemas.microsoft.com/office/powerpoint/2010/main" val="807484715"/>
+      </p:ext>
+    </p:extLst>
+  </p:cSld>
+  <p:clrMapOvr>
+    <a:masterClrMapping/>
+  </p:clrMapOvr>
+</p:sld>
+</file>
+
+<file path=ppt/slides/slide5.xml><?xml version="1.0" encoding="utf-8"?>
+<p:sld xmlns:a="http://schemas.openxmlformats.org/drawingml/2006/main" xmlns:r="http://schemas.openxmlformats.org/officeDocument/2006/relationships" xmlns:p="http://schemas.openxmlformats.org/presentationml/2006/main">
+  <p:cSld>
+    <p:spTree>
+      <p:nvGrpSpPr>
+        <p:cNvPr id="1" name=""/>
+        <p:cNvGrpSpPr/>
+        <p:nvPr/>
+      </p:nvGrpSpPr>
+      <p:grpSpPr>
+        <a:xfrm>
+          <a:off x="0" y="0"/>
+          <a:ext cx="0" cy="0"/>
+          <a:chOff x="0" y="0"/>
+          <a:chExt cx="0" cy="0"/>
+        </a:xfrm>
+      </p:grpSpPr>
+      <p:sp>
+        <p:nvSpPr>
+          <p:cNvPr id="2" name="Title 1"/>
+          <p:cNvSpPr>
+            <a:spLocks noGrp="1"/>
+          </p:cNvSpPr>
+          <p:nvPr>
+            <p:ph type="title"/>
+          </p:nvPr>
+        </p:nvSpPr>
+        <p:spPr>
+          <a:xfrm>
+            <a:off x="838200" y="39307"/>
+            <a:ext cx="11038490" cy="692153"/>
+          </a:xfrm>
+        </p:spPr>
+        <p:txBody>
+          <a:bodyPr>
+            <a:normAutofit/>
+          </a:bodyPr>
+          <a:lstStyle/>
+          <a:p>
+            <a:r>
+              <a:rPr lang="en-US" sz="3600" dirty="0">
+                <a:latin typeface="Calibri" panose="020F0502020204030204" pitchFamily="34" charset="0"/>
+                <a:cs typeface="Calibri" panose="020F0502020204030204" pitchFamily="34" charset="0"/>
+              </a:rPr>
+              <a:t>Variant shifting (alignment) and parsimony/trimming</a:t>
+            </a:r>
+          </a:p>
+        </p:txBody>
+      </p:sp>
+      <p:pic>
+        <p:nvPicPr>
+          <p:cNvPr id="5" name="Content Placeholder 4" descr="Screenshot 2018-08-04 16.17.11.png"/>
+          <p:cNvPicPr>
+            <a:picLocks noGrp="1" noChangeAspect="1"/>
+          </p:cNvPicPr>
+          <p:nvPr>
+            <p:ph idx="1"/>
+          </p:nvPr>
+        </p:nvPicPr>
+        <p:blipFill rotWithShape="1">
+          <a:blip r:embed="rId3">
+            <a:extLst>
+              <a:ext uri="{28A0092B-C50C-407E-A947-70E740481C1C}">
+                <a14:useLocalDpi xmlns:a14="http://schemas.microsoft.com/office/drawing/2010/main" val="0"/>
+              </a:ext>
+            </a:extLst>
+          </a:blip>
+          <a:srcRect l="396" t="3590" r="2507"/>
+          <a:stretch/>
+        </p:blipFill>
+        <p:spPr>
+          <a:xfrm>
+            <a:off x="609600" y="814387"/>
+            <a:ext cx="7823200" cy="5553295"/>
+          </a:xfrm>
+        </p:spPr>
+      </p:pic>
+      <p:sp>
+        <p:nvSpPr>
+          <p:cNvPr id="6" name="Rectangle 5"/>
+          <p:cNvSpPr/>
+          <p:nvPr/>
+        </p:nvSpPr>
+        <p:spPr>
+          <a:xfrm>
+            <a:off x="8432800" y="1295400"/>
+            <a:ext cx="3759200" cy="1569660"/>
+          </a:xfrm>
+          <a:prstGeom prst="rect">
+            <a:avLst/>
+          </a:prstGeom>
+        </p:spPr>
+        <p:txBody>
+          <a:bodyPr wrap="square">
+            <a:spAutoFit/>
+          </a:bodyPr>
+          <a:lstStyle/>
+          <a:p>
+            <a:r>
+              <a:rPr lang="en-US" sz="2400" dirty="0">
+                <a:latin typeface="Calibri" panose="020F0502020204030204" pitchFamily="34" charset="0"/>
+                <a:cs typeface="Calibri" panose="020F0502020204030204" pitchFamily="34" charset="0"/>
+              </a:rPr>
+              <a:t>Parsimony = representing variant in as few nucleotides as possible without reducing the length of any allele to 0</a:t>
+            </a:r>
+          </a:p>
+        </p:txBody>
+      </p:sp>
+      <p:sp>
+        <p:nvSpPr>
+          <p:cNvPr id="7" name="Rectangle 6"/>
+          <p:cNvSpPr/>
+          <p:nvPr/>
+        </p:nvSpPr>
+        <p:spPr>
+          <a:xfrm>
+            <a:off x="8432800" y="3429000"/>
+            <a:ext cx="3759200" cy="1569660"/>
+          </a:xfrm>
+          <a:prstGeom prst="rect">
+            <a:avLst/>
+          </a:prstGeom>
+        </p:spPr>
+        <p:txBody>
+          <a:bodyPr wrap="square">
+            <a:spAutoFit/>
+          </a:bodyPr>
+          <a:lstStyle/>
+          <a:p>
+            <a:r>
+              <a:rPr lang="en-US" sz="2400" dirty="0">
+                <a:latin typeface="Calibri" panose="020F0502020204030204" pitchFamily="34" charset="0"/>
+                <a:cs typeface="Calibri" panose="020F0502020204030204" pitchFamily="34" charset="0"/>
+              </a:rPr>
+              <a:t>Left (right) aligning = shifting the start position of a variant as far to the left (right) as possible</a:t>
+            </a:r>
+          </a:p>
+        </p:txBody>
+      </p:sp>
+    </p:spTree>
+    <p:extLst>
+      <p:ext uri="{BB962C8B-B14F-4D97-AF65-F5344CB8AC3E}">
+        <p14:creationId xmlns:p14="http://schemas.microsoft.com/office/powerpoint/2010/main" val="1345127751"/>
+      </p:ext>
+    </p:extLst>
+  </p:cSld>
+  <p:clrMapOvr>
+    <a:masterClrMapping/>
+  </p:clrMapOvr>
+</p:sld>
+</file>
+
+<file path=ppt/slides/slide6.xml><?xml version="1.0" encoding="utf-8"?>
+<p:sld xmlns:a="http://schemas.openxmlformats.org/drawingml/2006/main" xmlns:r="http://schemas.openxmlformats.org/officeDocument/2006/relationships" xmlns:p="http://schemas.openxmlformats.org/presentationml/2006/main">
+  <p:cSld>
+    <p:spTree>
+      <p:nvGrpSpPr>
+        <p:cNvPr id="1" name=""/>
+        <p:cNvGrpSpPr/>
+        <p:nvPr/>
+      </p:nvGrpSpPr>
+      <p:grpSpPr>
+        <a:xfrm>
+          <a:off x="0" y="0"/>
+          <a:ext cx="0" cy="0"/>
+          <a:chOff x="0" y="0"/>
+          <a:chExt cx="0" cy="0"/>
+        </a:xfrm>
+      </p:grpSpPr>
+      <p:sp>
+        <p:nvSpPr>
           <p:cNvPr id="15361" name="Title 1"/>
           <p:cNvSpPr>
             <a:spLocks noGrp="1"/>
@@ -11269,7 +17030,7 @@
 </p:sld>
 </file>
 
-<file path=ppt/slides/slide3.xml><?xml version="1.0" encoding="utf-8"?>
+<file path=ppt/slides/slide7.xml><?xml version="1.0" encoding="utf-8"?>
 <p:sld xmlns:a="http://schemas.openxmlformats.org/drawingml/2006/main" xmlns:r="http://schemas.openxmlformats.org/officeDocument/2006/relationships" xmlns:p="http://schemas.openxmlformats.org/presentationml/2006/main">
   <p:cSld>
     <p:spTree>
@@ -11395,14 +17156,14 @@
           </a:ln>
           <a:extLst>
             <a:ext uri="{909E8E84-426E-40dd-AFC4-6F175D3DCCD1}">
-              <a14:hiddenFill xmlns="" xmlns:a14="http://schemas.microsoft.com/office/drawing/2010/main">
+              <a14:hiddenFill xmlns:a14="http://schemas.microsoft.com/office/drawing/2010/main" xmlns="">
                 <a:solidFill>
                   <a:srgbClr val="FFFFFF"/>
                 </a:solidFill>
               </a14:hiddenFill>
             </a:ext>
             <a:ext uri="{91240B29-F687-4f45-9708-019B960494DF}">
-              <a14:hiddenLine xmlns="" xmlns:a14="http://schemas.microsoft.com/office/drawing/2010/main" w="9525">
+              <a14:hiddenLine xmlns:a14="http://schemas.microsoft.com/office/drawing/2010/main" xmlns="" w="9525">
                 <a:solidFill>
                   <a:srgbClr val="000000"/>
                 </a:solidFill>
@@ -11412,7 +17173,7 @@
               </a14:hiddenLine>
             </a:ext>
             <a:ext uri="{FAA26D3D-D897-4be2-8F04-BA451C77F1D7}">
-              <ma14:placeholderFlag xmlns="" xmlns:ma14="http://schemas.microsoft.com/office/mac/drawingml/2011/main" val="1"/>
+              <ma14:placeholderFlag xmlns:ma14="http://schemas.microsoft.com/office/mac/drawingml/2011/main" xmlns="" val="1"/>
             </a:ext>
           </a:extLst>
         </p:spPr>
@@ -11452,14 +17213,14 @@
           </a:ln>
           <a:extLst>
             <a:ext uri="{909E8E84-426E-40dd-AFC4-6F175D3DCCD1}">
-              <a14:hiddenFill xmlns="" xmlns:a14="http://schemas.microsoft.com/office/drawing/2010/main">
+              <a14:hiddenFill xmlns:a14="http://schemas.microsoft.com/office/drawing/2010/main" xmlns="">
                 <a:solidFill>
                   <a:srgbClr val="FFFFFF"/>
                 </a:solidFill>
               </a14:hiddenFill>
             </a:ext>
             <a:ext uri="{91240B29-F687-4f45-9708-019B960494DF}">
-              <a14:hiddenLine xmlns="" xmlns:a14="http://schemas.microsoft.com/office/drawing/2010/main" w="9525">
+              <a14:hiddenLine xmlns:a14="http://schemas.microsoft.com/office/drawing/2010/main" xmlns="" w="9525">
                 <a:solidFill>
                   <a:srgbClr val="000000"/>
                 </a:solidFill>
@@ -11469,7 +17230,7 @@
               </a14:hiddenLine>
             </a:ext>
             <a:ext uri="{FAA26D3D-D897-4be2-8F04-BA451C77F1D7}">
-              <ma14:placeholderFlag xmlns="" xmlns:ma14="http://schemas.microsoft.com/office/mac/drawingml/2011/main" val="1"/>
+              <ma14:placeholderFlag xmlns:ma14="http://schemas.microsoft.com/office/mac/drawingml/2011/main" xmlns="" val="1"/>
             </a:ext>
           </a:extLst>
         </p:spPr>
@@ -11496,14 +17257,14 @@
           </a:ln>
           <a:extLst>
             <a:ext uri="{909E8E84-426E-40dd-AFC4-6F175D3DCCD1}">
-              <a14:hiddenFill xmlns="" xmlns:a14="http://schemas.microsoft.com/office/drawing/2010/main">
+              <a14:hiddenFill xmlns:a14="http://schemas.microsoft.com/office/drawing/2010/main" xmlns="">
                 <a:solidFill>
                   <a:srgbClr val="FFFFFF"/>
                 </a:solidFill>
               </a14:hiddenFill>
             </a:ext>
             <a:ext uri="{91240B29-F687-4f45-9708-019B960494DF}">
-              <a14:hiddenLine xmlns="" xmlns:a14="http://schemas.microsoft.com/office/drawing/2010/main" w="9525">
+              <a14:hiddenLine xmlns:a14="http://schemas.microsoft.com/office/drawing/2010/main" xmlns="" w="9525">
                 <a:solidFill>
                   <a:srgbClr val="000000"/>
                 </a:solidFill>
@@ -11685,14 +17446,14 @@
           </a:ln>
           <a:extLst>
             <a:ext uri="{909E8E84-426E-40dd-AFC4-6F175D3DCCD1}">
-              <a14:hiddenFill xmlns="" xmlns:a14="http://schemas.microsoft.com/office/drawing/2010/main">
+              <a14:hiddenFill xmlns:a14="http://schemas.microsoft.com/office/drawing/2010/main" xmlns="">
                 <a:solidFill>
                   <a:srgbClr val="FFFFFF"/>
                 </a:solidFill>
               </a14:hiddenFill>
             </a:ext>
             <a:ext uri="{91240B29-F687-4f45-9708-019B960494DF}">
-              <a14:hiddenLine xmlns="" xmlns:a14="http://schemas.microsoft.com/office/drawing/2010/main" w="9525">
+              <a14:hiddenLine xmlns:a14="http://schemas.microsoft.com/office/drawing/2010/main" xmlns="" w="9525">
                 <a:solidFill>
                   <a:srgbClr val="000000"/>
                 </a:solidFill>
@@ -11874,14 +17635,14 @@
           </a:ln>
           <a:extLst>
             <a:ext uri="{909E8E84-426E-40dd-AFC4-6F175D3DCCD1}">
-              <a14:hiddenFill xmlns="" xmlns:a14="http://schemas.microsoft.com/office/drawing/2010/main">
+              <a14:hiddenFill xmlns:a14="http://schemas.microsoft.com/office/drawing/2010/main" xmlns="">
                 <a:solidFill>
                   <a:srgbClr val="FFFFFF"/>
                 </a:solidFill>
               </a14:hiddenFill>
             </a:ext>
             <a:ext uri="{91240B29-F687-4f45-9708-019B960494DF}">
-              <a14:hiddenLine xmlns="" xmlns:a14="http://schemas.microsoft.com/office/drawing/2010/main" w="9525">
+              <a14:hiddenLine xmlns:a14="http://schemas.microsoft.com/office/drawing/2010/main" xmlns="" w="9525">
                 <a:solidFill>
                   <a:srgbClr val="000000"/>
                 </a:solidFill>
@@ -12063,14 +17824,14 @@
           </a:ln>
           <a:extLst>
             <a:ext uri="{909E8E84-426E-40dd-AFC4-6F175D3DCCD1}">
-              <a14:hiddenFill xmlns="" xmlns:a14="http://schemas.microsoft.com/office/drawing/2010/main">
+              <a14:hiddenFill xmlns:a14="http://schemas.microsoft.com/office/drawing/2010/main" xmlns="">
                 <a:solidFill>
                   <a:srgbClr val="FFFFFF"/>
                 </a:solidFill>
               </a14:hiddenFill>
             </a:ext>
             <a:ext uri="{91240B29-F687-4f45-9708-019B960494DF}">
-              <a14:hiddenLine xmlns="" xmlns:a14="http://schemas.microsoft.com/office/drawing/2010/main" w="9525">
+              <a14:hiddenLine xmlns:a14="http://schemas.microsoft.com/office/drawing/2010/main" xmlns="" w="9525">
                 <a:solidFill>
                   <a:srgbClr val="000000"/>
                 </a:solidFill>
@@ -12243,7 +18004,7 @@
 </p:sld>
 </file>
 
-<file path=ppt/slides/slide4.xml><?xml version="1.0" encoding="utf-8"?>
+<file path=ppt/slides/slide8.xml><?xml version="1.0" encoding="utf-8"?>
 <p:sld xmlns:a="http://schemas.openxmlformats.org/drawingml/2006/main" xmlns:r="http://schemas.openxmlformats.org/officeDocument/2006/relationships" xmlns:p="http://schemas.openxmlformats.org/presentationml/2006/main">
   <p:cSld>
     <p:spTree>
@@ -12404,7 +18165,7 @@
 </p:sld>
 </file>
 
-<file path=ppt/slides/slide5.xml><?xml version="1.0" encoding="utf-8"?>
+<file path=ppt/slides/slide9.xml><?xml version="1.0" encoding="utf-8"?>
 <p:sld xmlns:a="http://schemas.openxmlformats.org/drawingml/2006/main" xmlns:r="http://schemas.openxmlformats.org/officeDocument/2006/relationships" xmlns:p="http://schemas.openxmlformats.org/presentationml/2006/main">
   <p:cSld>
     <p:spTree>
@@ -12503,14 +18264,14 @@
           </a:ln>
           <a:extLst>
             <a:ext uri="{909E8E84-426E-40dd-AFC4-6F175D3DCCD1}">
-              <a14:hiddenFill xmlns="" xmlns:a14="http://schemas.microsoft.com/office/drawing/2010/main">
+              <a14:hiddenFill xmlns:a14="http://schemas.microsoft.com/office/drawing/2010/main" xmlns="">
                 <a:solidFill>
                   <a:srgbClr val="FFFFFF"/>
                 </a:solidFill>
               </a14:hiddenFill>
             </a:ext>
             <a:ext uri="{91240B29-F687-4f45-9708-019B960494DF}">
-              <a14:hiddenLine xmlns="" xmlns:a14="http://schemas.microsoft.com/office/drawing/2010/main" w="9525">
+              <a14:hiddenLine xmlns:a14="http://schemas.microsoft.com/office/drawing/2010/main" xmlns="" w="9525">
                 <a:solidFill>
                   <a:srgbClr val="000000"/>
                 </a:solidFill>
@@ -12868,1208 +18629,6 @@
     <p:extLst>
       <p:ext uri="{BB962C8B-B14F-4D97-AF65-F5344CB8AC3E}">
         <p14:creationId xmlns:p14="http://schemas.microsoft.com/office/powerpoint/2010/main" val="2931279260"/>
-      </p:ext>
-    </p:extLst>
-  </p:cSld>
-  <p:clrMapOvr>
-    <a:masterClrMapping/>
-  </p:clrMapOvr>
-</p:sld>
-</file>
-
-<file path=ppt/slides/slide6.xml><?xml version="1.0" encoding="utf-8"?>
-<p:sld xmlns:a="http://schemas.openxmlformats.org/drawingml/2006/main" xmlns:r="http://schemas.openxmlformats.org/officeDocument/2006/relationships" xmlns:p="http://schemas.openxmlformats.org/presentationml/2006/main">
-  <p:cSld>
-    <p:spTree>
-      <p:nvGrpSpPr>
-        <p:cNvPr id="1" name=""/>
-        <p:cNvGrpSpPr/>
-        <p:nvPr/>
-      </p:nvGrpSpPr>
-      <p:grpSpPr>
-        <a:xfrm>
-          <a:off x="0" y="0"/>
-          <a:ext cx="0" cy="0"/>
-          <a:chOff x="0" y="0"/>
-          <a:chExt cx="0" cy="0"/>
-        </a:xfrm>
-      </p:grpSpPr>
-      <p:sp>
-        <p:nvSpPr>
-          <p:cNvPr id="19457" name="Title 1"/>
-          <p:cNvSpPr>
-            <a:spLocks noGrp="1"/>
-          </p:cNvSpPr>
-          <p:nvPr>
-            <p:ph type="title"/>
-          </p:nvPr>
-        </p:nvSpPr>
-        <p:spPr>
-          <a:xfrm>
-            <a:off x="1676400" y="-26988"/>
-            <a:ext cx="8839200" cy="1143001"/>
-          </a:xfrm>
-        </p:spPr>
-        <p:txBody>
-          <a:bodyPr>
-            <a:normAutofit fontScale="90000"/>
-          </a:bodyPr>
-          <a:lstStyle/>
-          <a:p>
-            <a:pPr algn="ctr"/>
-            <a:r>
-              <a:rPr lang="en-US" dirty="0">
-                <a:latin typeface="Calibri" charset="0"/>
-                <a:ea typeface="ＭＳ Ｐゴシック" charset="0"/>
-              </a:rPr>
-              <a:t>Should I use a splice-aware or </a:t>
-            </a:r>
-            <a:r>
-              <a:rPr lang="en-US" dirty="0" err="1">
-                <a:latin typeface="Calibri" charset="0"/>
-                <a:ea typeface="ＭＳ Ｐゴシック" charset="0"/>
-              </a:rPr>
-              <a:t>unspliced</a:t>
-            </a:r>
-            <a:r>
-              <a:rPr lang="en-US" dirty="0">
-                <a:latin typeface="Calibri" charset="0"/>
-                <a:ea typeface="ＭＳ Ｐゴシック" charset="0"/>
-              </a:rPr>
-              <a:t> mapper?</a:t>
-            </a:r>
-          </a:p>
-        </p:txBody>
-      </p:sp>
-      <p:sp>
-        <p:nvSpPr>
-          <p:cNvPr id="3" name="Content Placeholder 2"/>
-          <p:cNvSpPr>
-            <a:spLocks noGrp="1"/>
-          </p:cNvSpPr>
-          <p:nvPr>
-            <p:ph idx="1"/>
-          </p:nvPr>
-        </p:nvSpPr>
-        <p:spPr/>
-        <p:txBody>
-          <a:bodyPr>
-            <a:normAutofit/>
-          </a:bodyPr>
-          <a:lstStyle/>
-          <a:p>
-            <a:pPr>
-              <a:defRPr/>
-            </a:pPr>
-            <a:r>
-              <a:rPr lang="en-US" dirty="0"/>
-              <a:t>RNA-seq reads may span large introns</a:t>
-            </a:r>
-          </a:p>
-          <a:p>
-            <a:pPr>
-              <a:defRPr/>
-            </a:pPr>
-            <a:r>
-              <a:rPr lang="en-US" dirty="0"/>
-              <a:t>The fragments being sequenced in RNA-seq represent mRNA and therefore the introns are removed</a:t>
-            </a:r>
-          </a:p>
-          <a:p>
-            <a:pPr>
-              <a:defRPr/>
-            </a:pPr>
-            <a:r>
-              <a:rPr lang="en-US" dirty="0"/>
-              <a:t>But we are usually aligning these reads back to the reference genome</a:t>
-            </a:r>
-          </a:p>
-          <a:p>
-            <a:pPr>
-              <a:defRPr/>
-            </a:pPr>
-            <a:r>
-              <a:rPr lang="en-US" dirty="0"/>
-              <a:t>Unless your reads are short (&lt;50bp) you should use a splice-aware aligner</a:t>
-            </a:r>
-          </a:p>
-          <a:p>
-            <a:pPr lvl="1">
-              <a:defRPr/>
-            </a:pPr>
-            <a:r>
-              <a:rPr lang="en-US" dirty="0"/>
-              <a:t>HISAT2, STAR, MapSplice, etc. </a:t>
-            </a:r>
-          </a:p>
-        </p:txBody>
-      </p:sp>
-      <p:pic>
-        <p:nvPicPr>
-          <p:cNvPr id="19459" name="Picture 5" descr="Figure1"/>
-          <p:cNvPicPr>
-            <a:picLocks noChangeAspect="1" noChangeArrowheads="1"/>
-          </p:cNvPicPr>
-          <p:nvPr/>
-        </p:nvPicPr>
-        <p:blipFill>
-          <a:blip r:embed="rId2">
-            <a:extLst>
-              <a:ext uri="{28A0092B-C50C-407E-A947-70E740481C1C}">
-                <a14:useLocalDpi xmlns:a14="http://schemas.microsoft.com/office/drawing/2010/main" val="0"/>
-              </a:ext>
-            </a:extLst>
-          </a:blip>
-          <a:srcRect b="38274"/>
-          <a:stretch>
-            <a:fillRect/>
-          </a:stretch>
-        </p:blipFill>
-        <p:spPr bwMode="auto">
-          <a:xfrm>
-            <a:off x="6167439" y="1844676"/>
-            <a:ext cx="4014787" cy="3097213"/>
-          </a:xfrm>
-          <a:prstGeom prst="rect">
-            <a:avLst/>
-          </a:prstGeom>
-          <a:noFill/>
-          <a:ln>
-            <a:noFill/>
-          </a:ln>
-          <a:extLst>
-            <a:ext uri="{909E8E84-426E-40dd-AFC4-6F175D3DCCD1}">
-              <a14:hiddenFill xmlns="" xmlns:a14="http://schemas.microsoft.com/office/drawing/2010/main">
-                <a:solidFill>
-                  <a:srgbClr val="FFFFFF"/>
-                </a:solidFill>
-              </a14:hiddenFill>
-            </a:ext>
-            <a:ext uri="{91240B29-F687-4f45-9708-019B960494DF}">
-              <a14:hiddenLine xmlns="" xmlns:a14="http://schemas.microsoft.com/office/drawing/2010/main" w="9525">
-                <a:solidFill>
-                  <a:srgbClr val="000000"/>
-                </a:solidFill>
-                <a:miter lim="800000"/>
-                <a:headEnd/>
-                <a:tailEnd/>
-              </a14:hiddenLine>
-            </a:ext>
-          </a:extLst>
-        </p:spPr>
-      </p:pic>
-    </p:spTree>
-    <p:extLst>
-      <p:ext uri="{BB962C8B-B14F-4D97-AF65-F5344CB8AC3E}">
-        <p14:creationId xmlns:p14="http://schemas.microsoft.com/office/powerpoint/2010/main" val="3914650629"/>
-      </p:ext>
-    </p:extLst>
-  </p:cSld>
-  <p:clrMapOvr>
-    <a:masterClrMapping/>
-  </p:clrMapOvr>
-</p:sld>
-</file>
-
-<file path=ppt/slides/slide7.xml><?xml version="1.0" encoding="utf-8"?>
-<p:sld xmlns:a="http://schemas.openxmlformats.org/drawingml/2006/main" xmlns:r="http://schemas.openxmlformats.org/officeDocument/2006/relationships" xmlns:p="http://schemas.openxmlformats.org/presentationml/2006/main">
-  <p:cSld>
-    <p:spTree>
-      <p:nvGrpSpPr>
-        <p:cNvPr id="1" name=""/>
-        <p:cNvGrpSpPr/>
-        <p:nvPr/>
-      </p:nvGrpSpPr>
-      <p:grpSpPr>
-        <a:xfrm>
-          <a:off x="0" y="0"/>
-          <a:ext cx="0" cy="0"/>
-          <a:chOff x="0" y="0"/>
-          <a:chExt cx="0" cy="0"/>
-        </a:xfrm>
-      </p:grpSpPr>
-      <p:sp>
-        <p:nvSpPr>
-          <p:cNvPr id="20481" name="Title 1"/>
-          <p:cNvSpPr>
-            <a:spLocks noGrp="1"/>
-          </p:cNvSpPr>
-          <p:nvPr>
-            <p:ph type="title"/>
-          </p:nvPr>
-        </p:nvSpPr>
-        <p:spPr>
-          <a:xfrm>
-            <a:off x="1676400" y="-26987"/>
-            <a:ext cx="8839200" cy="935708"/>
-          </a:xfrm>
-        </p:spPr>
-        <p:txBody>
-          <a:bodyPr/>
-          <a:lstStyle/>
-          <a:p>
-            <a:pPr algn="ctr"/>
-            <a:r>
-              <a:rPr lang="en-US" b="1" dirty="0">
-                <a:latin typeface="Calibri" charset="0"/>
-                <a:ea typeface="ＭＳ Ｐゴシック" charset="0"/>
-              </a:rPr>
-              <a:t>HISAT/HISAT2</a:t>
-            </a:r>
-          </a:p>
-        </p:txBody>
-      </p:sp>
-      <p:sp>
-        <p:nvSpPr>
-          <p:cNvPr id="26626" name="Content Placeholder 2"/>
-          <p:cNvSpPr>
-            <a:spLocks noGrp="1"/>
-          </p:cNvSpPr>
-          <p:nvPr>
-            <p:ph idx="1"/>
-          </p:nvPr>
-        </p:nvSpPr>
-        <p:spPr>
-          <a:xfrm>
-            <a:off x="554636" y="1341438"/>
-            <a:ext cx="5181002" cy="4724400"/>
-          </a:xfrm>
-        </p:spPr>
-        <p:txBody>
-          <a:bodyPr>
-            <a:normAutofit fontScale="85000" lnSpcReduction="20000"/>
-          </a:bodyPr>
-          <a:lstStyle/>
-          <a:p>
-            <a:pPr>
-              <a:defRPr/>
-            </a:pPr>
-            <a:r>
-              <a:rPr lang="en-US" dirty="0">
-                <a:latin typeface="Calibri" charset="0"/>
-                <a:ea typeface="ＭＳ Ｐゴシック" charset="0"/>
-              </a:rPr>
-              <a:t>HISAT is a ‘splice-aware’ RNA-seq read aligner</a:t>
-            </a:r>
-          </a:p>
-          <a:p>
-            <a:pPr>
-              <a:defRPr/>
-            </a:pPr>
-            <a:r>
-              <a:rPr lang="en-US" dirty="0">
-                <a:latin typeface="Calibri" charset="0"/>
-                <a:ea typeface="ＭＳ Ｐゴシック" charset="0"/>
-              </a:rPr>
-              <a:t>Requires a reference genome</a:t>
-            </a:r>
-          </a:p>
-          <a:p>
-            <a:pPr>
-              <a:defRPr/>
-            </a:pPr>
-            <a:r>
-              <a:rPr lang="en-US" dirty="0">
-                <a:latin typeface="Calibri" charset="0"/>
-                <a:ea typeface="ＭＳ Ｐゴシック" charset="0"/>
-              </a:rPr>
-              <a:t>Very fast</a:t>
-            </a:r>
-          </a:p>
-          <a:p>
-            <a:pPr>
-              <a:defRPr/>
-            </a:pPr>
-            <a:r>
-              <a:rPr lang="en-US" dirty="0">
-                <a:latin typeface="Calibri" charset="0"/>
-                <a:ea typeface="ＭＳ Ｐゴシック" charset="0"/>
-              </a:rPr>
-              <a:t>Uses an indexing scheme based on the Burrows-Wheeler transform and the </a:t>
-            </a:r>
-            <a:r>
-              <a:rPr lang="en-US" dirty="0" err="1">
-                <a:latin typeface="Calibri" charset="0"/>
-                <a:ea typeface="ＭＳ Ｐゴシック" charset="0"/>
-              </a:rPr>
-              <a:t>Ferragina-Manzini</a:t>
-            </a:r>
-            <a:r>
-              <a:rPr lang="en-US" dirty="0">
-                <a:latin typeface="Calibri" charset="0"/>
-                <a:ea typeface="ＭＳ Ｐゴシック" charset="0"/>
-              </a:rPr>
-              <a:t> (FM) index</a:t>
-            </a:r>
-          </a:p>
-          <a:p>
-            <a:pPr>
-              <a:defRPr/>
-            </a:pPr>
-            <a:r>
-              <a:rPr lang="en-US" dirty="0">
-                <a:latin typeface="Calibri" charset="0"/>
-                <a:ea typeface="ＭＳ Ｐゴシック" charset="0"/>
-              </a:rPr>
-              <a:t>Multiple types of indexes for alignment</a:t>
-            </a:r>
-          </a:p>
-          <a:p>
-            <a:pPr lvl="1">
-              <a:defRPr/>
-            </a:pPr>
-            <a:r>
-              <a:rPr lang="en-US" dirty="0">
-                <a:latin typeface="Calibri" charset="0"/>
-                <a:ea typeface="ＭＳ Ｐゴシック" charset="0"/>
-              </a:rPr>
-              <a:t>a whole-genome FM index to anchor each alignment </a:t>
-            </a:r>
-          </a:p>
-          <a:p>
-            <a:pPr lvl="1">
-              <a:defRPr/>
-            </a:pPr>
-            <a:r>
-              <a:rPr lang="en-US" dirty="0">
-                <a:latin typeface="Calibri" charset="0"/>
-                <a:ea typeface="ＭＳ Ｐゴシック" charset="0"/>
-              </a:rPr>
-              <a:t>numerous local FM indexes for very rapid extensions of these alignments. </a:t>
-            </a:r>
-          </a:p>
-          <a:p>
-            <a:pPr lvl="1">
-              <a:defRPr/>
-            </a:pPr>
-            <a:r>
-              <a:rPr lang="en-US" dirty="0">
-                <a:latin typeface="Calibri" charset="0"/>
-                <a:ea typeface="ＭＳ Ｐゴシック" charset="0"/>
-              </a:rPr>
-              <a:t>Whole-genome indices with SNPs and known transcript structures accounted for</a:t>
-            </a:r>
-          </a:p>
-        </p:txBody>
-      </p:sp>
-      <p:sp>
-        <p:nvSpPr>
-          <p:cNvPr id="20484" name="TextBox 4"/>
-          <p:cNvSpPr txBox="1">
-            <a:spLocks noChangeArrowheads="1"/>
-          </p:cNvSpPr>
-          <p:nvPr/>
-        </p:nvSpPr>
-        <p:spPr bwMode="auto">
-          <a:xfrm>
-            <a:off x="1703512" y="5970766"/>
-            <a:ext cx="4176464" cy="338554"/>
-          </a:xfrm>
-          <a:prstGeom prst="rect">
-            <a:avLst/>
-          </a:prstGeom>
-          <a:noFill/>
-          <a:ln>
-            <a:noFill/>
-          </a:ln>
-          <a:extLst>
-            <a:ext uri="{909E8E84-426E-40dd-AFC4-6F175D3DCCD1}">
-              <a14:hiddenFill xmlns="" xmlns:a14="http://schemas.microsoft.com/office/drawing/2010/main">
-                <a:solidFill>
-                  <a:srgbClr val="FFFFFF"/>
-                </a:solidFill>
-              </a14:hiddenFill>
-            </a:ext>
-            <a:ext uri="{91240B29-F687-4f45-9708-019B960494DF}">
-              <a14:hiddenLine xmlns="" xmlns:a14="http://schemas.microsoft.com/office/drawing/2010/main" w="9525">
-                <a:solidFill>
-                  <a:srgbClr val="000000"/>
-                </a:solidFill>
-                <a:miter lim="800000"/>
-                <a:headEnd/>
-                <a:tailEnd/>
-              </a14:hiddenLine>
-            </a:ext>
-          </a:extLst>
-        </p:spPr>
-        <p:txBody>
-          <a:bodyPr wrap="square">
-            <a:spAutoFit/>
-          </a:bodyPr>
-          <a:lstStyle>
-            <a:lvl1pPr eaLnBrk="0" hangingPunct="0">
-              <a:defRPr sz="2400">
-                <a:solidFill>
-                  <a:schemeClr val="tx1"/>
-                </a:solidFill>
-                <a:latin typeface="Arial" charset="0"/>
-                <a:ea typeface="ＭＳ Ｐゴシック" charset="0"/>
-                <a:cs typeface="ＭＳ Ｐゴシック" charset="0"/>
-              </a:defRPr>
-            </a:lvl1pPr>
-            <a:lvl2pPr marL="742950" indent="-285750" eaLnBrk="0" hangingPunct="0">
-              <a:defRPr sz="2400">
-                <a:solidFill>
-                  <a:schemeClr val="tx1"/>
-                </a:solidFill>
-                <a:latin typeface="Arial" charset="0"/>
-                <a:ea typeface="ＭＳ Ｐゴシック" charset="0"/>
-              </a:defRPr>
-            </a:lvl2pPr>
-            <a:lvl3pPr marL="1143000" indent="-228600" eaLnBrk="0" hangingPunct="0">
-              <a:defRPr sz="2400">
-                <a:solidFill>
-                  <a:schemeClr val="tx1"/>
-                </a:solidFill>
-                <a:latin typeface="Arial" charset="0"/>
-                <a:ea typeface="ＭＳ Ｐゴシック" charset="0"/>
-              </a:defRPr>
-            </a:lvl3pPr>
-            <a:lvl4pPr marL="1600200" indent="-228600" eaLnBrk="0" hangingPunct="0">
-              <a:defRPr sz="2400">
-                <a:solidFill>
-                  <a:schemeClr val="tx1"/>
-                </a:solidFill>
-                <a:latin typeface="Arial" charset="0"/>
-                <a:ea typeface="ＭＳ Ｐゴシック" charset="0"/>
-              </a:defRPr>
-            </a:lvl4pPr>
-            <a:lvl5pPr marL="2057400" indent="-228600" eaLnBrk="0" hangingPunct="0">
-              <a:defRPr sz="2400">
-                <a:solidFill>
-                  <a:schemeClr val="tx1"/>
-                </a:solidFill>
-                <a:latin typeface="Arial" charset="0"/>
-                <a:ea typeface="ＭＳ Ｐゴシック" charset="0"/>
-              </a:defRPr>
-            </a:lvl5pPr>
-            <a:lvl6pPr marL="2514600" indent="-228600" eaLnBrk="0" fontAlgn="base" hangingPunct="0">
-              <a:spcBef>
-                <a:spcPct val="0"/>
-              </a:spcBef>
-              <a:spcAft>
-                <a:spcPct val="0"/>
-              </a:spcAft>
-              <a:defRPr sz="2400">
-                <a:solidFill>
-                  <a:schemeClr val="tx1"/>
-                </a:solidFill>
-                <a:latin typeface="Arial" charset="0"/>
-                <a:ea typeface="ＭＳ Ｐゴシック" charset="0"/>
-              </a:defRPr>
-            </a:lvl6pPr>
-            <a:lvl7pPr marL="2971800" indent="-228600" eaLnBrk="0" fontAlgn="base" hangingPunct="0">
-              <a:spcBef>
-                <a:spcPct val="0"/>
-              </a:spcBef>
-              <a:spcAft>
-                <a:spcPct val="0"/>
-              </a:spcAft>
-              <a:defRPr sz="2400">
-                <a:solidFill>
-                  <a:schemeClr val="tx1"/>
-                </a:solidFill>
-                <a:latin typeface="Arial" charset="0"/>
-                <a:ea typeface="ＭＳ Ｐゴシック" charset="0"/>
-              </a:defRPr>
-            </a:lvl7pPr>
-            <a:lvl8pPr marL="3429000" indent="-228600" eaLnBrk="0" fontAlgn="base" hangingPunct="0">
-              <a:spcBef>
-                <a:spcPct val="0"/>
-              </a:spcBef>
-              <a:spcAft>
-                <a:spcPct val="0"/>
-              </a:spcAft>
-              <a:defRPr sz="2400">
-                <a:solidFill>
-                  <a:schemeClr val="tx1"/>
-                </a:solidFill>
-                <a:latin typeface="Arial" charset="0"/>
-                <a:ea typeface="ＭＳ Ｐゴシック" charset="0"/>
-              </a:defRPr>
-            </a:lvl8pPr>
-            <a:lvl9pPr marL="3886200" indent="-228600" eaLnBrk="0" fontAlgn="base" hangingPunct="0">
-              <a:spcBef>
-                <a:spcPct val="0"/>
-              </a:spcBef>
-              <a:spcAft>
-                <a:spcPct val="0"/>
-              </a:spcAft>
-              <a:defRPr sz="2400">
-                <a:solidFill>
-                  <a:schemeClr val="tx1"/>
-                </a:solidFill>
-                <a:latin typeface="Arial" charset="0"/>
-                <a:ea typeface="ＭＳ Ｐゴシック" charset="0"/>
-              </a:defRPr>
-            </a:lvl9pPr>
-          </a:lstStyle>
-          <a:p>
-            <a:pPr marL="0" marR="0" lvl="0" indent="0" algn="l" defTabSz="914400" rtl="0" eaLnBrk="1" fontAlgn="auto" latinLnBrk="0" hangingPunct="1">
-              <a:lnSpc>
-                <a:spcPct val="100000"/>
-              </a:lnSpc>
-              <a:spcBef>
-                <a:spcPts val="0"/>
-              </a:spcBef>
-              <a:spcAft>
-                <a:spcPts val="0"/>
-              </a:spcAft>
-              <a:buClrTx/>
-              <a:buSzTx/>
-              <a:buFontTx/>
-              <a:buNone/>
-              <a:tabLst/>
-              <a:defRPr/>
-            </a:pPr>
-            <a:r>
-              <a:rPr kumimoji="0" lang="en-US" sz="1600" b="0" i="0" u="none" strike="noStrike" kern="1200" cap="none" spc="0" normalizeH="0" baseline="0" noProof="0" dirty="0">
-                <a:ln>
-                  <a:noFill/>
-                </a:ln>
-                <a:solidFill>
-                  <a:prstClr val="black"/>
-                </a:solidFill>
-                <a:effectLst/>
-                <a:uLnTx/>
-                <a:uFillTx/>
-                <a:latin typeface="Arial" charset="0"/>
-                <a:ea typeface="ＭＳ Ｐゴシック" charset="0"/>
-              </a:rPr>
-              <a:t>Kim et al. 2015. Nat Methods 12:357–360 </a:t>
-            </a:r>
-          </a:p>
-        </p:txBody>
-      </p:sp>
-      <p:pic>
-        <p:nvPicPr>
-          <p:cNvPr id="2" name="Picture 1"/>
-          <p:cNvPicPr>
-            <a:picLocks noChangeAspect="1"/>
-          </p:cNvPicPr>
-          <p:nvPr/>
-        </p:nvPicPr>
-        <p:blipFill>
-          <a:blip r:embed="rId3"/>
-          <a:stretch>
-            <a:fillRect/>
-          </a:stretch>
-        </p:blipFill>
-        <p:spPr>
-          <a:xfrm>
-            <a:off x="6096000" y="980728"/>
-            <a:ext cx="4257158" cy="5157192"/>
-          </a:xfrm>
-          <a:prstGeom prst="rect">
-            <a:avLst/>
-          </a:prstGeom>
-        </p:spPr>
-      </p:pic>
-    </p:spTree>
-    <p:extLst>
-      <p:ext uri="{BB962C8B-B14F-4D97-AF65-F5344CB8AC3E}">
-        <p14:creationId xmlns:p14="http://schemas.microsoft.com/office/powerpoint/2010/main" val="667370520"/>
-      </p:ext>
-    </p:extLst>
-  </p:cSld>
-  <p:clrMapOvr>
-    <a:masterClrMapping/>
-  </p:clrMapOvr>
-</p:sld>
-</file>
-
-<file path=ppt/slides/slide8.xml><?xml version="1.0" encoding="utf-8"?>
-<p:sld xmlns:a="http://schemas.openxmlformats.org/drawingml/2006/main" xmlns:r="http://schemas.openxmlformats.org/officeDocument/2006/relationships" xmlns:p="http://schemas.openxmlformats.org/presentationml/2006/main">
-  <p:cSld>
-    <p:spTree>
-      <p:nvGrpSpPr>
-        <p:cNvPr id="1" name=""/>
-        <p:cNvGrpSpPr/>
-        <p:nvPr/>
-      </p:nvGrpSpPr>
-      <p:grpSpPr>
-        <a:xfrm>
-          <a:off x="0" y="0"/>
-          <a:ext cx="0" cy="0"/>
-          <a:chOff x="0" y="0"/>
-          <a:chExt cx="0" cy="0"/>
-        </a:xfrm>
-      </p:grpSpPr>
-      <p:sp>
-        <p:nvSpPr>
-          <p:cNvPr id="20481" name="Title 1"/>
-          <p:cNvSpPr>
-            <a:spLocks noGrp="1"/>
-          </p:cNvSpPr>
-          <p:nvPr>
-            <p:ph type="title"/>
-          </p:nvPr>
-        </p:nvSpPr>
-        <p:spPr>
-          <a:xfrm>
-            <a:off x="1676400" y="-26987"/>
-            <a:ext cx="8839200" cy="935708"/>
-          </a:xfrm>
-        </p:spPr>
-        <p:txBody>
-          <a:bodyPr/>
-          <a:lstStyle/>
-          <a:p>
-            <a:pPr algn="ctr"/>
-            <a:r>
-              <a:rPr lang="en-US" b="1" dirty="0">
-                <a:latin typeface="Calibri" charset="0"/>
-                <a:ea typeface="ＭＳ Ｐゴシック" charset="0"/>
-              </a:rPr>
-              <a:t>HISAT/HISAT2</a:t>
-            </a:r>
-          </a:p>
-        </p:txBody>
-      </p:sp>
-      <p:sp>
-        <p:nvSpPr>
-          <p:cNvPr id="26626" name="Content Placeholder 2"/>
-          <p:cNvSpPr>
-            <a:spLocks noGrp="1"/>
-          </p:cNvSpPr>
-          <p:nvPr>
-            <p:ph idx="1"/>
-          </p:nvPr>
-        </p:nvSpPr>
-        <p:spPr>
-          <a:xfrm>
-            <a:off x="524656" y="1341438"/>
-            <a:ext cx="5210982" cy="4724400"/>
-          </a:xfrm>
-        </p:spPr>
-        <p:txBody>
-          <a:bodyPr>
-            <a:normAutofit fontScale="70000" lnSpcReduction="20000"/>
-          </a:bodyPr>
-          <a:lstStyle/>
-          <a:p>
-            <a:pPr>
-              <a:defRPr/>
-            </a:pPr>
-            <a:r>
-              <a:rPr lang="en-US" dirty="0">
-                <a:latin typeface="Calibri" charset="0"/>
-                <a:ea typeface="ＭＳ Ｐゴシック" charset="0"/>
-              </a:rPr>
-              <a:t>Uses hierarchical indexing algorithm and several adaptive strategies, based on the position of a read with respect to splice sites</a:t>
-            </a:r>
-          </a:p>
-          <a:p>
-            <a:pPr>
-              <a:defRPr/>
-            </a:pPr>
-            <a:r>
-              <a:rPr lang="en-US" dirty="0">
-                <a:latin typeface="Calibri" charset="0"/>
-                <a:ea typeface="ＭＳ Ｐゴシック" charset="0"/>
-              </a:rPr>
-              <a:t>First tries to find candidate locations across the target genome from which the read may have originated by mapping part of each read using the global FM index, which in most cases identifies one or a small number of candidates. </a:t>
-            </a:r>
-          </a:p>
-          <a:p>
-            <a:pPr>
-              <a:defRPr/>
-            </a:pPr>
-            <a:r>
-              <a:rPr lang="en-US" dirty="0">
-                <a:latin typeface="Calibri" charset="0"/>
-                <a:ea typeface="ＭＳ Ｐゴシック" charset="0"/>
-              </a:rPr>
-              <a:t>Then selects one of ~48,000 local indexes for each candidate and uses it to align the remainder of the read.</a:t>
-            </a:r>
-          </a:p>
-          <a:p>
-            <a:pPr>
-              <a:defRPr/>
-            </a:pPr>
-            <a:r>
-              <a:rPr lang="en-US" dirty="0">
-                <a:latin typeface="Calibri" charset="0"/>
-                <a:ea typeface="ＭＳ Ｐゴシック" charset="0"/>
-              </a:rPr>
-              <a:t>For paired reads, each mate is separately aligned and the alignments of both mates are combined. </a:t>
-            </a:r>
-          </a:p>
-          <a:p>
-            <a:pPr lvl="1">
-              <a:defRPr/>
-            </a:pPr>
-            <a:r>
-              <a:rPr lang="en-US" dirty="0">
-                <a:latin typeface="Calibri" charset="0"/>
-                <a:ea typeface="ＭＳ Ｐゴシック" charset="0"/>
-              </a:rPr>
-              <a:t>If a read fails to align, then the alignments of its mate are used as anchors to map the unaligned mate</a:t>
-            </a:r>
-          </a:p>
-        </p:txBody>
-      </p:sp>
-      <p:sp>
-        <p:nvSpPr>
-          <p:cNvPr id="20484" name="TextBox 4"/>
-          <p:cNvSpPr txBox="1">
-            <a:spLocks noChangeArrowheads="1"/>
-          </p:cNvSpPr>
-          <p:nvPr/>
-        </p:nvSpPr>
-        <p:spPr bwMode="auto">
-          <a:xfrm>
-            <a:off x="1703512" y="5970766"/>
-            <a:ext cx="4176464" cy="338554"/>
-          </a:xfrm>
-          <a:prstGeom prst="rect">
-            <a:avLst/>
-          </a:prstGeom>
-          <a:noFill/>
-          <a:ln>
-            <a:noFill/>
-          </a:ln>
-          <a:extLst>
-            <a:ext uri="{909E8E84-426E-40dd-AFC4-6F175D3DCCD1}">
-              <a14:hiddenFill xmlns="" xmlns:a14="http://schemas.microsoft.com/office/drawing/2010/main">
-                <a:solidFill>
-                  <a:srgbClr val="FFFFFF"/>
-                </a:solidFill>
-              </a14:hiddenFill>
-            </a:ext>
-            <a:ext uri="{91240B29-F687-4f45-9708-019B960494DF}">
-              <a14:hiddenLine xmlns="" xmlns:a14="http://schemas.microsoft.com/office/drawing/2010/main" w="9525">
-                <a:solidFill>
-                  <a:srgbClr val="000000"/>
-                </a:solidFill>
-                <a:miter lim="800000"/>
-                <a:headEnd/>
-                <a:tailEnd/>
-              </a14:hiddenLine>
-            </a:ext>
-          </a:extLst>
-        </p:spPr>
-        <p:txBody>
-          <a:bodyPr wrap="square">
-            <a:spAutoFit/>
-          </a:bodyPr>
-          <a:lstStyle>
-            <a:lvl1pPr eaLnBrk="0" hangingPunct="0">
-              <a:defRPr sz="2400">
-                <a:solidFill>
-                  <a:schemeClr val="tx1"/>
-                </a:solidFill>
-                <a:latin typeface="Arial" charset="0"/>
-                <a:ea typeface="ＭＳ Ｐゴシック" charset="0"/>
-                <a:cs typeface="ＭＳ Ｐゴシック" charset="0"/>
-              </a:defRPr>
-            </a:lvl1pPr>
-            <a:lvl2pPr marL="742950" indent="-285750" eaLnBrk="0" hangingPunct="0">
-              <a:defRPr sz="2400">
-                <a:solidFill>
-                  <a:schemeClr val="tx1"/>
-                </a:solidFill>
-                <a:latin typeface="Arial" charset="0"/>
-                <a:ea typeface="ＭＳ Ｐゴシック" charset="0"/>
-              </a:defRPr>
-            </a:lvl2pPr>
-            <a:lvl3pPr marL="1143000" indent="-228600" eaLnBrk="0" hangingPunct="0">
-              <a:defRPr sz="2400">
-                <a:solidFill>
-                  <a:schemeClr val="tx1"/>
-                </a:solidFill>
-                <a:latin typeface="Arial" charset="0"/>
-                <a:ea typeface="ＭＳ Ｐゴシック" charset="0"/>
-              </a:defRPr>
-            </a:lvl3pPr>
-            <a:lvl4pPr marL="1600200" indent="-228600" eaLnBrk="0" hangingPunct="0">
-              <a:defRPr sz="2400">
-                <a:solidFill>
-                  <a:schemeClr val="tx1"/>
-                </a:solidFill>
-                <a:latin typeface="Arial" charset="0"/>
-                <a:ea typeface="ＭＳ Ｐゴシック" charset="0"/>
-              </a:defRPr>
-            </a:lvl4pPr>
-            <a:lvl5pPr marL="2057400" indent="-228600" eaLnBrk="0" hangingPunct="0">
-              <a:defRPr sz="2400">
-                <a:solidFill>
-                  <a:schemeClr val="tx1"/>
-                </a:solidFill>
-                <a:latin typeface="Arial" charset="0"/>
-                <a:ea typeface="ＭＳ Ｐゴシック" charset="0"/>
-              </a:defRPr>
-            </a:lvl5pPr>
-            <a:lvl6pPr marL="2514600" indent="-228600" eaLnBrk="0" fontAlgn="base" hangingPunct="0">
-              <a:spcBef>
-                <a:spcPct val="0"/>
-              </a:spcBef>
-              <a:spcAft>
-                <a:spcPct val="0"/>
-              </a:spcAft>
-              <a:defRPr sz="2400">
-                <a:solidFill>
-                  <a:schemeClr val="tx1"/>
-                </a:solidFill>
-                <a:latin typeface="Arial" charset="0"/>
-                <a:ea typeface="ＭＳ Ｐゴシック" charset="0"/>
-              </a:defRPr>
-            </a:lvl6pPr>
-            <a:lvl7pPr marL="2971800" indent="-228600" eaLnBrk="0" fontAlgn="base" hangingPunct="0">
-              <a:spcBef>
-                <a:spcPct val="0"/>
-              </a:spcBef>
-              <a:spcAft>
-                <a:spcPct val="0"/>
-              </a:spcAft>
-              <a:defRPr sz="2400">
-                <a:solidFill>
-                  <a:schemeClr val="tx1"/>
-                </a:solidFill>
-                <a:latin typeface="Arial" charset="0"/>
-                <a:ea typeface="ＭＳ Ｐゴシック" charset="0"/>
-              </a:defRPr>
-            </a:lvl7pPr>
-            <a:lvl8pPr marL="3429000" indent="-228600" eaLnBrk="0" fontAlgn="base" hangingPunct="0">
-              <a:spcBef>
-                <a:spcPct val="0"/>
-              </a:spcBef>
-              <a:spcAft>
-                <a:spcPct val="0"/>
-              </a:spcAft>
-              <a:defRPr sz="2400">
-                <a:solidFill>
-                  <a:schemeClr val="tx1"/>
-                </a:solidFill>
-                <a:latin typeface="Arial" charset="0"/>
-                <a:ea typeface="ＭＳ Ｐゴシック" charset="0"/>
-              </a:defRPr>
-            </a:lvl8pPr>
-            <a:lvl9pPr marL="3886200" indent="-228600" eaLnBrk="0" fontAlgn="base" hangingPunct="0">
-              <a:spcBef>
-                <a:spcPct val="0"/>
-              </a:spcBef>
-              <a:spcAft>
-                <a:spcPct val="0"/>
-              </a:spcAft>
-              <a:defRPr sz="2400">
-                <a:solidFill>
-                  <a:schemeClr val="tx1"/>
-                </a:solidFill>
-                <a:latin typeface="Arial" charset="0"/>
-                <a:ea typeface="ＭＳ Ｐゴシック" charset="0"/>
-              </a:defRPr>
-            </a:lvl9pPr>
-          </a:lstStyle>
-          <a:p>
-            <a:pPr marL="0" marR="0" lvl="0" indent="0" algn="l" defTabSz="914400" rtl="0" eaLnBrk="1" fontAlgn="auto" latinLnBrk="0" hangingPunct="1">
-              <a:lnSpc>
-                <a:spcPct val="100000"/>
-              </a:lnSpc>
-              <a:spcBef>
-                <a:spcPts val="0"/>
-              </a:spcBef>
-              <a:spcAft>
-                <a:spcPts val="0"/>
-              </a:spcAft>
-              <a:buClrTx/>
-              <a:buSzTx/>
-              <a:buFontTx/>
-              <a:buNone/>
-              <a:tabLst/>
-              <a:defRPr/>
-            </a:pPr>
-            <a:r>
-              <a:rPr kumimoji="0" lang="en-US" sz="1600" b="0" i="0" u="none" strike="noStrike" kern="1200" cap="none" spc="0" normalizeH="0" baseline="0" noProof="0" dirty="0">
-                <a:ln>
-                  <a:noFill/>
-                </a:ln>
-                <a:solidFill>
-                  <a:prstClr val="black"/>
-                </a:solidFill>
-                <a:effectLst/>
-                <a:uLnTx/>
-                <a:uFillTx/>
-                <a:latin typeface="Arial" charset="0"/>
-                <a:ea typeface="ＭＳ Ｐゴシック" charset="0"/>
-              </a:rPr>
-              <a:t>Kim et al. 2015. Nat Methods 12:357–360 </a:t>
-            </a:r>
-          </a:p>
-        </p:txBody>
-      </p:sp>
-      <p:pic>
-        <p:nvPicPr>
-          <p:cNvPr id="2" name="Picture 1"/>
-          <p:cNvPicPr>
-            <a:picLocks noChangeAspect="1"/>
-          </p:cNvPicPr>
-          <p:nvPr/>
-        </p:nvPicPr>
-        <p:blipFill>
-          <a:blip r:embed="rId3"/>
-          <a:stretch>
-            <a:fillRect/>
-          </a:stretch>
-        </p:blipFill>
-        <p:spPr>
-          <a:xfrm>
-            <a:off x="6096000" y="980728"/>
-            <a:ext cx="4257158" cy="5157192"/>
-          </a:xfrm>
-          <a:prstGeom prst="rect">
-            <a:avLst/>
-          </a:prstGeom>
-        </p:spPr>
-      </p:pic>
-    </p:spTree>
-    <p:extLst>
-      <p:ext uri="{BB962C8B-B14F-4D97-AF65-F5344CB8AC3E}">
-        <p14:creationId xmlns:p14="http://schemas.microsoft.com/office/powerpoint/2010/main" val="4031888032"/>
-      </p:ext>
-    </p:extLst>
-  </p:cSld>
-  <p:clrMapOvr>
-    <a:masterClrMapping/>
-  </p:clrMapOvr>
-</p:sld>
-</file>
-
-<file path=ppt/slides/slide9.xml><?xml version="1.0" encoding="utf-8"?>
-<p:sld xmlns:a="http://schemas.openxmlformats.org/drawingml/2006/main" xmlns:r="http://schemas.openxmlformats.org/officeDocument/2006/relationships" xmlns:p="http://schemas.openxmlformats.org/presentationml/2006/main">
-  <p:cSld>
-    <p:spTree>
-      <p:nvGrpSpPr>
-        <p:cNvPr id="1" name=""/>
-        <p:cNvGrpSpPr/>
-        <p:nvPr/>
-      </p:nvGrpSpPr>
-      <p:grpSpPr>
-        <a:xfrm>
-          <a:off x="0" y="0"/>
-          <a:ext cx="0" cy="0"/>
-          <a:chOff x="0" y="0"/>
-          <a:chExt cx="0" cy="0"/>
-        </a:xfrm>
-      </p:grpSpPr>
-      <p:pic>
-        <p:nvPicPr>
-          <p:cNvPr id="4" name="Picture 3"/>
-          <p:cNvPicPr>
-            <a:picLocks noChangeAspect="1"/>
-          </p:cNvPicPr>
-          <p:nvPr/>
-        </p:nvPicPr>
-        <p:blipFill>
-          <a:blip r:embed="rId3"/>
-          <a:stretch>
-            <a:fillRect/>
-          </a:stretch>
-        </p:blipFill>
-        <p:spPr>
-          <a:xfrm>
-            <a:off x="2423593" y="1063848"/>
-            <a:ext cx="4270591" cy="5173464"/>
-          </a:xfrm>
-          <a:prstGeom prst="rect">
-            <a:avLst/>
-          </a:prstGeom>
-        </p:spPr>
-      </p:pic>
-      <p:sp>
-        <p:nvSpPr>
-          <p:cNvPr id="5" name="Title 1"/>
-          <p:cNvSpPr>
-            <a:spLocks noGrp="1"/>
-          </p:cNvSpPr>
-          <p:nvPr>
-            <p:ph type="title"/>
-          </p:nvPr>
-        </p:nvSpPr>
-        <p:spPr>
-          <a:xfrm>
-            <a:off x="1676400" y="-26987"/>
-            <a:ext cx="8839200" cy="935708"/>
-          </a:xfrm>
-        </p:spPr>
-        <p:txBody>
-          <a:bodyPr/>
-          <a:lstStyle/>
-          <a:p>
-            <a:pPr algn="ctr"/>
-            <a:r>
-              <a:rPr lang="en-US" b="1" dirty="0">
-                <a:latin typeface="Calibri" charset="0"/>
-                <a:ea typeface="ＭＳ Ｐゴシック" charset="0"/>
-              </a:rPr>
-              <a:t>HISAT/HISAT2</a:t>
-            </a:r>
-          </a:p>
-        </p:txBody>
-      </p:sp>
-      <p:cxnSp>
-        <p:nvCxnSpPr>
-          <p:cNvPr id="7" name="Straight Arrow Connector 6"/>
-          <p:cNvCxnSpPr/>
-          <p:nvPr/>
-        </p:nvCxnSpPr>
-        <p:spPr>
-          <a:xfrm>
-            <a:off x="1710062" y="2813654"/>
-            <a:ext cx="648072" cy="0"/>
-          </a:xfrm>
-          <a:prstGeom prst="straightConnector1">
-            <a:avLst/>
-          </a:prstGeom>
-          <a:ln w="38100" cmpd="sng">
-            <a:tailEnd type="arrow"/>
-          </a:ln>
-        </p:spPr>
-        <p:style>
-          <a:lnRef idx="2">
-            <a:schemeClr val="accent1"/>
-          </a:lnRef>
-          <a:fillRef idx="0">
-            <a:schemeClr val="accent1"/>
-          </a:fillRef>
-          <a:effectRef idx="1">
-            <a:schemeClr val="accent1"/>
-          </a:effectRef>
-          <a:fontRef idx="minor">
-            <a:schemeClr val="tx1"/>
-          </a:fontRef>
-        </p:style>
-      </p:cxnSp>
-      <p:sp>
-        <p:nvSpPr>
-          <p:cNvPr id="8" name="TextBox 7"/>
-          <p:cNvSpPr txBox="1"/>
-          <p:nvPr/>
-        </p:nvSpPr>
-        <p:spPr>
-          <a:xfrm>
-            <a:off x="6672064" y="2564905"/>
-            <a:ext cx="5245101" cy="1477328"/>
-          </a:xfrm>
-          <a:prstGeom prst="rect">
-            <a:avLst/>
-          </a:prstGeom>
-          <a:noFill/>
-        </p:spPr>
-        <p:txBody>
-          <a:bodyPr wrap="square" rtlCol="0">
-            <a:spAutoFit/>
-          </a:bodyPr>
-          <a:lstStyle/>
-          <a:p>
-            <a:pPr marL="342900" marR="0" lvl="0" indent="-342900" algn="l" defTabSz="914400" rtl="0" eaLnBrk="1" fontAlgn="auto" latinLnBrk="0" hangingPunct="1">
-              <a:lnSpc>
-                <a:spcPct val="100000"/>
-              </a:lnSpc>
-              <a:spcBef>
-                <a:spcPts val="0"/>
-              </a:spcBef>
-              <a:spcAft>
-                <a:spcPts val="0"/>
-              </a:spcAft>
-              <a:buClrTx/>
-              <a:buSzTx/>
-              <a:buFont typeface="Arial"/>
-              <a:buChar char="•"/>
-              <a:tabLst/>
-              <a:defRPr/>
-            </a:pPr>
-            <a:r>
-              <a:rPr kumimoji="0" lang="en-US" sz="1800" b="0" i="0" u="none" strike="noStrike" kern="1200" cap="none" spc="0" normalizeH="0" baseline="0" noProof="0" dirty="0">
-                <a:ln>
-                  <a:noFill/>
-                </a:ln>
-                <a:solidFill>
-                  <a:prstClr val="black"/>
-                </a:solidFill>
-                <a:effectLst/>
-                <a:uLnTx/>
-                <a:uFillTx/>
-                <a:latin typeface="Verdana" panose="020B0604030504040204"/>
-                <a:ea typeface="+mn-ea"/>
-                <a:cs typeface="+mn-cs"/>
-              </a:rPr>
-              <a:t>First align read with global index (slower)</a:t>
-            </a:r>
-          </a:p>
-          <a:p>
-            <a:pPr marL="342900" marR="0" lvl="0" indent="-342900" algn="l" defTabSz="914400" rtl="0" eaLnBrk="1" fontAlgn="auto" latinLnBrk="0" hangingPunct="1">
-              <a:lnSpc>
-                <a:spcPct val="100000"/>
-              </a:lnSpc>
-              <a:spcBef>
-                <a:spcPts val="0"/>
-              </a:spcBef>
-              <a:spcAft>
-                <a:spcPts val="0"/>
-              </a:spcAft>
-              <a:buClrTx/>
-              <a:buSzTx/>
-              <a:buFont typeface="Arial"/>
-              <a:buChar char="•"/>
-              <a:tabLst/>
-              <a:defRPr/>
-            </a:pPr>
-            <a:r>
-              <a:rPr kumimoji="0" lang="en-US" sz="1800" b="0" i="0" u="none" strike="noStrike" kern="1200" cap="none" spc="0" normalizeH="0" baseline="0" noProof="0" dirty="0">
-                <a:ln>
-                  <a:noFill/>
-                </a:ln>
-                <a:solidFill>
-                  <a:prstClr val="black"/>
-                </a:solidFill>
-                <a:effectLst/>
-                <a:uLnTx/>
-                <a:uFillTx/>
-                <a:latin typeface="Verdana" panose="020B0604030504040204"/>
-                <a:ea typeface="+mn-ea"/>
-                <a:cs typeface="+mn-cs"/>
-              </a:rPr>
-              <a:t>Once at least 28bp and exactly one location switch to extension mode against reference genome (faster)</a:t>
-            </a:r>
-          </a:p>
-        </p:txBody>
-      </p:sp>
-      <p:cxnSp>
-        <p:nvCxnSpPr>
-          <p:cNvPr id="10" name="Straight Connector 9"/>
-          <p:cNvCxnSpPr/>
-          <p:nvPr/>
-        </p:nvCxnSpPr>
-        <p:spPr>
-          <a:xfrm>
-            <a:off x="2567608" y="2492896"/>
-            <a:ext cx="0" cy="720080"/>
-          </a:xfrm>
-          <a:prstGeom prst="line">
-            <a:avLst/>
-          </a:prstGeom>
-          <a:ln w="38100" cmpd="sng"/>
-        </p:spPr>
-        <p:style>
-          <a:lnRef idx="2">
-            <a:schemeClr val="accent1"/>
-          </a:lnRef>
-          <a:fillRef idx="0">
-            <a:schemeClr val="accent1"/>
-          </a:fillRef>
-          <a:effectRef idx="1">
-            <a:schemeClr val="accent1"/>
-          </a:effectRef>
-          <a:fontRef idx="minor">
-            <a:schemeClr val="tx1"/>
-          </a:fontRef>
-        </p:style>
-      </p:cxnSp>
-    </p:spTree>
-    <p:extLst>
-      <p:ext uri="{BB962C8B-B14F-4D97-AF65-F5344CB8AC3E}">
-        <p14:creationId xmlns:p14="http://schemas.microsoft.com/office/powerpoint/2010/main" val="1676867805"/>
       </p:ext>
     </p:extLst>
   </p:cSld>

--- a/assets/lectures/cbw-cshl/2019/mini/RNASeq_MiniLecture_08_01_Alignment.pptx
+++ b/assets/lectures/cbw-cshl/2019/mini/RNASeq_MiniLecture_08_01_Alignment.pptx
@@ -2315,14 +2315,14 @@
           </a:ln>
           <a:extLst>
             <a:ext uri="{909E8E84-426E-40dd-AFC4-6F175D3DCCD1}">
-              <a14:hiddenFill xmlns:a14="http://schemas.microsoft.com/office/drawing/2010/main" xmlns="">
+              <a14:hiddenFill xmlns="" xmlns:a14="http://schemas.microsoft.com/office/drawing/2010/main">
                 <a:solidFill>
                   <a:srgbClr val="FFFFFF"/>
                 </a:solidFill>
               </a14:hiddenFill>
             </a:ext>
             <a:ext uri="{91240B29-F687-4f45-9708-019B960494DF}">
-              <a14:hiddenLine xmlns:a14="http://schemas.microsoft.com/office/drawing/2010/main" xmlns="" w="9525">
+              <a14:hiddenLine xmlns="" xmlns:a14="http://schemas.microsoft.com/office/drawing/2010/main" w="9525">
                 <a:solidFill>
                   <a:srgbClr val="000000"/>
                 </a:solidFill>
@@ -8216,14 +8216,14 @@
           </a:ln>
           <a:extLst>
             <a:ext uri="{909E8E84-426E-40dd-AFC4-6F175D3DCCD1}">
-              <a14:hiddenFill xmlns:a14="http://schemas.microsoft.com/office/drawing/2010/main" xmlns="">
+              <a14:hiddenFill xmlns="" xmlns:a14="http://schemas.microsoft.com/office/drawing/2010/main">
                 <a:solidFill>
                   <a:srgbClr val="FFFFFF"/>
                 </a:solidFill>
               </a14:hiddenFill>
             </a:ext>
             <a:ext uri="{91240B29-F687-4f45-9708-019B960494DF}">
-              <a14:hiddenLine xmlns:a14="http://schemas.microsoft.com/office/drawing/2010/main" xmlns="" w="9525">
+              <a14:hiddenLine xmlns="" xmlns:a14="http://schemas.microsoft.com/office/drawing/2010/main" w="9525">
                 <a:solidFill>
                   <a:srgbClr val="000000"/>
                 </a:solidFill>
@@ -9220,14 +9220,14 @@
           </a:ln>
           <a:extLst>
             <a:ext uri="{909E8E84-426E-40dd-AFC4-6F175D3DCCD1}">
-              <a14:hiddenFill xmlns="" xmlns:a14="http://schemas.microsoft.com/office/drawing/2010/main">
+              <a14:hiddenFill xmlns:a14="http://schemas.microsoft.com/office/drawing/2010/main" xmlns="">
                 <a:solidFill>
                   <a:srgbClr val="FFFFFF"/>
                 </a:solidFill>
               </a14:hiddenFill>
             </a:ext>
             <a:ext uri="{91240B29-F687-4f45-9708-019B960494DF}">
-              <a14:hiddenLine xmlns="" xmlns:a14="http://schemas.microsoft.com/office/drawing/2010/main" w="9525">
+              <a14:hiddenLine xmlns:a14="http://schemas.microsoft.com/office/drawing/2010/main" xmlns="" w="9525">
                 <a:solidFill>
                   <a:srgbClr val="000000"/>
                 </a:solidFill>
@@ -10114,14 +10114,14 @@
           </a:ln>
           <a:extLst>
             <a:ext uri="{909E8E84-426E-40dd-AFC4-6F175D3DCCD1}">
-              <a14:hiddenFill xmlns="" xmlns:a14="http://schemas.microsoft.com/office/drawing/2010/main">
+              <a14:hiddenFill xmlns:a14="http://schemas.microsoft.com/office/drawing/2010/main" xmlns="">
                 <a:solidFill>
                   <a:srgbClr val="FFFFFF"/>
                 </a:solidFill>
               </a14:hiddenFill>
             </a:ext>
             <a:ext uri="{91240B29-F687-4f45-9708-019B960494DF}">
-              <a14:hiddenLine xmlns="" xmlns:a14="http://schemas.microsoft.com/office/drawing/2010/main" w="9525">
+              <a14:hiddenLine xmlns:a14="http://schemas.microsoft.com/office/drawing/2010/main" xmlns="" w="9525">
                 <a:solidFill>
                   <a:srgbClr val="000000"/>
                 </a:solidFill>
@@ -10308,14 +10308,14 @@
           </a:ln>
           <a:extLst>
             <a:ext uri="{909E8E84-426E-40dd-AFC4-6F175D3DCCD1}">
-              <a14:hiddenFill xmlns:a14="http://schemas.microsoft.com/office/drawing/2010/main" xmlns="">
+              <a14:hiddenFill xmlns="" xmlns:a14="http://schemas.microsoft.com/office/drawing/2010/main">
                 <a:solidFill>
                   <a:srgbClr val="FFFFFF"/>
                 </a:solidFill>
               </a14:hiddenFill>
             </a:ext>
             <a:ext uri="{91240B29-F687-4f45-9708-019B960494DF}">
-              <a14:hiddenLine xmlns:a14="http://schemas.microsoft.com/office/drawing/2010/main" xmlns="" w="9525">
+              <a14:hiddenLine xmlns="" xmlns:a14="http://schemas.microsoft.com/office/drawing/2010/main" w="9525">
                 <a:solidFill>
                   <a:srgbClr val="000000"/>
                 </a:solidFill>
@@ -10543,14 +10543,14 @@
           </a:ln>
           <a:extLst>
             <a:ext uri="{909E8E84-426E-40dd-AFC4-6F175D3DCCD1}">
-              <a14:hiddenFill xmlns:a14="http://schemas.microsoft.com/office/drawing/2010/main" xmlns="">
+              <a14:hiddenFill xmlns="" xmlns:a14="http://schemas.microsoft.com/office/drawing/2010/main">
                 <a:solidFill>
                   <a:srgbClr val="FFFFFF"/>
                 </a:solidFill>
               </a14:hiddenFill>
             </a:ext>
             <a:ext uri="{91240B29-F687-4f45-9708-019B960494DF}">
-              <a14:hiddenLine xmlns:a14="http://schemas.microsoft.com/office/drawing/2010/main" xmlns="" w="9525">
+              <a14:hiddenLine xmlns="" xmlns:a14="http://schemas.microsoft.com/office/drawing/2010/main" w="9525">
                 <a:solidFill>
                   <a:srgbClr val="000000"/>
                 </a:solidFill>
@@ -10900,14 +10900,14 @@
           </a:ln>
           <a:extLst>
             <a:ext uri="{909E8E84-426E-40dd-AFC4-6F175D3DCCD1}">
-              <a14:hiddenFill xmlns:a14="http://schemas.microsoft.com/office/drawing/2010/main" xmlns="">
+              <a14:hiddenFill xmlns="" xmlns:a14="http://schemas.microsoft.com/office/drawing/2010/main">
                 <a:solidFill>
                   <a:srgbClr val="FFFFFF"/>
                 </a:solidFill>
               </a14:hiddenFill>
             </a:ext>
             <a:ext uri="{91240B29-F687-4f45-9708-019B960494DF}">
-              <a14:hiddenLine xmlns:a14="http://schemas.microsoft.com/office/drawing/2010/main" xmlns="" w="9525">
+              <a14:hiddenLine xmlns="" xmlns:a14="http://schemas.microsoft.com/office/drawing/2010/main" w="9525">
                 <a:solidFill>
                   <a:srgbClr val="000000"/>
                 </a:solidFill>
@@ -17156,14 +17156,14 @@
           </a:ln>
           <a:extLst>
             <a:ext uri="{909E8E84-426E-40dd-AFC4-6F175D3DCCD1}">
-              <a14:hiddenFill xmlns:a14="http://schemas.microsoft.com/office/drawing/2010/main" xmlns="">
+              <a14:hiddenFill xmlns="" xmlns:a14="http://schemas.microsoft.com/office/drawing/2010/main">
                 <a:solidFill>
                   <a:srgbClr val="FFFFFF"/>
                 </a:solidFill>
               </a14:hiddenFill>
             </a:ext>
             <a:ext uri="{91240B29-F687-4f45-9708-019B960494DF}">
-              <a14:hiddenLine xmlns:a14="http://schemas.microsoft.com/office/drawing/2010/main" xmlns="" w="9525">
+              <a14:hiddenLine xmlns="" xmlns:a14="http://schemas.microsoft.com/office/drawing/2010/main" w="9525">
                 <a:solidFill>
                   <a:srgbClr val="000000"/>
                 </a:solidFill>
@@ -17173,7 +17173,7 @@
               </a14:hiddenLine>
             </a:ext>
             <a:ext uri="{FAA26D3D-D897-4be2-8F04-BA451C77F1D7}">
-              <ma14:placeholderFlag xmlns:ma14="http://schemas.microsoft.com/office/mac/drawingml/2011/main" xmlns="" val="1"/>
+              <ma14:placeholderFlag xmlns="" xmlns:ma14="http://schemas.microsoft.com/office/mac/drawingml/2011/main" val="1"/>
             </a:ext>
           </a:extLst>
         </p:spPr>
@@ -17213,14 +17213,14 @@
           </a:ln>
           <a:extLst>
             <a:ext uri="{909E8E84-426E-40dd-AFC4-6F175D3DCCD1}">
-              <a14:hiddenFill xmlns:a14="http://schemas.microsoft.com/office/drawing/2010/main" xmlns="">
+              <a14:hiddenFill xmlns="" xmlns:a14="http://schemas.microsoft.com/office/drawing/2010/main">
                 <a:solidFill>
                   <a:srgbClr val="FFFFFF"/>
                 </a:solidFill>
               </a14:hiddenFill>
             </a:ext>
             <a:ext uri="{91240B29-F687-4f45-9708-019B960494DF}">
-              <a14:hiddenLine xmlns:a14="http://schemas.microsoft.com/office/drawing/2010/main" xmlns="" w="9525">
+              <a14:hiddenLine xmlns="" xmlns:a14="http://schemas.microsoft.com/office/drawing/2010/main" w="9525">
                 <a:solidFill>
                   <a:srgbClr val="000000"/>
                 </a:solidFill>
@@ -17230,7 +17230,7 @@
               </a14:hiddenLine>
             </a:ext>
             <a:ext uri="{FAA26D3D-D897-4be2-8F04-BA451C77F1D7}">
-              <ma14:placeholderFlag xmlns:ma14="http://schemas.microsoft.com/office/mac/drawingml/2011/main" xmlns="" val="1"/>
+              <ma14:placeholderFlag xmlns="" xmlns:ma14="http://schemas.microsoft.com/office/mac/drawingml/2011/main" val="1"/>
             </a:ext>
           </a:extLst>
         </p:spPr>
@@ -17257,14 +17257,14 @@
           </a:ln>
           <a:extLst>
             <a:ext uri="{909E8E84-426E-40dd-AFC4-6F175D3DCCD1}">
-              <a14:hiddenFill xmlns:a14="http://schemas.microsoft.com/office/drawing/2010/main" xmlns="">
+              <a14:hiddenFill xmlns="" xmlns:a14="http://schemas.microsoft.com/office/drawing/2010/main">
                 <a:solidFill>
                   <a:srgbClr val="FFFFFF"/>
                 </a:solidFill>
               </a14:hiddenFill>
             </a:ext>
             <a:ext uri="{91240B29-F687-4f45-9708-019B960494DF}">
-              <a14:hiddenLine xmlns:a14="http://schemas.microsoft.com/office/drawing/2010/main" xmlns="" w="9525">
+              <a14:hiddenLine xmlns="" xmlns:a14="http://schemas.microsoft.com/office/drawing/2010/main" w="9525">
                 <a:solidFill>
                   <a:srgbClr val="000000"/>
                 </a:solidFill>
@@ -17446,14 +17446,14 @@
           </a:ln>
           <a:extLst>
             <a:ext uri="{909E8E84-426E-40dd-AFC4-6F175D3DCCD1}">
-              <a14:hiddenFill xmlns:a14="http://schemas.microsoft.com/office/drawing/2010/main" xmlns="">
+              <a14:hiddenFill xmlns="" xmlns:a14="http://schemas.microsoft.com/office/drawing/2010/main">
                 <a:solidFill>
                   <a:srgbClr val="FFFFFF"/>
                 </a:solidFill>
               </a14:hiddenFill>
             </a:ext>
             <a:ext uri="{91240B29-F687-4f45-9708-019B960494DF}">
-              <a14:hiddenLine xmlns:a14="http://schemas.microsoft.com/office/drawing/2010/main" xmlns="" w="9525">
+              <a14:hiddenLine xmlns="" xmlns:a14="http://schemas.microsoft.com/office/drawing/2010/main" w="9525">
                 <a:solidFill>
                   <a:srgbClr val="000000"/>
                 </a:solidFill>
@@ -17635,14 +17635,14 @@
           </a:ln>
           <a:extLst>
             <a:ext uri="{909E8E84-426E-40dd-AFC4-6F175D3DCCD1}">
-              <a14:hiddenFill xmlns:a14="http://schemas.microsoft.com/office/drawing/2010/main" xmlns="">
+              <a14:hiddenFill xmlns="" xmlns:a14="http://schemas.microsoft.com/office/drawing/2010/main">
                 <a:solidFill>
                   <a:srgbClr val="FFFFFF"/>
                 </a:solidFill>
               </a14:hiddenFill>
             </a:ext>
             <a:ext uri="{91240B29-F687-4f45-9708-019B960494DF}">
-              <a14:hiddenLine xmlns:a14="http://schemas.microsoft.com/office/drawing/2010/main" xmlns="" w="9525">
+              <a14:hiddenLine xmlns="" xmlns:a14="http://schemas.microsoft.com/office/drawing/2010/main" w="9525">
                 <a:solidFill>
                   <a:srgbClr val="000000"/>
                 </a:solidFill>
@@ -17824,14 +17824,14 @@
           </a:ln>
           <a:extLst>
             <a:ext uri="{909E8E84-426E-40dd-AFC4-6F175D3DCCD1}">
-              <a14:hiddenFill xmlns:a14="http://schemas.microsoft.com/office/drawing/2010/main" xmlns="">
+              <a14:hiddenFill xmlns="" xmlns:a14="http://schemas.microsoft.com/office/drawing/2010/main">
                 <a:solidFill>
                   <a:srgbClr val="FFFFFF"/>
                 </a:solidFill>
               </a14:hiddenFill>
             </a:ext>
             <a:ext uri="{91240B29-F687-4f45-9708-019B960494DF}">
-              <a14:hiddenLine xmlns:a14="http://schemas.microsoft.com/office/drawing/2010/main" xmlns="" w="9525">
+              <a14:hiddenLine xmlns="" xmlns:a14="http://schemas.microsoft.com/office/drawing/2010/main" w="9525">
                 <a:solidFill>
                   <a:srgbClr val="000000"/>
                 </a:solidFill>
@@ -18184,32 +18184,31 @@
       </p:grpSpPr>
       <p:pic>
         <p:nvPicPr>
-          <p:cNvPr id="4" name="Content Placeholder 3" descr="mappers_timeline.jpeg"/>
-          <p:cNvPicPr>
-            <a:picLocks noGrp="1" noChangeAspect="1"/>
-          </p:cNvPicPr>
-          <p:nvPr>
-            <p:ph idx="1"/>
-          </p:nvPr>
-        </p:nvPicPr>
-        <p:blipFill>
-          <a:blip r:embed="rId2">
+          <p:cNvPr id="7" name="Picture 6">
             <a:extLst>
-              <a:ext uri="{28A0092B-C50C-407E-A947-70E740481C1C}">
-                <a14:useLocalDpi xmlns:a14="http://schemas.microsoft.com/office/drawing/2010/main" val="0"/>
+              <a:ext uri="{FF2B5EF4-FFF2-40B4-BE49-F238E27FC236}">
+                <a16:creationId xmlns:a16="http://schemas.microsoft.com/office/drawing/2014/main" id="{D39A34F6-36EA-9E44-BC11-1D109E8813D9}"/>
               </a:ext>
             </a:extLst>
-          </a:blip>
-          <a:srcRect l="-28165" r="-28165"/>
-          <a:stretch>
-            <a:fillRect/>
-          </a:stretch>
+          </p:cNvPr>
+          <p:cNvPicPr>
+            <a:picLocks noChangeAspect="1"/>
+          </p:cNvPicPr>
+          <p:nvPr/>
+        </p:nvPicPr>
+        <p:blipFill rotWithShape="1">
+          <a:blip r:embed="rId2"/>
+          <a:srcRect b="3789"/>
+          <a:stretch/>
         </p:blipFill>
         <p:spPr>
           <a:xfrm>
-            <a:off x="767408" y="635678"/>
-            <a:ext cx="10040682" cy="5415880"/>
+            <a:off x="2491029" y="520141"/>
+            <a:ext cx="6893194" cy="5598878"/>
           </a:xfrm>
+          <a:prstGeom prst="rect">
+            <a:avLst/>
+          </a:prstGeom>
         </p:spPr>
       </p:pic>
       <p:sp>
@@ -18252,7 +18251,7 @@
         </p:nvSpPr>
         <p:spPr bwMode="auto">
           <a:xfrm>
-            <a:off x="4060826" y="5949950"/>
+            <a:off x="4060826" y="6004193"/>
             <a:ext cx="3979863" cy="338138"/>
           </a:xfrm>
           <a:prstGeom prst="rect">
@@ -18264,14 +18263,14 @@
           </a:ln>
           <a:extLst>
             <a:ext uri="{909E8E84-426E-40dd-AFC4-6F175D3DCCD1}">
-              <a14:hiddenFill xmlns:a14="http://schemas.microsoft.com/office/drawing/2010/main" xmlns="">
+              <a14:hiddenFill xmlns="" xmlns:a14="http://schemas.microsoft.com/office/drawing/2010/main">
                 <a:solidFill>
                   <a:srgbClr val="FFFFFF"/>
                 </a:solidFill>
               </a14:hiddenFill>
             </a:ext>
             <a:ext uri="{91240B29-F687-4f45-9708-019B960494DF}">
-              <a14:hiddenLine xmlns:a14="http://schemas.microsoft.com/office/drawing/2010/main" xmlns="" w="9525">
+              <a14:hiddenLine xmlns="" xmlns:a14="http://schemas.microsoft.com/office/drawing/2010/main" w="9525">
                 <a:solidFill>
                   <a:srgbClr val="000000"/>
                 </a:solidFill>
@@ -18413,7 +18412,7 @@
               <a:defRPr/>
             </a:pPr>
             <a:r>
-              <a:rPr kumimoji="0" lang="en-US" sz="1600" b="0" i="0" u="none" strike="noStrike" kern="1200" cap="none" spc="0" normalizeH="0" baseline="0" noProof="0">
+              <a:rPr kumimoji="0" lang="en-US" sz="1600" b="0" i="0" u="none" strike="noStrike" kern="1200" cap="none" spc="0" normalizeH="0" baseline="0" noProof="0" dirty="0">
                 <a:ln>
                   <a:noFill/>
                 </a:ln>
@@ -18429,7 +18428,7 @@
               </a:rPr>
               <a:t>http://wwwdev.ebi.ac.uk/fg/hts_mappers/</a:t>
             </a:r>
-            <a:endParaRPr kumimoji="0" lang="en-US" sz="1600" b="0" i="0" u="none" strike="noStrike" kern="1200" cap="none" spc="0" normalizeH="0" baseline="0" noProof="0">
+            <a:endParaRPr kumimoji="0" lang="en-US" sz="1600" b="0" i="0" u="none" strike="noStrike" kern="1200" cap="none" spc="0" normalizeH="0" baseline="0" noProof="0" dirty="0">
               <a:ln>
                 <a:noFill/>
               </a:ln>

--- a/assets/lectures/cbw-cshl/2019/mini/RNASeq_MiniLecture_08_01_Alignment.pptx
+++ b/assets/lectures/cbw-cshl/2019/mini/RNASeq_MiniLecture_08_01_Alignment.pptx
@@ -6,26 +6,24 @@
     <p:sldMasterId id="2147483674" r:id="rId2"/>
   </p:sldMasterIdLst>
   <p:notesMasterIdLst>
-    <p:notesMasterId r:id="rId20"/>
+    <p:notesMasterId r:id="rId18"/>
   </p:notesMasterIdLst>
   <p:sldIdLst>
     <p:sldId id="259" r:id="rId3"/>
     <p:sldId id="404" r:id="rId4"/>
-    <p:sldId id="269" r:id="rId5"/>
-    <p:sldId id="310" r:id="rId6"/>
-    <p:sldId id="309" r:id="rId7"/>
-    <p:sldId id="516" r:id="rId8"/>
-    <p:sldId id="517" r:id="rId9"/>
-    <p:sldId id="518" r:id="rId10"/>
-    <p:sldId id="519" r:id="rId11"/>
-    <p:sldId id="520" r:id="rId12"/>
-    <p:sldId id="521" r:id="rId13"/>
-    <p:sldId id="522" r:id="rId14"/>
-    <p:sldId id="523" r:id="rId15"/>
-    <p:sldId id="524" r:id="rId16"/>
-    <p:sldId id="525" r:id="rId17"/>
-    <p:sldId id="526" r:id="rId18"/>
-    <p:sldId id="527" r:id="rId19"/>
+    <p:sldId id="516" r:id="rId5"/>
+    <p:sldId id="517" r:id="rId6"/>
+    <p:sldId id="518" r:id="rId7"/>
+    <p:sldId id="519" r:id="rId8"/>
+    <p:sldId id="520" r:id="rId9"/>
+    <p:sldId id="521" r:id="rId10"/>
+    <p:sldId id="522" r:id="rId11"/>
+    <p:sldId id="528" r:id="rId12"/>
+    <p:sldId id="529" r:id="rId13"/>
+    <p:sldId id="530" r:id="rId14"/>
+    <p:sldId id="531" r:id="rId15"/>
+    <p:sldId id="526" r:id="rId16"/>
+    <p:sldId id="527" r:id="rId17"/>
   </p:sldIdLst>
   <p:sldSz cx="12192000" cy="6858000"/>
   <p:notesSz cx="6858000" cy="9144000"/>
@@ -214,7 +212,7 @@
           <a:p>
             <a:fld id="{827BD9F9-8452-A342-BB1B-28ECF19E2CC5}" type="datetimeFigureOut">
               <a:rPr lang="en-US" smtClean="0"/>
-              <a:t>3/11/19</a:t>
+              <a:t>3/12/19</a:t>
             </a:fld>
             <a:endParaRPr lang="en-US"/>
           </a:p>
@@ -525,94 +523,41 @@
           <a:bodyPr/>
           <a:lstStyle/>
           <a:p>
-            <a:r>
-              <a:rPr lang="en-US" dirty="0"/>
-              <a:t>https://</a:t>
-            </a:r>
-            <a:r>
-              <a:rPr lang="en-US" dirty="0" err="1"/>
-              <a:t>genome.sph.umich.edu</a:t>
-            </a:r>
-            <a:r>
-              <a:rPr lang="en-US" dirty="0"/>
-              <a:t>/wiki/</a:t>
-            </a:r>
-            <a:r>
-              <a:rPr lang="en-US" dirty="0" err="1"/>
-              <a:t>Variant_Normalization</a:t>
-            </a:r>
-            <a:r>
-              <a:rPr lang="en-US" dirty="0"/>
-              <a:t> </a:t>
-            </a:r>
-          </a:p>
-          <a:p>
-            <a:endParaRPr lang="en-US" dirty="0"/>
-          </a:p>
-          <a:p>
-            <a:r>
-              <a:rPr lang="en-US" dirty="0"/>
-              <a:t>Parsimony means representing a variant in as few nucleotides as possible without reducing the length of any allele to 0.</a:t>
-            </a:r>
-          </a:p>
-          <a:p>
-            <a:endParaRPr lang="en-US" dirty="0"/>
-          </a:p>
-          <a:p>
-            <a:r>
-              <a:rPr lang="en-US" dirty="0"/>
-              <a:t>Left aligning a variant means shifting the start position of that variant to the left till it is no longer possible to do so.</a:t>
-            </a:r>
-          </a:p>
-          <a:p>
-            <a:endParaRPr lang="en-US" dirty="0"/>
-          </a:p>
-          <a:p>
-            <a:endParaRPr lang="en-US" dirty="0"/>
-          </a:p>
-          <a:p>
-            <a:endParaRPr lang="en-US" dirty="0"/>
-          </a:p>
-          <a:p>
-            <a:r>
-              <a:rPr lang="en-US" dirty="0"/>
-              <a:t>The representation of variants in a VCF file requires that no alleles in the REF and ALT field are represented with an empty string (empty allele). The red </a:t>
-            </a:r>
-            <a:r>
-              <a:rPr lang="en-US" dirty="0" err="1"/>
-              <a:t>indel</a:t>
-            </a:r>
-            <a:r>
-              <a:rPr lang="en-US" dirty="0"/>
-              <a:t> has an illegal VCF representation.</a:t>
-            </a:r>
-          </a:p>
-          <a:p>
-            <a:r>
-              <a:rPr lang="en-US" dirty="0"/>
-              <a:t>The green variant is not left aligned as you can prefix an A nucleotide on the left side of the variant's alleles and truncate the C on the right side of the variant's alleles. It is however parsimonious.</a:t>
-            </a:r>
-          </a:p>
-          <a:p>
-            <a:r>
-              <a:rPr lang="en-US" dirty="0"/>
-              <a:t>The orange variant is left aligned but is not right parsimonious.</a:t>
-            </a:r>
-          </a:p>
-          <a:p>
-            <a:r>
-              <a:rPr lang="en-US" dirty="0"/>
-              <a:t>The blue variant is left aligned but not left parsimonious.</a:t>
-            </a:r>
-          </a:p>
-          <a:p>
-            <a:r>
-              <a:rPr lang="en-US" dirty="0"/>
-              <a:t>The maroon variant is left aligned and parsimonious.</a:t>
-            </a:r>
-          </a:p>
-          <a:p>
-            <a:endParaRPr lang="en-US" dirty="0"/>
+            <a:pPr marL="0" marR="0" lvl="1" indent="0" algn="l" defTabSz="914400" rtl="0" eaLnBrk="0" fontAlgn="base" latinLnBrk="0" hangingPunct="0">
+              <a:lnSpc>
+                <a:spcPct val="100000"/>
+              </a:lnSpc>
+              <a:spcBef>
+                <a:spcPct val="30000"/>
+              </a:spcBef>
+              <a:spcAft>
+                <a:spcPct val="0"/>
+              </a:spcAft>
+              <a:buClrTx/>
+              <a:buSzTx/>
+              <a:buFontTx/>
+              <a:buNone/>
+              <a:tabLst/>
+              <a:defRPr/>
+            </a:pPr>
+            <a:r>
+              <a:rPr lang="en-US" dirty="0">
+                <a:latin typeface="Calibri" charset="0"/>
+                <a:ea typeface="ＭＳ Ｐゴシック" charset="0"/>
+              </a:rPr>
+              <a:t>HISAT's hierarchical index for the human genome contains 48,000 local FM indexes, each representing a genomic region of ~64,000 </a:t>
+            </a:r>
+            <a:r>
+              <a:rPr lang="en-US" dirty="0" err="1">
+                <a:latin typeface="Calibri" charset="0"/>
+                <a:ea typeface="ＭＳ Ｐゴシック" charset="0"/>
+              </a:rPr>
+              <a:t>bp.</a:t>
+            </a:r>
+            <a:endParaRPr lang="en-US" dirty="0">
+              <a:latin typeface="Calibri" charset="0"/>
+              <a:ea typeface="ＭＳ Ｐゴシック" charset="0"/>
+            </a:endParaRPr>
           </a:p>
         </p:txBody>
       </p:sp>
@@ -631,18 +576,78 @@
           <a:bodyPr/>
           <a:lstStyle/>
           <a:p>
-            <a:fld id="{099D50AF-F628-504F-B99D-05BB4C0BF79D}" type="slidenum">
-              <a:rPr lang="en-US" smtClean="0"/>
-              <a:t>5</a:t>
+            <a:pPr marL="0" marR="0" lvl="0" indent="0" algn="r" defTabSz="914400" rtl="0" eaLnBrk="1" fontAlgn="auto" latinLnBrk="0" hangingPunct="1">
+              <a:lnSpc>
+                <a:spcPct val="100000"/>
+              </a:lnSpc>
+              <a:spcBef>
+                <a:spcPts val="0"/>
+              </a:spcBef>
+              <a:spcAft>
+                <a:spcPts val="0"/>
+              </a:spcAft>
+              <a:buClrTx/>
+              <a:buSzTx/>
+              <a:buFontTx/>
+              <a:buNone/>
+              <a:tabLst/>
+              <a:defRPr/>
+            </a:pPr>
+            <a:fld id="{58FBEE90-0CDA-3447-B595-4F8759630F3A}" type="slidenum">
+              <a:rPr kumimoji="0" lang="en-US" sz="1200" b="0" i="0" u="none" strike="noStrike" kern="1200" cap="none" spc="0" normalizeH="0" baseline="0" noProof="0" smtClean="0">
+                <a:ln>
+                  <a:noFill/>
+                </a:ln>
+                <a:solidFill>
+                  <a:prstClr val="black"/>
+                </a:solidFill>
+                <a:effectLst/>
+                <a:uLnTx/>
+                <a:uFillTx/>
+                <a:latin typeface="Calibri" panose="020F0502020204030204"/>
+                <a:ea typeface="+mn-ea"/>
+                <a:cs typeface="+mn-cs"/>
+              </a:rPr>
+              <a:pPr marL="0" marR="0" lvl="0" indent="0" algn="r" defTabSz="914400" rtl="0" eaLnBrk="1" fontAlgn="auto" latinLnBrk="0" hangingPunct="1">
+                <a:lnSpc>
+                  <a:spcPct val="100000"/>
+                </a:lnSpc>
+                <a:spcBef>
+                  <a:spcPts val="0"/>
+                </a:spcBef>
+                <a:spcAft>
+                  <a:spcPts val="0"/>
+                </a:spcAft>
+                <a:buClrTx/>
+                <a:buSzTx/>
+                <a:buFontTx/>
+                <a:buNone/>
+                <a:tabLst/>
+                <a:defRPr/>
+              </a:pPr>
+              <a:t>8</a:t>
             </a:fld>
-            <a:endParaRPr lang="en-US"/>
+            <a:endParaRPr kumimoji="0" lang="en-US" sz="1200" b="0" i="0" u="none" strike="noStrike" kern="1200" cap="none" spc="0" normalizeH="0" baseline="0" noProof="0">
+              <a:ln>
+                <a:noFill/>
+              </a:ln>
+              <a:solidFill>
+                <a:prstClr val="black"/>
+              </a:solidFill>
+              <a:effectLst/>
+              <a:uLnTx/>
+              <a:uFillTx/>
+              <a:latin typeface="Calibri" panose="020F0502020204030204"/>
+              <a:ea typeface="+mn-ea"/>
+              <a:cs typeface="+mn-cs"/>
+            </a:endParaRPr>
           </a:p>
         </p:txBody>
       </p:sp>
     </p:spTree>
     <p:extLst>
       <p:ext uri="{BB962C8B-B14F-4D97-AF65-F5344CB8AC3E}">
-        <p14:creationId xmlns:p14="http://schemas.microsoft.com/office/powerpoint/2010/main" val="675130494"/>
+        <p14:creationId xmlns:p14="http://schemas.microsoft.com/office/powerpoint/2010/main" val="2627428116"/>
       </p:ext>
     </p:extLst>
   </p:cSld>
@@ -731,6 +736,370 @@
               <a:latin typeface="Calibri" charset="0"/>
               <a:ea typeface="ＭＳ Ｐゴシック" charset="0"/>
             </a:endParaRPr>
+          </a:p>
+        </p:txBody>
+      </p:sp>
+      <p:sp>
+        <p:nvSpPr>
+          <p:cNvPr id="4" name="Slide Number Placeholder 3"/>
+          <p:cNvSpPr>
+            <a:spLocks noGrp="1"/>
+          </p:cNvSpPr>
+          <p:nvPr>
+            <p:ph type="sldNum" sz="quarter" idx="10"/>
+          </p:nvPr>
+        </p:nvSpPr>
+        <p:spPr/>
+        <p:txBody>
+          <a:bodyPr/>
+          <a:lstStyle/>
+          <a:p>
+            <a:pPr marL="0" marR="0" lvl="0" indent="0" algn="r" defTabSz="914400" rtl="0" eaLnBrk="1" fontAlgn="auto" latinLnBrk="0" hangingPunct="1">
+              <a:lnSpc>
+                <a:spcPct val="100000"/>
+              </a:lnSpc>
+              <a:spcBef>
+                <a:spcPts val="0"/>
+              </a:spcBef>
+              <a:spcAft>
+                <a:spcPts val="0"/>
+              </a:spcAft>
+              <a:buClrTx/>
+              <a:buSzTx/>
+              <a:buFontTx/>
+              <a:buNone/>
+              <a:tabLst/>
+              <a:defRPr/>
+            </a:pPr>
+            <a:fld id="{58FBEE90-0CDA-3447-B595-4F8759630F3A}" type="slidenum">
+              <a:rPr kumimoji="0" lang="en-US" sz="1200" b="0" i="0" u="none" strike="noStrike" kern="1200" cap="none" spc="0" normalizeH="0" baseline="0" noProof="0" smtClean="0">
+                <a:ln>
+                  <a:noFill/>
+                </a:ln>
+                <a:solidFill>
+                  <a:prstClr val="black"/>
+                </a:solidFill>
+                <a:effectLst/>
+                <a:uLnTx/>
+                <a:uFillTx/>
+                <a:latin typeface="Calibri" panose="020F0502020204030204"/>
+                <a:ea typeface="+mn-ea"/>
+                <a:cs typeface="+mn-cs"/>
+              </a:rPr>
+              <a:pPr marL="0" marR="0" lvl="0" indent="0" algn="r" defTabSz="914400" rtl="0" eaLnBrk="1" fontAlgn="auto" latinLnBrk="0" hangingPunct="1">
+                <a:lnSpc>
+                  <a:spcPct val="100000"/>
+                </a:lnSpc>
+                <a:spcBef>
+                  <a:spcPts val="0"/>
+                </a:spcBef>
+                <a:spcAft>
+                  <a:spcPts val="0"/>
+                </a:spcAft>
+                <a:buClrTx/>
+                <a:buSzTx/>
+                <a:buFontTx/>
+                <a:buNone/>
+                <a:tabLst/>
+                <a:defRPr/>
+              </a:pPr>
+              <a:t>9</a:t>
+            </a:fld>
+            <a:endParaRPr kumimoji="0" lang="en-US" sz="1200" b="0" i="0" u="none" strike="noStrike" kern="1200" cap="none" spc="0" normalizeH="0" baseline="0" noProof="0">
+              <a:ln>
+                <a:noFill/>
+              </a:ln>
+              <a:solidFill>
+                <a:prstClr val="black"/>
+              </a:solidFill>
+              <a:effectLst/>
+              <a:uLnTx/>
+              <a:uFillTx/>
+              <a:latin typeface="Calibri" panose="020F0502020204030204"/>
+              <a:ea typeface="+mn-ea"/>
+              <a:cs typeface="+mn-cs"/>
+            </a:endParaRPr>
+          </a:p>
+        </p:txBody>
+      </p:sp>
+    </p:spTree>
+    <p:extLst>
+      <p:ext uri="{BB962C8B-B14F-4D97-AF65-F5344CB8AC3E}">
+        <p14:creationId xmlns:p14="http://schemas.microsoft.com/office/powerpoint/2010/main" val="3916014413"/>
+      </p:ext>
+    </p:extLst>
+  </p:cSld>
+  <p:clrMapOvr>
+    <a:masterClrMapping/>
+  </p:clrMapOvr>
+</p:notes>
+</file>
+
+<file path=ppt/notesSlides/notesSlide3.xml><?xml version="1.0" encoding="utf-8"?>
+<p:notes xmlns:a="http://schemas.openxmlformats.org/drawingml/2006/main" xmlns:r="http://schemas.openxmlformats.org/officeDocument/2006/relationships" xmlns:p="http://schemas.openxmlformats.org/presentationml/2006/main">
+  <p:cSld>
+    <p:spTree>
+      <p:nvGrpSpPr>
+        <p:cNvPr id="1" name=""/>
+        <p:cNvGrpSpPr/>
+        <p:nvPr/>
+      </p:nvGrpSpPr>
+      <p:grpSpPr>
+        <a:xfrm>
+          <a:off x="0" y="0"/>
+          <a:ext cx="0" cy="0"/>
+          <a:chOff x="0" y="0"/>
+          <a:chExt cx="0" cy="0"/>
+        </a:xfrm>
+      </p:grpSpPr>
+      <p:sp>
+        <p:nvSpPr>
+          <p:cNvPr id="2" name="Slide Image Placeholder 1"/>
+          <p:cNvSpPr>
+            <a:spLocks noGrp="1" noRot="1" noChangeAspect="1"/>
+          </p:cNvSpPr>
+          <p:nvPr>
+            <p:ph type="sldImg"/>
+          </p:nvPr>
+        </p:nvSpPr>
+        <p:spPr/>
+      </p:sp>
+      <p:sp>
+        <p:nvSpPr>
+          <p:cNvPr id="3" name="Notes Placeholder 2"/>
+          <p:cNvSpPr>
+            <a:spLocks noGrp="1"/>
+          </p:cNvSpPr>
+          <p:nvPr>
+            <p:ph type="body" idx="1"/>
+          </p:nvPr>
+        </p:nvSpPr>
+        <p:spPr/>
+        <p:txBody>
+          <a:bodyPr/>
+          <a:lstStyle/>
+          <a:p>
+            <a:r>
+              <a:rPr lang="en-US" dirty="0"/>
+              <a:t>Alignment of </a:t>
+            </a:r>
+            <a:r>
+              <a:rPr lang="en-US" dirty="0" err="1"/>
+              <a:t>exonic</a:t>
+            </a:r>
+            <a:r>
+              <a:rPr lang="en-US" dirty="0"/>
+              <a:t> reads and long- and intermediate-anchored reads.</a:t>
+            </a:r>
+          </a:p>
+          <a:p>
+            <a:r>
+              <a:rPr lang="en-US" dirty="0"/>
+              <a:t>Given two exons from a gene on human chromosome 22, separated by a 3,899-bp intron, suppose the genomic region is transcribed and spliced and we have three reads sequenced from the resulting transcript: (</a:t>
+            </a:r>
+            <a:r>
+              <a:rPr lang="en-US" dirty="0" err="1"/>
+              <a:t>i</a:t>
+            </a:r>
+            <a:r>
+              <a:rPr lang="en-US" dirty="0"/>
+              <a:t>) an </a:t>
+            </a:r>
+            <a:r>
+              <a:rPr lang="en-US" dirty="0" err="1"/>
+              <a:t>exonic</a:t>
+            </a:r>
+            <a:r>
+              <a:rPr lang="en-US" dirty="0"/>
+              <a:t> read, (ii) a read spanning two exons with an 8-bp anchor in one exon and (iii) a read spanning two exons with 50 </a:t>
+            </a:r>
+            <a:r>
+              <a:rPr lang="en-US" dirty="0" err="1"/>
+              <a:t>bp</a:t>
+            </a:r>
+            <a:r>
+              <a:rPr lang="en-US" dirty="0"/>
+              <a:t> in each exon (Supplementary Fig. 8). All the reads are assumed to be error free and 100 </a:t>
+            </a:r>
+            <a:r>
+              <a:rPr lang="en-US" dirty="0" err="1"/>
+              <a:t>bp</a:t>
+            </a:r>
+            <a:r>
+              <a:rPr lang="en-US" dirty="0"/>
+              <a:t> long. We can apply hierarchical indexing to align each of these reads rapidly and correctly. </a:t>
+            </a:r>
+          </a:p>
+        </p:txBody>
+      </p:sp>
+      <p:sp>
+        <p:nvSpPr>
+          <p:cNvPr id="4" name="Slide Number Placeholder 3"/>
+          <p:cNvSpPr>
+            <a:spLocks noGrp="1"/>
+          </p:cNvSpPr>
+          <p:nvPr>
+            <p:ph type="sldNum" sz="quarter" idx="10"/>
+          </p:nvPr>
+        </p:nvSpPr>
+        <p:spPr/>
+        <p:txBody>
+          <a:bodyPr/>
+          <a:lstStyle/>
+          <a:p>
+            <a:pPr marL="0" marR="0" lvl="0" indent="0" algn="r" defTabSz="914400" rtl="0" eaLnBrk="1" fontAlgn="auto" latinLnBrk="0" hangingPunct="1">
+              <a:lnSpc>
+                <a:spcPct val="100000"/>
+              </a:lnSpc>
+              <a:spcBef>
+                <a:spcPts val="0"/>
+              </a:spcBef>
+              <a:spcAft>
+                <a:spcPts val="0"/>
+              </a:spcAft>
+              <a:buClrTx/>
+              <a:buSzTx/>
+              <a:buFontTx/>
+              <a:buNone/>
+              <a:tabLst/>
+              <a:defRPr/>
+            </a:pPr>
+            <a:fld id="{58FBEE90-0CDA-3447-B595-4F8759630F3A}" type="slidenum">
+              <a:rPr kumimoji="0" lang="en-US" sz="1200" b="0" i="0" u="none" strike="noStrike" kern="1200" cap="none" spc="0" normalizeH="0" baseline="0" noProof="0" smtClean="0">
+                <a:ln>
+                  <a:noFill/>
+                </a:ln>
+                <a:solidFill>
+                  <a:prstClr val="black"/>
+                </a:solidFill>
+                <a:effectLst/>
+                <a:uLnTx/>
+                <a:uFillTx/>
+                <a:latin typeface="Calibri" panose="020F0502020204030204"/>
+                <a:ea typeface="+mn-ea"/>
+                <a:cs typeface="+mn-cs"/>
+              </a:rPr>
+              <a:pPr marL="0" marR="0" lvl="0" indent="0" algn="r" defTabSz="914400" rtl="0" eaLnBrk="1" fontAlgn="auto" latinLnBrk="0" hangingPunct="1">
+                <a:lnSpc>
+                  <a:spcPct val="100000"/>
+                </a:lnSpc>
+                <a:spcBef>
+                  <a:spcPts val="0"/>
+                </a:spcBef>
+                <a:spcAft>
+                  <a:spcPts val="0"/>
+                </a:spcAft>
+                <a:buClrTx/>
+                <a:buSzTx/>
+                <a:buFontTx/>
+                <a:buNone/>
+                <a:tabLst/>
+                <a:defRPr/>
+              </a:pPr>
+              <a:t>10</a:t>
+            </a:fld>
+            <a:endParaRPr kumimoji="0" lang="en-US" sz="1200" b="0" i="0" u="none" strike="noStrike" kern="1200" cap="none" spc="0" normalizeH="0" baseline="0" noProof="0">
+              <a:ln>
+                <a:noFill/>
+              </a:ln>
+              <a:solidFill>
+                <a:prstClr val="black"/>
+              </a:solidFill>
+              <a:effectLst/>
+              <a:uLnTx/>
+              <a:uFillTx/>
+              <a:latin typeface="Calibri" panose="020F0502020204030204"/>
+              <a:ea typeface="+mn-ea"/>
+              <a:cs typeface="+mn-cs"/>
+            </a:endParaRPr>
+          </a:p>
+        </p:txBody>
+      </p:sp>
+    </p:spTree>
+    <p:extLst>
+      <p:ext uri="{BB962C8B-B14F-4D97-AF65-F5344CB8AC3E}">
+        <p14:creationId xmlns:p14="http://schemas.microsoft.com/office/powerpoint/2010/main" val="1357264346"/>
+      </p:ext>
+    </p:extLst>
+  </p:cSld>
+  <p:clrMapOvr>
+    <a:masterClrMapping/>
+  </p:clrMapOvr>
+</p:notes>
+</file>
+
+<file path=ppt/notesSlides/notesSlide4.xml><?xml version="1.0" encoding="utf-8"?>
+<p:notes xmlns:a="http://schemas.openxmlformats.org/drawingml/2006/main" xmlns:r="http://schemas.openxmlformats.org/officeDocument/2006/relationships" xmlns:p="http://schemas.openxmlformats.org/presentationml/2006/main">
+  <p:cSld>
+    <p:spTree>
+      <p:nvGrpSpPr>
+        <p:cNvPr id="1" name=""/>
+        <p:cNvGrpSpPr/>
+        <p:nvPr/>
+      </p:nvGrpSpPr>
+      <p:grpSpPr>
+        <a:xfrm>
+          <a:off x="0" y="0"/>
+          <a:ext cx="0" cy="0"/>
+          <a:chOff x="0" y="0"/>
+          <a:chExt cx="0" cy="0"/>
+        </a:xfrm>
+      </p:grpSpPr>
+      <p:sp>
+        <p:nvSpPr>
+          <p:cNvPr id="2" name="Slide Image Placeholder 1"/>
+          <p:cNvSpPr>
+            <a:spLocks noGrp="1" noRot="1" noChangeAspect="1"/>
+          </p:cNvSpPr>
+          <p:nvPr>
+            <p:ph type="sldImg"/>
+          </p:nvPr>
+        </p:nvSpPr>
+        <p:spPr/>
+      </p:sp>
+      <p:sp>
+        <p:nvSpPr>
+          <p:cNvPr id="3" name="Notes Placeholder 2"/>
+          <p:cNvSpPr>
+            <a:spLocks noGrp="1"/>
+          </p:cNvSpPr>
+          <p:nvPr>
+            <p:ph type="body" idx="1"/>
+          </p:nvPr>
+        </p:nvSpPr>
+        <p:spPr/>
+        <p:txBody>
+          <a:bodyPr/>
+          <a:lstStyle/>
+          <a:p>
+            <a:r>
+              <a:rPr lang="en-US" dirty="0"/>
+              <a:t>We align the first read using the global FM-index (Supplementary Fig. 8a). Because global search is relatively time consuming, we change strategies when the partial alignment meets two conditions: (</a:t>
+            </a:r>
+            <a:r>
+              <a:rPr lang="en-US" dirty="0" err="1"/>
+              <a:t>i</a:t>
+            </a:r>
+            <a:r>
+              <a:rPr lang="en-US" dirty="0"/>
+              <a:t>) it is at least 28 </a:t>
+            </a:r>
+            <a:r>
+              <a:rPr lang="en-US" dirty="0" err="1"/>
+              <a:t>bp</a:t>
+            </a:r>
+            <a:r>
+              <a:rPr lang="en-US" dirty="0"/>
+              <a:t> long and (ii) it maps onto exactly one location. For the read shown in the figure, the 28-bp sequence on its right end maps uniquely, allowing us to stop the global search operation at that point. From there, we extend the partial alignment by directly comparing the remaining sequence and the corresponding genomic sequence, which we can extract directly from the genome using the mapped location as an index. Because the read is error free and contained within one exon, the extension operation sweeps across the remaining 72 </a:t>
+            </a:r>
+            <a:r>
+              <a:rPr lang="en-US" dirty="0" err="1"/>
+              <a:t>bp</a:t>
+            </a:r>
+            <a:r>
+              <a:rPr lang="en-US" dirty="0"/>
+              <a:t>, completing the alignment for the read. Note that we could perform this alignment using the global FM index, as TopHat2 does, but the combination of global search and local extension is faster.</a:t>
+            </a:r>
           </a:p>
         </p:txBody>
       </p:sp>
@@ -820,7 +1189,7 @@
     </p:spTree>
     <p:extLst>
       <p:ext uri="{BB962C8B-B14F-4D97-AF65-F5344CB8AC3E}">
-        <p14:creationId xmlns:p14="http://schemas.microsoft.com/office/powerpoint/2010/main" val="2627428116"/>
+        <p14:creationId xmlns:p14="http://schemas.microsoft.com/office/powerpoint/2010/main" val="1983173365"/>
       </p:ext>
     </p:extLst>
   </p:cSld>
@@ -830,7 +1199,7 @@
 </p:notes>
 </file>
 
-<file path=ppt/notesSlides/notesSlide3.xml><?xml version="1.0" encoding="utf-8"?>
+<file path=ppt/notesSlides/notesSlide5.xml><?xml version="1.0" encoding="utf-8"?>
 <p:notes xmlns:a="http://schemas.openxmlformats.org/drawingml/2006/main" xmlns:r="http://schemas.openxmlformats.org/officeDocument/2006/relationships" xmlns:p="http://schemas.openxmlformats.org/presentationml/2006/main">
   <p:cSld>
     <p:spTree>
@@ -874,41 +1243,112 @@
           <a:bodyPr/>
           <a:lstStyle/>
           <a:p>
-            <a:pPr marL="0" marR="0" lvl="1" indent="0" algn="l" defTabSz="914400" rtl="0" eaLnBrk="0" fontAlgn="base" latinLnBrk="0" hangingPunct="0">
-              <a:lnSpc>
-                <a:spcPct val="100000"/>
-              </a:lnSpc>
-              <a:spcBef>
-                <a:spcPct val="30000"/>
-              </a:spcBef>
-              <a:spcAft>
-                <a:spcPct val="0"/>
-              </a:spcAft>
-              <a:buClrTx/>
-              <a:buSzTx/>
-              <a:buFontTx/>
-              <a:buNone/>
-              <a:tabLst/>
-              <a:defRPr/>
-            </a:pPr>
-            <a:r>
-              <a:rPr lang="en-US" dirty="0">
-                <a:latin typeface="Calibri" charset="0"/>
-                <a:ea typeface="ＭＳ Ｐゴシック" charset="0"/>
-              </a:rPr>
-              <a:t>HISAT's hierarchical index for the human genome contains 48,000 local FM indexes, each representing a genomic region of ~64,000 </a:t>
-            </a:r>
-            <a:r>
-              <a:rPr lang="en-US" dirty="0" err="1">
-                <a:latin typeface="Calibri" charset="0"/>
-                <a:ea typeface="ＭＳ Ｐゴシック" charset="0"/>
-              </a:rPr>
-              <a:t>bp.</a:t>
-            </a:r>
-            <a:endParaRPr lang="en-US" dirty="0">
-              <a:latin typeface="Calibri" charset="0"/>
-              <a:ea typeface="ＭＳ Ｐゴシック" charset="0"/>
-            </a:endParaRPr>
+            <a:endParaRPr lang="en-US" dirty="0"/>
+          </a:p>
+          <a:p>
+            <a:r>
+              <a:rPr lang="en-US" dirty="0"/>
+              <a:t>For the second read, which has a very short 8-bp anchor on the left side, we first try to map the read using global search, moving right to left (Supplementary Fig. 8b). The first 28 </a:t>
+            </a:r>
+            <a:r>
+              <a:rPr lang="en-US" dirty="0" err="1"/>
+              <a:t>bp</a:t>
+            </a:r>
+            <a:r>
+              <a:rPr lang="en-US" dirty="0"/>
+              <a:t> on the right end of the read maps uniquely, allowing us to anchor the alignment and halt the global search. We then extend the alignment until we encounter a mismatch at the 93rd base. This mismatch occurs when the alignment extension reaches the intron. At this point we pause the search, retrieve the local FM index that contains this location and align the remaining 8 </a:t>
+            </a:r>
+            <a:r>
+              <a:rPr lang="en-US" dirty="0" err="1"/>
+              <a:t>bp</a:t>
+            </a:r>
+            <a:r>
+              <a:rPr lang="en-US" dirty="0"/>
+              <a:t> using this index. Because the index covers only a small region, in this case we find just one match for the 8-bp segment. Finally, we check whether the two partial alignments (8 </a:t>
+            </a:r>
+            <a:r>
+              <a:rPr lang="en-US" dirty="0" err="1"/>
+              <a:t>bp</a:t>
+            </a:r>
+            <a:r>
+              <a:rPr lang="en-US" dirty="0"/>
+              <a:t> and 92 </a:t>
+            </a:r>
+            <a:r>
+              <a:rPr lang="en-US" dirty="0" err="1"/>
+              <a:t>bp</a:t>
+            </a:r>
+            <a:r>
+              <a:rPr lang="en-US" dirty="0"/>
+              <a:t>) are compatible with each other (for example, in the correct orientation) and then combine them to produce a spliced alignment of the original read.</a:t>
+            </a:r>
+          </a:p>
+          <a:p>
+            <a:endParaRPr lang="en-US" dirty="0"/>
+          </a:p>
+          <a:p>
+            <a:r>
+              <a:rPr lang="en-US" dirty="0"/>
+              <a:t>Note that if we searched for an 8-bp sequence in the global index, we would expect to find an average of ~48,000 matching locations in the human genome (and sometimes many more). Instead of examining 48,000 possible locations, we use one of the local FM indexes, which is expected to contain just one copy of a given 8-bp sequence, on average. This two-stage hierarchical indexing allows us to avoid examining tens of thousands of candidate locations for short anchors, which in turn dramatically speeds up the overall alignment algorithm.</a:t>
+            </a:r>
+          </a:p>
+          <a:p>
+            <a:endParaRPr lang="en-US" dirty="0"/>
+          </a:p>
+          <a:p>
+            <a:r>
+              <a:rPr lang="en-US" dirty="0"/>
+              <a:t>The third read has long anchors (50 </a:t>
+            </a:r>
+            <a:r>
+              <a:rPr lang="en-US" dirty="0" err="1"/>
+              <a:t>bp</a:t>
+            </a:r>
+            <a:r>
+              <a:rPr lang="en-US" dirty="0"/>
+              <a:t> each) in each exon. We first align the read beginning on the right, using global search as we did before. After the first 28 </a:t>
+            </a:r>
+            <a:r>
+              <a:rPr lang="en-US" dirty="0" err="1"/>
+              <a:t>bp</a:t>
+            </a:r>
+            <a:r>
+              <a:rPr lang="en-US" dirty="0"/>
+              <a:t> is uniquely mapped, we switch to the extension operation, which further aligns 22 </a:t>
+            </a:r>
+            <a:r>
+              <a:rPr lang="en-US" dirty="0" err="1"/>
+              <a:t>bp</a:t>
+            </a:r>
+            <a:r>
+              <a:rPr lang="en-US" dirty="0"/>
+              <a:t> and stops after a mismatch at the 51st base. We then choose a local FM index and perform a local search using the first 8 </a:t>
+            </a:r>
+            <a:r>
+              <a:rPr lang="en-US" dirty="0" err="1"/>
+              <a:t>bp</a:t>
+            </a:r>
+            <a:r>
+              <a:rPr lang="en-US" dirty="0"/>
+              <a:t> of the remaining part of the read. Once this 8 </a:t>
+            </a:r>
+            <a:r>
+              <a:rPr lang="en-US" dirty="0" err="1"/>
+              <a:t>bp</a:t>
+            </a:r>
+            <a:r>
+              <a:rPr lang="en-US" dirty="0"/>
+              <a:t> is found, HISAT again uses the extension operation to align the rest of the read (Supplementary Fig. 8c). Note that if the 8-bp prefix mapped to too many locations, HISAT would use a longer prefix to reduce the number of potential locations to 5 or fewer.</a:t>
+            </a:r>
+          </a:p>
+          <a:p>
+            <a:endParaRPr lang="en-US" dirty="0"/>
+          </a:p>
+          <a:p>
+            <a:r>
+              <a:rPr lang="en-US" dirty="0"/>
+              <a:t>As we can see from these examples, we can combine global search, local search and directed read extension to achieve rapid yet sensitive alignment. Note that when a read has multiple spliced alignments, HISAT prefers to report alignments that use the canonical GT and AG dinucleotides on the ends of the intron. From any remaining alignments after this filter, it reports the one with the shortest intron length. HISAT provides several parameters with which users can customize its alignment strategy, including adjustable penalties for mismatches, indels and noncanonical splice sites (Supplementary Note).</a:t>
+            </a:r>
           </a:p>
         </p:txBody>
       </p:sp>
@@ -998,7 +1438,7 @@
     </p:spTree>
     <p:extLst>
       <p:ext uri="{BB962C8B-B14F-4D97-AF65-F5344CB8AC3E}">
-        <p14:creationId xmlns:p14="http://schemas.microsoft.com/office/powerpoint/2010/main" val="3916014413"/>
+        <p14:creationId xmlns:p14="http://schemas.microsoft.com/office/powerpoint/2010/main" val="2773953881"/>
       </p:ext>
     </p:extLst>
   </p:cSld>
@@ -1008,7 +1448,7 @@
 </p:notes>
 </file>
 
-<file path=ppt/notesSlides/notesSlide4.xml><?xml version="1.0" encoding="utf-8"?>
+<file path=ppt/notesSlides/notesSlide6.xml><?xml version="1.0" encoding="utf-8"?>
 <p:notes xmlns:a="http://schemas.openxmlformats.org/drawingml/2006/main" xmlns:r="http://schemas.openxmlformats.org/officeDocument/2006/relationships" xmlns:p="http://schemas.openxmlformats.org/presentationml/2006/main">
   <p:cSld>
     <p:spTree>
@@ -1049,44 +1489,15 @@
         </p:nvSpPr>
         <p:spPr/>
         <p:txBody>
-          <a:bodyPr>
-            <a:normAutofit fontScale="55000" lnSpcReduction="20000"/>
-          </a:bodyPr>
+          <a:bodyPr/>
           <a:lstStyle/>
           <a:p>
+            <a:endParaRPr lang="en-US" dirty="0"/>
+          </a:p>
+          <a:p>
             <a:r>
               <a:rPr lang="en-US" dirty="0"/>
-              <a:t>Alignment of </a:t>
-            </a:r>
-            <a:r>
-              <a:rPr lang="en-US" dirty="0" err="1"/>
-              <a:t>exonic</a:t>
-            </a:r>
-            <a:r>
-              <a:rPr lang="en-US" dirty="0"/>
-              <a:t> reads and long- and intermediate-anchored reads.</a:t>
-            </a:r>
-          </a:p>
-          <a:p>
-            <a:r>
-              <a:rPr lang="en-US" dirty="0"/>
-              <a:t>Given two exons from a gene on human chromosome 22, separated by a 3,899-bp intron, suppose the genomic region is transcribed and spliced and we have three reads sequenced from the resulting transcript: (</a:t>
-            </a:r>
-            <a:r>
-              <a:rPr lang="en-US" dirty="0" err="1"/>
-              <a:t>i</a:t>
-            </a:r>
-            <a:r>
-              <a:rPr lang="en-US" dirty="0"/>
-              <a:t>) an </a:t>
-            </a:r>
-            <a:r>
-              <a:rPr lang="en-US" dirty="0" err="1"/>
-              <a:t>exonic</a:t>
-            </a:r>
-            <a:r>
-              <a:rPr lang="en-US" dirty="0"/>
-              <a:t> read, (ii) a read spanning two exons with an 8-bp anchor in one exon and (iii) a read spanning two exons with 50 </a:t>
+              <a:t>The third read has long anchors (50 </a:t>
             </a:r>
             <a:r>
               <a:rPr lang="en-US" dirty="0" err="1"/>
@@ -1094,7 +1505,7 @@
             </a:r>
             <a:r>
               <a:rPr lang="en-US" dirty="0"/>
-              <a:t> in each exon (Supplementary Fig. 8). All the reads are assumed to be error free and 100 </a:t>
+              <a:t> each) in each exon. We first align the read beginning on the right, using global search as we did before. After the first 28 </a:t>
             </a:r>
             <a:r>
               <a:rPr lang="en-US" dirty="0" err="1"/>
@@ -1102,15 +1513,7 @@
             </a:r>
             <a:r>
               <a:rPr lang="en-US" dirty="0"/>
-              <a:t> long. We can apply hierarchical indexing to align each of these reads rapidly and correctly. We align the first read using the global FM-index (Supplementary Fig. 8a). Because global search is relatively time consuming, we change strategies when the partial alignment meets two conditions: (</a:t>
-            </a:r>
-            <a:r>
-              <a:rPr lang="en-US" dirty="0" err="1"/>
-              <a:t>i</a:t>
-            </a:r>
-            <a:r>
-              <a:rPr lang="en-US" dirty="0"/>
-              <a:t>) it is at least 28 </a:t>
+              <a:t> is uniquely mapped, we switch to the extension operation, which further aligns 22 </a:t>
             </a:r>
             <a:r>
               <a:rPr lang="en-US" dirty="0" err="1"/>
@@ -1118,7 +1521,7 @@
             </a:r>
             <a:r>
               <a:rPr lang="en-US" dirty="0"/>
-              <a:t> long and (ii) it maps onto exactly one location. For the read shown in the figure, the 28-bp sequence on its right end maps uniquely, allowing us to stop the global search operation at that point. From there, we extend the partial alignment by directly comparing the remaining sequence and the corresponding genomic sequence, which we can extract directly from the genome using the mapped location as an index. Because the read is error free and contained within one exon, the extension operation sweeps across the remaining 72 </a:t>
+              <a:t> and stops after a mismatch at the 51st base. We then choose a local FM index and perform a local search using the first 8 </a:t>
             </a:r>
             <a:r>
               <a:rPr lang="en-US" dirty="0" err="1"/>
@@ -1126,16 +1529,7 @@
             </a:r>
             <a:r>
               <a:rPr lang="en-US" dirty="0"/>
-              <a:t>, completing the alignment for the read. Note that we could perform this alignment using the global FM index, as TopHat2 does, but the combination of global search and local extension is faster.</a:t>
-            </a:r>
-          </a:p>
-          <a:p>
-            <a:endParaRPr lang="en-US" dirty="0"/>
-          </a:p>
-          <a:p>
-            <a:r>
-              <a:rPr lang="en-US" dirty="0"/>
-              <a:t>For the second read, which has a very short 8-bp anchor on the left side, we first try to map the read using global search, moving right to left (Supplementary Fig. 8b). The first 28 </a:t>
+              <a:t> of the remaining part of the read. Once this 8 </a:t>
             </a:r>
             <a:r>
               <a:rPr lang="en-US" dirty="0" err="1"/>
@@ -1143,122 +1537,16 @@
             </a:r>
             <a:r>
               <a:rPr lang="en-US" dirty="0"/>
-              <a:t> on the right end of the read maps uniquely, allowing us to anchor the alignment and halt the global search. We then extend the alignment until we encounter a mismatch at the 93rd base. This mismatch occurs when the alignment extension reaches the intron. At this point we pause the search, retrieve the local FM index that contains this location and align the remaining 8 </a:t>
-            </a:r>
-            <a:r>
-              <a:rPr lang="en-US" dirty="0" err="1"/>
-              <a:t>bp</a:t>
-            </a:r>
+              <a:t> is found, HISAT again uses the extension operation to align the rest of the read (Supplementary Fig. 8c). Note that if the 8-bp prefix mapped to too many locations, HISAT would use a longer prefix to reduce the number of potential locations to 5 or fewer.</a:t>
+            </a:r>
+          </a:p>
+          <a:p>
+            <a:endParaRPr lang="en-US" dirty="0"/>
+          </a:p>
+          <a:p>
             <a:r>
               <a:rPr lang="en-US" dirty="0"/>
-              <a:t> using this index. Because the index covers only a small region, in this case we find just one match for the 8-bp segment. Finally, we check whether the two partial alignments (8 </a:t>
-            </a:r>
-            <a:r>
-              <a:rPr lang="en-US" dirty="0" err="1"/>
-              <a:t>bp</a:t>
-            </a:r>
-            <a:r>
-              <a:rPr lang="en-US" dirty="0"/>
-              <a:t> and 92 </a:t>
-            </a:r>
-            <a:r>
-              <a:rPr lang="en-US" dirty="0" err="1"/>
-              <a:t>bp</a:t>
-            </a:r>
-            <a:r>
-              <a:rPr lang="en-US" dirty="0"/>
-              <a:t>) are compatible with each other (for example, in the correct orientation) and then combine them to produce a spliced alignment of the original read.</a:t>
-            </a:r>
-          </a:p>
-          <a:p>
-            <a:endParaRPr lang="en-US" dirty="0"/>
-          </a:p>
-          <a:p>
-            <a:r>
-              <a:rPr lang="en-US" dirty="0"/>
-              <a:t>Note that if we searched for an 8-bp sequence in the global index, we would expect to find an average of ~48,000 matching locations in the human genome (and sometimes many more). Instead of examining 48,000 possible locations, we use one of the local FM indexes, which is expected to contain just one copy of a given 8-bp sequence, on average. This two-stage hierarchical indexing allows us to avoid examining tens of thousands of candidate locations for short anchors, which in turn dramatically speeds up the overall alignment algorithm.</a:t>
-            </a:r>
-          </a:p>
-          <a:p>
-            <a:endParaRPr lang="en-US" dirty="0"/>
-          </a:p>
-          <a:p>
-            <a:r>
-              <a:rPr lang="en-US" dirty="0"/>
-              <a:t>The third read has long anchors (50 </a:t>
-            </a:r>
-            <a:r>
-              <a:rPr lang="en-US" dirty="0" err="1"/>
-              <a:t>bp</a:t>
-            </a:r>
-            <a:r>
-              <a:rPr lang="en-US" dirty="0"/>
-              <a:t> each) in each exon. We first align the read beginning on the right, using global search as we did before. After the first 28 </a:t>
-            </a:r>
-            <a:r>
-              <a:rPr lang="en-US" dirty="0" err="1"/>
-              <a:t>bp</a:t>
-            </a:r>
-            <a:r>
-              <a:rPr lang="en-US" dirty="0"/>
-              <a:t> is uniquely mapped, we switch to the extension operation, which further aligns 22 </a:t>
-            </a:r>
-            <a:r>
-              <a:rPr lang="en-US" dirty="0" err="1"/>
-              <a:t>bp</a:t>
-            </a:r>
-            <a:r>
-              <a:rPr lang="en-US" dirty="0"/>
-              <a:t> and stops after a mismatch at the 51st base. We then choose a local FM index and perform a local search using the first 8 </a:t>
-            </a:r>
-            <a:r>
-              <a:rPr lang="en-US" dirty="0" err="1"/>
-              <a:t>bp</a:t>
-            </a:r>
-            <a:r>
-              <a:rPr lang="en-US" dirty="0"/>
-              <a:t> of the remaining part of the read. Once this 8 </a:t>
-            </a:r>
-            <a:r>
-              <a:rPr lang="en-US" dirty="0" err="1"/>
-              <a:t>bp</a:t>
-            </a:r>
-            <a:r>
-              <a:rPr lang="en-US" dirty="0"/>
-              <a:t> is found, HISAT again uses the extension operation to align the rest of the read (Supplementary Fig. 8c). Note that if the 8-bp prefix mapped to too many locations, HISAT would use a longer prefix to reduce the number of potential locations to 5 or fewer.</a:t>
-            </a:r>
-          </a:p>
-          <a:p>
-            <a:endParaRPr lang="en-US" dirty="0"/>
-          </a:p>
-          <a:p>
-            <a:r>
-              <a:rPr lang="en-US" dirty="0"/>
-              <a:t>As we can see from these examples, we can combine global search, local search and directed read extension to achieve rapid yet sensitive alignment. Note that when a read has multiple spliced alignments, HISAT prefers to report alignments that use the canonical GT and AG </a:t>
-            </a:r>
-            <a:r>
-              <a:rPr lang="en-US" dirty="0" err="1"/>
-              <a:t>dinucleotides</a:t>
-            </a:r>
-            <a:r>
-              <a:rPr lang="en-US" dirty="0"/>
-              <a:t> on the ends of the intron. From any remaining alignments after this filter, it reports the one with the shortest intron length. HISAT provides several parameters with which users can customize its alignment strategy, including adjustable penalties for mismatches, </a:t>
-            </a:r>
-            <a:r>
-              <a:rPr lang="en-US" dirty="0" err="1"/>
-              <a:t>indels</a:t>
-            </a:r>
-            <a:r>
-              <a:rPr lang="en-US" dirty="0"/>
-              <a:t> and </a:t>
-            </a:r>
-            <a:r>
-              <a:rPr lang="en-US" dirty="0" err="1"/>
-              <a:t>noncanonical</a:t>
-            </a:r>
-            <a:r>
-              <a:rPr lang="en-US" dirty="0"/>
-              <a:t> splice sites (Supplementary Note).</a:t>
+              <a:t>As we can see from these examples, we can combine global search, local search and directed read extension to achieve rapid yet sensitive alignment. Note that when a read has multiple spliced alignments, HISAT prefers to report alignments that use the canonical GT and AG dinucleotides on the ends of the intron. From any remaining alignments after this filter, it reports the one with the shortest intron length. HISAT provides several parameters with which users can customize its alignment strategy, including adjustable penalties for mismatches, indels and noncanonical splice sites (Supplementary Note).</a:t>
             </a:r>
           </a:p>
         </p:txBody>
@@ -1349,709 +1637,7 @@
     </p:spTree>
     <p:extLst>
       <p:ext uri="{BB962C8B-B14F-4D97-AF65-F5344CB8AC3E}">
-        <p14:creationId xmlns:p14="http://schemas.microsoft.com/office/powerpoint/2010/main" val="1561575689"/>
-      </p:ext>
-    </p:extLst>
-  </p:cSld>
-  <p:clrMapOvr>
-    <a:masterClrMapping/>
-  </p:clrMapOvr>
-</p:notes>
-</file>
-
-<file path=ppt/notesSlides/notesSlide5.xml><?xml version="1.0" encoding="utf-8"?>
-<p:notes xmlns:a="http://schemas.openxmlformats.org/drawingml/2006/main" xmlns:r="http://schemas.openxmlformats.org/officeDocument/2006/relationships" xmlns:p="http://schemas.openxmlformats.org/presentationml/2006/main">
-  <p:cSld>
-    <p:spTree>
-      <p:nvGrpSpPr>
-        <p:cNvPr id="1" name=""/>
-        <p:cNvGrpSpPr/>
-        <p:nvPr/>
-      </p:nvGrpSpPr>
-      <p:grpSpPr>
-        <a:xfrm>
-          <a:off x="0" y="0"/>
-          <a:ext cx="0" cy="0"/>
-          <a:chOff x="0" y="0"/>
-          <a:chExt cx="0" cy="0"/>
-        </a:xfrm>
-      </p:grpSpPr>
-      <p:sp>
-        <p:nvSpPr>
-          <p:cNvPr id="2" name="Slide Image Placeholder 1"/>
-          <p:cNvSpPr>
-            <a:spLocks noGrp="1" noRot="1" noChangeAspect="1"/>
-          </p:cNvSpPr>
-          <p:nvPr>
-            <p:ph type="sldImg"/>
-          </p:nvPr>
-        </p:nvSpPr>
-        <p:spPr/>
-      </p:sp>
-      <p:sp>
-        <p:nvSpPr>
-          <p:cNvPr id="3" name="Notes Placeholder 2"/>
-          <p:cNvSpPr>
-            <a:spLocks noGrp="1"/>
-          </p:cNvSpPr>
-          <p:nvPr>
-            <p:ph type="body" idx="1"/>
-          </p:nvPr>
-        </p:nvSpPr>
-        <p:spPr/>
-        <p:txBody>
-          <a:bodyPr>
-            <a:normAutofit fontScale="55000" lnSpcReduction="20000"/>
-          </a:bodyPr>
-          <a:lstStyle/>
-          <a:p>
-            <a:r>
-              <a:rPr lang="en-US" dirty="0"/>
-              <a:t>Alignment of </a:t>
-            </a:r>
-            <a:r>
-              <a:rPr lang="en-US" dirty="0" err="1"/>
-              <a:t>exonic</a:t>
-            </a:r>
-            <a:r>
-              <a:rPr lang="en-US" dirty="0"/>
-              <a:t> reads and long- and intermediate-anchored reads.</a:t>
-            </a:r>
-          </a:p>
-          <a:p>
-            <a:r>
-              <a:rPr lang="en-US" dirty="0"/>
-              <a:t>Given two exons from a gene on human chromosome 22, separated by a 3,899-bp intron, suppose the genomic region is transcribed and spliced and we have three reads sequenced from the resulting transcript: (</a:t>
-            </a:r>
-            <a:r>
-              <a:rPr lang="en-US" dirty="0" err="1"/>
-              <a:t>i</a:t>
-            </a:r>
-            <a:r>
-              <a:rPr lang="en-US" dirty="0"/>
-              <a:t>) an </a:t>
-            </a:r>
-            <a:r>
-              <a:rPr lang="en-US" dirty="0" err="1"/>
-              <a:t>exonic</a:t>
-            </a:r>
-            <a:r>
-              <a:rPr lang="en-US" dirty="0"/>
-              <a:t> read, (ii) a read spanning two exons with an 8-bp anchor in one exon and (iii) a read spanning two exons with 50 </a:t>
-            </a:r>
-            <a:r>
-              <a:rPr lang="en-US" dirty="0" err="1"/>
-              <a:t>bp</a:t>
-            </a:r>
-            <a:r>
-              <a:rPr lang="en-US" dirty="0"/>
-              <a:t> in each exon (Supplementary Fig. 8). All the reads are assumed to be error free and 100 </a:t>
-            </a:r>
-            <a:r>
-              <a:rPr lang="en-US" dirty="0" err="1"/>
-              <a:t>bp</a:t>
-            </a:r>
-            <a:r>
-              <a:rPr lang="en-US" dirty="0"/>
-              <a:t> long. We can apply hierarchical indexing to align each of these reads rapidly and correctly. We align the first read using the global FM-index (Supplementary Fig. 8a). Because global search is relatively time consuming, we change strategies when the partial alignment meets two conditions: (</a:t>
-            </a:r>
-            <a:r>
-              <a:rPr lang="en-US" dirty="0" err="1"/>
-              <a:t>i</a:t>
-            </a:r>
-            <a:r>
-              <a:rPr lang="en-US" dirty="0"/>
-              <a:t>) it is at least 28 </a:t>
-            </a:r>
-            <a:r>
-              <a:rPr lang="en-US" dirty="0" err="1"/>
-              <a:t>bp</a:t>
-            </a:r>
-            <a:r>
-              <a:rPr lang="en-US" dirty="0"/>
-              <a:t> long and (ii) it maps onto exactly one location. For the read shown in the figure, the 28-bp sequence on its right end maps uniquely, allowing us to stop the global search operation at that point. From there, we extend the partial alignment by directly comparing the remaining sequence and the corresponding genomic sequence, which we can extract directly from the genome using the mapped location as an index. Because the read is error free and contained within one exon, the extension operation sweeps across the remaining 72 </a:t>
-            </a:r>
-            <a:r>
-              <a:rPr lang="en-US" dirty="0" err="1"/>
-              <a:t>bp</a:t>
-            </a:r>
-            <a:r>
-              <a:rPr lang="en-US" dirty="0"/>
-              <a:t>, completing the alignment for the read. Note that we could perform this alignment using the global FM index, as TopHat2 does, but the combination of global search and local extension is faster.</a:t>
-            </a:r>
-          </a:p>
-          <a:p>
-            <a:endParaRPr lang="en-US" dirty="0"/>
-          </a:p>
-          <a:p>
-            <a:r>
-              <a:rPr lang="en-US" dirty="0"/>
-              <a:t>For the second read, which has a very short 8-bp anchor on the left side, we first try to map the read using global search, moving right to left (Supplementary Fig. 8b). The first 28 </a:t>
-            </a:r>
-            <a:r>
-              <a:rPr lang="en-US" dirty="0" err="1"/>
-              <a:t>bp</a:t>
-            </a:r>
-            <a:r>
-              <a:rPr lang="en-US" dirty="0"/>
-              <a:t> on the right end of the read maps uniquely, allowing us to anchor the alignment and halt the global search. We then extend the alignment until we encounter a mismatch at the 93rd base. This mismatch occurs when the alignment extension reaches the intron. At this point we pause the search, retrieve the local FM index that contains this location and align the remaining 8 </a:t>
-            </a:r>
-            <a:r>
-              <a:rPr lang="en-US" dirty="0" err="1"/>
-              <a:t>bp</a:t>
-            </a:r>
-            <a:r>
-              <a:rPr lang="en-US" dirty="0"/>
-              <a:t> using this index. Because the index covers only a small region, in this case we find just one match for the 8-bp segment. Finally, we check whether the two partial alignments (8 </a:t>
-            </a:r>
-            <a:r>
-              <a:rPr lang="en-US" dirty="0" err="1"/>
-              <a:t>bp</a:t>
-            </a:r>
-            <a:r>
-              <a:rPr lang="en-US" dirty="0"/>
-              <a:t> and 92 </a:t>
-            </a:r>
-            <a:r>
-              <a:rPr lang="en-US" dirty="0" err="1"/>
-              <a:t>bp</a:t>
-            </a:r>
-            <a:r>
-              <a:rPr lang="en-US" dirty="0"/>
-              <a:t>) are compatible with each other (for example, in the correct orientation) and then combine them to produce a spliced alignment of the original read.</a:t>
-            </a:r>
-          </a:p>
-          <a:p>
-            <a:endParaRPr lang="en-US" dirty="0"/>
-          </a:p>
-          <a:p>
-            <a:r>
-              <a:rPr lang="en-US" dirty="0"/>
-              <a:t>Note that if we searched for an 8-bp sequence in the global index, we would expect to find an average of ~48,000 matching locations in the human genome (and sometimes many more). Instead of examining 48,000 possible locations, we use one of the local FM indexes, which is expected to contain just one copy of a given 8-bp sequence, on average. This two-stage hierarchical indexing allows us to avoid examining tens of thousands of candidate locations for short anchors, which in turn dramatically speeds up the overall alignment algorithm.</a:t>
-            </a:r>
-          </a:p>
-          <a:p>
-            <a:endParaRPr lang="en-US" dirty="0"/>
-          </a:p>
-          <a:p>
-            <a:r>
-              <a:rPr lang="en-US" dirty="0"/>
-              <a:t>The third read has long anchors (50 </a:t>
-            </a:r>
-            <a:r>
-              <a:rPr lang="en-US" dirty="0" err="1"/>
-              <a:t>bp</a:t>
-            </a:r>
-            <a:r>
-              <a:rPr lang="en-US" dirty="0"/>
-              <a:t> each) in each exon. We first align the read beginning on the right, using global search as we did before. After the first 28 </a:t>
-            </a:r>
-            <a:r>
-              <a:rPr lang="en-US" dirty="0" err="1"/>
-              <a:t>bp</a:t>
-            </a:r>
-            <a:r>
-              <a:rPr lang="en-US" dirty="0"/>
-              <a:t> is uniquely mapped, we switch to the extension operation, which further aligns 22 </a:t>
-            </a:r>
-            <a:r>
-              <a:rPr lang="en-US" dirty="0" err="1"/>
-              <a:t>bp</a:t>
-            </a:r>
-            <a:r>
-              <a:rPr lang="en-US" dirty="0"/>
-              <a:t> and stops after a mismatch at the 51st base. We then choose a local FM index and perform a local search using the first 8 </a:t>
-            </a:r>
-            <a:r>
-              <a:rPr lang="en-US" dirty="0" err="1"/>
-              <a:t>bp</a:t>
-            </a:r>
-            <a:r>
-              <a:rPr lang="en-US" dirty="0"/>
-              <a:t> of the remaining part of the read. Once this 8 </a:t>
-            </a:r>
-            <a:r>
-              <a:rPr lang="en-US" dirty="0" err="1"/>
-              <a:t>bp</a:t>
-            </a:r>
-            <a:r>
-              <a:rPr lang="en-US" dirty="0"/>
-              <a:t> is found, HISAT again uses the extension operation to align the rest of the read (Supplementary Fig. 8c). Note that if the 8-bp prefix mapped to too many locations, HISAT would use a longer prefix to reduce the number of potential locations to 5 or fewer.</a:t>
-            </a:r>
-          </a:p>
-          <a:p>
-            <a:endParaRPr lang="en-US" dirty="0"/>
-          </a:p>
-          <a:p>
-            <a:r>
-              <a:rPr lang="en-US" dirty="0"/>
-              <a:t>As we can see from these examples, we can combine global search, local search and directed read extension to achieve rapid yet sensitive alignment. Note that when a read has multiple spliced alignments, HISAT prefers to report alignments that use the canonical GT and AG </a:t>
-            </a:r>
-            <a:r>
-              <a:rPr lang="en-US" dirty="0" err="1"/>
-              <a:t>dinucleotides</a:t>
-            </a:r>
-            <a:r>
-              <a:rPr lang="en-US" dirty="0"/>
-              <a:t> on the ends of the intron. From any remaining alignments after this filter, it reports the one with the shortest intron length. HISAT provides several parameters with which users can customize its alignment strategy, including adjustable penalties for mismatches, </a:t>
-            </a:r>
-            <a:r>
-              <a:rPr lang="en-US" dirty="0" err="1"/>
-              <a:t>indels</a:t>
-            </a:r>
-            <a:r>
-              <a:rPr lang="en-US" dirty="0"/>
-              <a:t> and </a:t>
-            </a:r>
-            <a:r>
-              <a:rPr lang="en-US" dirty="0" err="1"/>
-              <a:t>noncanonical</a:t>
-            </a:r>
-            <a:r>
-              <a:rPr lang="en-US" dirty="0"/>
-              <a:t> splice sites (Supplementary Note).</a:t>
-            </a:r>
-          </a:p>
-        </p:txBody>
-      </p:sp>
-      <p:sp>
-        <p:nvSpPr>
-          <p:cNvPr id="4" name="Slide Number Placeholder 3"/>
-          <p:cNvSpPr>
-            <a:spLocks noGrp="1"/>
-          </p:cNvSpPr>
-          <p:nvPr>
-            <p:ph type="sldNum" sz="quarter" idx="10"/>
-          </p:nvPr>
-        </p:nvSpPr>
-        <p:spPr/>
-        <p:txBody>
-          <a:bodyPr/>
-          <a:lstStyle/>
-          <a:p>
-            <a:pPr marL="0" marR="0" lvl="0" indent="0" algn="r" defTabSz="914400" rtl="0" eaLnBrk="1" fontAlgn="auto" latinLnBrk="0" hangingPunct="1">
-              <a:lnSpc>
-                <a:spcPct val="100000"/>
-              </a:lnSpc>
-              <a:spcBef>
-                <a:spcPts val="0"/>
-              </a:spcBef>
-              <a:spcAft>
-                <a:spcPts val="0"/>
-              </a:spcAft>
-              <a:buClrTx/>
-              <a:buSzTx/>
-              <a:buFontTx/>
-              <a:buNone/>
-              <a:tabLst/>
-              <a:defRPr/>
-            </a:pPr>
-            <a:fld id="{58FBEE90-0CDA-3447-B595-4F8759630F3A}" type="slidenum">
-              <a:rPr kumimoji="0" lang="en-US" sz="1200" b="0" i="0" u="none" strike="noStrike" kern="1200" cap="none" spc="0" normalizeH="0" baseline="0" noProof="0" smtClean="0">
-                <a:ln>
-                  <a:noFill/>
-                </a:ln>
-                <a:solidFill>
-                  <a:prstClr val="black"/>
-                </a:solidFill>
-                <a:effectLst/>
-                <a:uLnTx/>
-                <a:uFillTx/>
-                <a:latin typeface="Calibri" panose="020F0502020204030204"/>
-                <a:ea typeface="+mn-ea"/>
-                <a:cs typeface="+mn-cs"/>
-              </a:rPr>
-              <a:pPr marL="0" marR="0" lvl="0" indent="0" algn="r" defTabSz="914400" rtl="0" eaLnBrk="1" fontAlgn="auto" latinLnBrk="0" hangingPunct="1">
-                <a:lnSpc>
-                  <a:spcPct val="100000"/>
-                </a:lnSpc>
-                <a:spcBef>
-                  <a:spcPts val="0"/>
-                </a:spcBef>
-                <a:spcAft>
-                  <a:spcPts val="0"/>
-                </a:spcAft>
-                <a:buClrTx/>
-                <a:buSzTx/>
-                <a:buFontTx/>
-                <a:buNone/>
-                <a:tabLst/>
-                <a:defRPr/>
-              </a:pPr>
-              <a:t>14</a:t>
-            </a:fld>
-            <a:endParaRPr kumimoji="0" lang="en-US" sz="1200" b="0" i="0" u="none" strike="noStrike" kern="1200" cap="none" spc="0" normalizeH="0" baseline="0" noProof="0">
-              <a:ln>
-                <a:noFill/>
-              </a:ln>
-              <a:solidFill>
-                <a:prstClr val="black"/>
-              </a:solidFill>
-              <a:effectLst/>
-              <a:uLnTx/>
-              <a:uFillTx/>
-              <a:latin typeface="Calibri" panose="020F0502020204030204"/>
-              <a:ea typeface="+mn-ea"/>
-              <a:cs typeface="+mn-cs"/>
-            </a:endParaRPr>
-          </a:p>
-        </p:txBody>
-      </p:sp>
-    </p:spTree>
-    <p:extLst>
-      <p:ext uri="{BB962C8B-B14F-4D97-AF65-F5344CB8AC3E}">
-        <p14:creationId xmlns:p14="http://schemas.microsoft.com/office/powerpoint/2010/main" val="266898588"/>
-      </p:ext>
-    </p:extLst>
-  </p:cSld>
-  <p:clrMapOvr>
-    <a:masterClrMapping/>
-  </p:clrMapOvr>
-</p:notes>
-</file>
-
-<file path=ppt/notesSlides/notesSlide6.xml><?xml version="1.0" encoding="utf-8"?>
-<p:notes xmlns:a="http://schemas.openxmlformats.org/drawingml/2006/main" xmlns:r="http://schemas.openxmlformats.org/officeDocument/2006/relationships" xmlns:p="http://schemas.openxmlformats.org/presentationml/2006/main">
-  <p:cSld>
-    <p:spTree>
-      <p:nvGrpSpPr>
-        <p:cNvPr id="1" name=""/>
-        <p:cNvGrpSpPr/>
-        <p:nvPr/>
-      </p:nvGrpSpPr>
-      <p:grpSpPr>
-        <a:xfrm>
-          <a:off x="0" y="0"/>
-          <a:ext cx="0" cy="0"/>
-          <a:chOff x="0" y="0"/>
-          <a:chExt cx="0" cy="0"/>
-        </a:xfrm>
-      </p:grpSpPr>
-      <p:sp>
-        <p:nvSpPr>
-          <p:cNvPr id="2" name="Slide Image Placeholder 1"/>
-          <p:cNvSpPr>
-            <a:spLocks noGrp="1" noRot="1" noChangeAspect="1"/>
-          </p:cNvSpPr>
-          <p:nvPr>
-            <p:ph type="sldImg"/>
-          </p:nvPr>
-        </p:nvSpPr>
-        <p:spPr/>
-      </p:sp>
-      <p:sp>
-        <p:nvSpPr>
-          <p:cNvPr id="3" name="Notes Placeholder 2"/>
-          <p:cNvSpPr>
-            <a:spLocks noGrp="1"/>
-          </p:cNvSpPr>
-          <p:nvPr>
-            <p:ph type="body" idx="1"/>
-          </p:nvPr>
-        </p:nvSpPr>
-        <p:spPr/>
-        <p:txBody>
-          <a:bodyPr>
-            <a:normAutofit fontScale="55000" lnSpcReduction="20000"/>
-          </a:bodyPr>
-          <a:lstStyle/>
-          <a:p>
-            <a:r>
-              <a:rPr lang="en-US" dirty="0"/>
-              <a:t>Alignment of </a:t>
-            </a:r>
-            <a:r>
-              <a:rPr lang="en-US" dirty="0" err="1"/>
-              <a:t>exonic</a:t>
-            </a:r>
-            <a:r>
-              <a:rPr lang="en-US" dirty="0"/>
-              <a:t> reads and long- and intermediate-anchored reads.</a:t>
-            </a:r>
-          </a:p>
-          <a:p>
-            <a:r>
-              <a:rPr lang="en-US" dirty="0"/>
-              <a:t>Given two exons from a gene on human chromosome 22, separated by a 3,899-bp intron, suppose the genomic region is transcribed and spliced and we have three reads sequenced from the resulting transcript: (</a:t>
-            </a:r>
-            <a:r>
-              <a:rPr lang="en-US" dirty="0" err="1"/>
-              <a:t>i</a:t>
-            </a:r>
-            <a:r>
-              <a:rPr lang="en-US" dirty="0"/>
-              <a:t>) an </a:t>
-            </a:r>
-            <a:r>
-              <a:rPr lang="en-US" dirty="0" err="1"/>
-              <a:t>exonic</a:t>
-            </a:r>
-            <a:r>
-              <a:rPr lang="en-US" dirty="0"/>
-              <a:t> read, (ii) a read spanning two exons with an 8-bp anchor in one exon and (iii) a read spanning two exons with 50 </a:t>
-            </a:r>
-            <a:r>
-              <a:rPr lang="en-US" dirty="0" err="1"/>
-              <a:t>bp</a:t>
-            </a:r>
-            <a:r>
-              <a:rPr lang="en-US" dirty="0"/>
-              <a:t> in each exon (Supplementary Fig. 8). All the reads are assumed to be error free and 100 </a:t>
-            </a:r>
-            <a:r>
-              <a:rPr lang="en-US" dirty="0" err="1"/>
-              <a:t>bp</a:t>
-            </a:r>
-            <a:r>
-              <a:rPr lang="en-US" dirty="0"/>
-              <a:t> long. We can apply hierarchical indexing to align each of these reads rapidly and correctly. We align the first read using the global FM-index (Supplementary Fig. 8a). Because global search is relatively time consuming, we change strategies when the partial alignment meets two conditions: (</a:t>
-            </a:r>
-            <a:r>
-              <a:rPr lang="en-US" dirty="0" err="1"/>
-              <a:t>i</a:t>
-            </a:r>
-            <a:r>
-              <a:rPr lang="en-US" dirty="0"/>
-              <a:t>) it is at least 28 </a:t>
-            </a:r>
-            <a:r>
-              <a:rPr lang="en-US" dirty="0" err="1"/>
-              <a:t>bp</a:t>
-            </a:r>
-            <a:r>
-              <a:rPr lang="en-US" dirty="0"/>
-              <a:t> long and (ii) it maps onto exactly one location. For the read shown in the figure, the 28-bp sequence on its right end maps uniquely, allowing us to stop the global search operation at that point. From there, we extend the partial alignment by directly comparing the remaining sequence and the corresponding genomic sequence, which we can extract directly from the genome using the mapped location as an index. Because the read is error free and contained within one exon, the extension operation sweeps across the remaining 72 </a:t>
-            </a:r>
-            <a:r>
-              <a:rPr lang="en-US" dirty="0" err="1"/>
-              <a:t>bp</a:t>
-            </a:r>
-            <a:r>
-              <a:rPr lang="en-US" dirty="0"/>
-              <a:t>, completing the alignment for the read. Note that we could perform this alignment using the global FM index, as TopHat2 does, but the combination of global search and local extension is faster.</a:t>
-            </a:r>
-          </a:p>
-          <a:p>
-            <a:endParaRPr lang="en-US" dirty="0"/>
-          </a:p>
-          <a:p>
-            <a:r>
-              <a:rPr lang="en-US" dirty="0"/>
-              <a:t>For the second read, which has a very short 8-bp anchor on the left side, we first try to map the read using global search, moving right to left (Supplementary Fig. 8b). The first 28 </a:t>
-            </a:r>
-            <a:r>
-              <a:rPr lang="en-US" dirty="0" err="1"/>
-              <a:t>bp</a:t>
-            </a:r>
-            <a:r>
-              <a:rPr lang="en-US" dirty="0"/>
-              <a:t> on the right end of the read maps uniquely, allowing us to anchor the alignment and halt the global search. We then extend the alignment until we encounter a mismatch at the 93rd base. This mismatch occurs when the alignment extension reaches the intron. At this point we pause the search, retrieve the local FM index that contains this location and align the remaining 8 </a:t>
-            </a:r>
-            <a:r>
-              <a:rPr lang="en-US" dirty="0" err="1"/>
-              <a:t>bp</a:t>
-            </a:r>
-            <a:r>
-              <a:rPr lang="en-US" dirty="0"/>
-              <a:t> using this index. Because the index covers only a small region, in this case we find just one match for the 8-bp segment. Finally, we check whether the two partial alignments (8 </a:t>
-            </a:r>
-            <a:r>
-              <a:rPr lang="en-US" dirty="0" err="1"/>
-              <a:t>bp</a:t>
-            </a:r>
-            <a:r>
-              <a:rPr lang="en-US" dirty="0"/>
-              <a:t> and 92 </a:t>
-            </a:r>
-            <a:r>
-              <a:rPr lang="en-US" dirty="0" err="1"/>
-              <a:t>bp</a:t>
-            </a:r>
-            <a:r>
-              <a:rPr lang="en-US" dirty="0"/>
-              <a:t>) are compatible with each other (for example, in the correct orientation) and then combine them to produce a spliced alignment of the original read.</a:t>
-            </a:r>
-          </a:p>
-          <a:p>
-            <a:endParaRPr lang="en-US" dirty="0"/>
-          </a:p>
-          <a:p>
-            <a:r>
-              <a:rPr lang="en-US" dirty="0"/>
-              <a:t>Note that if we searched for an 8-bp sequence in the global index, we would expect to find an average of ~48,000 matching locations in the human genome (and sometimes many more). Instead of examining 48,000 possible locations, we use one of the local FM indexes, which is expected to contain just one copy of a given 8-bp sequence, on average. This two-stage hierarchical indexing allows us to avoid examining tens of thousands of candidate locations for short anchors, which in turn dramatically speeds up the overall alignment algorithm.</a:t>
-            </a:r>
-          </a:p>
-          <a:p>
-            <a:endParaRPr lang="en-US" dirty="0"/>
-          </a:p>
-          <a:p>
-            <a:r>
-              <a:rPr lang="en-US" dirty="0"/>
-              <a:t>The third read has long anchors (50 </a:t>
-            </a:r>
-            <a:r>
-              <a:rPr lang="en-US" dirty="0" err="1"/>
-              <a:t>bp</a:t>
-            </a:r>
-            <a:r>
-              <a:rPr lang="en-US" dirty="0"/>
-              <a:t> each) in each exon. We first align the read beginning on the right, using global search as we did before. After the first 28 </a:t>
-            </a:r>
-            <a:r>
-              <a:rPr lang="en-US" dirty="0" err="1"/>
-              <a:t>bp</a:t>
-            </a:r>
-            <a:r>
-              <a:rPr lang="en-US" dirty="0"/>
-              <a:t> is uniquely mapped, we switch to the extension operation, which further aligns 22 </a:t>
-            </a:r>
-            <a:r>
-              <a:rPr lang="en-US" dirty="0" err="1"/>
-              <a:t>bp</a:t>
-            </a:r>
-            <a:r>
-              <a:rPr lang="en-US" dirty="0"/>
-              <a:t> and stops after a mismatch at the 51st base. We then choose a local FM index and perform a local search using the first 8 </a:t>
-            </a:r>
-            <a:r>
-              <a:rPr lang="en-US" dirty="0" err="1"/>
-              <a:t>bp</a:t>
-            </a:r>
-            <a:r>
-              <a:rPr lang="en-US" dirty="0"/>
-              <a:t> of the remaining part of the read. Once this 8 </a:t>
-            </a:r>
-            <a:r>
-              <a:rPr lang="en-US" dirty="0" err="1"/>
-              <a:t>bp</a:t>
-            </a:r>
-            <a:r>
-              <a:rPr lang="en-US" dirty="0"/>
-              <a:t> is found, HISAT again uses the extension operation to align the rest of the read (Supplementary Fig. 8c). Note that if the 8-bp prefix mapped to too many locations, HISAT would use a longer prefix to reduce the number of potential locations to 5 or fewer.</a:t>
-            </a:r>
-          </a:p>
-          <a:p>
-            <a:endParaRPr lang="en-US" dirty="0"/>
-          </a:p>
-          <a:p>
-            <a:r>
-              <a:rPr lang="en-US" dirty="0"/>
-              <a:t>As we can see from these examples, we can combine global search, local search and directed read extension to achieve rapid yet sensitive alignment. Note that when a read has multiple spliced alignments, HISAT prefers to report alignments that use the canonical GT and AG </a:t>
-            </a:r>
-            <a:r>
-              <a:rPr lang="en-US" dirty="0" err="1"/>
-              <a:t>dinucleotides</a:t>
-            </a:r>
-            <a:r>
-              <a:rPr lang="en-US" dirty="0"/>
-              <a:t> on the ends of the intron. From any remaining alignments after this filter, it reports the one with the shortest intron length. HISAT provides several parameters with which users can customize its alignment strategy, including adjustable penalties for mismatches, </a:t>
-            </a:r>
-            <a:r>
-              <a:rPr lang="en-US" dirty="0" err="1"/>
-              <a:t>indels</a:t>
-            </a:r>
-            <a:r>
-              <a:rPr lang="en-US" dirty="0"/>
-              <a:t> and </a:t>
-            </a:r>
-            <a:r>
-              <a:rPr lang="en-US" dirty="0" err="1"/>
-              <a:t>noncanonical</a:t>
-            </a:r>
-            <a:r>
-              <a:rPr lang="en-US" dirty="0"/>
-              <a:t> splice sites (Supplementary Note).</a:t>
-            </a:r>
-          </a:p>
-        </p:txBody>
-      </p:sp>
-      <p:sp>
-        <p:nvSpPr>
-          <p:cNvPr id="4" name="Slide Number Placeholder 3"/>
-          <p:cNvSpPr>
-            <a:spLocks noGrp="1"/>
-          </p:cNvSpPr>
-          <p:nvPr>
-            <p:ph type="sldNum" sz="quarter" idx="10"/>
-          </p:nvPr>
-        </p:nvSpPr>
-        <p:spPr/>
-        <p:txBody>
-          <a:bodyPr/>
-          <a:lstStyle/>
-          <a:p>
-            <a:pPr marL="0" marR="0" lvl="0" indent="0" algn="r" defTabSz="914400" rtl="0" eaLnBrk="1" fontAlgn="auto" latinLnBrk="0" hangingPunct="1">
-              <a:lnSpc>
-                <a:spcPct val="100000"/>
-              </a:lnSpc>
-              <a:spcBef>
-                <a:spcPts val="0"/>
-              </a:spcBef>
-              <a:spcAft>
-                <a:spcPts val="0"/>
-              </a:spcAft>
-              <a:buClrTx/>
-              <a:buSzTx/>
-              <a:buFontTx/>
-              <a:buNone/>
-              <a:tabLst/>
-              <a:defRPr/>
-            </a:pPr>
-            <a:fld id="{58FBEE90-0CDA-3447-B595-4F8759630F3A}" type="slidenum">
-              <a:rPr kumimoji="0" lang="en-US" sz="1200" b="0" i="0" u="none" strike="noStrike" kern="1200" cap="none" spc="0" normalizeH="0" baseline="0" noProof="0" smtClean="0">
-                <a:ln>
-                  <a:noFill/>
-                </a:ln>
-                <a:solidFill>
-                  <a:prstClr val="black"/>
-                </a:solidFill>
-                <a:effectLst/>
-                <a:uLnTx/>
-                <a:uFillTx/>
-                <a:latin typeface="Calibri" panose="020F0502020204030204"/>
-                <a:ea typeface="+mn-ea"/>
-                <a:cs typeface="+mn-cs"/>
-              </a:rPr>
-              <a:pPr marL="0" marR="0" lvl="0" indent="0" algn="r" defTabSz="914400" rtl="0" eaLnBrk="1" fontAlgn="auto" latinLnBrk="0" hangingPunct="1">
-                <a:lnSpc>
-                  <a:spcPct val="100000"/>
-                </a:lnSpc>
-                <a:spcBef>
-                  <a:spcPts val="0"/>
-                </a:spcBef>
-                <a:spcAft>
-                  <a:spcPts val="0"/>
-                </a:spcAft>
-                <a:buClrTx/>
-                <a:buSzTx/>
-                <a:buFontTx/>
-                <a:buNone/>
-                <a:tabLst/>
-                <a:defRPr/>
-              </a:pPr>
-              <a:t>15</a:t>
-            </a:fld>
-            <a:endParaRPr kumimoji="0" lang="en-US" sz="1200" b="0" i="0" u="none" strike="noStrike" kern="1200" cap="none" spc="0" normalizeH="0" baseline="0" noProof="0">
-              <a:ln>
-                <a:noFill/>
-              </a:ln>
-              <a:solidFill>
-                <a:prstClr val="black"/>
-              </a:solidFill>
-              <a:effectLst/>
-              <a:uLnTx/>
-              <a:uFillTx/>
-              <a:latin typeface="Calibri" panose="020F0502020204030204"/>
-              <a:ea typeface="+mn-ea"/>
-              <a:cs typeface="+mn-cs"/>
-            </a:endParaRPr>
-          </a:p>
-        </p:txBody>
-      </p:sp>
-    </p:spTree>
-    <p:extLst>
-      <p:ext uri="{BB962C8B-B14F-4D97-AF65-F5344CB8AC3E}">
-        <p14:creationId xmlns:p14="http://schemas.microsoft.com/office/powerpoint/2010/main" val="1137543390"/>
+        <p14:creationId xmlns:p14="http://schemas.microsoft.com/office/powerpoint/2010/main" val="144125740"/>
       </p:ext>
     </p:extLst>
   </p:cSld>
@@ -2315,14 +1901,14 @@
           </a:ln>
           <a:extLst>
             <a:ext uri="{909E8E84-426E-40dd-AFC4-6F175D3DCCD1}">
-              <a14:hiddenFill xmlns="" xmlns:a14="http://schemas.microsoft.com/office/drawing/2010/main">
+              <a14:hiddenFill xmlns:a14="http://schemas.microsoft.com/office/drawing/2010/main" xmlns="">
                 <a:solidFill>
                   <a:srgbClr val="FFFFFF"/>
                 </a:solidFill>
               </a14:hiddenFill>
             </a:ext>
             <a:ext uri="{91240B29-F687-4f45-9708-019B960494DF}">
-              <a14:hiddenLine xmlns="" xmlns:a14="http://schemas.microsoft.com/office/drawing/2010/main" w="9525">
+              <a14:hiddenLine xmlns:a14="http://schemas.microsoft.com/office/drawing/2010/main" xmlns="" w="9525">
                 <a:solidFill>
                   <a:srgbClr val="000000"/>
                 </a:solidFill>
@@ -8216,14 +7802,14 @@
           </a:ln>
           <a:extLst>
             <a:ext uri="{909E8E84-426E-40dd-AFC4-6F175D3DCCD1}">
-              <a14:hiddenFill xmlns="" xmlns:a14="http://schemas.microsoft.com/office/drawing/2010/main">
+              <a14:hiddenFill xmlns:a14="http://schemas.microsoft.com/office/drawing/2010/main" xmlns="">
                 <a:solidFill>
                   <a:srgbClr val="FFFFFF"/>
                 </a:solidFill>
               </a14:hiddenFill>
             </a:ext>
             <a:ext uri="{91240B29-F687-4f45-9708-019B960494DF}">
-              <a14:hiddenLine xmlns="" xmlns:a14="http://schemas.microsoft.com/office/drawing/2010/main" w="9525">
+              <a14:hiddenLine xmlns:a14="http://schemas.microsoft.com/office/drawing/2010/main" xmlns="" w="9525">
                 <a:solidFill>
                   <a:srgbClr val="000000"/>
                 </a:solidFill>
@@ -9220,14 +8806,14 @@
           </a:ln>
           <a:extLst>
             <a:ext uri="{909E8E84-426E-40dd-AFC4-6F175D3DCCD1}">
-              <a14:hiddenFill xmlns:a14="http://schemas.microsoft.com/office/drawing/2010/main" xmlns="">
+              <a14:hiddenFill xmlns="" xmlns:a14="http://schemas.microsoft.com/office/drawing/2010/main">
                 <a:solidFill>
                   <a:srgbClr val="FFFFFF"/>
                 </a:solidFill>
               </a14:hiddenFill>
             </a:ext>
             <a:ext uri="{91240B29-F687-4f45-9708-019B960494DF}">
-              <a14:hiddenLine xmlns:a14="http://schemas.microsoft.com/office/drawing/2010/main" xmlns="" w="9525">
+              <a14:hiddenLine xmlns="" xmlns:a14="http://schemas.microsoft.com/office/drawing/2010/main" w="9525">
                 <a:solidFill>
                   <a:srgbClr val="000000"/>
                 </a:solidFill>
@@ -10114,14 +9700,14 @@
           </a:ln>
           <a:extLst>
             <a:ext uri="{909E8E84-426E-40dd-AFC4-6F175D3DCCD1}">
-              <a14:hiddenFill xmlns:a14="http://schemas.microsoft.com/office/drawing/2010/main" xmlns="">
+              <a14:hiddenFill xmlns="" xmlns:a14="http://schemas.microsoft.com/office/drawing/2010/main">
                 <a:solidFill>
                   <a:srgbClr val="FFFFFF"/>
                 </a:solidFill>
               </a14:hiddenFill>
             </a:ext>
             <a:ext uri="{91240B29-F687-4f45-9708-019B960494DF}">
-              <a14:hiddenLine xmlns:a14="http://schemas.microsoft.com/office/drawing/2010/main" xmlns="" w="9525">
+              <a14:hiddenLine xmlns="" xmlns:a14="http://schemas.microsoft.com/office/drawing/2010/main" w="9525">
                 <a:solidFill>
                   <a:srgbClr val="000000"/>
                 </a:solidFill>
@@ -10165,7 +9751,7 @@
       </p:grpSpPr>
       <p:sp>
         <p:nvSpPr>
-          <p:cNvPr id="19457" name="Title 1"/>
+          <p:cNvPr id="20481" name="Title 1"/>
           <p:cNvSpPr>
             <a:spLocks noGrp="1"/>
           </p:cNvSpPr>
@@ -10175,129 +9761,234 @@
         </p:nvSpPr>
         <p:spPr>
           <a:xfrm>
-            <a:off x="1676400" y="-26988"/>
-            <a:ext cx="8839200" cy="1143001"/>
+            <a:off x="1676400" y="-103187"/>
+            <a:ext cx="8839200" cy="935708"/>
           </a:xfrm>
         </p:spPr>
         <p:txBody>
-          <a:bodyPr>
-            <a:normAutofit fontScale="90000"/>
-          </a:bodyPr>
+          <a:bodyPr/>
           <a:lstStyle/>
           <a:p>
             <a:pPr algn="ctr"/>
             <a:r>
-              <a:rPr lang="en-US" dirty="0">
+              <a:rPr lang="en-US" b="1" dirty="0">
                 <a:latin typeface="Calibri" charset="0"/>
                 <a:ea typeface="ＭＳ Ｐゴシック" charset="0"/>
               </a:rPr>
-              <a:t>Should I use a splice-aware or </a:t>
-            </a:r>
-            <a:r>
-              <a:rPr lang="en-US" dirty="0" err="1">
-                <a:latin typeface="Calibri" charset="0"/>
-                <a:ea typeface="ＭＳ Ｐゴシック" charset="0"/>
-              </a:rPr>
-              <a:t>unspliced</a:t>
-            </a:r>
-            <a:r>
-              <a:rPr lang="en-US" dirty="0">
-                <a:latin typeface="Calibri" charset="0"/>
-                <a:ea typeface="ＭＳ Ｐゴシック" charset="0"/>
-              </a:rPr>
-              <a:t> mapper?</a:t>
-            </a:r>
-          </a:p>
-        </p:txBody>
-      </p:sp>
-      <p:sp>
-        <p:nvSpPr>
-          <p:cNvPr id="3" name="Content Placeholder 2"/>
-          <p:cNvSpPr>
-            <a:spLocks noGrp="1"/>
-          </p:cNvSpPr>
-          <p:nvPr>
-            <p:ph idx="1"/>
-          </p:nvPr>
-        </p:nvSpPr>
-        <p:spPr/>
-        <p:txBody>
-          <a:bodyPr>
-            <a:normAutofit/>
-          </a:bodyPr>
-          <a:lstStyle/>
-          <a:p>
-            <a:pPr>
-              <a:defRPr/>
-            </a:pPr>
-            <a:r>
-              <a:rPr lang="en-US" dirty="0"/>
-              <a:t>RNA-seq reads may span large introns</a:t>
-            </a:r>
-          </a:p>
-          <a:p>
-            <a:pPr>
-              <a:defRPr/>
-            </a:pPr>
-            <a:r>
-              <a:rPr lang="en-US" dirty="0"/>
-              <a:t>The fragments being sequenced in RNA-seq represent mRNA and therefore the introns are removed</a:t>
-            </a:r>
-          </a:p>
-          <a:p>
-            <a:pPr>
-              <a:defRPr/>
-            </a:pPr>
-            <a:r>
-              <a:rPr lang="en-US" dirty="0"/>
-              <a:t>But we are usually aligning these reads back to the reference genome</a:t>
-            </a:r>
-          </a:p>
-          <a:p>
-            <a:pPr>
-              <a:defRPr/>
-            </a:pPr>
-            <a:r>
-              <a:rPr lang="en-US" dirty="0"/>
-              <a:t>Unless your reads are short (&lt;50bp) you should use a splice-aware aligner</a:t>
-            </a:r>
-          </a:p>
-          <a:p>
-            <a:pPr lvl="1">
-              <a:defRPr/>
-            </a:pPr>
-            <a:r>
-              <a:rPr lang="en-US" dirty="0"/>
-              <a:t>HISAT2, STAR, MapSplice, etc. </a:t>
+              <a:t>HISAT2 Alignment</a:t>
             </a:r>
           </a:p>
         </p:txBody>
       </p:sp>
       <p:pic>
         <p:nvPicPr>
-          <p:cNvPr id="19459" name="Picture 5" descr="Figure1"/>
+          <p:cNvPr id="6" name="Picture 5">
+            <a:extLst>
+              <a:ext uri="{FF2B5EF4-FFF2-40B4-BE49-F238E27FC236}">
+                <a16:creationId xmlns:a16="http://schemas.microsoft.com/office/drawing/2014/main" id="{35157FC1-0FE3-984D-AA0F-E4696CA1B6C2}"/>
+              </a:ext>
+            </a:extLst>
+          </p:cNvPr>
           <p:cNvPicPr>
-            <a:picLocks noChangeAspect="1" noChangeArrowheads="1"/>
+            <a:picLocks noChangeAspect="1"/>
           </p:cNvPicPr>
           <p:nvPr/>
         </p:nvPicPr>
-        <p:blipFill>
-          <a:blip r:embed="rId2">
+        <p:blipFill rotWithShape="1">
+          <a:blip r:embed="rId3"/>
+          <a:srcRect b="76561"/>
+          <a:stretch/>
+        </p:blipFill>
+        <p:spPr>
+          <a:xfrm>
+            <a:off x="1676400" y="1421338"/>
+            <a:ext cx="8144026" cy="2312461"/>
+          </a:xfrm>
+          <a:prstGeom prst="rect">
+            <a:avLst/>
+          </a:prstGeom>
+        </p:spPr>
+      </p:pic>
+      <p:sp>
+        <p:nvSpPr>
+          <p:cNvPr id="7" name="TextBox 6">
             <a:extLst>
-              <a:ext uri="{28A0092B-C50C-407E-A947-70E740481C1C}">
-                <a14:useLocalDpi xmlns:a14="http://schemas.microsoft.com/office/drawing/2010/main" val="0"/>
+              <a:ext uri="{FF2B5EF4-FFF2-40B4-BE49-F238E27FC236}">
+                <a16:creationId xmlns:a16="http://schemas.microsoft.com/office/drawing/2014/main" id="{AE764EBC-0278-A646-9801-53EFBE3B0E1C}"/>
               </a:ext>
             </a:extLst>
-          </a:blip>
-          <a:srcRect b="38274"/>
-          <a:stretch>
-            <a:fillRect/>
-          </a:stretch>
-        </p:blipFill>
+          </p:cNvPr>
+          <p:cNvSpPr txBox="1"/>
+          <p:nvPr/>
+        </p:nvSpPr>
+        <p:spPr>
+          <a:xfrm>
+            <a:off x="1676400" y="3733798"/>
+            <a:ext cx="8839200" cy="1815882"/>
+          </a:xfrm>
+          <a:prstGeom prst="rect">
+            <a:avLst/>
+          </a:prstGeom>
+          <a:noFill/>
+        </p:spPr>
+        <p:txBody>
+          <a:bodyPr wrap="square" rtlCol="0">
+            <a:spAutoFit/>
+          </a:bodyPr>
+          <a:lstStyle/>
+          <a:p>
+            <a:pPr marL="342900" marR="0" lvl="0" indent="-342900" algn="l" defTabSz="914400" rtl="0" eaLnBrk="1" fontAlgn="auto" latinLnBrk="0" hangingPunct="1">
+              <a:lnSpc>
+                <a:spcPct val="100000"/>
+              </a:lnSpc>
+              <a:spcBef>
+                <a:spcPts val="0"/>
+              </a:spcBef>
+              <a:spcAft>
+                <a:spcPts val="0"/>
+              </a:spcAft>
+              <a:buClrTx/>
+              <a:buSzTx/>
+              <a:buFont typeface="Arial"/>
+              <a:buChar char="•"/>
+              <a:tabLst/>
+              <a:defRPr/>
+            </a:pPr>
+            <a:r>
+              <a:rPr lang="en-US" sz="2800" dirty="0">
+                <a:solidFill>
+                  <a:prstClr val="black"/>
+                </a:solidFill>
+                <a:latin typeface="Calibri" panose="020F0502020204030204" pitchFamily="34" charset="0"/>
+                <a:cs typeface="Calibri" panose="020F0502020204030204" pitchFamily="34" charset="0"/>
+              </a:rPr>
+              <a:t>Two exons from chr22</a:t>
+            </a:r>
+          </a:p>
+          <a:p>
+            <a:pPr marL="342900" marR="0" lvl="0" indent="-342900" algn="l" defTabSz="914400" rtl="0" eaLnBrk="1" fontAlgn="auto" latinLnBrk="0" hangingPunct="1">
+              <a:lnSpc>
+                <a:spcPct val="100000"/>
+              </a:lnSpc>
+              <a:spcBef>
+                <a:spcPts val="0"/>
+              </a:spcBef>
+              <a:spcAft>
+                <a:spcPts val="0"/>
+              </a:spcAft>
+              <a:buClrTx/>
+              <a:buSzTx/>
+              <a:buFont typeface="Arial"/>
+              <a:buChar char="•"/>
+              <a:tabLst/>
+              <a:defRPr/>
+            </a:pPr>
+            <a:endParaRPr kumimoji="0" lang="en-US" sz="2800" b="0" i="0" u="none" strike="noStrike" kern="1200" cap="none" spc="0" normalizeH="0" baseline="0" noProof="0" dirty="0">
+              <a:ln>
+                <a:noFill/>
+              </a:ln>
+              <a:solidFill>
+                <a:prstClr val="black"/>
+              </a:solidFill>
+              <a:effectLst/>
+              <a:uLnTx/>
+              <a:uFillTx/>
+              <a:latin typeface="Calibri" panose="020F0502020204030204" pitchFamily="34" charset="0"/>
+              <a:cs typeface="Calibri" panose="020F0502020204030204" pitchFamily="34" charset="0"/>
+            </a:endParaRPr>
+          </a:p>
+          <a:p>
+            <a:pPr marL="342900" marR="0" lvl="0" indent="-342900" algn="l" defTabSz="914400" rtl="0" eaLnBrk="1" fontAlgn="auto" latinLnBrk="0" hangingPunct="1">
+              <a:lnSpc>
+                <a:spcPct val="100000"/>
+              </a:lnSpc>
+              <a:spcBef>
+                <a:spcPts val="0"/>
+              </a:spcBef>
+              <a:spcAft>
+                <a:spcPts val="0"/>
+              </a:spcAft>
+              <a:buClrTx/>
+              <a:buSzTx/>
+              <a:buFont typeface="Arial"/>
+              <a:buChar char="•"/>
+              <a:tabLst/>
+              <a:defRPr/>
+            </a:pPr>
+            <a:r>
+              <a:rPr lang="en-US" sz="2800" dirty="0">
+                <a:solidFill>
+                  <a:prstClr val="black"/>
+                </a:solidFill>
+                <a:latin typeface="Calibri" panose="020F0502020204030204" pitchFamily="34" charset="0"/>
+                <a:cs typeface="Calibri" panose="020F0502020204030204" pitchFamily="34" charset="0"/>
+              </a:rPr>
+              <a:t>Three reads</a:t>
+            </a:r>
+            <a:endParaRPr kumimoji="0" lang="en-US" sz="2800" b="0" i="0" u="none" strike="noStrike" kern="1200" cap="none" spc="0" normalizeH="0" baseline="0" noProof="0" dirty="0">
+              <a:ln>
+                <a:noFill/>
+              </a:ln>
+              <a:solidFill>
+                <a:prstClr val="black"/>
+              </a:solidFill>
+              <a:effectLst/>
+              <a:uLnTx/>
+              <a:uFillTx/>
+              <a:latin typeface="Calibri" panose="020F0502020204030204" pitchFamily="34" charset="0"/>
+              <a:cs typeface="Calibri" panose="020F0502020204030204" pitchFamily="34" charset="0"/>
+            </a:endParaRPr>
+          </a:p>
+          <a:p>
+            <a:pPr marR="0" lvl="0" algn="l" defTabSz="914400" rtl="0" eaLnBrk="1" fontAlgn="auto" latinLnBrk="0" hangingPunct="1">
+              <a:lnSpc>
+                <a:spcPct val="100000"/>
+              </a:lnSpc>
+              <a:spcBef>
+                <a:spcPts val="0"/>
+              </a:spcBef>
+              <a:spcAft>
+                <a:spcPts val="0"/>
+              </a:spcAft>
+              <a:buClrTx/>
+              <a:buSzTx/>
+              <a:tabLst/>
+              <a:defRPr/>
+            </a:pPr>
+            <a:endParaRPr kumimoji="0" lang="en-US" sz="2800" b="0" i="0" u="none" strike="noStrike" kern="1200" cap="none" spc="0" normalizeH="0" baseline="0" noProof="0" dirty="0">
+              <a:ln>
+                <a:noFill/>
+              </a:ln>
+              <a:solidFill>
+                <a:prstClr val="black"/>
+              </a:solidFill>
+              <a:effectLst/>
+              <a:uLnTx/>
+              <a:uFillTx/>
+              <a:latin typeface="Calibri" panose="020F0502020204030204" pitchFamily="34" charset="0"/>
+              <a:cs typeface="Calibri" panose="020F0502020204030204" pitchFamily="34" charset="0"/>
+            </a:endParaRPr>
+          </a:p>
+        </p:txBody>
+      </p:sp>
+      <p:sp>
+        <p:nvSpPr>
+          <p:cNvPr id="9" name="TextBox 4">
+            <a:extLst>
+              <a:ext uri="{FF2B5EF4-FFF2-40B4-BE49-F238E27FC236}">
+                <a16:creationId xmlns:a16="http://schemas.microsoft.com/office/drawing/2014/main" id="{0F13B9EF-1D53-A84E-831D-3961BF17E027}"/>
+              </a:ext>
+            </a:extLst>
+          </p:cNvPr>
+          <p:cNvSpPr txBox="1">
+            <a:spLocks noChangeArrowheads="1"/>
+          </p:cNvSpPr>
+          <p:nvPr/>
+        </p:nvSpPr>
         <p:spPr bwMode="auto">
           <a:xfrm>
-            <a:off x="6167439" y="1844676"/>
-            <a:ext cx="4014787" cy="3097213"/>
+            <a:off x="8305448" y="6065838"/>
+            <a:ext cx="4176464" cy="338554"/>
           </a:xfrm>
           <a:prstGeom prst="rect">
             <a:avLst/>
@@ -10308,14 +9999,14 @@
           </a:ln>
           <a:extLst>
             <a:ext uri="{909E8E84-426E-40dd-AFC4-6F175D3DCCD1}">
-              <a14:hiddenFill xmlns="" xmlns:a14="http://schemas.microsoft.com/office/drawing/2010/main">
+              <a14:hiddenFill xmlns:a14="http://schemas.microsoft.com/office/drawing/2010/main" xmlns="">
                 <a:solidFill>
                   <a:srgbClr val="FFFFFF"/>
                 </a:solidFill>
               </a14:hiddenFill>
             </a:ext>
             <a:ext uri="{91240B29-F687-4f45-9708-019B960494DF}">
-              <a14:hiddenLine xmlns="" xmlns:a14="http://schemas.microsoft.com/office/drawing/2010/main" w="9525">
+              <a14:hiddenLine xmlns:a14="http://schemas.microsoft.com/office/drawing/2010/main" xmlns="" w="9525">
                 <a:solidFill>
                   <a:srgbClr val="000000"/>
                 </a:solidFill>
@@ -10326,11 +10017,159 @@
             </a:ext>
           </a:extLst>
         </p:spPr>
-      </p:pic>
+        <p:txBody>
+          <a:bodyPr wrap="square">
+            <a:spAutoFit/>
+          </a:bodyPr>
+          <a:lstStyle>
+            <a:lvl1pPr eaLnBrk="0" hangingPunct="0">
+              <a:defRPr sz="2400">
+                <a:solidFill>
+                  <a:schemeClr val="tx1"/>
+                </a:solidFill>
+                <a:latin typeface="Arial" charset="0"/>
+                <a:ea typeface="ＭＳ Ｐゴシック" charset="0"/>
+                <a:cs typeface="ＭＳ Ｐゴシック" charset="0"/>
+              </a:defRPr>
+            </a:lvl1pPr>
+            <a:lvl2pPr marL="742950" indent="-285750" eaLnBrk="0" hangingPunct="0">
+              <a:defRPr sz="2400">
+                <a:solidFill>
+                  <a:schemeClr val="tx1"/>
+                </a:solidFill>
+                <a:latin typeface="Arial" charset="0"/>
+                <a:ea typeface="ＭＳ Ｐゴシック" charset="0"/>
+              </a:defRPr>
+            </a:lvl2pPr>
+            <a:lvl3pPr marL="1143000" indent="-228600" eaLnBrk="0" hangingPunct="0">
+              <a:defRPr sz="2400">
+                <a:solidFill>
+                  <a:schemeClr val="tx1"/>
+                </a:solidFill>
+                <a:latin typeface="Arial" charset="0"/>
+                <a:ea typeface="ＭＳ Ｐゴシック" charset="0"/>
+              </a:defRPr>
+            </a:lvl3pPr>
+            <a:lvl4pPr marL="1600200" indent="-228600" eaLnBrk="0" hangingPunct="0">
+              <a:defRPr sz="2400">
+                <a:solidFill>
+                  <a:schemeClr val="tx1"/>
+                </a:solidFill>
+                <a:latin typeface="Arial" charset="0"/>
+                <a:ea typeface="ＭＳ Ｐゴシック" charset="0"/>
+              </a:defRPr>
+            </a:lvl4pPr>
+            <a:lvl5pPr marL="2057400" indent="-228600" eaLnBrk="0" hangingPunct="0">
+              <a:defRPr sz="2400">
+                <a:solidFill>
+                  <a:schemeClr val="tx1"/>
+                </a:solidFill>
+                <a:latin typeface="Arial" charset="0"/>
+                <a:ea typeface="ＭＳ Ｐゴシック" charset="0"/>
+              </a:defRPr>
+            </a:lvl5pPr>
+            <a:lvl6pPr marL="2514600" indent="-228600" eaLnBrk="0" fontAlgn="base" hangingPunct="0">
+              <a:spcBef>
+                <a:spcPct val="0"/>
+              </a:spcBef>
+              <a:spcAft>
+                <a:spcPct val="0"/>
+              </a:spcAft>
+              <a:defRPr sz="2400">
+                <a:solidFill>
+                  <a:schemeClr val="tx1"/>
+                </a:solidFill>
+                <a:latin typeface="Arial" charset="0"/>
+                <a:ea typeface="ＭＳ Ｐゴシック" charset="0"/>
+              </a:defRPr>
+            </a:lvl6pPr>
+            <a:lvl7pPr marL="2971800" indent="-228600" eaLnBrk="0" fontAlgn="base" hangingPunct="0">
+              <a:spcBef>
+                <a:spcPct val="0"/>
+              </a:spcBef>
+              <a:spcAft>
+                <a:spcPct val="0"/>
+              </a:spcAft>
+              <a:defRPr sz="2400">
+                <a:solidFill>
+                  <a:schemeClr val="tx1"/>
+                </a:solidFill>
+                <a:latin typeface="Arial" charset="0"/>
+                <a:ea typeface="ＭＳ Ｐゴシック" charset="0"/>
+              </a:defRPr>
+            </a:lvl7pPr>
+            <a:lvl8pPr marL="3429000" indent="-228600" eaLnBrk="0" fontAlgn="base" hangingPunct="0">
+              <a:spcBef>
+                <a:spcPct val="0"/>
+              </a:spcBef>
+              <a:spcAft>
+                <a:spcPct val="0"/>
+              </a:spcAft>
+              <a:defRPr sz="2400">
+                <a:solidFill>
+                  <a:schemeClr val="tx1"/>
+                </a:solidFill>
+                <a:latin typeface="Arial" charset="0"/>
+                <a:ea typeface="ＭＳ Ｐゴシック" charset="0"/>
+              </a:defRPr>
+            </a:lvl8pPr>
+            <a:lvl9pPr marL="3886200" indent="-228600" eaLnBrk="0" fontAlgn="base" hangingPunct="0">
+              <a:spcBef>
+                <a:spcPct val="0"/>
+              </a:spcBef>
+              <a:spcAft>
+                <a:spcPct val="0"/>
+              </a:spcAft>
+              <a:defRPr sz="2400">
+                <a:solidFill>
+                  <a:schemeClr val="tx1"/>
+                </a:solidFill>
+                <a:latin typeface="Arial" charset="0"/>
+                <a:ea typeface="ＭＳ Ｐゴシック" charset="0"/>
+              </a:defRPr>
+            </a:lvl9pPr>
+          </a:lstStyle>
+          <a:p>
+            <a:pPr marL="0" marR="0" lvl="0" indent="0" algn="l" defTabSz="914400" rtl="0" eaLnBrk="1" fontAlgn="auto" latinLnBrk="0" hangingPunct="1">
+              <a:lnSpc>
+                <a:spcPct val="100000"/>
+              </a:lnSpc>
+              <a:spcBef>
+                <a:spcPts val="0"/>
+              </a:spcBef>
+              <a:spcAft>
+                <a:spcPts val="0"/>
+              </a:spcAft>
+              <a:buClrTx/>
+              <a:buSzTx/>
+              <a:buFontTx/>
+              <a:buNone/>
+              <a:tabLst/>
+              <a:defRPr/>
+            </a:pPr>
+            <a:r>
+              <a:rPr kumimoji="0" lang="en-US" sz="1600" b="0" i="0" u="none" strike="noStrike" kern="1200" cap="none" spc="0" normalizeH="0" baseline="0" noProof="0" dirty="0">
+                <a:ln>
+                  <a:noFill/>
+                </a:ln>
+                <a:solidFill>
+                  <a:prstClr val="black"/>
+                </a:solidFill>
+                <a:effectLst/>
+                <a:uLnTx/>
+                <a:uFillTx/>
+                <a:latin typeface="Arial" charset="0"/>
+                <a:ea typeface="ＭＳ Ｐゴシック" charset="0"/>
+              </a:rPr>
+              <a:t>Kim et al. 2015. Nat Methods 12:357–360 </a:t>
+            </a:r>
+          </a:p>
+        </p:txBody>
+      </p:sp>
     </p:spTree>
     <p:extLst>
       <p:ext uri="{BB962C8B-B14F-4D97-AF65-F5344CB8AC3E}">
-        <p14:creationId xmlns:p14="http://schemas.microsoft.com/office/powerpoint/2010/main" val="3914650629"/>
+        <p14:creationId xmlns:p14="http://schemas.microsoft.com/office/powerpoint/2010/main" val="360778262"/>
       </p:ext>
     </p:extLst>
   </p:cSld>
@@ -10369,7 +10208,7 @@
         </p:nvSpPr>
         <p:spPr>
           <a:xfrm>
-            <a:off x="1676400" y="-26987"/>
+            <a:off x="1676400" y="-103187"/>
             <a:ext cx="8839200" cy="935708"/>
           </a:xfrm>
         </p:spPr>
@@ -10383,147 +10222,185 @@
                 <a:latin typeface="Calibri" charset="0"/>
                 <a:ea typeface="ＭＳ Ｐゴシック" charset="0"/>
               </a:rPr>
-              <a:t>HISAT/HISAT2</a:t>
-            </a:r>
-          </a:p>
-        </p:txBody>
-      </p:sp>
-      <p:sp>
-        <p:nvSpPr>
-          <p:cNvPr id="26626" name="Content Placeholder 2"/>
-          <p:cNvSpPr>
-            <a:spLocks noGrp="1"/>
-          </p:cNvSpPr>
-          <p:nvPr>
-            <p:ph idx="1"/>
-          </p:nvPr>
-        </p:nvSpPr>
+              <a:t>HISAT2 Alignment</a:t>
+            </a:r>
+          </a:p>
+        </p:txBody>
+      </p:sp>
+      <p:pic>
+        <p:nvPicPr>
+          <p:cNvPr id="6" name="Picture 5">
+            <a:extLst>
+              <a:ext uri="{FF2B5EF4-FFF2-40B4-BE49-F238E27FC236}">
+                <a16:creationId xmlns:a16="http://schemas.microsoft.com/office/drawing/2014/main" id="{35157FC1-0FE3-984D-AA0F-E4696CA1B6C2}"/>
+              </a:ext>
+            </a:extLst>
+          </p:cNvPr>
+          <p:cNvPicPr>
+            <a:picLocks noChangeAspect="1"/>
+          </p:cNvPicPr>
+          <p:nvPr/>
+        </p:nvPicPr>
+        <p:blipFill rotWithShape="1">
+          <a:blip r:embed="rId3"/>
+          <a:srcRect l="11415" t="27722" b="55707"/>
+          <a:stretch/>
+        </p:blipFill>
         <p:spPr>
           <a:xfrm>
-            <a:off x="554636" y="1341438"/>
-            <a:ext cx="5181002" cy="4724400"/>
+            <a:off x="2026920" y="1489366"/>
+            <a:ext cx="7214386" cy="1634836"/>
           </a:xfrm>
+          <a:prstGeom prst="rect">
+            <a:avLst/>
+          </a:prstGeom>
         </p:spPr>
-        <p:txBody>
-          <a:bodyPr>
-            <a:normAutofit fontScale="85000" lnSpcReduction="20000"/>
+      </p:pic>
+      <p:sp>
+        <p:nvSpPr>
+          <p:cNvPr id="7" name="TextBox 6">
+            <a:extLst>
+              <a:ext uri="{FF2B5EF4-FFF2-40B4-BE49-F238E27FC236}">
+                <a16:creationId xmlns:a16="http://schemas.microsoft.com/office/drawing/2014/main" id="{AE764EBC-0278-A646-9801-53EFBE3B0E1C}"/>
+              </a:ext>
+            </a:extLst>
+          </p:cNvPr>
+          <p:cNvSpPr txBox="1"/>
+          <p:nvPr/>
+        </p:nvSpPr>
+        <p:spPr>
+          <a:xfrm>
+            <a:off x="1676400" y="3733798"/>
+            <a:ext cx="8839200" cy="2246769"/>
+          </a:xfrm>
+          <a:prstGeom prst="rect">
+            <a:avLst/>
+          </a:prstGeom>
+          <a:noFill/>
+        </p:spPr>
+        <p:txBody>
+          <a:bodyPr wrap="square" rtlCol="0">
+            <a:spAutoFit/>
           </a:bodyPr>
           <a:lstStyle/>
           <a:p>
-            <a:pPr>
+            <a:pPr marL="342900" lvl="0" indent="-342900">
+              <a:buFont typeface="Arial"/>
+              <a:buChar char="•"/>
               <a:defRPr/>
             </a:pPr>
             <a:r>
-              <a:rPr lang="en-US" dirty="0">
-                <a:latin typeface="Calibri" charset="0"/>
-                <a:ea typeface="ＭＳ Ｐゴシック" charset="0"/>
+              <a:rPr lang="en-US" sz="2800" dirty="0">
+                <a:solidFill>
+                  <a:prstClr val="black"/>
+                </a:solidFill>
+                <a:latin typeface="Calibri" panose="020F0502020204030204" pitchFamily="34" charset="0"/>
+                <a:cs typeface="Calibri" panose="020F0502020204030204" pitchFamily="34" charset="0"/>
               </a:rPr>
-              <a:t>HISAT is a ‘splice-aware’ RNA-seq read aligner</a:t>
-            </a:r>
-          </a:p>
-          <a:p>
-            <a:pPr>
+              <a:t>First align read with global index (slower)</a:t>
+            </a:r>
+          </a:p>
+          <a:p>
+            <a:pPr marL="342900" lvl="0" indent="-342900">
+              <a:buFont typeface="Arial"/>
+              <a:buChar char="•"/>
               <a:defRPr/>
             </a:pPr>
-            <a:r>
-              <a:rPr lang="en-US" dirty="0">
-                <a:latin typeface="Calibri" charset="0"/>
-                <a:ea typeface="ＭＳ Ｐゴシック" charset="0"/>
-              </a:rPr>
-              <a:t>Requires a reference genome</a:t>
-            </a:r>
-          </a:p>
-          <a:p>
-            <a:pPr>
+            <a:endParaRPr lang="en-US" sz="2800" dirty="0">
+              <a:solidFill>
+                <a:prstClr val="black"/>
+              </a:solidFill>
+              <a:latin typeface="Calibri" panose="020F0502020204030204" pitchFamily="34" charset="0"/>
+              <a:cs typeface="Calibri" panose="020F0502020204030204" pitchFamily="34" charset="0"/>
+            </a:endParaRPr>
+          </a:p>
+          <a:p>
+            <a:pPr marL="342900" lvl="0" indent="-342900">
+              <a:buFont typeface="Arial"/>
+              <a:buChar char="•"/>
               <a:defRPr/>
             </a:pPr>
             <a:r>
-              <a:rPr lang="en-US" dirty="0">
-                <a:latin typeface="Calibri" charset="0"/>
-                <a:ea typeface="ＭＳ Ｐゴシック" charset="0"/>
+              <a:rPr lang="en-US" sz="2800" dirty="0">
+                <a:solidFill>
+                  <a:prstClr val="black"/>
+                </a:solidFill>
+                <a:latin typeface="Calibri" panose="020F0502020204030204" pitchFamily="34" charset="0"/>
+                <a:cs typeface="Calibri" panose="020F0502020204030204" pitchFamily="34" charset="0"/>
               </a:rPr>
-              <a:t>Very fast</a:t>
-            </a:r>
-          </a:p>
-          <a:p>
-            <a:pPr>
+              <a:t>Once at least 28bp and exactly one location switch to extension mode against reference genome (faster)</a:t>
+            </a:r>
+          </a:p>
+          <a:p>
+            <a:pPr marR="0" lvl="0" algn="l" defTabSz="914400" rtl="0" eaLnBrk="1" fontAlgn="auto" latinLnBrk="0" hangingPunct="1">
+              <a:lnSpc>
+                <a:spcPct val="100000"/>
+              </a:lnSpc>
+              <a:spcBef>
+                <a:spcPts val="0"/>
+              </a:spcBef>
+              <a:spcAft>
+                <a:spcPts val="0"/>
+              </a:spcAft>
+              <a:buClrTx/>
+              <a:buSzTx/>
+              <a:tabLst/>
               <a:defRPr/>
             </a:pPr>
-            <a:r>
-              <a:rPr lang="en-US" dirty="0">
-                <a:latin typeface="Calibri" charset="0"/>
-                <a:ea typeface="ＭＳ Ｐゴシック" charset="0"/>
-              </a:rPr>
-              <a:t>Uses an indexing scheme based on the Burrows-Wheeler transform and the </a:t>
-            </a:r>
-            <a:r>
-              <a:rPr lang="en-US" dirty="0" err="1">
-                <a:latin typeface="Calibri" charset="0"/>
-                <a:ea typeface="ＭＳ Ｐゴシック" charset="0"/>
-              </a:rPr>
-              <a:t>Ferragina-Manzini</a:t>
-            </a:r>
-            <a:r>
-              <a:rPr lang="en-US" dirty="0">
-                <a:latin typeface="Calibri" charset="0"/>
-                <a:ea typeface="ＭＳ Ｐゴシック" charset="0"/>
-              </a:rPr>
-              <a:t> (FM) index</a:t>
-            </a:r>
-          </a:p>
-          <a:p>
-            <a:pPr>
-              <a:defRPr/>
-            </a:pPr>
-            <a:r>
-              <a:rPr lang="en-US" dirty="0">
-                <a:latin typeface="Calibri" charset="0"/>
-                <a:ea typeface="ＭＳ Ｐゴシック" charset="0"/>
-              </a:rPr>
-              <a:t>Multiple types of indexes for alignment</a:t>
-            </a:r>
-          </a:p>
-          <a:p>
-            <a:pPr lvl="1">
-              <a:defRPr/>
-            </a:pPr>
-            <a:r>
-              <a:rPr lang="en-US" dirty="0">
-                <a:latin typeface="Calibri" charset="0"/>
-                <a:ea typeface="ＭＳ Ｐゴシック" charset="0"/>
-              </a:rPr>
-              <a:t>a whole-genome FM index to anchor each alignment </a:t>
-            </a:r>
-          </a:p>
-          <a:p>
-            <a:pPr lvl="1">
-              <a:defRPr/>
-            </a:pPr>
-            <a:r>
-              <a:rPr lang="en-US" dirty="0">
-                <a:latin typeface="Calibri" charset="0"/>
-                <a:ea typeface="ＭＳ Ｐゴシック" charset="0"/>
-              </a:rPr>
-              <a:t>numerous local FM indexes for very rapid extensions of these alignments. </a:t>
-            </a:r>
-          </a:p>
-          <a:p>
-            <a:pPr lvl="1">
-              <a:defRPr/>
-            </a:pPr>
-            <a:r>
-              <a:rPr lang="en-US" dirty="0">
-                <a:latin typeface="Calibri" charset="0"/>
-                <a:ea typeface="ＭＳ Ｐゴシック" charset="0"/>
-              </a:rPr>
-              <a:t>Whole-genome indices with SNPs and known transcript structures accounted for</a:t>
-            </a:r>
-          </a:p>
-        </p:txBody>
-      </p:sp>
-      <p:sp>
-        <p:nvSpPr>
-          <p:cNvPr id="20484" name="TextBox 4"/>
+            <a:endParaRPr kumimoji="0" lang="en-US" sz="2800" b="0" i="0" u="none" strike="noStrike" kern="1200" cap="none" spc="0" normalizeH="0" baseline="0" noProof="0" dirty="0">
+              <a:ln>
+                <a:noFill/>
+              </a:ln>
+              <a:solidFill>
+                <a:prstClr val="black"/>
+              </a:solidFill>
+              <a:effectLst/>
+              <a:uLnTx/>
+              <a:uFillTx/>
+              <a:latin typeface="Calibri" panose="020F0502020204030204" pitchFamily="34" charset="0"/>
+              <a:cs typeface="Calibri" panose="020F0502020204030204" pitchFamily="34" charset="0"/>
+            </a:endParaRPr>
+          </a:p>
+        </p:txBody>
+      </p:sp>
+      <p:pic>
+        <p:nvPicPr>
+          <p:cNvPr id="5" name="Picture 4">
+            <a:extLst>
+              <a:ext uri="{FF2B5EF4-FFF2-40B4-BE49-F238E27FC236}">
+                <a16:creationId xmlns:a16="http://schemas.microsoft.com/office/drawing/2014/main" id="{BEE1A8E4-E7C8-1543-A3AF-0C2896A75339}"/>
+              </a:ext>
+            </a:extLst>
+          </p:cNvPr>
+          <p:cNvPicPr>
+            <a:picLocks noChangeAspect="1"/>
+          </p:cNvPicPr>
+          <p:nvPr/>
+        </p:nvPicPr>
+        <p:blipFill rotWithShape="1">
+          <a:blip r:embed="rId3"/>
+          <a:srcRect l="1123" t="6601" r="60328" b="81195"/>
+          <a:stretch/>
+        </p:blipFill>
+        <p:spPr>
+          <a:xfrm>
+            <a:off x="9052560" y="410389"/>
+            <a:ext cx="3139440" cy="1203960"/>
+          </a:xfrm>
+          <a:prstGeom prst="rect">
+            <a:avLst/>
+          </a:prstGeom>
+        </p:spPr>
+      </p:pic>
+      <p:sp>
+        <p:nvSpPr>
+          <p:cNvPr id="9" name="TextBox 4">
+            <a:extLst>
+              <a:ext uri="{FF2B5EF4-FFF2-40B4-BE49-F238E27FC236}">
+                <a16:creationId xmlns:a16="http://schemas.microsoft.com/office/drawing/2014/main" id="{4E53ABBF-6EF2-2840-8E57-C40756398CAD}"/>
+              </a:ext>
+            </a:extLst>
+          </p:cNvPr>
           <p:cNvSpPr txBox="1">
             <a:spLocks noChangeArrowheads="1"/>
           </p:cNvSpPr>
@@ -10531,7 +10408,7 @@
         </p:nvSpPr>
         <p:spPr bwMode="auto">
           <a:xfrm>
-            <a:off x="1703512" y="5970766"/>
+            <a:off x="8305448" y="6065838"/>
             <a:ext cx="4176464" cy="338554"/>
           </a:xfrm>
           <a:prstGeom prst="rect">
@@ -10543,14 +10420,14 @@
           </a:ln>
           <a:extLst>
             <a:ext uri="{909E8E84-426E-40dd-AFC4-6F175D3DCCD1}">
-              <a14:hiddenFill xmlns="" xmlns:a14="http://schemas.microsoft.com/office/drawing/2010/main">
+              <a14:hiddenFill xmlns:a14="http://schemas.microsoft.com/office/drawing/2010/main" xmlns="">
                 <a:solidFill>
                   <a:srgbClr val="FFFFFF"/>
                 </a:solidFill>
               </a14:hiddenFill>
             </a:ext>
             <a:ext uri="{91240B29-F687-4f45-9708-019B960494DF}">
-              <a14:hiddenLine xmlns="" xmlns:a14="http://schemas.microsoft.com/office/drawing/2010/main" w="9525">
+              <a14:hiddenLine xmlns:a14="http://schemas.microsoft.com/office/drawing/2010/main" xmlns="" w="9525">
                 <a:solidFill>
                   <a:srgbClr val="000000"/>
                 </a:solidFill>
@@ -10710,34 +10587,10 @@
           </a:p>
         </p:txBody>
       </p:sp>
-      <p:pic>
-        <p:nvPicPr>
-          <p:cNvPr id="2" name="Picture 1"/>
-          <p:cNvPicPr>
-            <a:picLocks noChangeAspect="1"/>
-          </p:cNvPicPr>
-          <p:nvPr/>
-        </p:nvPicPr>
-        <p:blipFill>
-          <a:blip r:embed="rId3"/>
-          <a:stretch>
-            <a:fillRect/>
-          </a:stretch>
-        </p:blipFill>
-        <p:spPr>
-          <a:xfrm>
-            <a:off x="6096000" y="980728"/>
-            <a:ext cx="4257158" cy="5157192"/>
-          </a:xfrm>
-          <a:prstGeom prst="rect">
-            <a:avLst/>
-          </a:prstGeom>
-        </p:spPr>
-      </p:pic>
     </p:spTree>
     <p:extLst>
       <p:ext uri="{BB962C8B-B14F-4D97-AF65-F5344CB8AC3E}">
-        <p14:creationId xmlns:p14="http://schemas.microsoft.com/office/powerpoint/2010/main" val="667370520"/>
+        <p14:creationId xmlns:p14="http://schemas.microsoft.com/office/powerpoint/2010/main" val="2289426646"/>
       </p:ext>
     </p:extLst>
   </p:cSld>
@@ -10764,6 +10617,200 @@
           <a:chExt cx="0" cy="0"/>
         </a:xfrm>
       </p:grpSpPr>
+      <p:pic>
+        <p:nvPicPr>
+          <p:cNvPr id="6" name="Picture 5">
+            <a:extLst>
+              <a:ext uri="{FF2B5EF4-FFF2-40B4-BE49-F238E27FC236}">
+                <a16:creationId xmlns:a16="http://schemas.microsoft.com/office/drawing/2014/main" id="{35157FC1-0FE3-984D-AA0F-E4696CA1B6C2}"/>
+              </a:ext>
+            </a:extLst>
+          </p:cNvPr>
+          <p:cNvPicPr>
+            <a:picLocks noChangeAspect="1"/>
+          </p:cNvPicPr>
+          <p:nvPr/>
+        </p:nvPicPr>
+        <p:blipFill rotWithShape="1">
+          <a:blip r:embed="rId3"/>
+          <a:srcRect t="46617" b="40639"/>
+          <a:stretch/>
+        </p:blipFill>
+        <p:spPr>
+          <a:xfrm>
+            <a:off x="1021080" y="563880"/>
+            <a:ext cx="8144026" cy="1257298"/>
+          </a:xfrm>
+          <a:prstGeom prst="rect">
+            <a:avLst/>
+          </a:prstGeom>
+        </p:spPr>
+      </p:pic>
+      <p:pic>
+        <p:nvPicPr>
+          <p:cNvPr id="5" name="Picture 4">
+            <a:extLst>
+              <a:ext uri="{FF2B5EF4-FFF2-40B4-BE49-F238E27FC236}">
+                <a16:creationId xmlns:a16="http://schemas.microsoft.com/office/drawing/2014/main" id="{42D5E60A-EA49-3944-97C0-A901361FC4B4}"/>
+              </a:ext>
+            </a:extLst>
+          </p:cNvPr>
+          <p:cNvPicPr>
+            <a:picLocks noChangeAspect="1"/>
+          </p:cNvPicPr>
+          <p:nvPr/>
+        </p:nvPicPr>
+        <p:blipFill rotWithShape="1">
+          <a:blip r:embed="rId3"/>
+          <a:srcRect t="65706" b="13683"/>
+          <a:stretch/>
+        </p:blipFill>
+        <p:spPr>
+          <a:xfrm>
+            <a:off x="1021080" y="1639429"/>
+            <a:ext cx="8144026" cy="2033409"/>
+          </a:xfrm>
+          <a:prstGeom prst="rect">
+            <a:avLst/>
+          </a:prstGeom>
+        </p:spPr>
+      </p:pic>
+      <p:sp>
+        <p:nvSpPr>
+          <p:cNvPr id="7" name="TextBox 6">
+            <a:extLst>
+              <a:ext uri="{FF2B5EF4-FFF2-40B4-BE49-F238E27FC236}">
+                <a16:creationId xmlns:a16="http://schemas.microsoft.com/office/drawing/2014/main" id="{AE764EBC-0278-A646-9801-53EFBE3B0E1C}"/>
+              </a:ext>
+            </a:extLst>
+          </p:cNvPr>
+          <p:cNvSpPr txBox="1"/>
+          <p:nvPr/>
+        </p:nvSpPr>
+        <p:spPr>
+          <a:xfrm>
+            <a:off x="792480" y="3398518"/>
+            <a:ext cx="9875520" cy="2718886"/>
+          </a:xfrm>
+          <a:prstGeom prst="rect">
+            <a:avLst/>
+          </a:prstGeom>
+          <a:noFill/>
+        </p:spPr>
+        <p:txBody>
+          <a:bodyPr wrap="square" rtlCol="0">
+            <a:spAutoFit/>
+          </a:bodyPr>
+          <a:lstStyle/>
+          <a:p>
+            <a:pPr lvl="0">
+              <a:lnSpc>
+                <a:spcPct val="110000"/>
+              </a:lnSpc>
+              <a:spcAft>
+                <a:spcPts val="1200"/>
+              </a:spcAft>
+              <a:defRPr/>
+            </a:pPr>
+            <a:r>
+              <a:rPr lang="en-US" sz="2400" dirty="0">
+                <a:solidFill>
+                  <a:prstClr val="black"/>
+                </a:solidFill>
+                <a:latin typeface="Calibri" panose="020F0502020204030204" pitchFamily="34" charset="0"/>
+                <a:cs typeface="Calibri" panose="020F0502020204030204" pitchFamily="34" charset="0"/>
+              </a:rPr>
+              <a:t>1) global search until exactly one match of at least 28bp (slower)</a:t>
+            </a:r>
+          </a:p>
+          <a:p>
+            <a:pPr lvl="0">
+              <a:lnSpc>
+                <a:spcPct val="110000"/>
+              </a:lnSpc>
+              <a:spcAft>
+                <a:spcPts val="1200"/>
+              </a:spcAft>
+              <a:defRPr/>
+            </a:pPr>
+            <a:r>
+              <a:rPr lang="en-US" sz="2400" dirty="0">
+                <a:solidFill>
+                  <a:prstClr val="black"/>
+                </a:solidFill>
+                <a:latin typeface="Calibri" panose="020F0502020204030204" pitchFamily="34" charset="0"/>
+                <a:cs typeface="Calibri" panose="020F0502020204030204" pitchFamily="34" charset="0"/>
+              </a:rPr>
+              <a:t>2) Extend until mismatch at 93bp (faster)</a:t>
+            </a:r>
+          </a:p>
+          <a:p>
+            <a:pPr lvl="0">
+              <a:lnSpc>
+                <a:spcPct val="110000"/>
+              </a:lnSpc>
+              <a:spcAft>
+                <a:spcPts val="1200"/>
+              </a:spcAft>
+              <a:defRPr/>
+            </a:pPr>
+            <a:r>
+              <a:rPr lang="en-US" sz="2400" dirty="0">
+                <a:solidFill>
+                  <a:prstClr val="black"/>
+                </a:solidFill>
+                <a:latin typeface="Calibri" panose="020F0502020204030204" pitchFamily="34" charset="0"/>
+                <a:cs typeface="Calibri" panose="020F0502020204030204" pitchFamily="34" charset="0"/>
+              </a:rPr>
+              <a:t>3) Switch to local FM index to align remaining 8bp</a:t>
+            </a:r>
+          </a:p>
+          <a:p>
+            <a:pPr marL="800100" lvl="1" indent="-342900">
+              <a:lnSpc>
+                <a:spcPct val="110000"/>
+              </a:lnSpc>
+              <a:spcAft>
+                <a:spcPts val="1200"/>
+              </a:spcAft>
+              <a:buFont typeface="Arial"/>
+              <a:buChar char="•"/>
+              <a:defRPr/>
+            </a:pPr>
+            <a:r>
+              <a:rPr lang="en-US" sz="2400" dirty="0">
+                <a:solidFill>
+                  <a:prstClr val="black"/>
+                </a:solidFill>
+                <a:latin typeface="Calibri" panose="020F0502020204030204" pitchFamily="34" charset="0"/>
+                <a:cs typeface="Calibri" panose="020F0502020204030204" pitchFamily="34" charset="0"/>
+              </a:rPr>
+              <a:t>index covers only a small region, so we find just one match</a:t>
+            </a:r>
+          </a:p>
+          <a:p>
+            <a:pPr lvl="0">
+              <a:lnSpc>
+                <a:spcPct val="110000"/>
+              </a:lnSpc>
+              <a:spcAft>
+                <a:spcPts val="1200"/>
+              </a:spcAft>
+              <a:defRPr/>
+            </a:pPr>
+            <a:r>
+              <a:rPr lang="en-US" sz="2400" dirty="0">
+                <a:solidFill>
+                  <a:prstClr val="black"/>
+                </a:solidFill>
+                <a:latin typeface="Calibri" panose="020F0502020204030204" pitchFamily="34" charset="0"/>
+                <a:cs typeface="Calibri" panose="020F0502020204030204" pitchFamily="34" charset="0"/>
+              </a:rPr>
+              <a:t>4) Check for compatibility and combine into single spliced alignment</a:t>
+            </a:r>
+          </a:p>
+        </p:txBody>
+      </p:sp>
       <p:sp>
         <p:nvSpPr>
           <p:cNvPr id="20481" name="Title 1"/>
@@ -10776,7 +10823,7 @@
         </p:nvSpPr>
         <p:spPr>
           <a:xfrm>
-            <a:off x="1676400" y="-26987"/>
+            <a:off x="1676400" y="-103187"/>
             <a:ext cx="8839200" cy="935708"/>
           </a:xfrm>
         </p:spPr>
@@ -10790,97 +10837,49 @@
                 <a:latin typeface="Calibri" charset="0"/>
                 <a:ea typeface="ＭＳ Ｐゴシック" charset="0"/>
               </a:rPr>
-              <a:t>HISAT/HISAT2</a:t>
-            </a:r>
-          </a:p>
-        </p:txBody>
-      </p:sp>
-      <p:sp>
-        <p:nvSpPr>
-          <p:cNvPr id="26626" name="Content Placeholder 2"/>
-          <p:cNvSpPr>
-            <a:spLocks noGrp="1"/>
-          </p:cNvSpPr>
-          <p:nvPr>
-            <p:ph idx="1"/>
-          </p:nvPr>
-        </p:nvSpPr>
+              <a:t>HISAT2 Alignment</a:t>
+            </a:r>
+          </a:p>
+        </p:txBody>
+      </p:sp>
+      <p:pic>
+        <p:nvPicPr>
+          <p:cNvPr id="9" name="Picture 8">
+            <a:extLst>
+              <a:ext uri="{FF2B5EF4-FFF2-40B4-BE49-F238E27FC236}">
+                <a16:creationId xmlns:a16="http://schemas.microsoft.com/office/drawing/2014/main" id="{44551AB3-C7A6-F54F-AA09-A4738E4567AC}"/>
+              </a:ext>
+            </a:extLst>
+          </p:cNvPr>
+          <p:cNvPicPr>
+            <a:picLocks noChangeAspect="1"/>
+          </p:cNvPicPr>
+          <p:nvPr/>
+        </p:nvPicPr>
+        <p:blipFill rotWithShape="1">
+          <a:blip r:embed="rId3"/>
+          <a:srcRect l="1123" t="6601" r="60328" b="81195"/>
+          <a:stretch/>
+        </p:blipFill>
         <p:spPr>
           <a:xfrm>
-            <a:off x="524656" y="1341438"/>
-            <a:ext cx="5210982" cy="4724400"/>
+            <a:off x="9052560" y="395149"/>
+            <a:ext cx="3139440" cy="1203960"/>
           </a:xfrm>
+          <a:prstGeom prst="rect">
+            <a:avLst/>
+          </a:prstGeom>
         </p:spPr>
-        <p:txBody>
-          <a:bodyPr>
-            <a:normAutofit fontScale="70000" lnSpcReduction="20000"/>
-          </a:bodyPr>
-          <a:lstStyle/>
-          <a:p>
-            <a:pPr>
-              <a:defRPr/>
-            </a:pPr>
-            <a:r>
-              <a:rPr lang="en-US" dirty="0">
-                <a:latin typeface="Calibri" charset="0"/>
-                <a:ea typeface="ＭＳ Ｐゴシック" charset="0"/>
-              </a:rPr>
-              <a:t>Uses hierarchical indexing algorithm and several adaptive strategies, based on the position of a read with respect to splice sites</a:t>
-            </a:r>
-          </a:p>
-          <a:p>
-            <a:pPr>
-              <a:defRPr/>
-            </a:pPr>
-            <a:r>
-              <a:rPr lang="en-US" dirty="0">
-                <a:latin typeface="Calibri" charset="0"/>
-                <a:ea typeface="ＭＳ Ｐゴシック" charset="0"/>
-              </a:rPr>
-              <a:t>First tries to find candidate locations across the target genome from which the read may have originated by mapping part of each read using the global FM index, which in most cases identifies one or a small number of candidates. </a:t>
-            </a:r>
-          </a:p>
-          <a:p>
-            <a:pPr>
-              <a:defRPr/>
-            </a:pPr>
-            <a:r>
-              <a:rPr lang="en-US" dirty="0">
-                <a:latin typeface="Calibri" charset="0"/>
-                <a:ea typeface="ＭＳ Ｐゴシック" charset="0"/>
-              </a:rPr>
-              <a:t>Then selects one of ~48,000 local indexes for each candidate and uses it to align the remainder of the read.</a:t>
-            </a:r>
-          </a:p>
-          <a:p>
-            <a:pPr>
-              <a:defRPr/>
-            </a:pPr>
-            <a:r>
-              <a:rPr lang="en-US" dirty="0">
-                <a:latin typeface="Calibri" charset="0"/>
-                <a:ea typeface="ＭＳ Ｐゴシック" charset="0"/>
-              </a:rPr>
-              <a:t>For paired reads, each mate is separately aligned and the alignments of both mates are combined. </a:t>
-            </a:r>
-          </a:p>
-          <a:p>
-            <a:pPr lvl="1">
-              <a:defRPr/>
-            </a:pPr>
-            <a:r>
-              <a:rPr lang="en-US" dirty="0">
-                <a:latin typeface="Calibri" charset="0"/>
-                <a:ea typeface="ＭＳ Ｐゴシック" charset="0"/>
-              </a:rPr>
-              <a:t>If a read fails to align, then the alignments of its mate are used as anchors to map the unaligned mate</a:t>
-            </a:r>
-          </a:p>
-        </p:txBody>
-      </p:sp>
-      <p:sp>
-        <p:nvSpPr>
-          <p:cNvPr id="20484" name="TextBox 4"/>
+      </p:pic>
+      <p:sp>
+        <p:nvSpPr>
+          <p:cNvPr id="10" name="TextBox 4">
+            <a:extLst>
+              <a:ext uri="{FF2B5EF4-FFF2-40B4-BE49-F238E27FC236}">
+                <a16:creationId xmlns:a16="http://schemas.microsoft.com/office/drawing/2014/main" id="{56BA5CB6-9B6E-7440-A164-D731E37C03A7}"/>
+              </a:ext>
+            </a:extLst>
+          </p:cNvPr>
           <p:cNvSpPr txBox="1">
             <a:spLocks noChangeArrowheads="1"/>
           </p:cNvSpPr>
@@ -10888,7 +10887,7 @@
         </p:nvSpPr>
         <p:spPr bwMode="auto">
           <a:xfrm>
-            <a:off x="1703512" y="5970766"/>
+            <a:off x="8305448" y="6065838"/>
             <a:ext cx="4176464" cy="338554"/>
           </a:xfrm>
           <a:prstGeom prst="rect">
@@ -10900,14 +10899,14 @@
           </a:ln>
           <a:extLst>
             <a:ext uri="{909E8E84-426E-40dd-AFC4-6F175D3DCCD1}">
-              <a14:hiddenFill xmlns="" xmlns:a14="http://schemas.microsoft.com/office/drawing/2010/main">
+              <a14:hiddenFill xmlns:a14="http://schemas.microsoft.com/office/drawing/2010/main" xmlns="">
                 <a:solidFill>
                   <a:srgbClr val="FFFFFF"/>
                 </a:solidFill>
               </a14:hiddenFill>
             </a:ext>
             <a:ext uri="{91240B29-F687-4f45-9708-019B960494DF}">
-              <a14:hiddenLine xmlns="" xmlns:a14="http://schemas.microsoft.com/office/drawing/2010/main" w="9525">
+              <a14:hiddenLine xmlns:a14="http://schemas.microsoft.com/office/drawing/2010/main" xmlns="" w="9525">
                 <a:solidFill>
                   <a:srgbClr val="000000"/>
                 </a:solidFill>
@@ -11067,34 +11066,10 @@
           </a:p>
         </p:txBody>
       </p:sp>
-      <p:pic>
-        <p:nvPicPr>
-          <p:cNvPr id="2" name="Picture 1"/>
-          <p:cNvPicPr>
-            <a:picLocks noChangeAspect="1"/>
-          </p:cNvPicPr>
-          <p:nvPr/>
-        </p:nvPicPr>
-        <p:blipFill>
-          <a:blip r:embed="rId3"/>
-          <a:stretch>
-            <a:fillRect/>
-          </a:stretch>
-        </p:blipFill>
-        <p:spPr>
-          <a:xfrm>
-            <a:off x="6096000" y="980728"/>
-            <a:ext cx="4257158" cy="5157192"/>
-          </a:xfrm>
-          <a:prstGeom prst="rect">
-            <a:avLst/>
-          </a:prstGeom>
-        </p:spPr>
-      </p:pic>
     </p:spTree>
     <p:extLst>
       <p:ext uri="{BB962C8B-B14F-4D97-AF65-F5344CB8AC3E}">
-        <p14:creationId xmlns:p14="http://schemas.microsoft.com/office/powerpoint/2010/main" val="4031888032"/>
+        <p14:creationId xmlns:p14="http://schemas.microsoft.com/office/powerpoint/2010/main" val="32955749"/>
       </p:ext>
     </p:extLst>
   </p:cSld>
@@ -11123,22 +11098,27 @@
       </p:grpSpPr>
       <p:pic>
         <p:nvPicPr>
-          <p:cNvPr id="4" name="Picture 3"/>
+          <p:cNvPr id="5" name="Picture 4">
+            <a:extLst>
+              <a:ext uri="{FF2B5EF4-FFF2-40B4-BE49-F238E27FC236}">
+                <a16:creationId xmlns:a16="http://schemas.microsoft.com/office/drawing/2014/main" id="{42D5E60A-EA49-3944-97C0-A901361FC4B4}"/>
+              </a:ext>
+            </a:extLst>
+          </p:cNvPr>
           <p:cNvPicPr>
             <a:picLocks noChangeAspect="1"/>
           </p:cNvPicPr>
           <p:nvPr/>
         </p:nvPicPr>
-        <p:blipFill>
+        <p:blipFill rotWithShape="1">
           <a:blip r:embed="rId3"/>
-          <a:stretch>
-            <a:fillRect/>
-          </a:stretch>
+          <a:srcRect t="88954" b="-540"/>
+          <a:stretch/>
         </p:blipFill>
         <p:spPr>
           <a:xfrm>
-            <a:off x="2423593" y="1063848"/>
-            <a:ext cx="4270591" cy="5173464"/>
+            <a:off x="1292467" y="1027609"/>
+            <a:ext cx="8144026" cy="1143000"/>
           </a:xfrm>
           <a:prstGeom prst="rect">
             <a:avLst/>
@@ -11147,7 +11127,7 @@
       </p:pic>
       <p:sp>
         <p:nvSpPr>
-          <p:cNvPr id="5" name="Title 1"/>
+          <p:cNvPr id="20481" name="Title 1"/>
           <p:cNvSpPr>
             <a:spLocks noGrp="1"/>
           </p:cNvSpPr>
@@ -11157,7 +11137,7 @@
         </p:nvSpPr>
         <p:spPr>
           <a:xfrm>
-            <a:off x="1676400" y="-26987"/>
+            <a:off x="1676400" y="-103187"/>
             <a:ext cx="8839200" cy="935708"/>
           </a:xfrm>
         </p:spPr>
@@ -11171,54 +11151,27 @@
                 <a:latin typeface="Calibri" charset="0"/>
                 <a:ea typeface="ＭＳ Ｐゴシック" charset="0"/>
               </a:rPr>
-              <a:t>HISAT/HISAT2</a:t>
-            </a:r>
-          </a:p>
-        </p:txBody>
-      </p:sp>
-      <p:cxnSp>
-        <p:nvCxnSpPr>
-          <p:cNvPr id="7" name="Straight Arrow Connector 6"/>
-          <p:cNvCxnSpPr/>
+              <a:t>HISAT2 Alignment</a:t>
+            </a:r>
+          </a:p>
+        </p:txBody>
+      </p:sp>
+      <p:sp>
+        <p:nvSpPr>
+          <p:cNvPr id="9" name="TextBox 8">
+            <a:extLst>
+              <a:ext uri="{FF2B5EF4-FFF2-40B4-BE49-F238E27FC236}">
+                <a16:creationId xmlns:a16="http://schemas.microsoft.com/office/drawing/2014/main" id="{CE3BE370-E288-EE45-9FA1-3556390359E7}"/>
+              </a:ext>
+            </a:extLst>
+          </p:cNvPr>
+          <p:cNvSpPr txBox="1"/>
           <p:nvPr/>
-        </p:nvCxnSpPr>
+        </p:nvSpPr>
         <p:spPr>
           <a:xfrm>
-            <a:off x="1710062" y="2813654"/>
-            <a:ext cx="648072" cy="0"/>
-          </a:xfrm>
-          <a:prstGeom prst="straightConnector1">
-            <a:avLst/>
-          </a:prstGeom>
-          <a:ln w="38100" cmpd="sng">
-            <a:tailEnd type="arrow"/>
-          </a:ln>
-        </p:spPr>
-        <p:style>
-          <a:lnRef idx="2">
-            <a:schemeClr val="accent1"/>
-          </a:lnRef>
-          <a:fillRef idx="0">
-            <a:schemeClr val="accent1"/>
-          </a:fillRef>
-          <a:effectRef idx="1">
-            <a:schemeClr val="accent1"/>
-          </a:effectRef>
-          <a:fontRef idx="minor">
-            <a:schemeClr val="tx1"/>
-          </a:fontRef>
-        </p:style>
-      </p:cxnSp>
-      <p:sp>
-        <p:nvSpPr>
-          <p:cNvPr id="8" name="TextBox 7"/>
-          <p:cNvSpPr txBox="1"/>
-          <p:nvPr/>
-        </p:nvSpPr>
-        <p:spPr>
-          <a:xfrm>
-            <a:off x="6672064" y="2564905"/>
-            <a:ext cx="5245101" cy="1477328"/>
+            <a:off x="810653" y="2557881"/>
+            <a:ext cx="9875520" cy="3279039"/>
           </a:xfrm>
           <a:prstGeom prst="rect">
             <a:avLst/>
@@ -11231,7 +11184,322 @@
           </a:bodyPr>
           <a:lstStyle/>
           <a:p>
-            <a:pPr marL="342900" marR="0" lvl="0" indent="-342900" algn="l" defTabSz="914400" rtl="0" eaLnBrk="1" fontAlgn="auto" latinLnBrk="0" hangingPunct="1">
+            <a:pPr lvl="0">
+              <a:lnSpc>
+                <a:spcPct val="110000"/>
+              </a:lnSpc>
+              <a:spcAft>
+                <a:spcPts val="1200"/>
+              </a:spcAft>
+              <a:defRPr/>
+            </a:pPr>
+            <a:r>
+              <a:rPr lang="en-US" sz="2400" dirty="0">
+                <a:solidFill>
+                  <a:prstClr val="black"/>
+                </a:solidFill>
+                <a:latin typeface="Calibri" panose="020F0502020204030204" pitchFamily="34" charset="0"/>
+                <a:cs typeface="Calibri" panose="020F0502020204030204" pitchFamily="34" charset="0"/>
+              </a:rPr>
+              <a:t>1) global search until exactly one match of at least 28bp (slower)</a:t>
+            </a:r>
+          </a:p>
+          <a:p>
+            <a:pPr lvl="0">
+              <a:lnSpc>
+                <a:spcPct val="110000"/>
+              </a:lnSpc>
+              <a:spcAft>
+                <a:spcPts val="1200"/>
+              </a:spcAft>
+              <a:defRPr/>
+            </a:pPr>
+            <a:r>
+              <a:rPr lang="en-US" sz="2400" dirty="0">
+                <a:solidFill>
+                  <a:prstClr val="black"/>
+                </a:solidFill>
+                <a:latin typeface="Calibri" panose="020F0502020204030204" pitchFamily="34" charset="0"/>
+                <a:cs typeface="Calibri" panose="020F0502020204030204" pitchFamily="34" charset="0"/>
+              </a:rPr>
+              <a:t>2) Extend until mismatch at 51bp (faster)</a:t>
+            </a:r>
+          </a:p>
+          <a:p>
+            <a:pPr lvl="0">
+              <a:lnSpc>
+                <a:spcPct val="110000"/>
+              </a:lnSpc>
+              <a:spcAft>
+                <a:spcPts val="1200"/>
+              </a:spcAft>
+              <a:defRPr/>
+            </a:pPr>
+            <a:r>
+              <a:rPr lang="en-US" sz="2400" dirty="0">
+                <a:solidFill>
+                  <a:prstClr val="black"/>
+                </a:solidFill>
+                <a:latin typeface="Calibri" panose="020F0502020204030204" pitchFamily="34" charset="0"/>
+                <a:cs typeface="Calibri" panose="020F0502020204030204" pitchFamily="34" charset="0"/>
+              </a:rPr>
+              <a:t>3) switch to local FM index to align first 8bp of remaining read</a:t>
+            </a:r>
+          </a:p>
+          <a:p>
+            <a:pPr lvl="0">
+              <a:lnSpc>
+                <a:spcPct val="110000"/>
+              </a:lnSpc>
+              <a:spcAft>
+                <a:spcPts val="1200"/>
+              </a:spcAft>
+              <a:defRPr/>
+            </a:pPr>
+            <a:r>
+              <a:rPr lang="en-US" sz="2400" dirty="0">
+                <a:solidFill>
+                  <a:prstClr val="black"/>
+                </a:solidFill>
+                <a:latin typeface="Calibri" panose="020F0502020204030204" pitchFamily="34" charset="0"/>
+                <a:cs typeface="Calibri" panose="020F0502020204030204" pitchFamily="34" charset="0"/>
+              </a:rPr>
+              <a:t>	- If too many matches increase prefix size</a:t>
+            </a:r>
+          </a:p>
+          <a:p>
+            <a:pPr lvl="0">
+              <a:lnSpc>
+                <a:spcPct val="110000"/>
+              </a:lnSpc>
+              <a:spcAft>
+                <a:spcPts val="1200"/>
+              </a:spcAft>
+              <a:defRPr/>
+            </a:pPr>
+            <a:r>
+              <a:rPr lang="en-US" sz="2400" dirty="0">
+                <a:solidFill>
+                  <a:prstClr val="black"/>
+                </a:solidFill>
+                <a:latin typeface="Calibri" panose="020F0502020204030204" pitchFamily="34" charset="0"/>
+                <a:cs typeface="Calibri" panose="020F0502020204030204" pitchFamily="34" charset="0"/>
+              </a:rPr>
+              <a:t>4) Extend again</a:t>
+            </a:r>
+          </a:p>
+          <a:p>
+            <a:pPr lvl="0">
+              <a:lnSpc>
+                <a:spcPct val="110000"/>
+              </a:lnSpc>
+              <a:spcAft>
+                <a:spcPts val="1200"/>
+              </a:spcAft>
+              <a:defRPr/>
+            </a:pPr>
+            <a:r>
+              <a:rPr lang="en-US" sz="2400" dirty="0">
+                <a:solidFill>
+                  <a:prstClr val="black"/>
+                </a:solidFill>
+                <a:latin typeface="Calibri" panose="020F0502020204030204" pitchFamily="34" charset="0"/>
+                <a:cs typeface="Calibri" panose="020F0502020204030204" pitchFamily="34" charset="0"/>
+              </a:rPr>
+              <a:t>5) Check for compatibility and combine into single spliced alignment</a:t>
+            </a:r>
+          </a:p>
+        </p:txBody>
+      </p:sp>
+      <p:pic>
+        <p:nvPicPr>
+          <p:cNvPr id="10" name="Picture 9">
+            <a:extLst>
+              <a:ext uri="{FF2B5EF4-FFF2-40B4-BE49-F238E27FC236}">
+                <a16:creationId xmlns:a16="http://schemas.microsoft.com/office/drawing/2014/main" id="{C1617EAE-51DA-1248-A42A-186D72E37042}"/>
+              </a:ext>
+            </a:extLst>
+          </p:cNvPr>
+          <p:cNvPicPr>
+            <a:picLocks noChangeAspect="1"/>
+          </p:cNvPicPr>
+          <p:nvPr/>
+        </p:nvPicPr>
+        <p:blipFill rotWithShape="1">
+          <a:blip r:embed="rId3"/>
+          <a:srcRect l="1123" t="6601" r="60328" b="81195"/>
+          <a:stretch/>
+        </p:blipFill>
+        <p:spPr>
+          <a:xfrm>
+            <a:off x="9052560" y="395149"/>
+            <a:ext cx="3139440" cy="1203960"/>
+          </a:xfrm>
+          <a:prstGeom prst="rect">
+            <a:avLst/>
+          </a:prstGeom>
+        </p:spPr>
+      </p:pic>
+      <p:sp>
+        <p:nvSpPr>
+          <p:cNvPr id="11" name="TextBox 4">
+            <a:extLst>
+              <a:ext uri="{FF2B5EF4-FFF2-40B4-BE49-F238E27FC236}">
+                <a16:creationId xmlns:a16="http://schemas.microsoft.com/office/drawing/2014/main" id="{88C84476-28AF-1148-B5F0-4C9968E4D34C}"/>
+              </a:ext>
+            </a:extLst>
+          </p:cNvPr>
+          <p:cNvSpPr txBox="1">
+            <a:spLocks noChangeArrowheads="1"/>
+          </p:cNvSpPr>
+          <p:nvPr/>
+        </p:nvSpPr>
+        <p:spPr bwMode="auto">
+          <a:xfrm>
+            <a:off x="8305448" y="6065838"/>
+            <a:ext cx="4176464" cy="338554"/>
+          </a:xfrm>
+          <a:prstGeom prst="rect">
+            <a:avLst/>
+          </a:prstGeom>
+          <a:noFill/>
+          <a:ln>
+            <a:noFill/>
+          </a:ln>
+          <a:extLst>
+            <a:ext uri="{909E8E84-426E-40dd-AFC4-6F175D3DCCD1}">
+              <a14:hiddenFill xmlns:a14="http://schemas.microsoft.com/office/drawing/2010/main" xmlns="">
+                <a:solidFill>
+                  <a:srgbClr val="FFFFFF"/>
+                </a:solidFill>
+              </a14:hiddenFill>
+            </a:ext>
+            <a:ext uri="{91240B29-F687-4f45-9708-019B960494DF}">
+              <a14:hiddenLine xmlns:a14="http://schemas.microsoft.com/office/drawing/2010/main" xmlns="" w="9525">
+                <a:solidFill>
+                  <a:srgbClr val="000000"/>
+                </a:solidFill>
+                <a:miter lim="800000"/>
+                <a:headEnd/>
+                <a:tailEnd/>
+              </a14:hiddenLine>
+            </a:ext>
+          </a:extLst>
+        </p:spPr>
+        <p:txBody>
+          <a:bodyPr wrap="square">
+            <a:spAutoFit/>
+          </a:bodyPr>
+          <a:lstStyle>
+            <a:lvl1pPr eaLnBrk="0" hangingPunct="0">
+              <a:defRPr sz="2400">
+                <a:solidFill>
+                  <a:schemeClr val="tx1"/>
+                </a:solidFill>
+                <a:latin typeface="Arial" charset="0"/>
+                <a:ea typeface="ＭＳ Ｐゴシック" charset="0"/>
+                <a:cs typeface="ＭＳ Ｐゴシック" charset="0"/>
+              </a:defRPr>
+            </a:lvl1pPr>
+            <a:lvl2pPr marL="742950" indent="-285750" eaLnBrk="0" hangingPunct="0">
+              <a:defRPr sz="2400">
+                <a:solidFill>
+                  <a:schemeClr val="tx1"/>
+                </a:solidFill>
+                <a:latin typeface="Arial" charset="0"/>
+                <a:ea typeface="ＭＳ Ｐゴシック" charset="0"/>
+              </a:defRPr>
+            </a:lvl2pPr>
+            <a:lvl3pPr marL="1143000" indent="-228600" eaLnBrk="0" hangingPunct="0">
+              <a:defRPr sz="2400">
+                <a:solidFill>
+                  <a:schemeClr val="tx1"/>
+                </a:solidFill>
+                <a:latin typeface="Arial" charset="0"/>
+                <a:ea typeface="ＭＳ Ｐゴシック" charset="0"/>
+              </a:defRPr>
+            </a:lvl3pPr>
+            <a:lvl4pPr marL="1600200" indent="-228600" eaLnBrk="0" hangingPunct="0">
+              <a:defRPr sz="2400">
+                <a:solidFill>
+                  <a:schemeClr val="tx1"/>
+                </a:solidFill>
+                <a:latin typeface="Arial" charset="0"/>
+                <a:ea typeface="ＭＳ Ｐゴシック" charset="0"/>
+              </a:defRPr>
+            </a:lvl4pPr>
+            <a:lvl5pPr marL="2057400" indent="-228600" eaLnBrk="0" hangingPunct="0">
+              <a:defRPr sz="2400">
+                <a:solidFill>
+                  <a:schemeClr val="tx1"/>
+                </a:solidFill>
+                <a:latin typeface="Arial" charset="0"/>
+                <a:ea typeface="ＭＳ Ｐゴシック" charset="0"/>
+              </a:defRPr>
+            </a:lvl5pPr>
+            <a:lvl6pPr marL="2514600" indent="-228600" eaLnBrk="0" fontAlgn="base" hangingPunct="0">
+              <a:spcBef>
+                <a:spcPct val="0"/>
+              </a:spcBef>
+              <a:spcAft>
+                <a:spcPct val="0"/>
+              </a:spcAft>
+              <a:defRPr sz="2400">
+                <a:solidFill>
+                  <a:schemeClr val="tx1"/>
+                </a:solidFill>
+                <a:latin typeface="Arial" charset="0"/>
+                <a:ea typeface="ＭＳ Ｐゴシック" charset="0"/>
+              </a:defRPr>
+            </a:lvl6pPr>
+            <a:lvl7pPr marL="2971800" indent="-228600" eaLnBrk="0" fontAlgn="base" hangingPunct="0">
+              <a:spcBef>
+                <a:spcPct val="0"/>
+              </a:spcBef>
+              <a:spcAft>
+                <a:spcPct val="0"/>
+              </a:spcAft>
+              <a:defRPr sz="2400">
+                <a:solidFill>
+                  <a:schemeClr val="tx1"/>
+                </a:solidFill>
+                <a:latin typeface="Arial" charset="0"/>
+                <a:ea typeface="ＭＳ Ｐゴシック" charset="0"/>
+              </a:defRPr>
+            </a:lvl7pPr>
+            <a:lvl8pPr marL="3429000" indent="-228600" eaLnBrk="0" fontAlgn="base" hangingPunct="0">
+              <a:spcBef>
+                <a:spcPct val="0"/>
+              </a:spcBef>
+              <a:spcAft>
+                <a:spcPct val="0"/>
+              </a:spcAft>
+              <a:defRPr sz="2400">
+                <a:solidFill>
+                  <a:schemeClr val="tx1"/>
+                </a:solidFill>
+                <a:latin typeface="Arial" charset="0"/>
+                <a:ea typeface="ＭＳ Ｐゴシック" charset="0"/>
+              </a:defRPr>
+            </a:lvl8pPr>
+            <a:lvl9pPr marL="3886200" indent="-228600" eaLnBrk="0" fontAlgn="base" hangingPunct="0">
+              <a:spcBef>
+                <a:spcPct val="0"/>
+              </a:spcBef>
+              <a:spcAft>
+                <a:spcPct val="0"/>
+              </a:spcAft>
+              <a:defRPr sz="2400">
+                <a:solidFill>
+                  <a:schemeClr val="tx1"/>
+                </a:solidFill>
+                <a:latin typeface="Arial" charset="0"/>
+                <a:ea typeface="ＭＳ Ｐゴシック" charset="0"/>
+              </a:defRPr>
+            </a:lvl9pPr>
+          </a:lstStyle>
+          <a:p>
+            <a:pPr marL="0" marR="0" lvl="0" indent="0" algn="l" defTabSz="914400" rtl="0" eaLnBrk="1" fontAlgn="auto" latinLnBrk="0" hangingPunct="1">
               <a:lnSpc>
                 <a:spcPct val="100000"/>
               </a:lnSpc>
@@ -11243,13 +11511,13 @@
               </a:spcAft>
               <a:buClrTx/>
               <a:buSzTx/>
-              <a:buFont typeface="Arial"/>
-              <a:buChar char="•"/>
+              <a:buFontTx/>
+              <a:buNone/>
               <a:tabLst/>
               <a:defRPr/>
             </a:pPr>
             <a:r>
-              <a:rPr kumimoji="0" lang="en-US" sz="1800" b="0" i="0" u="none" strike="noStrike" kern="1200" cap="none" spc="0" normalizeH="0" baseline="0" noProof="0" dirty="0">
+              <a:rPr kumimoji="0" lang="en-US" sz="1600" b="0" i="0" u="none" strike="noStrike" kern="1200" cap="none" spc="0" normalizeH="0" baseline="0" noProof="0" dirty="0">
                 <a:ln>
                   <a:noFill/>
                 </a:ln>
@@ -11259,86 +11527,18 @@
                 <a:effectLst/>
                 <a:uLnTx/>
                 <a:uFillTx/>
-                <a:latin typeface="Verdana" panose="020B0604030504040204"/>
-                <a:ea typeface="+mn-ea"/>
-                <a:cs typeface="+mn-cs"/>
+                <a:latin typeface="Arial" charset="0"/>
+                <a:ea typeface="ＭＳ Ｐゴシック" charset="0"/>
               </a:rPr>
-              <a:t>First align read with global index (slower)</a:t>
-            </a:r>
-          </a:p>
-          <a:p>
-            <a:pPr marL="342900" marR="0" lvl="0" indent="-342900" algn="l" defTabSz="914400" rtl="0" eaLnBrk="1" fontAlgn="auto" latinLnBrk="0" hangingPunct="1">
-              <a:lnSpc>
-                <a:spcPct val="100000"/>
-              </a:lnSpc>
-              <a:spcBef>
-                <a:spcPts val="0"/>
-              </a:spcBef>
-              <a:spcAft>
-                <a:spcPts val="0"/>
-              </a:spcAft>
-              <a:buClrTx/>
-              <a:buSzTx/>
-              <a:buFont typeface="Arial"/>
-              <a:buChar char="•"/>
-              <a:tabLst/>
-              <a:defRPr/>
-            </a:pPr>
-            <a:r>
-              <a:rPr kumimoji="0" lang="en-US" sz="1800" b="0" i="0" u="none" strike="noStrike" kern="1200" cap="none" spc="0" normalizeH="0" baseline="0" noProof="0" dirty="0">
-                <a:ln>
-                  <a:noFill/>
-                </a:ln>
-                <a:solidFill>
-                  <a:prstClr val="black"/>
-                </a:solidFill>
-                <a:effectLst/>
-                <a:uLnTx/>
-                <a:uFillTx/>
-                <a:latin typeface="Verdana" panose="020B0604030504040204"/>
-                <a:ea typeface="+mn-ea"/>
-                <a:cs typeface="+mn-cs"/>
-              </a:rPr>
-              <a:t>Once at least 28bp and exactly one location switch to extension mode against reference genome (faster)</a:t>
-            </a:r>
-          </a:p>
-        </p:txBody>
-      </p:sp>
-      <p:cxnSp>
-        <p:nvCxnSpPr>
-          <p:cNvPr id="10" name="Straight Connector 9"/>
-          <p:cNvCxnSpPr/>
-          <p:nvPr/>
-        </p:nvCxnSpPr>
-        <p:spPr>
-          <a:xfrm>
-            <a:off x="2567608" y="2492896"/>
-            <a:ext cx="0" cy="720080"/>
-          </a:xfrm>
-          <a:prstGeom prst="line">
-            <a:avLst/>
-          </a:prstGeom>
-          <a:ln w="38100" cmpd="sng"/>
-        </p:spPr>
-        <p:style>
-          <a:lnRef idx="2">
-            <a:schemeClr val="accent1"/>
-          </a:lnRef>
-          <a:fillRef idx="0">
-            <a:schemeClr val="accent1"/>
-          </a:fillRef>
-          <a:effectRef idx="1">
-            <a:schemeClr val="accent1"/>
-          </a:effectRef>
-          <a:fontRef idx="minor">
-            <a:schemeClr val="tx1"/>
-          </a:fontRef>
-        </p:style>
-      </p:cxnSp>
+              <a:t>Kim et al. 2015. Nat Methods 12:357–360 </a:t>
+            </a:r>
+          </a:p>
+        </p:txBody>
+      </p:sp>
     </p:spTree>
     <p:extLst>
       <p:ext uri="{BB962C8B-B14F-4D97-AF65-F5344CB8AC3E}">
-        <p14:creationId xmlns:p14="http://schemas.microsoft.com/office/powerpoint/2010/main" val="1676867805"/>
+        <p14:creationId xmlns:p14="http://schemas.microsoft.com/office/powerpoint/2010/main" val="2547652103"/>
       </p:ext>
     </p:extLst>
   </p:cSld>
@@ -11365,746 +11565,6 @@
           <a:chExt cx="0" cy="0"/>
         </a:xfrm>
       </p:grpSpPr>
-      <p:pic>
-        <p:nvPicPr>
-          <p:cNvPr id="4" name="Picture 3"/>
-          <p:cNvPicPr>
-            <a:picLocks noChangeAspect="1"/>
-          </p:cNvPicPr>
-          <p:nvPr/>
-        </p:nvPicPr>
-        <p:blipFill>
-          <a:blip r:embed="rId3"/>
-          <a:stretch>
-            <a:fillRect/>
-          </a:stretch>
-        </p:blipFill>
-        <p:spPr>
-          <a:xfrm>
-            <a:off x="2423593" y="1063848"/>
-            <a:ext cx="4270591" cy="5173464"/>
-          </a:xfrm>
-          <a:prstGeom prst="rect">
-            <a:avLst/>
-          </a:prstGeom>
-        </p:spPr>
-      </p:pic>
-      <p:sp>
-        <p:nvSpPr>
-          <p:cNvPr id="5" name="Title 1"/>
-          <p:cNvSpPr>
-            <a:spLocks noGrp="1"/>
-          </p:cNvSpPr>
-          <p:nvPr>
-            <p:ph type="title"/>
-          </p:nvPr>
-        </p:nvSpPr>
-        <p:spPr>
-          <a:xfrm>
-            <a:off x="1676400" y="-26987"/>
-            <a:ext cx="8839200" cy="935708"/>
-          </a:xfrm>
-        </p:spPr>
-        <p:txBody>
-          <a:bodyPr/>
-          <a:lstStyle/>
-          <a:p>
-            <a:pPr algn="ctr"/>
-            <a:r>
-              <a:rPr lang="en-US" b="1" dirty="0">
-                <a:latin typeface="Calibri" charset="0"/>
-                <a:ea typeface="ＭＳ Ｐゴシック" charset="0"/>
-              </a:rPr>
-              <a:t>HISAT/HISAT2</a:t>
-            </a:r>
-          </a:p>
-        </p:txBody>
-      </p:sp>
-      <p:cxnSp>
-        <p:nvCxnSpPr>
-          <p:cNvPr id="7" name="Straight Arrow Connector 6"/>
-          <p:cNvCxnSpPr/>
-          <p:nvPr/>
-        </p:nvCxnSpPr>
-        <p:spPr>
-          <a:xfrm>
-            <a:off x="1703512" y="4293096"/>
-            <a:ext cx="648072" cy="0"/>
-          </a:xfrm>
-          <a:prstGeom prst="straightConnector1">
-            <a:avLst/>
-          </a:prstGeom>
-          <a:ln w="38100" cmpd="sng">
-            <a:tailEnd type="arrow"/>
-          </a:ln>
-        </p:spPr>
-        <p:style>
-          <a:lnRef idx="2">
-            <a:schemeClr val="accent1"/>
-          </a:lnRef>
-          <a:fillRef idx="0">
-            <a:schemeClr val="accent1"/>
-          </a:fillRef>
-          <a:effectRef idx="1">
-            <a:schemeClr val="accent1"/>
-          </a:effectRef>
-          <a:fontRef idx="minor">
-            <a:schemeClr val="tx1"/>
-          </a:fontRef>
-        </p:style>
-      </p:cxnSp>
-      <p:sp>
-        <p:nvSpPr>
-          <p:cNvPr id="8" name="TextBox 7"/>
-          <p:cNvSpPr txBox="1"/>
-          <p:nvPr/>
-        </p:nvSpPr>
-        <p:spPr>
-          <a:xfrm>
-            <a:off x="6851575" y="2082003"/>
-            <a:ext cx="4780791" cy="3416320"/>
-          </a:xfrm>
-          <a:prstGeom prst="rect">
-            <a:avLst/>
-          </a:prstGeom>
-          <a:noFill/>
-        </p:spPr>
-        <p:txBody>
-          <a:bodyPr wrap="square" rtlCol="0">
-            <a:spAutoFit/>
-          </a:bodyPr>
-          <a:lstStyle/>
-          <a:p>
-            <a:pPr marL="342900" marR="0" lvl="0" indent="-342900" algn="l" defTabSz="914400" rtl="0" eaLnBrk="1" fontAlgn="auto" latinLnBrk="0" hangingPunct="1">
-              <a:lnSpc>
-                <a:spcPct val="100000"/>
-              </a:lnSpc>
-              <a:spcBef>
-                <a:spcPts val="0"/>
-              </a:spcBef>
-              <a:spcAft>
-                <a:spcPts val="0"/>
-              </a:spcAft>
-              <a:buClrTx/>
-              <a:buSzTx/>
-              <a:buFont typeface="Arial"/>
-              <a:buChar char="•"/>
-              <a:tabLst/>
-              <a:defRPr/>
-            </a:pPr>
-            <a:r>
-              <a:rPr kumimoji="0" lang="en-US" sz="1800" b="0" i="0" u="none" strike="noStrike" kern="1200" cap="none" spc="0" normalizeH="0" baseline="0" noProof="0" dirty="0">
-                <a:ln>
-                  <a:noFill/>
-                </a:ln>
-                <a:solidFill>
-                  <a:prstClr val="black"/>
-                </a:solidFill>
-                <a:effectLst/>
-                <a:uLnTx/>
-                <a:uFillTx/>
-                <a:latin typeface="Verdana" panose="020B0604030504040204"/>
-                <a:ea typeface="+mn-ea"/>
-                <a:cs typeface="+mn-cs"/>
-              </a:rPr>
-              <a:t>Again use global search until exactly one match of at least 28bp (slower)</a:t>
-            </a:r>
-          </a:p>
-          <a:p>
-            <a:pPr marL="342900" marR="0" lvl="0" indent="-342900" algn="l" defTabSz="914400" rtl="0" eaLnBrk="1" fontAlgn="auto" latinLnBrk="0" hangingPunct="1">
-              <a:lnSpc>
-                <a:spcPct val="100000"/>
-              </a:lnSpc>
-              <a:spcBef>
-                <a:spcPts val="0"/>
-              </a:spcBef>
-              <a:spcAft>
-                <a:spcPts val="0"/>
-              </a:spcAft>
-              <a:buClrTx/>
-              <a:buSzTx/>
-              <a:buFont typeface="Arial"/>
-              <a:buChar char="•"/>
-              <a:tabLst/>
-              <a:defRPr/>
-            </a:pPr>
-            <a:r>
-              <a:rPr kumimoji="0" lang="en-US" sz="1800" b="0" i="0" u="none" strike="noStrike" kern="1200" cap="none" spc="0" normalizeH="0" baseline="0" noProof="0" dirty="0">
-                <a:ln>
-                  <a:noFill/>
-                </a:ln>
-                <a:solidFill>
-                  <a:prstClr val="black"/>
-                </a:solidFill>
-                <a:effectLst/>
-                <a:uLnTx/>
-                <a:uFillTx/>
-                <a:latin typeface="Verdana" panose="020B0604030504040204"/>
-                <a:ea typeface="+mn-ea"/>
-                <a:cs typeface="+mn-cs"/>
-              </a:rPr>
-              <a:t>Extend as before until mismatch at 93bp (faster)</a:t>
-            </a:r>
-          </a:p>
-          <a:p>
-            <a:pPr marL="342900" marR="0" lvl="0" indent="-342900" algn="l" defTabSz="914400" rtl="0" eaLnBrk="1" fontAlgn="auto" latinLnBrk="0" hangingPunct="1">
-              <a:lnSpc>
-                <a:spcPct val="100000"/>
-              </a:lnSpc>
-              <a:spcBef>
-                <a:spcPts val="0"/>
-              </a:spcBef>
-              <a:spcAft>
-                <a:spcPts val="0"/>
-              </a:spcAft>
-              <a:buClrTx/>
-              <a:buSzTx/>
-              <a:buFont typeface="Arial"/>
-              <a:buChar char="•"/>
-              <a:tabLst/>
-              <a:defRPr/>
-            </a:pPr>
-            <a:r>
-              <a:rPr kumimoji="0" lang="en-US" sz="1800" b="0" i="0" u="none" strike="noStrike" kern="1200" cap="none" spc="0" normalizeH="0" baseline="0" noProof="0" dirty="0">
-                <a:ln>
-                  <a:noFill/>
-                </a:ln>
-                <a:solidFill>
-                  <a:prstClr val="black"/>
-                </a:solidFill>
-                <a:effectLst/>
-                <a:uLnTx/>
-                <a:uFillTx/>
-                <a:latin typeface="Verdana" panose="020B0604030504040204"/>
-                <a:ea typeface="+mn-ea"/>
-                <a:cs typeface="+mn-cs"/>
-              </a:rPr>
-              <a:t>Switch to local FM index to align remaining 8bp</a:t>
-            </a:r>
-          </a:p>
-          <a:p>
-            <a:pPr marL="800100" marR="0" lvl="1" indent="-342900" algn="l" defTabSz="914400" rtl="0" eaLnBrk="1" fontAlgn="auto" latinLnBrk="0" hangingPunct="1">
-              <a:lnSpc>
-                <a:spcPct val="100000"/>
-              </a:lnSpc>
-              <a:spcBef>
-                <a:spcPts val="0"/>
-              </a:spcBef>
-              <a:spcAft>
-                <a:spcPts val="0"/>
-              </a:spcAft>
-              <a:buClrTx/>
-              <a:buSzTx/>
-              <a:buFont typeface="Arial"/>
-              <a:buChar char="•"/>
-              <a:tabLst/>
-              <a:defRPr/>
-            </a:pPr>
-            <a:r>
-              <a:rPr kumimoji="0" lang="en-US" sz="1800" b="0" i="0" u="none" strike="noStrike" kern="1200" cap="none" spc="0" normalizeH="0" baseline="0" noProof="0" dirty="0">
-                <a:ln>
-                  <a:noFill/>
-                </a:ln>
-                <a:solidFill>
-                  <a:prstClr val="black"/>
-                </a:solidFill>
-                <a:effectLst/>
-                <a:uLnTx/>
-                <a:uFillTx/>
-                <a:latin typeface="Verdana" panose="020B0604030504040204"/>
-                <a:ea typeface="+mn-ea"/>
-                <a:cs typeface="+mn-cs"/>
-              </a:rPr>
-              <a:t>Because the index covers only a small region, in this case we find just one match for the 8-bp segment.</a:t>
-            </a:r>
-          </a:p>
-          <a:p>
-            <a:pPr marL="342900" marR="0" lvl="0" indent="-342900" algn="l" defTabSz="914400" rtl="0" eaLnBrk="1" fontAlgn="auto" latinLnBrk="0" hangingPunct="1">
-              <a:lnSpc>
-                <a:spcPct val="100000"/>
-              </a:lnSpc>
-              <a:spcBef>
-                <a:spcPts val="0"/>
-              </a:spcBef>
-              <a:spcAft>
-                <a:spcPts val="0"/>
-              </a:spcAft>
-              <a:buClrTx/>
-              <a:buSzTx/>
-              <a:buFont typeface="Arial"/>
-              <a:buChar char="•"/>
-              <a:tabLst/>
-              <a:defRPr/>
-            </a:pPr>
-            <a:r>
-              <a:rPr kumimoji="0" lang="en-US" sz="1800" b="0" i="0" u="none" strike="noStrike" kern="1200" cap="none" spc="0" normalizeH="0" baseline="0" noProof="0" dirty="0">
-                <a:ln>
-                  <a:noFill/>
-                </a:ln>
-                <a:solidFill>
-                  <a:prstClr val="black"/>
-                </a:solidFill>
-                <a:effectLst/>
-                <a:uLnTx/>
-                <a:uFillTx/>
-                <a:latin typeface="Verdana" panose="020B0604030504040204"/>
-                <a:ea typeface="+mn-ea"/>
-                <a:cs typeface="+mn-cs"/>
-              </a:rPr>
-              <a:t>Check for compatibility and combine into single spliced alignment</a:t>
-            </a:r>
-          </a:p>
-        </p:txBody>
-      </p:sp>
-      <p:cxnSp>
-        <p:nvCxnSpPr>
-          <p:cNvPr id="3" name="Straight Connector 2"/>
-          <p:cNvCxnSpPr/>
-          <p:nvPr/>
-        </p:nvCxnSpPr>
-        <p:spPr>
-          <a:xfrm>
-            <a:off x="2567608" y="3717032"/>
-            <a:ext cx="0" cy="1224136"/>
-          </a:xfrm>
-          <a:prstGeom prst="line">
-            <a:avLst/>
-          </a:prstGeom>
-          <a:ln w="38100" cmpd="sng"/>
-        </p:spPr>
-        <p:style>
-          <a:lnRef idx="2">
-            <a:schemeClr val="accent1"/>
-          </a:lnRef>
-          <a:fillRef idx="0">
-            <a:schemeClr val="accent1"/>
-          </a:fillRef>
-          <a:effectRef idx="1">
-            <a:schemeClr val="accent1"/>
-          </a:effectRef>
-          <a:fontRef idx="minor">
-            <a:schemeClr val="tx1"/>
-          </a:fontRef>
-        </p:style>
-      </p:cxnSp>
-    </p:spTree>
-    <p:extLst>
-      <p:ext uri="{BB962C8B-B14F-4D97-AF65-F5344CB8AC3E}">
-        <p14:creationId xmlns:p14="http://schemas.microsoft.com/office/powerpoint/2010/main" val="3029362584"/>
-      </p:ext>
-    </p:extLst>
-  </p:cSld>
-  <p:clrMapOvr>
-    <a:masterClrMapping/>
-  </p:clrMapOvr>
-</p:sld>
-</file>
-
-<file path=ppt/slides/slide15.xml><?xml version="1.0" encoding="utf-8"?>
-<p:sld xmlns:a="http://schemas.openxmlformats.org/drawingml/2006/main" xmlns:r="http://schemas.openxmlformats.org/officeDocument/2006/relationships" xmlns:p="http://schemas.openxmlformats.org/presentationml/2006/main">
-  <p:cSld>
-    <p:spTree>
-      <p:nvGrpSpPr>
-        <p:cNvPr id="1" name=""/>
-        <p:cNvGrpSpPr/>
-        <p:nvPr/>
-      </p:nvGrpSpPr>
-      <p:grpSpPr>
-        <a:xfrm>
-          <a:off x="0" y="0"/>
-          <a:ext cx="0" cy="0"/>
-          <a:chOff x="0" y="0"/>
-          <a:chExt cx="0" cy="0"/>
-        </a:xfrm>
-      </p:grpSpPr>
-      <p:pic>
-        <p:nvPicPr>
-          <p:cNvPr id="4" name="Picture 3"/>
-          <p:cNvPicPr>
-            <a:picLocks noChangeAspect="1"/>
-          </p:cNvPicPr>
-          <p:nvPr/>
-        </p:nvPicPr>
-        <p:blipFill>
-          <a:blip r:embed="rId3"/>
-          <a:stretch>
-            <a:fillRect/>
-          </a:stretch>
-        </p:blipFill>
-        <p:spPr>
-          <a:xfrm>
-            <a:off x="2423593" y="1063848"/>
-            <a:ext cx="4270591" cy="5173464"/>
-          </a:xfrm>
-          <a:prstGeom prst="rect">
-            <a:avLst/>
-          </a:prstGeom>
-        </p:spPr>
-      </p:pic>
-      <p:sp>
-        <p:nvSpPr>
-          <p:cNvPr id="5" name="Title 1"/>
-          <p:cNvSpPr>
-            <a:spLocks noGrp="1"/>
-          </p:cNvSpPr>
-          <p:nvPr>
-            <p:ph type="title"/>
-          </p:nvPr>
-        </p:nvSpPr>
-        <p:spPr>
-          <a:xfrm>
-            <a:off x="1676400" y="-26987"/>
-            <a:ext cx="8839200" cy="935708"/>
-          </a:xfrm>
-        </p:spPr>
-        <p:txBody>
-          <a:bodyPr/>
-          <a:lstStyle/>
-          <a:p>
-            <a:pPr algn="ctr"/>
-            <a:r>
-              <a:rPr lang="en-US" b="1" dirty="0">
-                <a:latin typeface="Calibri" charset="0"/>
-                <a:ea typeface="ＭＳ Ｐゴシック" charset="0"/>
-              </a:rPr>
-              <a:t>HISAT/HISAT2</a:t>
-            </a:r>
-          </a:p>
-        </p:txBody>
-      </p:sp>
-      <p:cxnSp>
-        <p:nvCxnSpPr>
-          <p:cNvPr id="7" name="Straight Arrow Connector 6"/>
-          <p:cNvCxnSpPr/>
-          <p:nvPr/>
-        </p:nvCxnSpPr>
-        <p:spPr>
-          <a:xfrm>
-            <a:off x="1703512" y="5805264"/>
-            <a:ext cx="648072" cy="0"/>
-          </a:xfrm>
-          <a:prstGeom prst="straightConnector1">
-            <a:avLst/>
-          </a:prstGeom>
-          <a:ln w="38100" cmpd="sng">
-            <a:tailEnd type="arrow"/>
-          </a:ln>
-        </p:spPr>
-        <p:style>
-          <a:lnRef idx="2">
-            <a:schemeClr val="accent1"/>
-          </a:lnRef>
-          <a:fillRef idx="0">
-            <a:schemeClr val="accent1"/>
-          </a:fillRef>
-          <a:effectRef idx="1">
-            <a:schemeClr val="accent1"/>
-          </a:effectRef>
-          <a:fontRef idx="minor">
-            <a:schemeClr val="tx1"/>
-          </a:fontRef>
-        </p:style>
-      </p:cxnSp>
-      <p:sp>
-        <p:nvSpPr>
-          <p:cNvPr id="8" name="TextBox 7"/>
-          <p:cNvSpPr txBox="1"/>
-          <p:nvPr/>
-        </p:nvSpPr>
-        <p:spPr>
-          <a:xfrm>
-            <a:off x="6851576" y="2156952"/>
-            <a:ext cx="3816424" cy="3970318"/>
-          </a:xfrm>
-          <a:prstGeom prst="rect">
-            <a:avLst/>
-          </a:prstGeom>
-          <a:noFill/>
-        </p:spPr>
-        <p:txBody>
-          <a:bodyPr wrap="square" rtlCol="0">
-            <a:spAutoFit/>
-          </a:bodyPr>
-          <a:lstStyle/>
-          <a:p>
-            <a:pPr marL="342900" marR="0" lvl="0" indent="-342900" algn="l" defTabSz="914400" rtl="0" eaLnBrk="1" fontAlgn="auto" latinLnBrk="0" hangingPunct="1">
-              <a:lnSpc>
-                <a:spcPct val="100000"/>
-              </a:lnSpc>
-              <a:spcBef>
-                <a:spcPts val="0"/>
-              </a:spcBef>
-              <a:spcAft>
-                <a:spcPts val="0"/>
-              </a:spcAft>
-              <a:buClrTx/>
-              <a:buSzTx/>
-              <a:buFont typeface="Arial"/>
-              <a:buChar char="•"/>
-              <a:tabLst/>
-              <a:defRPr/>
-            </a:pPr>
-            <a:r>
-              <a:rPr kumimoji="0" lang="en-US" sz="1800" b="0" i="0" u="none" strike="noStrike" kern="1200" cap="none" spc="0" normalizeH="0" baseline="0" noProof="0" dirty="0">
-                <a:ln>
-                  <a:noFill/>
-                </a:ln>
-                <a:solidFill>
-                  <a:prstClr val="black"/>
-                </a:solidFill>
-                <a:effectLst/>
-                <a:uLnTx/>
-                <a:uFillTx/>
-                <a:latin typeface="Verdana" panose="020B0604030504040204"/>
-                <a:ea typeface="+mn-ea"/>
-                <a:cs typeface="+mn-cs"/>
-              </a:rPr>
-              <a:t>Again use global search until exactly one match of at least 28bp (slower)</a:t>
-            </a:r>
-          </a:p>
-          <a:p>
-            <a:pPr marL="342900" marR="0" lvl="0" indent="-342900" algn="l" defTabSz="914400" rtl="0" eaLnBrk="1" fontAlgn="auto" latinLnBrk="0" hangingPunct="1">
-              <a:lnSpc>
-                <a:spcPct val="100000"/>
-              </a:lnSpc>
-              <a:spcBef>
-                <a:spcPts val="0"/>
-              </a:spcBef>
-              <a:spcAft>
-                <a:spcPts val="0"/>
-              </a:spcAft>
-              <a:buClrTx/>
-              <a:buSzTx/>
-              <a:buFont typeface="Arial"/>
-              <a:buChar char="•"/>
-              <a:tabLst/>
-              <a:defRPr/>
-            </a:pPr>
-            <a:r>
-              <a:rPr kumimoji="0" lang="en-US" sz="1800" b="0" i="0" u="none" strike="noStrike" kern="1200" cap="none" spc="0" normalizeH="0" baseline="0" noProof="0" dirty="0">
-                <a:ln>
-                  <a:noFill/>
-                </a:ln>
-                <a:solidFill>
-                  <a:prstClr val="black"/>
-                </a:solidFill>
-                <a:effectLst/>
-                <a:uLnTx/>
-                <a:uFillTx/>
-                <a:latin typeface="Verdana" panose="020B0604030504040204"/>
-                <a:ea typeface="+mn-ea"/>
-                <a:cs typeface="+mn-cs"/>
-              </a:rPr>
-              <a:t>Extend as before until mismatch at 51bp (faster)</a:t>
-            </a:r>
-          </a:p>
-          <a:p>
-            <a:pPr marL="342900" marR="0" lvl="0" indent="-342900" algn="l" defTabSz="914400" rtl="0" eaLnBrk="1" fontAlgn="auto" latinLnBrk="0" hangingPunct="1">
-              <a:lnSpc>
-                <a:spcPct val="100000"/>
-              </a:lnSpc>
-              <a:spcBef>
-                <a:spcPts val="0"/>
-              </a:spcBef>
-              <a:spcAft>
-                <a:spcPts val="0"/>
-              </a:spcAft>
-              <a:buClrTx/>
-              <a:buSzTx/>
-              <a:buFont typeface="Arial"/>
-              <a:buChar char="•"/>
-              <a:tabLst/>
-              <a:defRPr/>
-            </a:pPr>
-            <a:r>
-              <a:rPr kumimoji="0" lang="en-US" sz="1800" b="0" i="0" u="none" strike="noStrike" kern="1200" cap="none" spc="0" normalizeH="0" baseline="0" noProof="0" dirty="0">
-                <a:ln>
-                  <a:noFill/>
-                </a:ln>
-                <a:solidFill>
-                  <a:prstClr val="black"/>
-                </a:solidFill>
-                <a:effectLst/>
-                <a:uLnTx/>
-                <a:uFillTx/>
-                <a:latin typeface="Verdana" panose="020B0604030504040204"/>
-                <a:ea typeface="+mn-ea"/>
-                <a:cs typeface="+mn-cs"/>
-              </a:rPr>
-              <a:t>Switch to local FM index to align first 8bp of remaining read</a:t>
-            </a:r>
-          </a:p>
-          <a:p>
-            <a:pPr marL="800100" marR="0" lvl="1" indent="-342900" algn="l" defTabSz="914400" rtl="0" eaLnBrk="1" fontAlgn="auto" latinLnBrk="0" hangingPunct="1">
-              <a:lnSpc>
-                <a:spcPct val="100000"/>
-              </a:lnSpc>
-              <a:spcBef>
-                <a:spcPts val="0"/>
-              </a:spcBef>
-              <a:spcAft>
-                <a:spcPts val="0"/>
-              </a:spcAft>
-              <a:buClrTx/>
-              <a:buSzTx/>
-              <a:buFont typeface="Arial"/>
-              <a:buChar char="•"/>
-              <a:tabLst/>
-              <a:defRPr/>
-            </a:pPr>
-            <a:r>
-              <a:rPr kumimoji="0" lang="en-US" sz="1800" b="0" i="0" u="none" strike="noStrike" kern="1200" cap="none" spc="0" normalizeH="0" baseline="0" noProof="0" dirty="0">
-                <a:ln>
-                  <a:noFill/>
-                </a:ln>
-                <a:solidFill>
-                  <a:prstClr val="black"/>
-                </a:solidFill>
-                <a:effectLst/>
-                <a:uLnTx/>
-                <a:uFillTx/>
-                <a:latin typeface="Verdana" panose="020B0604030504040204"/>
-                <a:ea typeface="+mn-ea"/>
-                <a:cs typeface="+mn-cs"/>
-              </a:rPr>
-              <a:t>If too many matches increase prefix size</a:t>
-            </a:r>
-          </a:p>
-          <a:p>
-            <a:pPr marL="342900" marR="0" lvl="0" indent="-342900" algn="l" defTabSz="914400" rtl="0" eaLnBrk="1" fontAlgn="auto" latinLnBrk="0" hangingPunct="1">
-              <a:lnSpc>
-                <a:spcPct val="100000"/>
-              </a:lnSpc>
-              <a:spcBef>
-                <a:spcPts val="0"/>
-              </a:spcBef>
-              <a:spcAft>
-                <a:spcPts val="0"/>
-              </a:spcAft>
-              <a:buClrTx/>
-              <a:buSzTx/>
-              <a:buFont typeface="Arial"/>
-              <a:buChar char="•"/>
-              <a:tabLst/>
-              <a:defRPr/>
-            </a:pPr>
-            <a:r>
-              <a:rPr kumimoji="0" lang="en-US" sz="1800" b="0" i="0" u="none" strike="noStrike" kern="1200" cap="none" spc="0" normalizeH="0" baseline="0" noProof="0" dirty="0">
-                <a:ln>
-                  <a:noFill/>
-                </a:ln>
-                <a:solidFill>
-                  <a:prstClr val="black"/>
-                </a:solidFill>
-                <a:effectLst/>
-                <a:uLnTx/>
-                <a:uFillTx/>
-                <a:latin typeface="Verdana" panose="020B0604030504040204"/>
-                <a:ea typeface="+mn-ea"/>
-                <a:cs typeface="+mn-cs"/>
-              </a:rPr>
-              <a:t>Extend again</a:t>
-            </a:r>
-          </a:p>
-          <a:p>
-            <a:pPr marL="342900" marR="0" lvl="0" indent="-342900" algn="l" defTabSz="914400" rtl="0" eaLnBrk="1" fontAlgn="auto" latinLnBrk="0" hangingPunct="1">
-              <a:lnSpc>
-                <a:spcPct val="100000"/>
-              </a:lnSpc>
-              <a:spcBef>
-                <a:spcPts val="0"/>
-              </a:spcBef>
-              <a:spcAft>
-                <a:spcPts val="0"/>
-              </a:spcAft>
-              <a:buClrTx/>
-              <a:buSzTx/>
-              <a:buFont typeface="Arial"/>
-              <a:buChar char="•"/>
-              <a:tabLst/>
-              <a:defRPr/>
-            </a:pPr>
-            <a:r>
-              <a:rPr kumimoji="0" lang="en-US" sz="1800" b="0" i="0" u="none" strike="noStrike" kern="1200" cap="none" spc="0" normalizeH="0" baseline="0" noProof="0" dirty="0">
-                <a:ln>
-                  <a:noFill/>
-                </a:ln>
-                <a:solidFill>
-                  <a:prstClr val="black"/>
-                </a:solidFill>
-                <a:effectLst/>
-                <a:uLnTx/>
-                <a:uFillTx/>
-                <a:latin typeface="Verdana" panose="020B0604030504040204"/>
-                <a:ea typeface="+mn-ea"/>
-                <a:cs typeface="+mn-cs"/>
-              </a:rPr>
-              <a:t>Check for compatibility and combine into single spliced alignment</a:t>
-            </a:r>
-          </a:p>
-        </p:txBody>
-      </p:sp>
-      <p:cxnSp>
-        <p:nvCxnSpPr>
-          <p:cNvPr id="3" name="Straight Connector 2"/>
-          <p:cNvCxnSpPr/>
-          <p:nvPr/>
-        </p:nvCxnSpPr>
-        <p:spPr>
-          <a:xfrm>
-            <a:off x="2567608" y="5589240"/>
-            <a:ext cx="0" cy="576064"/>
-          </a:xfrm>
-          <a:prstGeom prst="line">
-            <a:avLst/>
-          </a:prstGeom>
-          <a:ln w="38100" cmpd="sng"/>
-        </p:spPr>
-        <p:style>
-          <a:lnRef idx="2">
-            <a:schemeClr val="accent1"/>
-          </a:lnRef>
-          <a:fillRef idx="0">
-            <a:schemeClr val="accent1"/>
-          </a:fillRef>
-          <a:effectRef idx="1">
-            <a:schemeClr val="accent1"/>
-          </a:effectRef>
-          <a:fontRef idx="minor">
-            <a:schemeClr val="tx1"/>
-          </a:fontRef>
-        </p:style>
-      </p:cxnSp>
-    </p:spTree>
-    <p:extLst>
-      <p:ext uri="{BB962C8B-B14F-4D97-AF65-F5344CB8AC3E}">
-        <p14:creationId xmlns:p14="http://schemas.microsoft.com/office/powerpoint/2010/main" val="1823270600"/>
-      </p:ext>
-    </p:extLst>
-  </p:cSld>
-  <p:clrMapOvr>
-    <a:masterClrMapping/>
-  </p:clrMapOvr>
-</p:sld>
-</file>
-
-<file path=ppt/slides/slide16.xml><?xml version="1.0" encoding="utf-8"?>
-<p:sld xmlns:a="http://schemas.openxmlformats.org/drawingml/2006/main" xmlns:r="http://schemas.openxmlformats.org/officeDocument/2006/relationships" xmlns:p="http://schemas.openxmlformats.org/presentationml/2006/main">
-  <p:cSld>
-    <p:spTree>
-      <p:nvGrpSpPr>
-        <p:cNvPr id="1" name=""/>
-        <p:cNvGrpSpPr/>
-        <p:nvPr/>
-      </p:nvGrpSpPr>
-      <p:grpSpPr>
-        <a:xfrm>
-          <a:off x="0" y="0"/>
-          <a:ext cx="0" cy="0"/>
-          <a:chOff x="0" y="0"/>
-          <a:chExt cx="0" cy="0"/>
-        </a:xfrm>
-      </p:grpSpPr>
       <p:sp>
         <p:nvSpPr>
           <p:cNvPr id="21505" name="Title 1"/>
@@ -12162,7 +11622,10 @@
               <a:defRPr/>
             </a:pPr>
             <a:r>
-              <a:rPr lang="en-US" dirty="0"/>
+              <a:rPr lang="en-US" dirty="0">
+                <a:latin typeface="Calibri" panose="020F0502020204030204" pitchFamily="34" charset="0"/>
+                <a:cs typeface="Calibri" panose="020F0502020204030204" pitchFamily="34" charset="0"/>
+              </a:rPr>
               <a:t>Depends on the application</a:t>
             </a:r>
           </a:p>
@@ -12170,23 +11633,42 @@
             <a:pPr lvl="1">
               <a:defRPr/>
             </a:pPr>
-            <a:endParaRPr lang="en-US" dirty="0"/>
+            <a:endParaRPr lang="en-US" dirty="0">
+              <a:latin typeface="Calibri" panose="020F0502020204030204" pitchFamily="34" charset="0"/>
+              <a:cs typeface="Calibri" panose="020F0502020204030204" pitchFamily="34" charset="0"/>
+            </a:endParaRPr>
           </a:p>
           <a:p>
             <a:pPr>
               <a:defRPr/>
             </a:pPr>
             <a:r>
-              <a:rPr lang="en-US" dirty="0"/>
+              <a:rPr lang="en-US" dirty="0">
+                <a:latin typeface="Calibri" panose="020F0502020204030204" pitchFamily="34" charset="0"/>
+                <a:cs typeface="Calibri" panose="020F0502020204030204" pitchFamily="34" charset="0"/>
+              </a:rPr>
               <a:t>In *DNA* analysis it is common to use a mapper to randomly select alignments from a series of equally good alignments</a:t>
             </a:r>
+            <a:br>
+              <a:rPr lang="en-US" dirty="0">
+                <a:latin typeface="Calibri" panose="020F0502020204030204" pitchFamily="34" charset="0"/>
+                <a:cs typeface="Calibri" panose="020F0502020204030204" pitchFamily="34" charset="0"/>
+              </a:rPr>
+            </a:br>
+            <a:endParaRPr lang="en-US" dirty="0">
+              <a:latin typeface="Calibri" panose="020F0502020204030204" pitchFamily="34" charset="0"/>
+              <a:cs typeface="Calibri" panose="020F0502020204030204" pitchFamily="34" charset="0"/>
+            </a:endParaRPr>
           </a:p>
           <a:p>
             <a:pPr>
               <a:defRPr/>
             </a:pPr>
             <a:r>
-              <a:rPr lang="en-US" dirty="0"/>
+              <a:rPr lang="en-US" dirty="0">
+                <a:latin typeface="Calibri" panose="020F0502020204030204" pitchFamily="34" charset="0"/>
+                <a:cs typeface="Calibri" panose="020F0502020204030204" pitchFamily="34" charset="0"/>
+              </a:rPr>
               <a:t>In *RNA* analysis this is less common</a:t>
             </a:r>
           </a:p>
@@ -12195,7 +11677,10 @@
               <a:defRPr/>
             </a:pPr>
             <a:r>
-              <a:rPr lang="en-US" dirty="0"/>
+              <a:rPr lang="en-US" dirty="0">
+                <a:latin typeface="Calibri" panose="020F0502020204030204" pitchFamily="34" charset="0"/>
+                <a:cs typeface="Calibri" panose="020F0502020204030204" pitchFamily="34" charset="0"/>
+              </a:rPr>
               <a:t>Perhaps disallow multi-mapped reads if you are variant calling</a:t>
             </a:r>
           </a:p>
@@ -12204,15 +11689,24 @@
               <a:defRPr/>
             </a:pPr>
             <a:r>
-              <a:rPr lang="en-US" dirty="0"/>
+              <a:rPr lang="en-US" dirty="0">
+                <a:latin typeface="Calibri" panose="020F0502020204030204" pitchFamily="34" charset="0"/>
+                <a:cs typeface="Calibri" panose="020F0502020204030204" pitchFamily="34" charset="0"/>
+              </a:rPr>
               <a:t>Definitely should allow multi-mapped reads for expression analysis with Cufflinks (and </a:t>
             </a:r>
             <a:r>
-              <a:rPr lang="en-US" dirty="0" err="1"/>
+              <a:rPr lang="en-US" dirty="0" err="1">
+                <a:latin typeface="Calibri" panose="020F0502020204030204" pitchFamily="34" charset="0"/>
+                <a:cs typeface="Calibri" panose="020F0502020204030204" pitchFamily="34" charset="0"/>
+              </a:rPr>
               <a:t>StringTie</a:t>
             </a:r>
             <a:r>
-              <a:rPr lang="en-US" dirty="0"/>
+              <a:rPr lang="en-US" dirty="0">
+                <a:latin typeface="Calibri" panose="020F0502020204030204" pitchFamily="34" charset="0"/>
+                <a:cs typeface="Calibri" panose="020F0502020204030204" pitchFamily="34" charset="0"/>
+              </a:rPr>
               <a:t>?)</a:t>
             </a:r>
           </a:p>
@@ -12221,7 +11715,10 @@
               <a:defRPr/>
             </a:pPr>
             <a:r>
-              <a:rPr lang="en-US" dirty="0"/>
+              <a:rPr lang="en-US" dirty="0">
+                <a:latin typeface="Calibri" panose="020F0502020204030204" pitchFamily="34" charset="0"/>
+                <a:cs typeface="Calibri" panose="020F0502020204030204" pitchFamily="34" charset="0"/>
+              </a:rPr>
               <a:t>Definitely should allow multi-mapped reads for gene fusion discovery</a:t>
             </a:r>
           </a:p>
@@ -12240,7 +11737,7 @@
 </p:sld>
 </file>
 
-<file path=ppt/slides/slide17.xml><?xml version="1.0" encoding="utf-8"?>
+<file path=ppt/slides/slide15.xml><?xml version="1.0" encoding="utf-8"?>
 <p:sld xmlns:a="http://schemas.openxmlformats.org/drawingml/2006/main" xmlns:r="http://schemas.openxmlformats.org/officeDocument/2006/relationships" xmlns:p="http://schemas.openxmlformats.org/presentationml/2006/main">
   <p:cSld>
     <p:spTree>
@@ -12864,3973 +12361,6 @@
       </p:grpSpPr>
       <p:sp>
         <p:nvSpPr>
-          <p:cNvPr id="2" name="Title 1"/>
-          <p:cNvSpPr>
-            <a:spLocks noGrp="1"/>
-          </p:cNvSpPr>
-          <p:nvPr>
-            <p:ph type="title"/>
-          </p:nvPr>
-        </p:nvSpPr>
-        <p:spPr>
-          <a:xfrm>
-            <a:off x="838200" y="689"/>
-            <a:ext cx="10515600" cy="769719"/>
-          </a:xfrm>
-        </p:spPr>
-        <p:txBody>
-          <a:bodyPr>
-            <a:normAutofit/>
-          </a:bodyPr>
-          <a:lstStyle/>
-          <a:p>
-            <a:r>
-              <a:rPr lang="en-US" dirty="0">
-                <a:latin typeface="Calibri" panose="020F0502020204030204" pitchFamily="34" charset="0"/>
-                <a:cs typeface="Calibri" panose="020F0502020204030204" pitchFamily="34" charset="0"/>
-              </a:rPr>
-              <a:t>Common sources of confusion</a:t>
-            </a:r>
-          </a:p>
-        </p:txBody>
-      </p:sp>
-      <p:sp>
-        <p:nvSpPr>
-          <p:cNvPr id="3" name="Content Placeholder 2"/>
-          <p:cNvSpPr>
-            <a:spLocks noGrp="1"/>
-          </p:cNvSpPr>
-          <p:nvPr>
-            <p:ph idx="1"/>
-          </p:nvPr>
-        </p:nvSpPr>
-        <p:spPr>
-          <a:xfrm>
-            <a:off x="203200" y="1016000"/>
-            <a:ext cx="4830693" cy="5562600"/>
-          </a:xfrm>
-        </p:spPr>
-        <p:txBody>
-          <a:bodyPr>
-            <a:normAutofit/>
-          </a:bodyPr>
-          <a:lstStyle/>
-          <a:p>
-            <a:r>
-              <a:rPr lang="en-US" dirty="0">
-                <a:latin typeface="Calibri" panose="020F0502020204030204" pitchFamily="34" charset="0"/>
-                <a:cs typeface="Calibri" panose="020F0502020204030204" pitchFamily="34" charset="0"/>
-              </a:rPr>
-              <a:t>Genomic coordinate systems</a:t>
-            </a:r>
-          </a:p>
-          <a:p>
-            <a:pPr lvl="1"/>
-            <a:r>
-              <a:rPr lang="en-US" dirty="0">
-                <a:latin typeface="Calibri" panose="020F0502020204030204" pitchFamily="34" charset="0"/>
-                <a:cs typeface="Calibri" panose="020F0502020204030204" pitchFamily="34" charset="0"/>
-              </a:rPr>
-              <a:t>1-based vs. 0-based</a:t>
-            </a:r>
-          </a:p>
-          <a:p>
-            <a:endParaRPr lang="en-US" dirty="0">
-              <a:latin typeface="Calibri" panose="020F0502020204030204" pitchFamily="34" charset="0"/>
-              <a:cs typeface="Calibri" panose="020F0502020204030204" pitchFamily="34" charset="0"/>
-            </a:endParaRPr>
-          </a:p>
-          <a:p>
-            <a:endParaRPr lang="en-US" dirty="0">
-              <a:latin typeface="Calibri" panose="020F0502020204030204" pitchFamily="34" charset="0"/>
-              <a:cs typeface="Calibri" panose="020F0502020204030204" pitchFamily="34" charset="0"/>
-            </a:endParaRPr>
-          </a:p>
-          <a:p>
-            <a:r>
-              <a:rPr lang="en-US" dirty="0">
-                <a:latin typeface="Calibri" panose="020F0502020204030204" pitchFamily="34" charset="0"/>
-                <a:cs typeface="Calibri" panose="020F0502020204030204" pitchFamily="34" charset="0"/>
-              </a:rPr>
-              <a:t>Genome builds</a:t>
-            </a:r>
-          </a:p>
-          <a:p>
-            <a:pPr lvl="1"/>
-            <a:r>
-              <a:rPr lang="en-US" dirty="0">
-                <a:latin typeface="Calibri" panose="020F0502020204030204" pitchFamily="34" charset="0"/>
-                <a:cs typeface="Calibri" panose="020F0502020204030204" pitchFamily="34" charset="0"/>
-              </a:rPr>
-              <a:t>And annotation builds</a:t>
-            </a:r>
-          </a:p>
-          <a:p>
-            <a:pPr lvl="1"/>
-            <a:r>
-              <a:rPr lang="en-US" dirty="0">
-                <a:latin typeface="Calibri" panose="020F0502020204030204" pitchFamily="34" charset="0"/>
-                <a:cs typeface="Calibri" panose="020F0502020204030204" pitchFamily="34" charset="0"/>
-              </a:rPr>
-              <a:t>“</a:t>
-            </a:r>
-            <a:r>
-              <a:rPr lang="en-US" dirty="0" err="1">
-                <a:latin typeface="Calibri" panose="020F0502020204030204" pitchFamily="34" charset="0"/>
-                <a:cs typeface="Calibri" panose="020F0502020204030204" pitchFamily="34" charset="0"/>
-              </a:rPr>
-              <a:t>Liftover</a:t>
-            </a:r>
-            <a:r>
-              <a:rPr lang="en-US" dirty="0">
-                <a:latin typeface="Calibri" panose="020F0502020204030204" pitchFamily="34" charset="0"/>
-                <a:cs typeface="Calibri" panose="020F0502020204030204" pitchFamily="34" charset="0"/>
-              </a:rPr>
-              <a:t>” tools</a:t>
-            </a:r>
-          </a:p>
-          <a:p>
-            <a:pPr lvl="1"/>
-            <a:endParaRPr lang="en-US" dirty="0">
-              <a:latin typeface="Calibri" panose="020F0502020204030204" pitchFamily="34" charset="0"/>
-              <a:cs typeface="Calibri" panose="020F0502020204030204" pitchFamily="34" charset="0"/>
-            </a:endParaRPr>
-          </a:p>
-          <a:p>
-            <a:pPr lvl="1"/>
-            <a:endParaRPr lang="en-US" dirty="0">
-              <a:latin typeface="Calibri" panose="020F0502020204030204" pitchFamily="34" charset="0"/>
-              <a:cs typeface="Calibri" panose="020F0502020204030204" pitchFamily="34" charset="0"/>
-            </a:endParaRPr>
-          </a:p>
-          <a:p>
-            <a:r>
-              <a:rPr lang="en-US" dirty="0">
-                <a:latin typeface="Calibri" panose="020F0502020204030204" pitchFamily="34" charset="0"/>
-                <a:cs typeface="Calibri" panose="020F0502020204030204" pitchFamily="34" charset="0"/>
-              </a:rPr>
-              <a:t>Left-shifted </a:t>
-            </a:r>
-            <a:r>
-              <a:rPr lang="en-US" dirty="0" err="1">
-                <a:latin typeface="Calibri" panose="020F0502020204030204" pitchFamily="34" charset="0"/>
-                <a:cs typeface="Calibri" panose="020F0502020204030204" pitchFamily="34" charset="0"/>
-              </a:rPr>
-              <a:t>vs</a:t>
-            </a:r>
-            <a:r>
-              <a:rPr lang="en-US" dirty="0">
-                <a:latin typeface="Calibri" panose="020F0502020204030204" pitchFamily="34" charset="0"/>
-                <a:cs typeface="Calibri" panose="020F0502020204030204" pitchFamily="34" charset="0"/>
-              </a:rPr>
-              <a:t> right-shifted</a:t>
-            </a:r>
-          </a:p>
-        </p:txBody>
-      </p:sp>
-      <p:pic>
-        <p:nvPicPr>
-          <p:cNvPr id="4" name="Picture 3" descr="0-vs-1-based.png"/>
-          <p:cNvPicPr>
-            <a:picLocks noChangeAspect="1"/>
-          </p:cNvPicPr>
-          <p:nvPr/>
-        </p:nvPicPr>
-        <p:blipFill>
-          <a:blip r:embed="rId2">
-            <a:extLst>
-              <a:ext uri="{28A0092B-C50C-407E-A947-70E740481C1C}">
-                <a14:useLocalDpi xmlns:a14="http://schemas.microsoft.com/office/drawing/2010/main" val="0"/>
-              </a:ext>
-            </a:extLst>
-          </a:blip>
-          <a:stretch>
-            <a:fillRect/>
-          </a:stretch>
-        </p:blipFill>
-        <p:spPr>
-          <a:xfrm>
-            <a:off x="5181600" y="860592"/>
-            <a:ext cx="6680123" cy="1177539"/>
-          </a:xfrm>
-          <a:prstGeom prst="rect">
-            <a:avLst/>
-          </a:prstGeom>
-        </p:spPr>
-      </p:pic>
-      <p:pic>
-        <p:nvPicPr>
-          <p:cNvPr id="5" name="Picture 4" descr="liftover.png"/>
-          <p:cNvPicPr>
-            <a:picLocks noChangeAspect="1"/>
-          </p:cNvPicPr>
-          <p:nvPr/>
-        </p:nvPicPr>
-        <p:blipFill>
-          <a:blip r:embed="rId3">
-            <a:extLst>
-              <a:ext uri="{28A0092B-C50C-407E-A947-70E740481C1C}">
-                <a14:useLocalDpi xmlns:a14="http://schemas.microsoft.com/office/drawing/2010/main" val="0"/>
-              </a:ext>
-            </a:extLst>
-          </a:blip>
-          <a:stretch>
-            <a:fillRect/>
-          </a:stretch>
-        </p:blipFill>
-        <p:spPr>
-          <a:xfrm>
-            <a:off x="6458227" y="2424441"/>
-            <a:ext cx="4432300" cy="1765300"/>
-          </a:xfrm>
-          <a:prstGeom prst="rect">
-            <a:avLst/>
-          </a:prstGeom>
-        </p:spPr>
-      </p:pic>
-      <p:sp>
-        <p:nvSpPr>
-          <p:cNvPr id="6" name="TextBox 5"/>
-          <p:cNvSpPr txBox="1"/>
-          <p:nvPr/>
-        </p:nvSpPr>
-        <p:spPr>
-          <a:xfrm>
-            <a:off x="7297823" y="4011857"/>
-            <a:ext cx="1338828" cy="307777"/>
-          </a:xfrm>
-          <a:prstGeom prst="rect">
-            <a:avLst/>
-          </a:prstGeom>
-          <a:noFill/>
-        </p:spPr>
-        <p:txBody>
-          <a:bodyPr wrap="none" rtlCol="0">
-            <a:spAutoFit/>
-          </a:bodyPr>
-          <a:lstStyle/>
-          <a:p>
-            <a:r>
-              <a:rPr lang="en-US" sz="1400" dirty="0">
-                <a:latin typeface="Calibri" panose="020F0502020204030204" pitchFamily="34" charset="0"/>
-                <a:cs typeface="Calibri" panose="020F0502020204030204" pitchFamily="34" charset="0"/>
-              </a:rPr>
-              <a:t>Human GRCh37</a:t>
-            </a:r>
-          </a:p>
-        </p:txBody>
-      </p:sp>
-      <p:sp>
-        <p:nvSpPr>
-          <p:cNvPr id="7" name="TextBox 6"/>
-          <p:cNvSpPr txBox="1"/>
-          <p:nvPr/>
-        </p:nvSpPr>
-        <p:spPr>
-          <a:xfrm>
-            <a:off x="7105992" y="3416448"/>
-            <a:ext cx="1117614" cy="307777"/>
-          </a:xfrm>
-          <a:prstGeom prst="rect">
-            <a:avLst/>
-          </a:prstGeom>
-          <a:noFill/>
-        </p:spPr>
-        <p:txBody>
-          <a:bodyPr wrap="none" rtlCol="0">
-            <a:spAutoFit/>
-          </a:bodyPr>
-          <a:lstStyle/>
-          <a:p>
-            <a:r>
-              <a:rPr lang="en-US" sz="1400" dirty="0">
-                <a:latin typeface="Calibri" panose="020F0502020204030204" pitchFamily="34" charset="0"/>
-                <a:cs typeface="Calibri" panose="020F0502020204030204" pitchFamily="34" charset="0"/>
-              </a:rPr>
-              <a:t>Human hg19</a:t>
-            </a:r>
-          </a:p>
-        </p:txBody>
-      </p:sp>
-      <p:sp>
-        <p:nvSpPr>
-          <p:cNvPr id="9" name="TextBox 8"/>
-          <p:cNvSpPr txBox="1"/>
-          <p:nvPr/>
-        </p:nvSpPr>
-        <p:spPr>
-          <a:xfrm>
-            <a:off x="8552165" y="2432517"/>
-            <a:ext cx="1196161" cy="307777"/>
-          </a:xfrm>
-          <a:prstGeom prst="rect">
-            <a:avLst/>
-          </a:prstGeom>
-          <a:noFill/>
-        </p:spPr>
-        <p:txBody>
-          <a:bodyPr wrap="none" rtlCol="0">
-            <a:spAutoFit/>
-          </a:bodyPr>
-          <a:lstStyle/>
-          <a:p>
-            <a:r>
-              <a:rPr lang="en-US" sz="1400" dirty="0">
-                <a:latin typeface="Calibri" panose="020F0502020204030204" pitchFamily="34" charset="0"/>
-                <a:cs typeface="Calibri" panose="020F0502020204030204" pitchFamily="34" charset="0"/>
-              </a:rPr>
-              <a:t>Mouse mm10</a:t>
-            </a:r>
-          </a:p>
-        </p:txBody>
-      </p:sp>
-      <p:pic>
-        <p:nvPicPr>
-          <p:cNvPr id="10" name="Content Placeholder 4" descr="Screenshot 2018-08-04 16.17.11.png"/>
-          <p:cNvPicPr>
-            <a:picLocks noChangeAspect="1"/>
-          </p:cNvPicPr>
-          <p:nvPr/>
-        </p:nvPicPr>
-        <p:blipFill rotWithShape="1">
-          <a:blip r:embed="rId4">
-            <a:extLst>
-              <a:ext uri="{28A0092B-C50C-407E-A947-70E740481C1C}">
-                <a14:useLocalDpi xmlns:a14="http://schemas.microsoft.com/office/drawing/2010/main" val="0"/>
-              </a:ext>
-            </a:extLst>
-          </a:blip>
-          <a:srcRect l="396" t="41175" r="2507" b="25720"/>
-          <a:stretch/>
-        </p:blipFill>
-        <p:spPr>
-          <a:xfrm>
-            <a:off x="5486401" y="4593823"/>
-            <a:ext cx="6561663" cy="1599392"/>
-          </a:xfrm>
-          <a:prstGeom prst="rect">
-            <a:avLst/>
-          </a:prstGeom>
-        </p:spPr>
-      </p:pic>
-    </p:spTree>
-    <p:extLst>
-      <p:ext uri="{BB962C8B-B14F-4D97-AF65-F5344CB8AC3E}">
-        <p14:creationId xmlns:p14="http://schemas.microsoft.com/office/powerpoint/2010/main" val="1563571866"/>
-      </p:ext>
-    </p:extLst>
-  </p:cSld>
-  <p:clrMapOvr>
-    <a:masterClrMapping/>
-  </p:clrMapOvr>
-</p:sld>
-</file>
-
-<file path=ppt/slides/slide4.xml><?xml version="1.0" encoding="utf-8"?>
-<p:sld xmlns:a="http://schemas.openxmlformats.org/drawingml/2006/main" xmlns:r="http://schemas.openxmlformats.org/officeDocument/2006/relationships" xmlns:p="http://schemas.openxmlformats.org/presentationml/2006/main">
-  <p:cSld>
-    <p:spTree>
-      <p:nvGrpSpPr>
-        <p:cNvPr id="1" name=""/>
-        <p:cNvGrpSpPr/>
-        <p:nvPr/>
-      </p:nvGrpSpPr>
-      <p:grpSpPr>
-        <a:xfrm>
-          <a:off x="0" y="0"/>
-          <a:ext cx="0" cy="0"/>
-          <a:chOff x="0" y="0"/>
-          <a:chExt cx="0" cy="0"/>
-        </a:xfrm>
-      </p:grpSpPr>
-      <p:sp>
-        <p:nvSpPr>
-          <p:cNvPr id="2" name="Title 1"/>
-          <p:cNvSpPr>
-            <a:spLocks noGrp="1"/>
-          </p:cNvSpPr>
-          <p:nvPr>
-            <p:ph type="title"/>
-          </p:nvPr>
-        </p:nvSpPr>
-        <p:spPr>
-          <a:xfrm>
-            <a:off x="203200" y="111850"/>
-            <a:ext cx="11684000" cy="609601"/>
-          </a:xfrm>
-        </p:spPr>
-        <p:txBody>
-          <a:bodyPr>
-            <a:noAutofit/>
-          </a:bodyPr>
-          <a:lstStyle/>
-          <a:p>
-            <a:r>
-              <a:rPr lang="en-US" sz="2667" dirty="0">
-                <a:latin typeface="Calibri" panose="020F0502020204030204" pitchFamily="34" charset="0"/>
-                <a:cs typeface="Calibri" panose="020F0502020204030204" pitchFamily="34" charset="0"/>
-              </a:rPr>
-              <a:t>0-based vs 1-based methods to indicate a nucleotide positions</a:t>
-            </a:r>
-          </a:p>
-        </p:txBody>
-      </p:sp>
-      <p:graphicFrame>
-        <p:nvGraphicFramePr>
-          <p:cNvPr id="5" name="Table 4"/>
-          <p:cNvGraphicFramePr>
-            <a:graphicFrameLocks noGrp="1"/>
-          </p:cNvGraphicFramePr>
-          <p:nvPr>
-            <p:extLst>
-              <p:ext uri="{D42A27DB-BD31-4B8C-83A1-F6EECF244321}">
-                <p14:modId xmlns:p14="http://schemas.microsoft.com/office/powerpoint/2010/main" val="3577025685"/>
-              </p:ext>
-            </p:extLst>
-          </p:nvPr>
-        </p:nvGraphicFramePr>
-        <p:xfrm>
-          <a:off x="463432" y="794410"/>
-          <a:ext cx="11297213" cy="1813560"/>
-        </p:xfrm>
-        <a:graphic>
-          <a:graphicData uri="http://schemas.openxmlformats.org/drawingml/2006/table">
-            <a:tbl>
-              <a:tblPr firstRow="1" bandRow="1">
-                <a:tableStyleId>{2D5ABB26-0587-4C30-8999-92F81FD0307C}</a:tableStyleId>
-              </a:tblPr>
-              <a:tblGrid>
-                <a:gridCol w="1255245">
-                  <a:extLst>
-                    <a:ext uri="{9D8B030D-6E8A-4147-A177-3AD203B41FA5}">
-                      <a16:colId xmlns:a16="http://schemas.microsoft.com/office/drawing/2014/main" val="20000"/>
-                    </a:ext>
-                  </a:extLst>
-                </a:gridCol>
-                <a:gridCol w="627623">
-                  <a:extLst>
-                    <a:ext uri="{9D8B030D-6E8A-4147-A177-3AD203B41FA5}">
-                      <a16:colId xmlns:a16="http://schemas.microsoft.com/office/drawing/2014/main" val="20001"/>
-                    </a:ext>
-                  </a:extLst>
-                </a:gridCol>
-                <a:gridCol w="627623">
-                  <a:extLst>
-                    <a:ext uri="{9D8B030D-6E8A-4147-A177-3AD203B41FA5}">
-                      <a16:colId xmlns:a16="http://schemas.microsoft.com/office/drawing/2014/main" val="20002"/>
-                    </a:ext>
-                  </a:extLst>
-                </a:gridCol>
-                <a:gridCol w="627623">
-                  <a:extLst>
-                    <a:ext uri="{9D8B030D-6E8A-4147-A177-3AD203B41FA5}">
-                      <a16:colId xmlns:a16="http://schemas.microsoft.com/office/drawing/2014/main" val="20003"/>
-                    </a:ext>
-                  </a:extLst>
-                </a:gridCol>
-                <a:gridCol w="627623">
-                  <a:extLst>
-                    <a:ext uri="{9D8B030D-6E8A-4147-A177-3AD203B41FA5}">
-                      <a16:colId xmlns:a16="http://schemas.microsoft.com/office/drawing/2014/main" val="20004"/>
-                    </a:ext>
-                  </a:extLst>
-                </a:gridCol>
-                <a:gridCol w="627623">
-                  <a:extLst>
-                    <a:ext uri="{9D8B030D-6E8A-4147-A177-3AD203B41FA5}">
-                      <a16:colId xmlns:a16="http://schemas.microsoft.com/office/drawing/2014/main" val="20005"/>
-                    </a:ext>
-                  </a:extLst>
-                </a:gridCol>
-                <a:gridCol w="627623">
-                  <a:extLst>
-                    <a:ext uri="{9D8B030D-6E8A-4147-A177-3AD203B41FA5}">
-                      <a16:colId xmlns:a16="http://schemas.microsoft.com/office/drawing/2014/main" val="20006"/>
-                    </a:ext>
-                  </a:extLst>
-                </a:gridCol>
-                <a:gridCol w="627623">
-                  <a:extLst>
-                    <a:ext uri="{9D8B030D-6E8A-4147-A177-3AD203B41FA5}">
-                      <a16:colId xmlns:a16="http://schemas.microsoft.com/office/drawing/2014/main" val="20007"/>
-                    </a:ext>
-                  </a:extLst>
-                </a:gridCol>
-                <a:gridCol w="627623">
-                  <a:extLst>
-                    <a:ext uri="{9D8B030D-6E8A-4147-A177-3AD203B41FA5}">
-                      <a16:colId xmlns:a16="http://schemas.microsoft.com/office/drawing/2014/main" val="20008"/>
-                    </a:ext>
-                  </a:extLst>
-                </a:gridCol>
-                <a:gridCol w="627623">
-                  <a:extLst>
-                    <a:ext uri="{9D8B030D-6E8A-4147-A177-3AD203B41FA5}">
-                      <a16:colId xmlns:a16="http://schemas.microsoft.com/office/drawing/2014/main" val="20009"/>
-                    </a:ext>
-                  </a:extLst>
-                </a:gridCol>
-                <a:gridCol w="627623">
-                  <a:extLst>
-                    <a:ext uri="{9D8B030D-6E8A-4147-A177-3AD203B41FA5}">
-                      <a16:colId xmlns:a16="http://schemas.microsoft.com/office/drawing/2014/main" val="20010"/>
-                    </a:ext>
-                  </a:extLst>
-                </a:gridCol>
-                <a:gridCol w="627623">
-                  <a:extLst>
-                    <a:ext uri="{9D8B030D-6E8A-4147-A177-3AD203B41FA5}">
-                      <a16:colId xmlns:a16="http://schemas.microsoft.com/office/drawing/2014/main" val="20011"/>
-                    </a:ext>
-                  </a:extLst>
-                </a:gridCol>
-                <a:gridCol w="627623">
-                  <a:extLst>
-                    <a:ext uri="{9D8B030D-6E8A-4147-A177-3AD203B41FA5}">
-                      <a16:colId xmlns:a16="http://schemas.microsoft.com/office/drawing/2014/main" val="20012"/>
-                    </a:ext>
-                  </a:extLst>
-                </a:gridCol>
-                <a:gridCol w="627623">
-                  <a:extLst>
-                    <a:ext uri="{9D8B030D-6E8A-4147-A177-3AD203B41FA5}">
-                      <a16:colId xmlns:a16="http://schemas.microsoft.com/office/drawing/2014/main" val="20013"/>
-                    </a:ext>
-                  </a:extLst>
-                </a:gridCol>
-                <a:gridCol w="627623">
-                  <a:extLst>
-                    <a:ext uri="{9D8B030D-6E8A-4147-A177-3AD203B41FA5}">
-                      <a16:colId xmlns:a16="http://schemas.microsoft.com/office/drawing/2014/main" val="20014"/>
-                    </a:ext>
-                  </a:extLst>
-                </a:gridCol>
-                <a:gridCol w="627623">
-                  <a:extLst>
-                    <a:ext uri="{9D8B030D-6E8A-4147-A177-3AD203B41FA5}">
-                      <a16:colId xmlns:a16="http://schemas.microsoft.com/office/drawing/2014/main" val="20015"/>
-                    </a:ext>
-                  </a:extLst>
-                </a:gridCol>
-                <a:gridCol w="627623">
-                  <a:extLst>
-                    <a:ext uri="{9D8B030D-6E8A-4147-A177-3AD203B41FA5}">
-                      <a16:colId xmlns:a16="http://schemas.microsoft.com/office/drawing/2014/main" val="20016"/>
-                    </a:ext>
-                  </a:extLst>
-                </a:gridCol>
-              </a:tblGrid>
-              <a:tr h="375920">
-                <a:tc gridSpan="2">
-                  <a:txBody>
-                    <a:bodyPr/>
-                    <a:lstStyle/>
-                    <a:p>
-                      <a:pPr marL="0" marR="0" indent="0" algn="ctr" defTabSz="457200" rtl="0" eaLnBrk="1" fontAlgn="auto" latinLnBrk="0" hangingPunct="1">
-                        <a:lnSpc>
-                          <a:spcPct val="100000"/>
-                        </a:lnSpc>
-                        <a:spcBef>
-                          <a:spcPts val="0"/>
-                        </a:spcBef>
-                        <a:spcAft>
-                          <a:spcPts val="0"/>
-                        </a:spcAft>
-                        <a:buClrTx/>
-                        <a:buSzTx/>
-                        <a:buFontTx/>
-                        <a:buNone/>
-                        <a:tabLst/>
-                        <a:defRPr/>
-                      </a:pPr>
-                      <a:r>
-                        <a:rPr lang="en-US" sz="1900" dirty="0"/>
-                        <a:t>chr1</a:t>
-                      </a:r>
-                    </a:p>
-                  </a:txBody>
-                  <a:tcPr marL="121920" marR="121920">
-                    <a:lnL w="12700" cap="flat" cmpd="sng" algn="ctr">
-                      <a:noFill/>
-                      <a:prstDash val="solid"/>
-                      <a:round/>
-                      <a:headEnd type="none" w="med" len="med"/>
-                      <a:tailEnd type="none" w="med" len="med"/>
-                    </a:lnL>
-                    <a:lnR w="12700" cap="flat" cmpd="sng" algn="ctr">
-                      <a:noFill/>
-                      <a:prstDash val="solid"/>
-                      <a:round/>
-                      <a:headEnd type="none" w="med" len="med"/>
-                      <a:tailEnd type="none" w="med" len="med"/>
-                    </a:lnR>
-                    <a:lnT w="12700" cap="flat" cmpd="sng" algn="ctr">
-                      <a:noFill/>
-                      <a:prstDash val="solid"/>
-                      <a:round/>
-                      <a:headEnd type="none" w="med" len="med"/>
-                      <a:tailEnd type="none" w="med" len="med"/>
-                    </a:lnT>
-                    <a:lnB w="12700" cap="flat" cmpd="sng" algn="ctr">
-                      <a:noFill/>
-                      <a:prstDash val="solid"/>
-                      <a:round/>
-                      <a:headEnd type="none" w="med" len="med"/>
-                      <a:tailEnd type="none" w="med" len="med"/>
-                    </a:lnB>
-                    <a:lnTlToBr w="12700" cmpd="sng">
-                      <a:noFill/>
-                      <a:prstDash val="solid"/>
-                    </a:lnTlToBr>
-                    <a:lnBlToTr w="12700" cmpd="sng">
-                      <a:noFill/>
-                      <a:prstDash val="solid"/>
-                    </a:lnBlToTr>
-                  </a:tcPr>
-                </a:tc>
-                <a:tc hMerge="1">
-                  <a:txBody>
-                    <a:bodyPr/>
-                    <a:lstStyle/>
-                    <a:p>
-                      <a:pPr marL="0" marR="0" indent="0" algn="ctr" defTabSz="457200" rtl="0" eaLnBrk="1" fontAlgn="auto" latinLnBrk="0" hangingPunct="1">
-                        <a:lnSpc>
-                          <a:spcPct val="100000"/>
-                        </a:lnSpc>
-                        <a:spcBef>
-                          <a:spcPts val="0"/>
-                        </a:spcBef>
-                        <a:spcAft>
-                          <a:spcPts val="0"/>
-                        </a:spcAft>
-                        <a:buClrTx/>
-                        <a:buSzTx/>
-                        <a:buFontTx/>
-                        <a:buNone/>
-                        <a:tabLst/>
-                        <a:defRPr/>
-                      </a:pPr>
-                      <a:endParaRPr lang="en-US" sz="1200" dirty="0"/>
-                    </a:p>
-                  </a:txBody>
-                  <a:tcPr>
-                    <a:lnL w="12700" cap="flat" cmpd="sng" algn="ctr">
-                      <a:noFill/>
-                      <a:prstDash val="solid"/>
-                      <a:round/>
-                      <a:headEnd type="none" w="med" len="med"/>
-                      <a:tailEnd type="none" w="med" len="med"/>
-                    </a:lnL>
-                    <a:lnR w="12700" cap="flat" cmpd="sng" algn="ctr">
-                      <a:noFill/>
-                      <a:prstDash val="solid"/>
-                      <a:round/>
-                      <a:headEnd type="none" w="med" len="med"/>
-                      <a:tailEnd type="none" w="med" len="med"/>
-                    </a:lnR>
-                    <a:lnT w="12700" cap="flat" cmpd="sng" algn="ctr">
-                      <a:noFill/>
-                      <a:prstDash val="solid"/>
-                      <a:round/>
-                      <a:headEnd type="none" w="med" len="med"/>
-                      <a:tailEnd type="none" w="med" len="med"/>
-                    </a:lnT>
-                    <a:lnB w="12700" cap="flat" cmpd="sng" algn="ctr">
-                      <a:noFill/>
-                      <a:prstDash val="solid"/>
-                      <a:round/>
-                      <a:headEnd type="none" w="med" len="med"/>
-                      <a:tailEnd type="none" w="med" len="med"/>
-                    </a:lnB>
-                    <a:lnTlToBr w="12700" cmpd="sng">
-                      <a:noFill/>
-                      <a:prstDash val="solid"/>
-                    </a:lnTlToBr>
-                    <a:lnBlToTr w="12700" cmpd="sng">
-                      <a:noFill/>
-                      <a:prstDash val="solid"/>
-                    </a:lnBlToTr>
-                  </a:tcPr>
-                </a:tc>
-                <a:tc gridSpan="2">
-                  <a:txBody>
-                    <a:bodyPr/>
-                    <a:lstStyle/>
-                    <a:p>
-                      <a:pPr algn="ctr"/>
-                      <a:r>
-                        <a:rPr lang="en-US" sz="1900" dirty="0"/>
-                        <a:t>T</a:t>
-                      </a:r>
-                    </a:p>
-                  </a:txBody>
-                  <a:tcPr marL="121920" marR="121920">
-                    <a:lnL w="12700" cap="flat" cmpd="sng" algn="ctr">
-                      <a:noFill/>
-                      <a:prstDash val="solid"/>
-                      <a:round/>
-                      <a:headEnd type="none" w="med" len="med"/>
-                      <a:tailEnd type="none" w="med" len="med"/>
-                    </a:lnL>
-                    <a:lnR w="12700" cap="flat" cmpd="sng" algn="ctr">
-                      <a:noFill/>
-                      <a:prstDash val="solid"/>
-                      <a:round/>
-                      <a:headEnd type="none" w="med" len="med"/>
-                      <a:tailEnd type="none" w="med" len="med"/>
-                    </a:lnR>
-                    <a:lnT w="12700" cap="flat" cmpd="sng" algn="ctr">
-                      <a:noFill/>
-                      <a:prstDash val="solid"/>
-                      <a:round/>
-                      <a:headEnd type="none" w="med" len="med"/>
-                      <a:tailEnd type="none" w="med" len="med"/>
-                    </a:lnT>
-                    <a:lnB w="12700" cap="flat" cmpd="sng" algn="ctr">
-                      <a:noFill/>
-                      <a:prstDash val="solid"/>
-                      <a:round/>
-                      <a:headEnd type="none" w="med" len="med"/>
-                      <a:tailEnd type="none" w="med" len="med"/>
-                    </a:lnB>
-                    <a:lnTlToBr w="12700" cmpd="sng">
-                      <a:noFill/>
-                      <a:prstDash val="solid"/>
-                    </a:lnTlToBr>
-                    <a:lnBlToTr w="12700" cmpd="sng">
-                      <a:noFill/>
-                      <a:prstDash val="solid"/>
-                    </a:lnBlToTr>
-                  </a:tcPr>
-                </a:tc>
-                <a:tc hMerge="1">
-                  <a:txBody>
-                    <a:bodyPr/>
-                    <a:lstStyle/>
-                    <a:p>
-                      <a:endParaRPr lang="en-US"/>
-                    </a:p>
-                  </a:txBody>
-                  <a:tcPr/>
-                </a:tc>
-                <a:tc gridSpan="2">
-                  <a:txBody>
-                    <a:bodyPr/>
-                    <a:lstStyle/>
-                    <a:p>
-                      <a:pPr algn="ctr"/>
-                      <a:r>
-                        <a:rPr lang="en-US" sz="1900" dirty="0"/>
-                        <a:t>A</a:t>
-                      </a:r>
-                    </a:p>
-                  </a:txBody>
-                  <a:tcPr marL="121920" marR="121920">
-                    <a:lnL w="12700" cap="flat" cmpd="sng" algn="ctr">
-                      <a:noFill/>
-                      <a:prstDash val="solid"/>
-                      <a:round/>
-                      <a:headEnd type="none" w="med" len="med"/>
-                      <a:tailEnd type="none" w="med" len="med"/>
-                    </a:lnL>
-                    <a:lnR w="12700" cap="flat" cmpd="sng" algn="ctr">
-                      <a:noFill/>
-                      <a:prstDash val="solid"/>
-                      <a:round/>
-                      <a:headEnd type="none" w="med" len="med"/>
-                      <a:tailEnd type="none" w="med" len="med"/>
-                    </a:lnR>
-                    <a:lnT w="12700" cap="flat" cmpd="sng" algn="ctr">
-                      <a:noFill/>
-                      <a:prstDash val="solid"/>
-                      <a:round/>
-                      <a:headEnd type="none" w="med" len="med"/>
-                      <a:tailEnd type="none" w="med" len="med"/>
-                    </a:lnT>
-                    <a:lnB w="12700" cap="flat" cmpd="sng" algn="ctr">
-                      <a:noFill/>
-                      <a:prstDash val="solid"/>
-                      <a:round/>
-                      <a:headEnd type="none" w="med" len="med"/>
-                      <a:tailEnd type="none" w="med" len="med"/>
-                    </a:lnB>
-                    <a:lnTlToBr w="12700" cmpd="sng">
-                      <a:noFill/>
-                      <a:prstDash val="solid"/>
-                    </a:lnTlToBr>
-                    <a:lnBlToTr w="12700" cmpd="sng">
-                      <a:noFill/>
-                      <a:prstDash val="solid"/>
-                    </a:lnBlToTr>
-                  </a:tcPr>
-                </a:tc>
-                <a:tc hMerge="1">
-                  <a:txBody>
-                    <a:bodyPr/>
-                    <a:lstStyle/>
-                    <a:p>
-                      <a:endParaRPr lang="en-US"/>
-                    </a:p>
-                  </a:txBody>
-                  <a:tcPr/>
-                </a:tc>
-                <a:tc gridSpan="2">
-                  <a:txBody>
-                    <a:bodyPr/>
-                    <a:lstStyle/>
-                    <a:p>
-                      <a:pPr algn="ctr"/>
-                      <a:r>
-                        <a:rPr lang="en-US" sz="1900" dirty="0"/>
-                        <a:t>C</a:t>
-                      </a:r>
-                    </a:p>
-                  </a:txBody>
-                  <a:tcPr marL="121920" marR="121920">
-                    <a:lnL w="12700" cap="flat" cmpd="sng" algn="ctr">
-                      <a:noFill/>
-                      <a:prstDash val="solid"/>
-                      <a:round/>
-                      <a:headEnd type="none" w="med" len="med"/>
-                      <a:tailEnd type="none" w="med" len="med"/>
-                    </a:lnL>
-                    <a:lnR w="12700" cap="flat" cmpd="sng" algn="ctr">
-                      <a:noFill/>
-                      <a:prstDash val="solid"/>
-                      <a:round/>
-                      <a:headEnd type="none" w="med" len="med"/>
-                      <a:tailEnd type="none" w="med" len="med"/>
-                    </a:lnR>
-                    <a:lnT w="12700" cap="flat" cmpd="sng" algn="ctr">
-                      <a:noFill/>
-                      <a:prstDash val="solid"/>
-                      <a:round/>
-                      <a:headEnd type="none" w="med" len="med"/>
-                      <a:tailEnd type="none" w="med" len="med"/>
-                    </a:lnT>
-                    <a:lnB w="12700" cap="flat" cmpd="sng" algn="ctr">
-                      <a:noFill/>
-                      <a:prstDash val="solid"/>
-                      <a:round/>
-                      <a:headEnd type="none" w="med" len="med"/>
-                      <a:tailEnd type="none" w="med" len="med"/>
-                    </a:lnB>
-                    <a:lnTlToBr w="12700" cmpd="sng">
-                      <a:noFill/>
-                      <a:prstDash val="solid"/>
-                    </a:lnTlToBr>
-                    <a:lnBlToTr w="12700" cmpd="sng">
-                      <a:noFill/>
-                      <a:prstDash val="solid"/>
-                    </a:lnBlToTr>
-                  </a:tcPr>
-                </a:tc>
-                <a:tc hMerge="1">
-                  <a:txBody>
-                    <a:bodyPr/>
-                    <a:lstStyle/>
-                    <a:p>
-                      <a:endParaRPr lang="en-US"/>
-                    </a:p>
-                  </a:txBody>
-                  <a:tcPr/>
-                </a:tc>
-                <a:tc gridSpan="2">
-                  <a:txBody>
-                    <a:bodyPr/>
-                    <a:lstStyle/>
-                    <a:p>
-                      <a:pPr algn="ctr"/>
-                      <a:r>
-                        <a:rPr lang="en-US" sz="1900" dirty="0"/>
-                        <a:t>G</a:t>
-                      </a:r>
-                    </a:p>
-                  </a:txBody>
-                  <a:tcPr marL="121920" marR="121920">
-                    <a:lnL w="12700" cap="flat" cmpd="sng" algn="ctr">
-                      <a:noFill/>
-                      <a:prstDash val="solid"/>
-                      <a:round/>
-                      <a:headEnd type="none" w="med" len="med"/>
-                      <a:tailEnd type="none" w="med" len="med"/>
-                    </a:lnL>
-                    <a:lnR w="12700" cap="flat" cmpd="sng" algn="ctr">
-                      <a:noFill/>
-                      <a:prstDash val="solid"/>
-                      <a:round/>
-                      <a:headEnd type="none" w="med" len="med"/>
-                      <a:tailEnd type="none" w="med" len="med"/>
-                    </a:lnR>
-                    <a:lnT w="12700" cap="flat" cmpd="sng" algn="ctr">
-                      <a:noFill/>
-                      <a:prstDash val="solid"/>
-                      <a:round/>
-                      <a:headEnd type="none" w="med" len="med"/>
-                      <a:tailEnd type="none" w="med" len="med"/>
-                    </a:lnT>
-                    <a:lnB w="12700" cap="flat" cmpd="sng" algn="ctr">
-                      <a:noFill/>
-                      <a:prstDash val="solid"/>
-                      <a:round/>
-                      <a:headEnd type="none" w="med" len="med"/>
-                      <a:tailEnd type="none" w="med" len="med"/>
-                    </a:lnB>
-                    <a:lnTlToBr w="12700" cmpd="sng">
-                      <a:noFill/>
-                      <a:prstDash val="solid"/>
-                    </a:lnTlToBr>
-                    <a:lnBlToTr w="12700" cmpd="sng">
-                      <a:noFill/>
-                      <a:prstDash val="solid"/>
-                    </a:lnBlToTr>
-                  </a:tcPr>
-                </a:tc>
-                <a:tc hMerge="1">
-                  <a:txBody>
-                    <a:bodyPr/>
-                    <a:lstStyle/>
-                    <a:p>
-                      <a:endParaRPr lang="en-US"/>
-                    </a:p>
-                  </a:txBody>
-                  <a:tcPr/>
-                </a:tc>
-                <a:tc gridSpan="2">
-                  <a:txBody>
-                    <a:bodyPr/>
-                    <a:lstStyle/>
-                    <a:p>
-                      <a:pPr algn="ctr"/>
-                      <a:r>
-                        <a:rPr lang="en-US" sz="1900" dirty="0"/>
-                        <a:t>T</a:t>
-                      </a:r>
-                    </a:p>
-                  </a:txBody>
-                  <a:tcPr marL="121920" marR="121920">
-                    <a:lnL w="12700" cap="flat" cmpd="sng" algn="ctr">
-                      <a:noFill/>
-                      <a:prstDash val="solid"/>
-                      <a:round/>
-                      <a:headEnd type="none" w="med" len="med"/>
-                      <a:tailEnd type="none" w="med" len="med"/>
-                    </a:lnL>
-                    <a:lnR w="12700" cap="flat" cmpd="sng" algn="ctr">
-                      <a:noFill/>
-                      <a:prstDash val="solid"/>
-                      <a:round/>
-                      <a:headEnd type="none" w="med" len="med"/>
-                      <a:tailEnd type="none" w="med" len="med"/>
-                    </a:lnR>
-                    <a:lnT w="12700" cap="flat" cmpd="sng" algn="ctr">
-                      <a:noFill/>
-                      <a:prstDash val="solid"/>
-                      <a:round/>
-                      <a:headEnd type="none" w="med" len="med"/>
-                      <a:tailEnd type="none" w="med" len="med"/>
-                    </a:lnT>
-                    <a:lnB w="12700" cap="flat" cmpd="sng" algn="ctr">
-                      <a:noFill/>
-                      <a:prstDash val="solid"/>
-                      <a:round/>
-                      <a:headEnd type="none" w="med" len="med"/>
-                      <a:tailEnd type="none" w="med" len="med"/>
-                    </a:lnB>
-                    <a:lnTlToBr w="12700" cmpd="sng">
-                      <a:noFill/>
-                      <a:prstDash val="solid"/>
-                    </a:lnTlToBr>
-                    <a:lnBlToTr w="12700" cmpd="sng">
-                      <a:noFill/>
-                      <a:prstDash val="solid"/>
-                    </a:lnBlToTr>
-                  </a:tcPr>
-                </a:tc>
-                <a:tc hMerge="1">
-                  <a:txBody>
-                    <a:bodyPr/>
-                    <a:lstStyle/>
-                    <a:p>
-                      <a:endParaRPr lang="en-US"/>
-                    </a:p>
-                  </a:txBody>
-                  <a:tcPr/>
-                </a:tc>
-                <a:tc gridSpan="2">
-                  <a:txBody>
-                    <a:bodyPr/>
-                    <a:lstStyle/>
-                    <a:p>
-                      <a:pPr algn="ctr"/>
-                      <a:r>
-                        <a:rPr lang="en-US" sz="1900" dirty="0"/>
-                        <a:t>C</a:t>
-                      </a:r>
-                    </a:p>
-                  </a:txBody>
-                  <a:tcPr marL="121920" marR="121920">
-                    <a:lnL w="12700" cap="flat" cmpd="sng" algn="ctr">
-                      <a:noFill/>
-                      <a:prstDash val="solid"/>
-                      <a:round/>
-                      <a:headEnd type="none" w="med" len="med"/>
-                      <a:tailEnd type="none" w="med" len="med"/>
-                    </a:lnL>
-                    <a:lnR w="12700" cap="flat" cmpd="sng" algn="ctr">
-                      <a:noFill/>
-                      <a:prstDash val="solid"/>
-                      <a:round/>
-                      <a:headEnd type="none" w="med" len="med"/>
-                      <a:tailEnd type="none" w="med" len="med"/>
-                    </a:lnR>
-                    <a:lnT w="12700" cap="flat" cmpd="sng" algn="ctr">
-                      <a:noFill/>
-                      <a:prstDash val="solid"/>
-                      <a:round/>
-                      <a:headEnd type="none" w="med" len="med"/>
-                      <a:tailEnd type="none" w="med" len="med"/>
-                    </a:lnT>
-                    <a:lnB w="12700" cap="flat" cmpd="sng" algn="ctr">
-                      <a:noFill/>
-                      <a:prstDash val="solid"/>
-                      <a:round/>
-                      <a:headEnd type="none" w="med" len="med"/>
-                      <a:tailEnd type="none" w="med" len="med"/>
-                    </a:lnB>
-                    <a:lnTlToBr w="12700" cmpd="sng">
-                      <a:noFill/>
-                      <a:prstDash val="solid"/>
-                    </a:lnTlToBr>
-                    <a:lnBlToTr w="12700" cmpd="sng">
-                      <a:noFill/>
-                      <a:prstDash val="solid"/>
-                    </a:lnBlToTr>
-                  </a:tcPr>
-                </a:tc>
-                <a:tc hMerge="1">
-                  <a:txBody>
-                    <a:bodyPr/>
-                    <a:lstStyle/>
-                    <a:p>
-                      <a:endParaRPr lang="en-US"/>
-                    </a:p>
-                  </a:txBody>
-                  <a:tcPr/>
-                </a:tc>
-                <a:tc gridSpan="2">
-                  <a:txBody>
-                    <a:bodyPr/>
-                    <a:lstStyle/>
-                    <a:p>
-                      <a:pPr algn="ctr"/>
-                      <a:r>
-                        <a:rPr lang="en-US" sz="1900" dirty="0"/>
-                        <a:t>A</a:t>
-                      </a:r>
-                    </a:p>
-                  </a:txBody>
-                  <a:tcPr marL="121920" marR="121920">
-                    <a:lnL w="12700" cap="flat" cmpd="sng" algn="ctr">
-                      <a:noFill/>
-                      <a:prstDash val="solid"/>
-                      <a:round/>
-                      <a:headEnd type="none" w="med" len="med"/>
-                      <a:tailEnd type="none" w="med" len="med"/>
-                    </a:lnL>
-                    <a:lnR w="12700" cap="flat" cmpd="sng" algn="ctr">
-                      <a:noFill/>
-                      <a:prstDash val="solid"/>
-                      <a:round/>
-                      <a:headEnd type="none" w="med" len="med"/>
-                      <a:tailEnd type="none" w="med" len="med"/>
-                    </a:lnR>
-                    <a:lnT w="12700" cap="flat" cmpd="sng" algn="ctr">
-                      <a:noFill/>
-                      <a:prstDash val="solid"/>
-                      <a:round/>
-                      <a:headEnd type="none" w="med" len="med"/>
-                      <a:tailEnd type="none" w="med" len="med"/>
-                    </a:lnT>
-                    <a:lnB w="12700" cap="flat" cmpd="sng" algn="ctr">
-                      <a:noFill/>
-                      <a:prstDash val="solid"/>
-                      <a:round/>
-                      <a:headEnd type="none" w="med" len="med"/>
-                      <a:tailEnd type="none" w="med" len="med"/>
-                    </a:lnB>
-                    <a:lnTlToBr w="12700" cmpd="sng">
-                      <a:noFill/>
-                      <a:prstDash val="solid"/>
-                    </a:lnTlToBr>
-                    <a:lnBlToTr w="12700" cmpd="sng">
-                      <a:noFill/>
-                      <a:prstDash val="solid"/>
-                    </a:lnBlToTr>
-                  </a:tcPr>
-                </a:tc>
-                <a:tc hMerge="1">
-                  <a:txBody>
-                    <a:bodyPr/>
-                    <a:lstStyle/>
-                    <a:p>
-                      <a:endParaRPr lang="en-US"/>
-                    </a:p>
-                  </a:txBody>
-                  <a:tcPr/>
-                </a:tc>
-                <a:tc>
-                  <a:txBody>
-                    <a:bodyPr/>
-                    <a:lstStyle/>
-                    <a:p>
-                      <a:pPr algn="ctr"/>
-                      <a:endParaRPr lang="en-US" sz="1900" dirty="0"/>
-                    </a:p>
-                  </a:txBody>
-                  <a:tcPr marL="121920" marR="121920">
-                    <a:lnL w="12700" cap="flat" cmpd="sng" algn="ctr">
-                      <a:noFill/>
-                      <a:prstDash val="solid"/>
-                      <a:round/>
-                      <a:headEnd type="none" w="med" len="med"/>
-                      <a:tailEnd type="none" w="med" len="med"/>
-                    </a:lnL>
-                    <a:lnR w="12700" cap="flat" cmpd="sng" algn="ctr">
-                      <a:noFill/>
-                      <a:prstDash val="solid"/>
-                      <a:round/>
-                      <a:headEnd type="none" w="med" len="med"/>
-                      <a:tailEnd type="none" w="med" len="med"/>
-                    </a:lnR>
-                    <a:lnT w="12700" cap="flat" cmpd="sng" algn="ctr">
-                      <a:noFill/>
-                      <a:prstDash val="solid"/>
-                      <a:round/>
-                      <a:headEnd type="none" w="med" len="med"/>
-                      <a:tailEnd type="none" w="med" len="med"/>
-                    </a:lnT>
-                    <a:lnB w="12700" cap="flat" cmpd="sng" algn="ctr">
-                      <a:noFill/>
-                      <a:prstDash val="solid"/>
-                      <a:round/>
-                      <a:headEnd type="none" w="med" len="med"/>
-                      <a:tailEnd type="none" w="med" len="med"/>
-                    </a:lnB>
-                    <a:lnTlToBr w="12700" cmpd="sng">
-                      <a:noFill/>
-                      <a:prstDash val="solid"/>
-                    </a:lnTlToBr>
-                    <a:lnBlToTr w="12700" cmpd="sng">
-                      <a:noFill/>
-                      <a:prstDash val="solid"/>
-                    </a:lnBlToTr>
-                  </a:tcPr>
-                </a:tc>
-                <a:extLst>
-                  <a:ext uri="{0D108BD9-81ED-4DB2-BD59-A6C34878D82A}">
-                    <a16:rowId xmlns:a16="http://schemas.microsoft.com/office/drawing/2014/main" val="10000"/>
-                  </a:ext>
-                </a:extLst>
-              </a:tr>
-              <a:tr h="152400">
-                <a:tc>
-                  <a:txBody>
-                    <a:bodyPr/>
-                    <a:lstStyle/>
-                    <a:p>
-                      <a:pPr algn="ctr"/>
-                      <a:endParaRPr lang="en-US" sz="400" dirty="0"/>
-                    </a:p>
-                  </a:txBody>
-                  <a:tcPr marL="121920" marR="121920">
-                    <a:lnL w="12700" cap="flat" cmpd="sng" algn="ctr">
-                      <a:noFill/>
-                      <a:prstDash val="solid"/>
-                      <a:round/>
-                      <a:headEnd type="none" w="med" len="med"/>
-                      <a:tailEnd type="none" w="med" len="med"/>
-                    </a:lnL>
-                    <a:lnR w="12700" cap="flat" cmpd="sng" algn="ctr">
-                      <a:noFill/>
-                      <a:prstDash val="solid"/>
-                      <a:round/>
-                      <a:headEnd type="none" w="med" len="med"/>
-                      <a:tailEnd type="none" w="med" len="med"/>
-                    </a:lnR>
-                    <a:lnT w="12700" cap="flat" cmpd="sng" algn="ctr">
-                      <a:noFill/>
-                      <a:prstDash val="solid"/>
-                      <a:round/>
-                      <a:headEnd type="none" w="med" len="med"/>
-                      <a:tailEnd type="none" w="med" len="med"/>
-                    </a:lnT>
-                    <a:lnB w="12700" cap="flat" cmpd="sng" algn="ctr">
-                      <a:noFill/>
-                      <a:prstDash val="solid"/>
-                      <a:round/>
-                      <a:headEnd type="none" w="med" len="med"/>
-                      <a:tailEnd type="none" w="med" len="med"/>
-                    </a:lnB>
-                  </a:tcPr>
-                </a:tc>
-                <a:tc>
-                  <a:txBody>
-                    <a:bodyPr/>
-                    <a:lstStyle/>
-                    <a:p>
-                      <a:pPr algn="ctr"/>
-                      <a:endParaRPr lang="en-US" sz="400" dirty="0"/>
-                    </a:p>
-                  </a:txBody>
-                  <a:tcPr marL="121920" marR="121920">
-                    <a:lnL w="12700" cap="flat" cmpd="sng" algn="ctr">
-                      <a:noFill/>
-                      <a:prstDash val="solid"/>
-                      <a:round/>
-                      <a:headEnd type="none" w="med" len="med"/>
-                      <a:tailEnd type="none" w="med" len="med"/>
-                    </a:lnL>
-                    <a:lnR w="12700" cap="flat" cmpd="sng" algn="ctr">
-                      <a:solidFill>
-                        <a:scrgbClr r="0" g="0" b="0"/>
-                      </a:solidFill>
-                      <a:prstDash val="solid"/>
-                      <a:round/>
-                      <a:headEnd type="none" w="med" len="med"/>
-                      <a:tailEnd type="none" w="med" len="med"/>
-                    </a:lnR>
-                    <a:lnT w="12700" cap="flat" cmpd="sng" algn="ctr">
-                      <a:noFill/>
-                      <a:prstDash val="solid"/>
-                      <a:round/>
-                      <a:headEnd type="none" w="med" len="med"/>
-                      <a:tailEnd type="none" w="med" len="med"/>
-                    </a:lnT>
-                    <a:lnB w="12700" cap="flat" cmpd="sng" algn="ctr">
-                      <a:noFill/>
-                      <a:prstDash val="solid"/>
-                      <a:round/>
-                      <a:headEnd type="none" w="med" len="med"/>
-                      <a:tailEnd type="none" w="med" len="med"/>
-                    </a:lnB>
-                  </a:tcPr>
-                </a:tc>
-                <a:tc>
-                  <a:txBody>
-                    <a:bodyPr/>
-                    <a:lstStyle/>
-                    <a:p>
-                      <a:pPr algn="ctr"/>
-                      <a:endParaRPr lang="en-US" sz="400" dirty="0"/>
-                    </a:p>
-                  </a:txBody>
-                  <a:tcPr marL="121920" marR="121920">
-                    <a:lnL w="12700" cap="flat" cmpd="sng" algn="ctr">
-                      <a:solidFill>
-                        <a:scrgbClr r="0" g="0" b="0"/>
-                      </a:solidFill>
-                      <a:prstDash val="solid"/>
-                      <a:round/>
-                      <a:headEnd type="none" w="med" len="med"/>
-                      <a:tailEnd type="none" w="med" len="med"/>
-                    </a:lnL>
-                    <a:lnR w="12700" cap="flat" cmpd="sng" algn="ctr">
-                      <a:solidFill>
-                        <a:scrgbClr r="0" g="0" b="0"/>
-                      </a:solidFill>
-                      <a:prstDash val="solid"/>
-                      <a:round/>
-                      <a:headEnd type="none" w="med" len="med"/>
-                      <a:tailEnd type="none" w="med" len="med"/>
-                    </a:lnR>
-                    <a:lnT w="12700" cap="flat" cmpd="sng" algn="ctr">
-                      <a:noFill/>
-                      <a:prstDash val="solid"/>
-                      <a:round/>
-                      <a:headEnd type="none" w="med" len="med"/>
-                      <a:tailEnd type="none" w="med" len="med"/>
-                    </a:lnT>
-                    <a:lnB w="12700" cap="flat" cmpd="sng" algn="ctr">
-                      <a:noFill/>
-                      <a:prstDash val="solid"/>
-                      <a:round/>
-                      <a:headEnd type="none" w="med" len="med"/>
-                      <a:tailEnd type="none" w="med" len="med"/>
-                    </a:lnB>
-                  </a:tcPr>
-                </a:tc>
-                <a:tc>
-                  <a:txBody>
-                    <a:bodyPr/>
-                    <a:lstStyle/>
-                    <a:p>
-                      <a:pPr algn="ctr"/>
-                      <a:endParaRPr lang="en-US" sz="400" dirty="0"/>
-                    </a:p>
-                  </a:txBody>
-                  <a:tcPr marL="121920" marR="121920">
-                    <a:lnL w="12700" cap="flat" cmpd="sng" algn="ctr">
-                      <a:solidFill>
-                        <a:scrgbClr r="0" g="0" b="0"/>
-                      </a:solidFill>
-                      <a:prstDash val="solid"/>
-                      <a:round/>
-                      <a:headEnd type="none" w="med" len="med"/>
-                      <a:tailEnd type="none" w="med" len="med"/>
-                    </a:lnL>
-                    <a:lnR w="12700" cap="flat" cmpd="sng" algn="ctr">
-                      <a:solidFill>
-                        <a:scrgbClr r="0" g="0" b="0"/>
-                      </a:solidFill>
-                      <a:prstDash val="solid"/>
-                      <a:round/>
-                      <a:headEnd type="none" w="med" len="med"/>
-                      <a:tailEnd type="none" w="med" len="med"/>
-                    </a:lnR>
-                    <a:lnT w="12700" cap="flat" cmpd="sng" algn="ctr">
-                      <a:noFill/>
-                      <a:prstDash val="solid"/>
-                      <a:round/>
-                      <a:headEnd type="none" w="med" len="med"/>
-                      <a:tailEnd type="none" w="med" len="med"/>
-                    </a:lnT>
-                    <a:lnB w="12700" cap="flat" cmpd="sng" algn="ctr">
-                      <a:noFill/>
-                      <a:prstDash val="solid"/>
-                      <a:round/>
-                      <a:headEnd type="none" w="med" len="med"/>
-                      <a:tailEnd type="none" w="med" len="med"/>
-                    </a:lnB>
-                  </a:tcPr>
-                </a:tc>
-                <a:tc>
-                  <a:txBody>
-                    <a:bodyPr/>
-                    <a:lstStyle/>
-                    <a:p>
-                      <a:pPr algn="ctr"/>
-                      <a:endParaRPr lang="en-US" sz="400" dirty="0"/>
-                    </a:p>
-                  </a:txBody>
-                  <a:tcPr marL="121920" marR="121920">
-                    <a:lnL w="12700" cap="flat" cmpd="sng" algn="ctr">
-                      <a:solidFill>
-                        <a:scrgbClr r="0" g="0" b="0"/>
-                      </a:solidFill>
-                      <a:prstDash val="solid"/>
-                      <a:round/>
-                      <a:headEnd type="none" w="med" len="med"/>
-                      <a:tailEnd type="none" w="med" len="med"/>
-                    </a:lnL>
-                    <a:lnR w="12700" cap="flat" cmpd="sng" algn="ctr">
-                      <a:solidFill>
-                        <a:scrgbClr r="0" g="0" b="0"/>
-                      </a:solidFill>
-                      <a:prstDash val="solid"/>
-                      <a:round/>
-                      <a:headEnd type="none" w="med" len="med"/>
-                      <a:tailEnd type="none" w="med" len="med"/>
-                    </a:lnR>
-                    <a:lnT w="12700" cap="flat" cmpd="sng" algn="ctr">
-                      <a:noFill/>
-                      <a:prstDash val="solid"/>
-                      <a:round/>
-                      <a:headEnd type="none" w="med" len="med"/>
-                      <a:tailEnd type="none" w="med" len="med"/>
-                    </a:lnT>
-                    <a:lnB w="12700" cap="flat" cmpd="sng" algn="ctr">
-                      <a:noFill/>
-                      <a:prstDash val="solid"/>
-                      <a:round/>
-                      <a:headEnd type="none" w="med" len="med"/>
-                      <a:tailEnd type="none" w="med" len="med"/>
-                    </a:lnB>
-                  </a:tcPr>
-                </a:tc>
-                <a:tc>
-                  <a:txBody>
-                    <a:bodyPr/>
-                    <a:lstStyle/>
-                    <a:p>
-                      <a:pPr algn="ctr"/>
-                      <a:endParaRPr lang="en-US" sz="400" dirty="0"/>
-                    </a:p>
-                  </a:txBody>
-                  <a:tcPr marL="121920" marR="121920">
-                    <a:lnL w="12700" cap="flat" cmpd="sng" algn="ctr">
-                      <a:solidFill>
-                        <a:scrgbClr r="0" g="0" b="0"/>
-                      </a:solidFill>
-                      <a:prstDash val="solid"/>
-                      <a:round/>
-                      <a:headEnd type="none" w="med" len="med"/>
-                      <a:tailEnd type="none" w="med" len="med"/>
-                    </a:lnL>
-                    <a:lnR w="12700" cap="flat" cmpd="sng" algn="ctr">
-                      <a:solidFill>
-                        <a:scrgbClr r="0" g="0" b="0"/>
-                      </a:solidFill>
-                      <a:prstDash val="solid"/>
-                      <a:round/>
-                      <a:headEnd type="none" w="med" len="med"/>
-                      <a:tailEnd type="none" w="med" len="med"/>
-                    </a:lnR>
-                    <a:lnT w="12700" cap="flat" cmpd="sng" algn="ctr">
-                      <a:noFill/>
-                      <a:prstDash val="solid"/>
-                      <a:round/>
-                      <a:headEnd type="none" w="med" len="med"/>
-                      <a:tailEnd type="none" w="med" len="med"/>
-                    </a:lnT>
-                    <a:lnB w="12700" cap="flat" cmpd="sng" algn="ctr">
-                      <a:noFill/>
-                      <a:prstDash val="solid"/>
-                      <a:round/>
-                      <a:headEnd type="none" w="med" len="med"/>
-                      <a:tailEnd type="none" w="med" len="med"/>
-                    </a:lnB>
-                  </a:tcPr>
-                </a:tc>
-                <a:tc>
-                  <a:txBody>
-                    <a:bodyPr/>
-                    <a:lstStyle/>
-                    <a:p>
-                      <a:pPr algn="ctr"/>
-                      <a:endParaRPr lang="en-US" sz="400" dirty="0"/>
-                    </a:p>
-                  </a:txBody>
-                  <a:tcPr marL="121920" marR="121920">
-                    <a:lnL w="12700" cap="flat" cmpd="sng" algn="ctr">
-                      <a:solidFill>
-                        <a:scrgbClr r="0" g="0" b="0"/>
-                      </a:solidFill>
-                      <a:prstDash val="solid"/>
-                      <a:round/>
-                      <a:headEnd type="none" w="med" len="med"/>
-                      <a:tailEnd type="none" w="med" len="med"/>
-                    </a:lnL>
-                    <a:lnR w="12700" cap="flat" cmpd="sng" algn="ctr">
-                      <a:solidFill>
-                        <a:scrgbClr r="0" g="0" b="0"/>
-                      </a:solidFill>
-                      <a:prstDash val="solid"/>
-                      <a:round/>
-                      <a:headEnd type="none" w="med" len="med"/>
-                      <a:tailEnd type="none" w="med" len="med"/>
-                    </a:lnR>
-                    <a:lnT w="12700" cap="flat" cmpd="sng" algn="ctr">
-                      <a:noFill/>
-                      <a:prstDash val="solid"/>
-                      <a:round/>
-                      <a:headEnd type="none" w="med" len="med"/>
-                      <a:tailEnd type="none" w="med" len="med"/>
-                    </a:lnT>
-                    <a:lnB w="12700" cap="flat" cmpd="sng" algn="ctr">
-                      <a:noFill/>
-                      <a:prstDash val="solid"/>
-                      <a:round/>
-                      <a:headEnd type="none" w="med" len="med"/>
-                      <a:tailEnd type="none" w="med" len="med"/>
-                    </a:lnB>
-                  </a:tcPr>
-                </a:tc>
-                <a:tc>
-                  <a:txBody>
-                    <a:bodyPr/>
-                    <a:lstStyle/>
-                    <a:p>
-                      <a:pPr algn="ctr"/>
-                      <a:endParaRPr lang="en-US" sz="400" dirty="0"/>
-                    </a:p>
-                  </a:txBody>
-                  <a:tcPr marL="121920" marR="121920">
-                    <a:lnL w="12700" cap="flat" cmpd="sng" algn="ctr">
-                      <a:solidFill>
-                        <a:scrgbClr r="0" g="0" b="0"/>
-                      </a:solidFill>
-                      <a:prstDash val="solid"/>
-                      <a:round/>
-                      <a:headEnd type="none" w="med" len="med"/>
-                      <a:tailEnd type="none" w="med" len="med"/>
-                    </a:lnL>
-                    <a:lnR w="12700" cap="flat" cmpd="sng" algn="ctr">
-                      <a:solidFill>
-                        <a:scrgbClr r="0" g="0" b="0"/>
-                      </a:solidFill>
-                      <a:prstDash val="solid"/>
-                      <a:round/>
-                      <a:headEnd type="none" w="med" len="med"/>
-                      <a:tailEnd type="none" w="med" len="med"/>
-                    </a:lnR>
-                    <a:lnT w="12700" cap="flat" cmpd="sng" algn="ctr">
-                      <a:noFill/>
-                      <a:prstDash val="solid"/>
-                      <a:round/>
-                      <a:headEnd type="none" w="med" len="med"/>
-                      <a:tailEnd type="none" w="med" len="med"/>
-                    </a:lnT>
-                    <a:lnB w="12700" cap="flat" cmpd="sng" algn="ctr">
-                      <a:noFill/>
-                      <a:prstDash val="solid"/>
-                      <a:round/>
-                      <a:headEnd type="none" w="med" len="med"/>
-                      <a:tailEnd type="none" w="med" len="med"/>
-                    </a:lnB>
-                  </a:tcPr>
-                </a:tc>
-                <a:tc>
-                  <a:txBody>
-                    <a:bodyPr/>
-                    <a:lstStyle/>
-                    <a:p>
-                      <a:pPr algn="ctr"/>
-                      <a:endParaRPr lang="en-US" sz="400" dirty="0"/>
-                    </a:p>
-                  </a:txBody>
-                  <a:tcPr marL="121920" marR="121920">
-                    <a:lnL w="12700" cap="flat" cmpd="sng" algn="ctr">
-                      <a:solidFill>
-                        <a:scrgbClr r="0" g="0" b="0"/>
-                      </a:solidFill>
-                      <a:prstDash val="solid"/>
-                      <a:round/>
-                      <a:headEnd type="none" w="med" len="med"/>
-                      <a:tailEnd type="none" w="med" len="med"/>
-                    </a:lnL>
-                    <a:lnR w="12700" cap="flat" cmpd="sng" algn="ctr">
-                      <a:solidFill>
-                        <a:scrgbClr r="0" g="0" b="0"/>
-                      </a:solidFill>
-                      <a:prstDash val="solid"/>
-                      <a:round/>
-                      <a:headEnd type="none" w="med" len="med"/>
-                      <a:tailEnd type="none" w="med" len="med"/>
-                    </a:lnR>
-                    <a:lnT w="12700" cap="flat" cmpd="sng" algn="ctr">
-                      <a:noFill/>
-                      <a:prstDash val="solid"/>
-                      <a:round/>
-                      <a:headEnd type="none" w="med" len="med"/>
-                      <a:tailEnd type="none" w="med" len="med"/>
-                    </a:lnT>
-                    <a:lnB w="12700" cap="flat" cmpd="sng" algn="ctr">
-                      <a:noFill/>
-                      <a:prstDash val="solid"/>
-                      <a:round/>
-                      <a:headEnd type="none" w="med" len="med"/>
-                      <a:tailEnd type="none" w="med" len="med"/>
-                    </a:lnB>
-                  </a:tcPr>
-                </a:tc>
-                <a:tc>
-                  <a:txBody>
-                    <a:bodyPr/>
-                    <a:lstStyle/>
-                    <a:p>
-                      <a:pPr algn="ctr"/>
-                      <a:endParaRPr lang="en-US" sz="400" dirty="0"/>
-                    </a:p>
-                  </a:txBody>
-                  <a:tcPr marL="121920" marR="121920">
-                    <a:lnL w="12700" cap="flat" cmpd="sng" algn="ctr">
-                      <a:solidFill>
-                        <a:scrgbClr r="0" g="0" b="0"/>
-                      </a:solidFill>
-                      <a:prstDash val="solid"/>
-                      <a:round/>
-                      <a:headEnd type="none" w="med" len="med"/>
-                      <a:tailEnd type="none" w="med" len="med"/>
-                    </a:lnL>
-                    <a:lnR w="12700" cap="flat" cmpd="sng" algn="ctr">
-                      <a:solidFill>
-                        <a:scrgbClr r="0" g="0" b="0"/>
-                      </a:solidFill>
-                      <a:prstDash val="solid"/>
-                      <a:round/>
-                      <a:headEnd type="none" w="med" len="med"/>
-                      <a:tailEnd type="none" w="med" len="med"/>
-                    </a:lnR>
-                    <a:lnT w="12700" cap="flat" cmpd="sng" algn="ctr">
-                      <a:noFill/>
-                      <a:prstDash val="solid"/>
-                      <a:round/>
-                      <a:headEnd type="none" w="med" len="med"/>
-                      <a:tailEnd type="none" w="med" len="med"/>
-                    </a:lnT>
-                    <a:lnB w="12700" cap="flat" cmpd="sng" algn="ctr">
-                      <a:noFill/>
-                      <a:prstDash val="solid"/>
-                      <a:round/>
-                      <a:headEnd type="none" w="med" len="med"/>
-                      <a:tailEnd type="none" w="med" len="med"/>
-                    </a:lnB>
-                  </a:tcPr>
-                </a:tc>
-                <a:tc>
-                  <a:txBody>
-                    <a:bodyPr/>
-                    <a:lstStyle/>
-                    <a:p>
-                      <a:pPr algn="ctr"/>
-                      <a:endParaRPr lang="en-US" sz="400" dirty="0"/>
-                    </a:p>
-                  </a:txBody>
-                  <a:tcPr marL="121920" marR="121920">
-                    <a:lnL w="12700" cap="flat" cmpd="sng" algn="ctr">
-                      <a:solidFill>
-                        <a:scrgbClr r="0" g="0" b="0"/>
-                      </a:solidFill>
-                      <a:prstDash val="solid"/>
-                      <a:round/>
-                      <a:headEnd type="none" w="med" len="med"/>
-                      <a:tailEnd type="none" w="med" len="med"/>
-                    </a:lnL>
-                    <a:lnR w="12700" cap="flat" cmpd="sng" algn="ctr">
-                      <a:solidFill>
-                        <a:scrgbClr r="0" g="0" b="0"/>
-                      </a:solidFill>
-                      <a:prstDash val="solid"/>
-                      <a:round/>
-                      <a:headEnd type="none" w="med" len="med"/>
-                      <a:tailEnd type="none" w="med" len="med"/>
-                    </a:lnR>
-                    <a:lnT w="12700" cap="flat" cmpd="sng" algn="ctr">
-                      <a:noFill/>
-                      <a:prstDash val="solid"/>
-                      <a:round/>
-                      <a:headEnd type="none" w="med" len="med"/>
-                      <a:tailEnd type="none" w="med" len="med"/>
-                    </a:lnT>
-                    <a:lnB w="12700" cap="flat" cmpd="sng" algn="ctr">
-                      <a:noFill/>
-                      <a:prstDash val="solid"/>
-                      <a:round/>
-                      <a:headEnd type="none" w="med" len="med"/>
-                      <a:tailEnd type="none" w="med" len="med"/>
-                    </a:lnB>
-                  </a:tcPr>
-                </a:tc>
-                <a:tc>
-                  <a:txBody>
-                    <a:bodyPr/>
-                    <a:lstStyle/>
-                    <a:p>
-                      <a:pPr algn="ctr"/>
-                      <a:endParaRPr lang="en-US" sz="400" dirty="0"/>
-                    </a:p>
-                  </a:txBody>
-                  <a:tcPr marL="121920" marR="121920">
-                    <a:lnL w="12700" cap="flat" cmpd="sng" algn="ctr">
-                      <a:solidFill>
-                        <a:scrgbClr r="0" g="0" b="0"/>
-                      </a:solidFill>
-                      <a:prstDash val="solid"/>
-                      <a:round/>
-                      <a:headEnd type="none" w="med" len="med"/>
-                      <a:tailEnd type="none" w="med" len="med"/>
-                    </a:lnL>
-                    <a:lnR w="12700" cap="flat" cmpd="sng" algn="ctr">
-                      <a:solidFill>
-                        <a:scrgbClr r="0" g="0" b="0"/>
-                      </a:solidFill>
-                      <a:prstDash val="solid"/>
-                      <a:round/>
-                      <a:headEnd type="none" w="med" len="med"/>
-                      <a:tailEnd type="none" w="med" len="med"/>
-                    </a:lnR>
-                    <a:lnT w="12700" cap="flat" cmpd="sng" algn="ctr">
-                      <a:noFill/>
-                      <a:prstDash val="solid"/>
-                      <a:round/>
-                      <a:headEnd type="none" w="med" len="med"/>
-                      <a:tailEnd type="none" w="med" len="med"/>
-                    </a:lnT>
-                    <a:lnB w="12700" cap="flat" cmpd="sng" algn="ctr">
-                      <a:noFill/>
-                      <a:prstDash val="solid"/>
-                      <a:round/>
-                      <a:headEnd type="none" w="med" len="med"/>
-                      <a:tailEnd type="none" w="med" len="med"/>
-                    </a:lnB>
-                  </a:tcPr>
-                </a:tc>
-                <a:tc>
-                  <a:txBody>
-                    <a:bodyPr/>
-                    <a:lstStyle/>
-                    <a:p>
-                      <a:pPr algn="ctr"/>
-                      <a:endParaRPr lang="en-US" sz="400" dirty="0"/>
-                    </a:p>
-                  </a:txBody>
-                  <a:tcPr marL="121920" marR="121920">
-                    <a:lnL w="12700" cap="flat" cmpd="sng" algn="ctr">
-                      <a:solidFill>
-                        <a:scrgbClr r="0" g="0" b="0"/>
-                      </a:solidFill>
-                      <a:prstDash val="solid"/>
-                      <a:round/>
-                      <a:headEnd type="none" w="med" len="med"/>
-                      <a:tailEnd type="none" w="med" len="med"/>
-                    </a:lnL>
-                    <a:lnR w="12700" cap="flat" cmpd="sng" algn="ctr">
-                      <a:solidFill>
-                        <a:scrgbClr r="0" g="0" b="0"/>
-                      </a:solidFill>
-                      <a:prstDash val="solid"/>
-                      <a:round/>
-                      <a:headEnd type="none" w="med" len="med"/>
-                      <a:tailEnd type="none" w="med" len="med"/>
-                    </a:lnR>
-                    <a:lnT w="12700" cap="flat" cmpd="sng" algn="ctr">
-                      <a:noFill/>
-                      <a:prstDash val="solid"/>
-                      <a:round/>
-                      <a:headEnd type="none" w="med" len="med"/>
-                      <a:tailEnd type="none" w="med" len="med"/>
-                    </a:lnT>
-                    <a:lnB w="12700" cap="flat" cmpd="sng" algn="ctr">
-                      <a:noFill/>
-                      <a:prstDash val="solid"/>
-                      <a:round/>
-                      <a:headEnd type="none" w="med" len="med"/>
-                      <a:tailEnd type="none" w="med" len="med"/>
-                    </a:lnB>
-                  </a:tcPr>
-                </a:tc>
-                <a:tc>
-                  <a:txBody>
-                    <a:bodyPr/>
-                    <a:lstStyle/>
-                    <a:p>
-                      <a:pPr algn="ctr"/>
-                      <a:endParaRPr lang="en-US" sz="400" dirty="0"/>
-                    </a:p>
-                  </a:txBody>
-                  <a:tcPr marL="121920" marR="121920">
-                    <a:lnL w="12700" cap="flat" cmpd="sng" algn="ctr">
-                      <a:solidFill>
-                        <a:scrgbClr r="0" g="0" b="0"/>
-                      </a:solidFill>
-                      <a:prstDash val="solid"/>
-                      <a:round/>
-                      <a:headEnd type="none" w="med" len="med"/>
-                      <a:tailEnd type="none" w="med" len="med"/>
-                    </a:lnL>
-                    <a:lnR w="12700" cap="flat" cmpd="sng" algn="ctr">
-                      <a:solidFill>
-                        <a:scrgbClr r="0" g="0" b="0"/>
-                      </a:solidFill>
-                      <a:prstDash val="solid"/>
-                      <a:round/>
-                      <a:headEnd type="none" w="med" len="med"/>
-                      <a:tailEnd type="none" w="med" len="med"/>
-                    </a:lnR>
-                    <a:lnT w="12700" cap="flat" cmpd="sng" algn="ctr">
-                      <a:noFill/>
-                      <a:prstDash val="solid"/>
-                      <a:round/>
-                      <a:headEnd type="none" w="med" len="med"/>
-                      <a:tailEnd type="none" w="med" len="med"/>
-                    </a:lnT>
-                    <a:lnB w="12700" cap="flat" cmpd="sng" algn="ctr">
-                      <a:noFill/>
-                      <a:prstDash val="solid"/>
-                      <a:round/>
-                      <a:headEnd type="none" w="med" len="med"/>
-                      <a:tailEnd type="none" w="med" len="med"/>
-                    </a:lnB>
-                  </a:tcPr>
-                </a:tc>
-                <a:tc>
-                  <a:txBody>
-                    <a:bodyPr/>
-                    <a:lstStyle/>
-                    <a:p>
-                      <a:pPr algn="ctr"/>
-                      <a:endParaRPr lang="en-US" sz="400" dirty="0"/>
-                    </a:p>
-                  </a:txBody>
-                  <a:tcPr marL="121920" marR="121920">
-                    <a:lnL w="12700" cap="flat" cmpd="sng" algn="ctr">
-                      <a:solidFill>
-                        <a:scrgbClr r="0" g="0" b="0"/>
-                      </a:solidFill>
-                      <a:prstDash val="solid"/>
-                      <a:round/>
-                      <a:headEnd type="none" w="med" len="med"/>
-                      <a:tailEnd type="none" w="med" len="med"/>
-                    </a:lnL>
-                    <a:lnR w="12700" cap="flat" cmpd="sng" algn="ctr">
-                      <a:solidFill>
-                        <a:scrgbClr r="0" g="0" b="0"/>
-                      </a:solidFill>
-                      <a:prstDash val="solid"/>
-                      <a:round/>
-                      <a:headEnd type="none" w="med" len="med"/>
-                      <a:tailEnd type="none" w="med" len="med"/>
-                    </a:lnR>
-                    <a:lnT w="12700" cap="flat" cmpd="sng" algn="ctr">
-                      <a:noFill/>
-                      <a:prstDash val="solid"/>
-                      <a:round/>
-                      <a:headEnd type="none" w="med" len="med"/>
-                      <a:tailEnd type="none" w="med" len="med"/>
-                    </a:lnT>
-                    <a:lnB w="12700" cap="flat" cmpd="sng" algn="ctr">
-                      <a:noFill/>
-                      <a:prstDash val="solid"/>
-                      <a:round/>
-                      <a:headEnd type="none" w="med" len="med"/>
-                      <a:tailEnd type="none" w="med" len="med"/>
-                    </a:lnB>
-                  </a:tcPr>
-                </a:tc>
-                <a:tc>
-                  <a:txBody>
-                    <a:bodyPr/>
-                    <a:lstStyle/>
-                    <a:p>
-                      <a:pPr algn="ctr"/>
-                      <a:endParaRPr lang="en-US" sz="400" dirty="0"/>
-                    </a:p>
-                  </a:txBody>
-                  <a:tcPr marL="121920" marR="121920">
-                    <a:lnL w="12700" cap="flat" cmpd="sng" algn="ctr">
-                      <a:solidFill>
-                        <a:scrgbClr r="0" g="0" b="0"/>
-                      </a:solidFill>
-                      <a:prstDash val="solid"/>
-                      <a:round/>
-                      <a:headEnd type="none" w="med" len="med"/>
-                      <a:tailEnd type="none" w="med" len="med"/>
-                    </a:lnL>
-                    <a:lnR w="12700" cap="flat" cmpd="sng" algn="ctr">
-                      <a:solidFill>
-                        <a:scrgbClr r="0" g="0" b="0"/>
-                      </a:solidFill>
-                      <a:prstDash val="solid"/>
-                      <a:round/>
-                      <a:headEnd type="none" w="med" len="med"/>
-                      <a:tailEnd type="none" w="med" len="med"/>
-                    </a:lnR>
-                    <a:lnT w="12700" cap="flat" cmpd="sng" algn="ctr">
-                      <a:noFill/>
-                      <a:prstDash val="solid"/>
-                      <a:round/>
-                      <a:headEnd type="none" w="med" len="med"/>
-                      <a:tailEnd type="none" w="med" len="med"/>
-                    </a:lnT>
-                    <a:lnB w="12700" cap="flat" cmpd="sng" algn="ctr">
-                      <a:noFill/>
-                      <a:prstDash val="solid"/>
-                      <a:round/>
-                      <a:headEnd type="none" w="med" len="med"/>
-                      <a:tailEnd type="none" w="med" len="med"/>
-                    </a:lnB>
-                  </a:tcPr>
-                </a:tc>
-                <a:tc>
-                  <a:txBody>
-                    <a:bodyPr/>
-                    <a:lstStyle/>
-                    <a:p>
-                      <a:pPr algn="ctr"/>
-                      <a:endParaRPr lang="en-US" sz="400" dirty="0"/>
-                    </a:p>
-                  </a:txBody>
-                  <a:tcPr marL="121920" marR="121920">
-                    <a:lnL w="12700" cap="flat" cmpd="sng" algn="ctr">
-                      <a:solidFill>
-                        <a:scrgbClr r="0" g="0" b="0"/>
-                      </a:solidFill>
-                      <a:prstDash val="solid"/>
-                      <a:round/>
-                      <a:headEnd type="none" w="med" len="med"/>
-                      <a:tailEnd type="none" w="med" len="med"/>
-                    </a:lnL>
-                    <a:lnR w="12700" cap="flat" cmpd="sng" algn="ctr">
-                      <a:noFill/>
-                      <a:prstDash val="solid"/>
-                      <a:round/>
-                      <a:headEnd type="none" w="med" len="med"/>
-                      <a:tailEnd type="none" w="med" len="med"/>
-                    </a:lnR>
-                    <a:lnT w="12700" cap="flat" cmpd="sng" algn="ctr">
-                      <a:noFill/>
-                      <a:prstDash val="solid"/>
-                      <a:round/>
-                      <a:headEnd type="none" w="med" len="med"/>
-                      <a:tailEnd type="none" w="med" len="med"/>
-                    </a:lnT>
-                    <a:lnB w="12700" cap="flat" cmpd="sng" algn="ctr">
-                      <a:noFill/>
-                      <a:prstDash val="solid"/>
-                      <a:round/>
-                      <a:headEnd type="none" w="med" len="med"/>
-                      <a:tailEnd type="none" w="med" len="med"/>
-                    </a:lnB>
-                  </a:tcPr>
-                </a:tc>
-                <a:extLst>
-                  <a:ext uri="{0D108BD9-81ED-4DB2-BD59-A6C34878D82A}">
-                    <a16:rowId xmlns:a16="http://schemas.microsoft.com/office/drawing/2014/main" val="10001"/>
-                  </a:ext>
-                </a:extLst>
-              </a:tr>
-              <a:tr h="640080">
-                <a:tc>
-                  <a:txBody>
-                    <a:bodyPr/>
-                    <a:lstStyle/>
-                    <a:p>
-                      <a:pPr algn="ctr"/>
-                      <a:r>
-                        <a:rPr lang="en-US" sz="1900" dirty="0"/>
-                        <a:t>1-based</a:t>
-                      </a:r>
-                    </a:p>
-                  </a:txBody>
-                  <a:tcPr marL="121920" marR="121920">
-                    <a:lnL w="12700" cap="flat" cmpd="sng" algn="ctr">
-                      <a:noFill/>
-                      <a:prstDash val="solid"/>
-                      <a:round/>
-                      <a:headEnd type="none" w="med" len="med"/>
-                      <a:tailEnd type="none" w="med" len="med"/>
-                    </a:lnL>
-                    <a:lnR w="12700" cap="flat" cmpd="sng" algn="ctr">
-                      <a:noFill/>
-                      <a:prstDash val="solid"/>
-                      <a:round/>
-                      <a:headEnd type="none" w="med" len="med"/>
-                      <a:tailEnd type="none" w="med" len="med"/>
-                    </a:lnR>
-                    <a:lnT w="12700" cap="flat" cmpd="sng" algn="ctr">
-                      <a:noFill/>
-                      <a:prstDash val="solid"/>
-                      <a:round/>
-                      <a:headEnd type="none" w="med" len="med"/>
-                      <a:tailEnd type="none" w="med" len="med"/>
-                    </a:lnT>
-                    <a:lnB w="12700" cap="flat" cmpd="sng" algn="ctr">
-                      <a:noFill/>
-                      <a:prstDash val="solid"/>
-                      <a:round/>
-                      <a:headEnd type="none" w="med" len="med"/>
-                      <a:tailEnd type="none" w="med" len="med"/>
-                    </a:lnB>
-                  </a:tcPr>
-                </a:tc>
-                <a:tc>
-                  <a:txBody>
-                    <a:bodyPr/>
-                    <a:lstStyle/>
-                    <a:p>
-                      <a:pPr algn="ctr"/>
-                      <a:endParaRPr lang="en-US" sz="1900" dirty="0"/>
-                    </a:p>
-                  </a:txBody>
-                  <a:tcPr marL="121920" marR="121920">
-                    <a:lnL w="12700" cap="flat" cmpd="sng" algn="ctr">
-                      <a:noFill/>
-                      <a:prstDash val="solid"/>
-                      <a:round/>
-                      <a:headEnd type="none" w="med" len="med"/>
-                      <a:tailEnd type="none" w="med" len="med"/>
-                    </a:lnL>
-                    <a:lnR w="12700" cap="flat" cmpd="sng" algn="ctr">
-                      <a:solidFill>
-                        <a:scrgbClr r="0" g="0" b="0"/>
-                      </a:solidFill>
-                      <a:prstDash val="solid"/>
-                      <a:round/>
-                      <a:headEnd type="none" w="med" len="med"/>
-                      <a:tailEnd type="none" w="med" len="med"/>
-                    </a:lnR>
-                    <a:lnT w="12700" cap="flat" cmpd="sng" algn="ctr">
-                      <a:noFill/>
-                      <a:prstDash val="solid"/>
-                      <a:round/>
-                      <a:headEnd type="none" w="med" len="med"/>
-                      <a:tailEnd type="none" w="med" len="med"/>
-                    </a:lnT>
-                    <a:lnB w="12700" cap="flat" cmpd="sng" algn="ctr">
-                      <a:noFill/>
-                      <a:prstDash val="solid"/>
-                      <a:round/>
-                      <a:headEnd type="none" w="med" len="med"/>
-                      <a:tailEnd type="none" w="med" len="med"/>
-                    </a:lnB>
-                  </a:tcPr>
-                </a:tc>
-                <a:tc gridSpan="2">
-                  <a:txBody>
-                    <a:bodyPr/>
-                    <a:lstStyle/>
-                    <a:p>
-                      <a:pPr algn="ctr"/>
-                      <a:r>
-                        <a:rPr lang="en-US" sz="1900" dirty="0"/>
-                        <a:t>1</a:t>
-                      </a:r>
-                    </a:p>
-                  </a:txBody>
-                  <a:tcPr marL="121920" marR="121920">
-                    <a:lnL w="12700" cap="flat" cmpd="sng" algn="ctr">
-                      <a:solidFill>
-                        <a:scrgbClr r="0" g="0" b="0"/>
-                      </a:solidFill>
-                      <a:prstDash val="solid"/>
-                      <a:round/>
-                      <a:headEnd type="none" w="med" len="med"/>
-                      <a:tailEnd type="none" w="med" len="med"/>
-                    </a:lnL>
-                    <a:lnR w="12700" cap="flat" cmpd="sng" algn="ctr">
-                      <a:solidFill>
-                        <a:scrgbClr r="0" g="0" b="0"/>
-                      </a:solidFill>
-                      <a:prstDash val="solid"/>
-                      <a:round/>
-                      <a:headEnd type="none" w="med" len="med"/>
-                      <a:tailEnd type="none" w="med" len="med"/>
-                    </a:lnR>
-                    <a:lnT w="12700" cap="flat" cmpd="sng" algn="ctr">
-                      <a:noFill/>
-                      <a:prstDash val="solid"/>
-                      <a:round/>
-                      <a:headEnd type="none" w="med" len="med"/>
-                      <a:tailEnd type="none" w="med" len="med"/>
-                    </a:lnT>
-                    <a:lnB w="12700" cap="flat" cmpd="sng" algn="ctr">
-                      <a:noFill/>
-                      <a:prstDash val="solid"/>
-                      <a:round/>
-                      <a:headEnd type="none" w="med" len="med"/>
-                      <a:tailEnd type="none" w="med" len="med"/>
-                    </a:lnB>
-                  </a:tcPr>
-                </a:tc>
-                <a:tc hMerge="1">
-                  <a:txBody>
-                    <a:bodyPr/>
-                    <a:lstStyle/>
-                    <a:p>
-                      <a:endParaRPr lang="en-US"/>
-                    </a:p>
-                  </a:txBody>
-                  <a:tcPr/>
-                </a:tc>
-                <a:tc gridSpan="2">
-                  <a:txBody>
-                    <a:bodyPr/>
-                    <a:lstStyle/>
-                    <a:p>
-                      <a:pPr algn="ctr"/>
-                      <a:r>
-                        <a:rPr lang="en-US" sz="1900" dirty="0"/>
-                        <a:t>2</a:t>
-                      </a:r>
-                    </a:p>
-                  </a:txBody>
-                  <a:tcPr marL="121920" marR="121920">
-                    <a:lnL w="12700" cap="flat" cmpd="sng" algn="ctr">
-                      <a:solidFill>
-                        <a:scrgbClr r="0" g="0" b="0"/>
-                      </a:solidFill>
-                      <a:prstDash val="solid"/>
-                      <a:round/>
-                      <a:headEnd type="none" w="med" len="med"/>
-                      <a:tailEnd type="none" w="med" len="med"/>
-                    </a:lnL>
-                    <a:lnR w="12700" cap="flat" cmpd="sng" algn="ctr">
-                      <a:solidFill>
-                        <a:scrgbClr r="0" g="0" b="0"/>
-                      </a:solidFill>
-                      <a:prstDash val="solid"/>
-                      <a:round/>
-                      <a:headEnd type="none" w="med" len="med"/>
-                      <a:tailEnd type="none" w="med" len="med"/>
-                    </a:lnR>
-                    <a:lnT w="12700" cap="flat" cmpd="sng" algn="ctr">
-                      <a:noFill/>
-                      <a:prstDash val="solid"/>
-                      <a:round/>
-                      <a:headEnd type="none" w="med" len="med"/>
-                      <a:tailEnd type="none" w="med" len="med"/>
-                    </a:lnT>
-                  </a:tcPr>
-                </a:tc>
-                <a:tc hMerge="1">
-                  <a:txBody>
-                    <a:bodyPr/>
-                    <a:lstStyle/>
-                    <a:p>
-                      <a:endParaRPr lang="en-US"/>
-                    </a:p>
-                  </a:txBody>
-                  <a:tcPr/>
-                </a:tc>
-                <a:tc gridSpan="2">
-                  <a:txBody>
-                    <a:bodyPr/>
-                    <a:lstStyle/>
-                    <a:p>
-                      <a:pPr algn="ctr"/>
-                      <a:r>
-                        <a:rPr lang="en-US" sz="1900" dirty="0"/>
-                        <a:t>3</a:t>
-                      </a:r>
-                    </a:p>
-                  </a:txBody>
-                  <a:tcPr marL="121920" marR="121920">
-                    <a:lnL w="12700" cap="flat" cmpd="sng" algn="ctr">
-                      <a:solidFill>
-                        <a:scrgbClr r="0" g="0" b="0"/>
-                      </a:solidFill>
-                      <a:prstDash val="solid"/>
-                      <a:round/>
-                      <a:headEnd type="none" w="med" len="med"/>
-                      <a:tailEnd type="none" w="med" len="med"/>
-                    </a:lnL>
-                    <a:lnR w="12700" cap="flat" cmpd="sng" algn="ctr">
-                      <a:solidFill>
-                        <a:scrgbClr r="0" g="0" b="0"/>
-                      </a:solidFill>
-                      <a:prstDash val="solid"/>
-                      <a:round/>
-                      <a:headEnd type="none" w="med" len="med"/>
-                      <a:tailEnd type="none" w="med" len="med"/>
-                    </a:lnR>
-                    <a:lnT w="12700" cap="flat" cmpd="sng" algn="ctr">
-                      <a:noFill/>
-                      <a:prstDash val="solid"/>
-                      <a:round/>
-                      <a:headEnd type="none" w="med" len="med"/>
-                      <a:tailEnd type="none" w="med" len="med"/>
-                    </a:lnT>
-                  </a:tcPr>
-                </a:tc>
-                <a:tc hMerge="1">
-                  <a:txBody>
-                    <a:bodyPr/>
-                    <a:lstStyle/>
-                    <a:p>
-                      <a:endParaRPr lang="en-US"/>
-                    </a:p>
-                  </a:txBody>
-                  <a:tcPr/>
-                </a:tc>
-                <a:tc gridSpan="2">
-                  <a:txBody>
-                    <a:bodyPr/>
-                    <a:lstStyle/>
-                    <a:p>
-                      <a:pPr algn="ctr"/>
-                      <a:r>
-                        <a:rPr lang="en-US" sz="1900" dirty="0"/>
-                        <a:t>4</a:t>
-                      </a:r>
-                    </a:p>
-                  </a:txBody>
-                  <a:tcPr marL="121920" marR="121920">
-                    <a:lnL w="12700" cap="flat" cmpd="sng" algn="ctr">
-                      <a:solidFill>
-                        <a:scrgbClr r="0" g="0" b="0"/>
-                      </a:solidFill>
-                      <a:prstDash val="solid"/>
-                      <a:round/>
-                      <a:headEnd type="none" w="med" len="med"/>
-                      <a:tailEnd type="none" w="med" len="med"/>
-                    </a:lnL>
-                    <a:lnR w="12700" cap="flat" cmpd="sng" algn="ctr">
-                      <a:solidFill>
-                        <a:scrgbClr r="0" g="0" b="0"/>
-                      </a:solidFill>
-                      <a:prstDash val="solid"/>
-                      <a:round/>
-                      <a:headEnd type="none" w="med" len="med"/>
-                      <a:tailEnd type="none" w="med" len="med"/>
-                    </a:lnR>
-                    <a:lnT w="12700" cap="flat" cmpd="sng" algn="ctr">
-                      <a:noFill/>
-                      <a:prstDash val="solid"/>
-                      <a:round/>
-                      <a:headEnd type="none" w="med" len="med"/>
-                      <a:tailEnd type="none" w="med" len="med"/>
-                    </a:lnT>
-                  </a:tcPr>
-                </a:tc>
-                <a:tc hMerge="1">
-                  <a:txBody>
-                    <a:bodyPr/>
-                    <a:lstStyle/>
-                    <a:p>
-                      <a:endParaRPr lang="en-US"/>
-                    </a:p>
-                  </a:txBody>
-                  <a:tcPr/>
-                </a:tc>
-                <a:tc gridSpan="2">
-                  <a:txBody>
-                    <a:bodyPr/>
-                    <a:lstStyle/>
-                    <a:p>
-                      <a:pPr algn="ctr"/>
-                      <a:r>
-                        <a:rPr lang="en-US" sz="1900" dirty="0"/>
-                        <a:t>5</a:t>
-                      </a:r>
-                    </a:p>
-                  </a:txBody>
-                  <a:tcPr marL="121920" marR="121920">
-                    <a:lnL w="12700" cap="flat" cmpd="sng" algn="ctr">
-                      <a:solidFill>
-                        <a:scrgbClr r="0" g="0" b="0"/>
-                      </a:solidFill>
-                      <a:prstDash val="solid"/>
-                      <a:round/>
-                      <a:headEnd type="none" w="med" len="med"/>
-                      <a:tailEnd type="none" w="med" len="med"/>
-                    </a:lnL>
-                    <a:lnR w="12700" cap="flat" cmpd="sng" algn="ctr">
-                      <a:solidFill>
-                        <a:scrgbClr r="0" g="0" b="0"/>
-                      </a:solidFill>
-                      <a:prstDash val="solid"/>
-                      <a:round/>
-                      <a:headEnd type="none" w="med" len="med"/>
-                      <a:tailEnd type="none" w="med" len="med"/>
-                    </a:lnR>
-                    <a:lnT w="12700" cap="flat" cmpd="sng" algn="ctr">
-                      <a:noFill/>
-                      <a:prstDash val="solid"/>
-                      <a:round/>
-                      <a:headEnd type="none" w="med" len="med"/>
-                      <a:tailEnd type="none" w="med" len="med"/>
-                    </a:lnT>
-                  </a:tcPr>
-                </a:tc>
-                <a:tc hMerge="1">
-                  <a:txBody>
-                    <a:bodyPr/>
-                    <a:lstStyle/>
-                    <a:p>
-                      <a:endParaRPr lang="en-US"/>
-                    </a:p>
-                  </a:txBody>
-                  <a:tcPr/>
-                </a:tc>
-                <a:tc gridSpan="2">
-                  <a:txBody>
-                    <a:bodyPr/>
-                    <a:lstStyle/>
-                    <a:p>
-                      <a:pPr algn="ctr"/>
-                      <a:r>
-                        <a:rPr lang="en-US" sz="1900" dirty="0"/>
-                        <a:t>6</a:t>
-                      </a:r>
-                    </a:p>
-                  </a:txBody>
-                  <a:tcPr marL="121920" marR="121920">
-                    <a:lnL w="12700" cap="flat" cmpd="sng" algn="ctr">
-                      <a:solidFill>
-                        <a:scrgbClr r="0" g="0" b="0"/>
-                      </a:solidFill>
-                      <a:prstDash val="solid"/>
-                      <a:round/>
-                      <a:headEnd type="none" w="med" len="med"/>
-                      <a:tailEnd type="none" w="med" len="med"/>
-                    </a:lnL>
-                    <a:lnR w="12700" cap="flat" cmpd="sng" algn="ctr">
-                      <a:solidFill>
-                        <a:scrgbClr r="0" g="0" b="0"/>
-                      </a:solidFill>
-                      <a:prstDash val="solid"/>
-                      <a:round/>
-                      <a:headEnd type="none" w="med" len="med"/>
-                      <a:tailEnd type="none" w="med" len="med"/>
-                    </a:lnR>
-                    <a:lnT w="12700" cap="flat" cmpd="sng" algn="ctr">
-                      <a:noFill/>
-                      <a:prstDash val="solid"/>
-                      <a:round/>
-                      <a:headEnd type="none" w="med" len="med"/>
-                      <a:tailEnd type="none" w="med" len="med"/>
-                    </a:lnT>
-                  </a:tcPr>
-                </a:tc>
-                <a:tc hMerge="1">
-                  <a:txBody>
-                    <a:bodyPr/>
-                    <a:lstStyle/>
-                    <a:p>
-                      <a:endParaRPr lang="en-US"/>
-                    </a:p>
-                  </a:txBody>
-                  <a:tcPr/>
-                </a:tc>
-                <a:tc gridSpan="2">
-                  <a:txBody>
-                    <a:bodyPr/>
-                    <a:lstStyle/>
-                    <a:p>
-                      <a:pPr algn="ctr"/>
-                      <a:r>
-                        <a:rPr lang="en-US" sz="1900" dirty="0"/>
-                        <a:t>7</a:t>
-                      </a:r>
-                    </a:p>
-                  </a:txBody>
-                  <a:tcPr marL="121920" marR="121920">
-                    <a:lnL w="12700" cap="flat" cmpd="sng" algn="ctr">
-                      <a:solidFill>
-                        <a:scrgbClr r="0" g="0" b="0"/>
-                      </a:solidFill>
-                      <a:prstDash val="solid"/>
-                      <a:round/>
-                      <a:headEnd type="none" w="med" len="med"/>
-                      <a:tailEnd type="none" w="med" len="med"/>
-                    </a:lnL>
-                    <a:lnR w="12700" cap="flat" cmpd="sng" algn="ctr">
-                      <a:solidFill>
-                        <a:scrgbClr r="0" g="0" b="0"/>
-                      </a:solidFill>
-                      <a:prstDash val="solid"/>
-                      <a:round/>
-                      <a:headEnd type="none" w="med" len="med"/>
-                      <a:tailEnd type="none" w="med" len="med"/>
-                    </a:lnR>
-                    <a:lnT w="12700" cap="flat" cmpd="sng" algn="ctr">
-                      <a:noFill/>
-                      <a:prstDash val="solid"/>
-                      <a:round/>
-                      <a:headEnd type="none" w="med" len="med"/>
-                      <a:tailEnd type="none" w="med" len="med"/>
-                    </a:lnT>
-                  </a:tcPr>
-                </a:tc>
-                <a:tc hMerge="1">
-                  <a:txBody>
-                    <a:bodyPr/>
-                    <a:lstStyle/>
-                    <a:p>
-                      <a:endParaRPr lang="en-US"/>
-                    </a:p>
-                  </a:txBody>
-                  <a:tcPr/>
-                </a:tc>
-                <a:tc>
-                  <a:txBody>
-                    <a:bodyPr/>
-                    <a:lstStyle/>
-                    <a:p>
-                      <a:pPr algn="ctr"/>
-                      <a:endParaRPr lang="en-US" sz="1900" dirty="0"/>
-                    </a:p>
-                  </a:txBody>
-                  <a:tcPr marL="121920" marR="121920">
-                    <a:lnL w="12700" cap="flat" cmpd="sng" algn="ctr">
-                      <a:solidFill>
-                        <a:scrgbClr r="0" g="0" b="0"/>
-                      </a:solidFill>
-                      <a:prstDash val="solid"/>
-                      <a:round/>
-                      <a:headEnd type="none" w="med" len="med"/>
-                      <a:tailEnd type="none" w="med" len="med"/>
-                    </a:lnL>
-                    <a:lnR w="12700" cap="flat" cmpd="sng" algn="ctr">
-                      <a:noFill/>
-                      <a:prstDash val="solid"/>
-                      <a:round/>
-                      <a:headEnd type="none" w="med" len="med"/>
-                      <a:tailEnd type="none" w="med" len="med"/>
-                    </a:lnR>
-                    <a:lnT w="12700" cap="flat" cmpd="sng" algn="ctr">
-                      <a:noFill/>
-                      <a:prstDash val="solid"/>
-                      <a:round/>
-                      <a:headEnd type="none" w="med" len="med"/>
-                      <a:tailEnd type="none" w="med" len="med"/>
-                    </a:lnT>
-                    <a:lnB>
-                      <a:noFill/>
-                    </a:lnB>
-                  </a:tcPr>
-                </a:tc>
-                <a:extLst>
-                  <a:ext uri="{0D108BD9-81ED-4DB2-BD59-A6C34878D82A}">
-                    <a16:rowId xmlns:a16="http://schemas.microsoft.com/office/drawing/2014/main" val="10002"/>
-                  </a:ext>
-                </a:extLst>
-              </a:tr>
-              <a:tr h="640080">
-                <a:tc>
-                  <a:txBody>
-                    <a:bodyPr/>
-                    <a:lstStyle/>
-                    <a:p>
-                      <a:pPr algn="ctr"/>
-                      <a:r>
-                        <a:rPr lang="en-US" sz="1900" dirty="0"/>
-                        <a:t>0-based</a:t>
-                      </a:r>
-                    </a:p>
-                  </a:txBody>
-                  <a:tcPr marL="121920" marR="121920">
-                    <a:lnL w="12700" cap="flat" cmpd="sng" algn="ctr">
-                      <a:noFill/>
-                      <a:prstDash val="solid"/>
-                      <a:round/>
-                      <a:headEnd type="none" w="med" len="med"/>
-                      <a:tailEnd type="none" w="med" len="med"/>
-                    </a:lnL>
-                    <a:lnR w="12700" cap="flat" cmpd="sng" algn="ctr">
-                      <a:noFill/>
-                      <a:prstDash val="solid"/>
-                      <a:round/>
-                      <a:headEnd type="none" w="med" len="med"/>
-                      <a:tailEnd type="none" w="med" len="med"/>
-                    </a:lnR>
-                    <a:lnT w="12700" cap="flat" cmpd="sng" algn="ctr">
-                      <a:noFill/>
-                      <a:prstDash val="solid"/>
-                      <a:round/>
-                      <a:headEnd type="none" w="med" len="med"/>
-                      <a:tailEnd type="none" w="med" len="med"/>
-                    </a:lnT>
-                    <a:lnB w="12700" cap="flat" cmpd="sng" algn="ctr">
-                      <a:noFill/>
-                      <a:prstDash val="solid"/>
-                      <a:round/>
-                      <a:headEnd type="none" w="med" len="med"/>
-                      <a:tailEnd type="none" w="med" len="med"/>
-                    </a:lnB>
-                    <a:lnTlToBr w="12700" cmpd="sng">
-                      <a:noFill/>
-                      <a:prstDash val="solid"/>
-                    </a:lnTlToBr>
-                    <a:lnBlToTr w="12700" cmpd="sng">
-                      <a:noFill/>
-                      <a:prstDash val="solid"/>
-                    </a:lnBlToTr>
-                  </a:tcPr>
-                </a:tc>
-                <a:tc gridSpan="2">
-                  <a:txBody>
-                    <a:bodyPr/>
-                    <a:lstStyle/>
-                    <a:p>
-                      <a:pPr algn="ctr"/>
-                      <a:r>
-                        <a:rPr lang="en-US" sz="1900" dirty="0"/>
-                        <a:t>0</a:t>
-                      </a:r>
-                    </a:p>
-                  </a:txBody>
-                  <a:tcPr marL="121920" marR="121920">
-                    <a:lnL w="12700" cap="flat" cmpd="sng" algn="ctr">
-                      <a:noFill/>
-                      <a:prstDash val="solid"/>
-                      <a:round/>
-                      <a:headEnd type="none" w="med" len="med"/>
-                      <a:tailEnd type="none" w="med" len="med"/>
-                    </a:lnL>
-                    <a:lnR w="12700" cap="flat" cmpd="sng" algn="ctr">
-                      <a:noFill/>
-                      <a:prstDash val="solid"/>
-                      <a:round/>
-                      <a:headEnd type="none" w="med" len="med"/>
-                      <a:tailEnd type="none" w="med" len="med"/>
-                    </a:lnR>
-                    <a:lnT w="12700" cap="flat" cmpd="sng" algn="ctr">
-                      <a:noFill/>
-                      <a:prstDash val="solid"/>
-                      <a:round/>
-                      <a:headEnd type="none" w="med" len="med"/>
-                      <a:tailEnd type="none" w="med" len="med"/>
-                    </a:lnT>
-                    <a:lnB w="12700" cap="flat" cmpd="sng" algn="ctr">
-                      <a:noFill/>
-                      <a:prstDash val="solid"/>
-                      <a:round/>
-                      <a:headEnd type="none" w="med" len="med"/>
-                      <a:tailEnd type="none" w="med" len="med"/>
-                    </a:lnB>
-                    <a:lnTlToBr w="12700" cmpd="sng">
-                      <a:noFill/>
-                      <a:prstDash val="solid"/>
-                    </a:lnTlToBr>
-                    <a:lnBlToTr w="12700" cmpd="sng">
-                      <a:noFill/>
-                      <a:prstDash val="solid"/>
-                    </a:lnBlToTr>
-                  </a:tcPr>
-                </a:tc>
-                <a:tc hMerge="1">
-                  <a:txBody>
-                    <a:bodyPr/>
-                    <a:lstStyle/>
-                    <a:p>
-                      <a:pPr algn="ctr"/>
-                      <a:endParaRPr lang="en-US" dirty="0"/>
-                    </a:p>
-                  </a:txBody>
-                  <a:tcPr>
-                    <a:lnL w="12700" cap="flat" cmpd="sng" algn="ctr">
-                      <a:noFill/>
-                      <a:prstDash val="solid"/>
-                      <a:round/>
-                      <a:headEnd type="none" w="med" len="med"/>
-                      <a:tailEnd type="none" w="med" len="med"/>
-                    </a:lnL>
-                    <a:lnR w="12700" cap="flat" cmpd="sng" algn="ctr">
-                      <a:noFill/>
-                      <a:prstDash val="solid"/>
-                      <a:round/>
-                      <a:headEnd type="none" w="med" len="med"/>
-                      <a:tailEnd type="none" w="med" len="med"/>
-                    </a:lnR>
-                    <a:lnT w="12700" cap="flat" cmpd="sng" algn="ctr">
-                      <a:noFill/>
-                      <a:prstDash val="solid"/>
-                      <a:round/>
-                      <a:headEnd type="none" w="med" len="med"/>
-                      <a:tailEnd type="none" w="med" len="med"/>
-                    </a:lnT>
-                    <a:lnB w="12700" cap="flat" cmpd="sng" algn="ctr">
-                      <a:noFill/>
-                      <a:prstDash val="solid"/>
-                      <a:round/>
-                      <a:headEnd type="none" w="med" len="med"/>
-                      <a:tailEnd type="none" w="med" len="med"/>
-                    </a:lnB>
-                    <a:lnTlToBr w="12700" cmpd="sng">
-                      <a:noFill/>
-                      <a:prstDash val="solid"/>
-                    </a:lnTlToBr>
-                    <a:lnBlToTr w="12700" cmpd="sng">
-                      <a:noFill/>
-                      <a:prstDash val="solid"/>
-                    </a:lnBlToTr>
-                  </a:tcPr>
-                </a:tc>
-                <a:tc gridSpan="2">
-                  <a:txBody>
-                    <a:bodyPr/>
-                    <a:lstStyle/>
-                    <a:p>
-                      <a:pPr algn="ctr"/>
-                      <a:r>
-                        <a:rPr lang="en-US" sz="1900" dirty="0"/>
-                        <a:t>1</a:t>
-                      </a:r>
-                    </a:p>
-                  </a:txBody>
-                  <a:tcPr marL="121920" marR="121920">
-                    <a:lnL w="12700" cap="flat" cmpd="sng" algn="ctr">
-                      <a:noFill/>
-                      <a:prstDash val="solid"/>
-                      <a:round/>
-                      <a:headEnd type="none" w="med" len="med"/>
-                      <a:tailEnd type="none" w="med" len="med"/>
-                    </a:lnL>
-                    <a:lnT w="12700" cap="flat" cmpd="sng" algn="ctr">
-                      <a:noFill/>
-                      <a:prstDash val="solid"/>
-                      <a:round/>
-                      <a:headEnd type="none" w="med" len="med"/>
-                      <a:tailEnd type="none" w="med" len="med"/>
-                    </a:lnT>
-                    <a:lnB w="12700" cap="flat" cmpd="sng" algn="ctr">
-                      <a:noFill/>
-                      <a:prstDash val="solid"/>
-                      <a:round/>
-                      <a:headEnd type="none" w="med" len="med"/>
-                      <a:tailEnd type="none" w="med" len="med"/>
-                    </a:lnB>
-                    <a:lnTlToBr w="12700" cmpd="sng">
-                      <a:noFill/>
-                      <a:prstDash val="solid"/>
-                    </a:lnTlToBr>
-                    <a:lnBlToTr w="12700" cmpd="sng">
-                      <a:noFill/>
-                      <a:prstDash val="solid"/>
-                    </a:lnBlToTr>
-                  </a:tcPr>
-                </a:tc>
-                <a:tc hMerge="1">
-                  <a:txBody>
-                    <a:bodyPr/>
-                    <a:lstStyle/>
-                    <a:p>
-                      <a:pPr algn="ctr"/>
-                      <a:endParaRPr lang="en-US" dirty="0"/>
-                    </a:p>
-                  </a:txBody>
-                  <a:tcPr/>
-                </a:tc>
-                <a:tc gridSpan="2">
-                  <a:txBody>
-                    <a:bodyPr/>
-                    <a:lstStyle/>
-                    <a:p>
-                      <a:pPr algn="ctr"/>
-                      <a:r>
-                        <a:rPr lang="en-US" sz="1900" dirty="0"/>
-                        <a:t>2</a:t>
-                      </a:r>
-                    </a:p>
-                  </a:txBody>
-                  <a:tcPr marL="121920" marR="121920"/>
-                </a:tc>
-                <a:tc hMerge="1">
-                  <a:txBody>
-                    <a:bodyPr/>
-                    <a:lstStyle/>
-                    <a:p>
-                      <a:pPr algn="ctr"/>
-                      <a:endParaRPr lang="en-US" dirty="0"/>
-                    </a:p>
-                  </a:txBody>
-                  <a:tcPr/>
-                </a:tc>
-                <a:tc gridSpan="2">
-                  <a:txBody>
-                    <a:bodyPr/>
-                    <a:lstStyle/>
-                    <a:p>
-                      <a:pPr algn="ctr"/>
-                      <a:r>
-                        <a:rPr lang="en-US" sz="1900" dirty="0"/>
-                        <a:t>3</a:t>
-                      </a:r>
-                    </a:p>
-                  </a:txBody>
-                  <a:tcPr marL="121920" marR="121920"/>
-                </a:tc>
-                <a:tc hMerge="1">
-                  <a:txBody>
-                    <a:bodyPr/>
-                    <a:lstStyle/>
-                    <a:p>
-                      <a:pPr algn="ctr"/>
-                      <a:endParaRPr lang="en-US" dirty="0"/>
-                    </a:p>
-                  </a:txBody>
-                  <a:tcPr/>
-                </a:tc>
-                <a:tc gridSpan="2">
-                  <a:txBody>
-                    <a:bodyPr/>
-                    <a:lstStyle/>
-                    <a:p>
-                      <a:pPr algn="ctr"/>
-                      <a:r>
-                        <a:rPr lang="en-US" sz="1900" dirty="0"/>
-                        <a:t>4</a:t>
-                      </a:r>
-                    </a:p>
-                  </a:txBody>
-                  <a:tcPr marL="121920" marR="121920"/>
-                </a:tc>
-                <a:tc hMerge="1">
-                  <a:txBody>
-                    <a:bodyPr/>
-                    <a:lstStyle/>
-                    <a:p>
-                      <a:pPr algn="ctr"/>
-                      <a:endParaRPr lang="en-US" dirty="0"/>
-                    </a:p>
-                  </a:txBody>
-                  <a:tcPr/>
-                </a:tc>
-                <a:tc gridSpan="2">
-                  <a:txBody>
-                    <a:bodyPr/>
-                    <a:lstStyle/>
-                    <a:p>
-                      <a:pPr algn="ctr"/>
-                      <a:r>
-                        <a:rPr lang="en-US" sz="1900" dirty="0"/>
-                        <a:t>5</a:t>
-                      </a:r>
-                    </a:p>
-                  </a:txBody>
-                  <a:tcPr marL="121920" marR="121920"/>
-                </a:tc>
-                <a:tc hMerge="1">
-                  <a:txBody>
-                    <a:bodyPr/>
-                    <a:lstStyle/>
-                    <a:p>
-                      <a:pPr algn="ctr"/>
-                      <a:endParaRPr lang="en-US" dirty="0"/>
-                    </a:p>
-                  </a:txBody>
-                  <a:tcPr/>
-                </a:tc>
-                <a:tc gridSpan="2">
-                  <a:txBody>
-                    <a:bodyPr/>
-                    <a:lstStyle/>
-                    <a:p>
-                      <a:pPr algn="ctr"/>
-                      <a:r>
-                        <a:rPr lang="en-US" sz="1900" dirty="0"/>
-                        <a:t>6</a:t>
-                      </a:r>
-                    </a:p>
-                  </a:txBody>
-                  <a:tcPr marL="121920" marR="121920"/>
-                </a:tc>
-                <a:tc hMerge="1">
-                  <a:txBody>
-                    <a:bodyPr/>
-                    <a:lstStyle/>
-                    <a:p>
-                      <a:pPr algn="ctr"/>
-                      <a:endParaRPr lang="en-US" dirty="0"/>
-                    </a:p>
-                  </a:txBody>
-                  <a:tcPr/>
-                </a:tc>
-                <a:tc gridSpan="2">
-                  <a:txBody>
-                    <a:bodyPr/>
-                    <a:lstStyle/>
-                    <a:p>
-                      <a:pPr algn="ctr"/>
-                      <a:r>
-                        <a:rPr lang="en-US" sz="1900" dirty="0"/>
-                        <a:t>7</a:t>
-                      </a:r>
-                    </a:p>
-                  </a:txBody>
-                  <a:tcPr marL="121920" marR="121920">
-                    <a:lnR>
-                      <a:noFill/>
-                    </a:lnR>
-                    <a:lnT w="12700" cap="flat" cmpd="sng" algn="ctr">
-                      <a:noFill/>
-                      <a:prstDash val="solid"/>
-                      <a:round/>
-                      <a:headEnd type="none" w="med" len="med"/>
-                      <a:tailEnd type="none" w="med" len="med"/>
-                    </a:lnT>
-                    <a:lnB w="12700" cap="flat" cmpd="sng" algn="ctr">
-                      <a:noFill/>
-                      <a:prstDash val="solid"/>
-                      <a:round/>
-                      <a:headEnd type="none" w="med" len="med"/>
-                      <a:tailEnd type="none" w="med" len="med"/>
-                    </a:lnB>
-                    <a:lnTlToBr w="12700" cmpd="sng">
-                      <a:noFill/>
-                      <a:prstDash val="solid"/>
-                    </a:lnTlToBr>
-                    <a:lnBlToTr w="12700" cmpd="sng">
-                      <a:noFill/>
-                      <a:prstDash val="solid"/>
-                    </a:lnBlToTr>
-                  </a:tcPr>
-                </a:tc>
-                <a:tc hMerge="1">
-                  <a:txBody>
-                    <a:bodyPr/>
-                    <a:lstStyle/>
-                    <a:p>
-                      <a:endParaRPr lang="en-US" dirty="0"/>
-                    </a:p>
-                  </a:txBody>
-                  <a:tcPr>
-                    <a:lnR w="12700" cap="flat" cmpd="sng" algn="ctr">
-                      <a:noFill/>
-                      <a:prstDash val="solid"/>
-                      <a:round/>
-                      <a:headEnd type="none" w="med" len="med"/>
-                      <a:tailEnd type="none" w="med" len="med"/>
-                    </a:lnR>
-                    <a:lnT w="12700" cap="flat" cmpd="sng" algn="ctr">
-                      <a:noFill/>
-                      <a:prstDash val="solid"/>
-                      <a:round/>
-                      <a:headEnd type="none" w="med" len="med"/>
-                      <a:tailEnd type="none" w="med" len="med"/>
-                    </a:lnT>
-                    <a:lnB w="12700" cap="flat" cmpd="sng" algn="ctr">
-                      <a:noFill/>
-                      <a:prstDash val="solid"/>
-                      <a:round/>
-                      <a:headEnd type="none" w="med" len="med"/>
-                      <a:tailEnd type="none" w="med" len="med"/>
-                    </a:lnB>
-                    <a:lnTlToBr w="12700" cmpd="sng">
-                      <a:noFill/>
-                      <a:prstDash val="solid"/>
-                    </a:lnTlToBr>
-                    <a:lnBlToTr w="12700" cmpd="sng">
-                      <a:noFill/>
-                      <a:prstDash val="solid"/>
-                    </a:lnBlToTr>
-                  </a:tcPr>
-                </a:tc>
-                <a:extLst>
-                  <a:ext uri="{0D108BD9-81ED-4DB2-BD59-A6C34878D82A}">
-                    <a16:rowId xmlns:a16="http://schemas.microsoft.com/office/drawing/2014/main" val="10003"/>
-                  </a:ext>
-                </a:extLst>
-              </a:tr>
-            </a:tbl>
-          </a:graphicData>
-        </a:graphic>
-      </p:graphicFrame>
-      <p:graphicFrame>
-        <p:nvGraphicFramePr>
-          <p:cNvPr id="3" name="Content Placeholder 2"/>
-          <p:cNvGraphicFramePr>
-            <a:graphicFrameLocks noGrp="1"/>
-          </p:cNvGraphicFramePr>
-          <p:nvPr>
-            <p:ph idx="1"/>
-            <p:extLst>
-              <p:ext uri="{D42A27DB-BD31-4B8C-83A1-F6EECF244321}">
-                <p14:modId xmlns:p14="http://schemas.microsoft.com/office/powerpoint/2010/main" val="1378629164"/>
-              </p:ext>
-            </p:extLst>
-          </p:nvPr>
-        </p:nvGraphicFramePr>
-        <p:xfrm>
-          <a:off x="609602" y="2506154"/>
-          <a:ext cx="10972798" cy="1524000"/>
-        </p:xfrm>
-        <a:graphic>
-          <a:graphicData uri="http://schemas.openxmlformats.org/drawingml/2006/table">
-            <a:tbl>
-              <a:tblPr firstRow="1" bandRow="1">
-                <a:tableStyleId>{2D5ABB26-0587-4C30-8999-92F81FD0307C}</a:tableStyleId>
-              </a:tblPr>
-              <a:tblGrid>
-                <a:gridCol w="5825548">
-                  <a:extLst>
-                    <a:ext uri="{9D8B030D-6E8A-4147-A177-3AD203B41FA5}">
-                      <a16:colId xmlns:a16="http://schemas.microsoft.com/office/drawing/2014/main" val="20000"/>
-                    </a:ext>
-                  </a:extLst>
-                </a:gridCol>
-                <a:gridCol w="2573625">
-                  <a:extLst>
-                    <a:ext uri="{9D8B030D-6E8A-4147-A177-3AD203B41FA5}">
-                      <a16:colId xmlns:a16="http://schemas.microsoft.com/office/drawing/2014/main" val="20001"/>
-                    </a:ext>
-                  </a:extLst>
-                </a:gridCol>
-                <a:gridCol w="2573625">
-                  <a:extLst>
-                    <a:ext uri="{9D8B030D-6E8A-4147-A177-3AD203B41FA5}">
-                      <a16:colId xmlns:a16="http://schemas.microsoft.com/office/drawing/2014/main" val="20002"/>
-                    </a:ext>
-                  </a:extLst>
-                </a:gridCol>
-              </a:tblGrid>
-              <a:tr h="375920">
-                <a:tc>
-                  <a:txBody>
-                    <a:bodyPr/>
-                    <a:lstStyle/>
-                    <a:p>
-                      <a:endParaRPr lang="en-US" sz="1900" dirty="0"/>
-                    </a:p>
-                  </a:txBody>
-                  <a:tcPr marL="121920" marR="121920">
-                    <a:lnL w="12700" cap="flat" cmpd="sng" algn="ctr">
-                      <a:solidFill>
-                        <a:scrgbClr r="0" g="0" b="0"/>
-                      </a:solidFill>
-                      <a:prstDash val="solid"/>
-                      <a:round/>
-                      <a:headEnd type="none" w="med" len="med"/>
-                      <a:tailEnd type="none" w="med" len="med"/>
-                    </a:lnL>
-                    <a:lnR w="12700" cap="flat" cmpd="sng" algn="ctr">
-                      <a:solidFill>
-                        <a:scrgbClr r="0" g="0" b="0"/>
-                      </a:solidFill>
-                      <a:prstDash val="solid"/>
-                      <a:round/>
-                      <a:headEnd type="none" w="med" len="med"/>
-                      <a:tailEnd type="none" w="med" len="med"/>
-                    </a:lnR>
-                    <a:lnT w="12700" cap="flat" cmpd="sng" algn="ctr">
-                      <a:solidFill>
-                        <a:scrgbClr r="0" g="0" b="0"/>
-                      </a:solidFill>
-                      <a:prstDash val="solid"/>
-                      <a:round/>
-                      <a:headEnd type="none" w="med" len="med"/>
-                      <a:tailEnd type="none" w="med" len="med"/>
-                    </a:lnT>
-                    <a:lnB w="12700" cap="flat" cmpd="sng" algn="ctr">
-                      <a:solidFill>
-                        <a:scrgbClr r="0" g="0" b="0"/>
-                      </a:solidFill>
-                      <a:prstDash val="solid"/>
-                      <a:round/>
-                      <a:headEnd type="none" w="med" len="med"/>
-                      <a:tailEnd type="none" w="med" len="med"/>
-                    </a:lnB>
-                  </a:tcPr>
-                </a:tc>
-                <a:tc>
-                  <a:txBody>
-                    <a:bodyPr/>
-                    <a:lstStyle/>
-                    <a:p>
-                      <a:r>
-                        <a:rPr lang="en-US" sz="1900" dirty="0"/>
-                        <a:t>1-based</a:t>
-                      </a:r>
-                    </a:p>
-                  </a:txBody>
-                  <a:tcPr marL="121920" marR="121920">
-                    <a:lnL w="12700" cap="flat" cmpd="sng" algn="ctr">
-                      <a:solidFill>
-                        <a:scrgbClr r="0" g="0" b="0"/>
-                      </a:solidFill>
-                      <a:prstDash val="solid"/>
-                      <a:round/>
-                      <a:headEnd type="none" w="med" len="med"/>
-                      <a:tailEnd type="none" w="med" len="med"/>
-                    </a:lnL>
-                    <a:lnR w="12700" cap="flat" cmpd="sng" algn="ctr">
-                      <a:solidFill>
-                        <a:scrgbClr r="0" g="0" b="0"/>
-                      </a:solidFill>
-                      <a:prstDash val="solid"/>
-                      <a:round/>
-                      <a:headEnd type="none" w="med" len="med"/>
-                      <a:tailEnd type="none" w="med" len="med"/>
-                    </a:lnR>
-                    <a:lnT w="12700" cap="flat" cmpd="sng" algn="ctr">
-                      <a:solidFill>
-                        <a:scrgbClr r="0" g="0" b="0"/>
-                      </a:solidFill>
-                      <a:prstDash val="solid"/>
-                      <a:round/>
-                      <a:headEnd type="none" w="med" len="med"/>
-                      <a:tailEnd type="none" w="med" len="med"/>
-                    </a:lnT>
-                    <a:lnB w="12700" cap="flat" cmpd="sng" algn="ctr">
-                      <a:solidFill>
-                        <a:scrgbClr r="0" g="0" b="0"/>
-                      </a:solidFill>
-                      <a:prstDash val="solid"/>
-                      <a:round/>
-                      <a:headEnd type="none" w="med" len="med"/>
-                      <a:tailEnd type="none" w="med" len="med"/>
-                    </a:lnB>
-                  </a:tcPr>
-                </a:tc>
-                <a:tc>
-                  <a:txBody>
-                    <a:bodyPr/>
-                    <a:lstStyle/>
-                    <a:p>
-                      <a:r>
-                        <a:rPr lang="en-US" sz="1900" dirty="0"/>
-                        <a:t>0-based</a:t>
-                      </a:r>
-                    </a:p>
-                  </a:txBody>
-                  <a:tcPr marL="121920" marR="121920">
-                    <a:lnL w="12700" cap="flat" cmpd="sng" algn="ctr">
-                      <a:solidFill>
-                        <a:scrgbClr r="0" g="0" b="0"/>
-                      </a:solidFill>
-                      <a:prstDash val="solid"/>
-                      <a:round/>
-                      <a:headEnd type="none" w="med" len="med"/>
-                      <a:tailEnd type="none" w="med" len="med"/>
-                    </a:lnL>
-                    <a:lnR w="12700" cap="flat" cmpd="sng" algn="ctr">
-                      <a:solidFill>
-                        <a:scrgbClr r="0" g="0" b="0"/>
-                      </a:solidFill>
-                      <a:prstDash val="solid"/>
-                      <a:round/>
-                      <a:headEnd type="none" w="med" len="med"/>
-                      <a:tailEnd type="none" w="med" len="med"/>
-                    </a:lnR>
-                    <a:lnT w="12700" cap="flat" cmpd="sng" algn="ctr">
-                      <a:solidFill>
-                        <a:scrgbClr r="0" g="0" b="0"/>
-                      </a:solidFill>
-                      <a:prstDash val="solid"/>
-                      <a:round/>
-                      <a:headEnd type="none" w="med" len="med"/>
-                      <a:tailEnd type="none" w="med" len="med"/>
-                    </a:lnT>
-                    <a:lnB w="12700" cap="flat" cmpd="sng" algn="ctr">
-                      <a:solidFill>
-                        <a:scrgbClr r="0" g="0" b="0"/>
-                      </a:solidFill>
-                      <a:prstDash val="solid"/>
-                      <a:round/>
-                      <a:headEnd type="none" w="med" len="med"/>
-                      <a:tailEnd type="none" w="med" len="med"/>
-                    </a:lnB>
-                  </a:tcPr>
-                </a:tc>
-                <a:extLst>
-                  <a:ext uri="{0D108BD9-81ED-4DB2-BD59-A6C34878D82A}">
-                    <a16:rowId xmlns:a16="http://schemas.microsoft.com/office/drawing/2014/main" val="10000"/>
-                  </a:ext>
-                </a:extLst>
-              </a:tr>
-              <a:tr h="375920">
-                <a:tc>
-                  <a:txBody>
-                    <a:bodyPr/>
-                    <a:lstStyle/>
-                    <a:p>
-                      <a:r>
-                        <a:rPr lang="en-US" sz="1900" dirty="0"/>
-                        <a:t>Indicate a single</a:t>
-                      </a:r>
-                      <a:r>
-                        <a:rPr lang="en-US" sz="1900" baseline="0" dirty="0"/>
-                        <a:t> nucleotide</a:t>
-                      </a:r>
-                      <a:endParaRPr lang="en-US" sz="1900" dirty="0"/>
-                    </a:p>
-                  </a:txBody>
-                  <a:tcPr marL="121920" marR="121920">
-                    <a:lnL w="12700" cap="flat" cmpd="sng" algn="ctr">
-                      <a:solidFill>
-                        <a:scrgbClr r="0" g="0" b="0"/>
-                      </a:solidFill>
-                      <a:prstDash val="solid"/>
-                      <a:round/>
-                      <a:headEnd type="none" w="med" len="med"/>
-                      <a:tailEnd type="none" w="med" len="med"/>
-                    </a:lnL>
-                    <a:lnR w="12700" cap="flat" cmpd="sng" algn="ctr">
-                      <a:solidFill>
-                        <a:scrgbClr r="0" g="0" b="0"/>
-                      </a:solidFill>
-                      <a:prstDash val="solid"/>
-                      <a:round/>
-                      <a:headEnd type="none" w="med" len="med"/>
-                      <a:tailEnd type="none" w="med" len="med"/>
-                    </a:lnR>
-                    <a:lnT w="12700" cap="flat" cmpd="sng" algn="ctr">
-                      <a:solidFill>
-                        <a:scrgbClr r="0" g="0" b="0"/>
-                      </a:solidFill>
-                      <a:prstDash val="solid"/>
-                      <a:round/>
-                      <a:headEnd type="none" w="med" len="med"/>
-                      <a:tailEnd type="none" w="med" len="med"/>
-                    </a:lnT>
-                    <a:lnB w="12700" cap="flat" cmpd="sng" algn="ctr">
-                      <a:solidFill>
-                        <a:scrgbClr r="0" g="0" b="0"/>
-                      </a:solidFill>
-                      <a:prstDash val="solid"/>
-                      <a:round/>
-                      <a:headEnd type="none" w="med" len="med"/>
-                      <a:tailEnd type="none" w="med" len="med"/>
-                    </a:lnB>
-                  </a:tcPr>
-                </a:tc>
-                <a:tc>
-                  <a:txBody>
-                    <a:bodyPr/>
-                    <a:lstStyle/>
-                    <a:p>
-                      <a:r>
-                        <a:rPr lang="en-US" sz="1900" dirty="0"/>
-                        <a:t>chr1:4-4</a:t>
-                      </a:r>
-                      <a:r>
-                        <a:rPr lang="en-US" sz="1900" baseline="0" dirty="0"/>
-                        <a:t>   </a:t>
-                      </a:r>
-                      <a:r>
-                        <a:rPr lang="en-US" sz="1900" dirty="0"/>
-                        <a:t>G</a:t>
-                      </a:r>
-                    </a:p>
-                  </a:txBody>
-                  <a:tcPr marL="121920" marR="121920">
-                    <a:lnL w="12700" cap="flat" cmpd="sng" algn="ctr">
-                      <a:solidFill>
-                        <a:scrgbClr r="0" g="0" b="0"/>
-                      </a:solidFill>
-                      <a:prstDash val="solid"/>
-                      <a:round/>
-                      <a:headEnd type="none" w="med" len="med"/>
-                      <a:tailEnd type="none" w="med" len="med"/>
-                    </a:lnL>
-                    <a:lnR w="12700" cap="flat" cmpd="sng" algn="ctr">
-                      <a:solidFill>
-                        <a:scrgbClr r="0" g="0" b="0"/>
-                      </a:solidFill>
-                      <a:prstDash val="solid"/>
-                      <a:round/>
-                      <a:headEnd type="none" w="med" len="med"/>
-                      <a:tailEnd type="none" w="med" len="med"/>
-                    </a:lnR>
-                    <a:lnT w="12700" cap="flat" cmpd="sng" algn="ctr">
-                      <a:solidFill>
-                        <a:scrgbClr r="0" g="0" b="0"/>
-                      </a:solidFill>
-                      <a:prstDash val="solid"/>
-                      <a:round/>
-                      <a:headEnd type="none" w="med" len="med"/>
-                      <a:tailEnd type="none" w="med" len="med"/>
-                    </a:lnT>
-                    <a:lnB w="12700" cap="flat" cmpd="sng" algn="ctr">
-                      <a:solidFill>
-                        <a:scrgbClr r="0" g="0" b="0"/>
-                      </a:solidFill>
-                      <a:prstDash val="solid"/>
-                      <a:round/>
-                      <a:headEnd type="none" w="med" len="med"/>
-                      <a:tailEnd type="none" w="med" len="med"/>
-                    </a:lnB>
-                  </a:tcPr>
-                </a:tc>
-                <a:tc>
-                  <a:txBody>
-                    <a:bodyPr/>
-                    <a:lstStyle/>
-                    <a:p>
-                      <a:r>
-                        <a:rPr lang="en-US" sz="1900" dirty="0"/>
-                        <a:t>chr1</a:t>
-                      </a:r>
-                      <a:r>
-                        <a:rPr lang="en-US" sz="1900" baseline="0" dirty="0"/>
-                        <a:t>:3-4   G</a:t>
-                      </a:r>
-                      <a:endParaRPr lang="en-US" sz="1900" dirty="0"/>
-                    </a:p>
-                  </a:txBody>
-                  <a:tcPr marL="121920" marR="121920">
-                    <a:lnL w="12700" cap="flat" cmpd="sng" algn="ctr">
-                      <a:solidFill>
-                        <a:scrgbClr r="0" g="0" b="0"/>
-                      </a:solidFill>
-                      <a:prstDash val="solid"/>
-                      <a:round/>
-                      <a:headEnd type="none" w="med" len="med"/>
-                      <a:tailEnd type="none" w="med" len="med"/>
-                    </a:lnL>
-                    <a:lnR w="12700" cap="flat" cmpd="sng" algn="ctr">
-                      <a:solidFill>
-                        <a:scrgbClr r="0" g="0" b="0"/>
-                      </a:solidFill>
-                      <a:prstDash val="solid"/>
-                      <a:round/>
-                      <a:headEnd type="none" w="med" len="med"/>
-                      <a:tailEnd type="none" w="med" len="med"/>
-                    </a:lnR>
-                    <a:lnT w="12700" cap="flat" cmpd="sng" algn="ctr">
-                      <a:solidFill>
-                        <a:scrgbClr r="0" g="0" b="0"/>
-                      </a:solidFill>
-                      <a:prstDash val="solid"/>
-                      <a:round/>
-                      <a:headEnd type="none" w="med" len="med"/>
-                      <a:tailEnd type="none" w="med" len="med"/>
-                    </a:lnT>
-                    <a:lnB w="12700" cap="flat" cmpd="sng" algn="ctr">
-                      <a:solidFill>
-                        <a:scrgbClr r="0" g="0" b="0"/>
-                      </a:solidFill>
-                      <a:prstDash val="solid"/>
-                      <a:round/>
-                      <a:headEnd type="none" w="med" len="med"/>
-                      <a:tailEnd type="none" w="med" len="med"/>
-                    </a:lnB>
-                  </a:tcPr>
-                </a:tc>
-                <a:extLst>
-                  <a:ext uri="{0D108BD9-81ED-4DB2-BD59-A6C34878D82A}">
-                    <a16:rowId xmlns:a16="http://schemas.microsoft.com/office/drawing/2014/main" val="10001"/>
-                  </a:ext>
-                </a:extLst>
-              </a:tr>
-              <a:tr h="375920">
-                <a:tc>
-                  <a:txBody>
-                    <a:bodyPr/>
-                    <a:lstStyle/>
-                    <a:p>
-                      <a:r>
-                        <a:rPr lang="en-US" sz="1900" dirty="0"/>
-                        <a:t>Indicate a range</a:t>
-                      </a:r>
-                      <a:r>
-                        <a:rPr lang="en-US" sz="1900" baseline="0" dirty="0"/>
-                        <a:t> of nucleotides</a:t>
-                      </a:r>
-                      <a:endParaRPr lang="en-US" sz="1900" dirty="0"/>
-                    </a:p>
-                  </a:txBody>
-                  <a:tcPr marL="121920" marR="121920">
-                    <a:lnL w="12700" cap="flat" cmpd="sng" algn="ctr">
-                      <a:solidFill>
-                        <a:scrgbClr r="0" g="0" b="0"/>
-                      </a:solidFill>
-                      <a:prstDash val="solid"/>
-                      <a:round/>
-                      <a:headEnd type="none" w="med" len="med"/>
-                      <a:tailEnd type="none" w="med" len="med"/>
-                    </a:lnL>
-                    <a:lnR w="12700" cap="flat" cmpd="sng" algn="ctr">
-                      <a:solidFill>
-                        <a:scrgbClr r="0" g="0" b="0"/>
-                      </a:solidFill>
-                      <a:prstDash val="solid"/>
-                      <a:round/>
-                      <a:headEnd type="none" w="med" len="med"/>
-                      <a:tailEnd type="none" w="med" len="med"/>
-                    </a:lnR>
-                    <a:lnT w="12700" cap="flat" cmpd="sng" algn="ctr">
-                      <a:solidFill>
-                        <a:scrgbClr r="0" g="0" b="0"/>
-                      </a:solidFill>
-                      <a:prstDash val="solid"/>
-                      <a:round/>
-                      <a:headEnd type="none" w="med" len="med"/>
-                      <a:tailEnd type="none" w="med" len="med"/>
-                    </a:lnT>
-                    <a:lnB w="12700" cap="flat" cmpd="sng" algn="ctr">
-                      <a:solidFill>
-                        <a:scrgbClr r="0" g="0" b="0"/>
-                      </a:solidFill>
-                      <a:prstDash val="solid"/>
-                      <a:round/>
-                      <a:headEnd type="none" w="med" len="med"/>
-                      <a:tailEnd type="none" w="med" len="med"/>
-                    </a:lnB>
-                  </a:tcPr>
-                </a:tc>
-                <a:tc>
-                  <a:txBody>
-                    <a:bodyPr/>
-                    <a:lstStyle/>
-                    <a:p>
-                      <a:r>
-                        <a:rPr lang="en-US" sz="1900" dirty="0"/>
-                        <a:t>chr1:2-4   ACG</a:t>
-                      </a:r>
-                    </a:p>
-                  </a:txBody>
-                  <a:tcPr marL="121920" marR="121920">
-                    <a:lnL w="12700" cap="flat" cmpd="sng" algn="ctr">
-                      <a:solidFill>
-                        <a:scrgbClr r="0" g="0" b="0"/>
-                      </a:solidFill>
-                      <a:prstDash val="solid"/>
-                      <a:round/>
-                      <a:headEnd type="none" w="med" len="med"/>
-                      <a:tailEnd type="none" w="med" len="med"/>
-                    </a:lnL>
-                    <a:lnR w="12700" cap="flat" cmpd="sng" algn="ctr">
-                      <a:solidFill>
-                        <a:scrgbClr r="0" g="0" b="0"/>
-                      </a:solidFill>
-                      <a:prstDash val="solid"/>
-                      <a:round/>
-                      <a:headEnd type="none" w="med" len="med"/>
-                      <a:tailEnd type="none" w="med" len="med"/>
-                    </a:lnR>
-                    <a:lnT w="12700" cap="flat" cmpd="sng" algn="ctr">
-                      <a:solidFill>
-                        <a:scrgbClr r="0" g="0" b="0"/>
-                      </a:solidFill>
-                      <a:prstDash val="solid"/>
-                      <a:round/>
-                      <a:headEnd type="none" w="med" len="med"/>
-                      <a:tailEnd type="none" w="med" len="med"/>
-                    </a:lnT>
-                    <a:lnB w="12700" cap="flat" cmpd="sng" algn="ctr">
-                      <a:solidFill>
-                        <a:scrgbClr r="0" g="0" b="0"/>
-                      </a:solidFill>
-                      <a:prstDash val="solid"/>
-                      <a:round/>
-                      <a:headEnd type="none" w="med" len="med"/>
-                      <a:tailEnd type="none" w="med" len="med"/>
-                    </a:lnB>
-                  </a:tcPr>
-                </a:tc>
-                <a:tc>
-                  <a:txBody>
-                    <a:bodyPr/>
-                    <a:lstStyle/>
-                    <a:p>
-                      <a:r>
-                        <a:rPr lang="en-US" sz="1900" dirty="0"/>
-                        <a:t>chr1:1-4   ACG</a:t>
-                      </a:r>
-                    </a:p>
-                  </a:txBody>
-                  <a:tcPr marL="121920" marR="121920">
-                    <a:lnL w="12700" cap="flat" cmpd="sng" algn="ctr">
-                      <a:solidFill>
-                        <a:scrgbClr r="0" g="0" b="0"/>
-                      </a:solidFill>
-                      <a:prstDash val="solid"/>
-                      <a:round/>
-                      <a:headEnd type="none" w="med" len="med"/>
-                      <a:tailEnd type="none" w="med" len="med"/>
-                    </a:lnL>
-                    <a:lnR w="12700" cap="flat" cmpd="sng" algn="ctr">
-                      <a:solidFill>
-                        <a:scrgbClr r="0" g="0" b="0"/>
-                      </a:solidFill>
-                      <a:prstDash val="solid"/>
-                      <a:round/>
-                      <a:headEnd type="none" w="med" len="med"/>
-                      <a:tailEnd type="none" w="med" len="med"/>
-                    </a:lnR>
-                    <a:lnT w="12700" cap="flat" cmpd="sng" algn="ctr">
-                      <a:solidFill>
-                        <a:scrgbClr r="0" g="0" b="0"/>
-                      </a:solidFill>
-                      <a:prstDash val="solid"/>
-                      <a:round/>
-                      <a:headEnd type="none" w="med" len="med"/>
-                      <a:tailEnd type="none" w="med" len="med"/>
-                    </a:lnT>
-                    <a:lnB w="12700" cap="flat" cmpd="sng" algn="ctr">
-                      <a:solidFill>
-                        <a:scrgbClr r="0" g="0" b="0"/>
-                      </a:solidFill>
-                      <a:prstDash val="solid"/>
-                      <a:round/>
-                      <a:headEnd type="none" w="med" len="med"/>
-                      <a:tailEnd type="none" w="med" len="med"/>
-                    </a:lnB>
-                  </a:tcPr>
-                </a:tc>
-                <a:extLst>
-                  <a:ext uri="{0D108BD9-81ED-4DB2-BD59-A6C34878D82A}">
-                    <a16:rowId xmlns:a16="http://schemas.microsoft.com/office/drawing/2014/main" val="10002"/>
-                  </a:ext>
-                </a:extLst>
-              </a:tr>
-              <a:tr h="375920">
-                <a:tc>
-                  <a:txBody>
-                    <a:bodyPr/>
-                    <a:lstStyle/>
-                    <a:p>
-                      <a:r>
-                        <a:rPr lang="en-US" sz="1900" dirty="0"/>
-                        <a:t>Indicate a single nucleotide</a:t>
-                      </a:r>
-                      <a:r>
-                        <a:rPr lang="en-US" sz="1900" baseline="0" dirty="0"/>
-                        <a:t> variant</a:t>
-                      </a:r>
-                      <a:endParaRPr lang="en-US" sz="1900" dirty="0"/>
-                    </a:p>
-                  </a:txBody>
-                  <a:tcPr marL="121920" marR="121920">
-                    <a:lnL w="12700" cap="flat" cmpd="sng" algn="ctr">
-                      <a:solidFill>
-                        <a:scrgbClr r="0" g="0" b="0"/>
-                      </a:solidFill>
-                      <a:prstDash val="solid"/>
-                      <a:round/>
-                      <a:headEnd type="none" w="med" len="med"/>
-                      <a:tailEnd type="none" w="med" len="med"/>
-                    </a:lnL>
-                    <a:lnR w="12700" cap="flat" cmpd="sng" algn="ctr">
-                      <a:solidFill>
-                        <a:scrgbClr r="0" g="0" b="0"/>
-                      </a:solidFill>
-                      <a:prstDash val="solid"/>
-                      <a:round/>
-                      <a:headEnd type="none" w="med" len="med"/>
-                      <a:tailEnd type="none" w="med" len="med"/>
-                    </a:lnR>
-                    <a:lnT w="12700" cap="flat" cmpd="sng" algn="ctr">
-                      <a:solidFill>
-                        <a:scrgbClr r="0" g="0" b="0"/>
-                      </a:solidFill>
-                      <a:prstDash val="solid"/>
-                      <a:round/>
-                      <a:headEnd type="none" w="med" len="med"/>
-                      <a:tailEnd type="none" w="med" len="med"/>
-                    </a:lnT>
-                    <a:lnB w="12700" cap="flat" cmpd="sng" algn="ctr">
-                      <a:solidFill>
-                        <a:scrgbClr r="0" g="0" b="0"/>
-                      </a:solidFill>
-                      <a:prstDash val="solid"/>
-                      <a:round/>
-                      <a:headEnd type="none" w="med" len="med"/>
-                      <a:tailEnd type="none" w="med" len="med"/>
-                    </a:lnB>
-                  </a:tcPr>
-                </a:tc>
-                <a:tc>
-                  <a:txBody>
-                    <a:bodyPr/>
-                    <a:lstStyle/>
-                    <a:p>
-                      <a:r>
-                        <a:rPr lang="en-US" sz="1900" dirty="0"/>
-                        <a:t>chr1:5-5   T/A</a:t>
-                      </a:r>
-                    </a:p>
-                  </a:txBody>
-                  <a:tcPr marL="121920" marR="121920">
-                    <a:lnL w="12700" cap="flat" cmpd="sng" algn="ctr">
-                      <a:solidFill>
-                        <a:scrgbClr r="0" g="0" b="0"/>
-                      </a:solidFill>
-                      <a:prstDash val="solid"/>
-                      <a:round/>
-                      <a:headEnd type="none" w="med" len="med"/>
-                      <a:tailEnd type="none" w="med" len="med"/>
-                    </a:lnL>
-                    <a:lnR w="12700" cap="flat" cmpd="sng" algn="ctr">
-                      <a:solidFill>
-                        <a:scrgbClr r="0" g="0" b="0"/>
-                      </a:solidFill>
-                      <a:prstDash val="solid"/>
-                      <a:round/>
-                      <a:headEnd type="none" w="med" len="med"/>
-                      <a:tailEnd type="none" w="med" len="med"/>
-                    </a:lnR>
-                    <a:lnT w="12700" cap="flat" cmpd="sng" algn="ctr">
-                      <a:solidFill>
-                        <a:scrgbClr r="0" g="0" b="0"/>
-                      </a:solidFill>
-                      <a:prstDash val="solid"/>
-                      <a:round/>
-                      <a:headEnd type="none" w="med" len="med"/>
-                      <a:tailEnd type="none" w="med" len="med"/>
-                    </a:lnT>
-                    <a:lnB w="12700" cap="flat" cmpd="sng" algn="ctr">
-                      <a:solidFill>
-                        <a:scrgbClr r="0" g="0" b="0"/>
-                      </a:solidFill>
-                      <a:prstDash val="solid"/>
-                      <a:round/>
-                      <a:headEnd type="none" w="med" len="med"/>
-                      <a:tailEnd type="none" w="med" len="med"/>
-                    </a:lnB>
-                  </a:tcPr>
-                </a:tc>
-                <a:tc>
-                  <a:txBody>
-                    <a:bodyPr/>
-                    <a:lstStyle/>
-                    <a:p>
-                      <a:r>
-                        <a:rPr lang="en-US" sz="1900" dirty="0"/>
-                        <a:t>chr1:4-5   T/A</a:t>
-                      </a:r>
-                    </a:p>
-                  </a:txBody>
-                  <a:tcPr marL="121920" marR="121920">
-                    <a:lnL w="12700" cap="flat" cmpd="sng" algn="ctr">
-                      <a:solidFill>
-                        <a:scrgbClr r="0" g="0" b="0"/>
-                      </a:solidFill>
-                      <a:prstDash val="solid"/>
-                      <a:round/>
-                      <a:headEnd type="none" w="med" len="med"/>
-                      <a:tailEnd type="none" w="med" len="med"/>
-                    </a:lnL>
-                    <a:lnR w="12700" cap="flat" cmpd="sng" algn="ctr">
-                      <a:solidFill>
-                        <a:scrgbClr r="0" g="0" b="0"/>
-                      </a:solidFill>
-                      <a:prstDash val="solid"/>
-                      <a:round/>
-                      <a:headEnd type="none" w="med" len="med"/>
-                      <a:tailEnd type="none" w="med" len="med"/>
-                    </a:lnR>
-                    <a:lnT w="12700" cap="flat" cmpd="sng" algn="ctr">
-                      <a:solidFill>
-                        <a:scrgbClr r="0" g="0" b="0"/>
-                      </a:solidFill>
-                      <a:prstDash val="solid"/>
-                      <a:round/>
-                      <a:headEnd type="none" w="med" len="med"/>
-                      <a:tailEnd type="none" w="med" len="med"/>
-                    </a:lnT>
-                    <a:lnB w="12700" cap="flat" cmpd="sng" algn="ctr">
-                      <a:solidFill>
-                        <a:scrgbClr r="0" g="0" b="0"/>
-                      </a:solidFill>
-                      <a:prstDash val="solid"/>
-                      <a:round/>
-                      <a:headEnd type="none" w="med" len="med"/>
-                      <a:tailEnd type="none" w="med" len="med"/>
-                    </a:lnB>
-                  </a:tcPr>
-                </a:tc>
-                <a:extLst>
-                  <a:ext uri="{0D108BD9-81ED-4DB2-BD59-A6C34878D82A}">
-                    <a16:rowId xmlns:a16="http://schemas.microsoft.com/office/drawing/2014/main" val="10003"/>
-                  </a:ext>
-                </a:extLst>
-              </a:tr>
-            </a:tbl>
-          </a:graphicData>
-        </a:graphic>
-      </p:graphicFrame>
-      <p:sp>
-        <p:nvSpPr>
-          <p:cNvPr id="6" name="Content Placeholder 2"/>
-          <p:cNvSpPr txBox="1">
-            <a:spLocks/>
-          </p:cNvSpPr>
-          <p:nvPr/>
-        </p:nvSpPr>
-        <p:spPr>
-          <a:xfrm>
-            <a:off x="609600" y="4270613"/>
-            <a:ext cx="10972800" cy="2187997"/>
-          </a:xfrm>
-          <a:prstGeom prst="rect">
-            <a:avLst/>
-          </a:prstGeom>
-        </p:spPr>
-        <p:txBody>
-          <a:bodyPr vert="horz" lIns="121920" tIns="60960" rIns="121920" bIns="60960" rtlCol="0">
-            <a:normAutofit fontScale="47500" lnSpcReduction="20000"/>
-          </a:bodyPr>
-          <a:lstStyle>
-            <a:lvl1pPr marL="342900" indent="-342900" algn="l" defTabSz="457200" rtl="0" eaLnBrk="1" latinLnBrk="0" hangingPunct="1">
-              <a:spcBef>
-                <a:spcPct val="20000"/>
-              </a:spcBef>
-              <a:buFont typeface="Arial"/>
-              <a:buChar char="•"/>
-              <a:defRPr sz="3200" kern="1200">
-                <a:solidFill>
-                  <a:schemeClr val="tx1"/>
-                </a:solidFill>
-                <a:latin typeface="+mn-lt"/>
-                <a:ea typeface="+mn-ea"/>
-                <a:cs typeface="+mn-cs"/>
-              </a:defRPr>
-            </a:lvl1pPr>
-            <a:lvl2pPr marL="742950" indent="-285750" algn="l" defTabSz="457200" rtl="0" eaLnBrk="1" latinLnBrk="0" hangingPunct="1">
-              <a:spcBef>
-                <a:spcPct val="20000"/>
-              </a:spcBef>
-              <a:buFont typeface="Arial"/>
-              <a:buChar char="–"/>
-              <a:defRPr sz="2800" kern="1200">
-                <a:solidFill>
-                  <a:schemeClr val="tx1"/>
-                </a:solidFill>
-                <a:latin typeface="+mn-lt"/>
-                <a:ea typeface="+mn-ea"/>
-                <a:cs typeface="+mn-cs"/>
-              </a:defRPr>
-            </a:lvl2pPr>
-            <a:lvl3pPr marL="1143000" indent="-228600" algn="l" defTabSz="457200" rtl="0" eaLnBrk="1" latinLnBrk="0" hangingPunct="1">
-              <a:spcBef>
-                <a:spcPct val="20000"/>
-              </a:spcBef>
-              <a:buFont typeface="Arial"/>
-              <a:buChar char="•"/>
-              <a:defRPr sz="2400" kern="1200">
-                <a:solidFill>
-                  <a:schemeClr val="tx1"/>
-                </a:solidFill>
-                <a:latin typeface="+mn-lt"/>
-                <a:ea typeface="+mn-ea"/>
-                <a:cs typeface="+mn-cs"/>
-              </a:defRPr>
-            </a:lvl3pPr>
-            <a:lvl4pPr marL="1600200" indent="-228600" algn="l" defTabSz="457200" rtl="0" eaLnBrk="1" latinLnBrk="0" hangingPunct="1">
-              <a:spcBef>
-                <a:spcPct val="20000"/>
-              </a:spcBef>
-              <a:buFont typeface="Arial"/>
-              <a:buChar char="–"/>
-              <a:defRPr sz="2000" kern="1200">
-                <a:solidFill>
-                  <a:schemeClr val="tx1"/>
-                </a:solidFill>
-                <a:latin typeface="+mn-lt"/>
-                <a:ea typeface="+mn-ea"/>
-                <a:cs typeface="+mn-cs"/>
-              </a:defRPr>
-            </a:lvl4pPr>
-            <a:lvl5pPr marL="2057400" indent="-228600" algn="l" defTabSz="457200" rtl="0" eaLnBrk="1" latinLnBrk="0" hangingPunct="1">
-              <a:spcBef>
-                <a:spcPct val="20000"/>
-              </a:spcBef>
-              <a:buFont typeface="Arial"/>
-              <a:buChar char="»"/>
-              <a:defRPr sz="2000" kern="1200">
-                <a:solidFill>
-                  <a:schemeClr val="tx1"/>
-                </a:solidFill>
-                <a:latin typeface="+mn-lt"/>
-                <a:ea typeface="+mn-ea"/>
-                <a:cs typeface="+mn-cs"/>
-              </a:defRPr>
-            </a:lvl5pPr>
-            <a:lvl6pPr marL="2514600" indent="-228600" algn="l" defTabSz="457200" rtl="0" eaLnBrk="1" latinLnBrk="0" hangingPunct="1">
-              <a:spcBef>
-                <a:spcPct val="20000"/>
-              </a:spcBef>
-              <a:buFont typeface="Arial"/>
-              <a:buChar char="•"/>
-              <a:defRPr sz="2000" kern="1200">
-                <a:solidFill>
-                  <a:schemeClr val="tx1"/>
-                </a:solidFill>
-                <a:latin typeface="+mn-lt"/>
-                <a:ea typeface="+mn-ea"/>
-                <a:cs typeface="+mn-cs"/>
-              </a:defRPr>
-            </a:lvl6pPr>
-            <a:lvl7pPr marL="2971800" indent="-228600" algn="l" defTabSz="457200" rtl="0" eaLnBrk="1" latinLnBrk="0" hangingPunct="1">
-              <a:spcBef>
-                <a:spcPct val="20000"/>
-              </a:spcBef>
-              <a:buFont typeface="Arial"/>
-              <a:buChar char="•"/>
-              <a:defRPr sz="2000" kern="1200">
-                <a:solidFill>
-                  <a:schemeClr val="tx1"/>
-                </a:solidFill>
-                <a:latin typeface="+mn-lt"/>
-                <a:ea typeface="+mn-ea"/>
-                <a:cs typeface="+mn-cs"/>
-              </a:defRPr>
-            </a:lvl7pPr>
-            <a:lvl8pPr marL="3429000" indent="-228600" algn="l" defTabSz="457200" rtl="0" eaLnBrk="1" latinLnBrk="0" hangingPunct="1">
-              <a:spcBef>
-                <a:spcPct val="20000"/>
-              </a:spcBef>
-              <a:buFont typeface="Arial"/>
-              <a:buChar char="•"/>
-              <a:defRPr sz="2000" kern="1200">
-                <a:solidFill>
-                  <a:schemeClr val="tx1"/>
-                </a:solidFill>
-                <a:latin typeface="+mn-lt"/>
-                <a:ea typeface="+mn-ea"/>
-                <a:cs typeface="+mn-cs"/>
-              </a:defRPr>
-            </a:lvl8pPr>
-            <a:lvl9pPr marL="3886200" indent="-228600" algn="l" defTabSz="457200" rtl="0" eaLnBrk="1" latinLnBrk="0" hangingPunct="1">
-              <a:spcBef>
-                <a:spcPct val="20000"/>
-              </a:spcBef>
-              <a:buFont typeface="Arial"/>
-              <a:buChar char="•"/>
-              <a:defRPr sz="2000" kern="1200">
-                <a:solidFill>
-                  <a:schemeClr val="tx1"/>
-                </a:solidFill>
-                <a:latin typeface="+mn-lt"/>
-                <a:ea typeface="+mn-ea"/>
-                <a:cs typeface="+mn-cs"/>
-              </a:defRPr>
-            </a:lvl9pPr>
-          </a:lstStyle>
-          <a:p>
-            <a:r>
-              <a:rPr lang="en-US" sz="4267" dirty="0">
-                <a:latin typeface="Calibri" panose="020F0502020204030204" pitchFamily="34" charset="0"/>
-                <a:cs typeface="Calibri" panose="020F0502020204030204" pitchFamily="34" charset="0"/>
-              </a:rPr>
-              <a:t>1-based coordinate system</a:t>
-            </a:r>
-          </a:p>
-          <a:p>
-            <a:pPr lvl="1"/>
-            <a:r>
-              <a:rPr lang="en-US" sz="3733" dirty="0">
-                <a:latin typeface="Calibri" panose="020F0502020204030204" pitchFamily="34" charset="0"/>
-                <a:cs typeface="Calibri" panose="020F0502020204030204" pitchFamily="34" charset="0"/>
-              </a:rPr>
-              <a:t>Single nucleotides, variant positions, or ranges are specified directly by their corresponding nucleotide numbers</a:t>
-            </a:r>
-          </a:p>
-          <a:p>
-            <a:pPr lvl="1"/>
-            <a:r>
-              <a:rPr lang="en-US" sz="3733" dirty="0">
-                <a:latin typeface="Calibri" panose="020F0502020204030204" pitchFamily="34" charset="0"/>
-                <a:cs typeface="Calibri" panose="020F0502020204030204" pitchFamily="34" charset="0"/>
-              </a:rPr>
-              <a:t>GFF, SAM, VCF, </a:t>
-            </a:r>
-            <a:r>
-              <a:rPr lang="en-US" sz="3733" dirty="0" err="1">
-                <a:latin typeface="Calibri" panose="020F0502020204030204" pitchFamily="34" charset="0"/>
-                <a:cs typeface="Calibri" panose="020F0502020204030204" pitchFamily="34" charset="0"/>
-              </a:rPr>
-              <a:t>Ensembl</a:t>
-            </a:r>
-            <a:r>
-              <a:rPr lang="en-US" sz="3733" dirty="0">
-                <a:latin typeface="Calibri" panose="020F0502020204030204" pitchFamily="34" charset="0"/>
-                <a:cs typeface="Calibri" panose="020F0502020204030204" pitchFamily="34" charset="0"/>
-              </a:rPr>
-              <a:t> browser, </a:t>
-            </a:r>
-            <a:r>
-              <a:rPr lang="is-IS" sz="3733" dirty="0">
-                <a:latin typeface="Calibri" panose="020F0502020204030204" pitchFamily="34" charset="0"/>
-                <a:cs typeface="Calibri" panose="020F0502020204030204" pitchFamily="34" charset="0"/>
-              </a:rPr>
-              <a:t>…</a:t>
-            </a:r>
-            <a:endParaRPr lang="en-US" sz="3733" dirty="0">
-              <a:latin typeface="Calibri" panose="020F0502020204030204" pitchFamily="34" charset="0"/>
-              <a:cs typeface="Calibri" panose="020F0502020204030204" pitchFamily="34" charset="0"/>
-            </a:endParaRPr>
-          </a:p>
-          <a:p>
-            <a:r>
-              <a:rPr lang="en-US" sz="4267" dirty="0">
-                <a:latin typeface="Calibri" panose="020F0502020204030204" pitchFamily="34" charset="0"/>
-                <a:cs typeface="Calibri" panose="020F0502020204030204" pitchFamily="34" charset="0"/>
-              </a:rPr>
-              <a:t>0-based coordinate system</a:t>
-            </a:r>
-          </a:p>
-          <a:p>
-            <a:pPr lvl="1"/>
-            <a:r>
-              <a:rPr lang="en-US" sz="3733" dirty="0">
-                <a:latin typeface="Calibri" panose="020F0502020204030204" pitchFamily="34" charset="0"/>
-                <a:cs typeface="Calibri" panose="020F0502020204030204" pitchFamily="34" charset="0"/>
-              </a:rPr>
-              <a:t>Single nucleotides, variant positions, or ranges are specified by the coordinates that flank them</a:t>
-            </a:r>
-          </a:p>
-          <a:p>
-            <a:pPr lvl="1"/>
-            <a:r>
-              <a:rPr lang="en-US" sz="3733" dirty="0">
-                <a:latin typeface="Calibri" panose="020F0502020204030204" pitchFamily="34" charset="0"/>
-                <a:cs typeface="Calibri" panose="020F0502020204030204" pitchFamily="34" charset="0"/>
-              </a:rPr>
-              <a:t>BED, BAM, UCSC browser, </a:t>
-            </a:r>
-            <a:r>
-              <a:rPr lang="is-IS" sz="3733" dirty="0">
-                <a:latin typeface="Calibri" panose="020F0502020204030204" pitchFamily="34" charset="0"/>
-                <a:cs typeface="Calibri" panose="020F0502020204030204" pitchFamily="34" charset="0"/>
-              </a:rPr>
-              <a:t>…</a:t>
-            </a:r>
-            <a:endParaRPr lang="en-US" sz="3733" dirty="0">
-              <a:latin typeface="Calibri" panose="020F0502020204030204" pitchFamily="34" charset="0"/>
-              <a:cs typeface="Calibri" panose="020F0502020204030204" pitchFamily="34" charset="0"/>
-            </a:endParaRPr>
-          </a:p>
-        </p:txBody>
-      </p:sp>
-    </p:spTree>
-    <p:extLst>
-      <p:ext uri="{BB962C8B-B14F-4D97-AF65-F5344CB8AC3E}">
-        <p14:creationId xmlns:p14="http://schemas.microsoft.com/office/powerpoint/2010/main" val="807484715"/>
-      </p:ext>
-    </p:extLst>
-  </p:cSld>
-  <p:clrMapOvr>
-    <a:masterClrMapping/>
-  </p:clrMapOvr>
-</p:sld>
-</file>
-
-<file path=ppt/slides/slide5.xml><?xml version="1.0" encoding="utf-8"?>
-<p:sld xmlns:a="http://schemas.openxmlformats.org/drawingml/2006/main" xmlns:r="http://schemas.openxmlformats.org/officeDocument/2006/relationships" xmlns:p="http://schemas.openxmlformats.org/presentationml/2006/main">
-  <p:cSld>
-    <p:spTree>
-      <p:nvGrpSpPr>
-        <p:cNvPr id="1" name=""/>
-        <p:cNvGrpSpPr/>
-        <p:nvPr/>
-      </p:nvGrpSpPr>
-      <p:grpSpPr>
-        <a:xfrm>
-          <a:off x="0" y="0"/>
-          <a:ext cx="0" cy="0"/>
-          <a:chOff x="0" y="0"/>
-          <a:chExt cx="0" cy="0"/>
-        </a:xfrm>
-      </p:grpSpPr>
-      <p:sp>
-        <p:nvSpPr>
-          <p:cNvPr id="2" name="Title 1"/>
-          <p:cNvSpPr>
-            <a:spLocks noGrp="1"/>
-          </p:cNvSpPr>
-          <p:nvPr>
-            <p:ph type="title"/>
-          </p:nvPr>
-        </p:nvSpPr>
-        <p:spPr>
-          <a:xfrm>
-            <a:off x="838200" y="39307"/>
-            <a:ext cx="11038490" cy="692153"/>
-          </a:xfrm>
-        </p:spPr>
-        <p:txBody>
-          <a:bodyPr>
-            <a:normAutofit/>
-          </a:bodyPr>
-          <a:lstStyle/>
-          <a:p>
-            <a:r>
-              <a:rPr lang="en-US" sz="3600" dirty="0">
-                <a:latin typeface="Calibri" panose="020F0502020204030204" pitchFamily="34" charset="0"/>
-                <a:cs typeface="Calibri" panose="020F0502020204030204" pitchFamily="34" charset="0"/>
-              </a:rPr>
-              <a:t>Variant shifting (alignment) and parsimony/trimming</a:t>
-            </a:r>
-          </a:p>
-        </p:txBody>
-      </p:sp>
-      <p:pic>
-        <p:nvPicPr>
-          <p:cNvPr id="5" name="Content Placeholder 4" descr="Screenshot 2018-08-04 16.17.11.png"/>
-          <p:cNvPicPr>
-            <a:picLocks noGrp="1" noChangeAspect="1"/>
-          </p:cNvPicPr>
-          <p:nvPr>
-            <p:ph idx="1"/>
-          </p:nvPr>
-        </p:nvPicPr>
-        <p:blipFill rotWithShape="1">
-          <a:blip r:embed="rId3">
-            <a:extLst>
-              <a:ext uri="{28A0092B-C50C-407E-A947-70E740481C1C}">
-                <a14:useLocalDpi xmlns:a14="http://schemas.microsoft.com/office/drawing/2010/main" val="0"/>
-              </a:ext>
-            </a:extLst>
-          </a:blip>
-          <a:srcRect l="396" t="3590" r="2507"/>
-          <a:stretch/>
-        </p:blipFill>
-        <p:spPr>
-          <a:xfrm>
-            <a:off x="609600" y="814387"/>
-            <a:ext cx="7823200" cy="5553295"/>
-          </a:xfrm>
-        </p:spPr>
-      </p:pic>
-      <p:sp>
-        <p:nvSpPr>
-          <p:cNvPr id="6" name="Rectangle 5"/>
-          <p:cNvSpPr/>
-          <p:nvPr/>
-        </p:nvSpPr>
-        <p:spPr>
-          <a:xfrm>
-            <a:off x="8432800" y="1295400"/>
-            <a:ext cx="3759200" cy="1569660"/>
-          </a:xfrm>
-          <a:prstGeom prst="rect">
-            <a:avLst/>
-          </a:prstGeom>
-        </p:spPr>
-        <p:txBody>
-          <a:bodyPr wrap="square">
-            <a:spAutoFit/>
-          </a:bodyPr>
-          <a:lstStyle/>
-          <a:p>
-            <a:r>
-              <a:rPr lang="en-US" sz="2400" dirty="0">
-                <a:latin typeface="Calibri" panose="020F0502020204030204" pitchFamily="34" charset="0"/>
-                <a:cs typeface="Calibri" panose="020F0502020204030204" pitchFamily="34" charset="0"/>
-              </a:rPr>
-              <a:t>Parsimony = representing variant in as few nucleotides as possible without reducing the length of any allele to 0</a:t>
-            </a:r>
-          </a:p>
-        </p:txBody>
-      </p:sp>
-      <p:sp>
-        <p:nvSpPr>
-          <p:cNvPr id="7" name="Rectangle 6"/>
-          <p:cNvSpPr/>
-          <p:nvPr/>
-        </p:nvSpPr>
-        <p:spPr>
-          <a:xfrm>
-            <a:off x="8432800" y="3429000"/>
-            <a:ext cx="3759200" cy="1569660"/>
-          </a:xfrm>
-          <a:prstGeom prst="rect">
-            <a:avLst/>
-          </a:prstGeom>
-        </p:spPr>
-        <p:txBody>
-          <a:bodyPr wrap="square">
-            <a:spAutoFit/>
-          </a:bodyPr>
-          <a:lstStyle/>
-          <a:p>
-            <a:r>
-              <a:rPr lang="en-US" sz="2400" dirty="0">
-                <a:latin typeface="Calibri" panose="020F0502020204030204" pitchFamily="34" charset="0"/>
-                <a:cs typeface="Calibri" panose="020F0502020204030204" pitchFamily="34" charset="0"/>
-              </a:rPr>
-              <a:t>Left (right) aligning = shifting the start position of a variant as far to the left (right) as possible</a:t>
-            </a:r>
-          </a:p>
-        </p:txBody>
-      </p:sp>
-    </p:spTree>
-    <p:extLst>
-      <p:ext uri="{BB962C8B-B14F-4D97-AF65-F5344CB8AC3E}">
-        <p14:creationId xmlns:p14="http://schemas.microsoft.com/office/powerpoint/2010/main" val="1345127751"/>
-      </p:ext>
-    </p:extLst>
-  </p:cSld>
-  <p:clrMapOvr>
-    <a:masterClrMapping/>
-  </p:clrMapOvr>
-</p:sld>
-</file>
-
-<file path=ppt/slides/slide6.xml><?xml version="1.0" encoding="utf-8"?>
-<p:sld xmlns:a="http://schemas.openxmlformats.org/drawingml/2006/main" xmlns:r="http://schemas.openxmlformats.org/officeDocument/2006/relationships" xmlns:p="http://schemas.openxmlformats.org/presentationml/2006/main">
-  <p:cSld>
-    <p:spTree>
-      <p:nvGrpSpPr>
-        <p:cNvPr id="1" name=""/>
-        <p:cNvGrpSpPr/>
-        <p:nvPr/>
-      </p:nvGrpSpPr>
-      <p:grpSpPr>
-        <a:xfrm>
-          <a:off x="0" y="0"/>
-          <a:ext cx="0" cy="0"/>
-          <a:chOff x="0" y="0"/>
-          <a:chExt cx="0" cy="0"/>
-        </a:xfrm>
-      </p:grpSpPr>
-      <p:sp>
-        <p:nvSpPr>
           <p:cNvPr id="15361" name="Title 1"/>
           <p:cNvSpPr>
             <a:spLocks noGrp="1"/>
@@ -17030,7 +12560,7 @@
 </p:sld>
 </file>
 
-<file path=ppt/slides/slide7.xml><?xml version="1.0" encoding="utf-8"?>
+<file path=ppt/slides/slide4.xml><?xml version="1.0" encoding="utf-8"?>
 <p:sld xmlns:a="http://schemas.openxmlformats.org/drawingml/2006/main" xmlns:r="http://schemas.openxmlformats.org/officeDocument/2006/relationships" xmlns:p="http://schemas.openxmlformats.org/presentationml/2006/main">
   <p:cSld>
     <p:spTree>
@@ -17156,14 +12686,14 @@
           </a:ln>
           <a:extLst>
             <a:ext uri="{909E8E84-426E-40dd-AFC4-6F175D3DCCD1}">
-              <a14:hiddenFill xmlns="" xmlns:a14="http://schemas.microsoft.com/office/drawing/2010/main">
+              <a14:hiddenFill xmlns:a14="http://schemas.microsoft.com/office/drawing/2010/main" xmlns="">
                 <a:solidFill>
                   <a:srgbClr val="FFFFFF"/>
                 </a:solidFill>
               </a14:hiddenFill>
             </a:ext>
             <a:ext uri="{91240B29-F687-4f45-9708-019B960494DF}">
-              <a14:hiddenLine xmlns="" xmlns:a14="http://schemas.microsoft.com/office/drawing/2010/main" w="9525">
+              <a14:hiddenLine xmlns:a14="http://schemas.microsoft.com/office/drawing/2010/main" xmlns="" w="9525">
                 <a:solidFill>
                   <a:srgbClr val="000000"/>
                 </a:solidFill>
@@ -17173,7 +12703,7 @@
               </a14:hiddenLine>
             </a:ext>
             <a:ext uri="{FAA26D3D-D897-4be2-8F04-BA451C77F1D7}">
-              <ma14:placeholderFlag xmlns="" xmlns:ma14="http://schemas.microsoft.com/office/mac/drawingml/2011/main" val="1"/>
+              <ma14:placeholderFlag xmlns:ma14="http://schemas.microsoft.com/office/mac/drawingml/2011/main" xmlns="" val="1"/>
             </a:ext>
           </a:extLst>
         </p:spPr>
@@ -17213,14 +12743,14 @@
           </a:ln>
           <a:extLst>
             <a:ext uri="{909E8E84-426E-40dd-AFC4-6F175D3DCCD1}">
-              <a14:hiddenFill xmlns="" xmlns:a14="http://schemas.microsoft.com/office/drawing/2010/main">
+              <a14:hiddenFill xmlns:a14="http://schemas.microsoft.com/office/drawing/2010/main" xmlns="">
                 <a:solidFill>
                   <a:srgbClr val="FFFFFF"/>
                 </a:solidFill>
               </a14:hiddenFill>
             </a:ext>
             <a:ext uri="{91240B29-F687-4f45-9708-019B960494DF}">
-              <a14:hiddenLine xmlns="" xmlns:a14="http://schemas.microsoft.com/office/drawing/2010/main" w="9525">
+              <a14:hiddenLine xmlns:a14="http://schemas.microsoft.com/office/drawing/2010/main" xmlns="" w="9525">
                 <a:solidFill>
                   <a:srgbClr val="000000"/>
                 </a:solidFill>
@@ -17230,7 +12760,7 @@
               </a14:hiddenLine>
             </a:ext>
             <a:ext uri="{FAA26D3D-D897-4be2-8F04-BA451C77F1D7}">
-              <ma14:placeholderFlag xmlns="" xmlns:ma14="http://schemas.microsoft.com/office/mac/drawingml/2011/main" val="1"/>
+              <ma14:placeholderFlag xmlns:ma14="http://schemas.microsoft.com/office/mac/drawingml/2011/main" xmlns="" val="1"/>
             </a:ext>
           </a:extLst>
         </p:spPr>
@@ -17257,14 +12787,14 @@
           </a:ln>
           <a:extLst>
             <a:ext uri="{909E8E84-426E-40dd-AFC4-6F175D3DCCD1}">
-              <a14:hiddenFill xmlns="" xmlns:a14="http://schemas.microsoft.com/office/drawing/2010/main">
+              <a14:hiddenFill xmlns:a14="http://schemas.microsoft.com/office/drawing/2010/main" xmlns="">
                 <a:solidFill>
                   <a:srgbClr val="FFFFFF"/>
                 </a:solidFill>
               </a14:hiddenFill>
             </a:ext>
             <a:ext uri="{91240B29-F687-4f45-9708-019B960494DF}">
-              <a14:hiddenLine xmlns="" xmlns:a14="http://schemas.microsoft.com/office/drawing/2010/main" w="9525">
+              <a14:hiddenLine xmlns:a14="http://schemas.microsoft.com/office/drawing/2010/main" xmlns="" w="9525">
                 <a:solidFill>
                   <a:srgbClr val="000000"/>
                 </a:solidFill>
@@ -17446,14 +12976,14 @@
           </a:ln>
           <a:extLst>
             <a:ext uri="{909E8E84-426E-40dd-AFC4-6F175D3DCCD1}">
-              <a14:hiddenFill xmlns="" xmlns:a14="http://schemas.microsoft.com/office/drawing/2010/main">
+              <a14:hiddenFill xmlns:a14="http://schemas.microsoft.com/office/drawing/2010/main" xmlns="">
                 <a:solidFill>
                   <a:srgbClr val="FFFFFF"/>
                 </a:solidFill>
               </a14:hiddenFill>
             </a:ext>
             <a:ext uri="{91240B29-F687-4f45-9708-019B960494DF}">
-              <a14:hiddenLine xmlns="" xmlns:a14="http://schemas.microsoft.com/office/drawing/2010/main" w="9525">
+              <a14:hiddenLine xmlns:a14="http://schemas.microsoft.com/office/drawing/2010/main" xmlns="" w="9525">
                 <a:solidFill>
                   <a:srgbClr val="000000"/>
                 </a:solidFill>
@@ -17635,14 +13165,14 @@
           </a:ln>
           <a:extLst>
             <a:ext uri="{909E8E84-426E-40dd-AFC4-6F175D3DCCD1}">
-              <a14:hiddenFill xmlns="" xmlns:a14="http://schemas.microsoft.com/office/drawing/2010/main">
+              <a14:hiddenFill xmlns:a14="http://schemas.microsoft.com/office/drawing/2010/main" xmlns="">
                 <a:solidFill>
                   <a:srgbClr val="FFFFFF"/>
                 </a:solidFill>
               </a14:hiddenFill>
             </a:ext>
             <a:ext uri="{91240B29-F687-4f45-9708-019B960494DF}">
-              <a14:hiddenLine xmlns="" xmlns:a14="http://schemas.microsoft.com/office/drawing/2010/main" w="9525">
+              <a14:hiddenLine xmlns:a14="http://schemas.microsoft.com/office/drawing/2010/main" xmlns="" w="9525">
                 <a:solidFill>
                   <a:srgbClr val="000000"/>
                 </a:solidFill>
@@ -17824,14 +13354,14 @@
           </a:ln>
           <a:extLst>
             <a:ext uri="{909E8E84-426E-40dd-AFC4-6F175D3DCCD1}">
-              <a14:hiddenFill xmlns="" xmlns:a14="http://schemas.microsoft.com/office/drawing/2010/main">
+              <a14:hiddenFill xmlns:a14="http://schemas.microsoft.com/office/drawing/2010/main" xmlns="">
                 <a:solidFill>
                   <a:srgbClr val="FFFFFF"/>
                 </a:solidFill>
               </a14:hiddenFill>
             </a:ext>
             <a:ext uri="{91240B29-F687-4f45-9708-019B960494DF}">
-              <a14:hiddenLine xmlns="" xmlns:a14="http://schemas.microsoft.com/office/drawing/2010/main" w="9525">
+              <a14:hiddenLine xmlns:a14="http://schemas.microsoft.com/office/drawing/2010/main" xmlns="" w="9525">
                 <a:solidFill>
                   <a:srgbClr val="000000"/>
                 </a:solidFill>
@@ -18004,7 +13534,7 @@
 </p:sld>
 </file>
 
-<file path=ppt/slides/slide8.xml><?xml version="1.0" encoding="utf-8"?>
+<file path=ppt/slides/slide5.xml><?xml version="1.0" encoding="utf-8"?>
 <p:sld xmlns:a="http://schemas.openxmlformats.org/drawingml/2006/main" xmlns:r="http://schemas.openxmlformats.org/officeDocument/2006/relationships" xmlns:p="http://schemas.openxmlformats.org/presentationml/2006/main">
   <p:cSld>
     <p:spTree>
@@ -18063,90 +13593,164 @@
         </p:nvSpPr>
         <p:spPr>
           <a:xfrm>
-            <a:off x="374753" y="1412875"/>
-            <a:ext cx="11422505" cy="4724400"/>
+            <a:off x="374753" y="1070118"/>
+            <a:ext cx="11422505" cy="5427662"/>
           </a:xfrm>
         </p:spPr>
         <p:txBody>
           <a:bodyPr>
-            <a:normAutofit/>
+            <a:normAutofit fontScale="92500" lnSpcReduction="20000"/>
           </a:bodyPr>
           <a:lstStyle/>
           <a:p>
             <a:pPr>
+              <a:lnSpc>
+                <a:spcPct val="120000"/>
+              </a:lnSpc>
               <a:defRPr/>
             </a:pPr>
             <a:r>
-              <a:rPr lang="en-US" dirty="0"/>
+              <a:rPr lang="en-US" dirty="0">
+                <a:latin typeface="Calibri" panose="020F0502020204030204" pitchFamily="34" charset="0"/>
+                <a:cs typeface="Calibri" panose="020F0502020204030204" pitchFamily="34" charset="0"/>
+              </a:rPr>
               <a:t>De novo assembly</a:t>
             </a:r>
           </a:p>
           <a:p>
             <a:pPr lvl="1">
+              <a:lnSpc>
+                <a:spcPct val="120000"/>
+              </a:lnSpc>
               <a:defRPr/>
             </a:pPr>
             <a:r>
-              <a:rPr lang="en-US" dirty="0"/>
+              <a:rPr lang="en-US" dirty="0">
+                <a:latin typeface="Calibri" panose="020F0502020204030204" pitchFamily="34" charset="0"/>
+                <a:cs typeface="Calibri" panose="020F0502020204030204" pitchFamily="34" charset="0"/>
+              </a:rPr>
               <a:t>If a reference genome does not exist for the species being studied</a:t>
             </a:r>
           </a:p>
           <a:p>
             <a:pPr lvl="1">
+              <a:lnSpc>
+                <a:spcPct val="120000"/>
+              </a:lnSpc>
               <a:defRPr/>
             </a:pPr>
             <a:r>
-              <a:rPr lang="en-US" dirty="0"/>
+              <a:rPr lang="en-US" dirty="0">
+                <a:latin typeface="Calibri" panose="020F0502020204030204" pitchFamily="34" charset="0"/>
+                <a:cs typeface="Calibri" panose="020F0502020204030204" pitchFamily="34" charset="0"/>
+              </a:rPr>
               <a:t>If complex polymorphisms/mutations/haplotypes might be missed by comparing to the reference genome</a:t>
             </a:r>
+            <a:br>
+              <a:rPr lang="en-US" dirty="0">
+                <a:latin typeface="Calibri" panose="020F0502020204030204" pitchFamily="34" charset="0"/>
+                <a:cs typeface="Calibri" panose="020F0502020204030204" pitchFamily="34" charset="0"/>
+              </a:rPr>
+            </a:br>
+            <a:endParaRPr lang="en-US" dirty="0">
+              <a:latin typeface="Calibri" panose="020F0502020204030204" pitchFamily="34" charset="0"/>
+              <a:cs typeface="Calibri" panose="020F0502020204030204" pitchFamily="34" charset="0"/>
+            </a:endParaRPr>
           </a:p>
           <a:p>
             <a:pPr>
+              <a:lnSpc>
+                <a:spcPct val="120000"/>
+              </a:lnSpc>
               <a:defRPr/>
             </a:pPr>
             <a:r>
-              <a:rPr lang="en-US" dirty="0"/>
+              <a:rPr lang="en-US" dirty="0">
+                <a:latin typeface="Calibri" panose="020F0502020204030204" pitchFamily="34" charset="0"/>
+                <a:cs typeface="Calibri" panose="020F0502020204030204" pitchFamily="34" charset="0"/>
+              </a:rPr>
               <a:t>Align to transcriptome</a:t>
             </a:r>
           </a:p>
           <a:p>
             <a:pPr lvl="1">
+              <a:lnSpc>
+                <a:spcPct val="120000"/>
+              </a:lnSpc>
               <a:defRPr/>
             </a:pPr>
             <a:r>
-              <a:rPr lang="en-US" dirty="0"/>
+              <a:rPr lang="en-US" dirty="0">
+                <a:latin typeface="Calibri" panose="020F0502020204030204" pitchFamily="34" charset="0"/>
+                <a:cs typeface="Calibri" panose="020F0502020204030204" pitchFamily="34" charset="0"/>
+              </a:rPr>
               <a:t>If you have short reads (&lt; 50bp)</a:t>
             </a:r>
+            <a:br>
+              <a:rPr lang="en-US" dirty="0">
+                <a:latin typeface="Calibri" panose="020F0502020204030204" pitchFamily="34" charset="0"/>
+                <a:cs typeface="Calibri" panose="020F0502020204030204" pitchFamily="34" charset="0"/>
+              </a:rPr>
+            </a:br>
+            <a:endParaRPr lang="en-US" dirty="0">
+              <a:latin typeface="Calibri" panose="020F0502020204030204" pitchFamily="34" charset="0"/>
+              <a:cs typeface="Calibri" panose="020F0502020204030204" pitchFamily="34" charset="0"/>
+            </a:endParaRPr>
           </a:p>
           <a:p>
             <a:pPr>
+              <a:lnSpc>
+                <a:spcPct val="120000"/>
+              </a:lnSpc>
               <a:defRPr/>
             </a:pPr>
             <a:r>
-              <a:rPr lang="en-US" dirty="0"/>
+              <a:rPr lang="en-US" dirty="0">
+                <a:latin typeface="Calibri" panose="020F0502020204030204" pitchFamily="34" charset="0"/>
+                <a:cs typeface="Calibri" panose="020F0502020204030204" pitchFamily="34" charset="0"/>
+              </a:rPr>
               <a:t>Align to reference genome</a:t>
             </a:r>
           </a:p>
           <a:p>
             <a:pPr lvl="1">
+              <a:lnSpc>
+                <a:spcPct val="120000"/>
+              </a:lnSpc>
               <a:defRPr/>
             </a:pPr>
             <a:r>
-              <a:rPr lang="en-US" dirty="0"/>
+              <a:rPr lang="en-US" dirty="0">
+                <a:latin typeface="Calibri" panose="020F0502020204030204" pitchFamily="34" charset="0"/>
+                <a:cs typeface="Calibri" panose="020F0502020204030204" pitchFamily="34" charset="0"/>
+              </a:rPr>
               <a:t>All other cases</a:t>
             </a:r>
           </a:p>
           <a:p>
             <a:pPr>
+              <a:lnSpc>
+                <a:spcPct val="120000"/>
+              </a:lnSpc>
               <a:defRPr/>
             </a:pPr>
-            <a:endParaRPr lang="en-US" dirty="0"/>
+            <a:endParaRPr lang="en-US" dirty="0">
+              <a:latin typeface="Calibri" panose="020F0502020204030204" pitchFamily="34" charset="0"/>
+              <a:cs typeface="Calibri" panose="020F0502020204030204" pitchFamily="34" charset="0"/>
+            </a:endParaRPr>
           </a:p>
           <a:p>
             <a:pPr>
+              <a:lnSpc>
+                <a:spcPct val="120000"/>
+              </a:lnSpc>
               <a:defRPr/>
             </a:pPr>
             <a:r>
-              <a:rPr lang="en-US" dirty="0"/>
+              <a:rPr lang="en-US" dirty="0">
+                <a:latin typeface="Calibri" panose="020F0502020204030204" pitchFamily="34" charset="0"/>
+                <a:cs typeface="Calibri" panose="020F0502020204030204" pitchFamily="34" charset="0"/>
+              </a:rPr>
               <a:t>Each strategy involves different alignment/assembly tools</a:t>
             </a:r>
           </a:p>
@@ -18165,7 +13769,7 @@
 </p:sld>
 </file>
 
-<file path=ppt/slides/slide9.xml><?xml version="1.0" encoding="utf-8"?>
+<file path=ppt/slides/slide6.xml><?xml version="1.0" encoding="utf-8"?>
 <p:sld xmlns:a="http://schemas.openxmlformats.org/drawingml/2006/main" xmlns:r="http://schemas.openxmlformats.org/officeDocument/2006/relationships" xmlns:p="http://schemas.openxmlformats.org/presentationml/2006/main">
   <p:cSld>
     <p:spTree>
@@ -18263,14 +13867,14 @@
           </a:ln>
           <a:extLst>
             <a:ext uri="{909E8E84-426E-40dd-AFC4-6F175D3DCCD1}">
-              <a14:hiddenFill xmlns="" xmlns:a14="http://schemas.microsoft.com/office/drawing/2010/main">
+              <a14:hiddenFill xmlns:a14="http://schemas.microsoft.com/office/drawing/2010/main" xmlns="">
                 <a:solidFill>
                   <a:srgbClr val="FFFFFF"/>
                 </a:solidFill>
               </a14:hiddenFill>
             </a:ext>
             <a:ext uri="{91240B29-F687-4f45-9708-019B960494DF}">
-              <a14:hiddenLine xmlns="" xmlns:a14="http://schemas.microsoft.com/office/drawing/2010/main" w="9525">
+              <a14:hiddenLine xmlns:a14="http://schemas.microsoft.com/office/drawing/2010/main" xmlns="" w="9525">
                 <a:solidFill>
                   <a:srgbClr val="000000"/>
                 </a:solidFill>
@@ -18628,6 +14232,849 @@
     <p:extLst>
       <p:ext uri="{BB962C8B-B14F-4D97-AF65-F5344CB8AC3E}">
         <p14:creationId xmlns:p14="http://schemas.microsoft.com/office/powerpoint/2010/main" val="2931279260"/>
+      </p:ext>
+    </p:extLst>
+  </p:cSld>
+  <p:clrMapOvr>
+    <a:masterClrMapping/>
+  </p:clrMapOvr>
+</p:sld>
+</file>
+
+<file path=ppt/slides/slide7.xml><?xml version="1.0" encoding="utf-8"?>
+<p:sld xmlns:a="http://schemas.openxmlformats.org/drawingml/2006/main" xmlns:r="http://schemas.openxmlformats.org/officeDocument/2006/relationships" xmlns:p="http://schemas.openxmlformats.org/presentationml/2006/main">
+  <p:cSld>
+    <p:spTree>
+      <p:nvGrpSpPr>
+        <p:cNvPr id="1" name=""/>
+        <p:cNvGrpSpPr/>
+        <p:nvPr/>
+      </p:nvGrpSpPr>
+      <p:grpSpPr>
+        <a:xfrm>
+          <a:off x="0" y="0"/>
+          <a:ext cx="0" cy="0"/>
+          <a:chOff x="0" y="0"/>
+          <a:chExt cx="0" cy="0"/>
+        </a:xfrm>
+      </p:grpSpPr>
+      <p:sp>
+        <p:nvSpPr>
+          <p:cNvPr id="19457" name="Title 1"/>
+          <p:cNvSpPr>
+            <a:spLocks noGrp="1"/>
+          </p:cNvSpPr>
+          <p:nvPr>
+            <p:ph type="title"/>
+          </p:nvPr>
+        </p:nvSpPr>
+        <p:spPr>
+          <a:xfrm>
+            <a:off x="1676400" y="-26988"/>
+            <a:ext cx="8839200" cy="1143001"/>
+          </a:xfrm>
+        </p:spPr>
+        <p:txBody>
+          <a:bodyPr>
+            <a:normAutofit fontScale="90000"/>
+          </a:bodyPr>
+          <a:lstStyle/>
+          <a:p>
+            <a:pPr algn="ctr"/>
+            <a:r>
+              <a:rPr lang="en-US" dirty="0">
+                <a:latin typeface="Calibri" charset="0"/>
+                <a:ea typeface="ＭＳ Ｐゴシック" charset="0"/>
+              </a:rPr>
+              <a:t>Should I use a splice-aware or </a:t>
+            </a:r>
+            <a:r>
+              <a:rPr lang="en-US" dirty="0" err="1">
+                <a:latin typeface="Calibri" charset="0"/>
+                <a:ea typeface="ＭＳ Ｐゴシック" charset="0"/>
+              </a:rPr>
+              <a:t>unspliced</a:t>
+            </a:r>
+            <a:r>
+              <a:rPr lang="en-US" dirty="0">
+                <a:latin typeface="Calibri" charset="0"/>
+                <a:ea typeface="ＭＳ Ｐゴシック" charset="0"/>
+              </a:rPr>
+              <a:t> mapper?</a:t>
+            </a:r>
+          </a:p>
+        </p:txBody>
+      </p:sp>
+      <p:sp>
+        <p:nvSpPr>
+          <p:cNvPr id="3" name="Content Placeholder 2"/>
+          <p:cNvSpPr>
+            <a:spLocks noGrp="1"/>
+          </p:cNvSpPr>
+          <p:nvPr>
+            <p:ph idx="1"/>
+          </p:nvPr>
+        </p:nvSpPr>
+        <p:spPr>
+          <a:xfrm>
+            <a:off x="175491" y="1378528"/>
+            <a:ext cx="6156036" cy="4724400"/>
+          </a:xfrm>
+        </p:spPr>
+        <p:txBody>
+          <a:bodyPr>
+            <a:normAutofit fontScale="92500" lnSpcReduction="20000"/>
+          </a:bodyPr>
+          <a:lstStyle/>
+          <a:p>
+            <a:pPr>
+              <a:lnSpc>
+                <a:spcPct val="110000"/>
+              </a:lnSpc>
+              <a:defRPr/>
+            </a:pPr>
+            <a:r>
+              <a:rPr lang="en-US" dirty="0"/>
+              <a:t>RNA-seq reads may span large introns</a:t>
+            </a:r>
+            <a:br>
+              <a:rPr lang="en-US" dirty="0"/>
+            </a:br>
+            <a:endParaRPr lang="en-US" dirty="0"/>
+          </a:p>
+          <a:p>
+            <a:pPr>
+              <a:lnSpc>
+                <a:spcPct val="110000"/>
+              </a:lnSpc>
+              <a:defRPr/>
+            </a:pPr>
+            <a:r>
+              <a:rPr lang="en-US" dirty="0"/>
+              <a:t>The fragments being sequenced in RNA-</a:t>
+            </a:r>
+            <a:r>
+              <a:rPr lang="en-US" dirty="0" err="1"/>
+              <a:t>seq</a:t>
+            </a:r>
+            <a:r>
+              <a:rPr lang="en-US" dirty="0"/>
+              <a:t> represent mRNA - introns are removed</a:t>
+            </a:r>
+            <a:br>
+              <a:rPr lang="en-US" dirty="0"/>
+            </a:br>
+            <a:endParaRPr lang="en-US" dirty="0"/>
+          </a:p>
+          <a:p>
+            <a:pPr>
+              <a:lnSpc>
+                <a:spcPct val="110000"/>
+              </a:lnSpc>
+              <a:defRPr/>
+            </a:pPr>
+            <a:r>
+              <a:rPr lang="en-US" dirty="0"/>
+              <a:t>But we are usually aligning these reads back to the reference genome</a:t>
+            </a:r>
+            <a:br>
+              <a:rPr lang="en-US" dirty="0"/>
+            </a:br>
+            <a:endParaRPr lang="en-US" dirty="0"/>
+          </a:p>
+          <a:p>
+            <a:pPr>
+              <a:lnSpc>
+                <a:spcPct val="110000"/>
+              </a:lnSpc>
+              <a:defRPr/>
+            </a:pPr>
+            <a:r>
+              <a:rPr lang="en-US" dirty="0"/>
+              <a:t>Unless your reads are short (&lt;50bp) you should use a splice-aware aligner</a:t>
+            </a:r>
+          </a:p>
+          <a:p>
+            <a:pPr lvl="1">
+              <a:lnSpc>
+                <a:spcPct val="110000"/>
+              </a:lnSpc>
+              <a:defRPr/>
+            </a:pPr>
+            <a:r>
+              <a:rPr lang="en-US" dirty="0"/>
+              <a:t>HISAT2, STAR, MapSplice, etc. </a:t>
+            </a:r>
+          </a:p>
+        </p:txBody>
+      </p:sp>
+      <p:pic>
+        <p:nvPicPr>
+          <p:cNvPr id="19459" name="Picture 5" descr="Figure1"/>
+          <p:cNvPicPr>
+            <a:picLocks noChangeAspect="1" noChangeArrowheads="1"/>
+          </p:cNvPicPr>
+          <p:nvPr/>
+        </p:nvPicPr>
+        <p:blipFill>
+          <a:blip r:embed="rId2">
+            <a:extLst>
+              <a:ext uri="{28A0092B-C50C-407E-A947-70E740481C1C}">
+                <a14:useLocalDpi xmlns:a14="http://schemas.microsoft.com/office/drawing/2010/main" val="0"/>
+              </a:ext>
+            </a:extLst>
+          </a:blip>
+          <a:srcRect b="38274"/>
+          <a:stretch>
+            <a:fillRect/>
+          </a:stretch>
+        </p:blipFill>
+        <p:spPr bwMode="auto">
+          <a:xfrm>
+            <a:off x="6707766" y="1479256"/>
+            <a:ext cx="5054743" cy="3899488"/>
+          </a:xfrm>
+          <a:prstGeom prst="rect">
+            <a:avLst/>
+          </a:prstGeom>
+          <a:noFill/>
+          <a:ln>
+            <a:noFill/>
+          </a:ln>
+          <a:extLst>
+            <a:ext uri="{909E8E84-426E-40dd-AFC4-6F175D3DCCD1}">
+              <a14:hiddenFill xmlns:a14="http://schemas.microsoft.com/office/drawing/2010/main" xmlns="">
+                <a:solidFill>
+                  <a:srgbClr val="FFFFFF"/>
+                </a:solidFill>
+              </a14:hiddenFill>
+            </a:ext>
+            <a:ext uri="{91240B29-F687-4f45-9708-019B960494DF}">
+              <a14:hiddenLine xmlns:a14="http://schemas.microsoft.com/office/drawing/2010/main" xmlns="" w="9525">
+                <a:solidFill>
+                  <a:srgbClr val="000000"/>
+                </a:solidFill>
+                <a:miter lim="800000"/>
+                <a:headEnd/>
+                <a:tailEnd/>
+              </a14:hiddenLine>
+            </a:ext>
+          </a:extLst>
+        </p:spPr>
+      </p:pic>
+    </p:spTree>
+    <p:extLst>
+      <p:ext uri="{BB962C8B-B14F-4D97-AF65-F5344CB8AC3E}">
+        <p14:creationId xmlns:p14="http://schemas.microsoft.com/office/powerpoint/2010/main" val="3914650629"/>
+      </p:ext>
+    </p:extLst>
+  </p:cSld>
+  <p:clrMapOvr>
+    <a:masterClrMapping/>
+  </p:clrMapOvr>
+</p:sld>
+</file>
+
+<file path=ppt/slides/slide8.xml><?xml version="1.0" encoding="utf-8"?>
+<p:sld xmlns:a="http://schemas.openxmlformats.org/drawingml/2006/main" xmlns:r="http://schemas.openxmlformats.org/officeDocument/2006/relationships" xmlns:p="http://schemas.openxmlformats.org/presentationml/2006/main">
+  <p:cSld>
+    <p:spTree>
+      <p:nvGrpSpPr>
+        <p:cNvPr id="1" name=""/>
+        <p:cNvGrpSpPr/>
+        <p:nvPr/>
+      </p:nvGrpSpPr>
+      <p:grpSpPr>
+        <a:xfrm>
+          <a:off x="0" y="0"/>
+          <a:ext cx="0" cy="0"/>
+          <a:chOff x="0" y="0"/>
+          <a:chExt cx="0" cy="0"/>
+        </a:xfrm>
+      </p:grpSpPr>
+      <p:sp>
+        <p:nvSpPr>
+          <p:cNvPr id="20481" name="Title 1"/>
+          <p:cNvSpPr>
+            <a:spLocks noGrp="1"/>
+          </p:cNvSpPr>
+          <p:nvPr>
+            <p:ph type="title"/>
+          </p:nvPr>
+        </p:nvSpPr>
+        <p:spPr>
+          <a:xfrm>
+            <a:off x="1676400" y="-26987"/>
+            <a:ext cx="8839200" cy="935708"/>
+          </a:xfrm>
+        </p:spPr>
+        <p:txBody>
+          <a:bodyPr/>
+          <a:lstStyle/>
+          <a:p>
+            <a:pPr algn="ctr"/>
+            <a:r>
+              <a:rPr lang="en-US" b="1" dirty="0">
+                <a:latin typeface="Calibri" charset="0"/>
+                <a:ea typeface="ＭＳ Ｐゴシック" charset="0"/>
+              </a:rPr>
+              <a:t>HISAT/HISAT2</a:t>
+            </a:r>
+          </a:p>
+        </p:txBody>
+      </p:sp>
+      <p:sp>
+        <p:nvSpPr>
+          <p:cNvPr id="26626" name="Content Placeholder 2"/>
+          <p:cNvSpPr>
+            <a:spLocks noGrp="1"/>
+          </p:cNvSpPr>
+          <p:nvPr>
+            <p:ph idx="1"/>
+          </p:nvPr>
+        </p:nvSpPr>
+        <p:spPr>
+          <a:xfrm>
+            <a:off x="554636" y="1341438"/>
+            <a:ext cx="10814404" cy="4724400"/>
+          </a:xfrm>
+        </p:spPr>
+        <p:txBody>
+          <a:bodyPr>
+            <a:normAutofit/>
+          </a:bodyPr>
+          <a:lstStyle/>
+          <a:p>
+            <a:pPr>
+              <a:defRPr/>
+            </a:pPr>
+            <a:r>
+              <a:rPr lang="en-US" dirty="0">
+                <a:latin typeface="Calibri" charset="0"/>
+                <a:ea typeface="ＭＳ Ｐゴシック" charset="0"/>
+              </a:rPr>
+              <a:t>HISAT is a ‘splice-aware’ RNA-seq read aligner</a:t>
+            </a:r>
+          </a:p>
+          <a:p>
+            <a:pPr>
+              <a:defRPr/>
+            </a:pPr>
+            <a:r>
+              <a:rPr lang="en-US" dirty="0">
+                <a:latin typeface="Calibri" charset="0"/>
+                <a:ea typeface="ＭＳ Ｐゴシック" charset="0"/>
+              </a:rPr>
+              <a:t>Requires a reference genome</a:t>
+            </a:r>
+          </a:p>
+          <a:p>
+            <a:pPr>
+              <a:defRPr/>
+            </a:pPr>
+            <a:r>
+              <a:rPr lang="en-US" dirty="0">
+                <a:latin typeface="Calibri" charset="0"/>
+                <a:ea typeface="ＭＳ Ｐゴシック" charset="0"/>
+              </a:rPr>
+              <a:t>Very fast</a:t>
+            </a:r>
+          </a:p>
+          <a:p>
+            <a:pPr>
+              <a:defRPr/>
+            </a:pPr>
+            <a:r>
+              <a:rPr lang="en-US" dirty="0">
+                <a:latin typeface="Calibri" charset="0"/>
+                <a:ea typeface="ＭＳ Ｐゴシック" charset="0"/>
+              </a:rPr>
+              <a:t>Uses an indexing scheme based on the Burrows-Wheeler transform and the </a:t>
+            </a:r>
+            <a:r>
+              <a:rPr lang="en-US" dirty="0" err="1">
+                <a:latin typeface="Calibri" charset="0"/>
+                <a:ea typeface="ＭＳ Ｐゴシック" charset="0"/>
+              </a:rPr>
+              <a:t>Ferragina-Manzini</a:t>
+            </a:r>
+            <a:r>
+              <a:rPr lang="en-US" dirty="0">
+                <a:latin typeface="Calibri" charset="0"/>
+                <a:ea typeface="ＭＳ Ｐゴシック" charset="0"/>
+              </a:rPr>
+              <a:t> (FM) index</a:t>
+            </a:r>
+          </a:p>
+          <a:p>
+            <a:pPr>
+              <a:defRPr/>
+            </a:pPr>
+            <a:r>
+              <a:rPr lang="en-US" dirty="0">
+                <a:latin typeface="Calibri" charset="0"/>
+                <a:ea typeface="ＭＳ Ｐゴシック" charset="0"/>
+              </a:rPr>
+              <a:t>Multiple types of indexes for alignment</a:t>
+            </a:r>
+          </a:p>
+          <a:p>
+            <a:pPr lvl="1">
+              <a:defRPr/>
+            </a:pPr>
+            <a:r>
+              <a:rPr lang="en-US" dirty="0">
+                <a:latin typeface="Calibri" charset="0"/>
+                <a:ea typeface="ＭＳ Ｐゴシック" charset="0"/>
+              </a:rPr>
+              <a:t>a whole-genome FM index to anchor each alignment </a:t>
+            </a:r>
+          </a:p>
+          <a:p>
+            <a:pPr lvl="1">
+              <a:defRPr/>
+            </a:pPr>
+            <a:r>
+              <a:rPr lang="en-US" dirty="0">
+                <a:latin typeface="Calibri" charset="0"/>
+                <a:ea typeface="ＭＳ Ｐゴシック" charset="0"/>
+              </a:rPr>
+              <a:t>numerous local FM indexes for very rapid extensions of these alignments. </a:t>
+            </a:r>
+          </a:p>
+          <a:p>
+            <a:pPr lvl="1">
+              <a:defRPr/>
+            </a:pPr>
+            <a:r>
+              <a:rPr lang="en-US" dirty="0">
+                <a:latin typeface="Calibri" charset="0"/>
+                <a:ea typeface="ＭＳ Ｐゴシック" charset="0"/>
+              </a:rPr>
+              <a:t>Whole-genome indices with SNPs and known transcript structures accounted for</a:t>
+            </a:r>
+          </a:p>
+        </p:txBody>
+      </p:sp>
+      <p:sp>
+        <p:nvSpPr>
+          <p:cNvPr id="20484" name="TextBox 4"/>
+          <p:cNvSpPr txBox="1">
+            <a:spLocks noChangeArrowheads="1"/>
+          </p:cNvSpPr>
+          <p:nvPr/>
+        </p:nvSpPr>
+        <p:spPr bwMode="auto">
+          <a:xfrm>
+            <a:off x="8305448" y="6065838"/>
+            <a:ext cx="4176464" cy="338554"/>
+          </a:xfrm>
+          <a:prstGeom prst="rect">
+            <a:avLst/>
+          </a:prstGeom>
+          <a:noFill/>
+          <a:ln>
+            <a:noFill/>
+          </a:ln>
+          <a:extLst>
+            <a:ext uri="{909E8E84-426E-40dd-AFC4-6F175D3DCCD1}">
+              <a14:hiddenFill xmlns:a14="http://schemas.microsoft.com/office/drawing/2010/main" xmlns="">
+                <a:solidFill>
+                  <a:srgbClr val="FFFFFF"/>
+                </a:solidFill>
+              </a14:hiddenFill>
+            </a:ext>
+            <a:ext uri="{91240B29-F687-4f45-9708-019B960494DF}">
+              <a14:hiddenLine xmlns:a14="http://schemas.microsoft.com/office/drawing/2010/main" xmlns="" w="9525">
+                <a:solidFill>
+                  <a:srgbClr val="000000"/>
+                </a:solidFill>
+                <a:miter lim="800000"/>
+                <a:headEnd/>
+                <a:tailEnd/>
+              </a14:hiddenLine>
+            </a:ext>
+          </a:extLst>
+        </p:spPr>
+        <p:txBody>
+          <a:bodyPr wrap="square">
+            <a:spAutoFit/>
+          </a:bodyPr>
+          <a:lstStyle>
+            <a:lvl1pPr eaLnBrk="0" hangingPunct="0">
+              <a:defRPr sz="2400">
+                <a:solidFill>
+                  <a:schemeClr val="tx1"/>
+                </a:solidFill>
+                <a:latin typeface="Arial" charset="0"/>
+                <a:ea typeface="ＭＳ Ｐゴシック" charset="0"/>
+                <a:cs typeface="ＭＳ Ｐゴシック" charset="0"/>
+              </a:defRPr>
+            </a:lvl1pPr>
+            <a:lvl2pPr marL="742950" indent="-285750" eaLnBrk="0" hangingPunct="0">
+              <a:defRPr sz="2400">
+                <a:solidFill>
+                  <a:schemeClr val="tx1"/>
+                </a:solidFill>
+                <a:latin typeface="Arial" charset="0"/>
+                <a:ea typeface="ＭＳ Ｐゴシック" charset="0"/>
+              </a:defRPr>
+            </a:lvl2pPr>
+            <a:lvl3pPr marL="1143000" indent="-228600" eaLnBrk="0" hangingPunct="0">
+              <a:defRPr sz="2400">
+                <a:solidFill>
+                  <a:schemeClr val="tx1"/>
+                </a:solidFill>
+                <a:latin typeface="Arial" charset="0"/>
+                <a:ea typeface="ＭＳ Ｐゴシック" charset="0"/>
+              </a:defRPr>
+            </a:lvl3pPr>
+            <a:lvl4pPr marL="1600200" indent="-228600" eaLnBrk="0" hangingPunct="0">
+              <a:defRPr sz="2400">
+                <a:solidFill>
+                  <a:schemeClr val="tx1"/>
+                </a:solidFill>
+                <a:latin typeface="Arial" charset="0"/>
+                <a:ea typeface="ＭＳ Ｐゴシック" charset="0"/>
+              </a:defRPr>
+            </a:lvl4pPr>
+            <a:lvl5pPr marL="2057400" indent="-228600" eaLnBrk="0" hangingPunct="0">
+              <a:defRPr sz="2400">
+                <a:solidFill>
+                  <a:schemeClr val="tx1"/>
+                </a:solidFill>
+                <a:latin typeface="Arial" charset="0"/>
+                <a:ea typeface="ＭＳ Ｐゴシック" charset="0"/>
+              </a:defRPr>
+            </a:lvl5pPr>
+            <a:lvl6pPr marL="2514600" indent="-228600" eaLnBrk="0" fontAlgn="base" hangingPunct="0">
+              <a:spcBef>
+                <a:spcPct val="0"/>
+              </a:spcBef>
+              <a:spcAft>
+                <a:spcPct val="0"/>
+              </a:spcAft>
+              <a:defRPr sz="2400">
+                <a:solidFill>
+                  <a:schemeClr val="tx1"/>
+                </a:solidFill>
+                <a:latin typeface="Arial" charset="0"/>
+                <a:ea typeface="ＭＳ Ｐゴシック" charset="0"/>
+              </a:defRPr>
+            </a:lvl6pPr>
+            <a:lvl7pPr marL="2971800" indent="-228600" eaLnBrk="0" fontAlgn="base" hangingPunct="0">
+              <a:spcBef>
+                <a:spcPct val="0"/>
+              </a:spcBef>
+              <a:spcAft>
+                <a:spcPct val="0"/>
+              </a:spcAft>
+              <a:defRPr sz="2400">
+                <a:solidFill>
+                  <a:schemeClr val="tx1"/>
+                </a:solidFill>
+                <a:latin typeface="Arial" charset="0"/>
+                <a:ea typeface="ＭＳ Ｐゴシック" charset="0"/>
+              </a:defRPr>
+            </a:lvl7pPr>
+            <a:lvl8pPr marL="3429000" indent="-228600" eaLnBrk="0" fontAlgn="base" hangingPunct="0">
+              <a:spcBef>
+                <a:spcPct val="0"/>
+              </a:spcBef>
+              <a:spcAft>
+                <a:spcPct val="0"/>
+              </a:spcAft>
+              <a:defRPr sz="2400">
+                <a:solidFill>
+                  <a:schemeClr val="tx1"/>
+                </a:solidFill>
+                <a:latin typeface="Arial" charset="0"/>
+                <a:ea typeface="ＭＳ Ｐゴシック" charset="0"/>
+              </a:defRPr>
+            </a:lvl8pPr>
+            <a:lvl9pPr marL="3886200" indent="-228600" eaLnBrk="0" fontAlgn="base" hangingPunct="0">
+              <a:spcBef>
+                <a:spcPct val="0"/>
+              </a:spcBef>
+              <a:spcAft>
+                <a:spcPct val="0"/>
+              </a:spcAft>
+              <a:defRPr sz="2400">
+                <a:solidFill>
+                  <a:schemeClr val="tx1"/>
+                </a:solidFill>
+                <a:latin typeface="Arial" charset="0"/>
+                <a:ea typeface="ＭＳ Ｐゴシック" charset="0"/>
+              </a:defRPr>
+            </a:lvl9pPr>
+          </a:lstStyle>
+          <a:p>
+            <a:pPr marL="0" marR="0" lvl="0" indent="0" algn="l" defTabSz="914400" rtl="0" eaLnBrk="1" fontAlgn="auto" latinLnBrk="0" hangingPunct="1">
+              <a:lnSpc>
+                <a:spcPct val="100000"/>
+              </a:lnSpc>
+              <a:spcBef>
+                <a:spcPts val="0"/>
+              </a:spcBef>
+              <a:spcAft>
+                <a:spcPts val="0"/>
+              </a:spcAft>
+              <a:buClrTx/>
+              <a:buSzTx/>
+              <a:buFontTx/>
+              <a:buNone/>
+              <a:tabLst/>
+              <a:defRPr/>
+            </a:pPr>
+            <a:r>
+              <a:rPr kumimoji="0" lang="en-US" sz="1600" b="0" i="0" u="none" strike="noStrike" kern="1200" cap="none" spc="0" normalizeH="0" baseline="0" noProof="0" dirty="0">
+                <a:ln>
+                  <a:noFill/>
+                </a:ln>
+                <a:solidFill>
+                  <a:prstClr val="black"/>
+                </a:solidFill>
+                <a:effectLst/>
+                <a:uLnTx/>
+                <a:uFillTx/>
+                <a:latin typeface="Arial" charset="0"/>
+                <a:ea typeface="ＭＳ Ｐゴシック" charset="0"/>
+              </a:rPr>
+              <a:t>Kim et al. 2015. Nat Methods 12:357–360 </a:t>
+            </a:r>
+          </a:p>
+        </p:txBody>
+      </p:sp>
+    </p:spTree>
+    <p:extLst>
+      <p:ext uri="{BB962C8B-B14F-4D97-AF65-F5344CB8AC3E}">
+        <p14:creationId xmlns:p14="http://schemas.microsoft.com/office/powerpoint/2010/main" val="667370520"/>
+      </p:ext>
+    </p:extLst>
+  </p:cSld>
+  <p:clrMapOvr>
+    <a:masterClrMapping/>
+  </p:clrMapOvr>
+</p:sld>
+</file>
+
+<file path=ppt/slides/slide9.xml><?xml version="1.0" encoding="utf-8"?>
+<p:sld xmlns:a="http://schemas.openxmlformats.org/drawingml/2006/main" xmlns:r="http://schemas.openxmlformats.org/officeDocument/2006/relationships" xmlns:p="http://schemas.openxmlformats.org/presentationml/2006/main">
+  <p:cSld>
+    <p:spTree>
+      <p:nvGrpSpPr>
+        <p:cNvPr id="1" name=""/>
+        <p:cNvGrpSpPr/>
+        <p:nvPr/>
+      </p:nvGrpSpPr>
+      <p:grpSpPr>
+        <a:xfrm>
+          <a:off x="0" y="0"/>
+          <a:ext cx="0" cy="0"/>
+          <a:chOff x="0" y="0"/>
+          <a:chExt cx="0" cy="0"/>
+        </a:xfrm>
+      </p:grpSpPr>
+      <p:sp>
+        <p:nvSpPr>
+          <p:cNvPr id="20481" name="Title 1"/>
+          <p:cNvSpPr>
+            <a:spLocks noGrp="1"/>
+          </p:cNvSpPr>
+          <p:nvPr>
+            <p:ph type="title"/>
+          </p:nvPr>
+        </p:nvSpPr>
+        <p:spPr>
+          <a:xfrm>
+            <a:off x="1676400" y="-26987"/>
+            <a:ext cx="8839200" cy="935708"/>
+          </a:xfrm>
+        </p:spPr>
+        <p:txBody>
+          <a:bodyPr/>
+          <a:lstStyle/>
+          <a:p>
+            <a:pPr algn="ctr"/>
+            <a:r>
+              <a:rPr lang="en-US" b="1" dirty="0">
+                <a:latin typeface="Calibri" charset="0"/>
+                <a:ea typeface="ＭＳ Ｐゴシック" charset="0"/>
+              </a:rPr>
+              <a:t>HISAT/HISAT2 algorithm</a:t>
+            </a:r>
+          </a:p>
+        </p:txBody>
+      </p:sp>
+      <p:sp>
+        <p:nvSpPr>
+          <p:cNvPr id="26626" name="Content Placeholder 2"/>
+          <p:cNvSpPr>
+            <a:spLocks noGrp="1"/>
+          </p:cNvSpPr>
+          <p:nvPr>
+            <p:ph idx="1"/>
+          </p:nvPr>
+        </p:nvSpPr>
+        <p:spPr>
+          <a:xfrm>
+            <a:off x="524656" y="1085088"/>
+            <a:ext cx="11155280" cy="4980750"/>
+          </a:xfrm>
+        </p:spPr>
+        <p:txBody>
+          <a:bodyPr>
+            <a:normAutofit lnSpcReduction="10000"/>
+          </a:bodyPr>
+          <a:lstStyle/>
+          <a:p>
+            <a:pPr>
+              <a:defRPr/>
+            </a:pPr>
+            <a:r>
+              <a:rPr lang="en-US" dirty="0">
+                <a:latin typeface="Calibri" charset="0"/>
+                <a:ea typeface="ＭＳ Ｐゴシック" charset="0"/>
+              </a:rPr>
+              <a:t>Uses a hierarchical indexing algorithm + several adaptive strategies</a:t>
+            </a:r>
+          </a:p>
+          <a:p>
+            <a:pPr lvl="1">
+              <a:defRPr/>
+            </a:pPr>
+            <a:r>
+              <a:rPr lang="en-US" dirty="0">
+                <a:latin typeface="Calibri" charset="0"/>
+                <a:ea typeface="ＭＳ Ｐゴシック" charset="0"/>
+              </a:rPr>
+              <a:t>based on the position of a read with respect to splice sites</a:t>
+            </a:r>
+            <a:br>
+              <a:rPr lang="en-US" dirty="0">
+                <a:latin typeface="Calibri" charset="0"/>
+                <a:ea typeface="ＭＳ Ｐゴシック" charset="0"/>
+              </a:rPr>
+            </a:br>
+            <a:endParaRPr lang="en-US" dirty="0">
+              <a:latin typeface="Calibri" charset="0"/>
+              <a:ea typeface="ＭＳ Ｐゴシック" charset="0"/>
+            </a:endParaRPr>
+          </a:p>
+          <a:p>
+            <a:pPr marL="0" indent="0">
+              <a:buNone/>
+              <a:defRPr/>
+            </a:pPr>
+            <a:r>
+              <a:rPr lang="en-US" dirty="0">
+                <a:latin typeface="Calibri" charset="0"/>
+                <a:ea typeface="ＭＳ Ｐゴシック" charset="0"/>
+              </a:rPr>
+              <a:t>1) Find candidate locations across the whole genome first</a:t>
+            </a:r>
+          </a:p>
+          <a:p>
+            <a:pPr lvl="1">
+              <a:defRPr/>
+            </a:pPr>
+            <a:r>
+              <a:rPr lang="en-US" dirty="0">
+                <a:latin typeface="Calibri" charset="0"/>
+                <a:ea typeface="ＭＳ Ｐゴシック" charset="0"/>
+              </a:rPr>
+              <a:t>mapping part of each read using the global FM index</a:t>
+            </a:r>
+          </a:p>
+          <a:p>
+            <a:pPr lvl="1">
+              <a:defRPr/>
+            </a:pPr>
+            <a:r>
+              <a:rPr lang="en-US" dirty="0">
+                <a:latin typeface="Calibri" charset="0"/>
+                <a:ea typeface="ＭＳ Ｐゴシック" charset="0"/>
+              </a:rPr>
+              <a:t>Generally identifies one or a small number of candidates. </a:t>
+            </a:r>
+          </a:p>
+          <a:p>
+            <a:pPr marL="0" indent="0">
+              <a:buNone/>
+              <a:defRPr/>
+            </a:pPr>
+            <a:r>
+              <a:rPr lang="en-US" dirty="0">
+                <a:latin typeface="Calibri" charset="0"/>
+                <a:ea typeface="ＭＳ Ｐゴシック" charset="0"/>
+              </a:rPr>
+              <a:t>2) Do local alignment</a:t>
+            </a:r>
+          </a:p>
+          <a:p>
+            <a:pPr lvl="1">
+              <a:defRPr/>
+            </a:pPr>
+            <a:r>
+              <a:rPr lang="en-US" dirty="0">
+                <a:latin typeface="Calibri" charset="0"/>
+                <a:ea typeface="ＭＳ Ｐゴシック" charset="0"/>
+              </a:rPr>
+              <a:t>selects one of ~48,000 local indexes for each candidate </a:t>
+            </a:r>
+          </a:p>
+          <a:p>
+            <a:pPr lvl="1">
+              <a:defRPr/>
+            </a:pPr>
+            <a:r>
+              <a:rPr lang="en-US" dirty="0">
+                <a:latin typeface="Calibri" charset="0"/>
+                <a:ea typeface="ＭＳ Ｐゴシック" charset="0"/>
+              </a:rPr>
+              <a:t>uses it to align the remainder of the read.</a:t>
+            </a:r>
+            <a:br>
+              <a:rPr lang="en-US" dirty="0">
+                <a:latin typeface="Calibri" charset="0"/>
+                <a:ea typeface="ＭＳ Ｐゴシック" charset="0"/>
+              </a:rPr>
+            </a:br>
+            <a:endParaRPr lang="en-US" dirty="0">
+              <a:latin typeface="Calibri" charset="0"/>
+              <a:ea typeface="ＭＳ Ｐゴシック" charset="0"/>
+            </a:endParaRPr>
+          </a:p>
+          <a:p>
+            <a:pPr>
+              <a:defRPr/>
+            </a:pPr>
+            <a:r>
+              <a:rPr lang="en-US" dirty="0">
+                <a:latin typeface="Calibri" charset="0"/>
+                <a:ea typeface="ＭＳ Ｐゴシック" charset="0"/>
+              </a:rPr>
+              <a:t>For paired reads, each mate is separately aligned</a:t>
+            </a:r>
+          </a:p>
+          <a:p>
+            <a:pPr lvl="1">
+              <a:defRPr/>
+            </a:pPr>
+            <a:r>
+              <a:rPr lang="en-US" dirty="0">
+                <a:latin typeface="Calibri" charset="0"/>
+                <a:ea typeface="ＭＳ Ｐゴシック" charset="0"/>
+              </a:rPr>
+              <a:t>If a read fails to align, then the alignments of its mate are used as anchors to map the unaligned mate</a:t>
+            </a:r>
+          </a:p>
+        </p:txBody>
+      </p:sp>
+    </p:spTree>
+    <p:extLst>
+      <p:ext uri="{BB962C8B-B14F-4D97-AF65-F5344CB8AC3E}">
+        <p14:creationId xmlns:p14="http://schemas.microsoft.com/office/powerpoint/2010/main" val="4031888032"/>
       </p:ext>
     </p:extLst>
   </p:cSld>

--- a/assets/lectures/cbw-cshl/2019/mini/RNASeq_MiniLecture_08_01_Alignment.pptx
+++ b/assets/lectures/cbw-cshl/2019/mini/RNASeq_MiniLecture_08_01_Alignment.pptx
@@ -1901,14 +1901,14 @@
           </a:ln>
           <a:extLst>
             <a:ext uri="{909E8E84-426E-40dd-AFC4-6F175D3DCCD1}">
-              <a14:hiddenFill xmlns:a14="http://schemas.microsoft.com/office/drawing/2010/main" xmlns="">
+              <a14:hiddenFill xmlns="" xmlns:a14="http://schemas.microsoft.com/office/drawing/2010/main">
                 <a:solidFill>
                   <a:srgbClr val="FFFFFF"/>
                 </a:solidFill>
               </a14:hiddenFill>
             </a:ext>
             <a:ext uri="{91240B29-F687-4f45-9708-019B960494DF}">
-              <a14:hiddenLine xmlns:a14="http://schemas.microsoft.com/office/drawing/2010/main" xmlns="" w="9525">
+              <a14:hiddenLine xmlns="" xmlns:a14="http://schemas.microsoft.com/office/drawing/2010/main" w="9525">
                 <a:solidFill>
                   <a:srgbClr val="000000"/>
                 </a:solidFill>
@@ -7802,14 +7802,14 @@
           </a:ln>
           <a:extLst>
             <a:ext uri="{909E8E84-426E-40dd-AFC4-6F175D3DCCD1}">
-              <a14:hiddenFill xmlns:a14="http://schemas.microsoft.com/office/drawing/2010/main" xmlns="">
+              <a14:hiddenFill xmlns="" xmlns:a14="http://schemas.microsoft.com/office/drawing/2010/main">
                 <a:solidFill>
                   <a:srgbClr val="FFFFFF"/>
                 </a:solidFill>
               </a14:hiddenFill>
             </a:ext>
             <a:ext uri="{91240B29-F687-4f45-9708-019B960494DF}">
-              <a14:hiddenLine xmlns:a14="http://schemas.microsoft.com/office/drawing/2010/main" xmlns="" w="9525">
+              <a14:hiddenLine xmlns="" xmlns:a14="http://schemas.microsoft.com/office/drawing/2010/main" w="9525">
                 <a:solidFill>
                   <a:srgbClr val="000000"/>
                 </a:solidFill>
@@ -8806,14 +8806,14 @@
           </a:ln>
           <a:extLst>
             <a:ext uri="{909E8E84-426E-40dd-AFC4-6F175D3DCCD1}">
-              <a14:hiddenFill xmlns="" xmlns:a14="http://schemas.microsoft.com/office/drawing/2010/main">
+              <a14:hiddenFill xmlns:a14="http://schemas.microsoft.com/office/drawing/2010/main" xmlns="">
                 <a:solidFill>
                   <a:srgbClr val="FFFFFF"/>
                 </a:solidFill>
               </a14:hiddenFill>
             </a:ext>
             <a:ext uri="{91240B29-F687-4f45-9708-019B960494DF}">
-              <a14:hiddenLine xmlns="" xmlns:a14="http://schemas.microsoft.com/office/drawing/2010/main" w="9525">
+              <a14:hiddenLine xmlns:a14="http://schemas.microsoft.com/office/drawing/2010/main" xmlns="" w="9525">
                 <a:solidFill>
                   <a:srgbClr val="000000"/>
                 </a:solidFill>
@@ -9700,14 +9700,14 @@
           </a:ln>
           <a:extLst>
             <a:ext uri="{909E8E84-426E-40dd-AFC4-6F175D3DCCD1}">
-              <a14:hiddenFill xmlns="" xmlns:a14="http://schemas.microsoft.com/office/drawing/2010/main">
+              <a14:hiddenFill xmlns:a14="http://schemas.microsoft.com/office/drawing/2010/main" xmlns="">
                 <a:solidFill>
                   <a:srgbClr val="FFFFFF"/>
                 </a:solidFill>
               </a14:hiddenFill>
             </a:ext>
             <a:ext uri="{91240B29-F687-4f45-9708-019B960494DF}">
-              <a14:hiddenLine xmlns="" xmlns:a14="http://schemas.microsoft.com/office/drawing/2010/main" w="9525">
+              <a14:hiddenLine xmlns:a14="http://schemas.microsoft.com/office/drawing/2010/main" xmlns="" w="9525">
                 <a:solidFill>
                   <a:srgbClr val="000000"/>
                 </a:solidFill>
@@ -9999,14 +9999,14 @@
           </a:ln>
           <a:extLst>
             <a:ext uri="{909E8E84-426E-40dd-AFC4-6F175D3DCCD1}">
-              <a14:hiddenFill xmlns:a14="http://schemas.microsoft.com/office/drawing/2010/main" xmlns="">
+              <a14:hiddenFill xmlns="" xmlns:a14="http://schemas.microsoft.com/office/drawing/2010/main">
                 <a:solidFill>
                   <a:srgbClr val="FFFFFF"/>
                 </a:solidFill>
               </a14:hiddenFill>
             </a:ext>
             <a:ext uri="{91240B29-F687-4f45-9708-019B960494DF}">
-              <a14:hiddenLine xmlns:a14="http://schemas.microsoft.com/office/drawing/2010/main" xmlns="" w="9525">
+              <a14:hiddenLine xmlns="" xmlns:a14="http://schemas.microsoft.com/office/drawing/2010/main" w="9525">
                 <a:solidFill>
                   <a:srgbClr val="000000"/>
                 </a:solidFill>
@@ -10271,7 +10271,7 @@
         <p:spPr>
           <a:xfrm>
             <a:off x="1676400" y="3733798"/>
-            <a:ext cx="8839200" cy="2246769"/>
+            <a:ext cx="8839200" cy="1938992"/>
           </a:xfrm>
           <a:prstGeom prst="rect">
             <a:avLst/>
@@ -10284,29 +10284,29 @@
           </a:bodyPr>
           <a:lstStyle/>
           <a:p>
-            <a:pPr marL="342900" lvl="0" indent="-342900">
-              <a:buFont typeface="Arial"/>
-              <a:buChar char="•"/>
+            <a:pPr lvl="0">
               <a:defRPr/>
             </a:pPr>
             <a:r>
-              <a:rPr lang="en-US" sz="2800" dirty="0">
+              <a:rPr lang="en-US" sz="2400" dirty="0">
                 <a:solidFill>
                   <a:prstClr val="black"/>
                 </a:solidFill>
                 <a:latin typeface="Calibri" panose="020F0502020204030204" pitchFamily="34" charset="0"/>
                 <a:cs typeface="Calibri" panose="020F0502020204030204" pitchFamily="34" charset="0"/>
               </a:rPr>
-              <a:t>First align read with global index (slower)</a:t>
-            </a:r>
-          </a:p>
-          <a:p>
-            <a:pPr marL="342900" lvl="0" indent="-342900">
-              <a:buFont typeface="Arial"/>
-              <a:buChar char="•"/>
-              <a:defRPr/>
-            </a:pPr>
-            <a:endParaRPr lang="en-US" sz="2800" dirty="0">
+              <a:t>1) Search for read position with global FM index (slower)</a:t>
+            </a:r>
+            <a:br>
+              <a:rPr lang="en-US" sz="2400" dirty="0">
+                <a:solidFill>
+                  <a:prstClr val="black"/>
+                </a:solidFill>
+                <a:latin typeface="Calibri" panose="020F0502020204030204" pitchFamily="34" charset="0"/>
+                <a:cs typeface="Calibri" panose="020F0502020204030204" pitchFamily="34" charset="0"/>
+              </a:rPr>
+            </a:br>
+            <a:endParaRPr lang="en-US" sz="2400" dirty="0">
               <a:solidFill>
                 <a:prstClr val="black"/>
               </a:solidFill>
@@ -10315,20 +10315,18 @@
             </a:endParaRPr>
           </a:p>
           <a:p>
-            <a:pPr marL="342900" lvl="0" indent="-342900">
-              <a:buFont typeface="Arial"/>
-              <a:buChar char="•"/>
+            <a:pPr lvl="0">
               <a:defRPr/>
             </a:pPr>
             <a:r>
-              <a:rPr lang="en-US" sz="2800" dirty="0">
+              <a:rPr lang="en-US" sz="2400" dirty="0">
                 <a:solidFill>
                   <a:prstClr val="black"/>
                 </a:solidFill>
                 <a:latin typeface="Calibri" panose="020F0502020204030204" pitchFamily="34" charset="0"/>
                 <a:cs typeface="Calibri" panose="020F0502020204030204" pitchFamily="34" charset="0"/>
               </a:rPr>
-              <a:t>Once at least 28bp and exactly one location switch to extension mode against reference genome (faster)</a:t>
+              <a:t>2) Once at least 28bp and exactly one location switch to extension mode against reference genome (faster)</a:t>
             </a:r>
           </a:p>
           <a:p>
@@ -10347,7 +10345,7 @@
               <a:tabLst/>
               <a:defRPr/>
             </a:pPr>
-            <a:endParaRPr kumimoji="0" lang="en-US" sz="2800" b="0" i="0" u="none" strike="noStrike" kern="1200" cap="none" spc="0" normalizeH="0" baseline="0" noProof="0" dirty="0">
+            <a:endParaRPr kumimoji="0" lang="en-US" sz="2400" b="0" i="0" u="none" strike="noStrike" kern="1200" cap="none" spc="0" normalizeH="0" baseline="0" noProof="0" dirty="0">
               <a:ln>
                 <a:noFill/>
               </a:ln>
@@ -10420,14 +10418,14 @@
           </a:ln>
           <a:extLst>
             <a:ext uri="{909E8E84-426E-40dd-AFC4-6F175D3DCCD1}">
-              <a14:hiddenFill xmlns:a14="http://schemas.microsoft.com/office/drawing/2010/main" xmlns="">
+              <a14:hiddenFill xmlns="" xmlns:a14="http://schemas.microsoft.com/office/drawing/2010/main">
                 <a:solidFill>
                   <a:srgbClr val="FFFFFF"/>
                 </a:solidFill>
               </a14:hiddenFill>
             </a:ext>
             <a:ext uri="{91240B29-F687-4f45-9708-019B960494DF}">
-              <a14:hiddenLine xmlns:a14="http://schemas.microsoft.com/office/drawing/2010/main" xmlns="" w="9525">
+              <a14:hiddenLine xmlns="" xmlns:a14="http://schemas.microsoft.com/office/drawing/2010/main" w="9525">
                 <a:solidFill>
                   <a:srgbClr val="000000"/>
                 </a:solidFill>
@@ -10720,7 +10718,7 @@
                 <a:latin typeface="Calibri" panose="020F0502020204030204" pitchFamily="34" charset="0"/>
                 <a:cs typeface="Calibri" panose="020F0502020204030204" pitchFamily="34" charset="0"/>
               </a:rPr>
-              <a:t>1) global search until exactly one match of at least 28bp (slower)</a:t>
+              <a:t>1) Search for read position with global FM index (slower)</a:t>
             </a:r>
           </a:p>
           <a:p>
@@ -10899,14 +10897,14 @@
           </a:ln>
           <a:extLst>
             <a:ext uri="{909E8E84-426E-40dd-AFC4-6F175D3DCCD1}">
-              <a14:hiddenFill xmlns:a14="http://schemas.microsoft.com/office/drawing/2010/main" xmlns="">
+              <a14:hiddenFill xmlns="" xmlns:a14="http://schemas.microsoft.com/office/drawing/2010/main">
                 <a:solidFill>
                   <a:srgbClr val="FFFFFF"/>
                 </a:solidFill>
               </a14:hiddenFill>
             </a:ext>
             <a:ext uri="{91240B29-F687-4f45-9708-019B960494DF}">
-              <a14:hiddenLine xmlns:a14="http://schemas.microsoft.com/office/drawing/2010/main" xmlns="" w="9525">
+              <a14:hiddenLine xmlns="" xmlns:a14="http://schemas.microsoft.com/office/drawing/2010/main" w="9525">
                 <a:solidFill>
                   <a:srgbClr val="000000"/>
                 </a:solidFill>
@@ -11368,14 +11366,14 @@
           </a:ln>
           <a:extLst>
             <a:ext uri="{909E8E84-426E-40dd-AFC4-6F175D3DCCD1}">
-              <a14:hiddenFill xmlns:a14="http://schemas.microsoft.com/office/drawing/2010/main" xmlns="">
+              <a14:hiddenFill xmlns="" xmlns:a14="http://schemas.microsoft.com/office/drawing/2010/main">
                 <a:solidFill>
                   <a:srgbClr val="FFFFFF"/>
                 </a:solidFill>
               </a14:hiddenFill>
             </a:ext>
             <a:ext uri="{91240B29-F687-4f45-9708-019B960494DF}">
-              <a14:hiddenLine xmlns:a14="http://schemas.microsoft.com/office/drawing/2010/main" xmlns="" w="9525">
+              <a14:hiddenLine xmlns="" xmlns:a14="http://schemas.microsoft.com/office/drawing/2010/main" w="9525">
                 <a:solidFill>
                   <a:srgbClr val="000000"/>
                 </a:solidFill>
@@ -11802,7 +11800,9 @@
           </a:xfrm>
         </p:spPr>
         <p:txBody>
-          <a:bodyPr/>
+          <a:bodyPr>
+            <a:normAutofit lnSpcReduction="10000"/>
+          </a:bodyPr>
           <a:lstStyle/>
           <a:p>
             <a:pPr>
@@ -11896,6 +11896,67 @@
               </a:rPr>
               <a:t>http://www.biostars.org/p/1701/</a:t>
             </a:r>
+            <a:endParaRPr lang="en-US" dirty="0">
+              <a:latin typeface="Calibri" charset="0"/>
+              <a:ea typeface="ＭＳ Ｐゴシック" charset="0"/>
+            </a:endParaRPr>
+          </a:p>
+          <a:p>
+            <a:pPr lvl="1">
+              <a:defRPr/>
+            </a:pPr>
+            <a:endParaRPr lang="en-US" dirty="0">
+              <a:latin typeface="Calibri" charset="0"/>
+              <a:ea typeface="ＭＳ Ｐゴシック" charset="0"/>
+            </a:endParaRPr>
+          </a:p>
+          <a:p>
+            <a:pPr>
+              <a:defRPr/>
+            </a:pPr>
+            <a:r>
+              <a:rPr lang="en-US" dirty="0">
+                <a:latin typeface="Calibri" panose="020F0502020204030204" pitchFamily="34" charset="0"/>
+                <a:cs typeface="Calibri" panose="020F0502020204030204" pitchFamily="34" charset="0"/>
+              </a:rPr>
+              <a:t>Is HISAT2 the only mapper to consider for RNA-</a:t>
+            </a:r>
+            <a:r>
+              <a:rPr lang="en-US" dirty="0" err="1">
+                <a:latin typeface="Calibri" panose="020F0502020204030204" pitchFamily="34" charset="0"/>
+                <a:cs typeface="Calibri" panose="020F0502020204030204" pitchFamily="34" charset="0"/>
+              </a:rPr>
+              <a:t>seq</a:t>
+            </a:r>
+            <a:r>
+              <a:rPr lang="en-US" dirty="0">
+                <a:latin typeface="Calibri" panose="020F0502020204030204" pitchFamily="34" charset="0"/>
+                <a:cs typeface="Calibri" panose="020F0502020204030204" pitchFamily="34" charset="0"/>
+              </a:rPr>
+              <a:t> data?</a:t>
+            </a:r>
+          </a:p>
+          <a:p>
+            <a:pPr lvl="1">
+              <a:defRPr/>
+            </a:pPr>
+            <a:r>
+              <a:rPr lang="en-US" dirty="0">
+                <a:latin typeface="Calibri" panose="020F0502020204030204" pitchFamily="34" charset="0"/>
+                <a:cs typeface="Calibri" panose="020F0502020204030204" pitchFamily="34" charset="0"/>
+                <a:hlinkClick r:id="rId3"/>
+              </a:rPr>
+              <a:t>http://www.biostars.org/p/60478/</a:t>
+            </a:r>
+            <a:endParaRPr lang="en-US" dirty="0">
+              <a:latin typeface="Calibri" panose="020F0502020204030204" pitchFamily="34" charset="0"/>
+              <a:cs typeface="Calibri" panose="020F0502020204030204" pitchFamily="34" charset="0"/>
+            </a:endParaRPr>
+          </a:p>
+          <a:p>
+            <a:pPr lvl="1">
+              <a:defRPr/>
+            </a:pPr>
             <a:endParaRPr lang="en-US" dirty="0">
               <a:latin typeface="Calibri" charset="0"/>
               <a:ea typeface="ＭＳ Ｐゴシック" charset="0"/>
@@ -12036,7 +12097,7 @@
                 <a:latin typeface="Calibri" panose="020F0502020204030204" pitchFamily="34" charset="0"/>
                 <a:cs typeface="Calibri" panose="020F0502020204030204" pitchFamily="34" charset="0"/>
               </a:rPr>
-              <a:t>Imperfections in how the pieces fit can indicate damage to a copy of the picture</a:t>
+              <a:t>Imperfections in how the pieces fit can indicate changes to a copy of the picture</a:t>
             </a:r>
           </a:p>
         </p:txBody>
@@ -12415,13 +12476,13 @@
         </p:nvSpPr>
         <p:spPr>
           <a:xfrm>
-            <a:off x="1676400" y="1341438"/>
-            <a:ext cx="8839200" cy="4724400"/>
+            <a:off x="1082040" y="1116013"/>
+            <a:ext cx="9433560" cy="4949825"/>
           </a:xfrm>
         </p:spPr>
         <p:txBody>
           <a:bodyPr>
-            <a:normAutofit fontScale="92500" lnSpcReduction="20000"/>
+            <a:normAutofit/>
           </a:bodyPr>
           <a:lstStyle/>
           <a:p>
@@ -12430,8 +12491,9 @@
             </a:pPr>
             <a:r>
               <a:rPr lang="en-US" dirty="0">
-                <a:latin typeface="Calibri" charset="0"/>
-                <a:ea typeface="ＭＳ Ｐゴシック" charset="0"/>
+                <a:latin typeface="Calibri" panose="020F0502020204030204" pitchFamily="34" charset="0"/>
+                <a:ea typeface="ＭＳ Ｐゴシック" charset="0"/>
+                <a:cs typeface="Calibri" panose="020F0502020204030204" pitchFamily="34" charset="0"/>
               </a:rPr>
               <a:t>Computational cost</a:t>
             </a:r>
@@ -12442,8 +12504,9 @@
             </a:pPr>
             <a:r>
               <a:rPr lang="en-US" dirty="0">
-                <a:latin typeface="Calibri" charset="0"/>
-                <a:ea typeface="ＭＳ Ｐゴシック" charset="0"/>
+                <a:latin typeface="Calibri" panose="020F0502020204030204" pitchFamily="34" charset="0"/>
+                <a:ea typeface="ＭＳ Ｐゴシック" charset="0"/>
+                <a:cs typeface="Calibri" panose="020F0502020204030204" pitchFamily="34" charset="0"/>
               </a:rPr>
               <a:t>100’s of millions of reads</a:t>
             </a:r>
@@ -12454,8 +12517,9 @@
               <a:defRPr/>
             </a:pPr>
             <a:endParaRPr lang="en-US" dirty="0">
-              <a:latin typeface="Calibri" charset="0"/>
+              <a:latin typeface="Calibri" panose="020F0502020204030204" pitchFamily="34" charset="0"/>
               <a:ea typeface="ＭＳ Ｐゴシック" charset="0"/>
+              <a:cs typeface="Calibri" panose="020F0502020204030204" pitchFamily="34" charset="0"/>
             </a:endParaRPr>
           </a:p>
           <a:p>
@@ -12464,8 +12528,9 @@
             </a:pPr>
             <a:r>
               <a:rPr lang="en-US" dirty="0">
-                <a:latin typeface="Calibri" charset="0"/>
-                <a:ea typeface="ＭＳ Ｐゴシック" charset="0"/>
+                <a:latin typeface="Calibri" panose="020F0502020204030204" pitchFamily="34" charset="0"/>
+                <a:ea typeface="ＭＳ Ｐゴシック" charset="0"/>
+                <a:cs typeface="Calibri" panose="020F0502020204030204" pitchFamily="34" charset="0"/>
               </a:rPr>
               <a:t>Introns!</a:t>
             </a:r>
@@ -12476,8 +12541,9 @@
             </a:pPr>
             <a:r>
               <a:rPr lang="en-US" dirty="0">
-                <a:latin typeface="Calibri" charset="0"/>
-                <a:ea typeface="ＭＳ Ｐゴシック" charset="0"/>
+                <a:latin typeface="Calibri" panose="020F0502020204030204" pitchFamily="34" charset="0"/>
+                <a:ea typeface="ＭＳ Ｐゴシック" charset="0"/>
+                <a:cs typeface="Calibri" panose="020F0502020204030204" pitchFamily="34" charset="0"/>
               </a:rPr>
               <a:t>Spliced vs. unspliced alignments</a:t>
             </a:r>
@@ -12487,8 +12553,9 @@
               <a:defRPr/>
             </a:pPr>
             <a:endParaRPr lang="en-US" dirty="0">
-              <a:latin typeface="Calibri" charset="0"/>
+              <a:latin typeface="Calibri" panose="020F0502020204030204" pitchFamily="34" charset="0"/>
               <a:ea typeface="ＭＳ Ｐゴシック" charset="0"/>
+              <a:cs typeface="Calibri" panose="020F0502020204030204" pitchFamily="34" charset="0"/>
             </a:endParaRPr>
           </a:p>
           <a:p>
@@ -12497,8 +12564,9 @@
             </a:pPr>
             <a:r>
               <a:rPr lang="en-US" dirty="0">
-                <a:latin typeface="Calibri" charset="0"/>
-                <a:ea typeface="ＭＳ Ｐゴシック" charset="0"/>
+                <a:latin typeface="Calibri" panose="020F0502020204030204" pitchFamily="34" charset="0"/>
+                <a:ea typeface="ＭＳ Ｐゴシック" charset="0"/>
+                <a:cs typeface="Calibri" panose="020F0502020204030204" pitchFamily="34" charset="0"/>
               </a:rPr>
               <a:t>Can I just align my data once using one approach and be done with it?</a:t>
             </a:r>
@@ -12509,41 +12577,12 @@
             </a:pPr>
             <a:r>
               <a:rPr lang="en-US" dirty="0">
-                <a:latin typeface="Calibri" charset="0"/>
-                <a:ea typeface="ＭＳ Ｐゴシック" charset="0"/>
+                <a:latin typeface="Calibri" panose="020F0502020204030204" pitchFamily="34" charset="0"/>
+                <a:ea typeface="ＭＳ Ｐゴシック" charset="0"/>
+                <a:cs typeface="Calibri" panose="020F0502020204030204" pitchFamily="34" charset="0"/>
               </a:rPr>
               <a:t>Unfortunately probably not</a:t>
             </a:r>
-          </a:p>
-          <a:p>
-            <a:pPr lvl="1">
-              <a:defRPr/>
-            </a:pPr>
-            <a:endParaRPr lang="en-US" dirty="0">
-              <a:latin typeface="Calibri" charset="0"/>
-              <a:ea typeface="ＭＳ Ｐゴシック" charset="0"/>
-            </a:endParaRPr>
-          </a:p>
-          <a:p>
-            <a:pPr>
-              <a:defRPr/>
-            </a:pPr>
-            <a:r>
-              <a:rPr lang="en-US" dirty="0"/>
-              <a:t>Is HISAT2 the only mapper to consider for RNA-seq data?</a:t>
-            </a:r>
-          </a:p>
-          <a:p>
-            <a:pPr lvl="1">
-              <a:defRPr/>
-            </a:pPr>
-            <a:r>
-              <a:rPr lang="en-US" dirty="0">
-                <a:hlinkClick r:id="rId2"/>
-              </a:rPr>
-              <a:t>http://www.biostars.org/p/60478/</a:t>
-            </a:r>
-            <a:endParaRPr lang="en-US" dirty="0"/>
           </a:p>
         </p:txBody>
       </p:sp>
@@ -12686,14 +12725,14 @@
           </a:ln>
           <a:extLst>
             <a:ext uri="{909E8E84-426E-40dd-AFC4-6F175D3DCCD1}">
-              <a14:hiddenFill xmlns:a14="http://schemas.microsoft.com/office/drawing/2010/main" xmlns="">
+              <a14:hiddenFill xmlns="" xmlns:a14="http://schemas.microsoft.com/office/drawing/2010/main">
                 <a:solidFill>
                   <a:srgbClr val="FFFFFF"/>
                 </a:solidFill>
               </a14:hiddenFill>
             </a:ext>
             <a:ext uri="{91240B29-F687-4f45-9708-019B960494DF}">
-              <a14:hiddenLine xmlns:a14="http://schemas.microsoft.com/office/drawing/2010/main" xmlns="" w="9525">
+              <a14:hiddenLine xmlns="" xmlns:a14="http://schemas.microsoft.com/office/drawing/2010/main" w="9525">
                 <a:solidFill>
                   <a:srgbClr val="000000"/>
                 </a:solidFill>
@@ -12703,7 +12742,7 @@
               </a14:hiddenLine>
             </a:ext>
             <a:ext uri="{FAA26D3D-D897-4be2-8F04-BA451C77F1D7}">
-              <ma14:placeholderFlag xmlns:ma14="http://schemas.microsoft.com/office/mac/drawingml/2011/main" xmlns="" val="1"/>
+              <ma14:placeholderFlag xmlns="" xmlns:ma14="http://schemas.microsoft.com/office/mac/drawingml/2011/main" val="1"/>
             </a:ext>
           </a:extLst>
         </p:spPr>
@@ -12743,14 +12782,14 @@
           </a:ln>
           <a:extLst>
             <a:ext uri="{909E8E84-426E-40dd-AFC4-6F175D3DCCD1}">
-              <a14:hiddenFill xmlns:a14="http://schemas.microsoft.com/office/drawing/2010/main" xmlns="">
+              <a14:hiddenFill xmlns="" xmlns:a14="http://schemas.microsoft.com/office/drawing/2010/main">
                 <a:solidFill>
                   <a:srgbClr val="FFFFFF"/>
                 </a:solidFill>
               </a14:hiddenFill>
             </a:ext>
             <a:ext uri="{91240B29-F687-4f45-9708-019B960494DF}">
-              <a14:hiddenLine xmlns:a14="http://schemas.microsoft.com/office/drawing/2010/main" xmlns="" w="9525">
+              <a14:hiddenLine xmlns="" xmlns:a14="http://schemas.microsoft.com/office/drawing/2010/main" w="9525">
                 <a:solidFill>
                   <a:srgbClr val="000000"/>
                 </a:solidFill>
@@ -12760,7 +12799,7 @@
               </a14:hiddenLine>
             </a:ext>
             <a:ext uri="{FAA26D3D-D897-4be2-8F04-BA451C77F1D7}">
-              <ma14:placeholderFlag xmlns:ma14="http://schemas.microsoft.com/office/mac/drawingml/2011/main" xmlns="" val="1"/>
+              <ma14:placeholderFlag xmlns="" xmlns:ma14="http://schemas.microsoft.com/office/mac/drawingml/2011/main" val="1"/>
             </a:ext>
           </a:extLst>
         </p:spPr>
@@ -12787,14 +12826,14 @@
           </a:ln>
           <a:extLst>
             <a:ext uri="{909E8E84-426E-40dd-AFC4-6F175D3DCCD1}">
-              <a14:hiddenFill xmlns:a14="http://schemas.microsoft.com/office/drawing/2010/main" xmlns="">
+              <a14:hiddenFill xmlns="" xmlns:a14="http://schemas.microsoft.com/office/drawing/2010/main">
                 <a:solidFill>
                   <a:srgbClr val="FFFFFF"/>
                 </a:solidFill>
               </a14:hiddenFill>
             </a:ext>
             <a:ext uri="{91240B29-F687-4f45-9708-019B960494DF}">
-              <a14:hiddenLine xmlns:a14="http://schemas.microsoft.com/office/drawing/2010/main" xmlns="" w="9525">
+              <a14:hiddenLine xmlns="" xmlns:a14="http://schemas.microsoft.com/office/drawing/2010/main" w="9525">
                 <a:solidFill>
                   <a:srgbClr val="000000"/>
                 </a:solidFill>
@@ -12976,14 +13015,14 @@
           </a:ln>
           <a:extLst>
             <a:ext uri="{909E8E84-426E-40dd-AFC4-6F175D3DCCD1}">
-              <a14:hiddenFill xmlns:a14="http://schemas.microsoft.com/office/drawing/2010/main" xmlns="">
+              <a14:hiddenFill xmlns="" xmlns:a14="http://schemas.microsoft.com/office/drawing/2010/main">
                 <a:solidFill>
                   <a:srgbClr val="FFFFFF"/>
                 </a:solidFill>
               </a14:hiddenFill>
             </a:ext>
             <a:ext uri="{91240B29-F687-4f45-9708-019B960494DF}">
-              <a14:hiddenLine xmlns:a14="http://schemas.microsoft.com/office/drawing/2010/main" xmlns="" w="9525">
+              <a14:hiddenLine xmlns="" xmlns:a14="http://schemas.microsoft.com/office/drawing/2010/main" w="9525">
                 <a:solidFill>
                   <a:srgbClr val="000000"/>
                 </a:solidFill>
@@ -13165,14 +13204,14 @@
           </a:ln>
           <a:extLst>
             <a:ext uri="{909E8E84-426E-40dd-AFC4-6F175D3DCCD1}">
-              <a14:hiddenFill xmlns:a14="http://schemas.microsoft.com/office/drawing/2010/main" xmlns="">
+              <a14:hiddenFill xmlns="" xmlns:a14="http://schemas.microsoft.com/office/drawing/2010/main">
                 <a:solidFill>
                   <a:srgbClr val="FFFFFF"/>
                 </a:solidFill>
               </a14:hiddenFill>
             </a:ext>
             <a:ext uri="{91240B29-F687-4f45-9708-019B960494DF}">
-              <a14:hiddenLine xmlns:a14="http://schemas.microsoft.com/office/drawing/2010/main" xmlns="" w="9525">
+              <a14:hiddenLine xmlns="" xmlns:a14="http://schemas.microsoft.com/office/drawing/2010/main" w="9525">
                 <a:solidFill>
                   <a:srgbClr val="000000"/>
                 </a:solidFill>
@@ -13354,14 +13393,14 @@
           </a:ln>
           <a:extLst>
             <a:ext uri="{909E8E84-426E-40dd-AFC4-6F175D3DCCD1}">
-              <a14:hiddenFill xmlns:a14="http://schemas.microsoft.com/office/drawing/2010/main" xmlns="">
+              <a14:hiddenFill xmlns="" xmlns:a14="http://schemas.microsoft.com/office/drawing/2010/main">
                 <a:solidFill>
                   <a:srgbClr val="FFFFFF"/>
                 </a:solidFill>
               </a14:hiddenFill>
             </a:ext>
             <a:ext uri="{91240B29-F687-4f45-9708-019B960494DF}">
-              <a14:hiddenLine xmlns:a14="http://schemas.microsoft.com/office/drawing/2010/main" xmlns="" w="9525">
+              <a14:hiddenLine xmlns="" xmlns:a14="http://schemas.microsoft.com/office/drawing/2010/main" w="9525">
                 <a:solidFill>
                   <a:srgbClr val="000000"/>
                 </a:solidFill>
@@ -13867,14 +13906,14 @@
           </a:ln>
           <a:extLst>
             <a:ext uri="{909E8E84-426E-40dd-AFC4-6F175D3DCCD1}">
-              <a14:hiddenFill xmlns:a14="http://schemas.microsoft.com/office/drawing/2010/main" xmlns="">
+              <a14:hiddenFill xmlns="" xmlns:a14="http://schemas.microsoft.com/office/drawing/2010/main">
                 <a:solidFill>
                   <a:srgbClr val="FFFFFF"/>
                 </a:solidFill>
               </a14:hiddenFill>
             </a:ext>
             <a:ext uri="{91240B29-F687-4f45-9708-019B960494DF}">
-              <a14:hiddenLine xmlns:a14="http://schemas.microsoft.com/office/drawing/2010/main" xmlns="" w="9525">
+              <a14:hiddenLine xmlns="" xmlns:a14="http://schemas.microsoft.com/office/drawing/2010/main" w="9525">
                 <a:solidFill>
                   <a:srgbClr val="000000"/>
                 </a:solidFill>
@@ -14443,14 +14482,14 @@
           </a:ln>
           <a:extLst>
             <a:ext uri="{909E8E84-426E-40dd-AFC4-6F175D3DCCD1}">
-              <a14:hiddenFill xmlns:a14="http://schemas.microsoft.com/office/drawing/2010/main" xmlns="">
+              <a14:hiddenFill xmlns="" xmlns:a14="http://schemas.microsoft.com/office/drawing/2010/main">
                 <a:solidFill>
                   <a:srgbClr val="FFFFFF"/>
                 </a:solidFill>
               </a14:hiddenFill>
             </a:ext>
             <a:ext uri="{91240B29-F687-4f45-9708-019B960494DF}">
-              <a14:hiddenLine xmlns:a14="http://schemas.microsoft.com/office/drawing/2010/main" xmlns="" w="9525">
+              <a14:hiddenLine xmlns="" xmlns:a14="http://schemas.microsoft.com/office/drawing/2010/main" w="9525">
                 <a:solidFill>
                   <a:srgbClr val="000000"/>
                 </a:solidFill>
@@ -14535,8 +14574,8 @@
         </p:nvSpPr>
         <p:spPr>
           <a:xfrm>
-            <a:off x="554636" y="1341438"/>
-            <a:ext cx="10814404" cy="4724400"/>
+            <a:off x="554636" y="1203960"/>
+            <a:ext cx="10814404" cy="4861878"/>
           </a:xfrm>
         </p:spPr>
         <p:txBody>
@@ -14579,6 +14618,16 @@
               </a:rPr>
               <a:t>Very fast</a:t>
             </a:r>
+            <a:br>
+              <a:rPr lang="en-US" dirty="0">
+                <a:latin typeface="Calibri" charset="0"/>
+                <a:ea typeface="ＭＳ Ｐゴシック" charset="0"/>
+              </a:rPr>
+            </a:br>
+            <a:endParaRPr lang="en-US" dirty="0">
+              <a:latin typeface="Calibri" charset="0"/>
+              <a:ea typeface="ＭＳ Ｐゴシック" charset="0"/>
+            </a:endParaRPr>
           </a:p>
           <a:p>
             <a:pPr>
@@ -14596,14 +14645,14 @@
                 <a:latin typeface="Calibri" charset="0"/>
                 <a:ea typeface="ＭＳ Ｐゴシック" charset="0"/>
               </a:rPr>
-              <a:t>Ferragina-Manzini</a:t>
+              <a:t>Ferragina</a:t>
             </a:r>
             <a:r>
               <a:rPr lang="en-US" dirty="0">
                 <a:latin typeface="Calibri" charset="0"/>
                 <a:ea typeface="ＭＳ Ｐゴシック" charset="0"/>
               </a:rPr>
-              <a:t> (FM) index</a:t>
+              <a:t>-Manzini (FM) index</a:t>
             </a:r>
           </a:p>
           <a:p>
@@ -14678,14 +14727,14 @@
           </a:ln>
           <a:extLst>
             <a:ext uri="{909E8E84-426E-40dd-AFC4-6F175D3DCCD1}">
-              <a14:hiddenFill xmlns:a14="http://schemas.microsoft.com/office/drawing/2010/main" xmlns="">
+              <a14:hiddenFill xmlns="" xmlns:a14="http://schemas.microsoft.com/office/drawing/2010/main">
                 <a:solidFill>
                   <a:srgbClr val="FFFFFF"/>
                 </a:solidFill>
               </a14:hiddenFill>
             </a:ext>
             <a:ext uri="{91240B29-F687-4f45-9708-019B960494DF}">
-              <a14:hiddenLine xmlns:a14="http://schemas.microsoft.com/office/drawing/2010/main" xmlns="" w="9525">
+              <a14:hiddenLine xmlns="" xmlns:a14="http://schemas.microsoft.com/office/drawing/2010/main" w="9525">
                 <a:solidFill>
                   <a:srgbClr val="000000"/>
                 </a:solidFill>
